--- a/Thesis-review.pptx
+++ b/Thesis-review.pptx
@@ -217,7 +217,7 @@
           <a:p>
             <a:fld id="{EEA6C43E-BF2E-4F9E-AD57-441B9F46AF27}" type="datetimeFigureOut">
               <a:rPr lang="en-US" smtClean="0"/>
-              <a:t>3/2/2018</a:t>
+              <a:t>3/3/2018</a:t>
             </a:fld>
             <a:endParaRPr lang="en-US"/>
           </a:p>
@@ -3269,11 +3269,7 @@
             </a:r>
             <a:r>
               <a:rPr lang="en-US" baseline="0" smtClean="0"/>
-              <a:t>MVC </a:t>
-            </a:r>
-            <a:r>
-              <a:rPr lang="en-US" baseline="0" smtClean="0"/>
-              <a:t>Hibernate</a:t>
+              <a:t>MVC Hibernate</a:t>
             </a:r>
           </a:p>
           <a:p>
@@ -3680,11 +3676,7 @@
             </a:r>
             <a:r>
               <a:rPr lang="en-US" baseline="0" dirty="0" smtClean="0"/>
-              <a:t> </a:t>
-            </a:r>
-            <a:r>
-              <a:rPr lang="en-US" baseline="0" dirty="0" smtClean="0"/>
-              <a:t>picture show the </a:t>
+              <a:t> picture show the </a:t>
             </a:r>
             <a:r>
               <a:rPr lang="en-US" dirty="0" smtClean="0"/>
@@ -3766,7 +3758,15 @@
             </a:pPr>
             <a:r>
               <a:rPr lang="en-US" baseline="0" dirty="0" smtClean="0"/>
-              <a:t>However, when you’re the users of your system increase, the data increase as well, developers add new features or complex business logic. It leads to the fact that Only a few years or even a few month later,  your system become giant monster and every effort to optimize or agile working methods is no long effective</a:t>
+              <a:t>However, when </a:t>
+            </a:r>
+            <a:r>
+              <a:rPr lang="en-US" baseline="0" dirty="0" smtClean="0"/>
+              <a:t>the </a:t>
+            </a:r>
+            <a:r>
+              <a:rPr lang="en-US" baseline="0" dirty="0" smtClean="0"/>
+              <a:t>users of your system increase, the data increase as well, developers add new features or complex business logic. It leads to the fact that Only a few years or even a few month later,  your system become giant monster and every effort to optimize or agile working methods is no long effective</a:t>
             </a:r>
           </a:p>
           <a:p>
@@ -4067,7 +4067,7 @@
             </a:pPr>
             <a:r>
               <a:rPr lang="en-US" baseline="0" dirty="0" smtClean="0"/>
-              <a:t> Opposed to </a:t>
+              <a:t> Opposite to </a:t>
             </a:r>
             <a:r>
               <a:rPr lang="en-US" dirty="0" smtClean="0"/>
@@ -4087,8 +4087,13 @@
             </a:r>
             <a:r>
               <a:rPr lang="en-US" dirty="0" smtClean="0"/>
-              <a:t>, a service provides API or uses API from other services to execute its own business logic. </a:t>
-            </a:r>
+              <a:t>, this main building</a:t>
+            </a:r>
+            <a:r>
+              <a:rPr lang="en-US" baseline="0" dirty="0" smtClean="0"/>
+              <a:t> monolithic block is separated into a lot of smaller services</a:t>
+            </a:r>
+            <a:endParaRPr lang="en-US" dirty="0" smtClean="0"/>
           </a:p>
           <a:p>
             <a:pPr marL="0" marR="0" indent="0" algn="l" defTabSz="914400" rtl="0" eaLnBrk="1" fontAlgn="auto" latinLnBrk="0" hangingPunct="1">
@@ -4130,7 +4135,7 @@
             </a:pPr>
             <a:r>
               <a:rPr lang="en-US" dirty="0" smtClean="0"/>
-              <a:t>A service can also be a client with variety of difference from other services including desktop browsers, mobile browsers and native mobile applications</a:t>
+              <a:t>a service provides API or uses API from other services to execute its own business logic. </a:t>
             </a:r>
           </a:p>
           <a:p>
@@ -4171,7 +4176,18 @@
               <a:tabLst/>
               <a:defRPr/>
             </a:pPr>
-            <a:endParaRPr lang="en-US" dirty="0" smtClean="0"/>
+            <a:r>
+              <a:rPr lang="en-US" dirty="0" smtClean="0"/>
+              <a:t>The architecture of </a:t>
+            </a:r>
+            <a:r>
+              <a:rPr lang="en-US" dirty="0" err="1" smtClean="0"/>
+              <a:t>Microservices</a:t>
+            </a:r>
+            <a:r>
+              <a:rPr lang="en-US" dirty="0" smtClean="0"/>
+              <a:t> is the interaction of many independent services. Each service has the own architecture which can be implemented in different programming language or use different database system</a:t>
+            </a:r>
           </a:p>
           <a:p>
             <a:pPr marL="0" marR="0" indent="0" algn="l" defTabSz="914400" rtl="0" eaLnBrk="1" fontAlgn="auto" latinLnBrk="0" hangingPunct="1">
@@ -4191,18 +4207,66 @@
               <a:tabLst/>
               <a:defRPr/>
             </a:pPr>
+            <a:endParaRPr lang="en-US" dirty="0" smtClean="0"/>
+          </a:p>
+          <a:p>
+            <a:pPr marL="0" marR="0" indent="0" algn="l" defTabSz="914400" rtl="0" eaLnBrk="1" fontAlgn="auto" latinLnBrk="0" hangingPunct="1">
+              <a:lnSpc>
+                <a:spcPct val="100000"/>
+              </a:lnSpc>
+              <a:spcBef>
+                <a:spcPts val="0"/>
+              </a:spcBef>
+              <a:spcAft>
+                <a:spcPts val="0"/>
+              </a:spcAft>
+              <a:buClrTx/>
+              <a:buSzTx/>
+              <a:buFontTx/>
+              <a:buNone/>
+              <a:tabLst/>
+              <a:defRPr/>
+            </a:pPr>
             <a:r>
               <a:rPr lang="en-US" dirty="0" smtClean="0"/>
-              <a:t>The architecture of </a:t>
-            </a:r>
-            <a:r>
-              <a:rPr lang="en-US" dirty="0" err="1" smtClean="0"/>
-              <a:t>Microservices</a:t>
+              <a:t>A service can also be a client or server</a:t>
+            </a:r>
+            <a:r>
+              <a:rPr lang="en-US" baseline="0" dirty="0" smtClean="0"/>
+              <a:t> including web </a:t>
             </a:r>
             <a:r>
               <a:rPr lang="en-US" dirty="0" smtClean="0"/>
-              <a:t> is the interaction of many independent services. Each service has the own architecture which can be implemented in different programming language or use different database system</a:t>
-            </a:r>
+              <a:t>browsers ,</a:t>
+            </a:r>
+            <a:r>
+              <a:rPr lang="en-US" baseline="0" dirty="0" smtClean="0"/>
+              <a:t> web app, </a:t>
+            </a:r>
+            <a:r>
+              <a:rPr lang="en-US" dirty="0" smtClean="0"/>
+              <a:t> mobile browsers and native mobile applications</a:t>
+            </a:r>
+          </a:p>
+          <a:p>
+            <a:pPr marL="0" marR="0" indent="0" algn="l" defTabSz="914400" rtl="0" eaLnBrk="1" fontAlgn="auto" latinLnBrk="0" hangingPunct="1">
+              <a:lnSpc>
+                <a:spcPct val="100000"/>
+              </a:lnSpc>
+              <a:spcBef>
+                <a:spcPts val="0"/>
+              </a:spcBef>
+              <a:spcAft>
+                <a:spcPts val="0"/>
+              </a:spcAft>
+              <a:buClrTx/>
+              <a:buSzTx/>
+              <a:buFontTx/>
+              <a:buNone/>
+              <a:tabLst/>
+              <a:defRPr/>
+            </a:pPr>
+            <a:endParaRPr lang="en-US" dirty="0" smtClean="0"/>
           </a:p>
           <a:p>
             <a:pPr marL="0" marR="0" indent="0" algn="l" defTabSz="914400" rtl="0" eaLnBrk="1" fontAlgn="auto" latinLnBrk="0" hangingPunct="1">
@@ -4571,7 +4635,7 @@
             </a:pPr>
             <a:r>
               <a:rPr lang="en-US" baseline="0" dirty="0" smtClean="0"/>
-              <a:t>For the one who have used JBDC with SQL, when you can the database system, your application will occurs error because of the query of each SQL DB are different. And in my experience, when I am a student and use JBDC to connect SQL, I have to do a lot of step, I have to prepare a long query  to retrieve or update DB. As I remember each column from DB is loaded by </a:t>
+              <a:t>For the one who have used JBDC with SQL, when you can the database system, your application will occurs error because the query of each SQL DB are different. And in my experience, when I am a student and use JBDC to connect SQL, I have to do a lot of step, I have to prepare a long query  to retrieve or update DB. As I remember each column from DB is loaded by </a:t>
             </a:r>
             <a:r>
               <a:rPr lang="en-US" baseline="0" dirty="0" err="1" smtClean="0"/>
@@ -4581,9 +4645,6 @@
               <a:rPr lang="en-US" baseline="0" dirty="0" smtClean="0"/>
               <a:t> dot Get String column. It is not convenient</a:t>
             </a:r>
-          </a:p>
-          <a:p>
-            <a:endParaRPr lang="en-US" dirty="0" smtClean="0"/>
           </a:p>
           <a:p>
             <a:pPr marL="0" marR="0" indent="0" algn="l" defTabSz="914400" rtl="0" eaLnBrk="1" fontAlgn="auto" latinLnBrk="0" hangingPunct="1">
@@ -4603,17 +4664,37 @@
               <a:tabLst/>
               <a:defRPr/>
             </a:pPr>
+            <a:endParaRPr lang="en-US" baseline="0" dirty="0" smtClean="0"/>
+          </a:p>
+          <a:p>
+            <a:pPr marL="0" marR="0" indent="0" algn="l" defTabSz="914400" rtl="0" eaLnBrk="1" fontAlgn="auto" latinLnBrk="0" hangingPunct="1">
+              <a:lnSpc>
+                <a:spcPct val="100000"/>
+              </a:lnSpc>
+              <a:spcBef>
+                <a:spcPts val="0"/>
+              </a:spcBef>
+              <a:spcAft>
+                <a:spcPts val="0"/>
+              </a:spcAft>
+              <a:buClrTx/>
+              <a:buSzTx/>
+              <a:buFontTx/>
+              <a:buNone/>
+              <a:tabLst/>
+              <a:defRPr/>
+            </a:pPr>
             <a:r>
               <a:rPr lang="en-US" dirty="0" smtClean="0"/>
-              <a:t>Hibernate is an object-relational mapping tool for the Java programming language. It provides a framework for mapping an object-oriented domain model to a relational database.</a:t>
+              <a:t>Hibernate helps</a:t>
             </a:r>
             <a:r>
               <a:rPr lang="en-US" baseline="0" dirty="0" smtClean="0"/>
-              <a:t> </a:t>
+              <a:t> me do it better. </a:t>
             </a:r>
             <a:r>
               <a:rPr lang="en-US" dirty="0" smtClean="0"/>
-              <a:t>It provides a framework for mapping an object-oriented domain model to a relational database. Using hibernate you will have a mapping </a:t>
+              <a:t>Hibernate is an object-relational mapping tool for the Java programming language. It provides a framework for mapping an object-oriented model to a relational database. Using hibernate you will have a mapping </a:t>
             </a:r>
             <a:r>
               <a:rPr lang="en-US" baseline="0" dirty="0" smtClean="0"/>
@@ -5584,7 +5665,7 @@
             <a:fld id="{1D8BD707-D9CF-40AE-B4C6-C98DA3205C09}" type="datetimeFigureOut">
               <a:rPr lang="en-US" smtClean="0"/>
               <a:pPr/>
-              <a:t>3/2/2018</a:t>
+              <a:t>3/3/2018</a:t>
             </a:fld>
             <a:endParaRPr lang="en-US"/>
           </a:p>
@@ -5899,7 +5980,7 @@
             <a:fld id="{1D8BD707-D9CF-40AE-B4C6-C98DA3205C09}" type="datetimeFigureOut">
               <a:rPr lang="en-US" smtClean="0"/>
               <a:pPr/>
-              <a:t>3/2/2018</a:t>
+              <a:t>3/3/2018</a:t>
             </a:fld>
             <a:endParaRPr lang="en-US"/>
           </a:p>
@@ -6086,7 +6167,7 @@
             <a:fld id="{1D8BD707-D9CF-40AE-B4C6-C98DA3205C09}" type="datetimeFigureOut">
               <a:rPr lang="en-US" smtClean="0"/>
               <a:pPr/>
-              <a:t>3/2/2018</a:t>
+              <a:t>3/3/2018</a:t>
             </a:fld>
             <a:endParaRPr lang="en-US"/>
           </a:p>
@@ -6263,7 +6344,7 @@
             <a:fld id="{1D8BD707-D9CF-40AE-B4C6-C98DA3205C09}" type="datetimeFigureOut">
               <a:rPr lang="en-US" smtClean="0"/>
               <a:pPr/>
-              <a:t>3/2/2018</a:t>
+              <a:t>3/3/2018</a:t>
             </a:fld>
             <a:endParaRPr lang="en-US"/>
           </a:p>
@@ -6533,7 +6614,7 @@
             <a:fld id="{1D8BD707-D9CF-40AE-B4C6-C98DA3205C09}" type="datetimeFigureOut">
               <a:rPr lang="en-US" smtClean="0"/>
               <a:pPr/>
-              <a:t>3/2/2018</a:t>
+              <a:t>3/3/2018</a:t>
             </a:fld>
             <a:endParaRPr lang="en-US"/>
           </a:p>
@@ -7003,7 +7084,7 @@
             <a:fld id="{1D8BD707-D9CF-40AE-B4C6-C98DA3205C09}" type="datetimeFigureOut">
               <a:rPr lang="en-US" smtClean="0"/>
               <a:pPr/>
-              <a:t>3/2/2018</a:t>
+              <a:t>3/3/2018</a:t>
             </a:fld>
             <a:endParaRPr lang="en-US"/>
           </a:p>
@@ -7494,7 +7575,7 @@
             <a:fld id="{1D8BD707-D9CF-40AE-B4C6-C98DA3205C09}" type="datetimeFigureOut">
               <a:rPr lang="en-US" smtClean="0"/>
               <a:pPr/>
-              <a:t>3/2/2018</a:t>
+              <a:t>3/3/2018</a:t>
             </a:fld>
             <a:endParaRPr lang="en-US"/>
           </a:p>
@@ -7622,7 +7703,7 @@
             <a:fld id="{1D8BD707-D9CF-40AE-B4C6-C98DA3205C09}" type="datetimeFigureOut">
               <a:rPr lang="en-US" smtClean="0"/>
               <a:pPr/>
-              <a:t>3/2/2018</a:t>
+              <a:t>3/3/2018</a:t>
             </a:fld>
             <a:endParaRPr lang="en-US"/>
           </a:p>
@@ -7768,7 +7849,7 @@
             <a:fld id="{1D8BD707-D9CF-40AE-B4C6-C98DA3205C09}" type="datetimeFigureOut">
               <a:rPr lang="en-US" smtClean="0"/>
               <a:pPr/>
-              <a:t>3/2/2018</a:t>
+              <a:t>3/3/2018</a:t>
             </a:fld>
             <a:endParaRPr lang="en-US"/>
           </a:p>
@@ -8092,7 +8173,7 @@
             <a:fld id="{1D8BD707-D9CF-40AE-B4C6-C98DA3205C09}" type="datetimeFigureOut">
               <a:rPr lang="en-US" smtClean="0"/>
               <a:pPr/>
-              <a:t>3/2/2018</a:t>
+              <a:t>3/3/2018</a:t>
             </a:fld>
             <a:endParaRPr lang="en-US"/>
           </a:p>
@@ -8228,7 +8309,7 @@
             <a:fld id="{1D8BD707-D9CF-40AE-B4C6-C98DA3205C09}" type="datetimeFigureOut">
               <a:rPr lang="en-US" smtClean="0"/>
               <a:pPr/>
-              <a:t>3/2/2018</a:t>
+              <a:t>3/3/2018</a:t>
             </a:fld>
             <a:endParaRPr lang="en-US"/>
           </a:p>
@@ -9011,7 +9092,7 @@
             <a:fld id="{1D8BD707-D9CF-40AE-B4C6-C98DA3205C09}" type="datetimeFigureOut">
               <a:rPr lang="en-US" smtClean="0"/>
               <a:pPr/>
-              <a:t>3/2/2018</a:t>
+              <a:t>3/3/2018</a:t>
             </a:fld>
             <a:endParaRPr lang="en-US"/>
           </a:p>
@@ -10040,7 +10121,7 @@
         <p:spPr>
           <a:xfrm>
             <a:off x="2286000" y="5105400"/>
-            <a:ext cx="5524076" cy="369332"/>
+            <a:ext cx="5652317" cy="369332"/>
           </a:xfrm>
           <a:prstGeom prst="rect">
             <a:avLst/>
@@ -10062,7 +10143,27 @@
             </a:r>
             <a:r>
               <a:rPr lang="en-US" dirty="0" smtClean="0"/>
-              <a:t>: GET, PUT POST, DELETE …</a:t>
+              <a:t>: GET, </a:t>
+            </a:r>
+            <a:r>
+              <a:rPr lang="en-US" dirty="0" smtClean="0"/>
+              <a:t>POST</a:t>
+            </a:r>
+            <a:r>
+              <a:rPr lang="en-US" dirty="0" smtClean="0"/>
+              <a:t>, </a:t>
+            </a:r>
+            <a:r>
+              <a:rPr lang="en-US" dirty="0"/>
+              <a:t>PUT </a:t>
+            </a:r>
+            <a:r>
+              <a:rPr lang="en-US" dirty="0" smtClean="0"/>
+              <a:t>, DELETE </a:t>
+            </a:r>
+            <a:r>
+              <a:rPr lang="en-US" dirty="0" smtClean="0"/>
+              <a:t>…</a:t>
             </a:r>
             <a:endParaRPr lang="en-US" dirty="0"/>
           </a:p>
@@ -10525,1109 +10626,7 @@
   <p:timing>
     <p:tnLst>
       <p:par>
-        <p:cTn id="1" dur="indefinite" restart="never" nodeType="tmRoot">
-          <p:childTnLst>
-            <p:seq concurrent="1" nextAc="seek">
-              <p:cTn id="2" dur="indefinite" nodeType="mainSeq">
-                <p:childTnLst>
-                  <p:par>
-                    <p:cTn id="3" fill="hold">
-                      <p:stCondLst>
-                        <p:cond delay="indefinite"/>
-                      </p:stCondLst>
-                      <p:childTnLst>
-                        <p:par>
-                          <p:cTn id="4" fill="hold">
-                            <p:stCondLst>
-                              <p:cond delay="0"/>
-                            </p:stCondLst>
-                            <p:childTnLst>
-                              <p:par>
-                                <p:cTn id="5" presetID="2" presetClass="entr" presetSubtype="4" fill="hold" nodeType="clickEffect">
-                                  <p:stCondLst>
-                                    <p:cond delay="0"/>
-                                  </p:stCondLst>
-                                  <p:childTnLst>
-                                    <p:set>
-                                      <p:cBhvr>
-                                        <p:cTn id="6" dur="1" fill="hold">
-                                          <p:stCondLst>
-                                            <p:cond delay="0"/>
-                                          </p:stCondLst>
-                                        </p:cTn>
-                                        <p:tgtEl>
-                                          <p:spTgt spid="3">
-                                            <p:txEl>
-                                              <p:pRg st="0" end="0"/>
-                                            </p:txEl>
-                                          </p:spTgt>
-                                        </p:tgtEl>
-                                        <p:attrNameLst>
-                                          <p:attrName>style.visibility</p:attrName>
-                                        </p:attrNameLst>
-                                      </p:cBhvr>
-                                      <p:to>
-                                        <p:strVal val="visible"/>
-                                      </p:to>
-                                    </p:set>
-                                    <p:anim calcmode="lin" valueType="num">
-                                      <p:cBhvr additive="base">
-                                        <p:cTn id="7" dur="500" fill="hold"/>
-                                        <p:tgtEl>
-                                          <p:spTgt spid="3">
-                                            <p:txEl>
-                                              <p:pRg st="0" end="0"/>
-                                            </p:txEl>
-                                          </p:spTgt>
-                                        </p:tgtEl>
-                                        <p:attrNameLst>
-                                          <p:attrName>ppt_x</p:attrName>
-                                        </p:attrNameLst>
-                                      </p:cBhvr>
-                                      <p:tavLst>
-                                        <p:tav tm="0">
-                                          <p:val>
-                                            <p:strVal val="#ppt_x"/>
-                                          </p:val>
-                                        </p:tav>
-                                        <p:tav tm="100000">
-                                          <p:val>
-                                            <p:strVal val="#ppt_x"/>
-                                          </p:val>
-                                        </p:tav>
-                                      </p:tavLst>
-                                    </p:anim>
-                                    <p:anim calcmode="lin" valueType="num">
-                                      <p:cBhvr additive="base">
-                                        <p:cTn id="8" dur="500" fill="hold"/>
-                                        <p:tgtEl>
-                                          <p:spTgt spid="3">
-                                            <p:txEl>
-                                              <p:pRg st="0" end="0"/>
-                                            </p:txEl>
-                                          </p:spTgt>
-                                        </p:tgtEl>
-                                        <p:attrNameLst>
-                                          <p:attrName>ppt_y</p:attrName>
-                                        </p:attrNameLst>
-                                      </p:cBhvr>
-                                      <p:tavLst>
-                                        <p:tav tm="0">
-                                          <p:val>
-                                            <p:strVal val="1+#ppt_h/2"/>
-                                          </p:val>
-                                        </p:tav>
-                                        <p:tav tm="100000">
-                                          <p:val>
-                                            <p:strVal val="#ppt_y"/>
-                                          </p:val>
-                                        </p:tav>
-                                      </p:tavLst>
-                                    </p:anim>
-                                  </p:childTnLst>
-                                </p:cTn>
-                              </p:par>
-                            </p:childTnLst>
-                          </p:cTn>
-                        </p:par>
-                      </p:childTnLst>
-                    </p:cTn>
-                  </p:par>
-                  <p:par>
-                    <p:cTn id="9" fill="hold">
-                      <p:stCondLst>
-                        <p:cond delay="indefinite"/>
-                      </p:stCondLst>
-                      <p:childTnLst>
-                        <p:par>
-                          <p:cTn id="10" fill="hold">
-                            <p:stCondLst>
-                              <p:cond delay="0"/>
-                            </p:stCondLst>
-                            <p:childTnLst>
-                              <p:par>
-                                <p:cTn id="11" presetID="2" presetClass="entr" presetSubtype="4" fill="hold" nodeType="clickEffect">
-                                  <p:stCondLst>
-                                    <p:cond delay="0"/>
-                                  </p:stCondLst>
-                                  <p:childTnLst>
-                                    <p:set>
-                                      <p:cBhvr>
-                                        <p:cTn id="12" dur="1" fill="hold">
-                                          <p:stCondLst>
-                                            <p:cond delay="0"/>
-                                          </p:stCondLst>
-                                        </p:cTn>
-                                        <p:tgtEl>
-                                          <p:spTgt spid="3">
-                                            <p:txEl>
-                                              <p:pRg st="2" end="2"/>
-                                            </p:txEl>
-                                          </p:spTgt>
-                                        </p:tgtEl>
-                                        <p:attrNameLst>
-                                          <p:attrName>style.visibility</p:attrName>
-                                        </p:attrNameLst>
-                                      </p:cBhvr>
-                                      <p:to>
-                                        <p:strVal val="visible"/>
-                                      </p:to>
-                                    </p:set>
-                                    <p:anim calcmode="lin" valueType="num">
-                                      <p:cBhvr additive="base">
-                                        <p:cTn id="13" dur="500" fill="hold"/>
-                                        <p:tgtEl>
-                                          <p:spTgt spid="3">
-                                            <p:txEl>
-                                              <p:pRg st="2" end="2"/>
-                                            </p:txEl>
-                                          </p:spTgt>
-                                        </p:tgtEl>
-                                        <p:attrNameLst>
-                                          <p:attrName>ppt_x</p:attrName>
-                                        </p:attrNameLst>
-                                      </p:cBhvr>
-                                      <p:tavLst>
-                                        <p:tav tm="0">
-                                          <p:val>
-                                            <p:strVal val="#ppt_x"/>
-                                          </p:val>
-                                        </p:tav>
-                                        <p:tav tm="100000">
-                                          <p:val>
-                                            <p:strVal val="#ppt_x"/>
-                                          </p:val>
-                                        </p:tav>
-                                      </p:tavLst>
-                                    </p:anim>
-                                    <p:anim calcmode="lin" valueType="num">
-                                      <p:cBhvr additive="base">
-                                        <p:cTn id="14" dur="500" fill="hold"/>
-                                        <p:tgtEl>
-                                          <p:spTgt spid="3">
-                                            <p:txEl>
-                                              <p:pRg st="2" end="2"/>
-                                            </p:txEl>
-                                          </p:spTgt>
-                                        </p:tgtEl>
-                                        <p:attrNameLst>
-                                          <p:attrName>ppt_y</p:attrName>
-                                        </p:attrNameLst>
-                                      </p:cBhvr>
-                                      <p:tavLst>
-                                        <p:tav tm="0">
-                                          <p:val>
-                                            <p:strVal val="1+#ppt_h/2"/>
-                                          </p:val>
-                                        </p:tav>
-                                        <p:tav tm="100000">
-                                          <p:val>
-                                            <p:strVal val="#ppt_y"/>
-                                          </p:val>
-                                        </p:tav>
-                                      </p:tavLst>
-                                    </p:anim>
-                                  </p:childTnLst>
-                                </p:cTn>
-                              </p:par>
-                              <p:par>
-                                <p:cTn id="15" presetID="2" presetClass="entr" presetSubtype="4" fill="hold" nodeType="withEffect">
-                                  <p:stCondLst>
-                                    <p:cond delay="0"/>
-                                  </p:stCondLst>
-                                  <p:childTnLst>
-                                    <p:set>
-                                      <p:cBhvr>
-                                        <p:cTn id="16" dur="1" fill="hold">
-                                          <p:stCondLst>
-                                            <p:cond delay="0"/>
-                                          </p:stCondLst>
-                                        </p:cTn>
-                                        <p:tgtEl>
-                                          <p:spTgt spid="3">
-                                            <p:txEl>
-                                              <p:pRg st="3" end="3"/>
-                                            </p:txEl>
-                                          </p:spTgt>
-                                        </p:tgtEl>
-                                        <p:attrNameLst>
-                                          <p:attrName>style.visibility</p:attrName>
-                                        </p:attrNameLst>
-                                      </p:cBhvr>
-                                      <p:to>
-                                        <p:strVal val="visible"/>
-                                      </p:to>
-                                    </p:set>
-                                    <p:anim calcmode="lin" valueType="num">
-                                      <p:cBhvr additive="base">
-                                        <p:cTn id="17" dur="500" fill="hold"/>
-                                        <p:tgtEl>
-                                          <p:spTgt spid="3">
-                                            <p:txEl>
-                                              <p:pRg st="3" end="3"/>
-                                            </p:txEl>
-                                          </p:spTgt>
-                                        </p:tgtEl>
-                                        <p:attrNameLst>
-                                          <p:attrName>ppt_x</p:attrName>
-                                        </p:attrNameLst>
-                                      </p:cBhvr>
-                                      <p:tavLst>
-                                        <p:tav tm="0">
-                                          <p:val>
-                                            <p:strVal val="#ppt_x"/>
-                                          </p:val>
-                                        </p:tav>
-                                        <p:tav tm="100000">
-                                          <p:val>
-                                            <p:strVal val="#ppt_x"/>
-                                          </p:val>
-                                        </p:tav>
-                                      </p:tavLst>
-                                    </p:anim>
-                                    <p:anim calcmode="lin" valueType="num">
-                                      <p:cBhvr additive="base">
-                                        <p:cTn id="18" dur="500" fill="hold"/>
-                                        <p:tgtEl>
-                                          <p:spTgt spid="3">
-                                            <p:txEl>
-                                              <p:pRg st="3" end="3"/>
-                                            </p:txEl>
-                                          </p:spTgt>
-                                        </p:tgtEl>
-                                        <p:attrNameLst>
-                                          <p:attrName>ppt_y</p:attrName>
-                                        </p:attrNameLst>
-                                      </p:cBhvr>
-                                      <p:tavLst>
-                                        <p:tav tm="0">
-                                          <p:val>
-                                            <p:strVal val="1+#ppt_h/2"/>
-                                          </p:val>
-                                        </p:tav>
-                                        <p:tav tm="100000">
-                                          <p:val>
-                                            <p:strVal val="#ppt_y"/>
-                                          </p:val>
-                                        </p:tav>
-                                      </p:tavLst>
-                                    </p:anim>
-                                  </p:childTnLst>
-                                </p:cTn>
-                              </p:par>
-                            </p:childTnLst>
-                          </p:cTn>
-                        </p:par>
-                      </p:childTnLst>
-                    </p:cTn>
-                  </p:par>
-                  <p:par>
-                    <p:cTn id="19" fill="hold">
-                      <p:stCondLst>
-                        <p:cond delay="indefinite"/>
-                      </p:stCondLst>
-                      <p:childTnLst>
-                        <p:par>
-                          <p:cTn id="20" fill="hold">
-                            <p:stCondLst>
-                              <p:cond delay="0"/>
-                            </p:stCondLst>
-                            <p:childTnLst>
-                              <p:par>
-                                <p:cTn id="21" presetID="2" presetClass="entr" presetSubtype="4" fill="hold" nodeType="clickEffect">
-                                  <p:stCondLst>
-                                    <p:cond delay="0"/>
-                                  </p:stCondLst>
-                                  <p:childTnLst>
-                                    <p:set>
-                                      <p:cBhvr>
-                                        <p:cTn id="22" dur="1" fill="hold">
-                                          <p:stCondLst>
-                                            <p:cond delay="0"/>
-                                          </p:stCondLst>
-                                        </p:cTn>
-                                        <p:tgtEl>
-                                          <p:spTgt spid="3">
-                                            <p:txEl>
-                                              <p:pRg st="5" end="5"/>
-                                            </p:txEl>
-                                          </p:spTgt>
-                                        </p:tgtEl>
-                                        <p:attrNameLst>
-                                          <p:attrName>style.visibility</p:attrName>
-                                        </p:attrNameLst>
-                                      </p:cBhvr>
-                                      <p:to>
-                                        <p:strVal val="visible"/>
-                                      </p:to>
-                                    </p:set>
-                                    <p:anim calcmode="lin" valueType="num">
-                                      <p:cBhvr additive="base">
-                                        <p:cTn id="23" dur="500" fill="hold"/>
-                                        <p:tgtEl>
-                                          <p:spTgt spid="3">
-                                            <p:txEl>
-                                              <p:pRg st="5" end="5"/>
-                                            </p:txEl>
-                                          </p:spTgt>
-                                        </p:tgtEl>
-                                        <p:attrNameLst>
-                                          <p:attrName>ppt_x</p:attrName>
-                                        </p:attrNameLst>
-                                      </p:cBhvr>
-                                      <p:tavLst>
-                                        <p:tav tm="0">
-                                          <p:val>
-                                            <p:strVal val="#ppt_x"/>
-                                          </p:val>
-                                        </p:tav>
-                                        <p:tav tm="100000">
-                                          <p:val>
-                                            <p:strVal val="#ppt_x"/>
-                                          </p:val>
-                                        </p:tav>
-                                      </p:tavLst>
-                                    </p:anim>
-                                    <p:anim calcmode="lin" valueType="num">
-                                      <p:cBhvr additive="base">
-                                        <p:cTn id="24" dur="500" fill="hold"/>
-                                        <p:tgtEl>
-                                          <p:spTgt spid="3">
-                                            <p:txEl>
-                                              <p:pRg st="5" end="5"/>
-                                            </p:txEl>
-                                          </p:spTgt>
-                                        </p:tgtEl>
-                                        <p:attrNameLst>
-                                          <p:attrName>ppt_y</p:attrName>
-                                        </p:attrNameLst>
-                                      </p:cBhvr>
-                                      <p:tavLst>
-                                        <p:tav tm="0">
-                                          <p:val>
-                                            <p:strVal val="1+#ppt_h/2"/>
-                                          </p:val>
-                                        </p:tav>
-                                        <p:tav tm="100000">
-                                          <p:val>
-                                            <p:strVal val="#ppt_y"/>
-                                          </p:val>
-                                        </p:tav>
-                                      </p:tavLst>
-                                    </p:anim>
-                                  </p:childTnLst>
-                                </p:cTn>
-                              </p:par>
-                              <p:par>
-                                <p:cTn id="25" presetID="2" presetClass="entr" presetSubtype="4" fill="hold" nodeType="withEffect">
-                                  <p:stCondLst>
-                                    <p:cond delay="0"/>
-                                  </p:stCondLst>
-                                  <p:childTnLst>
-                                    <p:set>
-                                      <p:cBhvr>
-                                        <p:cTn id="26" dur="1" fill="hold">
-                                          <p:stCondLst>
-                                            <p:cond delay="0"/>
-                                          </p:stCondLst>
-                                        </p:cTn>
-                                        <p:tgtEl>
-                                          <p:spTgt spid="3">
-                                            <p:txEl>
-                                              <p:pRg st="6" end="6"/>
-                                            </p:txEl>
-                                          </p:spTgt>
-                                        </p:tgtEl>
-                                        <p:attrNameLst>
-                                          <p:attrName>style.visibility</p:attrName>
-                                        </p:attrNameLst>
-                                      </p:cBhvr>
-                                      <p:to>
-                                        <p:strVal val="visible"/>
-                                      </p:to>
-                                    </p:set>
-                                    <p:anim calcmode="lin" valueType="num">
-                                      <p:cBhvr additive="base">
-                                        <p:cTn id="27" dur="500" fill="hold"/>
-                                        <p:tgtEl>
-                                          <p:spTgt spid="3">
-                                            <p:txEl>
-                                              <p:pRg st="6" end="6"/>
-                                            </p:txEl>
-                                          </p:spTgt>
-                                        </p:tgtEl>
-                                        <p:attrNameLst>
-                                          <p:attrName>ppt_x</p:attrName>
-                                        </p:attrNameLst>
-                                      </p:cBhvr>
-                                      <p:tavLst>
-                                        <p:tav tm="0">
-                                          <p:val>
-                                            <p:strVal val="#ppt_x"/>
-                                          </p:val>
-                                        </p:tav>
-                                        <p:tav tm="100000">
-                                          <p:val>
-                                            <p:strVal val="#ppt_x"/>
-                                          </p:val>
-                                        </p:tav>
-                                      </p:tavLst>
-                                    </p:anim>
-                                    <p:anim calcmode="lin" valueType="num">
-                                      <p:cBhvr additive="base">
-                                        <p:cTn id="28" dur="500" fill="hold"/>
-                                        <p:tgtEl>
-                                          <p:spTgt spid="3">
-                                            <p:txEl>
-                                              <p:pRg st="6" end="6"/>
-                                            </p:txEl>
-                                          </p:spTgt>
-                                        </p:tgtEl>
-                                        <p:attrNameLst>
-                                          <p:attrName>ppt_y</p:attrName>
-                                        </p:attrNameLst>
-                                      </p:cBhvr>
-                                      <p:tavLst>
-                                        <p:tav tm="0">
-                                          <p:val>
-                                            <p:strVal val="1+#ppt_h/2"/>
-                                          </p:val>
-                                        </p:tav>
-                                        <p:tav tm="100000">
-                                          <p:val>
-                                            <p:strVal val="#ppt_y"/>
-                                          </p:val>
-                                        </p:tav>
-                                      </p:tavLst>
-                                    </p:anim>
-                                  </p:childTnLst>
-                                </p:cTn>
-                              </p:par>
-                            </p:childTnLst>
-                          </p:cTn>
-                        </p:par>
-                      </p:childTnLst>
-                    </p:cTn>
-                  </p:par>
-                  <p:par>
-                    <p:cTn id="29" fill="hold">
-                      <p:stCondLst>
-                        <p:cond delay="indefinite"/>
-                      </p:stCondLst>
-                      <p:childTnLst>
-                        <p:par>
-                          <p:cTn id="30" fill="hold">
-                            <p:stCondLst>
-                              <p:cond delay="0"/>
-                            </p:stCondLst>
-                            <p:childTnLst>
-                              <p:par>
-                                <p:cTn id="31" presetID="2" presetClass="entr" presetSubtype="4" fill="hold" nodeType="clickEffect">
-                                  <p:stCondLst>
-                                    <p:cond delay="0"/>
-                                  </p:stCondLst>
-                                  <p:childTnLst>
-                                    <p:set>
-                                      <p:cBhvr>
-                                        <p:cTn id="32" dur="1" fill="hold">
-                                          <p:stCondLst>
-                                            <p:cond delay="0"/>
-                                          </p:stCondLst>
-                                        </p:cTn>
-                                        <p:tgtEl>
-                                          <p:spTgt spid="3">
-                                            <p:txEl>
-                                              <p:pRg st="8" end="8"/>
-                                            </p:txEl>
-                                          </p:spTgt>
-                                        </p:tgtEl>
-                                        <p:attrNameLst>
-                                          <p:attrName>style.visibility</p:attrName>
-                                        </p:attrNameLst>
-                                      </p:cBhvr>
-                                      <p:to>
-                                        <p:strVal val="visible"/>
-                                      </p:to>
-                                    </p:set>
-                                    <p:anim calcmode="lin" valueType="num">
-                                      <p:cBhvr additive="base">
-                                        <p:cTn id="33" dur="500" fill="hold"/>
-                                        <p:tgtEl>
-                                          <p:spTgt spid="3">
-                                            <p:txEl>
-                                              <p:pRg st="8" end="8"/>
-                                            </p:txEl>
-                                          </p:spTgt>
-                                        </p:tgtEl>
-                                        <p:attrNameLst>
-                                          <p:attrName>ppt_x</p:attrName>
-                                        </p:attrNameLst>
-                                      </p:cBhvr>
-                                      <p:tavLst>
-                                        <p:tav tm="0">
-                                          <p:val>
-                                            <p:strVal val="#ppt_x"/>
-                                          </p:val>
-                                        </p:tav>
-                                        <p:tav tm="100000">
-                                          <p:val>
-                                            <p:strVal val="#ppt_x"/>
-                                          </p:val>
-                                        </p:tav>
-                                      </p:tavLst>
-                                    </p:anim>
-                                    <p:anim calcmode="lin" valueType="num">
-                                      <p:cBhvr additive="base">
-                                        <p:cTn id="34" dur="500" fill="hold"/>
-                                        <p:tgtEl>
-                                          <p:spTgt spid="3">
-                                            <p:txEl>
-                                              <p:pRg st="8" end="8"/>
-                                            </p:txEl>
-                                          </p:spTgt>
-                                        </p:tgtEl>
-                                        <p:attrNameLst>
-                                          <p:attrName>ppt_y</p:attrName>
-                                        </p:attrNameLst>
-                                      </p:cBhvr>
-                                      <p:tavLst>
-                                        <p:tav tm="0">
-                                          <p:val>
-                                            <p:strVal val="1+#ppt_h/2"/>
-                                          </p:val>
-                                        </p:tav>
-                                        <p:tav tm="100000">
-                                          <p:val>
-                                            <p:strVal val="#ppt_y"/>
-                                          </p:val>
-                                        </p:tav>
-                                      </p:tavLst>
-                                    </p:anim>
-                                  </p:childTnLst>
-                                </p:cTn>
-                              </p:par>
-                            </p:childTnLst>
-                          </p:cTn>
-                        </p:par>
-                      </p:childTnLst>
-                    </p:cTn>
-                  </p:par>
-                  <p:par>
-                    <p:cTn id="35" fill="hold">
-                      <p:stCondLst>
-                        <p:cond delay="indefinite"/>
-                      </p:stCondLst>
-                      <p:childTnLst>
-                        <p:par>
-                          <p:cTn id="36" fill="hold">
-                            <p:stCondLst>
-                              <p:cond delay="0"/>
-                            </p:stCondLst>
-                            <p:childTnLst>
-                              <p:par>
-                                <p:cTn id="37" presetID="2" presetClass="entr" presetSubtype="4" fill="hold" nodeType="clickEffect">
-                                  <p:stCondLst>
-                                    <p:cond delay="0"/>
-                                  </p:stCondLst>
-                                  <p:childTnLst>
-                                    <p:set>
-                                      <p:cBhvr>
-                                        <p:cTn id="38" dur="1" fill="hold">
-                                          <p:stCondLst>
-                                            <p:cond delay="0"/>
-                                          </p:stCondLst>
-                                        </p:cTn>
-                                        <p:tgtEl>
-                                          <p:spTgt spid="3">
-                                            <p:txEl>
-                                              <p:pRg st="10" end="10"/>
-                                            </p:txEl>
-                                          </p:spTgt>
-                                        </p:tgtEl>
-                                        <p:attrNameLst>
-                                          <p:attrName>style.visibility</p:attrName>
-                                        </p:attrNameLst>
-                                      </p:cBhvr>
-                                      <p:to>
-                                        <p:strVal val="visible"/>
-                                      </p:to>
-                                    </p:set>
-                                    <p:anim calcmode="lin" valueType="num">
-                                      <p:cBhvr additive="base">
-                                        <p:cTn id="39" dur="500" fill="hold"/>
-                                        <p:tgtEl>
-                                          <p:spTgt spid="3">
-                                            <p:txEl>
-                                              <p:pRg st="10" end="10"/>
-                                            </p:txEl>
-                                          </p:spTgt>
-                                        </p:tgtEl>
-                                        <p:attrNameLst>
-                                          <p:attrName>ppt_x</p:attrName>
-                                        </p:attrNameLst>
-                                      </p:cBhvr>
-                                      <p:tavLst>
-                                        <p:tav tm="0">
-                                          <p:val>
-                                            <p:strVal val="#ppt_x"/>
-                                          </p:val>
-                                        </p:tav>
-                                        <p:tav tm="100000">
-                                          <p:val>
-                                            <p:strVal val="#ppt_x"/>
-                                          </p:val>
-                                        </p:tav>
-                                      </p:tavLst>
-                                    </p:anim>
-                                    <p:anim calcmode="lin" valueType="num">
-                                      <p:cBhvr additive="base">
-                                        <p:cTn id="40" dur="500" fill="hold"/>
-                                        <p:tgtEl>
-                                          <p:spTgt spid="3">
-                                            <p:txEl>
-                                              <p:pRg st="10" end="10"/>
-                                            </p:txEl>
-                                          </p:spTgt>
-                                        </p:tgtEl>
-                                        <p:attrNameLst>
-                                          <p:attrName>ppt_y</p:attrName>
-                                        </p:attrNameLst>
-                                      </p:cBhvr>
-                                      <p:tavLst>
-                                        <p:tav tm="0">
-                                          <p:val>
-                                            <p:strVal val="1+#ppt_h/2"/>
-                                          </p:val>
-                                        </p:tav>
-                                        <p:tav tm="100000">
-                                          <p:val>
-                                            <p:strVal val="#ppt_y"/>
-                                          </p:val>
-                                        </p:tav>
-                                      </p:tavLst>
-                                    </p:anim>
-                                  </p:childTnLst>
-                                </p:cTn>
-                              </p:par>
-                            </p:childTnLst>
-                          </p:cTn>
-                        </p:par>
-                      </p:childTnLst>
-                    </p:cTn>
-                  </p:par>
-                  <p:par>
-                    <p:cTn id="41" fill="hold">
-                      <p:stCondLst>
-                        <p:cond delay="indefinite"/>
-                      </p:stCondLst>
-                      <p:childTnLst>
-                        <p:par>
-                          <p:cTn id="42" fill="hold">
-                            <p:stCondLst>
-                              <p:cond delay="0"/>
-                            </p:stCondLst>
-                            <p:childTnLst>
-                              <p:par>
-                                <p:cTn id="43" presetID="2" presetClass="entr" presetSubtype="4" fill="hold" nodeType="clickEffect">
-                                  <p:stCondLst>
-                                    <p:cond delay="0"/>
-                                  </p:stCondLst>
-                                  <p:childTnLst>
-                                    <p:set>
-                                      <p:cBhvr>
-                                        <p:cTn id="44" dur="1" fill="hold">
-                                          <p:stCondLst>
-                                            <p:cond delay="0"/>
-                                          </p:stCondLst>
-                                        </p:cTn>
-                                        <p:tgtEl>
-                                          <p:spTgt spid="3">
-                                            <p:txEl>
-                                              <p:pRg st="12" end="12"/>
-                                            </p:txEl>
-                                          </p:spTgt>
-                                        </p:tgtEl>
-                                        <p:attrNameLst>
-                                          <p:attrName>style.visibility</p:attrName>
-                                        </p:attrNameLst>
-                                      </p:cBhvr>
-                                      <p:to>
-                                        <p:strVal val="visible"/>
-                                      </p:to>
-                                    </p:set>
-                                    <p:anim calcmode="lin" valueType="num">
-                                      <p:cBhvr additive="base">
-                                        <p:cTn id="45" dur="500" fill="hold"/>
-                                        <p:tgtEl>
-                                          <p:spTgt spid="3">
-                                            <p:txEl>
-                                              <p:pRg st="12" end="12"/>
-                                            </p:txEl>
-                                          </p:spTgt>
-                                        </p:tgtEl>
-                                        <p:attrNameLst>
-                                          <p:attrName>ppt_x</p:attrName>
-                                        </p:attrNameLst>
-                                      </p:cBhvr>
-                                      <p:tavLst>
-                                        <p:tav tm="0">
-                                          <p:val>
-                                            <p:strVal val="#ppt_x"/>
-                                          </p:val>
-                                        </p:tav>
-                                        <p:tav tm="100000">
-                                          <p:val>
-                                            <p:strVal val="#ppt_x"/>
-                                          </p:val>
-                                        </p:tav>
-                                      </p:tavLst>
-                                    </p:anim>
-                                    <p:anim calcmode="lin" valueType="num">
-                                      <p:cBhvr additive="base">
-                                        <p:cTn id="46" dur="500" fill="hold"/>
-                                        <p:tgtEl>
-                                          <p:spTgt spid="3">
-                                            <p:txEl>
-                                              <p:pRg st="12" end="12"/>
-                                            </p:txEl>
-                                          </p:spTgt>
-                                        </p:tgtEl>
-                                        <p:attrNameLst>
-                                          <p:attrName>ppt_y</p:attrName>
-                                        </p:attrNameLst>
-                                      </p:cBhvr>
-                                      <p:tavLst>
-                                        <p:tav tm="0">
-                                          <p:val>
-                                            <p:strVal val="1+#ppt_h/2"/>
-                                          </p:val>
-                                        </p:tav>
-                                        <p:tav tm="100000">
-                                          <p:val>
-                                            <p:strVal val="#ppt_y"/>
-                                          </p:val>
-                                        </p:tav>
-                                      </p:tavLst>
-                                    </p:anim>
-                                  </p:childTnLst>
-                                </p:cTn>
-                              </p:par>
-                              <p:par>
-                                <p:cTn id="47" presetID="2" presetClass="entr" presetSubtype="4" fill="hold" nodeType="withEffect">
-                                  <p:stCondLst>
-                                    <p:cond delay="0"/>
-                                  </p:stCondLst>
-                                  <p:childTnLst>
-                                    <p:set>
-                                      <p:cBhvr>
-                                        <p:cTn id="48" dur="1" fill="hold">
-                                          <p:stCondLst>
-                                            <p:cond delay="0"/>
-                                          </p:stCondLst>
-                                        </p:cTn>
-                                        <p:tgtEl>
-                                          <p:spTgt spid="3">
-                                            <p:txEl>
-                                              <p:pRg st="13" end="13"/>
-                                            </p:txEl>
-                                          </p:spTgt>
-                                        </p:tgtEl>
-                                        <p:attrNameLst>
-                                          <p:attrName>style.visibility</p:attrName>
-                                        </p:attrNameLst>
-                                      </p:cBhvr>
-                                      <p:to>
-                                        <p:strVal val="visible"/>
-                                      </p:to>
-                                    </p:set>
-                                    <p:anim calcmode="lin" valueType="num">
-                                      <p:cBhvr additive="base">
-                                        <p:cTn id="49" dur="500" fill="hold"/>
-                                        <p:tgtEl>
-                                          <p:spTgt spid="3">
-                                            <p:txEl>
-                                              <p:pRg st="13" end="13"/>
-                                            </p:txEl>
-                                          </p:spTgt>
-                                        </p:tgtEl>
-                                        <p:attrNameLst>
-                                          <p:attrName>ppt_x</p:attrName>
-                                        </p:attrNameLst>
-                                      </p:cBhvr>
-                                      <p:tavLst>
-                                        <p:tav tm="0">
-                                          <p:val>
-                                            <p:strVal val="#ppt_x"/>
-                                          </p:val>
-                                        </p:tav>
-                                        <p:tav tm="100000">
-                                          <p:val>
-                                            <p:strVal val="#ppt_x"/>
-                                          </p:val>
-                                        </p:tav>
-                                      </p:tavLst>
-                                    </p:anim>
-                                    <p:anim calcmode="lin" valueType="num">
-                                      <p:cBhvr additive="base">
-                                        <p:cTn id="50" dur="500" fill="hold"/>
-                                        <p:tgtEl>
-                                          <p:spTgt spid="3">
-                                            <p:txEl>
-                                              <p:pRg st="13" end="13"/>
-                                            </p:txEl>
-                                          </p:spTgt>
-                                        </p:tgtEl>
-                                        <p:attrNameLst>
-                                          <p:attrName>ppt_y</p:attrName>
-                                        </p:attrNameLst>
-                                      </p:cBhvr>
-                                      <p:tavLst>
-                                        <p:tav tm="0">
-                                          <p:val>
-                                            <p:strVal val="1+#ppt_h/2"/>
-                                          </p:val>
-                                        </p:tav>
-                                        <p:tav tm="100000">
-                                          <p:val>
-                                            <p:strVal val="#ppt_y"/>
-                                          </p:val>
-                                        </p:tav>
-                                      </p:tavLst>
-                                    </p:anim>
-                                  </p:childTnLst>
-                                </p:cTn>
-                              </p:par>
-                            </p:childTnLst>
-                          </p:cTn>
-                        </p:par>
-                      </p:childTnLst>
-                    </p:cTn>
-                  </p:par>
-                  <p:par>
-                    <p:cTn id="51" fill="hold">
-                      <p:stCondLst>
-                        <p:cond delay="indefinite"/>
-                      </p:stCondLst>
-                      <p:childTnLst>
-                        <p:par>
-                          <p:cTn id="52" fill="hold">
-                            <p:stCondLst>
-                              <p:cond delay="0"/>
-                            </p:stCondLst>
-                            <p:childTnLst>
-                              <p:par>
-                                <p:cTn id="53" presetID="2" presetClass="entr" presetSubtype="4" fill="hold" nodeType="clickEffect">
-                                  <p:stCondLst>
-                                    <p:cond delay="0"/>
-                                  </p:stCondLst>
-                                  <p:childTnLst>
-                                    <p:set>
-                                      <p:cBhvr>
-                                        <p:cTn id="54" dur="1" fill="hold">
-                                          <p:stCondLst>
-                                            <p:cond delay="0"/>
-                                          </p:stCondLst>
-                                        </p:cTn>
-                                        <p:tgtEl>
-                                          <p:spTgt spid="3">
-                                            <p:txEl>
-                                              <p:pRg st="15" end="15"/>
-                                            </p:txEl>
-                                          </p:spTgt>
-                                        </p:tgtEl>
-                                        <p:attrNameLst>
-                                          <p:attrName>style.visibility</p:attrName>
-                                        </p:attrNameLst>
-                                      </p:cBhvr>
-                                      <p:to>
-                                        <p:strVal val="visible"/>
-                                      </p:to>
-                                    </p:set>
-                                    <p:anim calcmode="lin" valueType="num">
-                                      <p:cBhvr additive="base">
-                                        <p:cTn id="55" dur="500" fill="hold"/>
-                                        <p:tgtEl>
-                                          <p:spTgt spid="3">
-                                            <p:txEl>
-                                              <p:pRg st="15" end="15"/>
-                                            </p:txEl>
-                                          </p:spTgt>
-                                        </p:tgtEl>
-                                        <p:attrNameLst>
-                                          <p:attrName>ppt_x</p:attrName>
-                                        </p:attrNameLst>
-                                      </p:cBhvr>
-                                      <p:tavLst>
-                                        <p:tav tm="0">
-                                          <p:val>
-                                            <p:strVal val="#ppt_x"/>
-                                          </p:val>
-                                        </p:tav>
-                                        <p:tav tm="100000">
-                                          <p:val>
-                                            <p:strVal val="#ppt_x"/>
-                                          </p:val>
-                                        </p:tav>
-                                      </p:tavLst>
-                                    </p:anim>
-                                    <p:anim calcmode="lin" valueType="num">
-                                      <p:cBhvr additive="base">
-                                        <p:cTn id="56" dur="500" fill="hold"/>
-                                        <p:tgtEl>
-                                          <p:spTgt spid="3">
-                                            <p:txEl>
-                                              <p:pRg st="15" end="15"/>
-                                            </p:txEl>
-                                          </p:spTgt>
-                                        </p:tgtEl>
-                                        <p:attrNameLst>
-                                          <p:attrName>ppt_y</p:attrName>
-                                        </p:attrNameLst>
-                                      </p:cBhvr>
-                                      <p:tavLst>
-                                        <p:tav tm="0">
-                                          <p:val>
-                                            <p:strVal val="1+#ppt_h/2"/>
-                                          </p:val>
-                                        </p:tav>
-                                        <p:tav tm="100000">
-                                          <p:val>
-                                            <p:strVal val="#ppt_y"/>
-                                          </p:val>
-                                        </p:tav>
-                                      </p:tavLst>
-                                    </p:anim>
-                                  </p:childTnLst>
-                                </p:cTn>
-                              </p:par>
-                            </p:childTnLst>
-                          </p:cTn>
-                        </p:par>
-                      </p:childTnLst>
-                    </p:cTn>
-                  </p:par>
-                  <p:par>
-                    <p:cTn id="57" fill="hold">
-                      <p:stCondLst>
-                        <p:cond delay="indefinite"/>
-                      </p:stCondLst>
-                      <p:childTnLst>
-                        <p:par>
-                          <p:cTn id="58" fill="hold">
-                            <p:stCondLst>
-                              <p:cond delay="0"/>
-                            </p:stCondLst>
-                            <p:childTnLst>
-                              <p:par>
-                                <p:cTn id="59" presetID="2" presetClass="entr" presetSubtype="4" fill="hold" nodeType="clickEffect">
-                                  <p:stCondLst>
-                                    <p:cond delay="0"/>
-                                  </p:stCondLst>
-                                  <p:childTnLst>
-                                    <p:set>
-                                      <p:cBhvr>
-                                        <p:cTn id="60" dur="1" fill="hold">
-                                          <p:stCondLst>
-                                            <p:cond delay="0"/>
-                                          </p:stCondLst>
-                                        </p:cTn>
-                                        <p:tgtEl>
-                                          <p:spTgt spid="3">
-                                            <p:txEl>
-                                              <p:pRg st="17" end="17"/>
-                                            </p:txEl>
-                                          </p:spTgt>
-                                        </p:tgtEl>
-                                        <p:attrNameLst>
-                                          <p:attrName>style.visibility</p:attrName>
-                                        </p:attrNameLst>
-                                      </p:cBhvr>
-                                      <p:to>
-                                        <p:strVal val="visible"/>
-                                      </p:to>
-                                    </p:set>
-                                    <p:anim calcmode="lin" valueType="num">
-                                      <p:cBhvr additive="base">
-                                        <p:cTn id="61" dur="500" fill="hold"/>
-                                        <p:tgtEl>
-                                          <p:spTgt spid="3">
-                                            <p:txEl>
-                                              <p:pRg st="17" end="17"/>
-                                            </p:txEl>
-                                          </p:spTgt>
-                                        </p:tgtEl>
-                                        <p:attrNameLst>
-                                          <p:attrName>ppt_x</p:attrName>
-                                        </p:attrNameLst>
-                                      </p:cBhvr>
-                                      <p:tavLst>
-                                        <p:tav tm="0">
-                                          <p:val>
-                                            <p:strVal val="#ppt_x"/>
-                                          </p:val>
-                                        </p:tav>
-                                        <p:tav tm="100000">
-                                          <p:val>
-                                            <p:strVal val="#ppt_x"/>
-                                          </p:val>
-                                        </p:tav>
-                                      </p:tavLst>
-                                    </p:anim>
-                                    <p:anim calcmode="lin" valueType="num">
-                                      <p:cBhvr additive="base">
-                                        <p:cTn id="62" dur="500" fill="hold"/>
-                                        <p:tgtEl>
-                                          <p:spTgt spid="3">
-                                            <p:txEl>
-                                              <p:pRg st="17" end="17"/>
-                                            </p:txEl>
-                                          </p:spTgt>
-                                        </p:tgtEl>
-                                        <p:attrNameLst>
-                                          <p:attrName>ppt_y</p:attrName>
-                                        </p:attrNameLst>
-                                      </p:cBhvr>
-                                      <p:tavLst>
-                                        <p:tav tm="0">
-                                          <p:val>
-                                            <p:strVal val="1+#ppt_h/2"/>
-                                          </p:val>
-                                        </p:tav>
-                                        <p:tav tm="100000">
-                                          <p:val>
-                                            <p:strVal val="#ppt_y"/>
-                                          </p:val>
-                                        </p:tav>
-                                      </p:tavLst>
-                                    </p:anim>
-                                  </p:childTnLst>
-                                </p:cTn>
-                              </p:par>
-                            </p:childTnLst>
-                          </p:cTn>
-                        </p:par>
-                      </p:childTnLst>
-                    </p:cTn>
-                  </p:par>
-                </p:childTnLst>
-              </p:cTn>
-              <p:prevCondLst>
-                <p:cond evt="onPrev" delay="0">
-                  <p:tgtEl>
-                    <p:sldTgt/>
-                  </p:tgtEl>
-                </p:cond>
-              </p:prevCondLst>
-              <p:nextCondLst>
-                <p:cond evt="onNext" delay="0">
-                  <p:tgtEl>
-                    <p:sldTgt/>
-                  </p:tgtEl>
-                </p:cond>
-              </p:nextCondLst>
-            </p:seq>
-          </p:childTnLst>
-        </p:cTn>
+        <p:cTn id="1" dur="indefinite" restart="never" nodeType="tmRoot"/>
       </p:par>
     </p:tnLst>
   </p:timing>
@@ -12994,8 +11993,8 @@
           <a:lstStyle/>
           <a:p>
             <a:r>
-              <a:rPr lang="en-US" dirty="0"/>
-              <a:t>The goal of my thesis is experiment </a:t>
+              <a:rPr lang="en-US" dirty="0" smtClean="0"/>
+              <a:t>experiment </a:t>
             </a:r>
             <a:r>
               <a:rPr lang="en-US" dirty="0" err="1"/>
@@ -13003,15 +12002,21 @@
             </a:r>
             <a:r>
               <a:rPr lang="en-US" dirty="0"/>
-              <a:t> technology with MEAN stack and Spring MVC Hibernate to build </a:t>
-            </a:r>
+              <a:t> technology with MEAN stack and Spring MVC Hibernate </a:t>
+            </a:r>
+            <a:endParaRPr lang="en-US" dirty="0" smtClean="0"/>
+          </a:p>
+          <a:p>
+            <a:endParaRPr lang="en-US" dirty="0" smtClean="0"/>
+          </a:p>
+          <a:p>
             <a:r>
               <a:rPr lang="en-US" dirty="0" smtClean="0"/>
-              <a:t>a Hotel </a:t>
+              <a:t>features </a:t>
             </a:r>
             <a:r>
               <a:rPr lang="en-US" dirty="0"/>
-              <a:t>Booking and Reservations system with more than 60 primary features similar to some other modern five-star hotel system. </a:t>
+              <a:t>similar to some other modern five-star hotel system. </a:t>
             </a:r>
           </a:p>
         </p:txBody>
@@ -13298,7 +12303,7 @@
                             </p:stCondLst>
                             <p:childTnLst>
                               <p:par>
-                                <p:cTn id="12" presetID="42" presetClass="entr" presetSubtype="0" fill="hold" grpId="0" nodeType="clickEffect">
+                                <p:cTn id="12" presetID="42" presetClass="entr" presetSubtype="0" fill="hold" nodeType="clickEffect">
                                   <p:stCondLst>
                                     <p:cond delay="0"/>
                                   </p:stCondLst>
@@ -13306,6 +12311,121 @@
                                     <p:set>
                                       <p:cBhvr>
                                         <p:cTn id="13" dur="1" fill="hold">
+                                          <p:stCondLst>
+                                            <p:cond delay="0"/>
+                                          </p:stCondLst>
+                                        </p:cTn>
+                                        <p:tgtEl>
+                                          <p:spTgt spid="4">
+                                            <p:txEl>
+                                              <p:pRg st="2" end="2"/>
+                                            </p:txEl>
+                                          </p:spTgt>
+                                        </p:tgtEl>
+                                        <p:attrNameLst>
+                                          <p:attrName>style.visibility</p:attrName>
+                                        </p:attrNameLst>
+                                      </p:cBhvr>
+                                      <p:to>
+                                        <p:strVal val="visible"/>
+                                      </p:to>
+                                    </p:set>
+                                    <p:animEffect transition="in" filter="fade">
+                                      <p:cBhvr>
+                                        <p:cTn id="14" dur="1000"/>
+                                        <p:tgtEl>
+                                          <p:spTgt spid="4">
+                                            <p:txEl>
+                                              <p:pRg st="2" end="2"/>
+                                            </p:txEl>
+                                          </p:spTgt>
+                                        </p:tgtEl>
+                                      </p:cBhvr>
+                                    </p:animEffect>
+                                    <p:anim calcmode="lin" valueType="num">
+                                      <p:cBhvr>
+                                        <p:cTn id="15" dur="1000" fill="hold"/>
+                                        <p:tgtEl>
+                                          <p:spTgt spid="4">
+                                            <p:txEl>
+                                              <p:pRg st="2" end="2"/>
+                                            </p:txEl>
+                                          </p:spTgt>
+                                        </p:tgtEl>
+                                        <p:attrNameLst>
+                                          <p:attrName>ppt_x</p:attrName>
+                                        </p:attrNameLst>
+                                      </p:cBhvr>
+                                      <p:tavLst>
+                                        <p:tav tm="0">
+                                          <p:val>
+                                            <p:strVal val="#ppt_x"/>
+                                          </p:val>
+                                        </p:tav>
+                                        <p:tav tm="100000">
+                                          <p:val>
+                                            <p:strVal val="#ppt_x"/>
+                                          </p:val>
+                                        </p:tav>
+                                      </p:tavLst>
+                                    </p:anim>
+                                    <p:anim calcmode="lin" valueType="num">
+                                      <p:cBhvr>
+                                        <p:cTn id="16" dur="1000" fill="hold"/>
+                                        <p:tgtEl>
+                                          <p:spTgt spid="4">
+                                            <p:txEl>
+                                              <p:pRg st="2" end="2"/>
+                                            </p:txEl>
+                                          </p:spTgt>
+                                        </p:tgtEl>
+                                        <p:attrNameLst>
+                                          <p:attrName>ppt_y</p:attrName>
+                                        </p:attrNameLst>
+                                      </p:cBhvr>
+                                      <p:tavLst>
+                                        <p:tav tm="0">
+                                          <p:val>
+                                            <p:strVal val="#ppt_y+.1"/>
+                                          </p:val>
+                                        </p:tav>
+                                        <p:tav tm="100000">
+                                          <p:val>
+                                            <p:strVal val="#ppt_y"/>
+                                          </p:val>
+                                        </p:tav>
+                                      </p:tavLst>
+                                    </p:anim>
+                                  </p:childTnLst>
+                                </p:cTn>
+                              </p:par>
+                            </p:childTnLst>
+                          </p:cTn>
+                        </p:par>
+                      </p:childTnLst>
+                    </p:cTn>
+                  </p:par>
+                  <p:par>
+                    <p:cTn id="17" fill="hold">
+                      <p:stCondLst>
+                        <p:cond delay="indefinite"/>
+                      </p:stCondLst>
+                      <p:childTnLst>
+                        <p:par>
+                          <p:cTn id="18" fill="hold">
+                            <p:stCondLst>
+                              <p:cond delay="0"/>
+                            </p:stCondLst>
+                            <p:childTnLst>
+                              <p:par>
+                                <p:cTn id="19" presetID="42" presetClass="entr" presetSubtype="0" fill="hold" grpId="0" nodeType="clickEffect">
+                                  <p:stCondLst>
+                                    <p:cond delay="0"/>
+                                  </p:stCondLst>
+                                  <p:childTnLst>
+                                    <p:set>
+                                      <p:cBhvr>
+                                        <p:cTn id="20" dur="1" fill="hold">
                                           <p:stCondLst>
                                             <p:cond delay="0"/>
                                           </p:stCondLst>
@@ -13323,7 +12443,7 @@
                                     </p:set>
                                     <p:animEffect transition="in" filter="fade">
                                       <p:cBhvr>
-                                        <p:cTn id="14" dur="1000"/>
+                                        <p:cTn id="21" dur="1000"/>
                                         <p:tgtEl>
                                           <p:spTgt spid="5"/>
                                         </p:tgtEl>
@@ -13331,7 +12451,7 @@
                                     </p:animEffect>
                                     <p:anim calcmode="lin" valueType="num">
                                       <p:cBhvr>
-                                        <p:cTn id="15" dur="1000" fill="hold"/>
+                                        <p:cTn id="22" dur="1000" fill="hold"/>
                                         <p:tgtEl>
                                           <p:spTgt spid="5"/>
                                         </p:tgtEl>
@@ -13354,7 +12474,7 @@
                                     </p:anim>
                                     <p:anim calcmode="lin" valueType="num">
                                       <p:cBhvr>
-                                        <p:cTn id="16" dur="1000" fill="hold"/>
+                                        <p:cTn id="23" dur="1000" fill="hold"/>
                                         <p:tgtEl>
                                           <p:spTgt spid="5"/>
                                         </p:tgtEl>
@@ -13379,14 +12499,14 @@
                                 </p:cTn>
                               </p:par>
                               <p:par>
-                                <p:cTn id="17" presetID="42" presetClass="entr" presetSubtype="0" fill="hold" nodeType="withEffect">
+                                <p:cTn id="24" presetID="42" presetClass="entr" presetSubtype="0" fill="hold" nodeType="withEffect">
                                   <p:stCondLst>
                                     <p:cond delay="0"/>
                                   </p:stCondLst>
                                   <p:childTnLst>
                                     <p:set>
                                       <p:cBhvr>
-                                        <p:cTn id="18" dur="1" fill="hold">
+                                        <p:cTn id="25" dur="1" fill="hold">
                                           <p:stCondLst>
                                             <p:cond delay="0"/>
                                           </p:stCondLst>
@@ -13404,7 +12524,7 @@
                                     </p:set>
                                     <p:animEffect transition="in" filter="fade">
                                       <p:cBhvr>
-                                        <p:cTn id="19" dur="1000"/>
+                                        <p:cTn id="26" dur="1000"/>
                                         <p:tgtEl>
                                           <p:spTgt spid="8194"/>
                                         </p:tgtEl>
@@ -13412,7 +12532,7 @@
                                     </p:animEffect>
                                     <p:anim calcmode="lin" valueType="num">
                                       <p:cBhvr>
-                                        <p:cTn id="20" dur="1000" fill="hold"/>
+                                        <p:cTn id="27" dur="1000" fill="hold"/>
                                         <p:tgtEl>
                                           <p:spTgt spid="8194"/>
                                         </p:tgtEl>
@@ -13435,7 +12555,7 @@
                                     </p:anim>
                                     <p:anim calcmode="lin" valueType="num">
                                       <p:cBhvr>
-                                        <p:cTn id="21" dur="1000" fill="hold"/>
+                                        <p:cTn id="28" dur="1000" fill="hold"/>
                                         <p:tgtEl>
                                           <p:spTgt spid="8194"/>
                                         </p:tgtEl>
@@ -14194,31 +13314,33 @@
             <a:endParaRPr lang="en-US" dirty="0" smtClean="0"/>
           </a:p>
           <a:p>
+            <a:endParaRPr lang="en-US" dirty="0"/>
+          </a:p>
+          <a:p>
             <a:r>
               <a:rPr lang="en-US" dirty="0"/>
-              <a:t>almost features for hotel bookings &amp; reservations management with more than 60 features available</a:t>
+              <a:t>almost features for hotel bookings &amp; reservations management with more than 60 features </a:t>
+            </a:r>
+            <a:r>
+              <a:rPr lang="en-US" dirty="0" smtClean="0"/>
+              <a:t>available</a:t>
             </a:r>
           </a:p>
           <a:p>
             <a:endParaRPr lang="en-US" dirty="0"/>
           </a:p>
           <a:p>
+            <a:r>
+              <a:rPr lang="en-US" dirty="0" smtClean="0"/>
+              <a:t>Ability </a:t>
+            </a:r>
+            <a:r>
+              <a:rPr lang="en-US" dirty="0"/>
+              <a:t>to track user’s behavior</a:t>
+            </a:r>
+          </a:p>
+          <a:p>
             <a:endParaRPr lang="en-US" dirty="0" smtClean="0"/>
-          </a:p>
-          <a:p>
-            <a:r>
-              <a:rPr lang="en-US" dirty="0" smtClean="0"/>
-              <a:t>ability </a:t>
-            </a:r>
-            <a:r>
-              <a:rPr lang="en-US" dirty="0"/>
-              <a:t>to track user’s </a:t>
-            </a:r>
-            <a:r>
-              <a:rPr lang="en-US" dirty="0" smtClean="0"/>
-              <a:t>behavior</a:t>
-            </a:r>
-            <a:endParaRPr lang="en-US" dirty="0"/>
           </a:p>
           <a:p>
             <a:endParaRPr lang="en-US" dirty="0"/>
@@ -14239,15 +13361,6 @@
             <a:r>
               <a:rPr lang="en-US" dirty="0"/>
               <a:t>to the rooms they had interacted. </a:t>
-            </a:r>
-          </a:p>
-          <a:p>
-            <a:pPr marL="82296" indent="0">
-              <a:buNone/>
-            </a:pPr>
-            <a:r>
-              <a:rPr lang="en-US" dirty="0"/>
-              <a:t>      </a:t>
             </a:r>
             <a:endParaRPr lang="en-US" dirty="0" smtClean="0"/>
           </a:p>
@@ -14347,7 +13460,7 @@
                                         <p:tgtEl>
                                           <p:spTgt spid="4">
                                             <p:txEl>
-                                              <p:pRg st="4" end="4"/>
+                                              <p:pRg st="2" end="2"/>
                                             </p:txEl>
                                           </p:spTgt>
                                         </p:tgtEl>
@@ -14365,7 +13478,7 @@
                                         <p:tgtEl>
                                           <p:spTgt spid="4">
                                             <p:txEl>
-                                              <p:pRg st="4" end="4"/>
+                                              <p:pRg st="2" end="2"/>
                                             </p:txEl>
                                           </p:spTgt>
                                         </p:tgtEl>
@@ -14377,7 +13490,7 @@
                                         <p:tgtEl>
                                           <p:spTgt spid="4">
                                             <p:txEl>
-                                              <p:pRg st="4" end="4"/>
+                                              <p:pRg st="2" end="2"/>
                                             </p:txEl>
                                           </p:spTgt>
                                         </p:tgtEl>
@@ -14404,7 +13517,7 @@
                                         <p:tgtEl>
                                           <p:spTgt spid="4">
                                             <p:txEl>
-                                              <p:pRg st="4" end="4"/>
+                                              <p:pRg st="2" end="2"/>
                                             </p:txEl>
                                           </p:spTgt>
                                         </p:tgtEl>
@@ -14462,7 +13575,7 @@
                                         <p:tgtEl>
                                           <p:spTgt spid="4">
                                             <p:txEl>
-                                              <p:pRg st="1" end="1"/>
+                                              <p:pRg st="4" end="4"/>
                                             </p:txEl>
                                           </p:spTgt>
                                         </p:tgtEl>
@@ -14480,7 +13593,7 @@
                                         <p:tgtEl>
                                           <p:spTgt spid="4">
                                             <p:txEl>
-                                              <p:pRg st="1" end="1"/>
+                                              <p:pRg st="4" end="4"/>
                                             </p:txEl>
                                           </p:spTgt>
                                         </p:tgtEl>
@@ -14492,7 +13605,7 @@
                                         <p:tgtEl>
                                           <p:spTgt spid="4">
                                             <p:txEl>
-                                              <p:pRg st="1" end="1"/>
+                                              <p:pRg st="4" end="4"/>
                                             </p:txEl>
                                           </p:spTgt>
                                         </p:tgtEl>
@@ -14519,7 +13632,7 @@
                                         <p:tgtEl>
                                           <p:spTgt spid="4">
                                             <p:txEl>
-                                              <p:pRg st="1" end="1"/>
+                                              <p:pRg st="4" end="4"/>
                                             </p:txEl>
                                           </p:spTgt>
                                         </p:tgtEl>
@@ -14577,7 +13690,7 @@
                                         <p:tgtEl>
                                           <p:spTgt spid="4">
                                             <p:txEl>
-                                              <p:pRg st="6" end="6"/>
+                                              <p:pRg st="7" end="7"/>
                                             </p:txEl>
                                           </p:spTgt>
                                         </p:tgtEl>
@@ -14595,7 +13708,7 @@
                                         <p:tgtEl>
                                           <p:spTgt spid="4">
                                             <p:txEl>
-                                              <p:pRg st="6" end="6"/>
+                                              <p:pRg st="7" end="7"/>
                                             </p:txEl>
                                           </p:spTgt>
                                         </p:tgtEl>
@@ -14604,103 +13717,6 @@
                                     <p:anim calcmode="lin" valueType="num">
                                       <p:cBhvr>
                                         <p:cTn id="22" dur="1000" fill="hold"/>
-                                        <p:tgtEl>
-                                          <p:spTgt spid="4">
-                                            <p:txEl>
-                                              <p:pRg st="6" end="6"/>
-                                            </p:txEl>
-                                          </p:spTgt>
-                                        </p:tgtEl>
-                                        <p:attrNameLst>
-                                          <p:attrName>ppt_x</p:attrName>
-                                        </p:attrNameLst>
-                                      </p:cBhvr>
-                                      <p:tavLst>
-                                        <p:tav tm="0">
-                                          <p:val>
-                                            <p:strVal val="#ppt_x"/>
-                                          </p:val>
-                                        </p:tav>
-                                        <p:tav tm="100000">
-                                          <p:val>
-                                            <p:strVal val="#ppt_x"/>
-                                          </p:val>
-                                        </p:tav>
-                                      </p:tavLst>
-                                    </p:anim>
-                                    <p:anim calcmode="lin" valueType="num">
-                                      <p:cBhvr>
-                                        <p:cTn id="23" dur="1000" fill="hold"/>
-                                        <p:tgtEl>
-                                          <p:spTgt spid="4">
-                                            <p:txEl>
-                                              <p:pRg st="6" end="6"/>
-                                            </p:txEl>
-                                          </p:spTgt>
-                                        </p:tgtEl>
-                                        <p:attrNameLst>
-                                          <p:attrName>ppt_y</p:attrName>
-                                        </p:attrNameLst>
-                                      </p:cBhvr>
-                                      <p:tavLst>
-                                        <p:tav tm="0">
-                                          <p:val>
-                                            <p:strVal val="#ppt_y+.1"/>
-                                          </p:val>
-                                        </p:tav>
-                                        <p:tav tm="100000">
-                                          <p:val>
-                                            <p:strVal val="#ppt_y"/>
-                                          </p:val>
-                                        </p:tav>
-                                      </p:tavLst>
-                                    </p:anim>
-                                  </p:childTnLst>
-                                </p:cTn>
-                              </p:par>
-                              <p:par>
-                                <p:cTn id="24" presetID="42" presetClass="entr" presetSubtype="0" fill="hold" nodeType="withEffect">
-                                  <p:stCondLst>
-                                    <p:cond delay="0"/>
-                                  </p:stCondLst>
-                                  <p:childTnLst>
-                                    <p:set>
-                                      <p:cBhvr>
-                                        <p:cTn id="25" dur="1" fill="hold">
-                                          <p:stCondLst>
-                                            <p:cond delay="0"/>
-                                          </p:stCondLst>
-                                        </p:cTn>
-                                        <p:tgtEl>
-                                          <p:spTgt spid="4">
-                                            <p:txEl>
-                                              <p:pRg st="7" end="7"/>
-                                            </p:txEl>
-                                          </p:spTgt>
-                                        </p:tgtEl>
-                                        <p:attrNameLst>
-                                          <p:attrName>style.visibility</p:attrName>
-                                        </p:attrNameLst>
-                                      </p:cBhvr>
-                                      <p:to>
-                                        <p:strVal val="visible"/>
-                                      </p:to>
-                                    </p:set>
-                                    <p:animEffect transition="in" filter="fade">
-                                      <p:cBhvr>
-                                        <p:cTn id="26" dur="1000"/>
-                                        <p:tgtEl>
-                                          <p:spTgt spid="4">
-                                            <p:txEl>
-                                              <p:pRg st="7" end="7"/>
-                                            </p:txEl>
-                                          </p:spTgt>
-                                        </p:tgtEl>
-                                      </p:cBhvr>
-                                    </p:animEffect>
-                                    <p:anim calcmode="lin" valueType="num">
-                                      <p:cBhvr>
-                                        <p:cTn id="27" dur="1000" fill="hold"/>
                                         <p:tgtEl>
                                           <p:spTgt spid="4">
                                             <p:txEl>
@@ -14727,7 +13743,7 @@
                                     </p:anim>
                                     <p:anim calcmode="lin" valueType="num">
                                       <p:cBhvr>
-                                        <p:cTn id="28" dur="1000" fill="hold"/>
+                                        <p:cTn id="23" dur="1000" fill="hold"/>
                                         <p:tgtEl>
                                           <p:spTgt spid="4">
                                             <p:txEl>
@@ -14762,26 +13778,26 @@
                     </p:cTn>
                   </p:par>
                   <p:par>
-                    <p:cTn id="29" fill="hold">
+                    <p:cTn id="24" fill="hold">
                       <p:stCondLst>
                         <p:cond delay="indefinite"/>
                       </p:stCondLst>
                       <p:childTnLst>
                         <p:par>
-                          <p:cTn id="30" fill="hold">
+                          <p:cTn id="25" fill="hold">
                             <p:stCondLst>
                               <p:cond delay="0"/>
                             </p:stCondLst>
                             <p:childTnLst>
                               <p:par>
-                                <p:cTn id="31" presetID="42" presetClass="entr" presetSubtype="0" fill="hold" nodeType="clickEffect">
+                                <p:cTn id="26" presetID="42" presetClass="entr" presetSubtype="0" fill="hold" nodeType="clickEffect">
                                   <p:stCondLst>
                                     <p:cond delay="0"/>
                                   </p:stCondLst>
                                   <p:childTnLst>
                                     <p:set>
                                       <p:cBhvr>
-                                        <p:cTn id="32" dur="1" fill="hold">
+                                        <p:cTn id="27" dur="1" fill="hold">
                                           <p:stCondLst>
                                             <p:cond delay="0"/>
                                           </p:stCondLst>
@@ -14803,7 +13819,7 @@
                                     </p:set>
                                     <p:animEffect transition="in" filter="fade">
                                       <p:cBhvr>
-                                        <p:cTn id="33" dur="1000"/>
+                                        <p:cTn id="28" dur="1000"/>
                                         <p:tgtEl>
                                           <p:spTgt spid="4">
                                             <p:txEl>
@@ -14815,7 +13831,7 @@
                                     </p:animEffect>
                                     <p:anim calcmode="lin" valueType="num">
                                       <p:cBhvr>
-                                        <p:cTn id="34" dur="1000" fill="hold"/>
+                                        <p:cTn id="29" dur="1000" fill="hold"/>
                                         <p:tgtEl>
                                           <p:spTgt spid="4">
                                             <p:txEl>
@@ -14842,7 +13858,7 @@
                                     </p:anim>
                                     <p:anim calcmode="lin" valueType="num">
                                       <p:cBhvr>
-                                        <p:cTn id="35" dur="1000" fill="hold"/>
+                                        <p:cTn id="30" dur="1000" fill="hold"/>
                                         <p:tgtEl>
                                           <p:spTgt spid="4">
                                             <p:txEl>
@@ -15129,7 +14145,7 @@
         </p:spPr>
         <p:txBody>
           <a:bodyPr>
-            <a:normAutofit/>
+            <a:normAutofit fontScale="92500" lnSpcReduction="20000"/>
           </a:bodyPr>
           <a:lstStyle/>
           <a:p>
@@ -15172,8 +14188,27 @@
           <a:p>
             <a:r>
               <a:rPr lang="en-US" dirty="0" smtClean="0"/>
-              <a:t>Tracking features</a:t>
-            </a:r>
+              <a:t>Tracking </a:t>
+            </a:r>
+            <a:r>
+              <a:rPr lang="en-US" dirty="0" smtClean="0"/>
+              <a:t>features</a:t>
+            </a:r>
+          </a:p>
+          <a:p>
+            <a:endParaRPr lang="en-US" dirty="0"/>
+          </a:p>
+          <a:p>
+            <a:r>
+              <a:rPr lang="en-US" dirty="0" smtClean="0"/>
+              <a:t>Recommendation feature</a:t>
+            </a:r>
+            <a:endParaRPr lang="en-US" dirty="0"/>
+          </a:p>
+          <a:p>
+            <a:endParaRPr lang="en-US" dirty="0" smtClean="0"/>
+          </a:p>
+          <a:p>
             <a:endParaRPr lang="en-US" dirty="0"/>
           </a:p>
           <a:p>
@@ -15696,6 +14731,121 @@
                       </p:childTnLst>
                     </p:cTn>
                   </p:par>
+                  <p:par>
+                    <p:cTn id="31" fill="hold">
+                      <p:stCondLst>
+                        <p:cond delay="indefinite"/>
+                      </p:stCondLst>
+                      <p:childTnLst>
+                        <p:par>
+                          <p:cTn id="32" fill="hold">
+                            <p:stCondLst>
+                              <p:cond delay="0"/>
+                            </p:stCondLst>
+                            <p:childTnLst>
+                              <p:par>
+                                <p:cTn id="33" presetID="42" presetClass="entr" presetSubtype="0" fill="hold" nodeType="clickEffect">
+                                  <p:stCondLst>
+                                    <p:cond delay="0"/>
+                                  </p:stCondLst>
+                                  <p:childTnLst>
+                                    <p:set>
+                                      <p:cBhvr>
+                                        <p:cTn id="34" dur="1" fill="hold">
+                                          <p:stCondLst>
+                                            <p:cond delay="0"/>
+                                          </p:stCondLst>
+                                        </p:cTn>
+                                        <p:tgtEl>
+                                          <p:spTgt spid="5">
+                                            <p:txEl>
+                                              <p:pRg st="9" end="9"/>
+                                            </p:txEl>
+                                          </p:spTgt>
+                                        </p:tgtEl>
+                                        <p:attrNameLst>
+                                          <p:attrName>style.visibility</p:attrName>
+                                        </p:attrNameLst>
+                                      </p:cBhvr>
+                                      <p:to>
+                                        <p:strVal val="visible"/>
+                                      </p:to>
+                                    </p:set>
+                                    <p:animEffect transition="in" filter="fade">
+                                      <p:cBhvr>
+                                        <p:cTn id="35" dur="1000"/>
+                                        <p:tgtEl>
+                                          <p:spTgt spid="5">
+                                            <p:txEl>
+                                              <p:pRg st="9" end="9"/>
+                                            </p:txEl>
+                                          </p:spTgt>
+                                        </p:tgtEl>
+                                      </p:cBhvr>
+                                    </p:animEffect>
+                                    <p:anim calcmode="lin" valueType="num">
+                                      <p:cBhvr>
+                                        <p:cTn id="36" dur="1000" fill="hold"/>
+                                        <p:tgtEl>
+                                          <p:spTgt spid="5">
+                                            <p:txEl>
+                                              <p:pRg st="9" end="9"/>
+                                            </p:txEl>
+                                          </p:spTgt>
+                                        </p:tgtEl>
+                                        <p:attrNameLst>
+                                          <p:attrName>ppt_x</p:attrName>
+                                        </p:attrNameLst>
+                                      </p:cBhvr>
+                                      <p:tavLst>
+                                        <p:tav tm="0">
+                                          <p:val>
+                                            <p:strVal val="#ppt_x"/>
+                                          </p:val>
+                                        </p:tav>
+                                        <p:tav tm="100000">
+                                          <p:val>
+                                            <p:strVal val="#ppt_x"/>
+                                          </p:val>
+                                        </p:tav>
+                                      </p:tavLst>
+                                    </p:anim>
+                                    <p:anim calcmode="lin" valueType="num">
+                                      <p:cBhvr>
+                                        <p:cTn id="37" dur="1000" fill="hold"/>
+                                        <p:tgtEl>
+                                          <p:spTgt spid="5">
+                                            <p:txEl>
+                                              <p:pRg st="9" end="9"/>
+                                            </p:txEl>
+                                          </p:spTgt>
+                                        </p:tgtEl>
+                                        <p:attrNameLst>
+                                          <p:attrName>ppt_y</p:attrName>
+                                        </p:attrNameLst>
+                                      </p:cBhvr>
+                                      <p:tavLst>
+                                        <p:tav tm="0">
+                                          <p:val>
+                                            <p:strVal val="#ppt_y+.1"/>
+                                          </p:val>
+                                        </p:tav>
+                                        <p:tav tm="100000">
+                                          <p:val>
+                                            <p:strVal val="#ppt_y"/>
+                                          </p:val>
+                                        </p:tav>
+                                      </p:tavLst>
+                                    </p:anim>
+                                  </p:childTnLst>
+                                </p:cTn>
+                              </p:par>
+                            </p:childTnLst>
+                          </p:cTn>
+                        </p:par>
+                      </p:childTnLst>
+                    </p:cTn>
+                  </p:par>
                 </p:childTnLst>
               </p:cTn>
               <p:prevCondLst>
@@ -17465,7 +16615,7 @@
             </a:r>
             <a:r>
               <a:rPr lang="en-US" dirty="0" smtClean="0"/>
-              <a:t>tool. </a:t>
+              <a:t>framework. </a:t>
             </a:r>
             <a:endParaRPr lang="en-US" dirty="0"/>
           </a:p>
@@ -17498,7 +16648,11 @@
             </a:r>
             <a:r>
               <a:rPr lang="en-US" dirty="0"/>
-              <a:t>of the most popular programming langue </a:t>
+              <a:t>of the most popular programming </a:t>
+            </a:r>
+            <a:r>
+              <a:rPr lang="en-US" dirty="0" smtClean="0"/>
+              <a:t>language</a:t>
             </a:r>
             <a:endParaRPr lang="en-US" dirty="0" smtClean="0"/>
           </a:p>
@@ -17611,6 +16765,43 @@
             <a:r>
               <a:rPr lang="en-US" dirty="0"/>
               <a:t>to a relational database</a:t>
+            </a:r>
+          </a:p>
+        </p:txBody>
+      </p:sp>
+      <p:sp>
+        <p:nvSpPr>
+          <p:cNvPr id="8" name="Rectangle 7"/>
+          <p:cNvSpPr/>
+          <p:nvPr/>
+        </p:nvSpPr>
+        <p:spPr>
+          <a:xfrm>
+            <a:off x="4119040" y="5758862"/>
+            <a:ext cx="3275256" cy="369332"/>
+          </a:xfrm>
+          <a:prstGeom prst="rect">
+            <a:avLst/>
+          </a:prstGeom>
+        </p:spPr>
+        <p:txBody>
+          <a:bodyPr wrap="none">
+            <a:spAutoFit/>
+          </a:bodyPr>
+          <a:lstStyle/>
+          <a:p>
+            <a:pPr fontAlgn="base"/>
+            <a:r>
+              <a:rPr lang="en-US" dirty="0"/>
+              <a:t>q</a:t>
+            </a:r>
+            <a:r>
+              <a:rPr lang="en-US" dirty="0" smtClean="0"/>
+              <a:t>uery </a:t>
+            </a:r>
+            <a:r>
+              <a:rPr lang="en-US" dirty="0"/>
+              <a:t>language independency</a:t>
             </a:r>
           </a:p>
         </p:txBody>
@@ -18248,6 +17439,87 @@
                                   </p:childTnLst>
                                 </p:cTn>
                               </p:par>
+                              <p:par>
+                                <p:cTn id="44" presetID="42" presetClass="entr" presetSubtype="0" fill="hold" grpId="0" nodeType="withEffect">
+                                  <p:stCondLst>
+                                    <p:cond delay="0"/>
+                                  </p:stCondLst>
+                                  <p:childTnLst>
+                                    <p:set>
+                                      <p:cBhvr>
+                                        <p:cTn id="45" dur="1" fill="hold">
+                                          <p:stCondLst>
+                                            <p:cond delay="0"/>
+                                          </p:stCondLst>
+                                        </p:cTn>
+                                        <p:tgtEl>
+                                          <p:spTgt spid="8"/>
+                                        </p:tgtEl>
+                                        <p:attrNameLst>
+                                          <p:attrName>style.visibility</p:attrName>
+                                        </p:attrNameLst>
+                                      </p:cBhvr>
+                                      <p:to>
+                                        <p:strVal val="visible"/>
+                                      </p:to>
+                                    </p:set>
+                                    <p:animEffect transition="in" filter="fade">
+                                      <p:cBhvr>
+                                        <p:cTn id="46" dur="1000"/>
+                                        <p:tgtEl>
+                                          <p:spTgt spid="8"/>
+                                        </p:tgtEl>
+                                      </p:cBhvr>
+                                    </p:animEffect>
+                                    <p:anim calcmode="lin" valueType="num">
+                                      <p:cBhvr>
+                                        <p:cTn id="47" dur="1000" fill="hold"/>
+                                        <p:tgtEl>
+                                          <p:spTgt spid="8"/>
+                                        </p:tgtEl>
+                                        <p:attrNameLst>
+                                          <p:attrName>ppt_x</p:attrName>
+                                        </p:attrNameLst>
+                                      </p:cBhvr>
+                                      <p:tavLst>
+                                        <p:tav tm="0">
+                                          <p:val>
+                                            <p:strVal val="#ppt_x"/>
+                                          </p:val>
+                                        </p:tav>
+                                        <p:tav tm="100000">
+                                          <p:val>
+                                            <p:strVal val="#ppt_x"/>
+                                          </p:val>
+                                        </p:tav>
+                                      </p:tavLst>
+                                    </p:anim>
+                                    <p:anim calcmode="lin" valueType="num">
+                                      <p:cBhvr>
+                                        <p:cTn id="48" dur="1000" fill="hold"/>
+                                        <p:tgtEl>
+                                          <p:spTgt spid="8"/>
+                                        </p:tgtEl>
+                                        <p:attrNameLst>
+                                          <p:attrName>ppt_y</p:attrName>
+                                        </p:attrNameLst>
+                                      </p:cBhvr>
+                                      <p:tavLst>
+                                        <p:tav tm="0">
+                                          <p:val>
+                                            <p:strVal val="#ppt_y+.1"/>
+                                          </p:val>
+                                        </p:tav>
+                                        <p:tav tm="100000">
+                                          <p:val>
+                                            <p:strVal val="#ppt_y"/>
+                                          </p:val>
+                                        </p:tav>
+                                      </p:tavLst>
+                                    </p:anim>
+                                  </p:childTnLst>
+                                </p:cTn>
+                              </p:par>
                             </p:childTnLst>
                           </p:cTn>
                         </p:par>
@@ -18280,6 +17552,7 @@
       <p:bldP spid="4" grpId="0"/>
       <p:bldP spid="5" grpId="0"/>
       <p:bldP spid="6" grpId="0"/>
+      <p:bldP spid="8" grpId="0"/>
     </p:bldLst>
   </p:timing>
 </p:sld>
@@ -18446,21 +17719,30 @@
                 <a:latin typeface="Times New Roman" pitchFamily="18" charset="0"/>
                 <a:cs typeface="Times New Roman" pitchFamily="18" charset="0"/>
               </a:rPr>
-              <a:t>application into an MVC architecture </a:t>
+              <a:t>application into an MVC </a:t>
             </a:r>
             <a:r>
               <a:rPr lang="en-US" sz="1600" dirty="0" smtClean="0">
                 <a:latin typeface="Times New Roman" pitchFamily="18" charset="0"/>
                 <a:cs typeface="Times New Roman" pitchFamily="18" charset="0"/>
               </a:rPr>
-              <a:t>- - - </a:t>
+              <a:t>architecture </a:t>
+            </a:r>
+          </a:p>
+          <a:p>
+            <a:r>
+              <a:rPr lang="en-US" sz="1600" dirty="0" smtClean="0">
+                <a:latin typeface="Times New Roman" pitchFamily="18" charset="0"/>
+                <a:cs typeface="Times New Roman" pitchFamily="18" charset="0"/>
+              </a:rPr>
+              <a:t>- Support </a:t>
             </a:r>
             <a:r>
               <a:rPr lang="en-US" sz="1600" dirty="0" err="1" smtClean="0">
                 <a:latin typeface="Times New Roman" pitchFamily="18" charset="0"/>
                 <a:cs typeface="Times New Roman" pitchFamily="18" charset="0"/>
               </a:rPr>
-              <a:t>supportRESTful</a:t>
+              <a:t>RESTful</a:t>
             </a:r>
             <a:r>
               <a:rPr lang="en-US" sz="1600" dirty="0" smtClean="0">
@@ -18475,13 +17757,6 @@
                 <a:cs typeface="Times New Roman" pitchFamily="18" charset="0"/>
               </a:rPr>
               <a:t>webservice</a:t>
-            </a:r>
-            <a:r>
-              <a:rPr lang="en-US" sz="1600" dirty="0" smtClean="0">
-                <a:latin typeface="Times New Roman" pitchFamily="18" charset="0"/>
-                <a:cs typeface="Times New Roman" pitchFamily="18" charset="0"/>
-              </a:rPr>
-              <a:t> withNode.je</a:t>
             </a:r>
             <a:endParaRPr lang="en-US" sz="1600" dirty="0">
               <a:latin typeface="Times New Roman" pitchFamily="18" charset="0"/>
@@ -18586,29 +17861,35 @@
           </a:bodyPr>
           <a:lstStyle/>
           <a:p>
-            <a:pPr marL="285750" indent="-285750">
-              <a:buFontTx/>
-              <a:buChar char="-"/>
-            </a:pPr>
             <a:r>
               <a:rPr lang="en-US" sz="1600" dirty="0" smtClean="0">
                 <a:latin typeface="Times New Roman" pitchFamily="18" charset="0"/>
                 <a:cs typeface="Times New Roman" pitchFamily="18" charset="0"/>
               </a:rPr>
-              <a:t>using JavaScript on server side </a:t>
-            </a:r>
-          </a:p>
-          <a:p>
-            <a:pPr marL="285750" indent="-285750">
-              <a:buFontTx/>
-              <a:buChar char="-"/>
-            </a:pPr>
+              <a:t>- using </a:t>
+            </a:r>
             <a:r>
               <a:rPr lang="en-US" sz="1600" dirty="0" smtClean="0">
                 <a:latin typeface="Times New Roman" pitchFamily="18" charset="0"/>
                 <a:cs typeface="Times New Roman" pitchFamily="18" charset="0"/>
               </a:rPr>
-              <a:t>support building real-time application  effectively. </a:t>
+              <a:t>JavaScript on server side </a:t>
+            </a:r>
+          </a:p>
+          <a:p>
+            <a:r>
+              <a:rPr lang="en-US" sz="1600" dirty="0" smtClean="0">
+                <a:latin typeface="Times New Roman" pitchFamily="18" charset="0"/>
+                <a:cs typeface="Times New Roman" pitchFamily="18" charset="0"/>
+              </a:rPr>
+              <a:t>- support </a:t>
+            </a:r>
+            <a:r>
+              <a:rPr lang="en-US" sz="1600" dirty="0" smtClean="0">
+                <a:latin typeface="Times New Roman" pitchFamily="18" charset="0"/>
+                <a:cs typeface="Times New Roman" pitchFamily="18" charset="0"/>
+              </a:rPr>
+              <a:t>building real-time application  effectively. </a:t>
             </a:r>
             <a:endParaRPr lang="en-US" sz="1600" dirty="0">
               <a:latin typeface="Times New Roman" pitchFamily="18" charset="0"/>
@@ -20377,7 +19658,7 @@
         </p:blipFill>
         <p:spPr bwMode="auto">
           <a:xfrm>
-            <a:off x="2279374" y="1447800"/>
+            <a:off x="2279373" y="1695297"/>
             <a:ext cx="5419725" cy="2933700"/>
           </a:xfrm>
           <a:prstGeom prst="rect">
@@ -20483,8 +19764,8 @@
         </p:nvSpPr>
         <p:spPr>
           <a:xfrm>
-            <a:off x="1543670" y="6061136"/>
-            <a:ext cx="7010400" cy="369332"/>
+            <a:off x="1520479" y="6061136"/>
+            <a:ext cx="7033591" cy="369332"/>
           </a:xfrm>
           <a:prstGeom prst="rect">
             <a:avLst/>
@@ -20499,6 +19780,38 @@
             <a:r>
               <a:rPr lang="en-US" dirty="0" smtClean="0"/>
               <a:t>Low  performance</a:t>
+            </a:r>
+            <a:endParaRPr lang="en-US" dirty="0"/>
+          </a:p>
+        </p:txBody>
+      </p:sp>
+      <p:sp>
+        <p:nvSpPr>
+          <p:cNvPr id="7" name="Rectangle 6"/>
+          <p:cNvSpPr/>
+          <p:nvPr/>
+        </p:nvSpPr>
+        <p:spPr>
+          <a:xfrm>
+            <a:off x="1371600" y="1048966"/>
+            <a:ext cx="4572000" cy="646331"/>
+          </a:xfrm>
+          <a:prstGeom prst="rect">
+            <a:avLst/>
+          </a:prstGeom>
+        </p:spPr>
+        <p:txBody>
+          <a:bodyPr>
+            <a:spAutoFit/>
+          </a:bodyPr>
+          <a:lstStyle/>
+          <a:p>
+            <a:endParaRPr lang="en-US" dirty="0"/>
+          </a:p>
+          <a:p>
+            <a:r>
+              <a:rPr lang="en-US" dirty="0" smtClean="0"/>
+              <a:t>Traditional web </a:t>
             </a:r>
             <a:endParaRPr lang="en-US" dirty="0"/>
           </a:p>

--- a/Thesis-review.pptx
+++ b/Thesis-review.pptx
@@ -132,7 +132,27 @@
       </a:defRPr>
     </a:lvl9pPr>
   </p:defaultTextStyle>
+  <p:extLst>
+    <p:ext uri="{EFAFB233-063F-42B5-8137-9DF3F51BA10A}">
+      <p15:sldGuideLst xmlns:p15="http://schemas.microsoft.com/office/powerpoint/2012/main">
+        <p15:guide id="1" orient="horz" pos="2160">
+          <p15:clr>
+            <a:srgbClr val="A4A3A4"/>
+          </p15:clr>
+        </p15:guide>
+        <p15:guide id="2" pos="2880">
+          <p15:clr>
+            <a:srgbClr val="A4A3A4"/>
+          </p15:clr>
+        </p15:guide>
+      </p15:sldGuideLst>
+    </p:ext>
+  </p:extLst>
 </p:presentation>
+</file>
+
+<file path=ppt/revisionInfo.xml><?xml version="1.0" encoding="utf-8"?>
+<p1510:revInfo xmlns:a="http://schemas.openxmlformats.org/drawingml/2006/main" xmlns:r="http://schemas.openxmlformats.org/officeDocument/2006/relationships" xmlns:p1510="http://schemas.microsoft.com/office/powerpoint/2015/10/main"/>
 </file>
 
 <file path=ppt/notesMasters/notesMaster1.xml><?xml version="1.0" encoding="utf-8"?>
@@ -217,7 +237,7 @@
           <a:p>
             <a:fld id="{EEA6C43E-BF2E-4F9E-AD57-441B9F46AF27}" type="datetimeFigureOut">
               <a:rPr lang="en-US" smtClean="0"/>
-              <a:t>3/3/2018</a:t>
+              <a:t>4/16/2018</a:t>
             </a:fld>
             <a:endParaRPr lang="en-US"/>
           </a:p>
@@ -281,38 +301,37 @@
           <a:p>
             <a:pPr lvl="0"/>
             <a:r>
-              <a:rPr lang="en-US" smtClean="0"/>
+              <a:rPr lang="en-US"/>
               <a:t>Click to edit Master text styles</a:t>
             </a:r>
           </a:p>
           <a:p>
             <a:pPr lvl="1"/>
             <a:r>
-              <a:rPr lang="en-US" smtClean="0"/>
+              <a:rPr lang="en-US"/>
               <a:t>Second level</a:t>
             </a:r>
           </a:p>
           <a:p>
             <a:pPr lvl="2"/>
             <a:r>
-              <a:rPr lang="en-US" smtClean="0"/>
+              <a:rPr lang="en-US"/>
               <a:t>Third level</a:t>
             </a:r>
           </a:p>
           <a:p>
             <a:pPr lvl="3"/>
             <a:r>
-              <a:rPr lang="en-US" smtClean="0"/>
+              <a:rPr lang="en-US"/>
               <a:t>Fourth level</a:t>
             </a:r>
           </a:p>
           <a:p>
             <a:pPr lvl="4"/>
             <a:r>
-              <a:rPr lang="en-US" smtClean="0"/>
+              <a:rPr lang="en-US"/>
               <a:t>Fifth level</a:t>
             </a:r>
-            <a:endParaRPr lang="en-US"/>
           </a:p>
         </p:txBody>
       </p:sp>
@@ -530,29 +549,29 @@
           <a:lstStyle/>
           <a:p>
             <a:r>
-              <a:rPr lang="en-US" dirty="0" smtClean="0"/>
+              <a:rPr lang="en-US" dirty="0"/>
               <a:t>Hello everyone,</a:t>
             </a:r>
             <a:r>
-              <a:rPr lang="en-US" baseline="0" dirty="0" smtClean="0"/>
+              <a:rPr lang="en-US" baseline="0" dirty="0"/>
               <a:t> my name is Do Hung </a:t>
             </a:r>
             <a:r>
-              <a:rPr lang="en-US" baseline="0" dirty="0" err="1" smtClean="0"/>
+              <a:rPr lang="en-US" baseline="0" dirty="0" err="1"/>
               <a:t>Cuong</a:t>
             </a:r>
             <a:r>
-              <a:rPr lang="en-US" baseline="0" dirty="0" smtClean="0"/>
+              <a:rPr lang="en-US" baseline="0" dirty="0"/>
               <a:t>, and today I am very happy to be here to present about my thesis</a:t>
             </a:r>
           </a:p>
           <a:p>
             <a:r>
-              <a:rPr lang="en-US" baseline="0" dirty="0" smtClean="0"/>
+              <a:rPr lang="en-US" baseline="0" dirty="0"/>
               <a:t>My topic is </a:t>
             </a:r>
             <a:r>
-              <a:rPr lang="en-US" sz="1200" b="0" dirty="0" smtClean="0">
+              <a:rPr lang="en-US" sz="1200" b="0" dirty="0">
                 <a:solidFill>
                   <a:srgbClr val="F88630"/>
                 </a:solidFill>
@@ -563,7 +582,7 @@
               <a:t>HOTEL BOOKING AND RESERVATION</a:t>
             </a:r>
             <a:r>
-              <a:rPr lang="en-US" sz="1200" b="0" baseline="0" dirty="0" smtClean="0">
+              <a:rPr lang="en-US" sz="1200" b="0" baseline="0" dirty="0">
                 <a:solidFill>
                   <a:srgbClr val="F88630"/>
                 </a:solidFill>
@@ -574,7 +593,7 @@
               <a:t> </a:t>
             </a:r>
             <a:r>
-              <a:rPr lang="en-US" sz="1200" b="0" dirty="0" smtClean="0">
+              <a:rPr lang="en-US" sz="1200" b="0" dirty="0">
                 <a:solidFill>
                   <a:srgbClr val="F88630"/>
                 </a:solidFill>
@@ -585,7 +604,7 @@
               <a:t>SYSTEM USING MICROSERVICES</a:t>
             </a:r>
             <a:r>
-              <a:rPr lang="en-US" sz="1200" b="0" baseline="0" dirty="0" smtClean="0">
+              <a:rPr lang="en-US" sz="1200" b="0" baseline="0" dirty="0">
                 <a:solidFill>
                   <a:srgbClr val="F88630"/>
                 </a:solidFill>
@@ -596,7 +615,7 @@
               <a:t> </a:t>
             </a:r>
             <a:r>
-              <a:rPr lang="en-US" sz="1200" b="0" dirty="0" smtClean="0">
+              <a:rPr lang="en-US" sz="1200" b="0" dirty="0">
                 <a:solidFill>
                   <a:srgbClr val="F88630"/>
                 </a:solidFill>
@@ -607,7 +626,7 @@
               <a:t>TECHNOLOGY WITH MEAN STACK</a:t>
             </a:r>
             <a:r>
-              <a:rPr lang="en-US" sz="1200" b="0" baseline="0" dirty="0" smtClean="0">
+              <a:rPr lang="en-US" sz="1200" b="0" baseline="0" dirty="0">
                 <a:solidFill>
                   <a:srgbClr val="F88630"/>
                 </a:solidFill>
@@ -618,7 +637,7 @@
               <a:t> </a:t>
             </a:r>
             <a:r>
-              <a:rPr lang="en-US" sz="1200" b="0" dirty="0" smtClean="0">
+              <a:rPr lang="en-US" sz="1200" b="0" dirty="0">
                 <a:solidFill>
                   <a:srgbClr val="F88630"/>
                 </a:solidFill>
@@ -631,7 +650,7 @@
           </a:p>
           <a:p>
             <a:r>
-              <a:rPr lang="en-US" sz="1200" b="0" dirty="0" smtClean="0">
+              <a:rPr lang="en-US" sz="1200" b="0" dirty="0">
                 <a:solidFill>
                   <a:srgbClr val="F88630"/>
                 </a:solidFill>
@@ -642,7 +661,7 @@
               <a:t>I will talk </a:t>
             </a:r>
             <a:r>
-              <a:rPr lang="en-US" sz="1200" b="0" baseline="0" dirty="0" smtClean="0">
+              <a:rPr lang="en-US" sz="1200" b="0" baseline="0" dirty="0">
                 <a:solidFill>
                   <a:srgbClr val="F88630"/>
                 </a:solidFill>
@@ -754,7 +773,7 @@
               <a:defRPr/>
             </a:pPr>
             <a:r>
-              <a:rPr lang="en-US" sz="1200" b="0" i="0" kern="1200" dirty="0" smtClean="0">
+              <a:rPr lang="en-US" sz="1200" b="0" i="0" kern="1200" dirty="0">
                 <a:solidFill>
                   <a:schemeClr val="tx1"/>
                 </a:solidFill>
@@ -766,7 +785,7 @@
               <a:t>Single</a:t>
             </a:r>
             <a:r>
-              <a:rPr lang="en-US" sz="1200" b="0" i="0" kern="1200" baseline="0" dirty="0" smtClean="0">
+              <a:rPr lang="en-US" sz="1200" b="0" i="0" kern="1200" baseline="0" dirty="0">
                 <a:solidFill>
                   <a:schemeClr val="tx1"/>
                 </a:solidFill>
@@ -777,7 +796,7 @@
               </a:rPr>
               <a:t> page application is the solution that solve the loading page problem</a:t>
             </a:r>
-            <a:endParaRPr lang="en-US" sz="1200" b="0" i="0" kern="1200" dirty="0" smtClean="0">
+            <a:endParaRPr lang="en-US" sz="1200" b="0" i="0" kern="1200" dirty="0">
               <a:solidFill>
                 <a:schemeClr val="tx1"/>
               </a:solidFill>
@@ -805,7 +824,7 @@
               <a:tabLst/>
               <a:defRPr/>
             </a:pPr>
-            <a:endParaRPr lang="en-US" sz="1200" b="0" i="0" kern="1200" dirty="0" smtClean="0">
+            <a:endParaRPr lang="en-US" sz="1200" b="0" i="0" kern="1200" dirty="0">
               <a:solidFill>
                 <a:schemeClr val="tx1"/>
               </a:solidFill>
@@ -834,7 +853,7 @@
               <a:defRPr/>
             </a:pPr>
             <a:r>
-              <a:rPr lang="en-US" sz="1200" b="0" i="0" kern="1200" dirty="0" smtClean="0">
+              <a:rPr lang="en-US" sz="1200" b="0" i="0" kern="1200" dirty="0">
                 <a:solidFill>
                   <a:schemeClr val="tx1"/>
                 </a:solidFill>
@@ -864,7 +883,7 @@
               <a:tabLst/>
               <a:defRPr/>
             </a:pPr>
-            <a:endParaRPr lang="en-US" sz="1200" b="0" i="0" kern="1200" dirty="0" smtClean="0">
+            <a:endParaRPr lang="en-US" sz="1200" b="0" i="0" kern="1200" dirty="0">
               <a:solidFill>
                 <a:schemeClr val="tx1"/>
               </a:solidFill>
@@ -876,7 +895,7 @@
           </a:p>
           <a:p>
             <a:r>
-              <a:rPr lang="en-US" sz="1200" kern="1200" dirty="0" smtClean="0">
+              <a:rPr lang="en-US" sz="1200" kern="1200" dirty="0">
                 <a:solidFill>
                   <a:schemeClr val="tx1"/>
                 </a:solidFill>
@@ -888,7 +907,7 @@
               <a:t>AJAX is a dream of developer, because  It supports changing the content of a web page without reloading it.</a:t>
             </a:r>
             <a:r>
-              <a:rPr lang="en-US" sz="1200" kern="1200" baseline="0" dirty="0" smtClean="0">
+              <a:rPr lang="en-US" sz="1200" kern="1200" baseline="0" dirty="0">
                 <a:solidFill>
                   <a:schemeClr val="tx1"/>
                 </a:solidFill>
@@ -900,7 +919,7 @@
               <a:t> </a:t>
             </a:r>
             <a:r>
-              <a:rPr lang="en-US" sz="1200" kern="1200" dirty="0" smtClean="0">
+              <a:rPr lang="en-US" sz="1200" kern="1200" dirty="0">
                 <a:solidFill>
                   <a:schemeClr val="tx1"/>
                 </a:solidFill>
@@ -914,7 +933,7 @@
           </a:p>
           <a:p>
             <a:pPr lvl="0"/>
-            <a:endParaRPr lang="en-US" sz="1200" b="0" i="0" kern="1200" dirty="0" smtClean="0">
+            <a:endParaRPr lang="en-US" sz="1200" b="0" i="0" kern="1200" dirty="0">
               <a:solidFill>
                 <a:schemeClr val="tx1"/>
               </a:solidFill>
@@ -943,7 +962,7 @@
               <a:defRPr/>
             </a:pPr>
             <a:r>
-              <a:rPr lang="en-US" sz="1200" b="0" i="0" kern="1200" dirty="0" smtClean="0">
+              <a:rPr lang="en-US" sz="1200" b="0" i="0" kern="1200" dirty="0">
                 <a:solidFill>
                   <a:schemeClr val="tx1"/>
                 </a:solidFill>
@@ -973,7 +992,7 @@
               <a:tabLst/>
               <a:defRPr/>
             </a:pPr>
-            <a:endParaRPr lang="en-US" sz="1200" b="0" i="0" kern="1200" dirty="0" smtClean="0">
+            <a:endParaRPr lang="en-US" sz="1200" b="0" i="0" kern="1200" dirty="0">
               <a:solidFill>
                 <a:schemeClr val="tx1"/>
               </a:solidFill>
@@ -1001,7 +1020,7 @@
               <a:tabLst/>
               <a:defRPr/>
             </a:pPr>
-            <a:endParaRPr lang="en-US" sz="1200" b="0" i="0" kern="1200" dirty="0" smtClean="0">
+            <a:endParaRPr lang="en-US" sz="1200" b="0" i="0" kern="1200" dirty="0">
               <a:solidFill>
                 <a:schemeClr val="tx1"/>
               </a:solidFill>
@@ -1029,7 +1048,7 @@
               <a:tabLst/>
               <a:defRPr/>
             </a:pPr>
-            <a:endParaRPr lang="en-US" sz="1200" b="0" i="0" kern="1200" dirty="0" smtClean="0">
+            <a:endParaRPr lang="en-US" sz="1200" b="0" i="0" kern="1200" dirty="0">
               <a:solidFill>
                 <a:schemeClr val="tx1"/>
               </a:solidFill>
@@ -1142,7 +1161,7 @@
               <a:defRPr/>
             </a:pPr>
             <a:r>
-              <a:rPr lang="en-US" sz="1200" b="0" i="0" kern="1200" dirty="0" smtClean="0">
+              <a:rPr lang="en-US" sz="1200" b="0" i="0" kern="1200" dirty="0">
                 <a:solidFill>
                   <a:schemeClr val="tx1"/>
                 </a:solidFill>
@@ -1154,7 +1173,7 @@
               <a:t>To apply</a:t>
             </a:r>
             <a:r>
-              <a:rPr lang="en-US" sz="1200" b="0" i="0" kern="1200" baseline="0" dirty="0" smtClean="0">
+              <a:rPr lang="en-US" sz="1200" b="0" i="0" kern="1200" baseline="0" dirty="0">
                 <a:solidFill>
                   <a:schemeClr val="tx1"/>
                 </a:solidFill>
@@ -1184,7 +1203,7 @@
               <a:tabLst/>
               <a:defRPr/>
             </a:pPr>
-            <a:endParaRPr lang="en-US" sz="1200" b="0" i="0" kern="1200" baseline="0" dirty="0" smtClean="0">
+            <a:endParaRPr lang="en-US" sz="1200" b="0" i="0" kern="1200" baseline="0" dirty="0">
               <a:solidFill>
                 <a:schemeClr val="tx1"/>
               </a:solidFill>
@@ -1213,7 +1232,7 @@
               <a:defRPr/>
             </a:pPr>
             <a:r>
-              <a:rPr lang="en-US" sz="1200" b="0" i="0" kern="1200" baseline="0" dirty="0" smtClean="0">
+              <a:rPr lang="en-US" sz="1200" b="0" i="0" kern="1200" baseline="0" dirty="0">
                 <a:solidFill>
                   <a:schemeClr val="tx1"/>
                 </a:solidFill>
@@ -1225,7 +1244,7 @@
               <a:t>Nowadays, </a:t>
             </a:r>
             <a:r>
-              <a:rPr lang="en-US" sz="1200" b="0" i="0" kern="1200" baseline="0" dirty="0" err="1" smtClean="0">
+              <a:rPr lang="en-US" sz="1200" b="0" i="0" kern="1200" baseline="0" dirty="0" err="1">
                 <a:solidFill>
                   <a:schemeClr val="tx1"/>
                 </a:solidFill>
@@ -1237,7 +1256,7 @@
               <a:t>RESTful</a:t>
             </a:r>
             <a:r>
-              <a:rPr lang="en-US" sz="1200" b="0" i="0" kern="1200" baseline="0" dirty="0" smtClean="0">
+              <a:rPr lang="en-US" sz="1200" b="0" i="0" kern="1200" baseline="0" dirty="0">
                 <a:solidFill>
                   <a:schemeClr val="tx1"/>
                 </a:solidFill>
@@ -1249,7 +1268,7 @@
               <a:t> </a:t>
             </a:r>
             <a:r>
-              <a:rPr lang="en-US" sz="1200" b="0" i="0" kern="1200" baseline="0" dirty="0" err="1" smtClean="0">
+              <a:rPr lang="en-US" sz="1200" b="0" i="0" kern="1200" baseline="0" dirty="0" err="1">
                 <a:solidFill>
                   <a:schemeClr val="tx1"/>
                 </a:solidFill>
@@ -1261,7 +1280,7 @@
               <a:t>webservice</a:t>
             </a:r>
             <a:r>
-              <a:rPr lang="en-US" sz="1200" b="0" i="0" kern="1200" baseline="0" dirty="0" smtClean="0">
+              <a:rPr lang="en-US" sz="1200" b="0" i="0" kern="1200" baseline="0" dirty="0">
                 <a:solidFill>
                   <a:schemeClr val="tx1"/>
                 </a:solidFill>
@@ -1291,7 +1310,7 @@
               <a:tabLst/>
               <a:defRPr/>
             </a:pPr>
-            <a:endParaRPr lang="en-US" sz="1200" b="0" i="0" kern="1200" baseline="0" dirty="0" smtClean="0">
+            <a:endParaRPr lang="en-US" sz="1200" b="0" i="0" kern="1200" baseline="0" dirty="0">
               <a:solidFill>
                 <a:schemeClr val="tx1"/>
               </a:solidFill>
@@ -1320,7 +1339,7 @@
               <a:defRPr/>
             </a:pPr>
             <a:r>
-              <a:rPr lang="en-US" sz="1200" b="0" i="0" kern="1200" baseline="0" dirty="0" smtClean="0">
+              <a:rPr lang="en-US" sz="1200" b="0" i="0" kern="1200" baseline="0" dirty="0">
                 <a:solidFill>
                   <a:schemeClr val="tx1"/>
                 </a:solidFill>
@@ -1351,7 +1370,7 @@
               <a:defRPr/>
             </a:pPr>
             <a:r>
-              <a:rPr lang="en-US" sz="1200" b="0" i="0" kern="1200" baseline="0" dirty="0" smtClean="0">
+              <a:rPr lang="en-US" sz="1200" b="0" i="0" kern="1200" baseline="0" dirty="0">
                 <a:solidFill>
                   <a:schemeClr val="tx1"/>
                 </a:solidFill>
@@ -1382,7 +1401,7 @@
               <a:defRPr/>
             </a:pPr>
             <a:r>
-              <a:rPr lang="en-US" sz="1200" b="0" i="0" kern="1200" baseline="0" dirty="0" smtClean="0">
+              <a:rPr lang="en-US" sz="1200" b="0" i="0" kern="1200" baseline="0" dirty="0">
                 <a:solidFill>
                   <a:schemeClr val="tx1"/>
                 </a:solidFill>
@@ -1412,7 +1431,7 @@
               <a:tabLst/>
               <a:defRPr/>
             </a:pPr>
-            <a:endParaRPr lang="en-US" sz="1200" b="0" i="0" kern="1200" baseline="0" dirty="0" smtClean="0">
+            <a:endParaRPr lang="en-US" sz="1200" b="0" i="0" kern="1200" baseline="0" dirty="0">
               <a:solidFill>
                 <a:schemeClr val="tx1"/>
               </a:solidFill>
@@ -1441,7 +1460,7 @@
               <a:defRPr/>
             </a:pPr>
             <a:r>
-              <a:rPr lang="en-US" sz="1200" b="0" i="0" kern="1200" baseline="0" dirty="0" err="1" smtClean="0">
+              <a:rPr lang="en-US" sz="1200" b="0" i="0" kern="1200" baseline="0" dirty="0" err="1">
                 <a:solidFill>
                   <a:schemeClr val="tx1"/>
                 </a:solidFill>
@@ -1453,7 +1472,7 @@
               <a:t>RESTful</a:t>
             </a:r>
             <a:r>
-              <a:rPr lang="en-US" sz="1200" b="0" i="0" kern="1200" baseline="0" dirty="0" smtClean="0">
+              <a:rPr lang="en-US" sz="1200" b="0" i="0" kern="1200" baseline="0" dirty="0">
                 <a:solidFill>
                   <a:schemeClr val="tx1"/>
                 </a:solidFill>
@@ -1465,7 +1484,7 @@
               <a:t> </a:t>
             </a:r>
             <a:r>
-              <a:rPr lang="en-US" sz="1200" b="0" i="0" kern="1200" baseline="0" dirty="0" err="1" smtClean="0">
+              <a:rPr lang="en-US" sz="1200" b="0" i="0" kern="1200" baseline="0" dirty="0" err="1">
                 <a:solidFill>
                   <a:schemeClr val="tx1"/>
                 </a:solidFill>
@@ -1477,7 +1496,7 @@
               <a:t>webservice</a:t>
             </a:r>
             <a:r>
-              <a:rPr lang="en-US" sz="1200" b="0" i="0" kern="1200" baseline="0" dirty="0" smtClean="0">
+              <a:rPr lang="en-US" sz="1200" b="0" i="0" kern="1200" baseline="0" dirty="0">
                 <a:solidFill>
                   <a:schemeClr val="tx1"/>
                 </a:solidFill>
@@ -1489,14 +1508,14 @@
               <a:t> can provide API data as Text, JSON, XML </a:t>
             </a:r>
             <a:r>
-              <a:rPr lang="en-US" dirty="0" smtClean="0"/>
+              <a:rPr lang="en-US" dirty="0"/>
               <a:t>format, usually</a:t>
             </a:r>
             <a:r>
-              <a:rPr lang="en-US" baseline="0" dirty="0" smtClean="0"/>
+              <a:rPr lang="en-US" baseline="0" dirty="0"/>
               <a:t> in JSON</a:t>
             </a:r>
-            <a:endParaRPr lang="en-US" sz="1200" b="0" i="0" kern="1200" dirty="0" smtClean="0">
+            <a:endParaRPr lang="en-US" sz="1200" b="0" i="0" kern="1200" dirty="0">
               <a:solidFill>
                 <a:schemeClr val="tx1"/>
               </a:solidFill>
@@ -1592,43 +1611,43 @@
           <a:lstStyle/>
           <a:p>
             <a:r>
-              <a:rPr lang="en-US" dirty="0" smtClean="0"/>
+              <a:rPr lang="en-US" dirty="0"/>
               <a:t>Besides</a:t>
             </a:r>
             <a:r>
-              <a:rPr lang="en-US" baseline="0" dirty="0" smtClean="0"/>
+              <a:rPr lang="en-US" baseline="0" dirty="0"/>
               <a:t> these technology I have mentioned. I also use a lot of other technology. Here is a list of summary technology I used such as </a:t>
             </a:r>
             <a:r>
-              <a:rPr lang="en-US" baseline="0" dirty="0" err="1" smtClean="0"/>
+              <a:rPr lang="en-US" baseline="0" dirty="0" err="1"/>
               <a:t>Juery</a:t>
             </a:r>
             <a:r>
-              <a:rPr lang="en-US" baseline="0" dirty="0" smtClean="0"/>
+              <a:rPr lang="en-US" baseline="0" dirty="0"/>
               <a:t>, </a:t>
             </a:r>
             <a:r>
-              <a:rPr lang="en-US" baseline="0" dirty="0" err="1" smtClean="0"/>
+              <a:rPr lang="en-US" baseline="0" dirty="0" err="1"/>
               <a:t>boostrap</a:t>
             </a:r>
             <a:r>
-              <a:rPr lang="en-US" baseline="0" dirty="0" smtClean="0"/>
+              <a:rPr lang="en-US" baseline="0" dirty="0"/>
               <a:t>, MySQL, SQL, Maven , tomcat </a:t>
             </a:r>
             <a:r>
-              <a:rPr lang="en-US" baseline="0" dirty="0" err="1" smtClean="0"/>
+              <a:rPr lang="en-US" baseline="0" dirty="0" err="1"/>
               <a:t>Git</a:t>
             </a:r>
             <a:r>
-              <a:rPr lang="en-US" baseline="0" dirty="0" smtClean="0"/>
+              <a:rPr lang="en-US" baseline="0" dirty="0"/>
               <a:t> hub, </a:t>
             </a:r>
             <a:r>
-              <a:rPr lang="en-US" baseline="0" dirty="0" err="1" smtClean="0"/>
+              <a:rPr lang="en-US" baseline="0" dirty="0" err="1"/>
               <a:t>Trello</a:t>
             </a:r>
             <a:r>
-              <a:rPr lang="en-US" baseline="0" dirty="0" smtClean="0"/>
+              <a:rPr lang="en-US" baseline="0" dirty="0"/>
               <a:t> and so much more</a:t>
             </a:r>
           </a:p>
@@ -1735,23 +1754,23 @@
               <a:defRPr/>
             </a:pPr>
             <a:r>
-              <a:rPr lang="en-US" dirty="0" smtClean="0"/>
+              <a:rPr lang="en-US" dirty="0"/>
               <a:t>As you can see in the picture,</a:t>
             </a:r>
             <a:r>
-              <a:rPr lang="en-US" baseline="0" dirty="0" smtClean="0"/>
+              <a:rPr lang="en-US" baseline="0" dirty="0"/>
               <a:t> it is an image of Hilton Hampton Hotel in America, you can see that many customers are making a </a:t>
             </a:r>
             <a:r>
-              <a:rPr lang="en-US" dirty="0" smtClean="0"/>
+              <a:rPr lang="en-US" dirty="0"/>
               <a:t>queue waiting</a:t>
             </a:r>
             <a:r>
-              <a:rPr lang="en-US" baseline="0" dirty="0" smtClean="0"/>
+              <a:rPr lang="en-US" baseline="0" dirty="0"/>
               <a:t> for own turn to book room or fill a reservation form. In fact, </a:t>
             </a:r>
             <a:r>
-              <a:rPr lang="en-US" dirty="0" smtClean="0"/>
+              <a:rPr lang="en-US" dirty="0"/>
               <a:t>in many enormous hotels, management is very difficult where booking based on pen and paper is not convenient for both the customers and the receptionists.</a:t>
             </a:r>
           </a:p>
@@ -1773,7 +1792,7 @@
               <a:tabLst/>
               <a:defRPr/>
             </a:pPr>
-            <a:endParaRPr lang="en-US" dirty="0" smtClean="0"/>
+            <a:endParaRPr lang="en-US" dirty="0"/>
           </a:p>
           <a:p>
             <a:pPr marL="0" marR="0" indent="0" algn="l" defTabSz="914400" rtl="0" eaLnBrk="1" fontAlgn="auto" latinLnBrk="0" hangingPunct="1">
@@ -1794,7 +1813,7 @@
               <a:defRPr/>
             </a:pPr>
             <a:r>
-              <a:rPr lang="en-US" dirty="0" smtClean="0"/>
+              <a:rPr lang="en-US" dirty="0"/>
               <a:t>This is because Customer have to come directly to hotel for booking </a:t>
             </a:r>
           </a:p>
@@ -1817,15 +1836,15 @@
               <a:defRPr/>
             </a:pPr>
             <a:r>
-              <a:rPr lang="en-US" dirty="0" smtClean="0"/>
+              <a:rPr lang="en-US" dirty="0"/>
               <a:t>And it</a:t>
             </a:r>
             <a:r>
-              <a:rPr lang="en-US" baseline="0" dirty="0" smtClean="0"/>
+              <a:rPr lang="en-US" baseline="0" dirty="0"/>
               <a:t> </a:t>
             </a:r>
             <a:r>
-              <a:rPr lang="en-US" dirty="0" smtClean="0"/>
+              <a:rPr lang="en-US" dirty="0"/>
               <a:t>wastes time, not convenient</a:t>
             </a:r>
           </a:p>
@@ -1848,22 +1867,14 @@
               <a:defRPr/>
             </a:pPr>
             <a:r>
-              <a:rPr lang="en-US" dirty="0" smtClean="0"/>
+              <a:rPr lang="en-US" dirty="0"/>
               <a:t>Therefore, if you are earning money</a:t>
             </a:r>
             <a:r>
-              <a:rPr lang="en-US" baseline="0" dirty="0" smtClean="0"/>
-              <a:t> from hotel </a:t>
-            </a:r>
-            <a:r>
-              <a:rPr lang="en-US" baseline="0" dirty="0" err="1" smtClean="0"/>
-              <a:t>bussiness</a:t>
-            </a:r>
-            <a:r>
-              <a:rPr lang="en-US" baseline="0" dirty="0" smtClean="0"/>
-              <a:t> industry, you need a hotel booking and reservation system</a:t>
-            </a:r>
-            <a:endParaRPr lang="en-US" dirty="0" smtClean="0"/>
+              <a:rPr lang="en-US" baseline="0" dirty="0"/>
+              <a:t> from hotel business industry, you need a hotel booking and reservation system</a:t>
+            </a:r>
+            <a:endParaRPr lang="en-US" dirty="0"/>
           </a:p>
           <a:p>
             <a:pPr marL="0" marR="0" indent="0" algn="l" defTabSz="914400" rtl="0" eaLnBrk="1" fontAlgn="auto" latinLnBrk="0" hangingPunct="1">
@@ -1883,7 +1894,7 @@
               <a:tabLst/>
               <a:defRPr/>
             </a:pPr>
-            <a:endParaRPr lang="en-US" dirty="0" smtClean="0"/>
+            <a:endParaRPr lang="en-US" dirty="0"/>
           </a:p>
         </p:txBody>
       </p:sp>
@@ -1968,44 +1979,28 @@
           <a:lstStyle/>
           <a:p>
             <a:r>
-              <a:rPr lang="en-US" dirty="0" smtClean="0"/>
-              <a:t>To solve these problems above, many deluxe hotels or five stars hotels in the world such as Marriott International, Hilton Worldwide or InterContinental Hotels Group </a:t>
-            </a:r>
-            <a:r>
-              <a:rPr lang="en-US" dirty="0" err="1" smtClean="0"/>
-              <a:t>lready</a:t>
-            </a:r>
-            <a:r>
-              <a:rPr lang="en-US" dirty="0" smtClean="0"/>
-              <a:t> have their own hotel booking systems. You can see the modern Hotel booking website of Marriott International Hotel here </a:t>
-            </a:r>
-          </a:p>
-          <a:p>
-            <a:r>
-              <a:rPr lang="en-US" dirty="0" smtClean="0"/>
+              <a:rPr lang="en-US" dirty="0"/>
+              <a:t>To solve these problems above, many deluxe hotels or five stars hotels in the world such as Marriott International, Hilton Worldwide or InterContinental Hotels Group already have their own hotel booking systems. You can see the modern Hotel booking website of Marriott International Hotel here </a:t>
+            </a:r>
+          </a:p>
+          <a:p>
+            <a:r>
+              <a:rPr lang="en-US" dirty="0"/>
               <a:t> </a:t>
             </a:r>
           </a:p>
           <a:p>
             <a:r>
-              <a:rPr lang="en-US" dirty="0" smtClean="0"/>
+              <a:rPr lang="en-US" dirty="0"/>
               <a:t>In developing technology industry, their systems were improved so much with friendly user interface, high performance and especially the ability to track the behavior of customers. So</a:t>
             </a:r>
             <a:r>
-              <a:rPr lang="en-US" baseline="0" dirty="0" smtClean="0"/>
-              <a:t> </a:t>
-            </a:r>
-            <a:r>
-              <a:rPr lang="en-US" baseline="0" dirty="0" err="1" smtClean="0"/>
-              <a:t>that</a:t>
-            </a:r>
-            <a:r>
-              <a:rPr lang="en-US" dirty="0" err="1" smtClean="0"/>
-              <a:t>They</a:t>
-            </a:r>
-            <a:r>
-              <a:rPr lang="en-US" dirty="0" smtClean="0"/>
-              <a:t> would know which pages customers clicked on, how long customers stayed at each page, which rooms, which services that customers had searched, booked, ordered or send the feedbacks. </a:t>
+              <a:rPr lang="en-US" baseline="0" dirty="0"/>
+              <a:t> that </a:t>
+            </a:r>
+            <a:r>
+              <a:rPr lang="en-US" dirty="0"/>
+              <a:t>They would know which pages customers clicked on, how long customers stayed at each page, which rooms, which services that customers had searched, booked, ordered or send the feedbacks. </a:t>
             </a:r>
           </a:p>
         </p:txBody>
@@ -2108,62 +2103,53 @@
               <a:defRPr/>
             </a:pPr>
             <a:r>
-              <a:rPr lang="en-US" dirty="0" smtClean="0"/>
+              <a:rPr lang="en-US" dirty="0"/>
               <a:t>The goal of my thesis is experiment </a:t>
             </a:r>
             <a:r>
-              <a:rPr lang="en-US" dirty="0" err="1" smtClean="0"/>
+              <a:rPr lang="en-US" dirty="0" err="1"/>
               <a:t>Mircoservices</a:t>
             </a:r>
             <a:r>
-              <a:rPr lang="en-US" dirty="0" smtClean="0"/>
-              <a:t> with all </a:t>
-            </a:r>
-            <a:r>
-              <a:rPr lang="en-US" dirty="0" err="1" smtClean="0"/>
-              <a:t>technologiesI</a:t>
-            </a:r>
-            <a:r>
-              <a:rPr lang="en-US" dirty="0" smtClean="0"/>
-              <a:t> have mentioned to build a Hotel Booking and Reservations system similar to some other modern five-star hotel system. </a:t>
-            </a:r>
-          </a:p>
-          <a:p>
-            <a:endParaRPr lang="en-US" dirty="0" smtClean="0"/>
-          </a:p>
-          <a:p>
-            <a:endParaRPr lang="en-US" dirty="0" smtClean="0"/>
-          </a:p>
-          <a:p>
-            <a:r>
-              <a:rPr lang="en-US" dirty="0" smtClean="0"/>
+              <a:rPr lang="en-US" dirty="0"/>
+              <a:t> with all technologies have mentioned to build a Hotel Booking and Reservations system similar to some other modern five-star hotel system. </a:t>
+            </a:r>
+          </a:p>
+          <a:p>
+            <a:endParaRPr lang="en-US" dirty="0"/>
+          </a:p>
+          <a:p>
+            <a:endParaRPr lang="en-US" dirty="0"/>
+          </a:p>
+          <a:p>
+            <a:r>
+              <a:rPr lang="en-US" dirty="0"/>
               <a:t>Two responsive websites with apply </a:t>
             </a:r>
             <a:r>
-              <a:rPr lang="en-US" dirty="0" err="1" smtClean="0"/>
+              <a:rPr lang="en-US" dirty="0" err="1"/>
               <a:t>Mircoservices</a:t>
             </a:r>
             <a:r>
-              <a:rPr lang="en-US" dirty="0" smtClean="0"/>
+              <a:rPr lang="en-US" dirty="0"/>
               <a:t>, Single Page Application, </a:t>
             </a:r>
             <a:r>
-              <a:rPr lang="en-US" dirty="0" err="1" smtClean="0"/>
+              <a:rPr lang="en-US" dirty="0" err="1"/>
               <a:t>RESTful</a:t>
             </a:r>
             <a:r>
-              <a:rPr lang="en-US" dirty="0" smtClean="0"/>
+              <a:rPr lang="en-US" dirty="0"/>
               <a:t> </a:t>
             </a:r>
             <a:r>
-              <a:rPr lang="en-US" dirty="0" err="1" smtClean="0"/>
+              <a:rPr lang="en-US" dirty="0" err="1"/>
               <a:t>webserivce</a:t>
             </a:r>
             <a:r>
-              <a:rPr lang="en-US" dirty="0" smtClean="0"/>
+              <a:rPr lang="en-US" dirty="0"/>
               <a:t> and MVC architecture style.</a:t>
             </a:r>
-            <a:endParaRPr lang="en-US" dirty="0"/>
           </a:p>
         </p:txBody>
       </p:sp>
@@ -2250,34 +2236,34 @@
             <a:pPr marL="0" indent="0">
               <a:buNone/>
             </a:pPr>
-            <a:endParaRPr lang="en-US" dirty="0" smtClean="0"/>
-          </a:p>
-          <a:p>
-            <a:r>
-              <a:rPr lang="en-US" dirty="0" smtClean="0"/>
+            <a:endParaRPr lang="en-US" dirty="0"/>
+          </a:p>
+          <a:p>
+            <a:r>
+              <a:rPr lang="en-US" dirty="0"/>
               <a:t>My system is the online single page web application with high performance and dynamically loading by using Single Page application</a:t>
             </a:r>
             <a:r>
-              <a:rPr lang="en-US" baseline="0" dirty="0" smtClean="0"/>
+              <a:rPr lang="en-US" baseline="0" dirty="0"/>
               <a:t> thank to Angular and </a:t>
             </a:r>
             <a:r>
-              <a:rPr lang="en-US" baseline="0" dirty="0" err="1" smtClean="0"/>
+              <a:rPr lang="en-US" baseline="0" dirty="0" err="1"/>
               <a:t>RESTful</a:t>
             </a:r>
             <a:r>
-              <a:rPr lang="en-US" baseline="0" dirty="0" smtClean="0"/>
+              <a:rPr lang="en-US" baseline="0" dirty="0"/>
               <a:t> </a:t>
             </a:r>
             <a:r>
-              <a:rPr lang="en-US" baseline="0" dirty="0" err="1" smtClean="0"/>
+              <a:rPr lang="en-US" baseline="0" dirty="0" err="1"/>
               <a:t>webservice</a:t>
             </a:r>
             <a:r>
-              <a:rPr lang="en-US" baseline="0" dirty="0" smtClean="0"/>
+              <a:rPr lang="en-US" baseline="0" dirty="0"/>
               <a:t> </a:t>
             </a:r>
-            <a:endParaRPr lang="en-US" dirty="0" smtClean="0"/>
+            <a:endParaRPr lang="en-US" dirty="0"/>
           </a:p>
           <a:p>
             <a:pPr marL="0" marR="0" indent="0" algn="l" defTabSz="914400" rtl="0" eaLnBrk="1" fontAlgn="auto" latinLnBrk="0" hangingPunct="1">
@@ -2297,7 +2283,7 @@
               <a:tabLst/>
               <a:defRPr/>
             </a:pPr>
-            <a:endParaRPr lang="en-US" dirty="0" smtClean="0"/>
+            <a:endParaRPr lang="en-US" dirty="0"/>
           </a:p>
           <a:p>
             <a:pPr marL="0" marR="0" indent="0" algn="l" defTabSz="914400" rtl="0" eaLnBrk="1" fontAlgn="auto" latinLnBrk="0" hangingPunct="1">
@@ -2317,7 +2303,7 @@
               <a:tabLst/>
               <a:defRPr/>
             </a:pPr>
-            <a:endParaRPr lang="en-US" dirty="0" smtClean="0"/>
+            <a:endParaRPr lang="en-US" dirty="0"/>
           </a:p>
           <a:p>
             <a:pPr marL="0" marR="0" indent="0" algn="l" defTabSz="914400" rtl="0" eaLnBrk="1" fontAlgn="auto" latinLnBrk="0" hangingPunct="1">
@@ -2338,39 +2324,39 @@
               <a:defRPr/>
             </a:pPr>
             <a:r>
-              <a:rPr lang="en-US" dirty="0" smtClean="0"/>
+              <a:rPr lang="en-US" dirty="0"/>
               <a:t>A lot of advanced, modern and popular web application technologies are used to implement my system such as </a:t>
             </a:r>
             <a:r>
-              <a:rPr lang="en-US" dirty="0" err="1" smtClean="0"/>
-              <a:t>mircoservice</a:t>
-            </a:r>
-            <a:r>
-              <a:rPr lang="en-US" dirty="0" smtClean="0"/>
+              <a:rPr lang="en-US" dirty="0" err="1"/>
+              <a:t>mircoservices</a:t>
+            </a:r>
+            <a:r>
+              <a:rPr lang="en-US" dirty="0"/>
               <a:t>,</a:t>
             </a:r>
             <a:r>
-              <a:rPr lang="en-US" baseline="0" dirty="0" smtClean="0"/>
+              <a:rPr lang="en-US" baseline="0" dirty="0"/>
               <a:t> mean, spring </a:t>
             </a:r>
             <a:r>
-              <a:rPr lang="en-US" baseline="0" dirty="0" err="1" smtClean="0"/>
+              <a:rPr lang="en-US" baseline="0" dirty="0" err="1"/>
               <a:t>mvc</a:t>
             </a:r>
             <a:r>
-              <a:rPr lang="en-US" baseline="0" dirty="0" smtClean="0"/>
+              <a:rPr lang="en-US" baseline="0" dirty="0"/>
               <a:t> hibernate and so much more</a:t>
             </a:r>
-            <a:endParaRPr lang="en-US" dirty="0" smtClean="0"/>
+            <a:endParaRPr lang="en-US" dirty="0"/>
           </a:p>
           <a:p>
             <a:pPr marL="0" indent="0">
               <a:buNone/>
             </a:pPr>
-            <a:endParaRPr lang="en-US" dirty="0" smtClean="0"/>
-          </a:p>
-          <a:p>
-            <a:endParaRPr lang="en-US" dirty="0" smtClean="0"/>
+            <a:endParaRPr lang="en-US" dirty="0"/>
+          </a:p>
+          <a:p>
+            <a:endParaRPr lang="en-US" dirty="0"/>
           </a:p>
           <a:p>
             <a:pPr marL="0" marR="0" indent="0" algn="l" defTabSz="914400" rtl="0" eaLnBrk="1" fontAlgn="auto" latinLnBrk="0" hangingPunct="1">
@@ -2391,15 +2377,15 @@
               <a:defRPr/>
             </a:pPr>
             <a:r>
-              <a:rPr lang="en-US" dirty="0" smtClean="0"/>
+              <a:rPr lang="en-US" dirty="0"/>
               <a:t>My system also friendly user interface which supports running on many browsers, devices include smart phone, </a:t>
             </a:r>
             <a:r>
-              <a:rPr lang="en-US" dirty="0" err="1" smtClean="0"/>
+              <a:rPr lang="en-US" dirty="0" err="1"/>
               <a:t>iPad</a:t>
             </a:r>
             <a:r>
-              <a:rPr lang="en-US" dirty="0" smtClean="0"/>
+              <a:rPr lang="en-US" dirty="0"/>
               <a:t>, laptop and desktop. </a:t>
             </a:r>
           </a:p>
@@ -2506,15 +2492,15 @@
               <a:defRPr/>
             </a:pPr>
             <a:r>
-              <a:rPr lang="en-US" dirty="0" smtClean="0"/>
+              <a:rPr lang="en-US" dirty="0"/>
               <a:t>My system</a:t>
             </a:r>
             <a:r>
-              <a:rPr lang="en-US" baseline="0" dirty="0" smtClean="0"/>
+              <a:rPr lang="en-US" baseline="0" dirty="0"/>
               <a:t> </a:t>
             </a:r>
             <a:r>
-              <a:rPr lang="en-US" dirty="0" smtClean="0"/>
+              <a:rPr lang="en-US" dirty="0"/>
               <a:t>has ability to track user’s behavior so that I can know the pages, the images customers click, total times they visited my websites, the duration they stayed in each page with their username, IP address and location. Even the keyword that customers search or the buttons they click for filter rooms or restaurant services are under controlled. </a:t>
             </a:r>
           </a:p>
@@ -2536,11 +2522,11 @@
               <a:tabLst/>
               <a:defRPr/>
             </a:pPr>
-            <a:endParaRPr lang="en-US" dirty="0" smtClean="0"/>
-          </a:p>
-          <a:p>
-            <a:r>
-              <a:rPr lang="en-US" dirty="0" smtClean="0"/>
+            <a:endParaRPr lang="en-US" dirty="0"/>
+          </a:p>
+          <a:p>
+            <a:r>
+              <a:rPr lang="en-US" dirty="0"/>
               <a:t>With all the data collection from customers, my system can automatically recommend rooms for them according to the rooms they had interacted. </a:t>
             </a:r>
           </a:p>
@@ -2549,7 +2535,7 @@
               <a:buNone/>
             </a:pPr>
             <a:r>
-              <a:rPr lang="en-US" dirty="0" smtClean="0"/>
+              <a:rPr lang="en-US" dirty="0"/>
               <a:t>      =&gt; Can apply AI machine learning in the future</a:t>
             </a:r>
           </a:p>
@@ -2557,7 +2543,7 @@
             <a:pPr marL="82296" indent="0">
               <a:buNone/>
             </a:pPr>
-            <a:endParaRPr lang="en-US" dirty="0" smtClean="0"/>
+            <a:endParaRPr lang="en-US" dirty="0"/>
           </a:p>
           <a:p>
             <a:pPr marL="82296" marR="0" indent="0" algn="l" defTabSz="914400" rtl="0" eaLnBrk="1" fontAlgn="auto" latinLnBrk="0" hangingPunct="1">
@@ -2578,7 +2564,7 @@
               <a:defRPr/>
             </a:pPr>
             <a:r>
-              <a:rPr lang="en-US" dirty="0" smtClean="0"/>
+              <a:rPr lang="en-US" dirty="0"/>
               <a:t>hotel owners can improve their hotel based on customers wish if they apply my system for their hotel business.</a:t>
             </a:r>
           </a:p>
@@ -2586,7 +2572,7 @@
             <a:pPr marL="82296" indent="0">
               <a:buNone/>
             </a:pPr>
-            <a:endParaRPr lang="en-US" dirty="0" smtClean="0"/>
+            <a:endParaRPr lang="en-US" dirty="0"/>
           </a:p>
           <a:p>
             <a:pPr marL="0" marR="0" indent="0" algn="l" defTabSz="914400" rtl="0" eaLnBrk="1" fontAlgn="auto" latinLnBrk="0" hangingPunct="1">
@@ -2606,7 +2592,7 @@
               <a:tabLst/>
               <a:defRPr/>
             </a:pPr>
-            <a:endParaRPr lang="en-US" dirty="0" smtClean="0"/>
+            <a:endParaRPr lang="en-US" dirty="0"/>
           </a:p>
           <a:p>
             <a:endParaRPr lang="en-US" dirty="0"/>
@@ -2694,33 +2680,33 @@
           <a:lstStyle/>
           <a:p>
             <a:r>
-              <a:rPr lang="en-US" dirty="0" smtClean="0"/>
+              <a:rPr lang="en-US" dirty="0"/>
               <a:t>My system support more than 60 features for 3 roles guest, customer, admin.</a:t>
             </a:r>
           </a:p>
           <a:p>
-            <a:endParaRPr lang="en-US" dirty="0" smtClean="0"/>
-          </a:p>
-          <a:p>
-            <a:r>
-              <a:rPr lang="en-US" dirty="0" smtClean="0"/>
+            <a:endParaRPr lang="en-US" dirty="0"/>
+          </a:p>
+          <a:p>
+            <a:r>
+              <a:rPr lang="en-US" dirty="0"/>
               <a:t>And</a:t>
             </a:r>
             <a:r>
-              <a:rPr lang="en-US" baseline="0" dirty="0" smtClean="0"/>
+              <a:rPr lang="en-US" baseline="0" dirty="0"/>
               <a:t> there are also provides a lot of features based on my hotel business </a:t>
             </a:r>
           </a:p>
           <a:p>
-            <a:endParaRPr lang="en-US" baseline="0" dirty="0" smtClean="0"/>
-          </a:p>
-          <a:p>
-            <a:r>
-              <a:rPr lang="en-US" dirty="0" smtClean="0"/>
+            <a:endParaRPr lang="en-US" baseline="0" dirty="0"/>
+          </a:p>
+          <a:p>
+            <a:r>
+              <a:rPr lang="en-US" dirty="0"/>
               <a:t>And with tracking features, where</a:t>
             </a:r>
             <a:r>
-              <a:rPr lang="en-US" baseline="0" dirty="0" smtClean="0"/>
+              <a:rPr lang="en-US" baseline="0" dirty="0"/>
               <a:t> ever you are, what ever you do, you are always followed if you use my hotel system</a:t>
             </a:r>
             <a:endParaRPr lang="en-US" dirty="0"/>
@@ -2808,38 +2794,38 @@
           <a:lstStyle/>
           <a:p>
             <a:r>
-              <a:rPr lang="en-US" dirty="0" smtClean="0"/>
+              <a:rPr lang="en-US" dirty="0"/>
               <a:t>This</a:t>
             </a:r>
             <a:r>
-              <a:rPr lang="en-US" baseline="0" dirty="0" smtClean="0"/>
+              <a:rPr lang="en-US" baseline="0" dirty="0"/>
               <a:t> use case diagram clarify the features for each role. </a:t>
             </a:r>
           </a:p>
           <a:p>
-            <a:endParaRPr lang="en-US" baseline="0" dirty="0" smtClean="0"/>
-          </a:p>
-          <a:p>
-            <a:r>
-              <a:rPr lang="en-US" baseline="0" dirty="0" smtClean="0"/>
+            <a:endParaRPr lang="en-US" baseline="0" dirty="0"/>
+          </a:p>
+          <a:p>
+            <a:r>
+              <a:rPr lang="en-US" baseline="0" dirty="0"/>
               <a:t>The guest can access some page such as hotel introduction, contact, gallery, restaurant and view room only and register to be a customer. </a:t>
             </a:r>
           </a:p>
           <a:p>
-            <a:endParaRPr lang="en-US" baseline="0" dirty="0" smtClean="0"/>
-          </a:p>
-          <a:p>
-            <a:r>
-              <a:rPr lang="en-US" baseline="0" dirty="0" smtClean="0"/>
+            <a:endParaRPr lang="en-US" baseline="0" dirty="0"/>
+          </a:p>
+          <a:p>
+            <a:r>
+              <a:rPr lang="en-US" baseline="0" dirty="0"/>
               <a:t>The customer have an account so they can login, logout, book room, cancel room, feedback or view their activity</a:t>
             </a:r>
           </a:p>
           <a:p>
-            <a:endParaRPr lang="en-US" baseline="0" dirty="0" smtClean="0"/>
-          </a:p>
-          <a:p>
-            <a:r>
-              <a:rPr lang="en-US" baseline="0" dirty="0" smtClean="0"/>
+            <a:endParaRPr lang="en-US" baseline="0" dirty="0"/>
+          </a:p>
+          <a:p>
+            <a:r>
+              <a:rPr lang="en-US" baseline="0" dirty="0"/>
               <a:t>The admin can manage hotel items, manage user, view statistics tracking data and chart.</a:t>
             </a:r>
             <a:endParaRPr lang="en-US" dirty="0"/>
@@ -2927,25 +2913,25 @@
           <a:lstStyle/>
           <a:p>
             <a:r>
-              <a:rPr lang="en-US" dirty="0" smtClean="0"/>
+              <a:rPr lang="en-US" dirty="0"/>
               <a:t>Now,</a:t>
             </a:r>
             <a:r>
-              <a:rPr lang="en-US" baseline="0" dirty="0" smtClean="0"/>
+              <a:rPr lang="en-US" baseline="0" dirty="0"/>
               <a:t> I </a:t>
             </a:r>
             <a:r>
-              <a:rPr lang="en-US" baseline="0" dirty="0" err="1" smtClean="0"/>
+              <a:rPr lang="en-US" baseline="0" dirty="0" err="1"/>
               <a:t>wanna</a:t>
             </a:r>
             <a:r>
-              <a:rPr lang="en-US" baseline="0" dirty="0" smtClean="0"/>
+              <a:rPr lang="en-US" baseline="0" dirty="0"/>
               <a:t> show you what I am going to talk today.</a:t>
             </a:r>
           </a:p>
           <a:p>
             <a:r>
-              <a:rPr lang="en-US" baseline="0" dirty="0" smtClean="0"/>
+              <a:rPr lang="en-US" baseline="0" dirty="0"/>
               <a:t>Firstly, the technology which I use to implement my system</a:t>
             </a:r>
           </a:p>
@@ -2968,15 +2954,15 @@
               <a:defRPr/>
             </a:pPr>
             <a:r>
-              <a:rPr lang="en-US" baseline="0" dirty="0" smtClean="0"/>
+              <a:rPr lang="en-US" baseline="0" dirty="0"/>
               <a:t>Secondly, I will introduce about Hotel </a:t>
             </a:r>
             <a:r>
-              <a:rPr lang="en-US" dirty="0" smtClean="0"/>
+              <a:rPr lang="en-US" dirty="0"/>
               <a:t>Business </a:t>
             </a:r>
             <a:r>
-              <a:rPr lang="en-US" baseline="0" dirty="0" smtClean="0"/>
+              <a:rPr lang="en-US" baseline="0" dirty="0"/>
               <a:t>industry</a:t>
             </a:r>
           </a:p>
@@ -2999,19 +2985,19 @@
               <a:defRPr/>
             </a:pPr>
             <a:r>
-              <a:rPr lang="en-US" baseline="0" dirty="0" smtClean="0"/>
+              <a:rPr lang="en-US" baseline="0" dirty="0"/>
               <a:t>Next, The goal and scope of my thesis</a:t>
             </a:r>
           </a:p>
           <a:p>
             <a:r>
-              <a:rPr lang="en-US" baseline="0" dirty="0" smtClean="0"/>
+              <a:rPr lang="en-US" baseline="0" dirty="0"/>
               <a:t>Then I will show you the features that my system support</a:t>
             </a:r>
           </a:p>
           <a:p>
             <a:r>
-              <a:rPr lang="en-US" baseline="0" dirty="0" smtClean="0"/>
+              <a:rPr lang="en-US" baseline="0" dirty="0"/>
               <a:t>Finally I will show the architecture for the whole of my hotel booking and reservation system and Demo</a:t>
             </a:r>
           </a:p>
@@ -3101,70 +3087,70 @@
           <a:lstStyle/>
           <a:p>
             <a:r>
-              <a:rPr lang="en-US" dirty="0" smtClean="0"/>
+              <a:rPr lang="en-US" dirty="0"/>
               <a:t>This is my general</a:t>
             </a:r>
             <a:r>
-              <a:rPr lang="en-US" baseline="0" dirty="0" smtClean="0"/>
+              <a:rPr lang="en-US" baseline="0" dirty="0"/>
               <a:t> system architecture.</a:t>
             </a:r>
           </a:p>
           <a:p>
-            <a:endParaRPr lang="en-US" baseline="0" dirty="0" smtClean="0"/>
-          </a:p>
-          <a:p>
-            <a:r>
-              <a:rPr lang="en-US" baseline="0" dirty="0" smtClean="0"/>
+            <a:endParaRPr lang="en-US" baseline="0" dirty="0"/>
+          </a:p>
+          <a:p>
+            <a:r>
+              <a:rPr lang="en-US" baseline="0" dirty="0"/>
               <a:t>As you can see, o</a:t>
             </a:r>
             <a:r>
-              <a:rPr lang="en-US" dirty="0" smtClean="0"/>
+              <a:rPr lang="en-US" dirty="0"/>
               <a:t>n</a:t>
             </a:r>
             <a:r>
-              <a:rPr lang="en-US" baseline="0" dirty="0" smtClean="0"/>
+              <a:rPr lang="en-US" baseline="0" dirty="0"/>
               <a:t> server side, Node.js and Express framework connect to </a:t>
             </a:r>
             <a:r>
-              <a:rPr lang="en-US" baseline="0" dirty="0" err="1" smtClean="0"/>
+              <a:rPr lang="en-US" baseline="0" dirty="0" err="1"/>
               <a:t>MongoDB</a:t>
             </a:r>
             <a:r>
-              <a:rPr lang="en-US" baseline="0" dirty="0" smtClean="0"/>
+              <a:rPr lang="en-US" baseline="0" dirty="0"/>
               <a:t> for data and similar to Spring MVC connect SQL DB using Hibernate</a:t>
             </a:r>
           </a:p>
           <a:p>
             <a:r>
-              <a:rPr lang="en-US" baseline="0" dirty="0" smtClean="0"/>
+              <a:rPr lang="en-US" baseline="0" dirty="0"/>
               <a:t>Both these 2 apps on server side built </a:t>
             </a:r>
             <a:r>
-              <a:rPr lang="en-US" baseline="0" dirty="0" err="1" smtClean="0"/>
+              <a:rPr lang="en-US" baseline="0" dirty="0" err="1"/>
               <a:t>RESTful</a:t>
             </a:r>
             <a:r>
-              <a:rPr lang="en-US" baseline="0" dirty="0" smtClean="0"/>
+              <a:rPr lang="en-US" baseline="0" dirty="0"/>
               <a:t> web service to provide data for client as JSON. The role of Angular is to interact with REST API and display the page dynamically.</a:t>
             </a:r>
           </a:p>
           <a:p>
             <a:r>
-              <a:rPr lang="en-US" baseline="0" dirty="0" smtClean="0"/>
+              <a:rPr lang="en-US" baseline="0" dirty="0"/>
               <a:t> </a:t>
             </a:r>
           </a:p>
           <a:p>
             <a:r>
-              <a:rPr lang="en-US" baseline="0" dirty="0" smtClean="0"/>
+              <a:rPr lang="en-US" baseline="0" dirty="0"/>
               <a:t>The server sides can also interact with each other via API . All of these technology from client to server to database have created a picture of </a:t>
             </a:r>
             <a:r>
-              <a:rPr lang="en-US" baseline="0" dirty="0" err="1" smtClean="0"/>
+              <a:rPr lang="en-US" baseline="0" dirty="0" err="1"/>
               <a:t>Mircoservices</a:t>
             </a:r>
             <a:r>
-              <a:rPr lang="en-US" baseline="0" dirty="0" smtClean="0"/>
+              <a:rPr lang="en-US" baseline="0" dirty="0"/>
               <a:t> architectures which work independently and effectively.</a:t>
             </a:r>
             <a:endParaRPr lang="en-US" dirty="0"/>
@@ -3252,89 +3238,89 @@
           <a:lstStyle/>
           <a:p>
             <a:r>
-              <a:rPr lang="en-US" dirty="0" smtClean="0"/>
+              <a:rPr lang="en-US" dirty="0"/>
               <a:t>This</a:t>
             </a:r>
             <a:r>
-              <a:rPr lang="en-US" baseline="0" dirty="0" smtClean="0"/>
+              <a:rPr lang="en-US" baseline="0" dirty="0"/>
               <a:t> is my system architecture in details with all the important materials in Angular 2, </a:t>
             </a:r>
             <a:r>
-              <a:rPr lang="en-US" baseline="0" dirty="0" err="1" smtClean="0"/>
+              <a:rPr lang="en-US" baseline="0" dirty="0" err="1"/>
               <a:t>AngularJS</a:t>
             </a:r>
             <a:r>
-              <a:rPr lang="en-US" baseline="0" dirty="0" smtClean="0"/>
+              <a:rPr lang="en-US" baseline="0" dirty="0"/>
               <a:t>, Express, Spring </a:t>
             </a:r>
             <a:r>
-              <a:rPr lang="en-US" baseline="0" smtClean="0"/>
+              <a:rPr lang="en-US" baseline="0"/>
               <a:t>MVC Hibernate</a:t>
             </a:r>
           </a:p>
           <a:p>
-            <a:endParaRPr lang="en-US" baseline="0" dirty="0" smtClean="0"/>
-          </a:p>
-          <a:p>
-            <a:r>
-              <a:rPr lang="en-US" baseline="0" dirty="0" smtClean="0"/>
+            <a:endParaRPr lang="en-US" baseline="0" dirty="0"/>
+          </a:p>
+          <a:p>
+            <a:r>
+              <a:rPr lang="en-US" baseline="0" dirty="0"/>
               <a:t>There are too much relationship so I just summary some important points:</a:t>
             </a:r>
           </a:p>
           <a:p>
             <a:r>
-              <a:rPr lang="en-US" baseline="0" dirty="0" smtClean="0"/>
+              <a:rPr lang="en-US" baseline="0" dirty="0"/>
               <a:t>For the server side, I apply 3 layer architecture for Spring app with Controller, Service and Data Access Object</a:t>
             </a:r>
           </a:p>
           <a:p>
             <a:r>
-              <a:rPr lang="en-US" baseline="0" dirty="0" smtClean="0"/>
+              <a:rPr lang="en-US" baseline="0" dirty="0"/>
               <a:t>For the Node.js app, I use Express Route Controller Model</a:t>
             </a:r>
           </a:p>
           <a:p>
             <a:r>
-              <a:rPr lang="en-US" baseline="0" dirty="0" smtClean="0"/>
+              <a:rPr lang="en-US" baseline="0" dirty="0"/>
               <a:t>The Spring Server connect with SQL bi Hibernate and Node.js server connect with </a:t>
             </a:r>
             <a:r>
-              <a:rPr lang="en-US" baseline="0" dirty="0" err="1" smtClean="0"/>
+              <a:rPr lang="en-US" baseline="0" dirty="0" err="1"/>
               <a:t>Mongodb</a:t>
             </a:r>
             <a:r>
-              <a:rPr lang="en-US" baseline="0" dirty="0" smtClean="0"/>
+              <a:rPr lang="en-US" baseline="0" dirty="0"/>
               <a:t> to provide data for client side as JSON by </a:t>
             </a:r>
             <a:r>
-              <a:rPr lang="en-US" baseline="0" dirty="0" err="1" smtClean="0"/>
+              <a:rPr lang="en-US" baseline="0" dirty="0" err="1"/>
               <a:t>RESTful</a:t>
             </a:r>
             <a:r>
-              <a:rPr lang="en-US" baseline="0" dirty="0" smtClean="0"/>
+              <a:rPr lang="en-US" baseline="0" dirty="0"/>
               <a:t> </a:t>
             </a:r>
             <a:r>
-              <a:rPr lang="en-US" baseline="0" dirty="0" err="1" smtClean="0"/>
+              <a:rPr lang="en-US" baseline="0" dirty="0" err="1"/>
               <a:t>webservice</a:t>
             </a:r>
-            <a:endParaRPr lang="en-US" baseline="0" dirty="0" smtClean="0"/>
-          </a:p>
-          <a:p>
-            <a:r>
-              <a:rPr lang="en-US" baseline="0" dirty="0" smtClean="0"/>
+            <a:endParaRPr lang="en-US" baseline="0" dirty="0"/>
+          </a:p>
+          <a:p>
+            <a:r>
+              <a:rPr lang="en-US" baseline="0" dirty="0"/>
               <a:t>On client side, </a:t>
             </a:r>
             <a:r>
-              <a:rPr lang="en-US" baseline="0" dirty="0" err="1" smtClean="0"/>
+              <a:rPr lang="en-US" baseline="0" dirty="0" err="1"/>
               <a:t>AngularJS</a:t>
             </a:r>
             <a:r>
-              <a:rPr lang="en-US" baseline="0" dirty="0" smtClean="0"/>
+              <a:rPr lang="en-US" baseline="0" dirty="0"/>
               <a:t> and Angular 2 get data from server to component or controller for data binding with Angular template. There are also some supported </a:t>
             </a:r>
             <a:r>
-              <a:rPr lang="en-US" sz="1200" b="0" i="0" kern="1200" baseline="0" dirty="0" smtClean="0">
+              <a:rPr lang="en-US" sz="1200" b="0" i="0" kern="1200" baseline="0" dirty="0">
                 <a:solidFill>
                   <a:schemeClr val="tx1"/>
                 </a:solidFill>
@@ -3346,7 +3332,7 @@
               <a:t>building block such as Angular 2 service, model, directive, pipe router, </a:t>
             </a:r>
             <a:r>
-              <a:rPr lang="en-US" sz="1200" b="0" i="0" kern="1200" baseline="0" dirty="0" err="1" smtClean="0">
+              <a:rPr lang="en-US" sz="1200" b="0" i="0" kern="1200" baseline="0" dirty="0" err="1">
                 <a:solidFill>
                   <a:schemeClr val="tx1"/>
                 </a:solidFill>
@@ -3358,7 +3344,7 @@
               <a:t>AngularJS</a:t>
             </a:r>
             <a:r>
-              <a:rPr lang="en-US" sz="1200" b="0" i="0" kern="1200" baseline="0" dirty="0" smtClean="0">
+              <a:rPr lang="en-US" sz="1200" b="0" i="0" kern="1200" baseline="0" dirty="0">
                 <a:solidFill>
                   <a:schemeClr val="tx1"/>
                 </a:solidFill>
@@ -3370,7 +3356,7 @@
               <a:t> Filter, Spring Front controller, EJS, JSP, </a:t>
             </a:r>
             <a:r>
-              <a:rPr lang="en-US" sz="1200" b="0" i="0" kern="1200" baseline="0" dirty="0" err="1" smtClean="0">
+              <a:rPr lang="en-US" sz="1200" b="0" i="0" kern="1200" baseline="0" dirty="0" err="1">
                 <a:solidFill>
                   <a:schemeClr val="tx1"/>
                 </a:solidFill>
@@ -3381,7 +3367,7 @@
               </a:rPr>
               <a:t>Const</a:t>
             </a:r>
-            <a:endParaRPr lang="en-US" baseline="0" dirty="0" smtClean="0"/>
+            <a:endParaRPr lang="en-US" baseline="0" dirty="0"/>
           </a:p>
         </p:txBody>
       </p:sp>
@@ -3466,11 +3452,11 @@
           <a:lstStyle/>
           <a:p>
             <a:r>
-              <a:rPr lang="en-US" dirty="0" smtClean="0"/>
+              <a:rPr lang="en-US" dirty="0"/>
               <a:t>Let move on the first session:</a:t>
             </a:r>
             <a:r>
-              <a:rPr lang="en-US" baseline="0" dirty="0" smtClean="0"/>
+              <a:rPr lang="en-US" baseline="0" dirty="0"/>
               <a:t> Technology</a:t>
             </a:r>
           </a:p>
@@ -3493,38 +3479,30 @@
               <a:defRPr/>
             </a:pPr>
             <a:r>
-              <a:rPr lang="en-US" dirty="0" smtClean="0"/>
+              <a:rPr lang="en-US" dirty="0"/>
               <a:t>As</a:t>
             </a:r>
             <a:r>
-              <a:rPr lang="en-US" baseline="0" dirty="0" smtClean="0"/>
+              <a:rPr lang="en-US" baseline="0" dirty="0"/>
               <a:t> I mentioned, my thesis’s hotel booking and reservation system using </a:t>
             </a:r>
             <a:r>
-              <a:rPr lang="en-US" baseline="0" dirty="0" err="1" smtClean="0"/>
-              <a:t>mircoservers</a:t>
-            </a:r>
-            <a:r>
-              <a:rPr lang="en-US" baseline="0" dirty="0" smtClean="0"/>
-              <a:t> </a:t>
-            </a:r>
-            <a:r>
-              <a:rPr lang="en-US" baseline="0" dirty="0" err="1" smtClean="0"/>
-              <a:t>techonology</a:t>
-            </a:r>
-            <a:r>
-              <a:rPr lang="en-US" baseline="0" dirty="0" smtClean="0"/>
-              <a:t> with MEAN stack and Spring MVC Hibernate</a:t>
-            </a:r>
-            <a:endParaRPr lang="en-US" dirty="0" smtClean="0"/>
-          </a:p>
-          <a:p>
-            <a:r>
-              <a:rPr lang="en-US" dirty="0" smtClean="0"/>
+              <a:rPr lang="en-US" baseline="0" dirty="0" err="1"/>
+              <a:t>mircoservices</a:t>
+            </a:r>
+            <a:r>
+              <a:rPr lang="en-US" baseline="0" dirty="0"/>
+              <a:t> technology with MEAN stack and Spring MVC Hibernate</a:t>
+            </a:r>
+            <a:endParaRPr lang="en-US" dirty="0"/>
+          </a:p>
+          <a:p>
+            <a:r>
+              <a:rPr lang="en-US" dirty="0"/>
               <a:t>So in this session</a:t>
             </a:r>
             <a:r>
-              <a:rPr lang="en-US" baseline="0" dirty="0" smtClean="0"/>
+              <a:rPr lang="en-US" baseline="0" dirty="0"/>
               <a:t> I will introduce these technologies</a:t>
             </a:r>
             <a:endParaRPr lang="en-US" dirty="0"/>
@@ -3629,28 +3607,28 @@
               <a:defRPr/>
             </a:pPr>
             <a:r>
-              <a:rPr lang="en-US" dirty="0" smtClean="0"/>
+              <a:rPr lang="en-US" dirty="0"/>
               <a:t>Before talking about </a:t>
             </a:r>
             <a:r>
-              <a:rPr lang="en-US" dirty="0" err="1" smtClean="0"/>
+              <a:rPr lang="en-US" dirty="0" err="1"/>
               <a:t>mircoservices</a:t>
             </a:r>
             <a:r>
-              <a:rPr lang="en-US" dirty="0" smtClean="0"/>
+              <a:rPr lang="en-US" dirty="0"/>
               <a:t>, I will introduce</a:t>
             </a:r>
             <a:r>
-              <a:rPr lang="en-US" baseline="0" dirty="0" smtClean="0"/>
+              <a:rPr lang="en-US" baseline="0" dirty="0"/>
               <a:t> a tradition one call </a:t>
             </a:r>
             <a:r>
-              <a:rPr lang="en-US" dirty="0" smtClean="0"/>
+              <a:rPr lang="en-US" dirty="0"/>
               <a:t>Monolithic Architecture</a:t>
             </a:r>
           </a:p>
           <a:p>
-            <a:endParaRPr lang="en-US" dirty="0" smtClean="0"/>
+            <a:endParaRPr lang="en-US" dirty="0"/>
           </a:p>
           <a:p>
             <a:pPr marL="0" marR="0" indent="0" algn="l" defTabSz="914400" rtl="0" eaLnBrk="1" fontAlgn="auto" latinLnBrk="0" hangingPunct="1">
@@ -3671,27 +3649,27 @@
               <a:defRPr/>
             </a:pPr>
             <a:r>
-              <a:rPr lang="en-US" dirty="0" smtClean="0"/>
+              <a:rPr lang="en-US" dirty="0"/>
               <a:t>This</a:t>
             </a:r>
             <a:r>
-              <a:rPr lang="en-US" baseline="0" dirty="0" smtClean="0"/>
+              <a:rPr lang="en-US" baseline="0" dirty="0"/>
               <a:t> picture show the </a:t>
             </a:r>
             <a:r>
-              <a:rPr lang="en-US" dirty="0" smtClean="0"/>
+              <a:rPr lang="en-US" dirty="0"/>
               <a:t>Architecture</a:t>
             </a:r>
             <a:r>
-              <a:rPr lang="en-US" baseline="0" dirty="0" smtClean="0"/>
+              <a:rPr lang="en-US" baseline="0" dirty="0"/>
               <a:t> of </a:t>
             </a:r>
             <a:r>
-              <a:rPr lang="en-US" dirty="0" smtClean="0"/>
+              <a:rPr lang="en-US" dirty="0"/>
               <a:t>Monolithic app.</a:t>
             </a:r>
             <a:r>
-              <a:rPr lang="en-US" baseline="0" dirty="0" smtClean="0"/>
+              <a:rPr lang="en-US" baseline="0" dirty="0"/>
               <a:t> As you can see, all the main building block are stick together to make an Monolithic block</a:t>
             </a:r>
           </a:p>
@@ -3714,7 +3692,7 @@
               <a:defRPr/>
             </a:pPr>
             <a:r>
-              <a:rPr lang="en-US" baseline="0" dirty="0" smtClean="0"/>
+              <a:rPr lang="en-US" baseline="0" dirty="0"/>
               <a:t>That will help you build an application easily.</a:t>
             </a:r>
           </a:p>
@@ -3736,7 +3714,7 @@
               <a:tabLst/>
               <a:defRPr/>
             </a:pPr>
-            <a:endParaRPr lang="en-US" baseline="0" dirty="0" smtClean="0"/>
+            <a:endParaRPr lang="en-US" baseline="0" dirty="0"/>
           </a:p>
           <a:p>
             <a:pPr marL="0" marR="0" indent="0" algn="l" defTabSz="914400" rtl="0" eaLnBrk="1" fontAlgn="auto" latinLnBrk="0" hangingPunct="1">
@@ -3757,16 +3735,8 @@
               <a:defRPr/>
             </a:pPr>
             <a:r>
-              <a:rPr lang="en-US" baseline="0" dirty="0" smtClean="0"/>
-              <a:t>However, when </a:t>
-            </a:r>
-            <a:r>
-              <a:rPr lang="en-US" baseline="0" dirty="0" smtClean="0"/>
-              <a:t>the </a:t>
-            </a:r>
-            <a:r>
-              <a:rPr lang="en-US" baseline="0" dirty="0" smtClean="0"/>
-              <a:t>users of your system increase, the data increase as well, developers add new features or complex business logic. It leads to the fact that Only a few years or even a few month later,  your system become giant monster and every effort to optimize or agile working methods is no long effective</a:t>
+              <a:rPr lang="en-US" baseline="0" dirty="0"/>
+              <a:t>However, when the users of your system increase, the data increase as well, developers add new features or complex business logic. It leads to the fact that Only a few years or even a few month later,  your system become giant monster and every effort to optimize or agile working methods is no long effective</a:t>
             </a:r>
           </a:p>
           <a:p>
@@ -3787,7 +3757,7 @@
               <a:tabLst/>
               <a:defRPr/>
             </a:pPr>
-            <a:endParaRPr lang="en-US" baseline="0" dirty="0" smtClean="0"/>
+            <a:endParaRPr lang="en-US" baseline="0" dirty="0"/>
           </a:p>
           <a:p>
             <a:pPr marL="0" marR="0" indent="0" algn="l" defTabSz="914400" rtl="0" eaLnBrk="1" fontAlgn="auto" latinLnBrk="0" hangingPunct="1">
@@ -3808,7 +3778,7 @@
               <a:defRPr/>
             </a:pPr>
             <a:r>
-              <a:rPr lang="en-US" baseline="0" dirty="0" smtClean="0"/>
+              <a:rPr lang="en-US" baseline="0" dirty="0"/>
               <a:t>Just imaging how terrible is when billions lines of code were put in one single Monolithic block. What can we do to organize or maintain our source code?</a:t>
             </a:r>
           </a:p>
@@ -3830,7 +3800,7 @@
               <a:tabLst/>
               <a:defRPr/>
             </a:pPr>
-            <a:endParaRPr lang="en-US" baseline="0" dirty="0" smtClean="0"/>
+            <a:endParaRPr lang="en-US" baseline="0" dirty="0"/>
           </a:p>
           <a:p>
             <a:pPr marL="0" marR="0" indent="0" algn="l" defTabSz="914400" rtl="0" eaLnBrk="1" fontAlgn="auto" latinLnBrk="0" hangingPunct="1">
@@ -3851,16 +3821,8 @@
               <a:defRPr/>
             </a:pPr>
             <a:r>
-              <a:rPr lang="en-US" baseline="0" dirty="0" smtClean="0"/>
-              <a:t>Moreover, in the future, it is very difficult to extend this application. In Monolithic block, we can only focus on one programming language, framework or database. It is very </a:t>
-            </a:r>
-            <a:r>
-              <a:rPr lang="en-US" baseline="0" dirty="0" err="1" smtClean="0"/>
-              <a:t>very</a:t>
-            </a:r>
-            <a:r>
-              <a:rPr lang="en-US" baseline="0" dirty="0" smtClean="0"/>
-              <a:t> difficult or even impossible to add another one to your system</a:t>
+              <a:rPr lang="en-US" baseline="0" dirty="0"/>
+              <a:t>Moreover, in the future, it is very difficult to extend this application. In Monolithic block, we can only focus on one programming language, framework or database. It is very difficult or even impossible to add another one to your system</a:t>
             </a:r>
           </a:p>
           <a:p>
@@ -3881,7 +3843,7 @@
               <a:tabLst/>
               <a:defRPr/>
             </a:pPr>
-            <a:endParaRPr lang="en-US" baseline="0" dirty="0" smtClean="0"/>
+            <a:endParaRPr lang="en-US" baseline="0" dirty="0"/>
           </a:p>
           <a:p>
             <a:pPr marL="0" marR="0" indent="0" algn="l" defTabSz="914400" rtl="0" eaLnBrk="1" fontAlgn="auto" latinLnBrk="0" hangingPunct="1">
@@ -3902,10 +3864,10 @@
               <a:defRPr/>
             </a:pPr>
             <a:r>
-              <a:rPr lang="en-US" baseline="0" dirty="0" smtClean="0"/>
+              <a:rPr lang="en-US" baseline="0" dirty="0"/>
               <a:t>And for example, if you have a good library or service, may be you cannot apply it to your system due to the difference of programming language, framework or database.</a:t>
             </a:r>
-            <a:endParaRPr lang="en-US" dirty="0" smtClean="0"/>
+            <a:endParaRPr lang="en-US" dirty="0"/>
           </a:p>
           <a:p>
             <a:endParaRPr lang="en-US" dirty="0"/>
@@ -4010,22 +3972,22 @@
               <a:defRPr/>
             </a:pPr>
             <a:r>
-              <a:rPr lang="en-US" dirty="0" smtClean="0"/>
+              <a:rPr lang="en-US" dirty="0"/>
               <a:t>This is the</a:t>
             </a:r>
             <a:r>
-              <a:rPr lang="en-US" baseline="0" dirty="0" smtClean="0"/>
+              <a:rPr lang="en-US" baseline="0" dirty="0"/>
               <a:t> </a:t>
             </a:r>
             <a:r>
-              <a:rPr lang="en-US" dirty="0" smtClean="0"/>
+              <a:rPr lang="en-US" dirty="0"/>
               <a:t>architecture of </a:t>
             </a:r>
             <a:r>
-              <a:rPr lang="en-US" dirty="0" err="1" smtClean="0"/>
-              <a:t>mircoservice</a:t>
-            </a:r>
-            <a:endParaRPr lang="en-US" dirty="0" smtClean="0"/>
+              <a:rPr lang="en-US" dirty="0" err="1"/>
+              <a:t>mircoservices</a:t>
+            </a:r>
+            <a:endParaRPr lang="en-US" dirty="0"/>
           </a:p>
           <a:p>
             <a:pPr marL="0" marR="0" indent="0" algn="l" defTabSz="914400" rtl="0" eaLnBrk="1" fontAlgn="auto" latinLnBrk="0" hangingPunct="1">
@@ -4045,7 +4007,7 @@
               <a:tabLst/>
               <a:defRPr/>
             </a:pPr>
-            <a:endParaRPr lang="en-US" baseline="0" dirty="0" smtClean="0"/>
+            <a:endParaRPr lang="en-US" baseline="0" dirty="0"/>
           </a:p>
           <a:p>
             <a:pPr marL="0" marR="0" indent="0" algn="l" defTabSz="914400" rtl="0" eaLnBrk="1" fontAlgn="auto" latinLnBrk="0" hangingPunct="1">
@@ -4066,34 +4028,26 @@
               <a:defRPr/>
             </a:pPr>
             <a:r>
-              <a:rPr lang="en-US" baseline="0" dirty="0" smtClean="0"/>
+              <a:rPr lang="en-US" baseline="0" dirty="0"/>
               <a:t> Opposite to </a:t>
             </a:r>
             <a:r>
-              <a:rPr lang="en-US" dirty="0" smtClean="0"/>
+              <a:rPr lang="en-US" dirty="0"/>
               <a:t>Monolithic Architecture,</a:t>
             </a:r>
             <a:r>
-              <a:rPr lang="en-US" baseline="0" dirty="0" smtClean="0"/>
+              <a:rPr lang="en-US" baseline="0" dirty="0"/>
               <a:t> </a:t>
             </a:r>
             <a:r>
-              <a:rPr lang="en-US" dirty="0" smtClean="0"/>
-              <a:t>In </a:t>
-            </a:r>
-            <a:r>
-              <a:rPr lang="en-US" dirty="0" err="1" smtClean="0"/>
-              <a:t>Microservices</a:t>
-            </a:r>
-            <a:r>
-              <a:rPr lang="en-US" dirty="0" smtClean="0"/>
-              <a:t>, this main building</a:t>
-            </a:r>
-            <a:r>
-              <a:rPr lang="en-US" baseline="0" dirty="0" smtClean="0"/>
+              <a:rPr lang="en-US" dirty="0"/>
+              <a:t>In Microservices, this previous main building</a:t>
+            </a:r>
+            <a:r>
+              <a:rPr lang="en-US" baseline="0" dirty="0"/>
               <a:t> monolithic block is separated into a lot of smaller services</a:t>
             </a:r>
-            <a:endParaRPr lang="en-US" dirty="0" smtClean="0"/>
+            <a:endParaRPr lang="en-US" dirty="0"/>
           </a:p>
           <a:p>
             <a:pPr marL="0" marR="0" indent="0" algn="l" defTabSz="914400" rtl="0" eaLnBrk="1" fontAlgn="auto" latinLnBrk="0" hangingPunct="1">
@@ -4113,7 +4067,7 @@
               <a:tabLst/>
               <a:defRPr/>
             </a:pPr>
-            <a:endParaRPr lang="en-US" dirty="0" smtClean="0"/>
+            <a:endParaRPr lang="en-US" dirty="0"/>
           </a:p>
           <a:p>
             <a:pPr marL="0" marR="0" indent="0" algn="l" defTabSz="914400" rtl="0" eaLnBrk="1" fontAlgn="auto" latinLnBrk="0" hangingPunct="1">
@@ -4134,7 +4088,7 @@
               <a:defRPr/>
             </a:pPr>
             <a:r>
-              <a:rPr lang="en-US" dirty="0" smtClean="0"/>
+              <a:rPr lang="en-US" dirty="0"/>
               <a:t>a service provides API or uses API from other services to execute its own business logic. </a:t>
             </a:r>
           </a:p>
@@ -4156,7 +4110,7 @@
               <a:tabLst/>
               <a:defRPr/>
             </a:pPr>
-            <a:endParaRPr lang="en-US" dirty="0" smtClean="0"/>
+            <a:endParaRPr lang="en-US" dirty="0"/>
           </a:p>
           <a:p>
             <a:pPr marL="0" marR="0" indent="0" algn="l" defTabSz="914400" rtl="0" eaLnBrk="1" fontAlgn="auto" latinLnBrk="0" hangingPunct="1">
@@ -4177,15 +4131,15 @@
               <a:defRPr/>
             </a:pPr>
             <a:r>
-              <a:rPr lang="en-US" dirty="0" smtClean="0"/>
+              <a:rPr lang="en-US" dirty="0"/>
               <a:t>The architecture of </a:t>
             </a:r>
             <a:r>
-              <a:rPr lang="en-US" dirty="0" err="1" smtClean="0"/>
+              <a:rPr lang="en-US" dirty="0" err="1"/>
               <a:t>Microservices</a:t>
             </a:r>
             <a:r>
-              <a:rPr lang="en-US" dirty="0" smtClean="0"/>
+              <a:rPr lang="en-US" dirty="0"/>
               <a:t> is the interaction of many independent services. Each service has the own architecture which can be implemented in different programming language or use different database system</a:t>
             </a:r>
           </a:p>
@@ -4207,7 +4161,7 @@
               <a:tabLst/>
               <a:defRPr/>
             </a:pPr>
-            <a:endParaRPr lang="en-US" dirty="0" smtClean="0"/>
+            <a:endParaRPr lang="en-US" dirty="0"/>
           </a:p>
           <a:p>
             <a:pPr marL="0" marR="0" indent="0" algn="l" defTabSz="914400" rtl="0" eaLnBrk="1" fontAlgn="auto" latinLnBrk="0" hangingPunct="1">
@@ -4228,23 +4182,23 @@
               <a:defRPr/>
             </a:pPr>
             <a:r>
-              <a:rPr lang="en-US" dirty="0" smtClean="0"/>
+              <a:rPr lang="en-US" dirty="0"/>
               <a:t>A service can also be a client or server</a:t>
             </a:r>
             <a:r>
-              <a:rPr lang="en-US" baseline="0" dirty="0" smtClean="0"/>
+              <a:rPr lang="en-US" baseline="0" dirty="0"/>
               <a:t> including web </a:t>
             </a:r>
             <a:r>
-              <a:rPr lang="en-US" dirty="0" smtClean="0"/>
+              <a:rPr lang="en-US" dirty="0"/>
               <a:t>browsers ,</a:t>
             </a:r>
             <a:r>
-              <a:rPr lang="en-US" baseline="0" dirty="0" smtClean="0"/>
+              <a:rPr lang="en-US" baseline="0" dirty="0"/>
               <a:t> web app, </a:t>
             </a:r>
             <a:r>
-              <a:rPr lang="en-US" dirty="0" smtClean="0"/>
+              <a:rPr lang="en-US" dirty="0"/>
               <a:t> mobile browsers and native mobile applications</a:t>
             </a:r>
           </a:p>
@@ -4266,7 +4220,7 @@
               <a:tabLst/>
               <a:defRPr/>
             </a:pPr>
-            <a:endParaRPr lang="en-US" dirty="0" smtClean="0"/>
+            <a:endParaRPr lang="en-US" dirty="0"/>
           </a:p>
           <a:p>
             <a:pPr marL="0" marR="0" indent="0" algn="l" defTabSz="914400" rtl="0" eaLnBrk="1" fontAlgn="auto" latinLnBrk="0" hangingPunct="1">
@@ -4286,7 +4240,7 @@
               <a:tabLst/>
               <a:defRPr/>
             </a:pPr>
-            <a:endParaRPr lang="en-US" dirty="0" smtClean="0"/>
+            <a:endParaRPr lang="en-US" dirty="0"/>
           </a:p>
           <a:p>
             <a:endParaRPr lang="en-US" dirty="0"/>
@@ -4376,26 +4330,26 @@
             <a:pPr>
               <a:defRPr/>
             </a:pPr>
-            <a:endParaRPr lang="en-US" dirty="0" smtClean="0"/>
+            <a:endParaRPr lang="en-US" dirty="0"/>
           </a:p>
           <a:p>
             <a:pPr>
               <a:defRPr/>
             </a:pPr>
             <a:r>
-              <a:rPr lang="en-US" dirty="0" err="1" smtClean="0"/>
+              <a:rPr lang="en-US" dirty="0" err="1"/>
               <a:t>Microservices</a:t>
             </a:r>
             <a:r>
-              <a:rPr lang="en-US" dirty="0" smtClean="0"/>
+              <a:rPr lang="en-US" dirty="0"/>
               <a:t> is an architectural style where</a:t>
             </a:r>
             <a:r>
-              <a:rPr lang="en-US" baseline="0" dirty="0" smtClean="0"/>
+              <a:rPr lang="en-US" baseline="0" dirty="0"/>
               <a:t> s</a:t>
             </a:r>
             <a:r>
-              <a:rPr lang="en-US" dirty="0" smtClean="0"/>
+              <a:rPr lang="en-US" dirty="0"/>
               <a:t>tructured by collection of loosely coupled services .</a:t>
             </a:r>
           </a:p>
@@ -4403,22 +4357,22 @@
             <a:pPr>
               <a:defRPr/>
             </a:pPr>
-            <a:endParaRPr lang="en-US" dirty="0" smtClean="0"/>
+            <a:endParaRPr lang="en-US" dirty="0"/>
           </a:p>
           <a:p>
             <a:pPr>
               <a:defRPr/>
             </a:pPr>
             <a:r>
-              <a:rPr lang="en-US" dirty="0" smtClean="0"/>
+              <a:rPr lang="en-US" dirty="0"/>
               <a:t>Each service in </a:t>
             </a:r>
             <a:r>
-              <a:rPr lang="en-US" dirty="0" err="1" smtClean="0"/>
+              <a:rPr lang="en-US" dirty="0" err="1"/>
               <a:t>Microservices</a:t>
             </a:r>
             <a:r>
-              <a:rPr lang="en-US" dirty="0" smtClean="0"/>
+              <a:rPr lang="en-US" dirty="0"/>
               <a:t>  implements its own business capabilities</a:t>
             </a:r>
           </a:p>
@@ -4426,34 +4380,34 @@
             <a:pPr>
               <a:defRPr/>
             </a:pPr>
-            <a:endParaRPr lang="en-US" dirty="0" smtClean="0"/>
+            <a:endParaRPr lang="en-US" dirty="0"/>
           </a:p>
           <a:p>
             <a:pPr>
               <a:defRPr/>
             </a:pPr>
             <a:r>
-              <a:rPr lang="en-US" dirty="0" err="1" smtClean="0"/>
+              <a:rPr lang="en-US" dirty="0" err="1"/>
               <a:t>Microservices</a:t>
             </a:r>
             <a:r>
-              <a:rPr lang="en-US" dirty="0" smtClean="0"/>
+              <a:rPr lang="en-US" dirty="0"/>
               <a:t> is Most popular used in many companies to implement large-scale projects</a:t>
             </a:r>
           </a:p>
           <a:p>
-            <a:endParaRPr lang="en-US" dirty="0" smtClean="0"/>
+            <a:endParaRPr lang="en-US" dirty="0"/>
           </a:p>
           <a:p>
             <a:pPr>
               <a:defRPr/>
             </a:pPr>
             <a:r>
-              <a:rPr lang="en-US" dirty="0" err="1" smtClean="0"/>
+              <a:rPr lang="en-US" dirty="0" err="1"/>
               <a:t>Microservices</a:t>
             </a:r>
             <a:r>
-              <a:rPr lang="en-US" dirty="0" smtClean="0"/>
+              <a:rPr lang="en-US" dirty="0"/>
               <a:t> Allow to us continuously deliver and deploy the large and complex applications. </a:t>
             </a:r>
           </a:p>
@@ -4543,23 +4497,23 @@
           <a:lstStyle/>
           <a:p>
             <a:r>
-              <a:rPr lang="en-US" dirty="0" smtClean="0"/>
+              <a:rPr lang="en-US" dirty="0"/>
               <a:t>As I know, Spring is a</a:t>
             </a:r>
             <a:r>
-              <a:rPr lang="en-US" baseline="0" dirty="0" smtClean="0"/>
+              <a:rPr lang="en-US" baseline="0" dirty="0"/>
               <a:t> very common</a:t>
             </a:r>
             <a:r>
-              <a:rPr lang="en-US" dirty="0" smtClean="0"/>
+              <a:rPr lang="en-US" dirty="0"/>
               <a:t> framework for</a:t>
             </a:r>
             <a:r>
-              <a:rPr lang="en-US" baseline="0" dirty="0" smtClean="0"/>
+              <a:rPr lang="en-US" baseline="0" dirty="0"/>
               <a:t> java that support building </a:t>
             </a:r>
             <a:r>
-              <a:rPr lang="en-US" sz="1200" b="0" i="0" kern="1200" baseline="0" dirty="0" smtClean="0">
+              <a:rPr lang="en-US" sz="1200" b="0" i="0" kern="1200" baseline="0" dirty="0">
                 <a:solidFill>
                   <a:schemeClr val="tx1"/>
                 </a:solidFill>
@@ -4571,7 +4525,7 @@
               <a:t>a J2EE</a:t>
             </a:r>
             <a:r>
-              <a:rPr lang="en-US" sz="1200" b="0" i="0" kern="1200" dirty="0" smtClean="0">
+              <a:rPr lang="en-US" sz="1200" b="0" i="0" kern="1200" dirty="0">
                 <a:solidFill>
                   <a:schemeClr val="tx1"/>
                 </a:solidFill>
@@ -4584,36 +4538,36 @@
             </a:r>
           </a:p>
           <a:p>
-            <a:endParaRPr lang="en-US" dirty="0" smtClean="0"/>
-          </a:p>
-          <a:p>
-            <a:r>
-              <a:rPr lang="en-US" dirty="0" smtClean="0"/>
+            <a:endParaRPr lang="en-US" dirty="0"/>
+          </a:p>
+          <a:p>
+            <a:r>
+              <a:rPr lang="en-US" dirty="0"/>
               <a:t>I think</a:t>
             </a:r>
             <a:r>
-              <a:rPr lang="en-US" baseline="0" dirty="0" smtClean="0"/>
+              <a:rPr lang="en-US" baseline="0" dirty="0"/>
               <a:t> Java seem not very strange for everyone here. According to </a:t>
             </a:r>
             <a:r>
-              <a:rPr lang="en-US" baseline="0" dirty="0" err="1" smtClean="0"/>
+              <a:rPr lang="en-US" baseline="0" dirty="0" err="1"/>
               <a:t>stackoverflow</a:t>
             </a:r>
             <a:r>
-              <a:rPr lang="en-US" baseline="0" dirty="0" smtClean="0"/>
+              <a:rPr lang="en-US" baseline="0" dirty="0"/>
               <a:t> and </a:t>
             </a:r>
             <a:r>
-              <a:rPr lang="en-US" baseline="0" dirty="0" err="1" smtClean="0"/>
+              <a:rPr lang="en-US" baseline="0" dirty="0" err="1"/>
               <a:t>github</a:t>
             </a:r>
             <a:r>
-              <a:rPr lang="en-US" baseline="0" dirty="0" smtClean="0"/>
+              <a:rPr lang="en-US" baseline="0" dirty="0"/>
               <a:t>, Java is one of the most popular programming langue which is powerful in Object Oriented Programming</a:t>
             </a:r>
           </a:p>
           <a:p>
-            <a:endParaRPr lang="en-US" baseline="0" dirty="0" smtClean="0"/>
+            <a:endParaRPr lang="en-US" baseline="0" dirty="0"/>
           </a:p>
           <a:p>
             <a:pPr marL="0" marR="0" indent="0" algn="l" defTabSz="914400" rtl="0" eaLnBrk="1" fontAlgn="auto" latinLnBrk="0" hangingPunct="1">
@@ -4634,15 +4588,15 @@
               <a:defRPr/>
             </a:pPr>
             <a:r>
-              <a:rPr lang="en-US" baseline="0" dirty="0" smtClean="0"/>
+              <a:rPr lang="en-US" baseline="0" dirty="0"/>
               <a:t>For the one who have used JBDC with SQL, when you can the database system, your application will occurs error because the query of each SQL DB are different. And in my experience, when I am a student and use JBDC to connect SQL, I have to do a lot of step, I have to prepare a long query  to retrieve or update DB. As I remember each column from DB is loaded by </a:t>
             </a:r>
             <a:r>
-              <a:rPr lang="en-US" baseline="0" dirty="0" err="1" smtClean="0"/>
+              <a:rPr lang="en-US" baseline="0" dirty="0" err="1"/>
               <a:t>resultset</a:t>
             </a:r>
             <a:r>
-              <a:rPr lang="en-US" baseline="0" dirty="0" smtClean="0"/>
+              <a:rPr lang="en-US" baseline="0" dirty="0"/>
               <a:t> dot Get String column. It is not convenient</a:t>
             </a:r>
           </a:p>
@@ -4664,7 +4618,7 @@
               <a:tabLst/>
               <a:defRPr/>
             </a:pPr>
-            <a:endParaRPr lang="en-US" baseline="0" dirty="0" smtClean="0"/>
+            <a:endParaRPr lang="en-US" baseline="0" dirty="0"/>
           </a:p>
           <a:p>
             <a:pPr marL="0" marR="0" indent="0" algn="l" defTabSz="914400" rtl="0" eaLnBrk="1" fontAlgn="auto" latinLnBrk="0" hangingPunct="1">
@@ -4685,23 +4639,23 @@
               <a:defRPr/>
             </a:pPr>
             <a:r>
-              <a:rPr lang="en-US" dirty="0" smtClean="0"/>
+              <a:rPr lang="en-US" dirty="0"/>
               <a:t>Hibernate helps</a:t>
             </a:r>
             <a:r>
-              <a:rPr lang="en-US" baseline="0" dirty="0" smtClean="0"/>
+              <a:rPr lang="en-US" baseline="0" dirty="0"/>
               <a:t> me do it better. </a:t>
             </a:r>
             <a:r>
-              <a:rPr lang="en-US" dirty="0" smtClean="0"/>
+              <a:rPr lang="en-US" dirty="0"/>
               <a:t>Hibernate is an object-relational mapping tool for the Java programming language. It provides a framework for mapping an object-oriented model to a relational database. Using hibernate you will have a mapping </a:t>
             </a:r>
             <a:r>
-              <a:rPr lang="en-US" baseline="0" dirty="0" smtClean="0"/>
+              <a:rPr lang="en-US" baseline="0" dirty="0"/>
               <a:t>mechanism</a:t>
             </a:r>
             <a:r>
-              <a:rPr lang="en-US" dirty="0" smtClean="0"/>
+              <a:rPr lang="en-US" dirty="0"/>
               <a:t> with the ability to change database system dynamically</a:t>
             </a:r>
           </a:p>
@@ -4791,7 +4745,7 @@
           <a:lstStyle/>
           <a:p>
             <a:r>
-              <a:rPr lang="en-US" dirty="0" smtClean="0">
+              <a:rPr lang="en-US" dirty="0">
                 <a:latin typeface="Times New Roman" pitchFamily="18" charset="0"/>
                 <a:cs typeface="Times New Roman" pitchFamily="18" charset="0"/>
               </a:rPr>
@@ -4817,7 +4771,7 @@
               <a:defRPr/>
             </a:pPr>
             <a:r>
-              <a:rPr lang="en-US" dirty="0" smtClean="0">
+              <a:rPr lang="en-US" dirty="0">
                 <a:latin typeface="Times New Roman" pitchFamily="18" charset="0"/>
                 <a:cs typeface="Times New Roman" pitchFamily="18" charset="0"/>
               </a:rPr>
@@ -4825,14 +4779,14 @@
             </a:r>
           </a:p>
           <a:p>
-            <a:endParaRPr lang="en-US" dirty="0" smtClean="0">
+            <a:endParaRPr lang="en-US" dirty="0">
               <a:latin typeface="Times New Roman" pitchFamily="18" charset="0"/>
               <a:cs typeface="Times New Roman" pitchFamily="18" charset="0"/>
             </a:endParaRPr>
           </a:p>
           <a:p>
             <a:r>
-              <a:rPr lang="en-US" dirty="0" smtClean="0">
+              <a:rPr lang="en-US" dirty="0">
                 <a:latin typeface="Times New Roman" pitchFamily="18" charset="0"/>
                 <a:cs typeface="Times New Roman" pitchFamily="18" charset="0"/>
               </a:rPr>
@@ -4840,7 +4794,7 @@
             </a:r>
           </a:p>
           <a:p>
-            <a:endParaRPr lang="en-US" dirty="0" smtClean="0">
+            <a:endParaRPr lang="en-US" dirty="0">
               <a:latin typeface="Times New Roman" pitchFamily="18" charset="0"/>
               <a:cs typeface="Times New Roman" pitchFamily="18" charset="0"/>
             </a:endParaRPr>
@@ -4864,63 +4818,63 @@
               <a:defRPr/>
             </a:pPr>
             <a:r>
-              <a:rPr lang="en-US" sz="1200" dirty="0" smtClean="0">
+              <a:rPr lang="en-US" sz="1200" dirty="0">
                 <a:latin typeface="Times New Roman" pitchFamily="18" charset="0"/>
                 <a:cs typeface="Times New Roman" pitchFamily="18" charset="0"/>
               </a:rPr>
               <a:t>M = </a:t>
             </a:r>
             <a:r>
-              <a:rPr lang="en-US" sz="1200" dirty="0" err="1" smtClean="0">
+              <a:rPr lang="en-US" sz="1200" dirty="0" err="1">
                 <a:latin typeface="Times New Roman" pitchFamily="18" charset="0"/>
                 <a:cs typeface="Times New Roman" pitchFamily="18" charset="0"/>
               </a:rPr>
               <a:t>MongoDB</a:t>
             </a:r>
             <a:r>
-              <a:rPr lang="en-US" sz="1200" dirty="0" smtClean="0">
+              <a:rPr lang="en-US" sz="1200" dirty="0">
                 <a:latin typeface="Times New Roman" pitchFamily="18" charset="0"/>
                 <a:cs typeface="Times New Roman" pitchFamily="18" charset="0"/>
               </a:rPr>
               <a:t>,</a:t>
             </a:r>
             <a:r>
-              <a:rPr lang="en-US" sz="1200" baseline="0" dirty="0" smtClean="0">
+              <a:rPr lang="en-US" sz="1200" baseline="0" dirty="0">
                 <a:latin typeface="Times New Roman" pitchFamily="18" charset="0"/>
                 <a:cs typeface="Times New Roman" pitchFamily="18" charset="0"/>
               </a:rPr>
               <a:t> it </a:t>
             </a:r>
             <a:r>
-              <a:rPr lang="en-US" sz="1200" dirty="0" smtClean="0">
+              <a:rPr lang="en-US" sz="1200" dirty="0">
                 <a:latin typeface="Times New Roman" pitchFamily="18" charset="0"/>
                 <a:cs typeface="Times New Roman" pitchFamily="18" charset="0"/>
               </a:rPr>
               <a:t>is a free and open-source cross-platform document-oriented database program. Classified as a </a:t>
             </a:r>
             <a:r>
-              <a:rPr lang="en-US" sz="1200" dirty="0" err="1" smtClean="0">
+              <a:rPr lang="en-US" sz="1200" dirty="0" err="1">
                 <a:latin typeface="Times New Roman" pitchFamily="18" charset="0"/>
                 <a:cs typeface="Times New Roman" pitchFamily="18" charset="0"/>
               </a:rPr>
               <a:t>NoSQL</a:t>
             </a:r>
             <a:r>
-              <a:rPr lang="en-US" sz="1200" dirty="0" smtClean="0">
+              <a:rPr lang="en-US" sz="1200" dirty="0">
                 <a:latin typeface="Times New Roman" pitchFamily="18" charset="0"/>
                 <a:cs typeface="Times New Roman" pitchFamily="18" charset="0"/>
               </a:rPr>
               <a:t> database program, </a:t>
             </a:r>
             <a:r>
-              <a:rPr lang="en-US" sz="1200" dirty="0" err="1" smtClean="0">
+              <a:rPr lang="en-US" sz="1200" dirty="0" err="1">
                 <a:latin typeface="Times New Roman" pitchFamily="18" charset="0"/>
                 <a:cs typeface="Times New Roman" pitchFamily="18" charset="0"/>
               </a:rPr>
               <a:t>MongoDB</a:t>
             </a:r>
             <a:r>
-              <a:rPr lang="en-US" sz="1200" dirty="0" smtClean="0">
+              <a:rPr lang="en-US" sz="1200" dirty="0">
                 <a:latin typeface="Times New Roman" pitchFamily="18" charset="0"/>
                 <a:cs typeface="Times New Roman" pitchFamily="18" charset="0"/>
               </a:rPr>
@@ -4945,7 +4899,7 @@
               <a:tabLst/>
               <a:defRPr/>
             </a:pPr>
-            <a:endParaRPr lang="en-US" sz="1200" dirty="0" smtClean="0">
+            <a:endParaRPr lang="en-US" sz="1200" dirty="0">
               <a:latin typeface="Times New Roman" pitchFamily="18" charset="0"/>
               <a:cs typeface="Times New Roman" pitchFamily="18" charset="0"/>
             </a:endParaRPr>
@@ -4969,35 +4923,35 @@
               <a:defRPr/>
             </a:pPr>
             <a:r>
-              <a:rPr lang="en-US" sz="1200" dirty="0" smtClean="0">
+              <a:rPr lang="en-US" sz="1200" dirty="0">
                 <a:latin typeface="Times New Roman" pitchFamily="18" charset="0"/>
                 <a:cs typeface="Times New Roman" pitchFamily="18" charset="0"/>
               </a:rPr>
               <a:t>Express is a light-weight web application framework; the most popular framework for Node.js to help organize your web application into an MVC architecture on the server side or </a:t>
             </a:r>
             <a:r>
-              <a:rPr lang="en-US" sz="1200" dirty="0" err="1" smtClean="0">
+              <a:rPr lang="en-US" sz="1200" dirty="0" err="1">
                 <a:latin typeface="Times New Roman" pitchFamily="18" charset="0"/>
                 <a:cs typeface="Times New Roman" pitchFamily="18" charset="0"/>
               </a:rPr>
               <a:t>RESTful</a:t>
             </a:r>
             <a:r>
-              <a:rPr lang="en-US" sz="1200" dirty="0" smtClean="0">
+              <a:rPr lang="en-US" sz="1200" dirty="0">
                 <a:latin typeface="Times New Roman" pitchFamily="18" charset="0"/>
                 <a:cs typeface="Times New Roman" pitchFamily="18" charset="0"/>
               </a:rPr>
               <a:t> </a:t>
             </a:r>
             <a:r>
-              <a:rPr lang="en-US" sz="1200" dirty="0" err="1" smtClean="0">
+              <a:rPr lang="en-US" sz="1200" dirty="0" err="1">
                 <a:latin typeface="Times New Roman" pitchFamily="18" charset="0"/>
                 <a:cs typeface="Times New Roman" pitchFamily="18" charset="0"/>
               </a:rPr>
               <a:t>webservice</a:t>
             </a:r>
             <a:r>
-              <a:rPr lang="en-US" sz="1200" dirty="0" smtClean="0">
+              <a:rPr lang="en-US" sz="1200" dirty="0">
                 <a:latin typeface="Times New Roman" pitchFamily="18" charset="0"/>
                 <a:cs typeface="Times New Roman" pitchFamily="18" charset="0"/>
               </a:rPr>
@@ -5022,7 +4976,7 @@
               <a:tabLst/>
               <a:defRPr/>
             </a:pPr>
-            <a:endParaRPr lang="en-US" sz="1200" dirty="0" smtClean="0">
+            <a:endParaRPr lang="en-US" sz="1200" dirty="0">
               <a:latin typeface="Times New Roman" pitchFamily="18" charset="0"/>
               <a:cs typeface="Times New Roman" pitchFamily="18" charset="0"/>
             </a:endParaRPr>
@@ -5046,7 +5000,7 @@
               <a:defRPr/>
             </a:pPr>
             <a:r>
-              <a:rPr lang="en-US" sz="1200" dirty="0" smtClean="0">
+              <a:rPr lang="en-US" sz="1200" dirty="0">
                 <a:latin typeface="Times New Roman" pitchFamily="18" charset="0"/>
                 <a:cs typeface="Times New Roman" pitchFamily="18" charset="0"/>
               </a:rPr>
@@ -5071,7 +5025,7 @@
               <a:tabLst/>
               <a:defRPr/>
             </a:pPr>
-            <a:endParaRPr lang="en-US" sz="1200" dirty="0" smtClean="0">
+            <a:endParaRPr lang="en-US" sz="1200" dirty="0">
               <a:latin typeface="Times New Roman" pitchFamily="18" charset="0"/>
               <a:cs typeface="Times New Roman" pitchFamily="18" charset="0"/>
             </a:endParaRPr>
@@ -5095,7 +5049,7 @@
               <a:defRPr/>
             </a:pPr>
             <a:r>
-              <a:rPr lang="en-US" sz="1200" dirty="0" smtClean="0">
+              <a:rPr lang="en-US" sz="1200" dirty="0">
                 <a:latin typeface="Times New Roman" pitchFamily="18" charset="0"/>
                 <a:cs typeface="Times New Roman" pitchFamily="18" charset="0"/>
               </a:rPr>
@@ -5120,7 +5074,7 @@
               <a:tabLst/>
               <a:defRPr/>
             </a:pPr>
-            <a:endParaRPr lang="en-US" sz="1200" dirty="0" smtClean="0">
+            <a:endParaRPr lang="en-US" sz="1200" dirty="0">
               <a:latin typeface="Times New Roman" pitchFamily="18" charset="0"/>
               <a:cs typeface="Times New Roman" pitchFamily="18" charset="0"/>
             </a:endParaRPr>
@@ -5143,7 +5097,7 @@
               <a:tabLst/>
               <a:defRPr/>
             </a:pPr>
-            <a:endParaRPr lang="en-US" sz="1200" dirty="0" smtClean="0">
+            <a:endParaRPr lang="en-US" sz="1200" dirty="0">
               <a:latin typeface="Times New Roman" pitchFamily="18" charset="0"/>
               <a:cs typeface="Times New Roman" pitchFamily="18" charset="0"/>
             </a:endParaRPr>
@@ -5166,13 +5120,13 @@
               <a:tabLst/>
               <a:defRPr/>
             </a:pPr>
-            <a:endParaRPr lang="en-US" sz="1200" dirty="0" smtClean="0">
+            <a:endParaRPr lang="en-US" sz="1200" dirty="0">
               <a:latin typeface="Times New Roman" pitchFamily="18" charset="0"/>
               <a:cs typeface="Times New Roman" pitchFamily="18" charset="0"/>
             </a:endParaRPr>
           </a:p>
           <a:p>
-            <a:endParaRPr lang="en-US" dirty="0" smtClean="0">
+            <a:endParaRPr lang="en-US" dirty="0">
               <a:latin typeface="Times New Roman" pitchFamily="18" charset="0"/>
               <a:cs typeface="Times New Roman" pitchFamily="18" charset="0"/>
             </a:endParaRPr>
@@ -5260,20 +5214,20 @@
           <a:lstStyle/>
           <a:p>
             <a:r>
-              <a:rPr lang="en-US" baseline="0" dirty="0" smtClean="0"/>
+              <a:rPr lang="en-US" baseline="0" dirty="0"/>
               <a:t>in previous slide, </a:t>
             </a:r>
             <a:r>
-              <a:rPr lang="en-US" dirty="0" smtClean="0"/>
+              <a:rPr lang="en-US" dirty="0"/>
               <a:t>I have mentioned</a:t>
             </a:r>
             <a:r>
-              <a:rPr lang="en-US" baseline="0" dirty="0" smtClean="0"/>
+              <a:rPr lang="en-US" baseline="0" dirty="0"/>
               <a:t> the Single Page application, so what is it?</a:t>
             </a:r>
           </a:p>
           <a:p>
-            <a:endParaRPr lang="en-US" baseline="0" dirty="0" smtClean="0"/>
+            <a:endParaRPr lang="en-US" baseline="0" dirty="0"/>
           </a:p>
           <a:p>
             <a:pPr marL="0" marR="0" indent="0" algn="l" defTabSz="914400" rtl="0" eaLnBrk="1" fontAlgn="auto" latinLnBrk="0" hangingPunct="1">
@@ -5294,7 +5248,7 @@
               <a:defRPr/>
             </a:pPr>
             <a:r>
-              <a:rPr lang="en-US" sz="1200" kern="1200" dirty="0" smtClean="0">
+              <a:rPr lang="en-US" sz="1200" kern="1200" dirty="0">
                 <a:solidFill>
                   <a:schemeClr val="tx1"/>
                 </a:solidFill>
@@ -5306,7 +5260,7 @@
               <a:t>This picture show the tradition web</a:t>
             </a:r>
             <a:r>
-              <a:rPr lang="en-US" sz="1200" kern="1200" baseline="0" dirty="0" smtClean="0">
+              <a:rPr lang="en-US" sz="1200" kern="1200" baseline="0" dirty="0">
                 <a:solidFill>
                   <a:schemeClr val="tx1"/>
                 </a:solidFill>
@@ -5315,31 +5269,7 @@
                 <a:ea typeface="+mn-ea"/>
                 <a:cs typeface="+mn-cs"/>
               </a:rPr>
-              <a:t> application </a:t>
-            </a:r>
-            <a:r>
-              <a:rPr lang="en-US" sz="1200" kern="1200" baseline="0" dirty="0" err="1" smtClean="0">
-                <a:solidFill>
-                  <a:schemeClr val="tx1"/>
-                </a:solidFill>
-                <a:effectLst/>
-                <a:latin typeface="+mn-lt"/>
-                <a:ea typeface="+mn-ea"/>
-                <a:cs typeface="+mn-cs"/>
-              </a:rPr>
-              <a:t>lifcycle</a:t>
-            </a:r>
-            <a:r>
-              <a:rPr lang="en-US" sz="1200" kern="1200" baseline="0" dirty="0" smtClean="0">
-                <a:solidFill>
-                  <a:schemeClr val="tx1"/>
-                </a:solidFill>
-                <a:effectLst/>
-                <a:latin typeface="+mn-lt"/>
-                <a:ea typeface="+mn-ea"/>
-                <a:cs typeface="+mn-cs"/>
-              </a:rPr>
-              <a:t>.</a:t>
+              <a:t> application lifecycle.</a:t>
             </a:r>
           </a:p>
           <a:p>
@@ -5360,7 +5290,7 @@
               <a:tabLst/>
               <a:defRPr/>
             </a:pPr>
-            <a:endParaRPr lang="en-US" sz="1200" kern="1200" dirty="0" smtClean="0">
+            <a:endParaRPr lang="en-US" sz="1200" kern="1200" dirty="0">
               <a:solidFill>
                 <a:schemeClr val="tx1"/>
               </a:solidFill>
@@ -5372,7 +5302,7 @@
           </a:p>
           <a:p>
             <a:r>
-              <a:rPr lang="en-US" sz="1200" b="0" i="0" kern="1200" dirty="0" smtClean="0">
+              <a:rPr lang="en-US" sz="1200" b="0" i="0" kern="1200" dirty="0">
                 <a:solidFill>
                   <a:schemeClr val="tx1"/>
                 </a:solidFill>
@@ -5385,7 +5315,7 @@
             </a:r>
           </a:p>
           <a:p>
-            <a:endParaRPr lang="en-US" sz="1200" b="0" i="0" kern="1200" dirty="0" smtClean="0">
+            <a:endParaRPr lang="en-US" sz="1200" b="0" i="0" kern="1200" dirty="0">
               <a:solidFill>
                 <a:schemeClr val="tx1"/>
               </a:solidFill>
@@ -5397,7 +5327,7 @@
           </a:p>
           <a:p>
             <a:r>
-              <a:rPr lang="en-US" sz="1200" b="0" i="0" kern="1200" dirty="0" smtClean="0">
+              <a:rPr lang="en-US" sz="1200" b="0" i="0" kern="1200" dirty="0">
                 <a:solidFill>
                   <a:schemeClr val="tx1"/>
                 </a:solidFill>
@@ -5409,7 +5339,7 @@
               <a:t>Just imaging</a:t>
             </a:r>
             <a:r>
-              <a:rPr lang="en-US" sz="1200" b="0" i="0" kern="1200" baseline="0" dirty="0" smtClean="0">
+              <a:rPr lang="en-US" sz="1200" b="0" i="0" kern="1200" baseline="0" dirty="0">
                 <a:solidFill>
                   <a:schemeClr val="tx1"/>
                 </a:solidFill>
@@ -5418,10 +5348,10 @@
                 <a:ea typeface="+mn-ea"/>
                 <a:cs typeface="+mn-cs"/>
               </a:rPr>
-              <a:t> that you just want to update one field to </a:t>
-            </a:r>
-            <a:r>
-              <a:rPr lang="en-US" sz="1200" b="0" i="0" kern="1200" baseline="0" dirty="0" err="1" smtClean="0">
+              <a:t> that you just want to update one field </a:t>
+            </a:r>
+            <a:r>
+              <a:rPr lang="en-US" sz="1200" b="0" i="0" kern="1200" baseline="0">
                 <a:solidFill>
                   <a:schemeClr val="tx1"/>
                 </a:solidFill>
@@ -5430,10 +5360,10 @@
                 <a:ea typeface="+mn-ea"/>
                 <a:cs typeface="+mn-cs"/>
               </a:rPr>
-              <a:t>db</a:t>
-            </a:r>
-            <a:r>
-              <a:rPr lang="en-US" sz="1200" b="0" i="0" kern="1200" baseline="0" dirty="0" smtClean="0">
+              <a:t>to database </a:t>
+            </a:r>
+            <a:r>
+              <a:rPr lang="en-US" sz="1200" b="0" i="0" kern="1200" baseline="0" dirty="0">
                 <a:solidFill>
                   <a:schemeClr val="tx1"/>
                 </a:solidFill>
@@ -5442,10 +5372,10 @@
                 <a:ea typeface="+mn-ea"/>
                 <a:cs typeface="+mn-cs"/>
               </a:rPr>
-              <a:t> or send a form with just one input text, you have to wait for the server to render the whole page again or render a new page. It is very uncomfortable and inconvenient especially for </a:t>
-            </a:r>
-            <a:r>
-              <a:rPr lang="en-US" sz="1200" b="1" i="0" kern="1200" dirty="0" smtClean="0">
+              <a:t>or send a form with just one input text, you have to wait for the server to render the whole page again or render a new page. It is very uncomfortable and inconvenient especially for </a:t>
+            </a:r>
+            <a:r>
+              <a:rPr lang="en-US" sz="1200" b="1" i="0" kern="1200" dirty="0">
                 <a:solidFill>
                   <a:schemeClr val="tx1"/>
                 </a:solidFill>
@@ -5457,7 +5387,7 @@
               <a:t>fastidious</a:t>
             </a:r>
             <a:r>
-              <a:rPr lang="en-US" sz="1200" b="0" i="0" kern="1200" dirty="0" smtClean="0">
+              <a:rPr lang="en-US" sz="1200" b="0" i="0" kern="1200" dirty="0">
                 <a:solidFill>
                   <a:schemeClr val="tx1"/>
                 </a:solidFill>
@@ -5469,7 +5399,7 @@
               <a:t> </a:t>
             </a:r>
             <a:r>
-              <a:rPr lang="en-US" sz="1200" b="0" i="0" kern="1200" baseline="0" dirty="0" smtClean="0">
+              <a:rPr lang="en-US" sz="1200" b="0" i="0" kern="1200" baseline="0" dirty="0">
                 <a:solidFill>
                   <a:schemeClr val="tx1"/>
                 </a:solidFill>
@@ -5482,7 +5412,7 @@
             </a:r>
           </a:p>
           <a:p>
-            <a:endParaRPr lang="en-US" sz="1200" b="0" i="0" kern="1200" dirty="0" smtClean="0">
+            <a:endParaRPr lang="en-US" sz="1200" b="0" i="0" kern="1200" dirty="0">
               <a:solidFill>
                 <a:schemeClr val="tx1"/>
               </a:solidFill>
@@ -5573,10 +5503,9 @@
           </a:lstStyle>
           <a:p>
             <a:r>
-              <a:rPr kumimoji="0" lang="en-US" smtClean="0"/>
+              <a:rPr kumimoji="0" lang="en-US"/>
               <a:t>Click to edit Master title style</a:t>
             </a:r>
-            <a:endParaRPr kumimoji="0" lang="en-US"/>
           </a:p>
         </p:txBody>
       </p:sp>
@@ -5638,10 +5567,9 @@
           </a:lstStyle>
           <a:p>
             <a:r>
-              <a:rPr kumimoji="0" lang="en-US" smtClean="0"/>
+              <a:rPr kumimoji="0" lang="en-US"/>
               <a:t>Click to edit Master subtitle style</a:t>
             </a:r>
-            <a:endParaRPr kumimoji="0" lang="en-US"/>
           </a:p>
         </p:txBody>
       </p:sp>
@@ -5658,14 +5586,12 @@
         <p:spPr/>
         <p:txBody>
           <a:bodyPr/>
-          <a:lstStyle>
-            <a:extLst/>
-          </a:lstStyle>
+          <a:lstStyle/>
           <a:p>
             <a:fld id="{1D8BD707-D9CF-40AE-B4C6-C98DA3205C09}" type="datetimeFigureOut">
               <a:rPr lang="en-US" smtClean="0"/>
               <a:pPr/>
-              <a:t>3/3/2018</a:t>
+              <a:t>4/16/2018</a:t>
             </a:fld>
             <a:endParaRPr lang="en-US"/>
           </a:p>
@@ -5684,9 +5610,7 @@
         <p:spPr/>
         <p:txBody>
           <a:bodyPr/>
-          <a:lstStyle>
-            <a:extLst/>
-          </a:lstStyle>
+          <a:lstStyle/>
           <a:p>
             <a:endParaRPr lang="en-US"/>
           </a:p>
@@ -5705,9 +5629,7 @@
         <p:spPr/>
         <p:txBody>
           <a:bodyPr/>
-          <a:lstStyle>
-            <a:extLst/>
-          </a:lstStyle>
+          <a:lstStyle/>
           <a:p>
             <a:fld id="{B6F15528-21DE-4FAA-801E-634DDDAF4B2B}" type="slidenum">
               <a:rPr lang="en-US" smtClean="0"/>
@@ -5796,9 +5718,7 @@
         </p:style>
         <p:txBody>
           <a:bodyPr anchor="ctr"/>
-          <a:lstStyle>
-            <a:extLst/>
-          </a:lstStyle>
+          <a:lstStyle/>
           <a:p>
             <a:pPr algn="ctr" eaLnBrk="1" latinLnBrk="0" hangingPunct="1"/>
             <a:endParaRPr kumimoji="0" lang="en-US"/>
@@ -5847,9 +5767,7 @@
         </p:style>
         <p:txBody>
           <a:bodyPr anchor="ctr"/>
-          <a:lstStyle>
-            <a:extLst/>
-          </a:lstStyle>
+          <a:lstStyle/>
           <a:p>
             <a:pPr algn="ctr" eaLnBrk="1" latinLnBrk="0" hangingPunct="1"/>
             <a:endParaRPr kumimoji="0" lang="en-US"/>
@@ -5894,15 +5812,12 @@
         <p:spPr/>
         <p:txBody>
           <a:bodyPr/>
-          <a:lstStyle>
-            <a:extLst/>
-          </a:lstStyle>
-          <a:p>
-            <a:r>
-              <a:rPr kumimoji="0" lang="en-US" smtClean="0"/>
+          <a:lstStyle/>
+          <a:p>
+            <a:r>
+              <a:rPr kumimoji="0" lang="en-US"/>
               <a:t>Click to edit Master title style</a:t>
             </a:r>
-            <a:endParaRPr kumimoji="0" lang="en-US"/>
           </a:p>
         </p:txBody>
       </p:sp>
@@ -5919,41 +5834,39 @@
         <p:spPr/>
         <p:txBody>
           <a:bodyPr vert="eaVert"/>
-          <a:lstStyle>
-            <a:extLst/>
-          </a:lstStyle>
+          <a:lstStyle/>
           <a:p>
             <a:pPr lvl="0" eaLnBrk="1" latinLnBrk="0" hangingPunct="1"/>
             <a:r>
-              <a:rPr lang="en-US" smtClean="0"/>
+              <a:rPr lang="en-US"/>
               <a:t>Click to edit Master text styles</a:t>
             </a:r>
           </a:p>
           <a:p>
             <a:pPr lvl="1" eaLnBrk="1" latinLnBrk="0" hangingPunct="1"/>
             <a:r>
-              <a:rPr lang="en-US" smtClean="0"/>
+              <a:rPr lang="en-US"/>
               <a:t>Second level</a:t>
             </a:r>
           </a:p>
           <a:p>
             <a:pPr lvl="2" eaLnBrk="1" latinLnBrk="0" hangingPunct="1"/>
             <a:r>
-              <a:rPr lang="en-US" smtClean="0"/>
+              <a:rPr lang="en-US"/>
               <a:t>Third level</a:t>
             </a:r>
           </a:p>
           <a:p>
             <a:pPr lvl="3" eaLnBrk="1" latinLnBrk="0" hangingPunct="1"/>
             <a:r>
-              <a:rPr lang="en-US" smtClean="0"/>
+              <a:rPr lang="en-US"/>
               <a:t>Fourth level</a:t>
             </a:r>
           </a:p>
           <a:p>
             <a:pPr lvl="4" eaLnBrk="1" latinLnBrk="0" hangingPunct="1"/>
             <a:r>
-              <a:rPr lang="en-US" smtClean="0"/>
+              <a:rPr lang="en-US"/>
               <a:t>Fifth level</a:t>
             </a:r>
             <a:endParaRPr kumimoji="0" lang="en-US"/>
@@ -5973,14 +5886,12 @@
         <p:spPr/>
         <p:txBody>
           <a:bodyPr/>
-          <a:lstStyle>
-            <a:extLst/>
-          </a:lstStyle>
+          <a:lstStyle/>
           <a:p>
             <a:fld id="{1D8BD707-D9CF-40AE-B4C6-C98DA3205C09}" type="datetimeFigureOut">
               <a:rPr lang="en-US" smtClean="0"/>
               <a:pPr/>
-              <a:t>3/3/2018</a:t>
+              <a:t>4/16/2018</a:t>
             </a:fld>
             <a:endParaRPr lang="en-US"/>
           </a:p>
@@ -5999,9 +5910,7 @@
         <p:spPr/>
         <p:txBody>
           <a:bodyPr/>
-          <a:lstStyle>
-            <a:extLst/>
-          </a:lstStyle>
+          <a:lstStyle/>
           <a:p>
             <a:endParaRPr lang="en-US"/>
           </a:p>
@@ -6020,9 +5929,7 @@
         <p:spPr/>
         <p:txBody>
           <a:bodyPr/>
-          <a:lstStyle>
-            <a:extLst/>
-          </a:lstStyle>
+          <a:lstStyle/>
           <a:p>
             <a:fld id="{B6F15528-21DE-4FAA-801E-634DDDAF4B2B}" type="slidenum">
               <a:rPr lang="en-US" smtClean="0"/>
@@ -6076,15 +5983,12 @@
         </p:spPr>
         <p:txBody>
           <a:bodyPr vert="eaVert"/>
-          <a:lstStyle>
-            <a:extLst/>
-          </a:lstStyle>
-          <a:p>
-            <a:r>
-              <a:rPr kumimoji="0" lang="en-US" smtClean="0"/>
+          <a:lstStyle/>
+          <a:p>
+            <a:r>
+              <a:rPr kumimoji="0" lang="en-US"/>
               <a:t>Click to edit Master title style</a:t>
             </a:r>
-            <a:endParaRPr kumimoji="0" lang="en-US"/>
           </a:p>
         </p:txBody>
       </p:sp>
@@ -6106,41 +6010,39 @@
         </p:spPr>
         <p:txBody>
           <a:bodyPr vert="eaVert"/>
-          <a:lstStyle>
-            <a:extLst/>
-          </a:lstStyle>
+          <a:lstStyle/>
           <a:p>
             <a:pPr lvl="0" eaLnBrk="1" latinLnBrk="0" hangingPunct="1"/>
             <a:r>
-              <a:rPr lang="en-US" smtClean="0"/>
+              <a:rPr lang="en-US"/>
               <a:t>Click to edit Master text styles</a:t>
             </a:r>
           </a:p>
           <a:p>
             <a:pPr lvl="1" eaLnBrk="1" latinLnBrk="0" hangingPunct="1"/>
             <a:r>
-              <a:rPr lang="en-US" smtClean="0"/>
+              <a:rPr lang="en-US"/>
               <a:t>Second level</a:t>
             </a:r>
           </a:p>
           <a:p>
             <a:pPr lvl="2" eaLnBrk="1" latinLnBrk="0" hangingPunct="1"/>
             <a:r>
-              <a:rPr lang="en-US" smtClean="0"/>
+              <a:rPr lang="en-US"/>
               <a:t>Third level</a:t>
             </a:r>
           </a:p>
           <a:p>
             <a:pPr lvl="3" eaLnBrk="1" latinLnBrk="0" hangingPunct="1"/>
             <a:r>
-              <a:rPr lang="en-US" smtClean="0"/>
+              <a:rPr lang="en-US"/>
               <a:t>Fourth level</a:t>
             </a:r>
           </a:p>
           <a:p>
             <a:pPr lvl="4" eaLnBrk="1" latinLnBrk="0" hangingPunct="1"/>
             <a:r>
-              <a:rPr lang="en-US" smtClean="0"/>
+              <a:rPr lang="en-US"/>
               <a:t>Fifth level</a:t>
             </a:r>
             <a:endParaRPr kumimoji="0" lang="en-US"/>
@@ -6160,14 +6062,12 @@
         <p:spPr/>
         <p:txBody>
           <a:bodyPr/>
-          <a:lstStyle>
-            <a:extLst/>
-          </a:lstStyle>
+          <a:lstStyle/>
           <a:p>
             <a:fld id="{1D8BD707-D9CF-40AE-B4C6-C98DA3205C09}" type="datetimeFigureOut">
               <a:rPr lang="en-US" smtClean="0"/>
               <a:pPr/>
-              <a:t>3/3/2018</a:t>
+              <a:t>4/16/2018</a:t>
             </a:fld>
             <a:endParaRPr lang="en-US"/>
           </a:p>
@@ -6186,9 +6086,7 @@
         <p:spPr/>
         <p:txBody>
           <a:bodyPr/>
-          <a:lstStyle>
-            <a:extLst/>
-          </a:lstStyle>
+          <a:lstStyle/>
           <a:p>
             <a:endParaRPr lang="en-US"/>
           </a:p>
@@ -6207,9 +6105,7 @@
         <p:spPr/>
         <p:txBody>
           <a:bodyPr/>
-          <a:lstStyle>
-            <a:extLst/>
-          </a:lstStyle>
+          <a:lstStyle/>
           <a:p>
             <a:fld id="{B6F15528-21DE-4FAA-801E-634DDDAF4B2B}" type="slidenum">
               <a:rPr lang="en-US" smtClean="0"/>
@@ -6258,15 +6154,12 @@
         <p:spPr/>
         <p:txBody>
           <a:bodyPr/>
-          <a:lstStyle>
-            <a:extLst/>
-          </a:lstStyle>
-          <a:p>
-            <a:r>
-              <a:rPr kumimoji="0" lang="en-US" smtClean="0"/>
+          <a:lstStyle/>
+          <a:p>
+            <a:r>
+              <a:rPr kumimoji="0" lang="en-US"/>
               <a:t>Click to edit Master title style</a:t>
             </a:r>
-            <a:endParaRPr kumimoji="0" lang="en-US"/>
           </a:p>
         </p:txBody>
       </p:sp>
@@ -6283,41 +6176,39 @@
         <p:spPr/>
         <p:txBody>
           <a:bodyPr/>
-          <a:lstStyle>
-            <a:extLst/>
-          </a:lstStyle>
+          <a:lstStyle/>
           <a:p>
             <a:pPr lvl="0" eaLnBrk="1" latinLnBrk="0" hangingPunct="1"/>
             <a:r>
-              <a:rPr lang="en-US" smtClean="0"/>
+              <a:rPr lang="en-US"/>
               <a:t>Click to edit Master text styles</a:t>
             </a:r>
           </a:p>
           <a:p>
             <a:pPr lvl="1" eaLnBrk="1" latinLnBrk="0" hangingPunct="1"/>
             <a:r>
-              <a:rPr lang="en-US" smtClean="0"/>
+              <a:rPr lang="en-US"/>
               <a:t>Second level</a:t>
             </a:r>
           </a:p>
           <a:p>
             <a:pPr lvl="2" eaLnBrk="1" latinLnBrk="0" hangingPunct="1"/>
             <a:r>
-              <a:rPr lang="en-US" smtClean="0"/>
+              <a:rPr lang="en-US"/>
               <a:t>Third level</a:t>
             </a:r>
           </a:p>
           <a:p>
             <a:pPr lvl="3" eaLnBrk="1" latinLnBrk="0" hangingPunct="1"/>
             <a:r>
-              <a:rPr lang="en-US" smtClean="0"/>
+              <a:rPr lang="en-US"/>
               <a:t>Fourth level</a:t>
             </a:r>
           </a:p>
           <a:p>
             <a:pPr lvl="4" eaLnBrk="1" latinLnBrk="0" hangingPunct="1"/>
             <a:r>
-              <a:rPr lang="en-US" smtClean="0"/>
+              <a:rPr lang="en-US"/>
               <a:t>Fifth level</a:t>
             </a:r>
             <a:endParaRPr kumimoji="0" lang="en-US"/>
@@ -6337,14 +6228,12 @@
         <p:spPr/>
         <p:txBody>
           <a:bodyPr/>
-          <a:lstStyle>
-            <a:extLst/>
-          </a:lstStyle>
+          <a:lstStyle/>
           <a:p>
             <a:fld id="{1D8BD707-D9CF-40AE-B4C6-C98DA3205C09}" type="datetimeFigureOut">
               <a:rPr lang="en-US" smtClean="0"/>
               <a:pPr/>
-              <a:t>3/3/2018</a:t>
+              <a:t>4/16/2018</a:t>
             </a:fld>
             <a:endParaRPr lang="en-US"/>
           </a:p>
@@ -6363,9 +6252,7 @@
         <p:spPr/>
         <p:txBody>
           <a:bodyPr/>
-          <a:lstStyle>
-            <a:extLst/>
-          </a:lstStyle>
+          <a:lstStyle/>
           <a:p>
             <a:endParaRPr lang="en-US"/>
           </a:p>
@@ -6384,9 +6271,7 @@
         <p:spPr/>
         <p:txBody>
           <a:bodyPr/>
-          <a:lstStyle>
-            <a:extLst/>
-          </a:lstStyle>
+          <a:lstStyle/>
           <a:p>
             <a:fld id="{B6F15528-21DE-4FAA-801E-634DDDAF4B2B}" type="slidenum">
               <a:rPr lang="en-US" smtClean="0"/>
@@ -6461,9 +6346,7 @@
         </p:style>
         <p:txBody>
           <a:bodyPr anchor="ctr"/>
-          <a:lstStyle>
-            <a:extLst/>
-          </a:lstStyle>
+          <a:lstStyle/>
           <a:p>
             <a:pPr algn="ctr" eaLnBrk="1" latinLnBrk="0" hangingPunct="1"/>
             <a:endParaRPr kumimoji="0" lang="en-US"/>
@@ -6500,10 +6383,9 @@
           </a:lstStyle>
           <a:p>
             <a:r>
-              <a:rPr kumimoji="0" lang="en-US" smtClean="0"/>
+              <a:rPr kumimoji="0" lang="en-US"/>
               <a:t>Click to edit Master title style</a:t>
             </a:r>
-            <a:endParaRPr kumimoji="0" lang="en-US"/>
           </a:p>
         </p:txBody>
       </p:sp>
@@ -6588,7 +6470,7 @@
           <a:p>
             <a:pPr lvl="0" eaLnBrk="1" latinLnBrk="0" hangingPunct="1"/>
             <a:r>
-              <a:rPr kumimoji="0" lang="en-US" smtClean="0"/>
+              <a:rPr kumimoji="0" lang="en-US"/>
               <a:t>Click to edit Master text styles</a:t>
             </a:r>
           </a:p>
@@ -6607,14 +6489,12 @@
         <p:spPr/>
         <p:txBody>
           <a:bodyPr/>
-          <a:lstStyle>
-            <a:extLst/>
-          </a:lstStyle>
+          <a:lstStyle/>
           <a:p>
             <a:fld id="{1D8BD707-D9CF-40AE-B4C6-C98DA3205C09}" type="datetimeFigureOut">
               <a:rPr lang="en-US" smtClean="0"/>
               <a:pPr/>
-              <a:t>3/3/2018</a:t>
+              <a:t>4/16/2018</a:t>
             </a:fld>
             <a:endParaRPr lang="en-US"/>
           </a:p>
@@ -6633,9 +6513,7 @@
         <p:spPr/>
         <p:txBody>
           <a:bodyPr/>
-          <a:lstStyle>
-            <a:extLst/>
-          </a:lstStyle>
+          <a:lstStyle/>
           <a:p>
             <a:endParaRPr lang="en-US"/>
           </a:p>
@@ -6654,9 +6532,7 @@
         <p:spPr/>
         <p:txBody>
           <a:bodyPr/>
-          <a:lstStyle>
-            <a:extLst/>
-          </a:lstStyle>
+          <a:lstStyle/>
           <a:p>
             <a:fld id="{B6F15528-21DE-4FAA-801E-634DDDAF4B2B}" type="slidenum">
               <a:rPr lang="en-US" smtClean="0"/>
@@ -6714,9 +6590,7 @@
         </p:style>
         <p:txBody>
           <a:bodyPr anchor="ctr"/>
-          <a:lstStyle>
-            <a:extLst/>
-          </a:lstStyle>
+          <a:lstStyle/>
           <a:p>
             <a:pPr algn="ctr" eaLnBrk="1" latinLnBrk="0" hangingPunct="1"/>
             <a:endParaRPr kumimoji="0" lang="en-US"/>
@@ -6801,9 +6675,7 @@
         </p:style>
         <p:txBody>
           <a:bodyPr anchor="ctr"/>
-          <a:lstStyle>
-            <a:extLst/>
-          </a:lstStyle>
+          <a:lstStyle/>
           <a:p>
             <a:pPr algn="ctr" eaLnBrk="1" latinLnBrk="0" hangingPunct="1"/>
             <a:endParaRPr kumimoji="0" lang="en-US"/>
@@ -6852,9 +6724,7 @@
         </p:style>
         <p:txBody>
           <a:bodyPr anchor="ctr"/>
-          <a:lstStyle>
-            <a:extLst/>
-          </a:lstStyle>
+          <a:lstStyle/>
           <a:p>
             <a:pPr algn="ctr" eaLnBrk="1" latinLnBrk="0" hangingPunct="1"/>
             <a:endParaRPr kumimoji="0" lang="en-US"/>
@@ -6904,15 +6774,12 @@
         </p:spPr>
         <p:txBody>
           <a:bodyPr/>
-          <a:lstStyle>
-            <a:extLst/>
-          </a:lstStyle>
-          <a:p>
-            <a:r>
-              <a:rPr kumimoji="0" lang="en-US" smtClean="0"/>
+          <a:lstStyle/>
+          <a:p>
+            <a:r>
+              <a:rPr kumimoji="0" lang="en-US"/>
               <a:t>Click to edit Master title style</a:t>
             </a:r>
-            <a:endParaRPr kumimoji="0" lang="en-US"/>
           </a:p>
         </p:txBody>
       </p:sp>
@@ -6955,35 +6822,35 @@
           <a:p>
             <a:pPr lvl="0" eaLnBrk="1" latinLnBrk="0" hangingPunct="1"/>
             <a:r>
-              <a:rPr lang="en-US" smtClean="0"/>
+              <a:rPr lang="en-US"/>
               <a:t>Click to edit Master text styles</a:t>
             </a:r>
           </a:p>
           <a:p>
             <a:pPr lvl="1" eaLnBrk="1" latinLnBrk="0" hangingPunct="1"/>
             <a:r>
-              <a:rPr lang="en-US" smtClean="0"/>
+              <a:rPr lang="en-US"/>
               <a:t>Second level</a:t>
             </a:r>
           </a:p>
           <a:p>
             <a:pPr lvl="2" eaLnBrk="1" latinLnBrk="0" hangingPunct="1"/>
             <a:r>
-              <a:rPr lang="en-US" smtClean="0"/>
+              <a:rPr lang="en-US"/>
               <a:t>Third level</a:t>
             </a:r>
           </a:p>
           <a:p>
             <a:pPr lvl="3" eaLnBrk="1" latinLnBrk="0" hangingPunct="1"/>
             <a:r>
-              <a:rPr lang="en-US" smtClean="0"/>
+              <a:rPr lang="en-US"/>
               <a:t>Fourth level</a:t>
             </a:r>
           </a:p>
           <a:p>
             <a:pPr lvl="4" eaLnBrk="1" latinLnBrk="0" hangingPunct="1"/>
             <a:r>
-              <a:rPr lang="en-US" smtClean="0"/>
+              <a:rPr lang="en-US"/>
               <a:t>Fifth level</a:t>
             </a:r>
             <a:endParaRPr kumimoji="0" lang="en-US"/>
@@ -7029,35 +6896,35 @@
           <a:p>
             <a:pPr lvl="0" eaLnBrk="1" latinLnBrk="0" hangingPunct="1"/>
             <a:r>
-              <a:rPr lang="en-US" smtClean="0"/>
+              <a:rPr lang="en-US"/>
               <a:t>Click to edit Master text styles</a:t>
             </a:r>
           </a:p>
           <a:p>
             <a:pPr lvl="1" eaLnBrk="1" latinLnBrk="0" hangingPunct="1"/>
             <a:r>
-              <a:rPr lang="en-US" smtClean="0"/>
+              <a:rPr lang="en-US"/>
               <a:t>Second level</a:t>
             </a:r>
           </a:p>
           <a:p>
             <a:pPr lvl="2" eaLnBrk="1" latinLnBrk="0" hangingPunct="1"/>
             <a:r>
-              <a:rPr lang="en-US" smtClean="0"/>
+              <a:rPr lang="en-US"/>
               <a:t>Third level</a:t>
             </a:r>
           </a:p>
           <a:p>
             <a:pPr lvl="3" eaLnBrk="1" latinLnBrk="0" hangingPunct="1"/>
             <a:r>
-              <a:rPr lang="en-US" smtClean="0"/>
+              <a:rPr lang="en-US"/>
               <a:t>Fourth level</a:t>
             </a:r>
           </a:p>
           <a:p>
             <a:pPr lvl="4" eaLnBrk="1" latinLnBrk="0" hangingPunct="1"/>
             <a:r>
-              <a:rPr lang="en-US" smtClean="0"/>
+              <a:rPr lang="en-US"/>
               <a:t>Fifth level</a:t>
             </a:r>
             <a:endParaRPr kumimoji="0" lang="en-US"/>
@@ -7077,14 +6944,12 @@
         <p:spPr/>
         <p:txBody>
           <a:bodyPr/>
-          <a:lstStyle>
-            <a:extLst/>
-          </a:lstStyle>
+          <a:lstStyle/>
           <a:p>
             <a:fld id="{1D8BD707-D9CF-40AE-B4C6-C98DA3205C09}" type="datetimeFigureOut">
               <a:rPr lang="en-US" smtClean="0"/>
               <a:pPr/>
-              <a:t>3/3/2018</a:t>
+              <a:t>4/16/2018</a:t>
             </a:fld>
             <a:endParaRPr lang="en-US"/>
           </a:p>
@@ -7103,9 +6968,7 @@
         <p:spPr/>
         <p:txBody>
           <a:bodyPr/>
-          <a:lstStyle>
-            <a:extLst/>
-          </a:lstStyle>
+          <a:lstStyle/>
           <a:p>
             <a:endParaRPr lang="en-US"/>
           </a:p>
@@ -7124,9 +6987,7 @@
         <p:spPr/>
         <p:txBody>
           <a:bodyPr/>
-          <a:lstStyle>
-            <a:extLst/>
-          </a:lstStyle>
+          <a:lstStyle/>
           <a:p>
             <a:fld id="{B6F15528-21DE-4FAA-801E-634DDDAF4B2B}" type="slidenum">
               <a:rPr lang="en-US" smtClean="0"/>
@@ -7188,10 +7049,9 @@
           </a:lstStyle>
           <a:p>
             <a:r>
-              <a:rPr kumimoji="0" lang="en-US" smtClean="0"/>
+              <a:rPr kumimoji="0" lang="en-US"/>
               <a:t>Click to edit Master title style</a:t>
             </a:r>
-            <a:endParaRPr kumimoji="0" lang="en-US"/>
           </a:p>
         </p:txBody>
       </p:sp>
@@ -7258,7 +7118,7 @@
           <a:p>
             <a:pPr lvl="0" eaLnBrk="1" latinLnBrk="0" hangingPunct="1"/>
             <a:r>
-              <a:rPr kumimoji="0" lang="en-US" smtClean="0"/>
+              <a:rPr kumimoji="0" lang="en-US"/>
               <a:t>Click to edit Master text styles</a:t>
             </a:r>
           </a:p>
@@ -7327,7 +7187,7 @@
           <a:p>
             <a:pPr lvl="0" eaLnBrk="1" latinLnBrk="0" hangingPunct="1"/>
             <a:r>
-              <a:rPr kumimoji="0" lang="en-US" smtClean="0"/>
+              <a:rPr kumimoji="0" lang="en-US"/>
               <a:t>Click to edit Master text styles</a:t>
             </a:r>
           </a:p>
@@ -7409,35 +7269,35 @@
           <a:p>
             <a:pPr lvl="0" eaLnBrk="1" latinLnBrk="0" hangingPunct="1"/>
             <a:r>
-              <a:rPr lang="en-US" smtClean="0"/>
+              <a:rPr lang="en-US"/>
               <a:t>Click to edit Master text styles</a:t>
             </a:r>
           </a:p>
           <a:p>
             <a:pPr lvl="1" eaLnBrk="1" latinLnBrk="0" hangingPunct="1"/>
             <a:r>
-              <a:rPr lang="en-US" smtClean="0"/>
+              <a:rPr lang="en-US"/>
               <a:t>Second level</a:t>
             </a:r>
           </a:p>
           <a:p>
             <a:pPr lvl="2" eaLnBrk="1" latinLnBrk="0" hangingPunct="1"/>
             <a:r>
-              <a:rPr lang="en-US" smtClean="0"/>
+              <a:rPr lang="en-US"/>
               <a:t>Third level</a:t>
             </a:r>
           </a:p>
           <a:p>
             <a:pPr lvl="3" eaLnBrk="1" latinLnBrk="0" hangingPunct="1"/>
             <a:r>
-              <a:rPr lang="en-US" smtClean="0"/>
+              <a:rPr lang="en-US"/>
               <a:t>Fourth level</a:t>
             </a:r>
           </a:p>
           <a:p>
             <a:pPr lvl="4" eaLnBrk="1" latinLnBrk="0" hangingPunct="1"/>
             <a:r>
-              <a:rPr lang="en-US" smtClean="0"/>
+              <a:rPr lang="en-US"/>
               <a:t>Fifth level</a:t>
             </a:r>
             <a:endParaRPr kumimoji="0" lang="en-US"/>
@@ -7520,35 +7380,35 @@
           <a:p>
             <a:pPr lvl="0" eaLnBrk="1" latinLnBrk="0" hangingPunct="1"/>
             <a:r>
-              <a:rPr lang="en-US" smtClean="0"/>
+              <a:rPr lang="en-US"/>
               <a:t>Click to edit Master text styles</a:t>
             </a:r>
           </a:p>
           <a:p>
             <a:pPr lvl="1" eaLnBrk="1" latinLnBrk="0" hangingPunct="1"/>
             <a:r>
-              <a:rPr lang="en-US" smtClean="0"/>
+              <a:rPr lang="en-US"/>
               <a:t>Second level</a:t>
             </a:r>
           </a:p>
           <a:p>
             <a:pPr lvl="2" eaLnBrk="1" latinLnBrk="0" hangingPunct="1"/>
             <a:r>
-              <a:rPr lang="en-US" smtClean="0"/>
+              <a:rPr lang="en-US"/>
               <a:t>Third level</a:t>
             </a:r>
           </a:p>
           <a:p>
             <a:pPr lvl="3" eaLnBrk="1" latinLnBrk="0" hangingPunct="1"/>
             <a:r>
-              <a:rPr lang="en-US" smtClean="0"/>
+              <a:rPr lang="en-US"/>
               <a:t>Fourth level</a:t>
             </a:r>
           </a:p>
           <a:p>
             <a:pPr lvl="4" eaLnBrk="1" latinLnBrk="0" hangingPunct="1"/>
             <a:r>
-              <a:rPr lang="en-US" smtClean="0"/>
+              <a:rPr lang="en-US"/>
               <a:t>Fifth level</a:t>
             </a:r>
             <a:endParaRPr kumimoji="0" lang="en-US"/>
@@ -7568,14 +7428,12 @@
         <p:spPr/>
         <p:txBody>
           <a:bodyPr/>
-          <a:lstStyle>
-            <a:extLst/>
-          </a:lstStyle>
+          <a:lstStyle/>
           <a:p>
             <a:fld id="{1D8BD707-D9CF-40AE-B4C6-C98DA3205C09}" type="datetimeFigureOut">
               <a:rPr lang="en-US" smtClean="0"/>
               <a:pPr/>
-              <a:t>3/3/2018</a:t>
+              <a:t>4/16/2018</a:t>
             </a:fld>
             <a:endParaRPr lang="en-US"/>
           </a:p>
@@ -7594,9 +7452,7 @@
         <p:spPr/>
         <p:txBody>
           <a:bodyPr/>
-          <a:lstStyle>
-            <a:extLst/>
-          </a:lstStyle>
+          <a:lstStyle/>
           <a:p>
             <a:endParaRPr lang="en-US"/>
           </a:p>
@@ -7615,9 +7471,7 @@
         <p:spPr/>
         <p:txBody>
           <a:bodyPr/>
-          <a:lstStyle>
-            <a:extLst/>
-          </a:lstStyle>
+          <a:lstStyle/>
           <a:p>
             <a:fld id="{B6F15528-21DE-4FAA-801E-634DDDAF4B2B}" type="slidenum">
               <a:rPr lang="en-US" smtClean="0"/>
@@ -7671,15 +7525,12 @@
         </p:spPr>
         <p:txBody>
           <a:bodyPr anchor="ctr"/>
-          <a:lstStyle>
-            <a:extLst/>
-          </a:lstStyle>
-          <a:p>
-            <a:r>
-              <a:rPr kumimoji="0" lang="en-US" smtClean="0"/>
+          <a:lstStyle/>
+          <a:p>
+            <a:r>
+              <a:rPr kumimoji="0" lang="en-US"/>
               <a:t>Click to edit Master title style</a:t>
             </a:r>
-            <a:endParaRPr kumimoji="0" lang="en-US"/>
           </a:p>
         </p:txBody>
       </p:sp>
@@ -7696,14 +7547,12 @@
         <p:spPr/>
         <p:txBody>
           <a:bodyPr/>
-          <a:lstStyle>
-            <a:extLst/>
-          </a:lstStyle>
+          <a:lstStyle/>
           <a:p>
             <a:fld id="{1D8BD707-D9CF-40AE-B4C6-C98DA3205C09}" type="datetimeFigureOut">
               <a:rPr lang="en-US" smtClean="0"/>
               <a:pPr/>
-              <a:t>3/3/2018</a:t>
+              <a:t>4/16/2018</a:t>
             </a:fld>
             <a:endParaRPr lang="en-US"/>
           </a:p>
@@ -7722,9 +7571,7 @@
         <p:spPr/>
         <p:txBody>
           <a:bodyPr/>
-          <a:lstStyle>
-            <a:extLst/>
-          </a:lstStyle>
+          <a:lstStyle/>
           <a:p>
             <a:endParaRPr lang="en-US"/>
           </a:p>
@@ -7743,9 +7590,7 @@
         <p:spPr/>
         <p:txBody>
           <a:bodyPr/>
-          <a:lstStyle>
-            <a:extLst/>
-          </a:lstStyle>
+          <a:lstStyle/>
           <a:p>
             <a:fld id="{B6F15528-21DE-4FAA-801E-634DDDAF4B2B}" type="slidenum">
               <a:rPr lang="en-US" smtClean="0"/>
@@ -7820,9 +7665,7 @@
         </p:style>
         <p:txBody>
           <a:bodyPr anchor="ctr"/>
-          <a:lstStyle>
-            <a:extLst/>
-          </a:lstStyle>
+          <a:lstStyle/>
           <a:p>
             <a:pPr algn="ctr" eaLnBrk="1" latinLnBrk="0" hangingPunct="1"/>
             <a:endParaRPr kumimoji="0" lang="en-US"/>
@@ -7842,14 +7685,12 @@
         <p:spPr/>
         <p:txBody>
           <a:bodyPr/>
-          <a:lstStyle>
-            <a:extLst/>
-          </a:lstStyle>
+          <a:lstStyle/>
           <a:p>
             <a:fld id="{1D8BD707-D9CF-40AE-B4C6-C98DA3205C09}" type="datetimeFigureOut">
               <a:rPr lang="en-US" smtClean="0"/>
               <a:pPr/>
-              <a:t>3/3/2018</a:t>
+              <a:t>4/16/2018</a:t>
             </a:fld>
             <a:endParaRPr lang="en-US"/>
           </a:p>
@@ -7868,9 +7709,7 @@
         <p:spPr/>
         <p:txBody>
           <a:bodyPr/>
-          <a:lstStyle>
-            <a:extLst/>
-          </a:lstStyle>
+          <a:lstStyle/>
           <a:p>
             <a:endParaRPr lang="en-US"/>
           </a:p>
@@ -7889,9 +7728,7 @@
         <p:spPr/>
         <p:txBody>
           <a:bodyPr/>
-          <a:lstStyle>
-            <a:extLst/>
-          </a:lstStyle>
+          <a:lstStyle/>
           <a:p>
             <a:fld id="{B6F15528-21DE-4FAA-801E-634DDDAF4B2B}" type="slidenum">
               <a:rPr lang="en-US" smtClean="0"/>
@@ -7949,9 +7786,7 @@
         </p:style>
         <p:txBody>
           <a:bodyPr anchor="ctr"/>
-          <a:lstStyle>
-            <a:extLst/>
-          </a:lstStyle>
+          <a:lstStyle/>
           <a:p>
             <a:pPr algn="ctr" eaLnBrk="1" latinLnBrk="0" hangingPunct="1"/>
             <a:endParaRPr kumimoji="0" lang="en-US"/>
@@ -8016,10 +7851,9 @@
           </a:lstStyle>
           <a:p>
             <a:r>
-              <a:rPr kumimoji="0" lang="en-US" smtClean="0"/>
+              <a:rPr kumimoji="0" lang="en-US"/>
               <a:t>Click to edit Master title style</a:t>
             </a:r>
-            <a:endParaRPr kumimoji="0" lang="en-US"/>
           </a:p>
         </p:txBody>
       </p:sp>
@@ -8073,7 +7907,7 @@
           <a:p>
             <a:pPr lvl="0" eaLnBrk="1" latinLnBrk="0" hangingPunct="1"/>
             <a:r>
-              <a:rPr kumimoji="0" lang="en-US" smtClean="0"/>
+              <a:rPr kumimoji="0" lang="en-US"/>
               <a:t>Click to edit Master text styles</a:t>
             </a:r>
           </a:p>
@@ -8118,35 +7952,35 @@
           <a:p>
             <a:pPr lvl="0" eaLnBrk="1" latinLnBrk="0" hangingPunct="1"/>
             <a:r>
-              <a:rPr lang="en-US" smtClean="0"/>
+              <a:rPr lang="en-US"/>
               <a:t>Click to edit Master text styles</a:t>
             </a:r>
           </a:p>
           <a:p>
             <a:pPr lvl="1" eaLnBrk="1" latinLnBrk="0" hangingPunct="1"/>
             <a:r>
-              <a:rPr lang="en-US" smtClean="0"/>
+              <a:rPr lang="en-US"/>
               <a:t>Second level</a:t>
             </a:r>
           </a:p>
           <a:p>
             <a:pPr lvl="2" eaLnBrk="1" latinLnBrk="0" hangingPunct="1"/>
             <a:r>
-              <a:rPr lang="en-US" smtClean="0"/>
+              <a:rPr lang="en-US"/>
               <a:t>Third level</a:t>
             </a:r>
           </a:p>
           <a:p>
             <a:pPr lvl="3" eaLnBrk="1" latinLnBrk="0" hangingPunct="1"/>
             <a:r>
-              <a:rPr lang="en-US" smtClean="0"/>
+              <a:rPr lang="en-US"/>
               <a:t>Fourth level</a:t>
             </a:r>
           </a:p>
           <a:p>
             <a:pPr lvl="4" eaLnBrk="1" latinLnBrk="0" hangingPunct="1"/>
             <a:r>
-              <a:rPr lang="en-US" smtClean="0"/>
+              <a:rPr lang="en-US"/>
               <a:t>Fifth level</a:t>
             </a:r>
             <a:endParaRPr kumimoji="0" lang="en-US"/>
@@ -8166,14 +8000,12 @@
         <p:spPr/>
         <p:txBody>
           <a:bodyPr/>
-          <a:lstStyle>
-            <a:extLst/>
-          </a:lstStyle>
+          <a:lstStyle/>
           <a:p>
             <a:fld id="{1D8BD707-D9CF-40AE-B4C6-C98DA3205C09}" type="datetimeFigureOut">
               <a:rPr lang="en-US" smtClean="0"/>
               <a:pPr/>
-              <a:t>3/3/2018</a:t>
+              <a:t>4/16/2018</a:t>
             </a:fld>
             <a:endParaRPr lang="en-US"/>
           </a:p>
@@ -8192,9 +8024,7 @@
         <p:spPr/>
         <p:txBody>
           <a:bodyPr/>
-          <a:lstStyle>
-            <a:extLst/>
-          </a:lstStyle>
+          <a:lstStyle/>
           <a:p>
             <a:endParaRPr lang="en-US"/>
           </a:p>
@@ -8213,9 +8043,7 @@
         <p:spPr/>
         <p:txBody>
           <a:bodyPr/>
-          <a:lstStyle>
-            <a:extLst/>
-          </a:lstStyle>
+          <a:lstStyle/>
           <a:p>
             <a:fld id="{B6F15528-21DE-4FAA-801E-634DDDAF4B2B}" type="slidenum">
               <a:rPr lang="en-US" smtClean="0"/>
@@ -8282,10 +8110,9 @@
           </a:lstStyle>
           <a:p>
             <a:r>
-              <a:rPr kumimoji="0" lang="en-US" smtClean="0"/>
+              <a:rPr kumimoji="0" lang="en-US"/>
               <a:t>Click to edit Master title style</a:t>
             </a:r>
-            <a:endParaRPr kumimoji="0" lang="en-US"/>
           </a:p>
         </p:txBody>
       </p:sp>
@@ -8302,14 +8129,12 @@
         <p:spPr/>
         <p:txBody>
           <a:bodyPr/>
-          <a:lstStyle>
-            <a:extLst/>
-          </a:lstStyle>
+          <a:lstStyle/>
           <a:p>
             <a:fld id="{1D8BD707-D9CF-40AE-B4C6-C98DA3205C09}" type="datetimeFigureOut">
               <a:rPr lang="en-US" smtClean="0"/>
               <a:pPr/>
-              <a:t>3/3/2018</a:t>
+              <a:t>4/16/2018</a:t>
             </a:fld>
             <a:endParaRPr lang="en-US"/>
           </a:p>
@@ -8328,9 +8153,7 @@
         <p:spPr/>
         <p:txBody>
           <a:bodyPr/>
-          <a:lstStyle>
-            <a:extLst/>
-          </a:lstStyle>
+          <a:lstStyle/>
           <a:p>
             <a:endParaRPr lang="en-US"/>
           </a:p>
@@ -8349,9 +8172,7 @@
         <p:spPr/>
         <p:txBody>
           <a:bodyPr/>
-          <a:lstStyle>
-            <a:extLst/>
-          </a:lstStyle>
+          <a:lstStyle/>
           <a:p>
             <a:fld id="{B6F15528-21DE-4FAA-801E-634DDDAF4B2B}" type="slidenum">
               <a:rPr lang="en-US" smtClean="0"/>
@@ -8409,9 +8230,7 @@
           <a:bodyPr lIns="91440" tIns="274320" rtlCol="0" anchor="t">
             <a:normAutofit/>
           </a:bodyPr>
-          <a:lstStyle>
-            <a:extLst/>
-          </a:lstStyle>
+          <a:lstStyle/>
           <a:p>
             <a:pPr marL="0" indent="-283464" algn="l" rtl="0" eaLnBrk="1" latinLnBrk="0" hangingPunct="1">
               <a:lnSpc>
@@ -8479,7 +8298,7 @@
           <a:p>
             <a:pPr marL="0" algn="l" eaLnBrk="1" latinLnBrk="0" hangingPunct="1"/>
             <a:r>
-              <a:rPr kumimoji="0" lang="en-US" smtClean="0"/>
+              <a:rPr kumimoji="0" lang="en-US"/>
               <a:t>Click icon to add picture</a:t>
             </a:r>
             <a:endParaRPr kumimoji="0" lang="en-US" dirty="0"/>
@@ -8539,9 +8358,7 @@
         </p:style>
         <p:txBody>
           <a:bodyPr anchor="ctr"/>
-          <a:lstStyle>
-            <a:extLst/>
-          </a:lstStyle>
+          <a:lstStyle/>
           <a:p>
             <a:pPr algn="ctr" eaLnBrk="1" latinLnBrk="0" hangingPunct="1"/>
             <a:endParaRPr kumimoji="0" lang="en-US"/>
@@ -8599,9 +8416,7 @@
         </p:style>
         <p:txBody>
           <a:bodyPr anchor="ctr"/>
-          <a:lstStyle>
-            <a:extLst/>
-          </a:lstStyle>
+          <a:lstStyle/>
           <a:p>
             <a:pPr algn="ctr" eaLnBrk="1" latinLnBrk="0" hangingPunct="1"/>
             <a:endParaRPr kumimoji="0" lang="en-US" dirty="0"/>
@@ -8658,7 +8473,7 @@
           <a:p>
             <a:pPr lvl="0" eaLnBrk="1" latinLnBrk="0" hangingPunct="1"/>
             <a:r>
-              <a:rPr kumimoji="0" lang="en-US" smtClean="0"/>
+              <a:rPr kumimoji="0" lang="en-US"/>
               <a:t>Click to edit Master text styles</a:t>
             </a:r>
           </a:p>
@@ -8746,9 +8561,7 @@
         </p:style>
         <p:txBody>
           <a:bodyPr anchor="ctr"/>
-          <a:lstStyle>
-            <a:extLst/>
-          </a:lstStyle>
+          <a:lstStyle/>
           <a:p>
             <a:pPr algn="ctr" eaLnBrk="1" latinLnBrk="0" hangingPunct="1"/>
             <a:endParaRPr kumimoji="0" lang="en-US"/>
@@ -8806,9 +8619,7 @@
         </p:style>
         <p:txBody>
           <a:bodyPr anchor="ctr"/>
-          <a:lstStyle>
-            <a:extLst/>
-          </a:lstStyle>
+          <a:lstStyle/>
           <a:p>
             <a:pPr algn="ctr" eaLnBrk="1" latinLnBrk="0" hangingPunct="1"/>
             <a:endParaRPr kumimoji="0" lang="en-US"/>
@@ -8898,9 +8709,7 @@
         </p:style>
         <p:txBody>
           <a:bodyPr anchor="ctr"/>
-          <a:lstStyle>
-            <a:extLst/>
-          </a:lstStyle>
+          <a:lstStyle/>
           <a:p>
             <a:pPr algn="ctr" eaLnBrk="1" latinLnBrk="0" hangingPunct="1"/>
             <a:endParaRPr kumimoji="0" lang="en-US"/>
@@ -8946,9 +8755,7 @@
         </p:style>
         <p:txBody>
           <a:bodyPr anchor="ctr"/>
-          <a:lstStyle>
-            <a:extLst/>
-          </a:lstStyle>
+          <a:lstStyle/>
           <a:p>
             <a:pPr algn="ctr" eaLnBrk="1" latinLnBrk="0" hangingPunct="1"/>
             <a:endParaRPr kumimoji="0" lang="en-US"/>
@@ -8978,15 +8785,12 @@
           <a:bodyPr anchor="ctr">
             <a:normAutofit/>
           </a:bodyPr>
-          <a:lstStyle>
-            <a:extLst/>
-          </a:lstStyle>
-          <a:p>
-            <a:r>
-              <a:rPr kumimoji="0" lang="en-US" smtClean="0"/>
+          <a:lstStyle/>
+          <a:p>
+            <a:r>
+              <a:rPr kumimoji="0" lang="en-US"/>
               <a:t>Click to edit Master title style</a:t>
             </a:r>
-            <a:endParaRPr kumimoji="0" lang="en-US"/>
           </a:p>
         </p:txBody>
       </p:sp>
@@ -9013,44 +8817,41 @@
           <a:bodyPr>
             <a:normAutofit/>
           </a:bodyPr>
-          <a:lstStyle>
-            <a:extLst/>
-          </a:lstStyle>
+          <a:lstStyle/>
           <a:p>
             <a:pPr lvl="0" eaLnBrk="1" latinLnBrk="0" hangingPunct="1"/>
             <a:r>
-              <a:rPr kumimoji="0" lang="en-US" smtClean="0"/>
+              <a:rPr kumimoji="0" lang="en-US"/>
               <a:t>Click to edit Master text styles</a:t>
             </a:r>
           </a:p>
           <a:p>
             <a:pPr lvl="1" eaLnBrk="1" latinLnBrk="0" hangingPunct="1"/>
             <a:r>
-              <a:rPr kumimoji="0" lang="en-US" smtClean="0"/>
+              <a:rPr kumimoji="0" lang="en-US"/>
               <a:t>Second level</a:t>
             </a:r>
           </a:p>
           <a:p>
             <a:pPr lvl="2" eaLnBrk="1" latinLnBrk="0" hangingPunct="1"/>
             <a:r>
-              <a:rPr kumimoji="0" lang="en-US" smtClean="0"/>
+              <a:rPr kumimoji="0" lang="en-US"/>
               <a:t>Third level</a:t>
             </a:r>
           </a:p>
           <a:p>
             <a:pPr lvl="3" eaLnBrk="1" latinLnBrk="0" hangingPunct="1"/>
             <a:r>
-              <a:rPr kumimoji="0" lang="en-US" smtClean="0"/>
+              <a:rPr kumimoji="0" lang="en-US"/>
               <a:t>Fourth level</a:t>
             </a:r>
           </a:p>
           <a:p>
             <a:pPr lvl="4" eaLnBrk="1" latinLnBrk="0" hangingPunct="1"/>
             <a:r>
-              <a:rPr kumimoji="0" lang="en-US" smtClean="0"/>
+              <a:rPr kumimoji="0" lang="en-US"/>
               <a:t>Fifth level</a:t>
             </a:r>
-            <a:endParaRPr kumimoji="0" lang="en-US"/>
           </a:p>
         </p:txBody>
       </p:sp>
@@ -9092,7 +8893,7 @@
             <a:fld id="{1D8BD707-D9CF-40AE-B4C6-C98DA3205C09}" type="datetimeFigureOut">
               <a:rPr lang="en-US" smtClean="0"/>
               <a:pPr/>
-              <a:t>3/3/2018</a:t>
+              <a:t>4/16/2018</a:t>
             </a:fld>
             <a:endParaRPr lang="en-US"/>
           </a:p>
@@ -9230,9 +9031,7 @@
         </p:style>
         <p:txBody>
           <a:bodyPr anchor="ctr"/>
-          <a:lstStyle>
-            <a:extLst/>
-          </a:lstStyle>
+          <a:lstStyle/>
           <a:p>
             <a:pPr algn="ctr" eaLnBrk="1" latinLnBrk="0" hangingPunct="1"/>
             <a:endParaRPr kumimoji="0" lang="en-US"/>
@@ -9710,12 +9509,12 @@
           <a:lstStyle/>
           <a:p>
             <a:pPr lvl="1"/>
-            <a:endParaRPr lang="en-US" dirty="0" smtClean="0"/>
+            <a:endParaRPr lang="en-US" dirty="0"/>
           </a:p>
           <a:p>
             <a:pPr lvl="1"/>
             <a:r>
-              <a:rPr lang="en-US" dirty="0" smtClean="0">
+              <a:rPr lang="en-US" dirty="0">
                 <a:latin typeface="Times New Roman" pitchFamily="18" charset="0"/>
                 <a:cs typeface="Times New Roman" pitchFamily="18" charset="0"/>
               </a:rPr>
@@ -9725,14 +9524,14 @@
           <a:p>
             <a:pPr lvl="1"/>
             <a:r>
-              <a:rPr lang="en-US" dirty="0" smtClean="0">
+              <a:rPr lang="en-US" dirty="0">
                 <a:latin typeface="Times New Roman" pitchFamily="18" charset="0"/>
                 <a:cs typeface="Times New Roman" pitchFamily="18" charset="0"/>
               </a:rPr>
               <a:t>Do Hung </a:t>
             </a:r>
             <a:r>
-              <a:rPr lang="en-US" dirty="0" err="1" smtClean="0">
+              <a:rPr lang="en-US" dirty="0" err="1">
                 <a:latin typeface="Times New Roman" pitchFamily="18" charset="0"/>
                 <a:cs typeface="Times New Roman" pitchFamily="18" charset="0"/>
               </a:rPr>
@@ -9796,13 +9595,6 @@
   <p:clrMapOvr>
     <a:masterClrMapping/>
   </p:clrMapOvr>
-  <p:timing>
-    <p:tnLst>
-      <p:par>
-        <p:cTn id="1" dur="indefinite" restart="never" nodeType="tmRoot"/>
-      </p:par>
-    </p:tnLst>
-  </p:timing>
 </p:sld>
 </file>
 
@@ -9839,10 +9631,9 @@
           <a:lstStyle/>
           <a:p>
             <a:r>
-              <a:rPr lang="en-US" dirty="0" smtClean="0"/>
+              <a:rPr lang="en-US" dirty="0"/>
               <a:t>Single page application</a:t>
             </a:r>
-            <a:endParaRPr lang="en-US" dirty="0"/>
           </a:p>
         </p:txBody>
       </p:sp>
@@ -9922,10 +9713,9 @@
           <a:lstStyle/>
           <a:p>
             <a:r>
-              <a:rPr lang="en-US" dirty="0" smtClean="0"/>
+              <a:rPr lang="en-US" dirty="0"/>
               <a:t>- Server and client interaction via AJAX</a:t>
             </a:r>
-            <a:endParaRPr lang="en-US" dirty="0"/>
           </a:p>
         </p:txBody>
       </p:sp>
@@ -9951,12 +9741,8 @@
           <a:lstStyle/>
           <a:p>
             <a:r>
-              <a:rPr lang="en-US" dirty="0" smtClean="0"/>
-              <a:t>- update </a:t>
-            </a:r>
-            <a:r>
               <a:rPr lang="en-US" dirty="0"/>
-              <a:t>the page dynamically</a:t>
+              <a:t>- update the page dynamically</a:t>
             </a:r>
           </a:p>
         </p:txBody>
@@ -9983,10 +9769,9 @@
           <a:lstStyle/>
           <a:p>
             <a:r>
-              <a:rPr lang="en-US" dirty="0" smtClean="0"/>
+              <a:rPr lang="en-US" dirty="0"/>
               <a:t>- High performance</a:t>
             </a:r>
-            <a:endParaRPr lang="en-US" dirty="0"/>
           </a:p>
         </p:txBody>
       </p:sp>
@@ -10000,13 +9785,6 @@
   <p:clrMapOvr>
     <a:masterClrMapping/>
   </p:clrMapOvr>
-  <p:timing>
-    <p:tnLst>
-      <p:par>
-        <p:cTn id="1" dur="indefinite" restart="never" nodeType="tmRoot"/>
-      </p:par>
-    </p:tnLst>
-  </p:timing>
 </p:sld>
 </file>
 
@@ -10043,15 +9821,15 @@
           <a:lstStyle/>
           <a:p>
             <a:r>
-              <a:rPr lang="en-US" dirty="0" err="1" smtClean="0"/>
+              <a:rPr lang="en-US" dirty="0" err="1"/>
               <a:t>RESTful</a:t>
             </a:r>
             <a:r>
-              <a:rPr lang="en-US" dirty="0" smtClean="0"/>
+              <a:rPr lang="en-US" dirty="0"/>
               <a:t> </a:t>
             </a:r>
             <a:r>
-              <a:rPr lang="en-US" dirty="0" err="1" smtClean="0"/>
+              <a:rPr lang="en-US" dirty="0" err="1"/>
               <a:t>webservice</a:t>
             </a:r>
             <a:endParaRPr lang="en-US" dirty="0"/>
@@ -10134,38 +9912,9 @@
           <a:lstStyle/>
           <a:p>
             <a:r>
-              <a:rPr lang="en-US" dirty="0" smtClean="0"/>
-              <a:t>- use </a:t>
-            </a:r>
-            <a:r>
               <a:rPr lang="en-US" dirty="0"/>
-              <a:t>HTTP methods </a:t>
-            </a:r>
-            <a:r>
-              <a:rPr lang="en-US" dirty="0" smtClean="0"/>
-              <a:t>: GET, </a:t>
-            </a:r>
-            <a:r>
-              <a:rPr lang="en-US" dirty="0" smtClean="0"/>
-              <a:t>POST</a:t>
-            </a:r>
-            <a:r>
-              <a:rPr lang="en-US" dirty="0" smtClean="0"/>
-              <a:t>, </a:t>
-            </a:r>
-            <a:r>
-              <a:rPr lang="en-US" dirty="0"/>
-              <a:t>PUT </a:t>
-            </a:r>
-            <a:r>
-              <a:rPr lang="en-US" dirty="0" smtClean="0"/>
-              <a:t>, DELETE </a:t>
-            </a:r>
-            <a:r>
-              <a:rPr lang="en-US" dirty="0" smtClean="0"/>
-              <a:t>…</a:t>
-            </a:r>
-            <a:endParaRPr lang="en-US" dirty="0"/>
+              <a:t>- use HTTP methods : GET, POST, PUT , DELETE …</a:t>
+            </a:r>
           </a:p>
         </p:txBody>
       </p:sp>
@@ -10191,10 +9940,9 @@
           <a:lstStyle/>
           <a:p>
             <a:r>
-              <a:rPr lang="en-US" dirty="0" smtClean="0"/>
+              <a:rPr lang="en-US" dirty="0"/>
               <a:t>- provide API data as Text, JSON, xml format</a:t>
             </a:r>
-            <a:endParaRPr lang="en-US" dirty="0"/>
           </a:p>
         </p:txBody>
       </p:sp>
@@ -10220,10 +9968,9 @@
           <a:lstStyle/>
           <a:p>
             <a:r>
-              <a:rPr lang="en-US" dirty="0" smtClean="0"/>
+              <a:rPr lang="en-US" dirty="0"/>
               <a:t>- Web service build on server side</a:t>
             </a:r>
-            <a:endParaRPr lang="en-US" dirty="0"/>
           </a:p>
         </p:txBody>
       </p:sp>
@@ -10237,13 +9984,6 @@
   <p:clrMapOvr>
     <a:masterClrMapping/>
   </p:clrMapOvr>
-  <p:timing>
-    <p:tnLst>
-      <p:par>
-        <p:cTn id="1" dur="indefinite" restart="never" nodeType="tmRoot"/>
-      </p:par>
-    </p:tnLst>
-  </p:timing>
 </p:sld>
 </file>
 
@@ -10280,10 +10020,9 @@
           <a:lstStyle/>
           <a:p>
             <a:r>
-              <a:rPr lang="en-US" dirty="0" smtClean="0"/>
+              <a:rPr lang="en-US" dirty="0"/>
               <a:t>Technology used</a:t>
             </a:r>
-            <a:endParaRPr lang="en-US" dirty="0"/>
           </a:p>
         </p:txBody>
       </p:sp>
@@ -10308,31 +10047,31 @@
               <a:buNone/>
             </a:pPr>
             <a:r>
-              <a:rPr lang="en-US" sz="1800" dirty="0" smtClean="0"/>
+              <a:rPr lang="en-US" sz="1800" dirty="0"/>
               <a:t>- Architecture style: </a:t>
             </a:r>
             <a:r>
-              <a:rPr lang="en-US" sz="1800" dirty="0" err="1" smtClean="0"/>
+              <a:rPr lang="en-US" sz="1800" dirty="0" err="1"/>
               <a:t>Microservices</a:t>
             </a:r>
             <a:r>
-              <a:rPr lang="en-US" sz="1800" dirty="0" smtClean="0"/>
+              <a:rPr lang="en-US" sz="1800" dirty="0"/>
               <a:t>, Single Page Application, </a:t>
             </a:r>
             <a:r>
-              <a:rPr lang="en-US" sz="1800" dirty="0" err="1" smtClean="0"/>
+              <a:rPr lang="en-US" sz="1800" dirty="0" err="1"/>
               <a:t>RESTful</a:t>
             </a:r>
             <a:r>
-              <a:rPr lang="en-US" sz="1800" dirty="0" smtClean="0"/>
+              <a:rPr lang="en-US" sz="1800" dirty="0"/>
               <a:t> </a:t>
             </a:r>
             <a:r>
-              <a:rPr lang="en-US" sz="1800" dirty="0" err="1" smtClean="0"/>
+              <a:rPr lang="en-US" sz="1800" dirty="0" err="1"/>
               <a:t>webservice</a:t>
             </a:r>
             <a:r>
-              <a:rPr lang="en-US" sz="1800" dirty="0" smtClean="0"/>
+              <a:rPr lang="en-US" sz="1800" dirty="0"/>
               <a:t>, MVC</a:t>
             </a:r>
           </a:p>
@@ -10347,7 +10086,7 @@
               <a:buNone/>
             </a:pPr>
             <a:r>
-              <a:rPr lang="en-US" sz="1800" dirty="0" smtClean="0"/>
+              <a:rPr lang="en-US" sz="1800" dirty="0"/>
               <a:t>- Back end:   Java web J2EE + Spring MVC framework + Hibernate</a:t>
             </a:r>
           </a:p>
@@ -10356,7 +10095,7 @@
               <a:buNone/>
             </a:pPr>
             <a:r>
-              <a:rPr lang="en-US" sz="1800" dirty="0" smtClean="0"/>
+              <a:rPr lang="en-US" sz="1800" dirty="0"/>
               <a:t>                      Node.js + Express framework</a:t>
             </a:r>
           </a:p>
@@ -10364,37 +10103,32 @@
             <a:pPr marL="0" indent="0">
               <a:buNone/>
             </a:pPr>
-            <a:endParaRPr lang="en-US" sz="1800" dirty="0" smtClean="0"/>
+            <a:endParaRPr lang="en-US" sz="1800" dirty="0"/>
           </a:p>
           <a:p>
             <a:pPr marL="0" indent="0">
               <a:buNone/>
             </a:pPr>
             <a:r>
-              <a:rPr lang="en-US" sz="1800" dirty="0" smtClean="0"/>
+              <a:rPr lang="en-US" sz="1800" dirty="0"/>
               <a:t>- Front end:   HTML5, CSS3, </a:t>
             </a:r>
             <a:r>
-              <a:rPr lang="en-US" sz="1800" dirty="0" err="1" smtClean="0"/>
+              <a:rPr lang="en-US" sz="1800" dirty="0" err="1"/>
               <a:t>Javascript</a:t>
             </a:r>
             <a:r>
-              <a:rPr lang="en-US" sz="1800" dirty="0" smtClean="0"/>
+              <a:rPr lang="en-US" sz="1800" dirty="0"/>
               <a:t>, </a:t>
             </a:r>
             <a:r>
-              <a:rPr lang="en-US" sz="1800" dirty="0" err="1" smtClean="0"/>
+              <a:rPr lang="en-US" sz="1800" dirty="0" err="1"/>
               <a:t>Jquery</a:t>
             </a:r>
             <a:r>
-              <a:rPr lang="en-US" sz="1800" dirty="0" smtClean="0"/>
-              <a:t>, </a:t>
-            </a:r>
-            <a:r>
               <a:rPr lang="en-US" sz="1800" dirty="0"/>
-              <a:t>Bootstrap</a:t>
-            </a:r>
-            <a:endParaRPr lang="en-US" sz="1800" dirty="0" smtClean="0"/>
+              <a:t>, Bootstrap</a:t>
+            </a:r>
           </a:p>
           <a:p>
             <a:pPr marL="0" indent="0">
@@ -10402,33 +10136,29 @@
             </a:pPr>
             <a:r>
               <a:rPr lang="en-US" sz="1800" dirty="0"/>
-              <a:t> </a:t>
-            </a:r>
-            <a:r>
-              <a:rPr lang="en-US" sz="1800" dirty="0" smtClean="0"/>
-              <a:t>                     Angular JS and Angular 2 framework</a:t>
+              <a:t>                      Angular JS and Angular 2 framework</a:t>
             </a:r>
           </a:p>
           <a:p>
             <a:pPr marL="0" indent="0">
               <a:buNone/>
             </a:pPr>
-            <a:endParaRPr lang="en-US" sz="1800" dirty="0" smtClean="0"/>
+            <a:endParaRPr lang="en-US" sz="1800" dirty="0"/>
           </a:p>
           <a:p>
             <a:pPr marL="0" indent="0">
               <a:buNone/>
             </a:pPr>
             <a:r>
-              <a:rPr lang="en-US" sz="1800" dirty="0" smtClean="0"/>
+              <a:rPr lang="en-US" sz="1800" dirty="0"/>
               <a:t>- Database:  </a:t>
             </a:r>
             <a:r>
-              <a:rPr lang="en-US" sz="1800" dirty="0" err="1" smtClean="0"/>
+              <a:rPr lang="en-US" sz="1800" dirty="0" err="1"/>
               <a:t>MongoDB</a:t>
             </a:r>
             <a:r>
-              <a:rPr lang="en-US" sz="1800" dirty="0" smtClean="0"/>
+              <a:rPr lang="en-US" sz="1800" dirty="0"/>
               <a:t>, SQL (MySQL &amp; MS SQL Server)</a:t>
             </a:r>
           </a:p>
@@ -10437,23 +10167,15 @@
               <a:buFontTx/>
               <a:buChar char="-"/>
             </a:pPr>
-            <a:endParaRPr lang="en-US" sz="1800" dirty="0" smtClean="0"/>
+            <a:endParaRPr lang="en-US" sz="1800" dirty="0"/>
           </a:p>
           <a:p>
             <a:pPr marL="0" indent="0">
               <a:buNone/>
             </a:pPr>
             <a:r>
-              <a:rPr lang="en-US" sz="1800" dirty="0" smtClean="0"/>
-              <a:t>- Build and Deploy: </a:t>
-            </a:r>
-            <a:r>
               <a:rPr lang="en-US" sz="1800" dirty="0"/>
-              <a:t>maven </a:t>
-            </a:r>
-            <a:r>
-              <a:rPr lang="en-US" sz="1800" dirty="0" smtClean="0"/>
-              <a:t>with Glassfish, Tomcat, </a:t>
+              <a:t>- Build and Deploy: maven with Glassfish, Tomcat, </a:t>
             </a:r>
             <a:r>
               <a:rPr lang="en-US" sz="1800" dirty="0" err="1"/>
@@ -10464,28 +10186,28 @@
               <a:t> with </a:t>
             </a:r>
             <a:r>
-              <a:rPr lang="en-US" sz="1800" dirty="0" err="1" smtClean="0"/>
+              <a:rPr lang="en-US" sz="1800" dirty="0" err="1"/>
               <a:t>npm</a:t>
             </a:r>
-            <a:endParaRPr lang="en-US" sz="1800" dirty="0" smtClean="0"/>
+            <a:endParaRPr lang="en-US" sz="1800" dirty="0"/>
           </a:p>
           <a:p>
             <a:pPr marL="285750" indent="-285750">
               <a:buFontTx/>
               <a:buChar char="-"/>
             </a:pPr>
-            <a:endParaRPr lang="en-US" sz="1800" dirty="0" smtClean="0"/>
+            <a:endParaRPr lang="en-US" sz="1800" dirty="0"/>
           </a:p>
           <a:p>
             <a:pPr marL="0" indent="0">
               <a:buNone/>
             </a:pPr>
             <a:r>
-              <a:rPr lang="en-US" sz="1800" dirty="0" smtClean="0"/>
+              <a:rPr lang="en-US" sz="1800" dirty="0"/>
               <a:t>- Online server: heroku.com, mlab.com, f</a:t>
             </a:r>
             <a:r>
-              <a:rPr lang="en-US" sz="1600" dirty="0" smtClean="0"/>
+              <a:rPr lang="en-US" sz="1600" dirty="0"/>
               <a:t>reesqldatabase.com</a:t>
             </a:r>
             <a:endParaRPr lang="en-US" sz="1800" dirty="0"/>
@@ -10495,42 +10217,42 @@
               <a:buNone/>
             </a:pPr>
             <a:r>
-              <a:rPr lang="en-US" sz="1800" dirty="0" smtClean="0"/>
+              <a:rPr lang="en-US" sz="1800" dirty="0"/>
               <a:t>- Version control: </a:t>
             </a:r>
             <a:r>
-              <a:rPr lang="en-US" sz="1800" dirty="0" err="1" smtClean="0"/>
+              <a:rPr lang="en-US" sz="1800" dirty="0" err="1"/>
               <a:t>Git</a:t>
             </a:r>
-            <a:endParaRPr lang="en-US" sz="1800" dirty="0" smtClean="0"/>
+            <a:endParaRPr lang="en-US" sz="1800" dirty="0"/>
           </a:p>
           <a:p>
             <a:pPr marL="285750" indent="-285750">
               <a:buFontTx/>
               <a:buChar char="-"/>
             </a:pPr>
-            <a:endParaRPr lang="en-US" sz="1800" dirty="0" smtClean="0"/>
+            <a:endParaRPr lang="en-US" sz="1800" dirty="0"/>
           </a:p>
           <a:p>
             <a:pPr marL="0" indent="0">
               <a:buNone/>
             </a:pPr>
             <a:r>
-              <a:rPr lang="en-US" sz="1800" dirty="0" smtClean="0"/>
+              <a:rPr lang="en-US" sz="1800" dirty="0"/>
               <a:t>- Project management tool: </a:t>
             </a:r>
             <a:r>
-              <a:rPr lang="en-US" sz="1800" dirty="0" err="1" smtClean="0"/>
+              <a:rPr lang="en-US" sz="1800" dirty="0" err="1"/>
               <a:t>Trello</a:t>
             </a:r>
-            <a:endParaRPr lang="en-US" sz="1800" dirty="0" smtClean="0"/>
+            <a:endParaRPr lang="en-US" sz="1800" dirty="0"/>
           </a:p>
           <a:p>
             <a:pPr marL="285750" indent="-285750">
               <a:buFontTx/>
               <a:buChar char="-"/>
             </a:pPr>
-            <a:endParaRPr lang="en-US" sz="1800" dirty="0" smtClean="0"/>
+            <a:endParaRPr lang="en-US" sz="1800" dirty="0"/>
           </a:p>
           <a:p>
             <a:pPr marL="0" indent="0">
@@ -10538,70 +10260,54 @@
             </a:pPr>
             <a:r>
               <a:rPr lang="en-US" sz="1800" dirty="0"/>
-              <a:t>- Other </a:t>
-            </a:r>
-            <a:r>
-              <a:rPr lang="en-US" sz="1800" dirty="0" smtClean="0"/>
-              <a:t>tool: </a:t>
+              <a:t>- Other tool: Dreamweaver CS6 , UMLET, </a:t>
+            </a:r>
+            <a:r>
+              <a:rPr lang="en-US" sz="1800" dirty="0" err="1"/>
+              <a:t>Edraw</a:t>
             </a:r>
             <a:r>
               <a:rPr lang="en-US" sz="1800" dirty="0"/>
-              <a:t>Dreamweaver CS6 </a:t>
-            </a:r>
-            <a:r>
-              <a:rPr lang="en-US" sz="1800" dirty="0" smtClean="0"/>
-              <a:t>, UMLET, </a:t>
-            </a:r>
-            <a:r>
-              <a:rPr lang="en-US" sz="1800" dirty="0" err="1" smtClean="0"/>
-              <a:t>Edraw</a:t>
-            </a:r>
-            <a:r>
-              <a:rPr lang="en-US" sz="1800" dirty="0" smtClean="0"/>
               <a:t>, </a:t>
             </a:r>
             <a:r>
               <a:rPr lang="en-US" sz="1800" dirty="0" err="1"/>
-              <a:t>N</a:t>
-            </a:r>
-            <a:r>
-              <a:rPr lang="en-US" sz="1800" dirty="0" err="1" smtClean="0"/>
-              <a:t>etbeans</a:t>
-            </a:r>
-            <a:r>
-              <a:rPr lang="en-US" sz="1800" dirty="0" smtClean="0"/>
+              <a:t>Netbeans</a:t>
+            </a:r>
+            <a:r>
+              <a:rPr lang="en-US" sz="1800" dirty="0"/>
               <a:t>, </a:t>
             </a:r>
             <a:r>
-              <a:rPr lang="en-US" sz="1800" dirty="0" err="1" smtClean="0"/>
+              <a:rPr lang="en-US" sz="1800" dirty="0" err="1"/>
               <a:t>Vscode</a:t>
             </a:r>
             <a:r>
-              <a:rPr lang="en-US" sz="1800" dirty="0" smtClean="0"/>
+              <a:rPr lang="en-US" sz="1800" dirty="0"/>
               <a:t>, </a:t>
             </a:r>
             <a:r>
-              <a:rPr lang="en-US" sz="1800" dirty="0" err="1" smtClean="0"/>
+              <a:rPr lang="en-US" sz="1800" dirty="0" err="1"/>
               <a:t>RoboMongo</a:t>
             </a:r>
             <a:r>
-              <a:rPr lang="en-US" sz="1800" dirty="0" smtClean="0"/>
+              <a:rPr lang="en-US" sz="1800" dirty="0"/>
               <a:t>, </a:t>
             </a:r>
             <a:r>
-              <a:rPr lang="en-US" sz="1800" dirty="0" err="1" smtClean="0"/>
+              <a:rPr lang="en-US" sz="1800" dirty="0" err="1"/>
               <a:t>PHPmyadmin</a:t>
             </a:r>
             <a:r>
-              <a:rPr lang="en-US" sz="1800" dirty="0" smtClean="0"/>
+              <a:rPr lang="en-US" sz="1800" dirty="0"/>
               <a:t>, Sonar Lint, SQL Server Management Tool, </a:t>
             </a:r>
             <a:r>
-              <a:rPr lang="en-US" sz="1800" dirty="0" err="1" smtClean="0"/>
+              <a:rPr lang="en-US" sz="1800" dirty="0" err="1"/>
               <a:t>Erdaw</a:t>
             </a:r>
             <a:r>
-              <a:rPr lang="en-US" sz="1800" dirty="0" smtClean="0"/>
+              <a:rPr lang="en-US" sz="1800" dirty="0"/>
               <a:t>, </a:t>
             </a:r>
           </a:p>
@@ -10623,13 +10329,6 @@
   <p:clrMapOvr>
     <a:masterClrMapping/>
   </p:clrMapOvr>
-  <p:timing>
-    <p:tnLst>
-      <p:par>
-        <p:cTn id="1" dur="indefinite" restart="never" nodeType="tmRoot"/>
-      </p:par>
-    </p:tnLst>
-  </p:timing>
 </p:sld>
 </file>
 
@@ -10673,7 +10372,7 @@
           <a:lstStyle/>
           <a:p>
             <a:r>
-              <a:rPr lang="en-US" sz="4400" b="1" dirty="0" smtClean="0">
+              <a:rPr lang="en-US" sz="4400" b="1" dirty="0">
                 <a:effectLst/>
                 <a:latin typeface="Times New Roman" pitchFamily="18" charset="0"/>
                 <a:cs typeface="Times New Roman" pitchFamily="18" charset="0"/>
@@ -10702,13 +10401,6 @@
   <p:clrMapOvr>
     <a:masterClrMapping/>
   </p:clrMapOvr>
-  <p:timing>
-    <p:tnLst>
-      <p:par>
-        <p:cTn id="1" dur="indefinite" restart="never" nodeType="tmRoot"/>
-      </p:par>
-    </p:tnLst>
-  </p:timing>
 </p:sld>
 </file>
 
@@ -10750,89 +10442,36 @@
           </a:bodyPr>
           <a:lstStyle/>
           <a:p>
-            <a:endParaRPr lang="en-US" dirty="0" smtClean="0"/>
-          </a:p>
-          <a:p>
-            <a:r>
-              <a:rPr lang="en-US" dirty="0" smtClean="0"/>
-              <a:t>in </a:t>
-            </a:r>
+            <a:endParaRPr lang="en-US" dirty="0"/>
+          </a:p>
+          <a:p>
             <a:r>
               <a:rPr lang="en-US" dirty="0"/>
-              <a:t>many enormous hotels, management </a:t>
-            </a:r>
-            <a:r>
-              <a:rPr lang="en-US" dirty="0" smtClean="0"/>
-              <a:t>is very </a:t>
-            </a:r>
+              <a:t>in many enormous hotels, management is very difficult </a:t>
+            </a:r>
+          </a:p>
+          <a:p>
             <a:r>
               <a:rPr lang="en-US" dirty="0"/>
-              <a:t>difficult </a:t>
-            </a:r>
-          </a:p>
-          <a:p>
-            <a:r>
-              <a:rPr lang="en-US" dirty="0" smtClean="0"/>
-              <a:t>Booking only based </a:t>
-            </a:r>
+              <a:t>Booking only based on pen and paper is not convenient for both the customers and the receptionists</a:t>
+            </a:r>
+          </a:p>
+          <a:p>
+            <a:endParaRPr lang="en-US" dirty="0"/>
+          </a:p>
+          <a:p>
             <a:r>
               <a:rPr lang="en-US" dirty="0"/>
-              <a:t>on pen and paper </a:t>
-            </a:r>
-            <a:r>
-              <a:rPr lang="en-US" dirty="0" smtClean="0"/>
-              <a:t>is not </a:t>
-            </a:r>
-            <a:r>
-              <a:rPr lang="en-US" dirty="0"/>
-              <a:t>convenient for both the customers and the </a:t>
-            </a:r>
-            <a:r>
-              <a:rPr lang="en-US" dirty="0" smtClean="0"/>
-              <a:t>receptionists</a:t>
-            </a:r>
-          </a:p>
-          <a:p>
-            <a:endParaRPr lang="en-US" dirty="0"/>
-          </a:p>
-          <a:p>
-            <a:r>
-              <a:rPr lang="en-US" dirty="0"/>
-              <a:t>Customer have </a:t>
-            </a:r>
-            <a:r>
-              <a:rPr lang="en-US" dirty="0" smtClean="0"/>
-              <a:t>to </a:t>
-            </a:r>
-            <a:r>
-              <a:rPr lang="en-US" dirty="0"/>
-              <a:t>come </a:t>
-            </a:r>
-            <a:r>
-              <a:rPr lang="en-US" dirty="0" smtClean="0"/>
-              <a:t>directly to </a:t>
-            </a:r>
-            <a:r>
-              <a:rPr lang="en-US" dirty="0"/>
-              <a:t>hotel for booking =&gt; waste time, not </a:t>
-            </a:r>
-            <a:r>
-              <a:rPr lang="en-US" dirty="0" smtClean="0"/>
-              <a:t>comfortable</a:t>
-            </a:r>
-            <a:endParaRPr lang="en-US" dirty="0"/>
+              <a:t>Customer have to come directly to hotel for booking =&gt; waste time, not comfortable</a:t>
+            </a:r>
           </a:p>
           <a:p>
             <a:pPr>
               <a:defRPr/>
             </a:pPr>
             <a:r>
-              <a:rPr lang="en-US" dirty="0" smtClean="0"/>
-              <a:t>=&gt; </a:t>
-            </a:r>
-            <a:r>
               <a:rPr lang="en-US" dirty="0"/>
-              <a:t>need a hotel booking and reservation system</a:t>
+              <a:t>=&gt; need a hotel booking and reservation system</a:t>
             </a:r>
           </a:p>
           <a:p>
@@ -10843,7 +10482,7 @@
           </a:p>
           <a:p>
             <a:r>
-              <a:rPr lang="en-US" dirty="0" smtClean="0"/>
+              <a:rPr lang="en-US" dirty="0"/>
               <a:t>.</a:t>
             </a:r>
           </a:p>
@@ -10897,10 +10536,9 @@
           <a:lstStyle/>
           <a:p>
             <a:r>
-              <a:rPr lang="en-US" dirty="0" smtClean="0"/>
+              <a:rPr lang="en-US" dirty="0"/>
               <a:t>Problem</a:t>
             </a:r>
-            <a:endParaRPr lang="en-US" dirty="0"/>
           </a:p>
         </p:txBody>
       </p:sp>
@@ -11347,13 +10985,13 @@
             <a:pPr marL="0" indent="0">
               <a:buNone/>
             </a:pPr>
-            <a:endParaRPr lang="en-US" dirty="0" smtClean="0"/>
+            <a:endParaRPr lang="en-US" dirty="0"/>
           </a:p>
           <a:p>
             <a:pPr marL="0" indent="0">
               <a:buNone/>
             </a:pPr>
-            <a:endParaRPr lang="en-US" dirty="0" smtClean="0"/>
+            <a:endParaRPr lang="en-US" dirty="0"/>
           </a:p>
         </p:txBody>
       </p:sp>
@@ -11378,10 +11016,9 @@
           <a:lstStyle/>
           <a:p>
             <a:r>
-              <a:rPr lang="en-US" dirty="0" smtClean="0"/>
+              <a:rPr lang="en-US" dirty="0"/>
               <a:t>Modern Hotel System</a:t>
             </a:r>
-            <a:endParaRPr lang="en-US" dirty="0"/>
           </a:p>
         </p:txBody>
       </p:sp>
@@ -11461,12 +11098,8 @@
           <a:lstStyle/>
           <a:p>
             <a:r>
-              <a:rPr lang="en-US" dirty="0" smtClean="0"/>
-              <a:t>Many </a:t>
-            </a:r>
-            <a:r>
               <a:rPr lang="en-US" dirty="0"/>
-              <a:t>deluxe hotels or five stars hotels in the world already have their own hotel booking systems</a:t>
+              <a:t>Many deluxe hotels or five stars hotels in the world already have their own hotel booking systems</a:t>
             </a:r>
           </a:p>
         </p:txBody>
@@ -11494,15 +11127,7 @@
           <a:p>
             <a:r>
               <a:rPr lang="en-US" dirty="0"/>
-              <a:t>In developing technology industry, </a:t>
-            </a:r>
-            <a:r>
-              <a:rPr lang="en-US" dirty="0" smtClean="0"/>
-              <a:t>their systems have </a:t>
-            </a:r>
-            <a:r>
-              <a:rPr lang="en-US" dirty="0"/>
-              <a:t>friendly user interface, high performance and especially the ability to track the behavior of customers</a:t>
+              <a:t>In developing technology industry, their systems have friendly user interface, high performance and especially the ability to track the behavior of customers</a:t>
             </a:r>
           </a:p>
         </p:txBody>
@@ -11919,18 +11544,13 @@
           <a:lstStyle/>
           <a:p>
             <a:r>
-              <a:rPr lang="en-US" sz="4400" b="1" dirty="0" smtClean="0">
+              <a:rPr lang="en-US" sz="4400" b="1" dirty="0">
                 <a:effectLst/>
                 <a:latin typeface="Times New Roman" pitchFamily="18" charset="0"/>
                 <a:cs typeface="Times New Roman" pitchFamily="18" charset="0"/>
               </a:rPr>
               <a:t>III. GOAL AND SCOPE</a:t>
             </a:r>
-            <a:endParaRPr lang="en-US" sz="4400" b="1" dirty="0">
-              <a:effectLst/>
-              <a:latin typeface="Times New Roman" pitchFamily="18" charset="0"/>
-              <a:cs typeface="Times New Roman" pitchFamily="18" charset="0"/>
-            </a:endParaRPr>
           </a:p>
         </p:txBody>
       </p:sp>
@@ -11944,13 +11564,6 @@
   <p:clrMapOvr>
     <a:masterClrMapping/>
   </p:clrMapOvr>
-  <p:timing>
-    <p:tnLst>
-      <p:par>
-        <p:cTn id="1" dur="indefinite" restart="never" nodeType="tmRoot"/>
-      </p:par>
-    </p:tnLst>
-  </p:timing>
 </p:sld>
 </file>
 
@@ -11993,7 +11606,7 @@
           <a:lstStyle/>
           <a:p>
             <a:r>
-              <a:rPr lang="en-US" dirty="0" smtClean="0"/>
+              <a:rPr lang="en-US" dirty="0"/>
               <a:t>experiment </a:t>
             </a:r>
             <a:r>
@@ -12004,19 +11617,14 @@
               <a:rPr lang="en-US" dirty="0"/>
               <a:t> technology with MEAN stack and Spring MVC Hibernate </a:t>
             </a:r>
-            <a:endParaRPr lang="en-US" dirty="0" smtClean="0"/>
-          </a:p>
-          <a:p>
-            <a:endParaRPr lang="en-US" dirty="0" smtClean="0"/>
-          </a:p>
-          <a:p>
-            <a:r>
-              <a:rPr lang="en-US" dirty="0" smtClean="0"/>
-              <a:t>features </a:t>
-            </a:r>
+          </a:p>
+          <a:p>
+            <a:endParaRPr lang="en-US" dirty="0"/>
+          </a:p>
+          <a:p>
             <a:r>
               <a:rPr lang="en-US" dirty="0"/>
-              <a:t>similar to some other modern five-star hotel system. </a:t>
+              <a:t>features similar to some other modern five-star hotel system. </a:t>
             </a:r>
           </a:p>
         </p:txBody>
@@ -12043,46 +11651,33 @@
           <a:lstStyle/>
           <a:p>
             <a:r>
-              <a:rPr lang="en-US" dirty="0" smtClean="0"/>
+              <a:rPr lang="en-US" dirty="0"/>
               <a:t>Two responsive websites with apply </a:t>
             </a:r>
             <a:r>
-              <a:rPr lang="en-US" dirty="0" err="1" smtClean="0"/>
+              <a:rPr lang="en-US" dirty="0" err="1"/>
               <a:t>Mircoservices</a:t>
             </a:r>
             <a:r>
-              <a:rPr lang="en-US" dirty="0" smtClean="0"/>
+              <a:rPr lang="en-US" dirty="0"/>
               <a:t>, Single Page Application, </a:t>
             </a:r>
             <a:r>
-              <a:rPr lang="en-US" dirty="0" err="1" smtClean="0"/>
+              <a:rPr lang="en-US" dirty="0" err="1"/>
               <a:t>RESTful</a:t>
-            </a:r>
-            <a:r>
-              <a:rPr lang="en-US" dirty="0" smtClean="0"/>
-              <a:t> </a:t>
-            </a:r>
-            <a:r>
-              <a:rPr lang="en-US" dirty="0" err="1" smtClean="0"/>
-              <a:t>webserivce</a:t>
             </a:r>
             <a:r>
               <a:rPr lang="en-US" dirty="0"/>
               <a:t> </a:t>
             </a:r>
             <a:r>
-              <a:rPr lang="en-US" dirty="0" smtClean="0"/>
-              <a:t>and </a:t>
+              <a:rPr lang="en-US" dirty="0" err="1"/>
+              <a:t>webserivce</a:t>
             </a:r>
             <a:r>
               <a:rPr lang="en-US" dirty="0"/>
-              <a:t>MVC architecture </a:t>
-            </a:r>
-            <a:r>
-              <a:rPr lang="en-US" dirty="0" smtClean="0"/>
-              <a:t>style.</a:t>
-            </a:r>
-            <a:endParaRPr lang="en-US" dirty="0"/>
+              <a:t> and MVC architecture style.</a:t>
+            </a:r>
           </a:p>
         </p:txBody>
       </p:sp>
@@ -12150,10 +11745,9 @@
           <a:lstStyle/>
           <a:p>
             <a:r>
-              <a:rPr lang="en-US" dirty="0" smtClean="0"/>
+              <a:rPr lang="en-US" dirty="0"/>
               <a:t>Goal and Scope</a:t>
             </a:r>
-            <a:endParaRPr lang="en-US" dirty="0"/>
           </a:p>
         </p:txBody>
       </p:sp>
@@ -12655,7 +12249,7 @@
             <a:pPr marL="0" indent="0">
               <a:buNone/>
             </a:pPr>
-            <a:endParaRPr lang="en-US" dirty="0" smtClean="0"/>
+            <a:endParaRPr lang="en-US" dirty="0"/>
           </a:p>
           <a:p>
             <a:endParaRPr lang="en-US" dirty="0"/>
@@ -12668,26 +12262,17 @@
           </a:p>
           <a:p>
             <a:r>
-              <a:rPr lang="en-US" sz="2400" dirty="0" smtClean="0"/>
-              <a:t>online </a:t>
-            </a:r>
-            <a:r>
               <a:rPr lang="en-US" sz="2400" dirty="0"/>
-              <a:t>single page web application </a:t>
-            </a:r>
-            <a:endParaRPr lang="en-US" sz="2400" dirty="0" smtClean="0"/>
+              <a:t>online single page web application </a:t>
+            </a:r>
           </a:p>
           <a:p>
             <a:endParaRPr lang="en-US" sz="2400" dirty="0"/>
           </a:p>
           <a:p>
             <a:r>
-              <a:rPr lang="en-US" sz="2400" dirty="0" smtClean="0"/>
-              <a:t>high </a:t>
-            </a:r>
-            <a:r>
               <a:rPr lang="en-US" sz="2400" dirty="0"/>
-              <a:t>performance and dynamically loading. </a:t>
+              <a:t>high performance and dynamically loading. </a:t>
             </a:r>
           </a:p>
           <a:p>
@@ -12696,38 +12281,17 @@
           <a:p>
             <a:r>
               <a:rPr lang="en-US" sz="2400" dirty="0"/>
-              <a:t>A lot of </a:t>
-            </a:r>
-            <a:r>
-              <a:rPr lang="en-US" sz="2400" dirty="0" smtClean="0"/>
-              <a:t>technologies </a:t>
-            </a:r>
+              <a:t>A lot of modern technologies are used to implement my system</a:t>
+            </a:r>
+          </a:p>
+          <a:p>
+            <a:endParaRPr lang="en-US" sz="2400" dirty="0"/>
+          </a:p>
+          <a:p>
             <a:r>
               <a:rPr lang="en-US" sz="2400" dirty="0"/>
-              <a:t>are used to implement my </a:t>
-            </a:r>
-            <a:r>
-              <a:rPr lang="en-US" sz="2400" dirty="0" smtClean="0"/>
-              <a:t>system</a:t>
-            </a:r>
-          </a:p>
-          <a:p>
-            <a:endParaRPr lang="en-US" sz="2400" dirty="0"/>
-          </a:p>
-          <a:p>
-            <a:r>
-              <a:rPr lang="en-US" sz="2400" dirty="0" smtClean="0"/>
-              <a:t>friendly </a:t>
-            </a:r>
-            <a:r>
-              <a:rPr lang="en-US" sz="2400" dirty="0"/>
-              <a:t>user interface which supports running on many </a:t>
-            </a:r>
-            <a:r>
-              <a:rPr lang="en-US" sz="2400" dirty="0" smtClean="0"/>
-              <a:t>browsers</a:t>
-            </a:r>
-            <a:endParaRPr lang="en-US" sz="2400" dirty="0"/>
+              <a:t>friendly user interface which supports running on many browsers</a:t>
+            </a:r>
           </a:p>
           <a:p>
             <a:endParaRPr lang="en-US" dirty="0"/>
@@ -12736,7 +12300,7 @@
             <a:pPr marL="0" indent="0">
               <a:buNone/>
             </a:pPr>
-            <a:endParaRPr lang="en-US" dirty="0" smtClean="0"/>
+            <a:endParaRPr lang="en-US" dirty="0"/>
           </a:p>
         </p:txBody>
       </p:sp>
@@ -12763,10 +12327,9 @@
           <a:lstStyle/>
           <a:p>
             <a:r>
-              <a:rPr lang="en-US" dirty="0" smtClean="0"/>
+              <a:rPr lang="en-US" dirty="0"/>
               <a:t>Goal and Scope</a:t>
             </a:r>
-            <a:endParaRPr lang="en-US" dirty="0"/>
           </a:p>
         </p:txBody>
       </p:sp>
@@ -13311,19 +12874,15 @@
           </a:bodyPr>
           <a:lstStyle/>
           <a:p>
-            <a:endParaRPr lang="en-US" dirty="0" smtClean="0"/>
-          </a:p>
-          <a:p>
             <a:endParaRPr lang="en-US" dirty="0"/>
           </a:p>
           <a:p>
+            <a:endParaRPr lang="en-US" dirty="0"/>
+          </a:p>
+          <a:p>
             <a:r>
               <a:rPr lang="en-US" dirty="0"/>
-              <a:t>almost features for hotel bookings &amp; reservations management with more than 60 features </a:t>
-            </a:r>
-            <a:r>
-              <a:rPr lang="en-US" dirty="0" smtClean="0"/>
-              <a:t>available</a:t>
+              <a:t>almost features for hotel bookings &amp; reservations management with more than 60 features available</a:t>
             </a:r>
           </a:p>
           <a:p>
@@ -13331,56 +12890,30 @@
           </a:p>
           <a:p>
             <a:r>
-              <a:rPr lang="en-US" dirty="0" smtClean="0"/>
-              <a:t>Ability </a:t>
-            </a:r>
-            <a:r>
               <a:rPr lang="en-US" dirty="0"/>
-              <a:t>to track user’s behavior</a:t>
-            </a:r>
-          </a:p>
-          <a:p>
-            <a:endParaRPr lang="en-US" dirty="0" smtClean="0"/>
+              <a:t>Ability to track user’s behavior</a:t>
+            </a:r>
           </a:p>
           <a:p>
             <a:endParaRPr lang="en-US" dirty="0"/>
           </a:p>
           <a:p>
-            <a:r>
-              <a:rPr lang="en-US" dirty="0" smtClean="0"/>
-              <a:t>automatically </a:t>
-            </a:r>
+            <a:endParaRPr lang="en-US" dirty="0"/>
+          </a:p>
+          <a:p>
             <a:r>
               <a:rPr lang="en-US" dirty="0"/>
-              <a:t>recommend rooms for </a:t>
-            </a:r>
-            <a:r>
-              <a:rPr lang="en-US" dirty="0" smtClean="0"/>
-              <a:t>user according </a:t>
-            </a:r>
+              <a:t>automatically recommend rooms for user according to the rooms they had interacted. </a:t>
+            </a:r>
+          </a:p>
+          <a:p>
+            <a:endParaRPr lang="en-US" dirty="0"/>
+          </a:p>
+          <a:p>
             <a:r>
               <a:rPr lang="en-US" dirty="0"/>
-              <a:t>to the rooms they had interacted. </a:t>
-            </a:r>
-            <a:endParaRPr lang="en-US" dirty="0" smtClean="0"/>
-          </a:p>
-          <a:p>
-            <a:endParaRPr lang="en-US" dirty="0"/>
-          </a:p>
-          <a:p>
-            <a:r>
-              <a:rPr lang="en-US" dirty="0" smtClean="0"/>
-              <a:t>hotel </a:t>
-            </a:r>
-            <a:r>
-              <a:rPr lang="en-US" dirty="0"/>
-              <a:t>owners can improve their hotel based on customers </a:t>
-            </a:r>
-            <a:r>
-              <a:rPr lang="en-US" dirty="0" smtClean="0"/>
-              <a:t>wish</a:t>
-            </a:r>
-            <a:endParaRPr lang="en-US" dirty="0"/>
+              <a:t>hotel owners can improve their hotel based on customers wish</a:t>
+            </a:r>
           </a:p>
         </p:txBody>
       </p:sp>
@@ -13407,10 +12940,9 @@
           <a:lstStyle/>
           <a:p>
             <a:r>
-              <a:rPr lang="en-US" dirty="0" smtClean="0"/>
+              <a:rPr lang="en-US" dirty="0"/>
               <a:t>Goal and Scope</a:t>
             </a:r>
-            <a:endParaRPr lang="en-US" dirty="0"/>
           </a:p>
         </p:txBody>
       </p:sp>
@@ -13950,10 +13482,9 @@
           <a:lstStyle/>
           <a:p>
             <a:r>
-              <a:rPr lang="en-US" dirty="0" smtClean="0"/>
+              <a:rPr lang="en-US" dirty="0"/>
               <a:t>Table of content</a:t>
             </a:r>
-            <a:endParaRPr lang="en-US" dirty="0"/>
           </a:p>
         </p:txBody>
       </p:sp>
@@ -13973,45 +13504,39 @@
           <a:lstStyle/>
           <a:p>
             <a:r>
-              <a:rPr lang="en-US" dirty="0" smtClean="0"/>
+              <a:rPr lang="en-US" dirty="0"/>
               <a:t>1. Technology</a:t>
             </a:r>
           </a:p>
           <a:p>
             <a:r>
-              <a:rPr lang="en-US" dirty="0" smtClean="0"/>
-              <a:t>2</a:t>
-            </a:r>
-            <a:r>
               <a:rPr lang="en-US" dirty="0"/>
-              <a:t>. Hotel Business Industry</a:t>
-            </a:r>
-            <a:endParaRPr lang="en-US" dirty="0" smtClean="0"/>
-          </a:p>
-          <a:p>
-            <a:r>
-              <a:rPr lang="en-US" dirty="0" smtClean="0"/>
+              <a:t>2. Hotel Business Industry</a:t>
+            </a:r>
+          </a:p>
+          <a:p>
+            <a:r>
+              <a:rPr lang="en-US" dirty="0"/>
               <a:t>3. Goal and Scope</a:t>
             </a:r>
           </a:p>
           <a:p>
             <a:r>
-              <a:rPr lang="en-US" dirty="0" smtClean="0"/>
+              <a:rPr lang="en-US" dirty="0"/>
               <a:t>4. Features</a:t>
             </a:r>
           </a:p>
           <a:p>
             <a:r>
-              <a:rPr lang="en-US" dirty="0" smtClean="0"/>
+              <a:rPr lang="en-US" dirty="0"/>
               <a:t>5. System Architecture</a:t>
             </a:r>
           </a:p>
           <a:p>
             <a:r>
-              <a:rPr lang="en-US" dirty="0" smtClean="0"/>
+              <a:rPr lang="en-US" dirty="0"/>
               <a:t>6. Demo</a:t>
             </a:r>
-            <a:endParaRPr lang="en-US" dirty="0"/>
           </a:p>
         </p:txBody>
       </p:sp>
@@ -14025,13 +13550,6 @@
   <p:clrMapOvr>
     <a:masterClrMapping/>
   </p:clrMapOvr>
-  <p:timing>
-    <p:tnLst>
-      <p:par>
-        <p:cTn id="1" dur="indefinite" restart="never" nodeType="tmRoot"/>
-      </p:par>
-    </p:tnLst>
-  </p:timing>
 </p:sld>
 </file>
 
@@ -14075,18 +13593,13 @@
           <a:lstStyle/>
           <a:p>
             <a:r>
-              <a:rPr lang="en-US" sz="4400" b="1" dirty="0" smtClean="0">
+              <a:rPr lang="en-US" sz="4400" b="1" dirty="0">
                 <a:effectLst/>
                 <a:latin typeface="Times New Roman" pitchFamily="18" charset="0"/>
                 <a:cs typeface="Times New Roman" pitchFamily="18" charset="0"/>
               </a:rPr>
               <a:t>IV. FEATURES</a:t>
             </a:r>
-            <a:endParaRPr lang="en-US" sz="4400" b="1" dirty="0">
-              <a:effectLst/>
-              <a:latin typeface="Times New Roman" pitchFamily="18" charset="0"/>
-              <a:cs typeface="Times New Roman" pitchFamily="18" charset="0"/>
-            </a:endParaRPr>
           </a:p>
         </p:txBody>
       </p:sp>
@@ -14100,13 +13613,6 @@
   <p:clrMapOvr>
     <a:masterClrMapping/>
   </p:clrMapOvr>
-  <p:timing>
-    <p:tnLst>
-      <p:par>
-        <p:cTn id="1" dur="indefinite" restart="never" nodeType="tmRoot"/>
-      </p:par>
-    </p:tnLst>
-  </p:timing>
 </p:sld>
 </file>
 
@@ -14156,43 +13662,26 @@
           </a:p>
           <a:p>
             <a:r>
-              <a:rPr lang="en-US" dirty="0" smtClean="0"/>
+              <a:rPr lang="en-US" dirty="0"/>
               <a:t>Support more than 60 features</a:t>
             </a:r>
           </a:p>
           <a:p>
-            <a:endParaRPr lang="en-US" dirty="0" smtClean="0"/>
-          </a:p>
-          <a:p>
-            <a:r>
-              <a:rPr lang="en-US" dirty="0" smtClean="0"/>
+            <a:endParaRPr lang="en-US" dirty="0"/>
+          </a:p>
+          <a:p>
+            <a:r>
+              <a:rPr lang="en-US" dirty="0"/>
               <a:t>3 roles guest, customers, admin</a:t>
             </a:r>
           </a:p>
           <a:p>
-            <a:endParaRPr lang="en-US" dirty="0" smtClean="0"/>
+            <a:endParaRPr lang="en-US" dirty="0"/>
           </a:p>
           <a:p>
             <a:r>
               <a:rPr lang="en-US" dirty="0"/>
-              <a:t>Hotel </a:t>
-            </a:r>
-            <a:r>
-              <a:rPr lang="en-US" dirty="0" smtClean="0"/>
-              <a:t>business features for each role</a:t>
-            </a:r>
-          </a:p>
-          <a:p>
-            <a:endParaRPr lang="en-US" dirty="0" smtClean="0"/>
-          </a:p>
-          <a:p>
-            <a:r>
-              <a:rPr lang="en-US" dirty="0" smtClean="0"/>
-              <a:t>Tracking </a:t>
-            </a:r>
-            <a:r>
-              <a:rPr lang="en-US" dirty="0" smtClean="0"/>
-              <a:t>features</a:t>
+              <a:t>Hotel business features for each role</a:t>
             </a:r>
           </a:p>
           <a:p>
@@ -14200,13 +13689,21 @@
           </a:p>
           <a:p>
             <a:r>
-              <a:rPr lang="en-US" dirty="0" smtClean="0"/>
+              <a:rPr lang="en-US" dirty="0"/>
+              <a:t>Tracking features</a:t>
+            </a:r>
+          </a:p>
+          <a:p>
+            <a:endParaRPr lang="en-US" dirty="0"/>
+          </a:p>
+          <a:p>
+            <a:r>
+              <a:rPr lang="en-US" dirty="0"/>
               <a:t>Recommendation feature</a:t>
             </a:r>
+          </a:p>
+          <a:p>
             <a:endParaRPr lang="en-US" dirty="0"/>
-          </a:p>
-          <a:p>
-            <a:endParaRPr lang="en-US" dirty="0" smtClean="0"/>
           </a:p>
           <a:p>
             <a:endParaRPr lang="en-US" dirty="0"/>
@@ -14215,13 +13712,13 @@
             <a:pPr marL="0" indent="0">
               <a:buNone/>
             </a:pPr>
-            <a:endParaRPr lang="en-US" dirty="0" smtClean="0"/>
+            <a:endParaRPr lang="en-US" dirty="0"/>
           </a:p>
           <a:p>
             <a:pPr marL="0" indent="0">
               <a:buNone/>
             </a:pPr>
-            <a:endParaRPr lang="en-US" dirty="0" smtClean="0"/>
+            <a:endParaRPr lang="en-US" dirty="0"/>
           </a:p>
         </p:txBody>
       </p:sp>
@@ -14246,10 +13743,9 @@
           <a:lstStyle/>
           <a:p>
             <a:r>
-              <a:rPr lang="en-US" dirty="0" smtClean="0"/>
+              <a:rPr lang="en-US" dirty="0"/>
               <a:t>Features</a:t>
             </a:r>
-            <a:endParaRPr lang="en-US" dirty="0"/>
           </a:p>
         </p:txBody>
       </p:sp>
@@ -14904,10 +14400,9 @@
           <a:lstStyle/>
           <a:p>
             <a:r>
-              <a:rPr lang="en-US" dirty="0" smtClean="0"/>
+              <a:rPr lang="en-US" dirty="0"/>
               <a:t>Use case</a:t>
             </a:r>
-            <a:endParaRPr lang="en-US" dirty="0"/>
           </a:p>
         </p:txBody>
       </p:sp>
@@ -14975,13 +14470,6 @@
   <p:clrMapOvr>
     <a:masterClrMapping/>
   </p:clrMapOvr>
-  <p:timing>
-    <p:tnLst>
-      <p:par>
-        <p:cTn id="1" dur="indefinite" restart="never" nodeType="tmRoot"/>
-      </p:par>
-    </p:tnLst>
-  </p:timing>
 </p:sld>
 </file>
 
@@ -15025,18 +14513,13 @@
           <a:lstStyle/>
           <a:p>
             <a:r>
-              <a:rPr lang="en-US" sz="4400" b="1" dirty="0" smtClean="0">
+              <a:rPr lang="en-US" sz="4400" b="1" dirty="0">
                 <a:effectLst/>
                 <a:latin typeface="Times New Roman" pitchFamily="18" charset="0"/>
                 <a:cs typeface="Times New Roman" pitchFamily="18" charset="0"/>
               </a:rPr>
               <a:t>V. SYSTEM ARCHITECTURE</a:t>
             </a:r>
-            <a:endParaRPr lang="en-US" sz="4400" b="1" dirty="0">
-              <a:effectLst/>
-              <a:latin typeface="Times New Roman" pitchFamily="18" charset="0"/>
-              <a:cs typeface="Times New Roman" pitchFamily="18" charset="0"/>
-            </a:endParaRPr>
           </a:p>
         </p:txBody>
       </p:sp>
@@ -15050,13 +14533,6 @@
   <p:clrMapOvr>
     <a:masterClrMapping/>
   </p:clrMapOvr>
-  <p:timing>
-    <p:tnLst>
-      <p:par>
-        <p:cTn id="1" dur="indefinite" restart="never" nodeType="tmRoot"/>
-      </p:par>
-    </p:tnLst>
-  </p:timing>
 </p:sld>
 </file>
 
@@ -15139,10 +14615,9 @@
           <a:lstStyle/>
           <a:p>
             <a:r>
-              <a:rPr lang="en-US" dirty="0" smtClean="0"/>
+              <a:rPr lang="en-US" dirty="0"/>
               <a:t>System architecture</a:t>
             </a:r>
-            <a:endParaRPr lang="en-US" dirty="0"/>
           </a:p>
         </p:txBody>
       </p:sp>
@@ -15156,13 +14631,6 @@
   <p:clrMapOvr>
     <a:masterClrMapping/>
   </p:clrMapOvr>
-  <p:timing>
-    <p:tnLst>
-      <p:par>
-        <p:cTn id="1" dur="indefinite" restart="never" nodeType="tmRoot"/>
-      </p:par>
-    </p:tnLst>
-  </p:timing>
 </p:sld>
 </file>
 
@@ -15206,18 +14674,13 @@
           <a:lstStyle/>
           <a:p>
             <a:r>
-              <a:rPr lang="en-US" sz="4400" b="1" dirty="0" smtClean="0">
+              <a:rPr lang="en-US" sz="4400" b="1" dirty="0">
                 <a:effectLst/>
                 <a:latin typeface="Times New Roman" pitchFamily="18" charset="0"/>
                 <a:cs typeface="Times New Roman" pitchFamily="18" charset="0"/>
               </a:rPr>
               <a:t>V. System Architecture</a:t>
             </a:r>
-            <a:endParaRPr lang="en-US" sz="4400" b="1" dirty="0">
-              <a:effectLst/>
-              <a:latin typeface="Times New Roman" pitchFamily="18" charset="0"/>
-              <a:cs typeface="Times New Roman" pitchFamily="18" charset="0"/>
-            </a:endParaRPr>
           </a:p>
         </p:txBody>
       </p:sp>
@@ -15272,13 +14735,6 @@
   <p:clrMapOvr>
     <a:masterClrMapping/>
   </p:clrMapOvr>
-  <p:timing>
-    <p:tnLst>
-      <p:par>
-        <p:cTn id="1" dur="indefinite" restart="never" nodeType="tmRoot"/>
-      </p:par>
-    </p:tnLst>
-  </p:timing>
 </p:sld>
 </file>
 
@@ -15322,18 +14778,13 @@
           <a:lstStyle/>
           <a:p>
             <a:r>
-              <a:rPr lang="en-US" sz="4400" b="1" dirty="0" smtClean="0">
+              <a:rPr lang="en-US" sz="4400" b="1" dirty="0">
                 <a:effectLst/>
                 <a:latin typeface="Times New Roman" pitchFamily="18" charset="0"/>
                 <a:cs typeface="Times New Roman" pitchFamily="18" charset="0"/>
               </a:rPr>
               <a:t>VI. Demo</a:t>
             </a:r>
-            <a:endParaRPr lang="en-US" sz="4400" b="1" dirty="0">
-              <a:effectLst/>
-              <a:latin typeface="Times New Roman" pitchFamily="18" charset="0"/>
-              <a:cs typeface="Times New Roman" pitchFamily="18" charset="0"/>
-            </a:endParaRPr>
           </a:p>
         </p:txBody>
       </p:sp>
@@ -15347,13 +14798,6 @@
   <p:clrMapOvr>
     <a:masterClrMapping/>
   </p:clrMapOvr>
-  <p:timing>
-    <p:tnLst>
-      <p:par>
-        <p:cTn id="1" dur="indefinite" restart="never" nodeType="tmRoot"/>
-      </p:par>
-    </p:tnLst>
-  </p:timing>
 </p:sld>
 </file>
 
@@ -15397,18 +14841,13 @@
           <a:lstStyle/>
           <a:p>
             <a:r>
-              <a:rPr lang="en-US" sz="4400" b="1" dirty="0" smtClean="0">
+              <a:rPr lang="en-US" sz="4400" b="1" dirty="0">
                 <a:effectLst/>
                 <a:latin typeface="Times New Roman" pitchFamily="18" charset="0"/>
                 <a:cs typeface="Times New Roman" pitchFamily="18" charset="0"/>
               </a:rPr>
               <a:t>I. Technology</a:t>
             </a:r>
-            <a:endParaRPr lang="en-US" sz="4400" b="1" dirty="0">
-              <a:effectLst/>
-              <a:latin typeface="Times New Roman" pitchFamily="18" charset="0"/>
-              <a:cs typeface="Times New Roman" pitchFamily="18" charset="0"/>
-            </a:endParaRPr>
           </a:p>
         </p:txBody>
       </p:sp>
@@ -15422,13 +14861,6 @@
   <p:clrMapOvr>
     <a:masterClrMapping/>
   </p:clrMapOvr>
-  <p:timing>
-    <p:tnLst>
-      <p:par>
-        <p:cTn id="1" dur="indefinite" restart="never" nodeType="tmRoot"/>
-      </p:par>
-    </p:tnLst>
-  </p:timing>
 </p:sld>
 </file>
 
@@ -15471,32 +14903,18 @@
           </a:bodyPr>
           <a:lstStyle/>
           <a:p>
-            <a:r>
-              <a:rPr lang="en-US" sz="4400" dirty="0" smtClean="0">
-                <a:latin typeface="Times New Roman" pitchFamily="18" charset="0"/>
-                <a:cs typeface="Times New Roman" pitchFamily="18" charset="0"/>
-              </a:rPr>
-              <a:t/>
-            </a:r>
             <a:br>
-              <a:rPr lang="en-US" sz="4400" dirty="0" smtClean="0">
+              <a:rPr lang="en-US" sz="4400" dirty="0">
                 <a:latin typeface="Times New Roman" pitchFamily="18" charset="0"/>
                 <a:cs typeface="Times New Roman" pitchFamily="18" charset="0"/>
               </a:rPr>
             </a:br>
             <a:r>
-              <a:rPr lang="en-US" sz="4400" dirty="0" err="1" smtClean="0">
+              <a:rPr lang="en-US" sz="4400" dirty="0" err="1">
                 <a:latin typeface="Times New Roman" pitchFamily="18" charset="0"/>
                 <a:cs typeface="Times New Roman" pitchFamily="18" charset="0"/>
               </a:rPr>
               <a:t>Mircoservices</a:t>
-            </a:r>
-            <a:r>
-              <a:rPr lang="en-US" sz="4400" dirty="0">
-                <a:latin typeface="Times New Roman" pitchFamily="18" charset="0"/>
-                <a:cs typeface="Times New Roman" pitchFamily="18" charset="0"/>
-              </a:rPr>
-              <a:t/>
             </a:r>
             <a:br>
               <a:rPr lang="en-US" sz="4400" dirty="0">
@@ -15738,10 +15156,9 @@
               <a:defRPr/>
             </a:pPr>
             <a:r>
-              <a:rPr lang="en-US" dirty="0" smtClean="0"/>
+              <a:rPr lang="en-US" dirty="0"/>
               <a:t>- Difficult to extend in the future</a:t>
             </a:r>
-            <a:endParaRPr lang="en-US" dirty="0"/>
           </a:p>
         </p:txBody>
       </p:sp>
@@ -15771,23 +15188,7 @@
             </a:pPr>
             <a:r>
               <a:rPr lang="en-US" dirty="0"/>
-              <a:t>- E</a:t>
-            </a:r>
-            <a:r>
-              <a:rPr lang="en-US" dirty="0" smtClean="0"/>
-              <a:t>ffort </a:t>
-            </a:r>
-            <a:r>
-              <a:rPr lang="en-US" dirty="0"/>
-              <a:t>to optimize, agile working method is </a:t>
-            </a:r>
-            <a:r>
-              <a:rPr lang="en-US" dirty="0" smtClean="0"/>
-              <a:t>ineffective</a:t>
-            </a:r>
-            <a:r>
-              <a:rPr lang="en-US" dirty="0"/>
-              <a:t>.</a:t>
+              <a:t>- Effort to optimize, agile working method is ineffective.</a:t>
             </a:r>
           </a:p>
         </p:txBody>
@@ -15833,13 +15234,6 @@
   <p:clrMapOvr>
     <a:masterClrMapping/>
   </p:clrMapOvr>
-  <p:timing>
-    <p:tnLst>
-      <p:par>
-        <p:cTn id="1" dur="indefinite" restart="never" nodeType="tmRoot"/>
-      </p:par>
-    </p:tnLst>
-  </p:timing>
 </p:sld>
 </file>
 
@@ -15936,32 +15330,18 @@
           </a:bodyPr>
           <a:lstStyle/>
           <a:p>
-            <a:r>
-              <a:rPr lang="en-US" sz="4400" dirty="0" smtClean="0">
-                <a:latin typeface="Times New Roman" pitchFamily="18" charset="0"/>
-                <a:cs typeface="Times New Roman" pitchFamily="18" charset="0"/>
-              </a:rPr>
-              <a:t/>
-            </a:r>
             <a:br>
-              <a:rPr lang="en-US" sz="4400" dirty="0" smtClean="0">
+              <a:rPr lang="en-US" sz="4400" dirty="0">
                 <a:latin typeface="Times New Roman" pitchFamily="18" charset="0"/>
                 <a:cs typeface="Times New Roman" pitchFamily="18" charset="0"/>
               </a:rPr>
             </a:br>
             <a:r>
-              <a:rPr lang="en-US" sz="4400" dirty="0" err="1" smtClean="0">
+              <a:rPr lang="en-US" sz="4400" dirty="0" err="1">
                 <a:latin typeface="Times New Roman" pitchFamily="18" charset="0"/>
                 <a:cs typeface="Times New Roman" pitchFamily="18" charset="0"/>
               </a:rPr>
               <a:t>Mircoservices</a:t>
-            </a:r>
-            <a:r>
-              <a:rPr lang="en-US" sz="4400" dirty="0">
-                <a:latin typeface="Times New Roman" pitchFamily="18" charset="0"/>
-                <a:cs typeface="Times New Roman" pitchFamily="18" charset="0"/>
-              </a:rPr>
-              <a:t/>
             </a:r>
             <a:br>
               <a:rPr lang="en-US" sz="4400" dirty="0">
@@ -15983,13 +15363,6 @@
   <p:clrMapOvr>
     <a:masterClrMapping/>
   </p:clrMapOvr>
-  <p:timing>
-    <p:tnLst>
-      <p:par>
-        <p:cTn id="1" dur="indefinite" restart="never" nodeType="tmRoot"/>
-      </p:par>
-    </p:tnLst>
-  </p:timing>
 </p:sld>
 </file>
 
@@ -16035,11 +15408,11 @@
               <a:defRPr/>
             </a:pPr>
             <a:r>
-              <a:rPr lang="en-US" dirty="0" err="1" smtClean="0"/>
+              <a:rPr lang="en-US" dirty="0" err="1"/>
               <a:t>Microservices</a:t>
             </a:r>
             <a:r>
-              <a:rPr lang="en-US" dirty="0" smtClean="0"/>
+              <a:rPr lang="en-US" dirty="0"/>
               <a:t> is an architectural style </a:t>
             </a:r>
           </a:p>
@@ -16054,16 +15427,8 @@
               <a:defRPr/>
             </a:pPr>
             <a:r>
-              <a:rPr lang="en-US" dirty="0" smtClean="0"/>
-              <a:t>Structured by collection </a:t>
-            </a:r>
-            <a:r>
               <a:rPr lang="en-US" dirty="0"/>
-              <a:t>of loosely coupled services </a:t>
-            </a:r>
-            <a:r>
-              <a:rPr lang="en-US" dirty="0" smtClean="0"/>
-              <a:t>.</a:t>
+              <a:t>Structured by collection of loosely coupled services .</a:t>
             </a:r>
           </a:p>
           <a:p>
@@ -16078,15 +15443,7 @@
             </a:pPr>
             <a:r>
               <a:rPr lang="en-US" dirty="0"/>
-              <a:t>E</a:t>
-            </a:r>
-            <a:r>
-              <a:rPr lang="en-US" dirty="0" smtClean="0"/>
-              <a:t>ach </a:t>
-            </a:r>
-            <a:r>
-              <a:rPr lang="en-US" dirty="0"/>
-              <a:t>service implements its own business capabilities</a:t>
+              <a:t>Each service implements its own business capabilities</a:t>
             </a:r>
           </a:p>
           <a:p>
@@ -16101,15 +15458,7 @@
             </a:pPr>
             <a:r>
               <a:rPr lang="en-US" dirty="0"/>
-              <a:t>M</a:t>
-            </a:r>
-            <a:r>
-              <a:rPr lang="en-US" dirty="0" smtClean="0"/>
-              <a:t>ost </a:t>
-            </a:r>
-            <a:r>
-              <a:rPr lang="en-US" dirty="0"/>
-              <a:t>popular used in many companies to implement large-scale projects</a:t>
+              <a:t>Most popular used in many companies to implement large-scale projects</a:t>
             </a:r>
           </a:p>
           <a:p>
@@ -16120,12 +15469,8 @@
               <a:defRPr/>
             </a:pPr>
             <a:r>
-              <a:rPr lang="en-US" dirty="0" smtClean="0"/>
-              <a:t>Allow to </a:t>
-            </a:r>
-            <a:r>
               <a:rPr lang="en-US" dirty="0"/>
-              <a:t>continuously deliver and deploy the large and complex applications. </a:t>
+              <a:t>Allow to continuously deliver and deploy the large and complex applications. </a:t>
             </a:r>
           </a:p>
         </p:txBody>
@@ -16152,32 +15497,18 @@
           </a:bodyPr>
           <a:lstStyle/>
           <a:p>
-            <a:r>
-              <a:rPr lang="en-US" sz="4400" dirty="0" smtClean="0">
-                <a:latin typeface="Times New Roman" pitchFamily="18" charset="0"/>
-                <a:cs typeface="Times New Roman" pitchFamily="18" charset="0"/>
-              </a:rPr>
-              <a:t/>
-            </a:r>
             <a:br>
-              <a:rPr lang="en-US" sz="4400" dirty="0" smtClean="0">
+              <a:rPr lang="en-US" sz="4400" dirty="0">
                 <a:latin typeface="Times New Roman" pitchFamily="18" charset="0"/>
                 <a:cs typeface="Times New Roman" pitchFamily="18" charset="0"/>
               </a:rPr>
             </a:br>
             <a:r>
-              <a:rPr lang="en-US" sz="4400" dirty="0" err="1" smtClean="0">
+              <a:rPr lang="en-US" sz="4400" dirty="0" err="1">
                 <a:latin typeface="Times New Roman" pitchFamily="18" charset="0"/>
                 <a:cs typeface="Times New Roman" pitchFamily="18" charset="0"/>
               </a:rPr>
               <a:t>Mircoservices</a:t>
-            </a:r>
-            <a:r>
-              <a:rPr lang="en-US" sz="4400" dirty="0">
-                <a:latin typeface="Times New Roman" pitchFamily="18" charset="0"/>
-                <a:cs typeface="Times New Roman" pitchFamily="18" charset="0"/>
-              </a:rPr>
-              <a:t/>
             </a:r>
             <a:br>
               <a:rPr lang="en-US" sz="4400" dirty="0">
@@ -16199,13 +15530,6 @@
   <p:clrMapOvr>
     <a:masterClrMapping/>
   </p:clrMapOvr>
-  <p:timing>
-    <p:tnLst>
-      <p:par>
-        <p:cTn id="1" dur="indefinite" restart="never" nodeType="tmRoot"/>
-      </p:par>
-    </p:tnLst>
-  </p:timing>
 </p:sld>
 </file>
 
@@ -16248,70 +15572,27 @@
           <a:lstStyle/>
           <a:p>
             <a:r>
-              <a:rPr lang="en-US" dirty="0" smtClean="0">
-                <a:latin typeface="+mj-lt"/>
-                <a:cs typeface="Times New Roman" pitchFamily="18" charset="0"/>
-              </a:rPr>
-              <a:t>common </a:t>
-            </a:r>
-            <a:r>
               <a:rPr lang="en-US" dirty="0">
                 <a:latin typeface="+mj-lt"/>
                 <a:cs typeface="Times New Roman" pitchFamily="18" charset="0"/>
               </a:rPr>
-              <a:t>framework </a:t>
-            </a:r>
-            <a:r>
-              <a:rPr lang="en-US" dirty="0" smtClean="0">
-                <a:latin typeface="+mj-lt"/>
-                <a:cs typeface="Times New Roman" pitchFamily="18" charset="0"/>
-              </a:rPr>
-              <a:t> for </a:t>
-            </a:r>
+              <a:t>common framework  for java </a:t>
+            </a:r>
+          </a:p>
+          <a:p>
+            <a:endParaRPr lang="en-US" dirty="0">
+              <a:latin typeface="+mj-lt"/>
+              <a:cs typeface="Times New Roman" pitchFamily="18" charset="0"/>
+            </a:endParaRPr>
+          </a:p>
+          <a:p>
             <a:r>
               <a:rPr lang="en-US" dirty="0">
                 <a:latin typeface="+mj-lt"/>
                 <a:cs typeface="Times New Roman" pitchFamily="18" charset="0"/>
               </a:rPr>
-              <a:t>java </a:t>
-            </a:r>
-            <a:endParaRPr lang="en-US" dirty="0" smtClean="0">
-              <a:latin typeface="+mj-lt"/>
-              <a:cs typeface="Times New Roman" pitchFamily="18" charset="0"/>
-            </a:endParaRPr>
-          </a:p>
-          <a:p>
-            <a:endParaRPr lang="en-US" dirty="0">
-              <a:latin typeface="+mj-lt"/>
-              <a:cs typeface="Times New Roman" pitchFamily="18" charset="0"/>
-            </a:endParaRPr>
-          </a:p>
-          <a:p>
-            <a:r>
-              <a:rPr lang="en-US" dirty="0" smtClean="0">
-                <a:latin typeface="+mj-lt"/>
-                <a:cs typeface="Times New Roman" pitchFamily="18" charset="0"/>
-              </a:rPr>
-              <a:t>support </a:t>
-            </a:r>
-            <a:r>
-              <a:rPr lang="en-US" dirty="0">
-                <a:latin typeface="+mj-lt"/>
-                <a:cs typeface="Times New Roman" pitchFamily="18" charset="0"/>
-              </a:rPr>
-              <a:t>building a J2EE web application follow MVC architecture on the server side</a:t>
-            </a:r>
-            <a:r>
-              <a:rPr lang="en-US" dirty="0" smtClean="0">
-                <a:latin typeface="+mj-lt"/>
-                <a:cs typeface="Times New Roman" pitchFamily="18" charset="0"/>
-              </a:rPr>
-              <a:t>.</a:t>
-            </a:r>
-            <a:endParaRPr lang="en-US" dirty="0">
-              <a:latin typeface="+mj-lt"/>
-              <a:cs typeface="Times New Roman" pitchFamily="18" charset="0"/>
-            </a:endParaRPr>
+              <a:t>support building a J2EE web application follow MVC architecture on the server side.</a:t>
+            </a:r>
           </a:p>
         </p:txBody>
       </p:sp>
@@ -16337,32 +15618,18 @@
           </a:bodyPr>
           <a:lstStyle/>
           <a:p>
-            <a:r>
-              <a:rPr lang="en-US" sz="4400" dirty="0" smtClean="0">
-                <a:latin typeface="Times New Roman" pitchFamily="18" charset="0"/>
-                <a:cs typeface="Times New Roman" pitchFamily="18" charset="0"/>
-              </a:rPr>
-              <a:t/>
-            </a:r>
             <a:br>
-              <a:rPr lang="en-US" sz="4400" dirty="0" smtClean="0">
+              <a:rPr lang="en-US" sz="4400" dirty="0">
                 <a:latin typeface="Times New Roman" pitchFamily="18" charset="0"/>
                 <a:cs typeface="Times New Roman" pitchFamily="18" charset="0"/>
               </a:rPr>
             </a:br>
             <a:r>
-              <a:rPr lang="en-US" sz="4400" dirty="0" smtClean="0">
+              <a:rPr lang="en-US" sz="4400" dirty="0">
                 <a:latin typeface="Times New Roman" pitchFamily="18" charset="0"/>
                 <a:cs typeface="Times New Roman" pitchFamily="18" charset="0"/>
               </a:rPr>
               <a:t>Spring MVC Hibernate</a:t>
-            </a:r>
-            <a:r>
-              <a:rPr lang="en-US" sz="4400" dirty="0">
-                <a:latin typeface="Times New Roman" pitchFamily="18" charset="0"/>
-                <a:cs typeface="Times New Roman" pitchFamily="18" charset="0"/>
-              </a:rPr>
-              <a:t/>
             </a:r>
             <a:br>
               <a:rPr lang="en-US" sz="4400" dirty="0">
@@ -16606,18 +15873,9 @@
           <a:lstStyle/>
           <a:p>
             <a:r>
-              <a:rPr lang="en-US" dirty="0" smtClean="0"/>
-              <a:t>object-relational </a:t>
-            </a:r>
-            <a:r>
               <a:rPr lang="en-US" dirty="0"/>
-              <a:t>mapping </a:t>
-            </a:r>
-            <a:r>
-              <a:rPr lang="en-US" dirty="0" smtClean="0"/>
-              <a:t>framework. </a:t>
-            </a:r>
-            <a:endParaRPr lang="en-US" dirty="0"/>
+              <a:t>object-relational mapping framework. </a:t>
+            </a:r>
           </a:p>
         </p:txBody>
       </p:sp>
@@ -16643,38 +15901,17 @@
           <a:lstStyle/>
           <a:p>
             <a:r>
-              <a:rPr lang="en-US" dirty="0" smtClean="0"/>
-              <a:t>one </a:t>
-            </a:r>
-            <a:r>
               <a:rPr lang="en-US" dirty="0"/>
-              <a:t>of the most popular programming </a:t>
-            </a:r>
-            <a:r>
-              <a:rPr lang="en-US" dirty="0" smtClean="0"/>
-              <a:t>language</a:t>
-            </a:r>
-            <a:endParaRPr lang="en-US" dirty="0" smtClean="0"/>
+              <a:t>one of the most popular programming language</a:t>
+            </a:r>
           </a:p>
           <a:p>
             <a:endParaRPr lang="en-US" dirty="0"/>
           </a:p>
           <a:p>
             <a:r>
-              <a:rPr lang="en-US" dirty="0" smtClean="0"/>
-              <a:t>powerfully </a:t>
-            </a:r>
-            <a:r>
               <a:rPr lang="en-US" dirty="0"/>
-              <a:t>supports </a:t>
-            </a:r>
-            <a:r>
-              <a:rPr lang="en-US" dirty="0" smtClean="0"/>
-              <a:t>Object </a:t>
-            </a:r>
-            <a:r>
-              <a:rPr lang="en-US" dirty="0"/>
-              <a:t>Oriented Programming</a:t>
+              <a:t>powerfully supports Object Oriented Programming</a:t>
             </a:r>
           </a:p>
         </p:txBody>
@@ -16756,15 +15993,7 @@
           <a:p>
             <a:r>
               <a:rPr lang="en-US" dirty="0"/>
-              <a:t>mapping </a:t>
-            </a:r>
-            <a:r>
-              <a:rPr lang="en-US" dirty="0" smtClean="0"/>
-              <a:t>model </a:t>
-            </a:r>
-            <a:r>
-              <a:rPr lang="en-US" dirty="0"/>
-              <a:t>to a relational database</a:t>
+              <a:t>mapping model to a relational database</a:t>
             </a:r>
           </a:p>
         </p:txBody>
@@ -16793,15 +16022,7 @@
             <a:pPr fontAlgn="base"/>
             <a:r>
               <a:rPr lang="en-US" dirty="0"/>
-              <a:t>q</a:t>
-            </a:r>
-            <a:r>
-              <a:rPr lang="en-US" dirty="0" smtClean="0"/>
-              <a:t>uery </a:t>
-            </a:r>
-            <a:r>
-              <a:rPr lang="en-US" dirty="0"/>
-              <a:t>language independency</a:t>
+              <a:t>query language independency</a:t>
             </a:r>
           </a:p>
         </p:txBody>
@@ -17598,60 +16819,35 @@
           <a:p>
             <a:pPr fontAlgn="ctr"/>
             <a:r>
-              <a:rPr lang="en-US" sz="1600" dirty="0" smtClean="0">
+              <a:rPr lang="en-US" sz="1600" dirty="0">
                 <a:latin typeface="Times New Roman" pitchFamily="18" charset="0"/>
                 <a:cs typeface="Times New Roman" pitchFamily="18" charset="0"/>
               </a:rPr>
               <a:t>- </a:t>
             </a:r>
             <a:r>
-              <a:rPr lang="en-US" sz="1600" dirty="0" err="1" smtClean="0">
+              <a:rPr lang="en-US" sz="1600" dirty="0" err="1">
                 <a:latin typeface="Times New Roman" pitchFamily="18" charset="0"/>
                 <a:cs typeface="Times New Roman" pitchFamily="18" charset="0"/>
               </a:rPr>
               <a:t>NoSQL</a:t>
             </a:r>
             <a:r>
-              <a:rPr lang="en-US" sz="1600" dirty="0" smtClean="0">
-                <a:latin typeface="Times New Roman" pitchFamily="18" charset="0"/>
-                <a:cs typeface="Times New Roman" pitchFamily="18" charset="0"/>
-              </a:rPr>
-              <a:t> </a:t>
-            </a:r>
-            <a:r>
               <a:rPr lang="en-US" sz="1600" dirty="0">
                 <a:latin typeface="Times New Roman" pitchFamily="18" charset="0"/>
                 <a:cs typeface="Times New Roman" pitchFamily="18" charset="0"/>
               </a:rPr>
-              <a:t>database </a:t>
-            </a:r>
-            <a:r>
-              <a:rPr lang="en-US" sz="1600" dirty="0" smtClean="0">
-                <a:latin typeface="Times New Roman" pitchFamily="18" charset="0"/>
-                <a:cs typeface="Times New Roman" pitchFamily="18" charset="0"/>
-              </a:rPr>
-              <a:t>program</a:t>
-            </a:r>
-            <a:endParaRPr lang="en-US" sz="1600" dirty="0">
-              <a:latin typeface="Times New Roman" pitchFamily="18" charset="0"/>
-              <a:cs typeface="Times New Roman" pitchFamily="18" charset="0"/>
-            </a:endParaRPr>
+              <a:t> database program</a:t>
+            </a:r>
           </a:p>
           <a:p>
             <a:pPr fontAlgn="ctr"/>
-            <a:r>
-              <a:rPr lang="en-US" sz="1600" dirty="0" smtClean="0">
-                <a:latin typeface="Times New Roman" pitchFamily="18" charset="0"/>
-                <a:cs typeface="Times New Roman" pitchFamily="18" charset="0"/>
-              </a:rPr>
-              <a:t>- uses </a:t>
-            </a:r>
             <a:r>
               <a:rPr lang="en-US" sz="1600" dirty="0">
                 <a:latin typeface="Times New Roman" pitchFamily="18" charset="0"/>
                 <a:cs typeface="Times New Roman" pitchFamily="18" charset="0"/>
               </a:rPr>
-              <a:t>JSON-like documents with schemas</a:t>
+              <a:t>- uses JSON-like documents with schemas</a:t>
             </a:r>
           </a:p>
         </p:txBody>
@@ -17678,81 +16874,46 @@
           <a:lstStyle/>
           <a:p>
             <a:r>
-              <a:rPr lang="en-US" sz="1600" dirty="0" smtClean="0">
-                <a:latin typeface="Times New Roman" pitchFamily="18" charset="0"/>
-                <a:cs typeface="Times New Roman" pitchFamily="18" charset="0"/>
-              </a:rPr>
-              <a:t>- most </a:t>
-            </a:r>
-            <a:r>
               <a:rPr lang="en-US" sz="1600" dirty="0">
                 <a:latin typeface="Times New Roman" pitchFamily="18" charset="0"/>
                 <a:cs typeface="Times New Roman" pitchFamily="18" charset="0"/>
               </a:rPr>
-              <a:t>popular framework for Node.js </a:t>
-            </a:r>
-          </a:p>
-          <a:p>
-            <a:r>
-              <a:rPr lang="en-US" sz="1600" dirty="0" smtClean="0">
-                <a:latin typeface="Times New Roman" pitchFamily="18" charset="0"/>
-                <a:cs typeface="Times New Roman" pitchFamily="18" charset="0"/>
-              </a:rPr>
-              <a:t>- help </a:t>
-            </a:r>
+              <a:t>- most popular framework for Node.js </a:t>
+            </a:r>
+          </a:p>
+          <a:p>
             <a:r>
               <a:rPr lang="en-US" sz="1600" dirty="0">
                 <a:latin typeface="Times New Roman" pitchFamily="18" charset="0"/>
                 <a:cs typeface="Times New Roman" pitchFamily="18" charset="0"/>
               </a:rPr>
-              <a:t>organize </a:t>
-            </a:r>
-            <a:r>
-              <a:rPr lang="en-US" sz="1600" dirty="0" smtClean="0">
-                <a:latin typeface="Times New Roman" pitchFamily="18" charset="0"/>
-                <a:cs typeface="Times New Roman" pitchFamily="18" charset="0"/>
-              </a:rPr>
-              <a:t>web </a:t>
-            </a:r>
+              <a:t>- help organize web application into an MVC architecture </a:t>
+            </a:r>
+          </a:p>
+          <a:p>
             <a:r>
               <a:rPr lang="en-US" sz="1600" dirty="0">
                 <a:latin typeface="Times New Roman" pitchFamily="18" charset="0"/>
                 <a:cs typeface="Times New Roman" pitchFamily="18" charset="0"/>
               </a:rPr>
-              <a:t>application into an MVC </a:t>
-            </a:r>
-            <a:r>
-              <a:rPr lang="en-US" sz="1600" dirty="0" smtClean="0">
-                <a:latin typeface="Times New Roman" pitchFamily="18" charset="0"/>
-                <a:cs typeface="Times New Roman" pitchFamily="18" charset="0"/>
-              </a:rPr>
-              <a:t>architecture </a:t>
-            </a:r>
-          </a:p>
-          <a:p>
-            <a:r>
-              <a:rPr lang="en-US" sz="1600" dirty="0" smtClean="0">
-                <a:latin typeface="Times New Roman" pitchFamily="18" charset="0"/>
-                <a:cs typeface="Times New Roman" pitchFamily="18" charset="0"/>
-              </a:rPr>
               <a:t>- Support </a:t>
             </a:r>
             <a:r>
-              <a:rPr lang="en-US" sz="1600" dirty="0" err="1" smtClean="0">
+              <a:rPr lang="en-US" sz="1600" dirty="0" err="1">
                 <a:latin typeface="Times New Roman" pitchFamily="18" charset="0"/>
                 <a:cs typeface="Times New Roman" pitchFamily="18" charset="0"/>
               </a:rPr>
               <a:t>RESTful</a:t>
             </a:r>
             <a:r>
-              <a:rPr lang="en-US" sz="1600" dirty="0" smtClean="0">
+              <a:rPr lang="en-US" sz="1600" dirty="0">
                 <a:latin typeface="Times New Roman" pitchFamily="18" charset="0"/>
                 <a:cs typeface="Times New Roman" pitchFamily="18" charset="0"/>
               </a:rPr>
               <a:t> </a:t>
             </a:r>
             <a:r>
-              <a:rPr lang="en-US" sz="1600" dirty="0" err="1" smtClean="0">
+              <a:rPr lang="en-US" sz="1600" dirty="0" err="1">
                 <a:latin typeface="Times New Roman" pitchFamily="18" charset="0"/>
                 <a:cs typeface="Times New Roman" pitchFamily="18" charset="0"/>
               </a:rPr>
@@ -17787,55 +16948,20 @@
           <a:lstStyle/>
           <a:p>
             <a:r>
-              <a:rPr lang="en-US" sz="1600" dirty="0" smtClean="0">
-                <a:latin typeface="Times New Roman" pitchFamily="18" charset="0"/>
-                <a:cs typeface="Times New Roman" pitchFamily="18" charset="0"/>
-              </a:rPr>
-              <a:t>- open </a:t>
-            </a:r>
-            <a:r>
               <a:rPr lang="en-US" sz="1600" dirty="0">
                 <a:latin typeface="Times New Roman" pitchFamily="18" charset="0"/>
                 <a:cs typeface="Times New Roman" pitchFamily="18" charset="0"/>
               </a:rPr>
-              <a:t>source JavaScript </a:t>
-            </a:r>
-            <a:r>
-              <a:rPr lang="en-US" sz="1600" dirty="0" smtClean="0">
-                <a:latin typeface="Times New Roman" pitchFamily="18" charset="0"/>
-                <a:cs typeface="Times New Roman" pitchFamily="18" charset="0"/>
-              </a:rPr>
-              <a:t>framework, one </a:t>
-            </a:r>
+              <a:t>- open source JavaScript framework, one of the most popular Single Page Application framework</a:t>
+            </a:r>
+          </a:p>
+          <a:p>
             <a:r>
               <a:rPr lang="en-US" sz="1600" dirty="0">
                 <a:latin typeface="Times New Roman" pitchFamily="18" charset="0"/>
                 <a:cs typeface="Times New Roman" pitchFamily="18" charset="0"/>
               </a:rPr>
-              <a:t>of the most popular Single Page Application </a:t>
-            </a:r>
-            <a:r>
-              <a:rPr lang="en-US" sz="1600" dirty="0" smtClean="0">
-                <a:latin typeface="Times New Roman" pitchFamily="18" charset="0"/>
-                <a:cs typeface="Times New Roman" pitchFamily="18" charset="0"/>
-              </a:rPr>
-              <a:t>framework</a:t>
-            </a:r>
-          </a:p>
-          <a:p>
-            <a:r>
-              <a:rPr lang="en-US" sz="1600" dirty="0" smtClean="0">
-                <a:latin typeface="Times New Roman" pitchFamily="18" charset="0"/>
-                <a:cs typeface="Times New Roman" pitchFamily="18" charset="0"/>
-              </a:rPr>
-              <a:t>- support </a:t>
-            </a:r>
-            <a:r>
-              <a:rPr lang="en-US" sz="1600" dirty="0">
-                <a:latin typeface="Times New Roman" pitchFamily="18" charset="0"/>
-                <a:cs typeface="Times New Roman" pitchFamily="18" charset="0"/>
-              </a:rPr>
-              <a:t>building a complex application on client side</a:t>
+              <a:t>- support building a complex application on client side</a:t>
             </a:r>
           </a:p>
         </p:txBody>
@@ -17862,39 +16988,21 @@
           <a:lstStyle/>
           <a:p>
             <a:r>
-              <a:rPr lang="en-US" sz="1600" dirty="0" smtClean="0">
+              <a:rPr lang="en-US" sz="1600" dirty="0">
                 <a:latin typeface="Times New Roman" pitchFamily="18" charset="0"/>
                 <a:cs typeface="Times New Roman" pitchFamily="18" charset="0"/>
               </a:rPr>
-              <a:t>- using </a:t>
-            </a:r>
-            <a:r>
-              <a:rPr lang="en-US" sz="1600" dirty="0" smtClean="0">
+              <a:t>- using JavaScript on server side </a:t>
+            </a:r>
+          </a:p>
+          <a:p>
+            <a:r>
+              <a:rPr lang="en-US" sz="1600" dirty="0">
                 <a:latin typeface="Times New Roman" pitchFamily="18" charset="0"/>
                 <a:cs typeface="Times New Roman" pitchFamily="18" charset="0"/>
               </a:rPr>
-              <a:t>JavaScript on server side </a:t>
-            </a:r>
-          </a:p>
-          <a:p>
-            <a:r>
-              <a:rPr lang="en-US" sz="1600" dirty="0" smtClean="0">
-                <a:latin typeface="Times New Roman" pitchFamily="18" charset="0"/>
-                <a:cs typeface="Times New Roman" pitchFamily="18" charset="0"/>
-              </a:rPr>
-              <a:t>- support </a:t>
-            </a:r>
-            <a:r>
-              <a:rPr lang="en-US" sz="1600" dirty="0" smtClean="0">
-                <a:latin typeface="Times New Roman" pitchFamily="18" charset="0"/>
-                <a:cs typeface="Times New Roman" pitchFamily="18" charset="0"/>
-              </a:rPr>
-              <a:t>building real-time application  effectively. </a:t>
-            </a:r>
-            <a:endParaRPr lang="en-US" sz="1600" dirty="0">
-              <a:latin typeface="Times New Roman" pitchFamily="18" charset="0"/>
-              <a:cs typeface="Times New Roman" pitchFamily="18" charset="0"/>
-            </a:endParaRPr>
+              <a:t>- support building real-time application  effectively. </a:t>
+            </a:r>
           </a:p>
         </p:txBody>
       </p:sp>
@@ -18084,39 +17192,26 @@
           <a:lstStyle/>
           <a:p>
             <a:r>
-              <a:rPr lang="en-US" dirty="0" smtClean="0">
-                <a:latin typeface="Times New Roman" pitchFamily="18" charset="0"/>
-                <a:cs typeface="Times New Roman" pitchFamily="18" charset="0"/>
-              </a:rPr>
-              <a:t>The </a:t>
-            </a:r>
-            <a:r>
               <a:rPr lang="en-US" dirty="0">
                 <a:latin typeface="Times New Roman" pitchFamily="18" charset="0"/>
                 <a:cs typeface="Times New Roman" pitchFamily="18" charset="0"/>
               </a:rPr>
-              <a:t>term MEAN stack refers to a collection of JavaScript based technologies </a:t>
-            </a:r>
-            <a:r>
-              <a:rPr lang="en-US" dirty="0" smtClean="0">
-                <a:latin typeface="Times New Roman" pitchFamily="18" charset="0"/>
-                <a:cs typeface="Times New Roman" pitchFamily="18" charset="0"/>
-              </a:rPr>
-              <a:t>                    used </a:t>
-            </a:r>
+              <a:t>The term MEAN stack refers to a collection of JavaScript based technologies                     used to develop web applications. </a:t>
+            </a:r>
+          </a:p>
+          <a:p>
+            <a:endParaRPr lang="en-US" dirty="0">
+              <a:latin typeface="Times New Roman" pitchFamily="18" charset="0"/>
+              <a:cs typeface="Times New Roman" pitchFamily="18" charset="0"/>
+            </a:endParaRPr>
+          </a:p>
+          <a:p>
             <a:r>
               <a:rPr lang="en-US" dirty="0">
                 <a:latin typeface="Times New Roman" pitchFamily="18" charset="0"/>
                 <a:cs typeface="Times New Roman" pitchFamily="18" charset="0"/>
               </a:rPr>
-              <a:t>to develop web </a:t>
-            </a:r>
-            <a:r>
-              <a:rPr lang="en-US" dirty="0" smtClean="0">
-                <a:latin typeface="Times New Roman" pitchFamily="18" charset="0"/>
-                <a:cs typeface="Times New Roman" pitchFamily="18" charset="0"/>
-              </a:rPr>
-              <a:t>applications. </a:t>
+              <a:t>From client to server to database,  MEAN is full stack JavaScript.</a:t>
             </a:r>
           </a:p>
           <a:p>
@@ -18127,72 +17222,15 @@
           </a:p>
           <a:p>
             <a:r>
-              <a:rPr lang="en-US" dirty="0" smtClean="0">
-                <a:latin typeface="Times New Roman" pitchFamily="18" charset="0"/>
-                <a:cs typeface="Times New Roman" pitchFamily="18" charset="0"/>
-              </a:rPr>
-              <a:t>From </a:t>
-            </a:r>
-            <a:r>
               <a:rPr lang="en-US" dirty="0">
                 <a:latin typeface="Times New Roman" pitchFamily="18" charset="0"/>
                 <a:cs typeface="Times New Roman" pitchFamily="18" charset="0"/>
               </a:rPr>
-              <a:t>client to server to database,  </a:t>
-            </a:r>
-            <a:r>
-              <a:rPr lang="en-US" dirty="0" smtClean="0">
-                <a:latin typeface="Times New Roman" pitchFamily="18" charset="0"/>
-                <a:cs typeface="Times New Roman" pitchFamily="18" charset="0"/>
-              </a:rPr>
-              <a:t>MEAN </a:t>
-            </a:r>
-            <a:r>
-              <a:rPr lang="en-US" dirty="0">
-                <a:latin typeface="Times New Roman" pitchFamily="18" charset="0"/>
-                <a:cs typeface="Times New Roman" pitchFamily="18" charset="0"/>
-              </a:rPr>
-              <a:t>is full stack </a:t>
-            </a:r>
-            <a:r>
-              <a:rPr lang="en-US" dirty="0" smtClean="0">
-                <a:latin typeface="Times New Roman" pitchFamily="18" charset="0"/>
-                <a:cs typeface="Times New Roman" pitchFamily="18" charset="0"/>
-              </a:rPr>
-              <a:t>JavaScript.</a:t>
-            </a:r>
-          </a:p>
-          <a:p>
-            <a:endParaRPr lang="en-US" dirty="0" smtClean="0">
-              <a:latin typeface="Times New Roman" pitchFamily="18" charset="0"/>
-              <a:cs typeface="Times New Roman" pitchFamily="18" charset="0"/>
-            </a:endParaRPr>
-          </a:p>
-          <a:p>
-            <a:r>
-              <a:rPr lang="en-US" dirty="0">
-                <a:latin typeface="Times New Roman" pitchFamily="18" charset="0"/>
-                <a:cs typeface="Times New Roman" pitchFamily="18" charset="0"/>
-              </a:rPr>
-              <a:t>MEAN </a:t>
-            </a:r>
-            <a:r>
-              <a:rPr lang="en-US" dirty="0" smtClean="0">
-                <a:latin typeface="Times New Roman" pitchFamily="18" charset="0"/>
-                <a:cs typeface="Times New Roman" pitchFamily="18" charset="0"/>
-              </a:rPr>
-              <a:t>stands </a:t>
-            </a:r>
-            <a:r>
-              <a:rPr lang="en-US" dirty="0">
-                <a:latin typeface="Times New Roman" pitchFamily="18" charset="0"/>
-                <a:cs typeface="Times New Roman" pitchFamily="18" charset="0"/>
-              </a:rPr>
-              <a:t>for: </a:t>
-            </a:r>
-          </a:p>
-          <a:p>
-            <a:endParaRPr lang="en-US" dirty="0" smtClean="0">
+              <a:t>MEAN stands for: </a:t>
+            </a:r>
+          </a:p>
+          <a:p>
+            <a:endParaRPr lang="en-US" dirty="0">
               <a:latin typeface="Times New Roman" pitchFamily="18" charset="0"/>
               <a:cs typeface="Times New Roman" pitchFamily="18" charset="0"/>
             </a:endParaRPr>
@@ -18221,15 +17259,8 @@
           </a:bodyPr>
           <a:lstStyle/>
           <a:p>
-            <a:r>
-              <a:rPr lang="en-US" sz="4400" dirty="0" smtClean="0">
-                <a:latin typeface="Times New Roman" pitchFamily="18" charset="0"/>
-                <a:cs typeface="Times New Roman" pitchFamily="18" charset="0"/>
-              </a:rPr>
-              <a:t/>
-            </a:r>
             <a:br>
-              <a:rPr lang="en-US" sz="4400" dirty="0" smtClean="0">
+              <a:rPr lang="en-US" sz="4400" dirty="0">
                 <a:latin typeface="Times New Roman" pitchFamily="18" charset="0"/>
                 <a:cs typeface="Times New Roman" pitchFamily="18" charset="0"/>
               </a:rPr>
@@ -18239,21 +17270,7 @@
                 <a:latin typeface="Times New Roman" pitchFamily="18" charset="0"/>
                 <a:cs typeface="Times New Roman" pitchFamily="18" charset="0"/>
               </a:rPr>
-              <a:t> </a:t>
-            </a:r>
-            <a:r>
-              <a:rPr lang="en-US" sz="4400" dirty="0" smtClean="0">
-                <a:latin typeface="Times New Roman" pitchFamily="18" charset="0"/>
-                <a:cs typeface="Times New Roman" pitchFamily="18" charset="0"/>
-              </a:rPr>
-              <a:t>     MEAN stack</a:t>
-            </a:r>
-            <a:r>
-              <a:rPr lang="en-US" sz="4400" dirty="0">
-                <a:latin typeface="Times New Roman" pitchFamily="18" charset="0"/>
-                <a:cs typeface="Times New Roman" pitchFamily="18" charset="0"/>
-              </a:rPr>
-              <a:t/>
+              <a:t>      MEAN stack</a:t>
             </a:r>
             <a:br>
               <a:rPr lang="en-US" sz="4400" dirty="0">
@@ -18288,7 +17305,7 @@
           <a:p>
             <a:pPr fontAlgn="ctr"/>
             <a:r>
-              <a:rPr lang="en-US" sz="3200" dirty="0" smtClean="0">
+              <a:rPr lang="en-US" sz="3200" dirty="0">
                 <a:solidFill>
                   <a:srgbClr val="00B050"/>
                 </a:solidFill>
@@ -18297,13 +17314,6 @@
               </a:rPr>
               <a:t>M =</a:t>
             </a:r>
-            <a:endParaRPr lang="en-US" sz="3200" dirty="0">
-              <a:solidFill>
-                <a:srgbClr val="00B050"/>
-              </a:solidFill>
-              <a:latin typeface="Times New Roman" pitchFamily="18" charset="0"/>
-              <a:cs typeface="Times New Roman" pitchFamily="18" charset="0"/>
-            </a:endParaRPr>
           </a:p>
         </p:txBody>
       </p:sp>
@@ -18330,7 +17340,7 @@
           <a:p>
             <a:pPr fontAlgn="ctr"/>
             <a:r>
-              <a:rPr lang="en-US" sz="3200" dirty="0" smtClean="0">
+              <a:rPr lang="en-US" sz="3200" dirty="0">
                 <a:solidFill>
                   <a:schemeClr val="tx1">
                     <a:lumMod val="65000"/>
@@ -18342,16 +17352,6 @@
               </a:rPr>
               <a:t>E =</a:t>
             </a:r>
-            <a:endParaRPr lang="en-US" sz="3200" dirty="0">
-              <a:solidFill>
-                <a:schemeClr val="tx1">
-                  <a:lumMod val="65000"/>
-                  <a:lumOff val="35000"/>
-                </a:schemeClr>
-              </a:solidFill>
-              <a:latin typeface="Times New Roman" pitchFamily="18" charset="0"/>
-              <a:cs typeface="Times New Roman" pitchFamily="18" charset="0"/>
-            </a:endParaRPr>
           </a:p>
         </p:txBody>
       </p:sp>
@@ -18378,7 +17378,7 @@
           <a:p>
             <a:pPr fontAlgn="ctr"/>
             <a:r>
-              <a:rPr lang="en-US" sz="3200" b="1" dirty="0" smtClean="0">
+              <a:rPr lang="en-US" sz="3200" b="1" dirty="0">
                 <a:solidFill>
                   <a:srgbClr val="FF0000"/>
                 </a:solidFill>
@@ -18387,13 +17387,6 @@
               </a:rPr>
               <a:t>A =</a:t>
             </a:r>
-            <a:endParaRPr lang="en-US" sz="3200" b="1" dirty="0">
-              <a:solidFill>
-                <a:srgbClr val="FF0000"/>
-              </a:solidFill>
-              <a:latin typeface="Times New Roman" pitchFamily="18" charset="0"/>
-              <a:cs typeface="Times New Roman" pitchFamily="18" charset="0"/>
-            </a:endParaRPr>
           </a:p>
         </p:txBody>
       </p:sp>
@@ -18420,7 +17413,7 @@
           <a:p>
             <a:pPr fontAlgn="ctr"/>
             <a:r>
-              <a:rPr lang="en-US" sz="3200" b="1" dirty="0" smtClean="0">
+              <a:rPr lang="en-US" sz="3200" b="1" dirty="0">
                 <a:solidFill>
                   <a:srgbClr val="74B230"/>
                 </a:solidFill>
@@ -18429,13 +17422,6 @@
               </a:rPr>
               <a:t>N =</a:t>
             </a:r>
-            <a:endParaRPr lang="en-US" sz="3200" b="1" dirty="0">
-              <a:solidFill>
-                <a:srgbClr val="74B230"/>
-              </a:solidFill>
-              <a:latin typeface="Times New Roman" pitchFamily="18" charset="0"/>
-              <a:cs typeface="Times New Roman" pitchFamily="18" charset="0"/>
-            </a:endParaRPr>
           </a:p>
         </p:txBody>
       </p:sp>
@@ -19628,10 +18614,9 @@
           <a:lstStyle/>
           <a:p>
             <a:r>
-              <a:rPr lang="en-US" dirty="0" smtClean="0"/>
+              <a:rPr lang="en-US" dirty="0"/>
               <a:t>Single page application</a:t>
             </a:r>
-            <a:endParaRPr lang="en-US" dirty="0"/>
           </a:p>
         </p:txBody>
       </p:sp>
@@ -19721,10 +18706,9 @@
           <a:lstStyle/>
           <a:p>
             <a:r>
-              <a:rPr lang="en-US" dirty="0" smtClean="0"/>
+              <a:rPr lang="en-US" dirty="0"/>
               <a:t>Load new page or reload page make customer feel  uncomfortable </a:t>
             </a:r>
-            <a:endParaRPr lang="en-US" dirty="0"/>
           </a:p>
         </p:txBody>
       </p:sp>
@@ -19778,10 +18762,9 @@
           <a:lstStyle/>
           <a:p>
             <a:r>
-              <a:rPr lang="en-US" dirty="0" smtClean="0"/>
+              <a:rPr lang="en-US" dirty="0"/>
               <a:t>Low  performance</a:t>
             </a:r>
-            <a:endParaRPr lang="en-US" dirty="0"/>
           </a:p>
         </p:txBody>
       </p:sp>
@@ -19810,10 +18793,9 @@
           </a:p>
           <a:p>
             <a:r>
-              <a:rPr lang="en-US" dirty="0" smtClean="0"/>
+              <a:rPr lang="en-US" dirty="0"/>
               <a:t>Traditional web </a:t>
             </a:r>
-            <a:endParaRPr lang="en-US" dirty="0"/>
           </a:p>
         </p:txBody>
       </p:sp>
@@ -19827,13 +18809,6 @@
   <p:clrMapOvr>
     <a:masterClrMapping/>
   </p:clrMapOvr>
-  <p:timing>
-    <p:tnLst>
-      <p:par>
-        <p:cTn id="1" dur="indefinite" restart="never" nodeType="tmRoot"/>
-      </p:par>
-    </p:tnLst>
-  </p:timing>
 </p:sld>
 </file>
 

--- a/Thesis-review.pptx
+++ b/Thesis-review.pptx
@@ -5,7 +5,7 @@
     <p:sldMasterId id="2147483936" r:id="rId1"/>
   </p:sldMasterIdLst>
   <p:notesMasterIdLst>
-    <p:notesMasterId r:id="rId28"/>
+    <p:notesMasterId r:id="rId26"/>
   </p:notesMasterIdLst>
   <p:sldIdLst>
     <p:sldId id="256" r:id="rId2"/>
@@ -16,24 +16,22 @@
     <p:sldId id="287" r:id="rId7"/>
     <p:sldId id="270" r:id="rId8"/>
     <p:sldId id="271" r:id="rId9"/>
-    <p:sldId id="291" r:id="rId10"/>
-    <p:sldId id="288" r:id="rId11"/>
-    <p:sldId id="289" r:id="rId12"/>
-    <p:sldId id="274" r:id="rId13"/>
-    <p:sldId id="276" r:id="rId14"/>
-    <p:sldId id="277" r:id="rId15"/>
-    <p:sldId id="278" r:id="rId16"/>
-    <p:sldId id="264" r:id="rId17"/>
-    <p:sldId id="285" r:id="rId18"/>
-    <p:sldId id="281" r:id="rId19"/>
-    <p:sldId id="286" r:id="rId20"/>
-    <p:sldId id="265" r:id="rId21"/>
-    <p:sldId id="280" r:id="rId22"/>
-    <p:sldId id="284" r:id="rId23"/>
-    <p:sldId id="279" r:id="rId24"/>
-    <p:sldId id="282" r:id="rId25"/>
-    <p:sldId id="266" r:id="rId26"/>
-    <p:sldId id="267" r:id="rId27"/>
+    <p:sldId id="288" r:id="rId10"/>
+    <p:sldId id="289" r:id="rId11"/>
+    <p:sldId id="274" r:id="rId12"/>
+    <p:sldId id="276" r:id="rId13"/>
+    <p:sldId id="277" r:id="rId14"/>
+    <p:sldId id="278" r:id="rId15"/>
+    <p:sldId id="264" r:id="rId16"/>
+    <p:sldId id="285" r:id="rId17"/>
+    <p:sldId id="281" r:id="rId18"/>
+    <p:sldId id="265" r:id="rId19"/>
+    <p:sldId id="292" r:id="rId20"/>
+    <p:sldId id="284" r:id="rId21"/>
+    <p:sldId id="279" r:id="rId22"/>
+    <p:sldId id="282" r:id="rId23"/>
+    <p:sldId id="266" r:id="rId24"/>
+    <p:sldId id="267" r:id="rId25"/>
   </p:sldIdLst>
   <p:sldSz cx="9144000" cy="6858000" type="screen4x3"/>
   <p:notesSz cx="6858000" cy="9144000"/>
@@ -237,7 +235,7 @@
           <a:p>
             <a:fld id="{EEA6C43E-BF2E-4F9E-AD57-441B9F46AF27}" type="datetimeFigureOut">
               <a:rPr lang="en-US" smtClean="0"/>
-              <a:t>4/16/2018</a:t>
+              <a:t>4/17/2018</a:t>
             </a:fld>
             <a:endParaRPr lang="en-US"/>
           </a:p>
@@ -782,7 +780,7 @@
                 <a:ea typeface="+mn-ea"/>
                 <a:cs typeface="+mn-cs"/>
               </a:rPr>
-              <a:t>Single</a:t>
+              <a:t>To apply</a:t>
             </a:r>
             <a:r>
               <a:rPr lang="en-US" sz="1200" b="0" i="0" kern="1200" baseline="0" dirty="0">
@@ -794,17 +792,8 @@
                 <a:ea typeface="+mn-ea"/>
                 <a:cs typeface="+mn-cs"/>
               </a:rPr>
-              <a:t> page application is the solution that solve the loading page problem</a:t>
-            </a:r>
-            <a:endParaRPr lang="en-US" sz="1200" b="0" i="0" kern="1200" dirty="0">
-              <a:solidFill>
-                <a:schemeClr val="tx1"/>
-              </a:solidFill>
-              <a:effectLst/>
-              <a:latin typeface="+mn-lt"/>
-              <a:ea typeface="+mn-ea"/>
-              <a:cs typeface="+mn-cs"/>
-            </a:endParaRPr>
+              <a:t> Single page application, we need to provides data for client via AJAX as well as the request backward from client.</a:t>
+            </a:r>
           </a:p>
           <a:p>
             <a:pPr marL="0" marR="0" indent="0" algn="l" defTabSz="914400" rtl="0" eaLnBrk="1" fontAlgn="auto" latinLnBrk="0" hangingPunct="1">
@@ -824,7 +813,7 @@
               <a:tabLst/>
               <a:defRPr/>
             </a:pPr>
-            <a:endParaRPr lang="en-US" sz="1200" b="0" i="0" kern="1200" dirty="0">
+            <a:endParaRPr lang="en-US" sz="1200" b="0" i="0" kern="1200" baseline="0" dirty="0">
               <a:solidFill>
                 <a:schemeClr val="tx1"/>
               </a:solidFill>
@@ -853,7 +842,7 @@
               <a:defRPr/>
             </a:pPr>
             <a:r>
-              <a:rPr lang="en-US" sz="1200" b="0" i="0" kern="1200" dirty="0">
+              <a:rPr lang="en-US" sz="1200" b="0" i="0" kern="1200" baseline="0" dirty="0">
                 <a:solidFill>
                   <a:schemeClr val="tx1"/>
                 </a:solidFill>
@@ -862,7 +851,55 @@
                 <a:ea typeface="+mn-ea"/>
                 <a:cs typeface="+mn-cs"/>
               </a:rPr>
-              <a:t>In an SPA, after the first page loads, all interaction with the server happens through AJAX calls. </a:t>
+              <a:t>Nowadays, </a:t>
+            </a:r>
+            <a:r>
+              <a:rPr lang="en-US" sz="1200" b="0" i="0" kern="1200" baseline="0" dirty="0" err="1">
+                <a:solidFill>
+                  <a:schemeClr val="tx1"/>
+                </a:solidFill>
+                <a:effectLst/>
+                <a:latin typeface="+mn-lt"/>
+                <a:ea typeface="+mn-ea"/>
+                <a:cs typeface="+mn-cs"/>
+              </a:rPr>
+              <a:t>RESTful</a:t>
+            </a:r>
+            <a:r>
+              <a:rPr lang="en-US" sz="1200" b="0" i="0" kern="1200" baseline="0" dirty="0">
+                <a:solidFill>
+                  <a:schemeClr val="tx1"/>
+                </a:solidFill>
+                <a:effectLst/>
+                <a:latin typeface="+mn-lt"/>
+                <a:ea typeface="+mn-ea"/>
+                <a:cs typeface="+mn-cs"/>
+              </a:rPr>
+              <a:t> </a:t>
+            </a:r>
+            <a:r>
+              <a:rPr lang="en-US" sz="1200" b="0" i="0" kern="1200" baseline="0" dirty="0" err="1">
+                <a:solidFill>
+                  <a:schemeClr val="tx1"/>
+                </a:solidFill>
+                <a:effectLst/>
+                <a:latin typeface="+mn-lt"/>
+                <a:ea typeface="+mn-ea"/>
+                <a:cs typeface="+mn-cs"/>
+              </a:rPr>
+              <a:t>webservice</a:t>
+            </a:r>
+            <a:r>
+              <a:rPr lang="en-US" sz="1200" b="0" i="0" kern="1200" baseline="0" dirty="0">
+                <a:solidFill>
+                  <a:schemeClr val="tx1"/>
+                </a:solidFill>
+                <a:effectLst/>
+                <a:latin typeface="+mn-lt"/>
+                <a:ea typeface="+mn-ea"/>
+                <a:cs typeface="+mn-cs"/>
+              </a:rPr>
+              <a:t> is the most popular way that help your server connect provides API resources for client side.</a:t>
             </a:r>
           </a:p>
           <a:p>
@@ -883,57 +920,7 @@
               <a:tabLst/>
               <a:defRPr/>
             </a:pPr>
-            <a:endParaRPr lang="en-US" sz="1200" b="0" i="0" kern="1200" dirty="0">
-              <a:solidFill>
-                <a:schemeClr val="tx1"/>
-              </a:solidFill>
-              <a:effectLst/>
-              <a:latin typeface="+mn-lt"/>
-              <a:ea typeface="+mn-ea"/>
-              <a:cs typeface="+mn-cs"/>
-            </a:endParaRPr>
-          </a:p>
-          <a:p>
-            <a:r>
-              <a:rPr lang="en-US" sz="1200" kern="1200" dirty="0">
-                <a:solidFill>
-                  <a:schemeClr val="tx1"/>
-                </a:solidFill>
-                <a:effectLst/>
-                <a:latin typeface="+mn-lt"/>
-                <a:ea typeface="+mn-ea"/>
-                <a:cs typeface="+mn-cs"/>
-              </a:rPr>
-              <a:t>AJAX is a dream of developer, because  It supports changing the content of a web page without reloading it.</a:t>
-            </a:r>
-            <a:r>
-              <a:rPr lang="en-US" sz="1200" kern="1200" baseline="0" dirty="0">
-                <a:solidFill>
-                  <a:schemeClr val="tx1"/>
-                </a:solidFill>
-                <a:effectLst/>
-                <a:latin typeface="+mn-lt"/>
-                <a:ea typeface="+mn-ea"/>
-                <a:cs typeface="+mn-cs"/>
-              </a:rPr>
-              <a:t> </a:t>
-            </a:r>
-            <a:r>
-              <a:rPr lang="en-US" sz="1200" kern="1200" dirty="0">
-                <a:solidFill>
-                  <a:schemeClr val="tx1"/>
-                </a:solidFill>
-                <a:effectLst/>
-                <a:latin typeface="+mn-lt"/>
-                <a:ea typeface="+mn-ea"/>
-                <a:cs typeface="+mn-cs"/>
-              </a:rPr>
-              <a:t>After the page has loaded, we can still send request or receive data from the server</a:t>
-            </a:r>
-          </a:p>
-          <a:p>
-            <a:pPr lvl="0"/>
-            <a:endParaRPr lang="en-US" sz="1200" b="0" i="0" kern="1200" dirty="0">
+            <a:endParaRPr lang="en-US" sz="1200" b="0" i="0" kern="1200" baseline="0" dirty="0">
               <a:solidFill>
                 <a:schemeClr val="tx1"/>
               </a:solidFill>
@@ -962,7 +949,7 @@
               <a:defRPr/>
             </a:pPr>
             <a:r>
-              <a:rPr lang="en-US" sz="1200" b="0" i="0" kern="1200" dirty="0">
+              <a:rPr lang="en-US" sz="1200" b="0" i="0" kern="1200" baseline="0" dirty="0">
                 <a:solidFill>
                   <a:schemeClr val="tx1"/>
                 </a:solidFill>
@@ -971,7 +958,7 @@
                 <a:ea typeface="+mn-ea"/>
                 <a:cs typeface="+mn-cs"/>
               </a:rPr>
-              <a:t>These AJAX calls return data usually in JSON format. The app uses the JSON data to update the page dynamically, without reloading the page</a:t>
+              <a:t>By using REST HTTP methods such as GET, PUT, POST, DELETE and so on.</a:t>
             </a:r>
           </a:p>
           <a:p>
@@ -992,15 +979,18 @@
               <a:tabLst/>
               <a:defRPr/>
             </a:pPr>
-            <a:endParaRPr lang="en-US" sz="1200" b="0" i="0" kern="1200" dirty="0">
-              <a:solidFill>
-                <a:schemeClr val="tx1"/>
-              </a:solidFill>
-              <a:effectLst/>
-              <a:latin typeface="+mn-lt"/>
-              <a:ea typeface="+mn-ea"/>
-              <a:cs typeface="+mn-cs"/>
-            </a:endParaRPr>
+            <a:r>
+              <a:rPr lang="en-US" sz="1200" b="0" i="0" kern="1200" baseline="0" dirty="0">
+                <a:solidFill>
+                  <a:schemeClr val="tx1"/>
+                </a:solidFill>
+                <a:effectLst/>
+                <a:latin typeface="+mn-lt"/>
+                <a:ea typeface="+mn-ea"/>
+                <a:cs typeface="+mn-cs"/>
+              </a:rPr>
+              <a:t>Methods get use to retrieve data from the API resources</a:t>
+            </a:r>
           </a:p>
           <a:p>
             <a:pPr marL="0" marR="0" indent="0" algn="l" defTabSz="914400" rtl="0" eaLnBrk="1" fontAlgn="auto" latinLnBrk="0" hangingPunct="1">
@@ -1020,15 +1010,18 @@
               <a:tabLst/>
               <a:defRPr/>
             </a:pPr>
-            <a:endParaRPr lang="en-US" sz="1200" b="0" i="0" kern="1200" dirty="0">
-              <a:solidFill>
-                <a:schemeClr val="tx1"/>
-              </a:solidFill>
-              <a:effectLst/>
-              <a:latin typeface="+mn-lt"/>
-              <a:ea typeface="+mn-ea"/>
-              <a:cs typeface="+mn-cs"/>
-            </a:endParaRPr>
+            <a:r>
+              <a:rPr lang="en-US" sz="1200" b="0" i="0" kern="1200" baseline="0" dirty="0">
+                <a:solidFill>
+                  <a:schemeClr val="tx1"/>
+                </a:solidFill>
+                <a:effectLst/>
+                <a:latin typeface="+mn-lt"/>
+                <a:ea typeface="+mn-ea"/>
+                <a:cs typeface="+mn-cs"/>
+              </a:rPr>
+              <a:t>POST, PUT, DELETE is used by client side to send add, update or delete request to server and execute</a:t>
+            </a:r>
           </a:p>
           <a:p>
             <a:pPr marL="0" marR="0" indent="0" algn="l" defTabSz="914400" rtl="0" eaLnBrk="1" fontAlgn="auto" latinLnBrk="0" hangingPunct="1">
@@ -1048,6 +1041,90 @@
               <a:tabLst/>
               <a:defRPr/>
             </a:pPr>
+            <a:endParaRPr lang="en-US" sz="1200" b="0" i="0" kern="1200" baseline="0" dirty="0">
+              <a:solidFill>
+                <a:schemeClr val="tx1"/>
+              </a:solidFill>
+              <a:effectLst/>
+              <a:latin typeface="+mn-lt"/>
+              <a:ea typeface="+mn-ea"/>
+              <a:cs typeface="+mn-cs"/>
+            </a:endParaRPr>
+          </a:p>
+          <a:p>
+            <a:pPr marL="0" marR="0" indent="0" algn="l" defTabSz="914400" rtl="0" eaLnBrk="1" fontAlgn="auto" latinLnBrk="0" hangingPunct="1">
+              <a:lnSpc>
+                <a:spcPct val="100000"/>
+              </a:lnSpc>
+              <a:spcBef>
+                <a:spcPts val="0"/>
+              </a:spcBef>
+              <a:spcAft>
+                <a:spcPts val="0"/>
+              </a:spcAft>
+              <a:buClrTx/>
+              <a:buSzTx/>
+              <a:buFontTx/>
+              <a:buNone/>
+              <a:tabLst/>
+              <a:defRPr/>
+            </a:pPr>
+            <a:r>
+              <a:rPr lang="en-US" sz="1200" b="0" i="0" kern="1200" baseline="0" dirty="0" err="1">
+                <a:solidFill>
+                  <a:schemeClr val="tx1"/>
+                </a:solidFill>
+                <a:effectLst/>
+                <a:latin typeface="+mn-lt"/>
+                <a:ea typeface="+mn-ea"/>
+                <a:cs typeface="+mn-cs"/>
+              </a:rPr>
+              <a:t>RESTful</a:t>
+            </a:r>
+            <a:r>
+              <a:rPr lang="en-US" sz="1200" b="0" i="0" kern="1200" baseline="0" dirty="0">
+                <a:solidFill>
+                  <a:schemeClr val="tx1"/>
+                </a:solidFill>
+                <a:effectLst/>
+                <a:latin typeface="+mn-lt"/>
+                <a:ea typeface="+mn-ea"/>
+                <a:cs typeface="+mn-cs"/>
+              </a:rPr>
+              <a:t> </a:t>
+            </a:r>
+            <a:r>
+              <a:rPr lang="en-US" sz="1200" b="0" i="0" kern="1200" baseline="0" dirty="0" err="1">
+                <a:solidFill>
+                  <a:schemeClr val="tx1"/>
+                </a:solidFill>
+                <a:effectLst/>
+                <a:latin typeface="+mn-lt"/>
+                <a:ea typeface="+mn-ea"/>
+                <a:cs typeface="+mn-cs"/>
+              </a:rPr>
+              <a:t>webservice</a:t>
+            </a:r>
+            <a:r>
+              <a:rPr lang="en-US" sz="1200" b="0" i="0" kern="1200" baseline="0" dirty="0">
+                <a:solidFill>
+                  <a:schemeClr val="tx1"/>
+                </a:solidFill>
+                <a:effectLst/>
+                <a:latin typeface="+mn-lt"/>
+                <a:ea typeface="+mn-ea"/>
+                <a:cs typeface="+mn-cs"/>
+              </a:rPr>
+              <a:t> can provide API data as Text, JSON, XML </a:t>
+            </a:r>
+            <a:r>
+              <a:rPr lang="en-US" dirty="0"/>
+              <a:t>format, usually</a:t>
+            </a:r>
+            <a:r>
+              <a:rPr lang="en-US" baseline="0" dirty="0"/>
+              <a:t> in JSON</a:t>
+            </a:r>
             <a:endParaRPr lang="en-US" sz="1200" b="0" i="0" kern="1200" dirty="0">
               <a:solidFill>
                 <a:schemeClr val="tx1"/>
@@ -1089,7 +1166,7 @@
     </p:spTree>
     <p:extLst>
       <p:ext uri="{BB962C8B-B14F-4D97-AF65-F5344CB8AC3E}">
-        <p14:creationId xmlns:p14="http://schemas.microsoft.com/office/powerpoint/2010/main" val="2721569320"/>
+        <p14:creationId xmlns:p14="http://schemas.microsoft.com/office/powerpoint/2010/main" val="3130196249"/>
       </p:ext>
     </p:extLst>
   </p:cSld>
@@ -1143,387 +1220,46 @@
           <a:bodyPr/>
           <a:lstStyle/>
           <a:p>
-            <a:pPr marL="0" marR="0" indent="0" algn="l" defTabSz="914400" rtl="0" eaLnBrk="1" fontAlgn="auto" latinLnBrk="0" hangingPunct="1">
-              <a:lnSpc>
-                <a:spcPct val="100000"/>
-              </a:lnSpc>
-              <a:spcBef>
-                <a:spcPts val="0"/>
-              </a:spcBef>
-              <a:spcAft>
-                <a:spcPts val="0"/>
-              </a:spcAft>
-              <a:buClrTx/>
-              <a:buSzTx/>
-              <a:buFontTx/>
-              <a:buNone/>
-              <a:tabLst/>
-              <a:defRPr/>
-            </a:pPr>
-            <a:r>
-              <a:rPr lang="en-US" sz="1200" b="0" i="0" kern="1200" dirty="0">
-                <a:solidFill>
-                  <a:schemeClr val="tx1"/>
-                </a:solidFill>
-                <a:effectLst/>
-                <a:latin typeface="+mn-lt"/>
-                <a:ea typeface="+mn-ea"/>
-                <a:cs typeface="+mn-cs"/>
-              </a:rPr>
-              <a:t>To apply</a:t>
-            </a:r>
-            <a:r>
-              <a:rPr lang="en-US" sz="1200" b="0" i="0" kern="1200" baseline="0" dirty="0">
-                <a:solidFill>
-                  <a:schemeClr val="tx1"/>
-                </a:solidFill>
-                <a:effectLst/>
-                <a:latin typeface="+mn-lt"/>
-                <a:ea typeface="+mn-ea"/>
-                <a:cs typeface="+mn-cs"/>
-              </a:rPr>
-              <a:t> Single page application, we need to provides data for client via AJAX as well as the request backward from client.</a:t>
-            </a:r>
-          </a:p>
-          <a:p>
-            <a:pPr marL="0" marR="0" indent="0" algn="l" defTabSz="914400" rtl="0" eaLnBrk="1" fontAlgn="auto" latinLnBrk="0" hangingPunct="1">
-              <a:lnSpc>
-                <a:spcPct val="100000"/>
-              </a:lnSpc>
-              <a:spcBef>
-                <a:spcPts val="0"/>
-              </a:spcBef>
-              <a:spcAft>
-                <a:spcPts val="0"/>
-              </a:spcAft>
-              <a:buClrTx/>
-              <a:buSzTx/>
-              <a:buFontTx/>
-              <a:buNone/>
-              <a:tabLst/>
-              <a:defRPr/>
-            </a:pPr>
-            <a:endParaRPr lang="en-US" sz="1200" b="0" i="0" kern="1200" baseline="0" dirty="0">
-              <a:solidFill>
-                <a:schemeClr val="tx1"/>
-              </a:solidFill>
-              <a:effectLst/>
-              <a:latin typeface="+mn-lt"/>
-              <a:ea typeface="+mn-ea"/>
-              <a:cs typeface="+mn-cs"/>
-            </a:endParaRPr>
-          </a:p>
-          <a:p>
-            <a:pPr marL="0" marR="0" indent="0" algn="l" defTabSz="914400" rtl="0" eaLnBrk="1" fontAlgn="auto" latinLnBrk="0" hangingPunct="1">
-              <a:lnSpc>
-                <a:spcPct val="100000"/>
-              </a:lnSpc>
-              <a:spcBef>
-                <a:spcPts val="0"/>
-              </a:spcBef>
-              <a:spcAft>
-                <a:spcPts val="0"/>
-              </a:spcAft>
-              <a:buClrTx/>
-              <a:buSzTx/>
-              <a:buFontTx/>
-              <a:buNone/>
-              <a:tabLst/>
-              <a:defRPr/>
-            </a:pPr>
-            <a:r>
-              <a:rPr lang="en-US" sz="1200" b="0" i="0" kern="1200" baseline="0" dirty="0">
-                <a:solidFill>
-                  <a:schemeClr val="tx1"/>
-                </a:solidFill>
-                <a:effectLst/>
-                <a:latin typeface="+mn-lt"/>
-                <a:ea typeface="+mn-ea"/>
-                <a:cs typeface="+mn-cs"/>
-              </a:rPr>
-              <a:t>Nowadays, </a:t>
-            </a:r>
-            <a:r>
-              <a:rPr lang="en-US" sz="1200" b="0" i="0" kern="1200" baseline="0" dirty="0" err="1">
-                <a:solidFill>
-                  <a:schemeClr val="tx1"/>
-                </a:solidFill>
-                <a:effectLst/>
-                <a:latin typeface="+mn-lt"/>
-                <a:ea typeface="+mn-ea"/>
-                <a:cs typeface="+mn-cs"/>
-              </a:rPr>
-              <a:t>RESTful</a:t>
-            </a:r>
-            <a:r>
-              <a:rPr lang="en-US" sz="1200" b="0" i="0" kern="1200" baseline="0" dirty="0">
-                <a:solidFill>
-                  <a:schemeClr val="tx1"/>
-                </a:solidFill>
-                <a:effectLst/>
-                <a:latin typeface="+mn-lt"/>
-                <a:ea typeface="+mn-ea"/>
-                <a:cs typeface="+mn-cs"/>
-              </a:rPr>
-              <a:t> </a:t>
-            </a:r>
-            <a:r>
-              <a:rPr lang="en-US" sz="1200" b="0" i="0" kern="1200" baseline="0" dirty="0" err="1">
-                <a:solidFill>
-                  <a:schemeClr val="tx1"/>
-                </a:solidFill>
-                <a:effectLst/>
-                <a:latin typeface="+mn-lt"/>
-                <a:ea typeface="+mn-ea"/>
-                <a:cs typeface="+mn-cs"/>
-              </a:rPr>
-              <a:t>webservice</a:t>
-            </a:r>
-            <a:r>
-              <a:rPr lang="en-US" sz="1200" b="0" i="0" kern="1200" baseline="0" dirty="0">
-                <a:solidFill>
-                  <a:schemeClr val="tx1"/>
-                </a:solidFill>
-                <a:effectLst/>
-                <a:latin typeface="+mn-lt"/>
-                <a:ea typeface="+mn-ea"/>
-                <a:cs typeface="+mn-cs"/>
-              </a:rPr>
-              <a:t> is the most popular way that help your server connect provides API resources for client side.</a:t>
-            </a:r>
-          </a:p>
-          <a:p>
-            <a:pPr marL="0" marR="0" indent="0" algn="l" defTabSz="914400" rtl="0" eaLnBrk="1" fontAlgn="auto" latinLnBrk="0" hangingPunct="1">
-              <a:lnSpc>
-                <a:spcPct val="100000"/>
-              </a:lnSpc>
-              <a:spcBef>
-                <a:spcPts val="0"/>
-              </a:spcBef>
-              <a:spcAft>
-                <a:spcPts val="0"/>
-              </a:spcAft>
-              <a:buClrTx/>
-              <a:buSzTx/>
-              <a:buFontTx/>
-              <a:buNone/>
-              <a:tabLst/>
-              <a:defRPr/>
-            </a:pPr>
-            <a:endParaRPr lang="en-US" sz="1200" b="0" i="0" kern="1200" baseline="0" dirty="0">
-              <a:solidFill>
-                <a:schemeClr val="tx1"/>
-              </a:solidFill>
-              <a:effectLst/>
-              <a:latin typeface="+mn-lt"/>
-              <a:ea typeface="+mn-ea"/>
-              <a:cs typeface="+mn-cs"/>
-            </a:endParaRPr>
-          </a:p>
-          <a:p>
-            <a:pPr marL="0" marR="0" indent="0" algn="l" defTabSz="914400" rtl="0" eaLnBrk="1" fontAlgn="auto" latinLnBrk="0" hangingPunct="1">
-              <a:lnSpc>
-                <a:spcPct val="100000"/>
-              </a:lnSpc>
-              <a:spcBef>
-                <a:spcPts val="0"/>
-              </a:spcBef>
-              <a:spcAft>
-                <a:spcPts val="0"/>
-              </a:spcAft>
-              <a:buClrTx/>
-              <a:buSzTx/>
-              <a:buFontTx/>
-              <a:buNone/>
-              <a:tabLst/>
-              <a:defRPr/>
-            </a:pPr>
-            <a:r>
-              <a:rPr lang="en-US" sz="1200" b="0" i="0" kern="1200" baseline="0" dirty="0">
-                <a:solidFill>
-                  <a:schemeClr val="tx1"/>
-                </a:solidFill>
-                <a:effectLst/>
-                <a:latin typeface="+mn-lt"/>
-                <a:ea typeface="+mn-ea"/>
-                <a:cs typeface="+mn-cs"/>
-              </a:rPr>
-              <a:t>By using REST HTTP methods such as GET, PUT, POST, DELETE and so on.</a:t>
-            </a:r>
-          </a:p>
-          <a:p>
-            <a:pPr marL="0" marR="0" indent="0" algn="l" defTabSz="914400" rtl="0" eaLnBrk="1" fontAlgn="auto" latinLnBrk="0" hangingPunct="1">
-              <a:lnSpc>
-                <a:spcPct val="100000"/>
-              </a:lnSpc>
-              <a:spcBef>
-                <a:spcPts val="0"/>
-              </a:spcBef>
-              <a:spcAft>
-                <a:spcPts val="0"/>
-              </a:spcAft>
-              <a:buClrTx/>
-              <a:buSzTx/>
-              <a:buFontTx/>
-              <a:buNone/>
-              <a:tabLst/>
-              <a:defRPr/>
-            </a:pPr>
-            <a:r>
-              <a:rPr lang="en-US" sz="1200" b="0" i="0" kern="1200" baseline="0" dirty="0">
-                <a:solidFill>
-                  <a:schemeClr val="tx1"/>
-                </a:solidFill>
-                <a:effectLst/>
-                <a:latin typeface="+mn-lt"/>
-                <a:ea typeface="+mn-ea"/>
-                <a:cs typeface="+mn-cs"/>
-              </a:rPr>
-              <a:t>Methods get use to retrieve data from the API resources</a:t>
-            </a:r>
-          </a:p>
-          <a:p>
-            <a:pPr marL="0" marR="0" indent="0" algn="l" defTabSz="914400" rtl="0" eaLnBrk="1" fontAlgn="auto" latinLnBrk="0" hangingPunct="1">
-              <a:lnSpc>
-                <a:spcPct val="100000"/>
-              </a:lnSpc>
-              <a:spcBef>
-                <a:spcPts val="0"/>
-              </a:spcBef>
-              <a:spcAft>
-                <a:spcPts val="0"/>
-              </a:spcAft>
-              <a:buClrTx/>
-              <a:buSzTx/>
-              <a:buFontTx/>
-              <a:buNone/>
-              <a:tabLst/>
-              <a:defRPr/>
-            </a:pPr>
-            <a:r>
-              <a:rPr lang="en-US" sz="1200" b="0" i="0" kern="1200" baseline="0" dirty="0">
-                <a:solidFill>
-                  <a:schemeClr val="tx1"/>
-                </a:solidFill>
-                <a:effectLst/>
-                <a:latin typeface="+mn-lt"/>
-                <a:ea typeface="+mn-ea"/>
-                <a:cs typeface="+mn-cs"/>
-              </a:rPr>
-              <a:t>POST, PUT, DELETE is used by client side to send add, update or delete request to server and execute</a:t>
-            </a:r>
-          </a:p>
-          <a:p>
-            <a:pPr marL="0" marR="0" indent="0" algn="l" defTabSz="914400" rtl="0" eaLnBrk="1" fontAlgn="auto" latinLnBrk="0" hangingPunct="1">
-              <a:lnSpc>
-                <a:spcPct val="100000"/>
-              </a:lnSpc>
-              <a:spcBef>
-                <a:spcPts val="0"/>
-              </a:spcBef>
-              <a:spcAft>
-                <a:spcPts val="0"/>
-              </a:spcAft>
-              <a:buClrTx/>
-              <a:buSzTx/>
-              <a:buFontTx/>
-              <a:buNone/>
-              <a:tabLst/>
-              <a:defRPr/>
-            </a:pPr>
-            <a:endParaRPr lang="en-US" sz="1200" b="0" i="0" kern="1200" baseline="0" dirty="0">
-              <a:solidFill>
-                <a:schemeClr val="tx1"/>
-              </a:solidFill>
-              <a:effectLst/>
-              <a:latin typeface="+mn-lt"/>
-              <a:ea typeface="+mn-ea"/>
-              <a:cs typeface="+mn-cs"/>
-            </a:endParaRPr>
-          </a:p>
-          <a:p>
-            <a:pPr marL="0" marR="0" indent="0" algn="l" defTabSz="914400" rtl="0" eaLnBrk="1" fontAlgn="auto" latinLnBrk="0" hangingPunct="1">
-              <a:lnSpc>
-                <a:spcPct val="100000"/>
-              </a:lnSpc>
-              <a:spcBef>
-                <a:spcPts val="0"/>
-              </a:spcBef>
-              <a:spcAft>
-                <a:spcPts val="0"/>
-              </a:spcAft>
-              <a:buClrTx/>
-              <a:buSzTx/>
-              <a:buFontTx/>
-              <a:buNone/>
-              <a:tabLst/>
-              <a:defRPr/>
-            </a:pPr>
-            <a:r>
-              <a:rPr lang="en-US" sz="1200" b="0" i="0" kern="1200" baseline="0" dirty="0" err="1">
-                <a:solidFill>
-                  <a:schemeClr val="tx1"/>
-                </a:solidFill>
-                <a:effectLst/>
-                <a:latin typeface="+mn-lt"/>
-                <a:ea typeface="+mn-ea"/>
-                <a:cs typeface="+mn-cs"/>
-              </a:rPr>
-              <a:t>RESTful</a:t>
-            </a:r>
-            <a:r>
-              <a:rPr lang="en-US" sz="1200" b="0" i="0" kern="1200" baseline="0" dirty="0">
-                <a:solidFill>
-                  <a:schemeClr val="tx1"/>
-                </a:solidFill>
-                <a:effectLst/>
-                <a:latin typeface="+mn-lt"/>
-                <a:ea typeface="+mn-ea"/>
-                <a:cs typeface="+mn-cs"/>
-              </a:rPr>
-              <a:t> </a:t>
-            </a:r>
-            <a:r>
-              <a:rPr lang="en-US" sz="1200" b="0" i="0" kern="1200" baseline="0" dirty="0" err="1">
-                <a:solidFill>
-                  <a:schemeClr val="tx1"/>
-                </a:solidFill>
-                <a:effectLst/>
-                <a:latin typeface="+mn-lt"/>
-                <a:ea typeface="+mn-ea"/>
-                <a:cs typeface="+mn-cs"/>
-              </a:rPr>
-              <a:t>webservice</a:t>
-            </a:r>
-            <a:r>
-              <a:rPr lang="en-US" sz="1200" b="0" i="0" kern="1200" baseline="0" dirty="0">
-                <a:solidFill>
-                  <a:schemeClr val="tx1"/>
-                </a:solidFill>
-                <a:effectLst/>
-                <a:latin typeface="+mn-lt"/>
-                <a:ea typeface="+mn-ea"/>
-                <a:cs typeface="+mn-cs"/>
-              </a:rPr>
-              <a:t> can provide API data as Text, JSON, XML </a:t>
-            </a:r>
             <a:r>
               <a:rPr lang="en-US" dirty="0"/>
-              <a:t>format, usually</a:t>
+              <a:t>Besides</a:t>
             </a:r>
             <a:r>
               <a:rPr lang="en-US" baseline="0" dirty="0"/>
-              <a:t> in JSON</a:t>
-            </a:r>
-            <a:endParaRPr lang="en-US" sz="1200" b="0" i="0" kern="1200" dirty="0">
-              <a:solidFill>
-                <a:schemeClr val="tx1"/>
-              </a:solidFill>
-              <a:effectLst/>
-              <a:latin typeface="+mn-lt"/>
-              <a:ea typeface="+mn-ea"/>
-              <a:cs typeface="+mn-cs"/>
-            </a:endParaRPr>
+              <a:t> these technology I have mentioned. I also use a lot of other technology. Here is a list of summary technology I used such as </a:t>
+            </a:r>
+            <a:r>
+              <a:rPr lang="en-US" baseline="0" dirty="0" err="1"/>
+              <a:t>Juery</a:t>
+            </a:r>
+            <a:r>
+              <a:rPr lang="en-US" baseline="0" dirty="0"/>
+              <a:t>, </a:t>
+            </a:r>
+            <a:r>
+              <a:rPr lang="en-US" baseline="0" dirty="0" err="1"/>
+              <a:t>boostrap</a:t>
+            </a:r>
+            <a:r>
+              <a:rPr lang="en-US" baseline="0" dirty="0"/>
+              <a:t>, MySQL, SQL, Maven , tomcat </a:t>
+            </a:r>
+            <a:r>
+              <a:rPr lang="en-US" baseline="0" dirty="0" err="1"/>
+              <a:t>Git</a:t>
+            </a:r>
+            <a:r>
+              <a:rPr lang="en-US" baseline="0" dirty="0"/>
+              <a:t> hub, </a:t>
+            </a:r>
+            <a:r>
+              <a:rPr lang="en-US" baseline="0" dirty="0" err="1"/>
+              <a:t>Trello</a:t>
+            </a:r>
+            <a:r>
+              <a:rPr lang="en-US" baseline="0" dirty="0"/>
+              <a:t> and so much more</a:t>
+            </a:r>
           </a:p>
           <a:p>
             <a:endParaRPr lang="en-US" dirty="0"/>
@@ -1556,7 +1292,7 @@
     </p:spTree>
     <p:extLst>
       <p:ext uri="{BB962C8B-B14F-4D97-AF65-F5344CB8AC3E}">
-        <p14:creationId xmlns:p14="http://schemas.microsoft.com/office/powerpoint/2010/main" val="3130196249"/>
+        <p14:creationId xmlns:p14="http://schemas.microsoft.com/office/powerpoint/2010/main" val="87807644"/>
       </p:ext>
     </p:extLst>
   </p:cSld>
@@ -1610,48 +1346,164 @@
           <a:bodyPr/>
           <a:lstStyle/>
           <a:p>
+            <a:pPr marL="0" marR="0" indent="0" algn="l" defTabSz="914400" rtl="0" eaLnBrk="1" fontAlgn="auto" latinLnBrk="0" hangingPunct="1">
+              <a:lnSpc>
+                <a:spcPct val="100000"/>
+              </a:lnSpc>
+              <a:spcBef>
+                <a:spcPts val="0"/>
+              </a:spcBef>
+              <a:spcAft>
+                <a:spcPts val="0"/>
+              </a:spcAft>
+              <a:buClrTx/>
+              <a:buSzTx/>
+              <a:buFontTx/>
+              <a:buNone/>
+              <a:tabLst/>
+              <a:defRPr/>
+            </a:pPr>
             <a:r>
               <a:rPr lang="en-US" dirty="0"/>
-              <a:t>Besides</a:t>
+              <a:t>As you can see in the picture,</a:t>
             </a:r>
             <a:r>
               <a:rPr lang="en-US" baseline="0" dirty="0"/>
-              <a:t> these technology I have mentioned. I also use a lot of other technology. Here is a list of summary technology I used such as </a:t>
-            </a:r>
-            <a:r>
-              <a:rPr lang="en-US" baseline="0" dirty="0" err="1"/>
-              <a:t>Juery</a:t>
+              <a:t> it is an image of Hilton Hampton Hotel in America, you can see that many customers are making a </a:t>
+            </a:r>
+            <a:r>
+              <a:rPr lang="en-US" dirty="0"/>
+              <a:t>queue waiting</a:t>
             </a:r>
             <a:r>
               <a:rPr lang="en-US" baseline="0" dirty="0"/>
-              <a:t>, </a:t>
-            </a:r>
-            <a:r>
-              <a:rPr lang="en-US" baseline="0" dirty="0" err="1"/>
-              <a:t>boostrap</a:t>
+              <a:t> for own turn to book room or fill a reservation form. In fact, </a:t>
+            </a:r>
+            <a:r>
+              <a:rPr lang="en-US" dirty="0"/>
+              <a:t>in many enormous hotels, management is very difficult where booking based on pen and paper is not convenient for both the customers and the receptionists.</a:t>
+            </a:r>
+          </a:p>
+          <a:p>
+            <a:pPr marL="0" marR="0" indent="0" algn="l" defTabSz="914400" rtl="0" eaLnBrk="1" fontAlgn="auto" latinLnBrk="0" hangingPunct="1">
+              <a:lnSpc>
+                <a:spcPct val="100000"/>
+              </a:lnSpc>
+              <a:spcBef>
+                <a:spcPts val="0"/>
+              </a:spcBef>
+              <a:spcAft>
+                <a:spcPts val="0"/>
+              </a:spcAft>
+              <a:buClrTx/>
+              <a:buSzTx/>
+              <a:buFontTx/>
+              <a:buNone/>
+              <a:tabLst/>
+              <a:defRPr/>
+            </a:pPr>
+            <a:endParaRPr lang="en-US" dirty="0"/>
+          </a:p>
+          <a:p>
+            <a:pPr marL="0" marR="0" indent="0" algn="l" defTabSz="914400" rtl="0" eaLnBrk="1" fontAlgn="auto" latinLnBrk="0" hangingPunct="1">
+              <a:lnSpc>
+                <a:spcPct val="100000"/>
+              </a:lnSpc>
+              <a:spcBef>
+                <a:spcPts val="0"/>
+              </a:spcBef>
+              <a:spcAft>
+                <a:spcPts val="0"/>
+              </a:spcAft>
+              <a:buClrTx/>
+              <a:buSzTx/>
+              <a:buFontTx/>
+              <a:buNone/>
+              <a:tabLst/>
+              <a:defRPr/>
+            </a:pPr>
+            <a:r>
+              <a:rPr lang="en-US" dirty="0"/>
+              <a:t>This is because Customer have to come directly to hotel for booking </a:t>
+            </a:r>
+          </a:p>
+          <a:p>
+            <a:pPr marL="0" marR="0" indent="0" algn="l" defTabSz="914400" rtl="0" eaLnBrk="1" fontAlgn="auto" latinLnBrk="0" hangingPunct="1">
+              <a:lnSpc>
+                <a:spcPct val="100000"/>
+              </a:lnSpc>
+              <a:spcBef>
+                <a:spcPts val="0"/>
+              </a:spcBef>
+              <a:spcAft>
+                <a:spcPts val="0"/>
+              </a:spcAft>
+              <a:buClrTx/>
+              <a:buSzTx/>
+              <a:buFontTx/>
+              <a:buNone/>
+              <a:tabLst/>
+              <a:defRPr/>
+            </a:pPr>
+            <a:r>
+              <a:rPr lang="en-US" dirty="0"/>
+              <a:t>And it</a:t>
             </a:r>
             <a:r>
               <a:rPr lang="en-US" baseline="0" dirty="0"/>
-              <a:t>, MySQL, SQL, Maven , tomcat </a:t>
-            </a:r>
-            <a:r>
-              <a:rPr lang="en-US" baseline="0" dirty="0" err="1"/>
-              <a:t>Git</a:t>
+              <a:t> </a:t>
+            </a:r>
+            <a:r>
+              <a:rPr lang="en-US" dirty="0"/>
+              <a:t>wastes time, not convenient</a:t>
+            </a:r>
+          </a:p>
+          <a:p>
+            <a:pPr marL="0" marR="0" indent="0" algn="l" defTabSz="914400" rtl="0" eaLnBrk="1" fontAlgn="auto" latinLnBrk="0" hangingPunct="1">
+              <a:lnSpc>
+                <a:spcPct val="100000"/>
+              </a:lnSpc>
+              <a:spcBef>
+                <a:spcPts val="0"/>
+              </a:spcBef>
+              <a:spcAft>
+                <a:spcPts val="0"/>
+              </a:spcAft>
+              <a:buClrTx/>
+              <a:buSzTx/>
+              <a:buFontTx/>
+              <a:buNone/>
+              <a:tabLst/>
+              <a:defRPr/>
+            </a:pPr>
+            <a:r>
+              <a:rPr lang="en-US" dirty="0"/>
+              <a:t>Therefore, if you are earning money</a:t>
             </a:r>
             <a:r>
               <a:rPr lang="en-US" baseline="0" dirty="0"/>
-              <a:t> hub, </a:t>
-            </a:r>
-            <a:r>
-              <a:rPr lang="en-US" baseline="0" dirty="0" err="1"/>
-              <a:t>Trello</a:t>
-            </a:r>
-            <a:r>
-              <a:rPr lang="en-US" baseline="0" dirty="0"/>
-              <a:t> and so much more</a:t>
-            </a:r>
-          </a:p>
-          <a:p>
+              <a:t> from hotel business industry, you need a hotel booking and reservation system</a:t>
+            </a:r>
+            <a:endParaRPr lang="en-US" dirty="0"/>
+          </a:p>
+          <a:p>
+            <a:pPr marL="0" marR="0" indent="0" algn="l" defTabSz="914400" rtl="0" eaLnBrk="1" fontAlgn="auto" latinLnBrk="0" hangingPunct="1">
+              <a:lnSpc>
+                <a:spcPct val="100000"/>
+              </a:lnSpc>
+              <a:spcBef>
+                <a:spcPts val="0"/>
+              </a:spcBef>
+              <a:spcAft>
+                <a:spcPts val="0"/>
+              </a:spcAft>
+              <a:buClrTx/>
+              <a:buSzTx/>
+              <a:buFontTx/>
+              <a:buNone/>
+              <a:tabLst/>
+              <a:defRPr/>
+            </a:pPr>
             <a:endParaRPr lang="en-US" dirty="0"/>
           </a:p>
         </p:txBody>
@@ -1673,7 +1525,7 @@
           <a:p>
             <a:fld id="{0CACFBBB-5F2D-4F37-867E-042C6B44FB31}" type="slidenum">
               <a:rPr lang="en-US" smtClean="0"/>
-              <a:t>12</a:t>
+              <a:t>13</a:t>
             </a:fld>
             <a:endParaRPr lang="en-US"/>
           </a:p>
@@ -1682,7 +1534,7 @@
     </p:spTree>
     <p:extLst>
       <p:ext uri="{BB962C8B-B14F-4D97-AF65-F5344CB8AC3E}">
-        <p14:creationId xmlns:p14="http://schemas.microsoft.com/office/powerpoint/2010/main" val="87807644"/>
+        <p14:creationId xmlns:p14="http://schemas.microsoft.com/office/powerpoint/2010/main" val="1040810607"/>
       </p:ext>
     </p:extLst>
   </p:cSld>
@@ -1736,165 +1588,30 @@
           <a:bodyPr/>
           <a:lstStyle/>
           <a:p>
-            <a:pPr marL="0" marR="0" indent="0" algn="l" defTabSz="914400" rtl="0" eaLnBrk="1" fontAlgn="auto" latinLnBrk="0" hangingPunct="1">
-              <a:lnSpc>
-                <a:spcPct val="100000"/>
-              </a:lnSpc>
-              <a:spcBef>
-                <a:spcPts val="0"/>
-              </a:spcBef>
-              <a:spcAft>
-                <a:spcPts val="0"/>
-              </a:spcAft>
-              <a:buClrTx/>
-              <a:buSzTx/>
-              <a:buFontTx/>
-              <a:buNone/>
-              <a:tabLst/>
-              <a:defRPr/>
-            </a:pPr>
             <a:r>
               <a:rPr lang="en-US" dirty="0"/>
-              <a:t>As you can see in the picture,</a:t>
+              <a:t>To solve these problems above, many deluxe hotels or five stars hotels in the world such as Marriott International, Hilton Worldwide or InterContinental Hotels Group already have their own hotel booking systems. You can see the modern Hotel booking website of Marriott International Hotel here </a:t>
+            </a:r>
+          </a:p>
+          <a:p>
+            <a:r>
+              <a:rPr lang="en-US" dirty="0"/>
+              <a:t> </a:t>
+            </a:r>
+          </a:p>
+          <a:p>
+            <a:r>
+              <a:rPr lang="en-US" dirty="0"/>
+              <a:t>In developing technology industry, their systems were improved so much with friendly user interface, high performance and especially the ability to track the behavior of customers. So</a:t>
             </a:r>
             <a:r>
               <a:rPr lang="en-US" baseline="0" dirty="0"/>
-              <a:t> it is an image of Hilton Hampton Hotel in America, you can see that many customers are making a </a:t>
+              <a:t> that </a:t>
             </a:r>
             <a:r>
               <a:rPr lang="en-US" dirty="0"/>
-              <a:t>queue waiting</a:t>
-            </a:r>
-            <a:r>
-              <a:rPr lang="en-US" baseline="0" dirty="0"/>
-              <a:t> for own turn to book room or fill a reservation form. In fact, </a:t>
-            </a:r>
-            <a:r>
-              <a:rPr lang="en-US" dirty="0"/>
-              <a:t>in many enormous hotels, management is very difficult where booking based on pen and paper is not convenient for both the customers and the receptionists.</a:t>
-            </a:r>
-          </a:p>
-          <a:p>
-            <a:pPr marL="0" marR="0" indent="0" algn="l" defTabSz="914400" rtl="0" eaLnBrk="1" fontAlgn="auto" latinLnBrk="0" hangingPunct="1">
-              <a:lnSpc>
-                <a:spcPct val="100000"/>
-              </a:lnSpc>
-              <a:spcBef>
-                <a:spcPts val="0"/>
-              </a:spcBef>
-              <a:spcAft>
-                <a:spcPts val="0"/>
-              </a:spcAft>
-              <a:buClrTx/>
-              <a:buSzTx/>
-              <a:buFontTx/>
-              <a:buNone/>
-              <a:tabLst/>
-              <a:defRPr/>
-            </a:pPr>
-            <a:endParaRPr lang="en-US" dirty="0"/>
-          </a:p>
-          <a:p>
-            <a:pPr marL="0" marR="0" indent="0" algn="l" defTabSz="914400" rtl="0" eaLnBrk="1" fontAlgn="auto" latinLnBrk="0" hangingPunct="1">
-              <a:lnSpc>
-                <a:spcPct val="100000"/>
-              </a:lnSpc>
-              <a:spcBef>
-                <a:spcPts val="0"/>
-              </a:spcBef>
-              <a:spcAft>
-                <a:spcPts val="0"/>
-              </a:spcAft>
-              <a:buClrTx/>
-              <a:buSzTx/>
-              <a:buFontTx/>
-              <a:buNone/>
-              <a:tabLst/>
-              <a:defRPr/>
-            </a:pPr>
-            <a:r>
-              <a:rPr lang="en-US" dirty="0"/>
-              <a:t>This is because Customer have to come directly to hotel for booking </a:t>
-            </a:r>
-          </a:p>
-          <a:p>
-            <a:pPr marL="0" marR="0" indent="0" algn="l" defTabSz="914400" rtl="0" eaLnBrk="1" fontAlgn="auto" latinLnBrk="0" hangingPunct="1">
-              <a:lnSpc>
-                <a:spcPct val="100000"/>
-              </a:lnSpc>
-              <a:spcBef>
-                <a:spcPts val="0"/>
-              </a:spcBef>
-              <a:spcAft>
-                <a:spcPts val="0"/>
-              </a:spcAft>
-              <a:buClrTx/>
-              <a:buSzTx/>
-              <a:buFontTx/>
-              <a:buNone/>
-              <a:tabLst/>
-              <a:defRPr/>
-            </a:pPr>
-            <a:r>
-              <a:rPr lang="en-US" dirty="0"/>
-              <a:t>And it</a:t>
-            </a:r>
-            <a:r>
-              <a:rPr lang="en-US" baseline="0" dirty="0"/>
-              <a:t> </a:t>
-            </a:r>
-            <a:r>
-              <a:rPr lang="en-US" dirty="0"/>
-              <a:t>wastes time, not convenient</a:t>
-            </a:r>
-          </a:p>
-          <a:p>
-            <a:pPr marL="0" marR="0" indent="0" algn="l" defTabSz="914400" rtl="0" eaLnBrk="1" fontAlgn="auto" latinLnBrk="0" hangingPunct="1">
-              <a:lnSpc>
-                <a:spcPct val="100000"/>
-              </a:lnSpc>
-              <a:spcBef>
-                <a:spcPts val="0"/>
-              </a:spcBef>
-              <a:spcAft>
-                <a:spcPts val="0"/>
-              </a:spcAft>
-              <a:buClrTx/>
-              <a:buSzTx/>
-              <a:buFontTx/>
-              <a:buNone/>
-              <a:tabLst/>
-              <a:defRPr/>
-            </a:pPr>
-            <a:r>
-              <a:rPr lang="en-US" dirty="0"/>
-              <a:t>Therefore, if you are earning money</a:t>
-            </a:r>
-            <a:r>
-              <a:rPr lang="en-US" baseline="0" dirty="0"/>
-              <a:t> from hotel business industry, you need a hotel booking and reservation system</a:t>
-            </a:r>
-            <a:endParaRPr lang="en-US" dirty="0"/>
-          </a:p>
-          <a:p>
-            <a:pPr marL="0" marR="0" indent="0" algn="l" defTabSz="914400" rtl="0" eaLnBrk="1" fontAlgn="auto" latinLnBrk="0" hangingPunct="1">
-              <a:lnSpc>
-                <a:spcPct val="100000"/>
-              </a:lnSpc>
-              <a:spcBef>
-                <a:spcPts val="0"/>
-              </a:spcBef>
-              <a:spcAft>
-                <a:spcPts val="0"/>
-              </a:spcAft>
-              <a:buClrTx/>
-              <a:buSzTx/>
-              <a:buFontTx/>
-              <a:buNone/>
-              <a:tabLst/>
-              <a:defRPr/>
-            </a:pPr>
-            <a:endParaRPr lang="en-US" dirty="0"/>
+              <a:t>They would know which pages customers clicked on, how long customers stayed at each page, which rooms, which services that customers had searched, booked, ordered or send the feedbacks. </a:t>
+            </a:r>
           </a:p>
         </p:txBody>
       </p:sp>
@@ -1924,7 +1641,7 @@
     </p:spTree>
     <p:extLst>
       <p:ext uri="{BB962C8B-B14F-4D97-AF65-F5344CB8AC3E}">
-        <p14:creationId xmlns:p14="http://schemas.microsoft.com/office/powerpoint/2010/main" val="1040810607"/>
+        <p14:creationId xmlns:p14="http://schemas.microsoft.com/office/powerpoint/2010/main" val="3485386231"/>
       </p:ext>
     </p:extLst>
   </p:cSld>
@@ -1978,29 +1695,70 @@
           <a:bodyPr/>
           <a:lstStyle/>
           <a:p>
+            <a:pPr marL="0" marR="0" indent="0" algn="l" defTabSz="914400" rtl="0" eaLnBrk="1" fontAlgn="auto" latinLnBrk="0" hangingPunct="1">
+              <a:lnSpc>
+                <a:spcPct val="100000"/>
+              </a:lnSpc>
+              <a:spcBef>
+                <a:spcPts val="0"/>
+              </a:spcBef>
+              <a:spcAft>
+                <a:spcPts val="0"/>
+              </a:spcAft>
+              <a:buClrTx/>
+              <a:buSzTx/>
+              <a:buFontTx/>
+              <a:buNone/>
+              <a:tabLst/>
+              <a:defRPr/>
+            </a:pPr>
             <a:r>
               <a:rPr lang="en-US" dirty="0"/>
-              <a:t>To solve these problems above, many deluxe hotels or five stars hotels in the world such as Marriott International, Hilton Worldwide or InterContinental Hotels Group already have their own hotel booking systems. You can see the modern Hotel booking website of Marriott International Hotel here </a:t>
-            </a:r>
-          </a:p>
-          <a:p>
+              <a:t>The goal of my thesis is experiment </a:t>
+            </a:r>
+            <a:r>
+              <a:rPr lang="en-US" dirty="0" err="1"/>
+              <a:t>Mircoservices</a:t>
+            </a:r>
             <a:r>
               <a:rPr lang="en-US" dirty="0"/>
-              <a:t> </a:t>
-            </a:r>
+              <a:t> with all technologies have mentioned to build a Hotel Booking and Reservations system similar to some other modern five-star hotel system. </a:t>
+            </a:r>
+          </a:p>
+          <a:p>
+            <a:endParaRPr lang="en-US" dirty="0"/>
+          </a:p>
+          <a:p>
+            <a:endParaRPr lang="en-US" dirty="0"/>
           </a:p>
           <a:p>
             <a:r>
               <a:rPr lang="en-US" dirty="0"/>
-              <a:t>In developing technology industry, their systems were improved so much with friendly user interface, high performance and especially the ability to track the behavior of customers. So</a:t>
-            </a:r>
-            <a:r>
-              <a:rPr lang="en-US" baseline="0" dirty="0"/>
-              <a:t> that </a:t>
+              <a:t>Two responsive websites with apply </a:t>
+            </a:r>
+            <a:r>
+              <a:rPr lang="en-US" dirty="0" err="1"/>
+              <a:t>Mircoservices</a:t>
             </a:r>
             <a:r>
               <a:rPr lang="en-US" dirty="0"/>
-              <a:t>They would know which pages customers clicked on, how long customers stayed at each page, which rooms, which services that customers had searched, booked, ordered or send the feedbacks. </a:t>
+              <a:t>, Single Page Application, </a:t>
+            </a:r>
+            <a:r>
+              <a:rPr lang="en-US" dirty="0" err="1"/>
+              <a:t>RESTful</a:t>
+            </a:r>
+            <a:r>
+              <a:rPr lang="en-US" dirty="0"/>
+              <a:t> </a:t>
+            </a:r>
+            <a:r>
+              <a:rPr lang="en-US" dirty="0" err="1"/>
+              <a:t>webserivce</a:t>
+            </a:r>
+            <a:r>
+              <a:rPr lang="en-US" dirty="0"/>
+              <a:t> and MVC architecture style.</a:t>
             </a:r>
           </a:p>
         </p:txBody>
@@ -2022,7 +1780,7 @@
           <a:p>
             <a:fld id="{0CACFBBB-5F2D-4F37-867E-042C6B44FB31}" type="slidenum">
               <a:rPr lang="en-US" smtClean="0"/>
-              <a:t>15</a:t>
+              <a:t>16</a:t>
             </a:fld>
             <a:endParaRPr lang="en-US"/>
           </a:p>
@@ -2031,7 +1789,7 @@
     </p:spTree>
     <p:extLst>
       <p:ext uri="{BB962C8B-B14F-4D97-AF65-F5344CB8AC3E}">
-        <p14:creationId xmlns:p14="http://schemas.microsoft.com/office/powerpoint/2010/main" val="3485386231"/>
+        <p14:creationId xmlns:p14="http://schemas.microsoft.com/office/powerpoint/2010/main" val="4227077257"/>
       </p:ext>
     </p:extLst>
   </p:cSld>
@@ -2085,6 +1843,39 @@
           <a:bodyPr/>
           <a:lstStyle/>
           <a:p>
+            <a:pPr marL="0" indent="0">
+              <a:buNone/>
+            </a:pPr>
+            <a:endParaRPr lang="en-US" dirty="0"/>
+          </a:p>
+          <a:p>
+            <a:r>
+              <a:rPr lang="en-US" dirty="0"/>
+              <a:t>My system is the online single page web application with high performance and dynamically loading by using Single Page application</a:t>
+            </a:r>
+            <a:r>
+              <a:rPr lang="en-US" baseline="0" dirty="0"/>
+              <a:t> thank to Angular and </a:t>
+            </a:r>
+            <a:r>
+              <a:rPr lang="en-US" baseline="0" dirty="0" err="1"/>
+              <a:t>RESTful</a:t>
+            </a:r>
+            <a:r>
+              <a:rPr lang="en-US" baseline="0" dirty="0"/>
+              <a:t> </a:t>
+            </a:r>
+            <a:r>
+              <a:rPr lang="en-US" baseline="0" dirty="0" err="1"/>
+              <a:t>webservice</a:t>
+            </a:r>
+            <a:r>
+              <a:rPr lang="en-US" baseline="0" dirty="0"/>
+              <a:t> </a:t>
+            </a:r>
+            <a:endParaRPr lang="en-US" dirty="0"/>
+          </a:p>
+          <a:p>
             <a:pPr marL="0" marR="0" indent="0" algn="l" defTabSz="914400" rtl="0" eaLnBrk="1" fontAlgn="auto" latinLnBrk="0" hangingPunct="1">
               <a:lnSpc>
                 <a:spcPct val="100000"/>
@@ -2102,54 +1893,114 @@
               <a:tabLst/>
               <a:defRPr/>
             </a:pPr>
+            <a:endParaRPr lang="en-US" dirty="0"/>
+          </a:p>
+          <a:p>
+            <a:pPr marL="0" marR="0" indent="0" algn="l" defTabSz="914400" rtl="0" eaLnBrk="1" fontAlgn="auto" latinLnBrk="0" hangingPunct="1">
+              <a:lnSpc>
+                <a:spcPct val="100000"/>
+              </a:lnSpc>
+              <a:spcBef>
+                <a:spcPts val="0"/>
+              </a:spcBef>
+              <a:spcAft>
+                <a:spcPts val="0"/>
+              </a:spcAft>
+              <a:buClrTx/>
+              <a:buSzTx/>
+              <a:buFontTx/>
+              <a:buNone/>
+              <a:tabLst/>
+              <a:defRPr/>
+            </a:pPr>
+            <a:endParaRPr lang="en-US" dirty="0"/>
+          </a:p>
+          <a:p>
+            <a:pPr marL="0" marR="0" indent="0" algn="l" defTabSz="914400" rtl="0" eaLnBrk="1" fontAlgn="auto" latinLnBrk="0" hangingPunct="1">
+              <a:lnSpc>
+                <a:spcPct val="100000"/>
+              </a:lnSpc>
+              <a:spcBef>
+                <a:spcPts val="0"/>
+              </a:spcBef>
+              <a:spcAft>
+                <a:spcPts val="0"/>
+              </a:spcAft>
+              <a:buClrTx/>
+              <a:buSzTx/>
+              <a:buFontTx/>
+              <a:buNone/>
+              <a:tabLst/>
+              <a:defRPr/>
+            </a:pPr>
             <a:r>
               <a:rPr lang="en-US" dirty="0"/>
-              <a:t>The goal of my thesis is experiment </a:t>
+              <a:t>A lot of advanced, modern and popular web application technologies are used to implement my system such as </a:t>
             </a:r>
             <a:r>
               <a:rPr lang="en-US" dirty="0" err="1"/>
-              <a:t>Mircoservices</a:t>
+              <a:t>mircoservices</a:t>
             </a:r>
             <a:r>
               <a:rPr lang="en-US" dirty="0"/>
-              <a:t> with all technologies have mentioned to build a Hotel Booking and Reservations system similar to some other modern five-star hotel system. </a:t>
-            </a:r>
-          </a:p>
-          <a:p>
+              <a:t>,</a:t>
+            </a:r>
+            <a:r>
+              <a:rPr lang="en-US" baseline="0" dirty="0"/>
+              <a:t> mean, spring </a:t>
+            </a:r>
+            <a:r>
+              <a:rPr lang="en-US" baseline="0" dirty="0" err="1"/>
+              <a:t>mvc</a:t>
+            </a:r>
+            <a:r>
+              <a:rPr lang="en-US" baseline="0" dirty="0"/>
+              <a:t> hibernate and so much more</a:t>
+            </a:r>
             <a:endParaRPr lang="en-US" dirty="0"/>
           </a:p>
           <a:p>
+            <a:pPr marL="0" indent="0">
+              <a:buNone/>
+            </a:pPr>
             <a:endParaRPr lang="en-US" dirty="0"/>
           </a:p>
           <a:p>
+            <a:endParaRPr lang="en-US" dirty="0"/>
+          </a:p>
+          <a:p>
+            <a:pPr marL="0" marR="0" indent="0" algn="l" defTabSz="914400" rtl="0" eaLnBrk="1" fontAlgn="auto" latinLnBrk="0" hangingPunct="1">
+              <a:lnSpc>
+                <a:spcPct val="100000"/>
+              </a:lnSpc>
+              <a:spcBef>
+                <a:spcPts val="0"/>
+              </a:spcBef>
+              <a:spcAft>
+                <a:spcPts val="0"/>
+              </a:spcAft>
+              <a:buClrTx/>
+              <a:buSzTx/>
+              <a:buFontTx/>
+              <a:buNone/>
+              <a:tabLst/>
+              <a:defRPr/>
+            </a:pPr>
             <a:r>
               <a:rPr lang="en-US" dirty="0"/>
-              <a:t>Two responsive websites with apply </a:t>
+              <a:t>My system also friendly user interface which supports running on many browsers, devices include smart phone, </a:t>
             </a:r>
             <a:r>
               <a:rPr lang="en-US" dirty="0" err="1"/>
-              <a:t>Mircoservices</a:t>
+              <a:t>iPad</a:t>
             </a:r>
             <a:r>
               <a:rPr lang="en-US" dirty="0"/>
-              <a:t>, Single Page Application, </a:t>
-            </a:r>
-            <a:r>
-              <a:rPr lang="en-US" dirty="0" err="1"/>
-              <a:t>RESTful</a:t>
-            </a:r>
-            <a:r>
-              <a:rPr lang="en-US" dirty="0"/>
-              <a:t> </a:t>
-            </a:r>
-            <a:r>
-              <a:rPr lang="en-US" dirty="0" err="1"/>
-              <a:t>webserivce</a:t>
-            </a:r>
-            <a:r>
-              <a:rPr lang="en-US" dirty="0"/>
-              <a:t> and MVC architecture style.</a:t>
-            </a:r>
+              <a:t>, laptop and desktop. </a:t>
+            </a:r>
+          </a:p>
+          <a:p>
+            <a:endParaRPr lang="en-US" dirty="0"/>
           </a:p>
         </p:txBody>
       </p:sp>
@@ -2179,7 +2030,7 @@
     </p:spTree>
     <p:extLst>
       <p:ext uri="{BB962C8B-B14F-4D97-AF65-F5344CB8AC3E}">
-        <p14:creationId xmlns:p14="http://schemas.microsoft.com/office/powerpoint/2010/main" val="4227077257"/>
+        <p14:creationId xmlns:p14="http://schemas.microsoft.com/office/powerpoint/2010/main" val="3978925196"/>
       </p:ext>
     </p:extLst>
   </p:cSld>
@@ -2233,163 +2084,6 @@
           <a:bodyPr/>
           <a:lstStyle/>
           <a:p>
-            <a:pPr marL="0" indent="0">
-              <a:buNone/>
-            </a:pPr>
-            <a:endParaRPr lang="en-US" dirty="0"/>
-          </a:p>
-          <a:p>
-            <a:r>
-              <a:rPr lang="en-US" dirty="0"/>
-              <a:t>My system is the online single page web application with high performance and dynamically loading by using Single Page application</a:t>
-            </a:r>
-            <a:r>
-              <a:rPr lang="en-US" baseline="0" dirty="0"/>
-              <a:t> thank to Angular and </a:t>
-            </a:r>
-            <a:r>
-              <a:rPr lang="en-US" baseline="0" dirty="0" err="1"/>
-              <a:t>RESTful</a:t>
-            </a:r>
-            <a:r>
-              <a:rPr lang="en-US" baseline="0" dirty="0"/>
-              <a:t> </a:t>
-            </a:r>
-            <a:r>
-              <a:rPr lang="en-US" baseline="0" dirty="0" err="1"/>
-              <a:t>webservice</a:t>
-            </a:r>
-            <a:r>
-              <a:rPr lang="en-US" baseline="0" dirty="0"/>
-              <a:t> </a:t>
-            </a:r>
-            <a:endParaRPr lang="en-US" dirty="0"/>
-          </a:p>
-          <a:p>
-            <a:pPr marL="0" marR="0" indent="0" algn="l" defTabSz="914400" rtl="0" eaLnBrk="1" fontAlgn="auto" latinLnBrk="0" hangingPunct="1">
-              <a:lnSpc>
-                <a:spcPct val="100000"/>
-              </a:lnSpc>
-              <a:spcBef>
-                <a:spcPts val="0"/>
-              </a:spcBef>
-              <a:spcAft>
-                <a:spcPts val="0"/>
-              </a:spcAft>
-              <a:buClrTx/>
-              <a:buSzTx/>
-              <a:buFontTx/>
-              <a:buNone/>
-              <a:tabLst/>
-              <a:defRPr/>
-            </a:pPr>
-            <a:endParaRPr lang="en-US" dirty="0"/>
-          </a:p>
-          <a:p>
-            <a:pPr marL="0" marR="0" indent="0" algn="l" defTabSz="914400" rtl="0" eaLnBrk="1" fontAlgn="auto" latinLnBrk="0" hangingPunct="1">
-              <a:lnSpc>
-                <a:spcPct val="100000"/>
-              </a:lnSpc>
-              <a:spcBef>
-                <a:spcPts val="0"/>
-              </a:spcBef>
-              <a:spcAft>
-                <a:spcPts val="0"/>
-              </a:spcAft>
-              <a:buClrTx/>
-              <a:buSzTx/>
-              <a:buFontTx/>
-              <a:buNone/>
-              <a:tabLst/>
-              <a:defRPr/>
-            </a:pPr>
-            <a:endParaRPr lang="en-US" dirty="0"/>
-          </a:p>
-          <a:p>
-            <a:pPr marL="0" marR="0" indent="0" algn="l" defTabSz="914400" rtl="0" eaLnBrk="1" fontAlgn="auto" latinLnBrk="0" hangingPunct="1">
-              <a:lnSpc>
-                <a:spcPct val="100000"/>
-              </a:lnSpc>
-              <a:spcBef>
-                <a:spcPts val="0"/>
-              </a:spcBef>
-              <a:spcAft>
-                <a:spcPts val="0"/>
-              </a:spcAft>
-              <a:buClrTx/>
-              <a:buSzTx/>
-              <a:buFontTx/>
-              <a:buNone/>
-              <a:tabLst/>
-              <a:defRPr/>
-            </a:pPr>
-            <a:r>
-              <a:rPr lang="en-US" dirty="0"/>
-              <a:t>A lot of advanced, modern and popular web application technologies are used to implement my system such as </a:t>
-            </a:r>
-            <a:r>
-              <a:rPr lang="en-US" dirty="0" err="1"/>
-              <a:t>mircoservices</a:t>
-            </a:r>
-            <a:r>
-              <a:rPr lang="en-US" dirty="0"/>
-              <a:t>,</a:t>
-            </a:r>
-            <a:r>
-              <a:rPr lang="en-US" baseline="0" dirty="0"/>
-              <a:t> mean, spring </a:t>
-            </a:r>
-            <a:r>
-              <a:rPr lang="en-US" baseline="0" dirty="0" err="1"/>
-              <a:t>mvc</a:t>
-            </a:r>
-            <a:r>
-              <a:rPr lang="en-US" baseline="0" dirty="0"/>
-              <a:t> hibernate and so much more</a:t>
-            </a:r>
-            <a:endParaRPr lang="en-US" dirty="0"/>
-          </a:p>
-          <a:p>
-            <a:pPr marL="0" indent="0">
-              <a:buNone/>
-            </a:pPr>
-            <a:endParaRPr lang="en-US" dirty="0"/>
-          </a:p>
-          <a:p>
-            <a:endParaRPr lang="en-US" dirty="0"/>
-          </a:p>
-          <a:p>
-            <a:pPr marL="0" marR="0" indent="0" algn="l" defTabSz="914400" rtl="0" eaLnBrk="1" fontAlgn="auto" latinLnBrk="0" hangingPunct="1">
-              <a:lnSpc>
-                <a:spcPct val="100000"/>
-              </a:lnSpc>
-              <a:spcBef>
-                <a:spcPts val="0"/>
-              </a:spcBef>
-              <a:spcAft>
-                <a:spcPts val="0"/>
-              </a:spcAft>
-              <a:buClrTx/>
-              <a:buSzTx/>
-              <a:buFontTx/>
-              <a:buNone/>
-              <a:tabLst/>
-              <a:defRPr/>
-            </a:pPr>
-            <a:r>
-              <a:rPr lang="en-US" dirty="0"/>
-              <a:t>My system also friendly user interface which supports running on many browsers, devices include smart phone, </a:t>
-            </a:r>
-            <a:r>
-              <a:rPr lang="en-US" dirty="0" err="1"/>
-              <a:t>iPad</a:t>
-            </a:r>
-            <a:r>
-              <a:rPr lang="en-US" dirty="0"/>
-              <a:t>, laptop and desktop. </a:t>
-            </a:r>
-          </a:p>
-          <a:p>
             <a:endParaRPr lang="en-US" dirty="0"/>
           </a:p>
         </p:txBody>
@@ -2411,7 +2105,7 @@
           <a:p>
             <a:fld id="{0CACFBBB-5F2D-4F37-867E-042C6B44FB31}" type="slidenum">
               <a:rPr lang="en-US" smtClean="0"/>
-              <a:t>18</a:t>
+              <a:t>19</a:t>
             </a:fld>
             <a:endParaRPr lang="en-US"/>
           </a:p>
@@ -2420,7 +2114,7 @@
     </p:spTree>
     <p:extLst>
       <p:ext uri="{BB962C8B-B14F-4D97-AF65-F5344CB8AC3E}">
-        <p14:creationId xmlns:p14="http://schemas.microsoft.com/office/powerpoint/2010/main" val="3978925196"/>
+        <p14:creationId xmlns:p14="http://schemas.microsoft.com/office/powerpoint/2010/main" val="574283578"/>
       </p:ext>
     </p:extLst>
   </p:cSld>
@@ -2474,127 +2168,41 @@
           <a:bodyPr/>
           <a:lstStyle/>
           <a:p>
-            <a:pPr marL="0" marR="0" indent="0" algn="l" defTabSz="914400" rtl="0" eaLnBrk="1" fontAlgn="auto" latinLnBrk="0" hangingPunct="1">
-              <a:lnSpc>
-                <a:spcPct val="100000"/>
-              </a:lnSpc>
-              <a:spcBef>
-                <a:spcPts val="0"/>
-              </a:spcBef>
-              <a:spcAft>
-                <a:spcPts val="0"/>
-              </a:spcAft>
-              <a:buClrTx/>
-              <a:buSzTx/>
-              <a:buFontTx/>
-              <a:buNone/>
-              <a:tabLst/>
-              <a:defRPr/>
-            </a:pPr>
             <a:r>
               <a:rPr lang="en-US" dirty="0"/>
-              <a:t>My system</a:t>
+              <a:t>This</a:t>
             </a:r>
             <a:r>
               <a:rPr lang="en-US" baseline="0" dirty="0"/>
-              <a:t> </a:t>
-            </a:r>
-            <a:r>
-              <a:rPr lang="en-US" dirty="0"/>
-              <a:t>has ability to track user’s behavior so that I can know the pages, the images customers click, total times they visited my websites, the duration they stayed in each page with their username, IP address and location. Even the keyword that customers search or the buttons they click for filter rooms or restaurant services are under controlled. </a:t>
-            </a:r>
-          </a:p>
-          <a:p>
-            <a:pPr marL="0" marR="0" indent="0" algn="l" defTabSz="914400" rtl="0" eaLnBrk="1" fontAlgn="auto" latinLnBrk="0" hangingPunct="1">
-              <a:lnSpc>
-                <a:spcPct val="100000"/>
-              </a:lnSpc>
-              <a:spcBef>
-                <a:spcPts val="0"/>
-              </a:spcBef>
-              <a:spcAft>
-                <a:spcPts val="0"/>
-              </a:spcAft>
-              <a:buClrTx/>
-              <a:buSzTx/>
-              <a:buFontTx/>
-              <a:buNone/>
-              <a:tabLst/>
-              <a:defRPr/>
-            </a:pPr>
-            <a:endParaRPr lang="en-US" dirty="0"/>
-          </a:p>
-          <a:p>
-            <a:r>
-              <a:rPr lang="en-US" dirty="0"/>
-              <a:t>With all the data collection from customers, my system can automatically recommend rooms for them according to the rooms they had interacted. </a:t>
-            </a:r>
-          </a:p>
-          <a:p>
-            <a:pPr marL="82296" indent="0">
-              <a:buNone/>
-            </a:pPr>
-            <a:r>
-              <a:rPr lang="en-US" dirty="0"/>
-              <a:t>      =&gt; Can apply AI machine learning in the future</a:t>
-            </a:r>
-          </a:p>
-          <a:p>
-            <a:pPr marL="82296" indent="0">
-              <a:buNone/>
-            </a:pPr>
-            <a:endParaRPr lang="en-US" dirty="0"/>
-          </a:p>
-          <a:p>
-            <a:pPr marL="82296" marR="0" indent="0" algn="l" defTabSz="914400" rtl="0" eaLnBrk="1" fontAlgn="auto" latinLnBrk="0" hangingPunct="1">
-              <a:lnSpc>
-                <a:spcPct val="100000"/>
-              </a:lnSpc>
-              <a:spcBef>
-                <a:spcPts val="0"/>
-              </a:spcBef>
-              <a:spcAft>
-                <a:spcPts val="0"/>
-              </a:spcAft>
-              <a:buClrTx/>
-              <a:buSzTx/>
-              <a:buFontTx/>
-              <a:buNone/>
-              <a:tabLst/>
-              <a:defRPr/>
-            </a:pPr>
-            <a:r>
-              <a:rPr lang="en-US" dirty="0"/>
-              <a:t>hotel owners can improve their hotel based on customers wish if they apply my system for their hotel business.</a:t>
-            </a:r>
-          </a:p>
-          <a:p>
-            <a:pPr marL="82296" indent="0">
-              <a:buNone/>
-            </a:pPr>
-            <a:endParaRPr lang="en-US" dirty="0"/>
-          </a:p>
-          <a:p>
-            <a:pPr marL="0" marR="0" indent="0" algn="l" defTabSz="914400" rtl="0" eaLnBrk="1" fontAlgn="auto" latinLnBrk="0" hangingPunct="1">
-              <a:lnSpc>
-                <a:spcPct val="100000"/>
-              </a:lnSpc>
-              <a:spcBef>
-                <a:spcPts val="0"/>
-              </a:spcBef>
-              <a:spcAft>
-                <a:spcPts val="0"/>
-              </a:spcAft>
-              <a:buClrTx/>
-              <a:buSzTx/>
-              <a:buFontTx/>
-              <a:buNone/>
-              <a:tabLst/>
-              <a:defRPr/>
-            </a:pPr>
-            <a:endParaRPr lang="en-US" dirty="0"/>
-          </a:p>
-          <a:p>
+              <a:t> use case diagram clarify the features for each role. </a:t>
+            </a:r>
+          </a:p>
+          <a:p>
+            <a:endParaRPr lang="en-US" baseline="0" dirty="0"/>
+          </a:p>
+          <a:p>
+            <a:r>
+              <a:rPr lang="en-US" baseline="0" dirty="0"/>
+              <a:t>The guest can access some page such as hotel introduction, contact, gallery, restaurant and view room only and register to be a customer. </a:t>
+            </a:r>
+          </a:p>
+          <a:p>
+            <a:endParaRPr lang="en-US" baseline="0" dirty="0"/>
+          </a:p>
+          <a:p>
+            <a:r>
+              <a:rPr lang="en-US" baseline="0" dirty="0"/>
+              <a:t>The customer have an account so they can login, logout, book room, cancel room, feedback or view their activity</a:t>
+            </a:r>
+          </a:p>
+          <a:p>
+            <a:endParaRPr lang="en-US" baseline="0" dirty="0"/>
+          </a:p>
+          <a:p>
+            <a:r>
+              <a:rPr lang="en-US" baseline="0" dirty="0"/>
+              <a:t>The admin can manage hotel items, manage user, view statistics tracking data and chart.</a:t>
+            </a:r>
             <a:endParaRPr lang="en-US" dirty="0"/>
           </a:p>
         </p:txBody>
@@ -2616,7 +2224,7 @@
           <a:p>
             <a:fld id="{0CACFBBB-5F2D-4F37-867E-042C6B44FB31}" type="slidenum">
               <a:rPr lang="en-US" smtClean="0"/>
-              <a:t>19</a:t>
+              <a:t>20</a:t>
             </a:fld>
             <a:endParaRPr lang="en-US"/>
           </a:p>
@@ -2625,7 +2233,7 @@
     </p:spTree>
     <p:extLst>
       <p:ext uri="{BB962C8B-B14F-4D97-AF65-F5344CB8AC3E}">
-        <p14:creationId xmlns:p14="http://schemas.microsoft.com/office/powerpoint/2010/main" val="2202100397"/>
+        <p14:creationId xmlns:p14="http://schemas.microsoft.com/office/powerpoint/2010/main" val="3823629191"/>
       </p:ext>
     </p:extLst>
   </p:cSld>
@@ -2681,33 +2289,70 @@
           <a:p>
             <a:r>
               <a:rPr lang="en-US" dirty="0"/>
-              <a:t>My system support more than 60 features for 3 roles guest, customer, admin.</a:t>
-            </a:r>
-          </a:p>
-          <a:p>
-            <a:endParaRPr lang="en-US" dirty="0"/>
-          </a:p>
-          <a:p>
+              <a:t>This is my general</a:t>
+            </a:r>
+            <a:r>
+              <a:rPr lang="en-US" baseline="0" dirty="0"/>
+              <a:t> system architecture.</a:t>
+            </a:r>
+          </a:p>
+          <a:p>
+            <a:endParaRPr lang="en-US" baseline="0" dirty="0"/>
+          </a:p>
+          <a:p>
+            <a:r>
+              <a:rPr lang="en-US" baseline="0" dirty="0"/>
+              <a:t>As you can see, o</a:t>
+            </a:r>
             <a:r>
               <a:rPr lang="en-US" dirty="0"/>
-              <a:t>And</a:t>
+              <a:t>n</a:t>
             </a:r>
             <a:r>
               <a:rPr lang="en-US" baseline="0" dirty="0"/>
-              <a:t> there are also provides a lot of features based on my hotel business </a:t>
-            </a:r>
-          </a:p>
-          <a:p>
-            <a:endParaRPr lang="en-US" baseline="0" dirty="0"/>
-          </a:p>
-          <a:p>
-            <a:r>
-              <a:rPr lang="en-US" dirty="0"/>
-              <a:t>And with tracking features, where</a:t>
+              <a:t> server side, Node.js and Express framework connect to </a:t>
+            </a:r>
+            <a:r>
+              <a:rPr lang="en-US" baseline="0" dirty="0" err="1"/>
+              <a:t>MongoDB</a:t>
             </a:r>
             <a:r>
               <a:rPr lang="en-US" baseline="0" dirty="0"/>
-              <a:t> ever you are, what ever you do, you are always followed if you use my hotel system</a:t>
+              <a:t> for data and similar to Spring MVC connect SQL DB using Hibernate</a:t>
+            </a:r>
+          </a:p>
+          <a:p>
+            <a:r>
+              <a:rPr lang="en-US" baseline="0" dirty="0"/>
+              <a:t>Both these 2 apps on server side built </a:t>
+            </a:r>
+            <a:r>
+              <a:rPr lang="en-US" baseline="0" dirty="0" err="1"/>
+              <a:t>RESTful</a:t>
+            </a:r>
+            <a:r>
+              <a:rPr lang="en-US" baseline="0" dirty="0"/>
+              <a:t> web service to provide data for client as JSON. The role of Angular is to interact with REST API and display the page dynamically.</a:t>
+            </a:r>
+          </a:p>
+          <a:p>
+            <a:r>
+              <a:rPr lang="en-US" baseline="0" dirty="0"/>
+              <a:t> </a:t>
+            </a:r>
+          </a:p>
+          <a:p>
+            <a:r>
+              <a:rPr lang="en-US" baseline="0" dirty="0"/>
+              <a:t>The server sides can also interact with each other via API . All of these technology from client to server to database have created a picture of </a:t>
+            </a:r>
+            <a:r>
+              <a:rPr lang="en-US" baseline="0" dirty="0" err="1"/>
+              <a:t>Mircoservices</a:t>
+            </a:r>
+            <a:r>
+              <a:rPr lang="en-US" baseline="0" dirty="0"/>
+              <a:t> architectures which work independently and effectively.</a:t>
             </a:r>
             <a:endParaRPr lang="en-US" dirty="0"/>
           </a:p>
@@ -2730,7 +2375,7 @@
           <a:p>
             <a:fld id="{0CACFBBB-5F2D-4F37-867E-042C6B44FB31}" type="slidenum">
               <a:rPr lang="en-US" smtClean="0"/>
-              <a:t>21</a:t>
+              <a:t>22</a:t>
             </a:fld>
             <a:endParaRPr lang="en-US"/>
           </a:p>
@@ -2739,7 +2384,7 @@
     </p:spTree>
     <p:extLst>
       <p:ext uri="{BB962C8B-B14F-4D97-AF65-F5344CB8AC3E}">
-        <p14:creationId xmlns:p14="http://schemas.microsoft.com/office/powerpoint/2010/main" val="2230228795"/>
+        <p14:creationId xmlns:p14="http://schemas.microsoft.com/office/powerpoint/2010/main" val="3432242370"/>
       </p:ext>
     </p:extLst>
   </p:cSld>
@@ -2799,7 +2444,19 @@
             </a:r>
             <a:r>
               <a:rPr lang="en-US" baseline="0" dirty="0"/>
-              <a:t> use case diagram clarify the features for each role. </a:t>
+              <a:t> is my system architecture in details with all the important materials in Angular 2, </a:t>
+            </a:r>
+            <a:r>
+              <a:rPr lang="en-US" baseline="0" dirty="0" err="1"/>
+              <a:t>AngularJS</a:t>
+            </a:r>
+            <a:r>
+              <a:rPr lang="en-US" baseline="0" dirty="0"/>
+              <a:t>, Express, Spring </a:t>
+            </a:r>
+            <a:r>
+              <a:rPr lang="en-US" baseline="0"/>
+              <a:t>MVC Hibernate</a:t>
             </a:r>
           </a:p>
           <a:p>
@@ -2808,27 +2465,110 @@
           <a:p>
             <a:r>
               <a:rPr lang="en-US" baseline="0" dirty="0"/>
-              <a:t>The guest can access some page such as hotel introduction, contact, gallery, restaurant and view room only and register to be a customer. </a:t>
-            </a:r>
-          </a:p>
-          <a:p>
+              <a:t>There are too much relationship so I just summary some important points:</a:t>
+            </a:r>
+          </a:p>
+          <a:p>
+            <a:r>
+              <a:rPr lang="en-US" baseline="0" dirty="0"/>
+              <a:t>For the server side, I apply 3 layer architecture for Spring app with Controller, Service and Data Access Object</a:t>
+            </a:r>
+          </a:p>
+          <a:p>
+            <a:r>
+              <a:rPr lang="en-US" baseline="0" dirty="0"/>
+              <a:t>For the Node.js app, I use Express Route Controller Model</a:t>
+            </a:r>
+          </a:p>
+          <a:p>
+            <a:r>
+              <a:rPr lang="en-US" baseline="0" dirty="0"/>
+              <a:t>The Spring Server connect with SQL bi Hibernate and Node.js server connect with </a:t>
+            </a:r>
+            <a:r>
+              <a:rPr lang="en-US" baseline="0" dirty="0" err="1"/>
+              <a:t>Mongodb</a:t>
+            </a:r>
+            <a:r>
+              <a:rPr lang="en-US" baseline="0" dirty="0"/>
+              <a:t> to provide data for client side as JSON by </a:t>
+            </a:r>
+            <a:r>
+              <a:rPr lang="en-US" baseline="0" dirty="0" err="1"/>
+              <a:t>RESTful</a:t>
+            </a:r>
+            <a:r>
+              <a:rPr lang="en-US" baseline="0" dirty="0"/>
+              <a:t> </a:t>
+            </a:r>
+            <a:r>
+              <a:rPr lang="en-US" baseline="0" dirty="0" err="1"/>
+              <a:t>webservice</a:t>
+            </a:r>
             <a:endParaRPr lang="en-US" baseline="0" dirty="0"/>
           </a:p>
           <a:p>
             <a:r>
               <a:rPr lang="en-US" baseline="0" dirty="0"/>
-              <a:t>The customer have an account so they can login, logout, book room, cancel room, feedback or view their activity</a:t>
-            </a:r>
-          </a:p>
-          <a:p>
+              <a:t>On client side, </a:t>
+            </a:r>
+            <a:r>
+              <a:rPr lang="en-US" baseline="0" dirty="0" err="1"/>
+              <a:t>AngularJS</a:t>
+            </a:r>
+            <a:r>
+              <a:rPr lang="en-US" baseline="0" dirty="0"/>
+              <a:t> and Angular 2 get data from server to component or controller for data binding with Angular template. There are also some supported </a:t>
+            </a:r>
+            <a:r>
+              <a:rPr lang="en-US" sz="1200" b="0" i="0" kern="1200" baseline="0" dirty="0">
+                <a:solidFill>
+                  <a:schemeClr val="tx1"/>
+                </a:solidFill>
+                <a:effectLst/>
+                <a:latin typeface="+mn-lt"/>
+                <a:ea typeface="+mn-ea"/>
+                <a:cs typeface="+mn-cs"/>
+              </a:rPr>
+              <a:t>building block such as Angular 2 service, model, directive, pipe router, </a:t>
+            </a:r>
+            <a:r>
+              <a:rPr lang="en-US" sz="1200" b="0" i="0" kern="1200" baseline="0" dirty="0" err="1">
+                <a:solidFill>
+                  <a:schemeClr val="tx1"/>
+                </a:solidFill>
+                <a:effectLst/>
+                <a:latin typeface="+mn-lt"/>
+                <a:ea typeface="+mn-ea"/>
+                <a:cs typeface="+mn-cs"/>
+              </a:rPr>
+              <a:t>AngularJS</a:t>
+            </a:r>
+            <a:r>
+              <a:rPr lang="en-US" sz="1200" b="0" i="0" kern="1200" baseline="0" dirty="0">
+                <a:solidFill>
+                  <a:schemeClr val="tx1"/>
+                </a:solidFill>
+                <a:effectLst/>
+                <a:latin typeface="+mn-lt"/>
+                <a:ea typeface="+mn-ea"/>
+                <a:cs typeface="+mn-cs"/>
+              </a:rPr>
+              <a:t> Filter, Spring Front controller, EJS, JSP, </a:t>
+            </a:r>
+            <a:r>
+              <a:rPr lang="en-US" sz="1200" b="0" i="0" kern="1200" baseline="0" dirty="0" err="1">
+                <a:solidFill>
+                  <a:schemeClr val="tx1"/>
+                </a:solidFill>
+                <a:effectLst/>
+                <a:latin typeface="+mn-lt"/>
+                <a:ea typeface="+mn-ea"/>
+                <a:cs typeface="+mn-cs"/>
+              </a:rPr>
+              <a:t>Const</a:t>
+            </a:r>
             <a:endParaRPr lang="en-US" baseline="0" dirty="0"/>
-          </a:p>
-          <a:p>
-            <a:r>
-              <a:rPr lang="en-US" baseline="0" dirty="0"/>
-              <a:t>The admin can manage hotel items, manage user, view statistics tracking data and chart.</a:t>
-            </a:r>
-            <a:endParaRPr lang="en-US" dirty="0"/>
           </a:p>
         </p:txBody>
       </p:sp>
@@ -2849,7 +2589,7 @@
           <a:p>
             <a:fld id="{0CACFBBB-5F2D-4F37-867E-042C6B44FB31}" type="slidenum">
               <a:rPr lang="en-US" smtClean="0"/>
-              <a:t>22</a:t>
+              <a:t>23</a:t>
             </a:fld>
             <a:endParaRPr lang="en-US"/>
           </a:p>
@@ -2858,7 +2598,7 @@
     </p:spTree>
     <p:extLst>
       <p:ext uri="{BB962C8B-B14F-4D97-AF65-F5344CB8AC3E}">
-        <p14:creationId xmlns:p14="http://schemas.microsoft.com/office/powerpoint/2010/main" val="3823629191"/>
+        <p14:creationId xmlns:p14="http://schemas.microsoft.com/office/powerpoint/2010/main" val="1432570216"/>
       </p:ext>
     </p:extLst>
   </p:cSld>
@@ -3033,371 +2773,6 @@
     <p:extLst>
       <p:ext uri="{BB962C8B-B14F-4D97-AF65-F5344CB8AC3E}">
         <p14:creationId xmlns:p14="http://schemas.microsoft.com/office/powerpoint/2010/main" val="500256158"/>
-      </p:ext>
-    </p:extLst>
-  </p:cSld>
-  <p:clrMapOvr>
-    <a:masterClrMapping/>
-  </p:clrMapOvr>
-</p:notes>
-</file>
-
-<file path=ppt/notesSlides/notesSlide20.xml><?xml version="1.0" encoding="utf-8"?>
-<p:notes xmlns:a="http://schemas.openxmlformats.org/drawingml/2006/main" xmlns:r="http://schemas.openxmlformats.org/officeDocument/2006/relationships" xmlns:p="http://schemas.openxmlformats.org/presentationml/2006/main">
-  <p:cSld>
-    <p:spTree>
-      <p:nvGrpSpPr>
-        <p:cNvPr id="1" name=""/>
-        <p:cNvGrpSpPr/>
-        <p:nvPr/>
-      </p:nvGrpSpPr>
-      <p:grpSpPr>
-        <a:xfrm>
-          <a:off x="0" y="0"/>
-          <a:ext cx="0" cy="0"/>
-          <a:chOff x="0" y="0"/>
-          <a:chExt cx="0" cy="0"/>
-        </a:xfrm>
-      </p:grpSpPr>
-      <p:sp>
-        <p:nvSpPr>
-          <p:cNvPr id="2" name="Slide Image Placeholder 1"/>
-          <p:cNvSpPr>
-            <a:spLocks noGrp="1" noRot="1" noChangeAspect="1"/>
-          </p:cNvSpPr>
-          <p:nvPr>
-            <p:ph type="sldImg"/>
-          </p:nvPr>
-        </p:nvSpPr>
-        <p:spPr/>
-      </p:sp>
-      <p:sp>
-        <p:nvSpPr>
-          <p:cNvPr id="3" name="Notes Placeholder 2"/>
-          <p:cNvSpPr>
-            <a:spLocks noGrp="1"/>
-          </p:cNvSpPr>
-          <p:nvPr>
-            <p:ph type="body" idx="1"/>
-          </p:nvPr>
-        </p:nvSpPr>
-        <p:spPr/>
-        <p:txBody>
-          <a:bodyPr/>
-          <a:lstStyle/>
-          <a:p>
-            <a:r>
-              <a:rPr lang="en-US" dirty="0"/>
-              <a:t>This is my general</a:t>
-            </a:r>
-            <a:r>
-              <a:rPr lang="en-US" baseline="0" dirty="0"/>
-              <a:t> system architecture.</a:t>
-            </a:r>
-          </a:p>
-          <a:p>
-            <a:endParaRPr lang="en-US" baseline="0" dirty="0"/>
-          </a:p>
-          <a:p>
-            <a:r>
-              <a:rPr lang="en-US" baseline="0" dirty="0"/>
-              <a:t>As you can see, o</a:t>
-            </a:r>
-            <a:r>
-              <a:rPr lang="en-US" dirty="0"/>
-              <a:t>n</a:t>
-            </a:r>
-            <a:r>
-              <a:rPr lang="en-US" baseline="0" dirty="0"/>
-              <a:t> server side, Node.js and Express framework connect to </a:t>
-            </a:r>
-            <a:r>
-              <a:rPr lang="en-US" baseline="0" dirty="0" err="1"/>
-              <a:t>MongoDB</a:t>
-            </a:r>
-            <a:r>
-              <a:rPr lang="en-US" baseline="0" dirty="0"/>
-              <a:t> for data and similar to Spring MVC connect SQL DB using Hibernate</a:t>
-            </a:r>
-          </a:p>
-          <a:p>
-            <a:r>
-              <a:rPr lang="en-US" baseline="0" dirty="0"/>
-              <a:t>Both these 2 apps on server side built </a:t>
-            </a:r>
-            <a:r>
-              <a:rPr lang="en-US" baseline="0" dirty="0" err="1"/>
-              <a:t>RESTful</a:t>
-            </a:r>
-            <a:r>
-              <a:rPr lang="en-US" baseline="0" dirty="0"/>
-              <a:t> web service to provide data for client as JSON. The role of Angular is to interact with REST API and display the page dynamically.</a:t>
-            </a:r>
-          </a:p>
-          <a:p>
-            <a:r>
-              <a:rPr lang="en-US" baseline="0" dirty="0"/>
-              <a:t> </a:t>
-            </a:r>
-          </a:p>
-          <a:p>
-            <a:r>
-              <a:rPr lang="en-US" baseline="0" dirty="0"/>
-              <a:t>The server sides can also interact with each other via API . All of these technology from client to server to database have created a picture of </a:t>
-            </a:r>
-            <a:r>
-              <a:rPr lang="en-US" baseline="0" dirty="0" err="1"/>
-              <a:t>Mircoservices</a:t>
-            </a:r>
-            <a:r>
-              <a:rPr lang="en-US" baseline="0" dirty="0"/>
-              <a:t> architectures which work independently and effectively.</a:t>
-            </a:r>
-            <a:endParaRPr lang="en-US" dirty="0"/>
-          </a:p>
-        </p:txBody>
-      </p:sp>
-      <p:sp>
-        <p:nvSpPr>
-          <p:cNvPr id="4" name="Slide Number Placeholder 3"/>
-          <p:cNvSpPr>
-            <a:spLocks noGrp="1"/>
-          </p:cNvSpPr>
-          <p:nvPr>
-            <p:ph type="sldNum" sz="quarter" idx="10"/>
-          </p:nvPr>
-        </p:nvSpPr>
-        <p:spPr/>
-        <p:txBody>
-          <a:bodyPr/>
-          <a:lstStyle/>
-          <a:p>
-            <a:fld id="{0CACFBBB-5F2D-4F37-867E-042C6B44FB31}" type="slidenum">
-              <a:rPr lang="en-US" smtClean="0"/>
-              <a:t>24</a:t>
-            </a:fld>
-            <a:endParaRPr lang="en-US"/>
-          </a:p>
-        </p:txBody>
-      </p:sp>
-    </p:spTree>
-    <p:extLst>
-      <p:ext uri="{BB962C8B-B14F-4D97-AF65-F5344CB8AC3E}">
-        <p14:creationId xmlns:p14="http://schemas.microsoft.com/office/powerpoint/2010/main" val="3432242370"/>
-      </p:ext>
-    </p:extLst>
-  </p:cSld>
-  <p:clrMapOvr>
-    <a:masterClrMapping/>
-  </p:clrMapOvr>
-</p:notes>
-</file>
-
-<file path=ppt/notesSlides/notesSlide21.xml><?xml version="1.0" encoding="utf-8"?>
-<p:notes xmlns:a="http://schemas.openxmlformats.org/drawingml/2006/main" xmlns:r="http://schemas.openxmlformats.org/officeDocument/2006/relationships" xmlns:p="http://schemas.openxmlformats.org/presentationml/2006/main">
-  <p:cSld>
-    <p:spTree>
-      <p:nvGrpSpPr>
-        <p:cNvPr id="1" name=""/>
-        <p:cNvGrpSpPr/>
-        <p:nvPr/>
-      </p:nvGrpSpPr>
-      <p:grpSpPr>
-        <a:xfrm>
-          <a:off x="0" y="0"/>
-          <a:ext cx="0" cy="0"/>
-          <a:chOff x="0" y="0"/>
-          <a:chExt cx="0" cy="0"/>
-        </a:xfrm>
-      </p:grpSpPr>
-      <p:sp>
-        <p:nvSpPr>
-          <p:cNvPr id="2" name="Slide Image Placeholder 1"/>
-          <p:cNvSpPr>
-            <a:spLocks noGrp="1" noRot="1" noChangeAspect="1"/>
-          </p:cNvSpPr>
-          <p:nvPr>
-            <p:ph type="sldImg"/>
-          </p:nvPr>
-        </p:nvSpPr>
-        <p:spPr/>
-      </p:sp>
-      <p:sp>
-        <p:nvSpPr>
-          <p:cNvPr id="3" name="Notes Placeholder 2"/>
-          <p:cNvSpPr>
-            <a:spLocks noGrp="1"/>
-          </p:cNvSpPr>
-          <p:nvPr>
-            <p:ph type="body" idx="1"/>
-          </p:nvPr>
-        </p:nvSpPr>
-        <p:spPr/>
-        <p:txBody>
-          <a:bodyPr/>
-          <a:lstStyle/>
-          <a:p>
-            <a:r>
-              <a:rPr lang="en-US" dirty="0"/>
-              <a:t>This</a:t>
-            </a:r>
-            <a:r>
-              <a:rPr lang="en-US" baseline="0" dirty="0"/>
-              <a:t> is my system architecture in details with all the important materials in Angular 2, </a:t>
-            </a:r>
-            <a:r>
-              <a:rPr lang="en-US" baseline="0" dirty="0" err="1"/>
-              <a:t>AngularJS</a:t>
-            </a:r>
-            <a:r>
-              <a:rPr lang="en-US" baseline="0" dirty="0"/>
-              <a:t>, Express, Spring </a:t>
-            </a:r>
-            <a:r>
-              <a:rPr lang="en-US" baseline="0"/>
-              <a:t>MVC Hibernate</a:t>
-            </a:r>
-          </a:p>
-          <a:p>
-            <a:endParaRPr lang="en-US" baseline="0" dirty="0"/>
-          </a:p>
-          <a:p>
-            <a:r>
-              <a:rPr lang="en-US" baseline="0" dirty="0"/>
-              <a:t>There are too much relationship so I just summary some important points:</a:t>
-            </a:r>
-          </a:p>
-          <a:p>
-            <a:r>
-              <a:rPr lang="en-US" baseline="0" dirty="0"/>
-              <a:t>For the server side, I apply 3 layer architecture for Spring app with Controller, Service and Data Access Object</a:t>
-            </a:r>
-          </a:p>
-          <a:p>
-            <a:r>
-              <a:rPr lang="en-US" baseline="0" dirty="0"/>
-              <a:t>For the Node.js app, I use Express Route Controller Model</a:t>
-            </a:r>
-          </a:p>
-          <a:p>
-            <a:r>
-              <a:rPr lang="en-US" baseline="0" dirty="0"/>
-              <a:t>The Spring Server connect with SQL bi Hibernate and Node.js server connect with </a:t>
-            </a:r>
-            <a:r>
-              <a:rPr lang="en-US" baseline="0" dirty="0" err="1"/>
-              <a:t>Mongodb</a:t>
-            </a:r>
-            <a:r>
-              <a:rPr lang="en-US" baseline="0" dirty="0"/>
-              <a:t> to provide data for client side as JSON by </a:t>
-            </a:r>
-            <a:r>
-              <a:rPr lang="en-US" baseline="0" dirty="0" err="1"/>
-              <a:t>RESTful</a:t>
-            </a:r>
-            <a:r>
-              <a:rPr lang="en-US" baseline="0" dirty="0"/>
-              <a:t> </a:t>
-            </a:r>
-            <a:r>
-              <a:rPr lang="en-US" baseline="0" dirty="0" err="1"/>
-              <a:t>webservice</a:t>
-            </a:r>
-            <a:endParaRPr lang="en-US" baseline="0" dirty="0"/>
-          </a:p>
-          <a:p>
-            <a:r>
-              <a:rPr lang="en-US" baseline="0" dirty="0"/>
-              <a:t>On client side, </a:t>
-            </a:r>
-            <a:r>
-              <a:rPr lang="en-US" baseline="0" dirty="0" err="1"/>
-              <a:t>AngularJS</a:t>
-            </a:r>
-            <a:r>
-              <a:rPr lang="en-US" baseline="0" dirty="0"/>
-              <a:t> and Angular 2 get data from server to component or controller for data binding with Angular template. There are also some supported </a:t>
-            </a:r>
-            <a:r>
-              <a:rPr lang="en-US" sz="1200" b="0" i="0" kern="1200" baseline="0" dirty="0">
-                <a:solidFill>
-                  <a:schemeClr val="tx1"/>
-                </a:solidFill>
-                <a:effectLst/>
-                <a:latin typeface="+mn-lt"/>
-                <a:ea typeface="+mn-ea"/>
-                <a:cs typeface="+mn-cs"/>
-              </a:rPr>
-              <a:t>building block such as Angular 2 service, model, directive, pipe router, </a:t>
-            </a:r>
-            <a:r>
-              <a:rPr lang="en-US" sz="1200" b="0" i="0" kern="1200" baseline="0" dirty="0" err="1">
-                <a:solidFill>
-                  <a:schemeClr val="tx1"/>
-                </a:solidFill>
-                <a:effectLst/>
-                <a:latin typeface="+mn-lt"/>
-                <a:ea typeface="+mn-ea"/>
-                <a:cs typeface="+mn-cs"/>
-              </a:rPr>
-              <a:t>AngularJS</a:t>
-            </a:r>
-            <a:r>
-              <a:rPr lang="en-US" sz="1200" b="0" i="0" kern="1200" baseline="0" dirty="0">
-                <a:solidFill>
-                  <a:schemeClr val="tx1"/>
-                </a:solidFill>
-                <a:effectLst/>
-                <a:latin typeface="+mn-lt"/>
-                <a:ea typeface="+mn-ea"/>
-                <a:cs typeface="+mn-cs"/>
-              </a:rPr>
-              <a:t> Filter, Spring Front controller, EJS, JSP, </a:t>
-            </a:r>
-            <a:r>
-              <a:rPr lang="en-US" sz="1200" b="0" i="0" kern="1200" baseline="0" dirty="0" err="1">
-                <a:solidFill>
-                  <a:schemeClr val="tx1"/>
-                </a:solidFill>
-                <a:effectLst/>
-                <a:latin typeface="+mn-lt"/>
-                <a:ea typeface="+mn-ea"/>
-                <a:cs typeface="+mn-cs"/>
-              </a:rPr>
-              <a:t>Const</a:t>
-            </a:r>
-            <a:endParaRPr lang="en-US" baseline="0" dirty="0"/>
-          </a:p>
-        </p:txBody>
-      </p:sp>
-      <p:sp>
-        <p:nvSpPr>
-          <p:cNvPr id="4" name="Slide Number Placeholder 3"/>
-          <p:cNvSpPr>
-            <a:spLocks noGrp="1"/>
-          </p:cNvSpPr>
-          <p:nvPr>
-            <p:ph type="sldNum" sz="quarter" idx="10"/>
-          </p:nvPr>
-        </p:nvSpPr>
-        <p:spPr/>
-        <p:txBody>
-          <a:bodyPr/>
-          <a:lstStyle/>
-          <a:p>
-            <a:fld id="{0CACFBBB-5F2D-4F37-867E-042C6B44FB31}" type="slidenum">
-              <a:rPr lang="en-US" smtClean="0"/>
-              <a:t>25</a:t>
-            </a:fld>
-            <a:endParaRPr lang="en-US"/>
-          </a:p>
-        </p:txBody>
-      </p:sp>
-    </p:spTree>
-    <p:extLst>
-      <p:ext uri="{BB962C8B-B14F-4D97-AF65-F5344CB8AC3E}">
-        <p14:creationId xmlns:p14="http://schemas.microsoft.com/office/powerpoint/2010/main" val="1432570216"/>
       </p:ext>
     </p:extLst>
   </p:cSld>
@@ -5213,23 +4588,6 @@
           <a:bodyPr/>
           <a:lstStyle/>
           <a:p>
-            <a:r>
-              <a:rPr lang="en-US" baseline="0" dirty="0"/>
-              <a:t>in previous slide, </a:t>
-            </a:r>
-            <a:r>
-              <a:rPr lang="en-US" dirty="0"/>
-              <a:t>I have mentioned</a:t>
-            </a:r>
-            <a:r>
-              <a:rPr lang="en-US" baseline="0" dirty="0"/>
-              <a:t> the Single Page application, so what is it?</a:t>
-            </a:r>
-          </a:p>
-          <a:p>
-            <a:endParaRPr lang="en-US" baseline="0" dirty="0"/>
-          </a:p>
-          <a:p>
             <a:pPr marL="0" marR="0" indent="0" algn="l" defTabSz="914400" rtl="0" eaLnBrk="1" fontAlgn="auto" latinLnBrk="0" hangingPunct="1">
               <a:lnSpc>
                 <a:spcPct val="100000"/>
@@ -5248,7 +4606,7 @@
               <a:defRPr/>
             </a:pPr>
             <a:r>
-              <a:rPr lang="en-US" sz="1200" kern="1200" dirty="0">
+              <a:rPr lang="en-US" sz="1200" b="0" i="0" kern="1200" dirty="0">
                 <a:solidFill>
                   <a:schemeClr val="tx1"/>
                 </a:solidFill>
@@ -5257,10 +4615,10 @@
                 <a:ea typeface="+mn-ea"/>
                 <a:cs typeface="+mn-cs"/>
               </a:rPr>
-              <a:t>This picture show the tradition web</a:t>
-            </a:r>
-            <a:r>
-              <a:rPr lang="en-US" sz="1200" kern="1200" baseline="0" dirty="0">
+              <a:t>Single</a:t>
+            </a:r>
+            <a:r>
+              <a:rPr lang="en-US" sz="1200" b="0" i="0" kern="1200" baseline="0" dirty="0">
                 <a:solidFill>
                   <a:schemeClr val="tx1"/>
                 </a:solidFill>
@@ -5269,8 +4627,17 @@
                 <a:ea typeface="+mn-ea"/>
                 <a:cs typeface="+mn-cs"/>
               </a:rPr>
-              <a:t> application lifecycle.</a:t>
-            </a:r>
+              <a:t> page application is the solution that solve the loading page problem</a:t>
+            </a:r>
+            <a:endParaRPr lang="en-US" sz="1200" b="0" i="0" kern="1200" dirty="0">
+              <a:solidFill>
+                <a:schemeClr val="tx1"/>
+              </a:solidFill>
+              <a:effectLst/>
+              <a:latin typeface="+mn-lt"/>
+              <a:ea typeface="+mn-ea"/>
+              <a:cs typeface="+mn-cs"/>
+            </a:endParaRPr>
           </a:p>
           <a:p>
             <a:pPr marL="0" marR="0" indent="0" algn="l" defTabSz="914400" rtl="0" eaLnBrk="1" fontAlgn="auto" latinLnBrk="0" hangingPunct="1">
@@ -5290,7 +4657,7 @@
               <a:tabLst/>
               <a:defRPr/>
             </a:pPr>
-            <a:endParaRPr lang="en-US" sz="1200" kern="1200" dirty="0">
+            <a:endParaRPr lang="en-US" sz="1200" b="0" i="0" kern="1200" dirty="0">
               <a:solidFill>
                 <a:schemeClr val="tx1"/>
               </a:solidFill>
@@ -5301,6 +4668,23 @@
             </a:endParaRPr>
           </a:p>
           <a:p>
+            <a:pPr marL="0" marR="0" indent="0" algn="l" defTabSz="914400" rtl="0" eaLnBrk="1" fontAlgn="auto" latinLnBrk="0" hangingPunct="1">
+              <a:lnSpc>
+                <a:spcPct val="100000"/>
+              </a:lnSpc>
+              <a:spcBef>
+                <a:spcPts val="0"/>
+              </a:spcBef>
+              <a:spcAft>
+                <a:spcPts val="0"/>
+              </a:spcAft>
+              <a:buClrTx/>
+              <a:buSzTx/>
+              <a:buFontTx/>
+              <a:buNone/>
+              <a:tabLst/>
+              <a:defRPr/>
+            </a:pPr>
             <a:r>
               <a:rPr lang="en-US" sz="1200" b="0" i="0" kern="1200" dirty="0">
                 <a:solidFill>
@@ -5311,10 +4695,27 @@
                 <a:ea typeface="+mn-ea"/>
                 <a:cs typeface="+mn-cs"/>
               </a:rPr>
-              <a:t>In a traditional Web app, every time the app calls the server, the server renders a new HTML page. This triggers a page refresh in the browser. </a:t>
-            </a:r>
-          </a:p>
-          <a:p>
+              <a:t>In an SPA, after the first page loads, all interaction with the server happens through AJAX calls. </a:t>
+            </a:r>
+          </a:p>
+          <a:p>
+            <a:pPr marL="0" marR="0" indent="0" algn="l" defTabSz="914400" rtl="0" eaLnBrk="1" fontAlgn="auto" latinLnBrk="0" hangingPunct="1">
+              <a:lnSpc>
+                <a:spcPct val="100000"/>
+              </a:lnSpc>
+              <a:spcBef>
+                <a:spcPts val="0"/>
+              </a:spcBef>
+              <a:spcAft>
+                <a:spcPts val="0"/>
+              </a:spcAft>
+              <a:buClrTx/>
+              <a:buSzTx/>
+              <a:buFontTx/>
+              <a:buNone/>
+              <a:tabLst/>
+              <a:defRPr/>
+            </a:pPr>
             <a:endParaRPr lang="en-US" sz="1200" b="0" i="0" kern="1200" dirty="0">
               <a:solidFill>
                 <a:schemeClr val="tx1"/>
@@ -5327,6 +4728,73 @@
           </a:p>
           <a:p>
             <a:r>
+              <a:rPr lang="en-US" sz="1200" kern="1200" dirty="0">
+                <a:solidFill>
+                  <a:schemeClr val="tx1"/>
+                </a:solidFill>
+                <a:effectLst/>
+                <a:latin typeface="+mn-lt"/>
+                <a:ea typeface="+mn-ea"/>
+                <a:cs typeface="+mn-cs"/>
+              </a:rPr>
+              <a:t>AJAX is a dream of developer, because  It supports changing the content of a web page without reloading it.</a:t>
+            </a:r>
+            <a:r>
+              <a:rPr lang="en-US" sz="1200" kern="1200" baseline="0" dirty="0">
+                <a:solidFill>
+                  <a:schemeClr val="tx1"/>
+                </a:solidFill>
+                <a:effectLst/>
+                <a:latin typeface="+mn-lt"/>
+                <a:ea typeface="+mn-ea"/>
+                <a:cs typeface="+mn-cs"/>
+              </a:rPr>
+              <a:t> </a:t>
+            </a:r>
+            <a:r>
+              <a:rPr lang="en-US" sz="1200" kern="1200" dirty="0">
+                <a:solidFill>
+                  <a:schemeClr val="tx1"/>
+                </a:solidFill>
+                <a:effectLst/>
+                <a:latin typeface="+mn-lt"/>
+                <a:ea typeface="+mn-ea"/>
+                <a:cs typeface="+mn-cs"/>
+              </a:rPr>
+              <a:t>After the page has loaded, we can still send request or receive data from the server</a:t>
+            </a:r>
+          </a:p>
+          <a:p>
+            <a:pPr lvl="0"/>
+            <a:endParaRPr lang="en-US" sz="1200" b="0" i="0" kern="1200" dirty="0">
+              <a:solidFill>
+                <a:schemeClr val="tx1"/>
+              </a:solidFill>
+              <a:effectLst/>
+              <a:latin typeface="+mn-lt"/>
+              <a:ea typeface="+mn-ea"/>
+              <a:cs typeface="+mn-cs"/>
+            </a:endParaRPr>
+          </a:p>
+          <a:p>
+            <a:pPr marL="0" marR="0" indent="0" algn="l" defTabSz="914400" rtl="0" eaLnBrk="1" fontAlgn="auto" latinLnBrk="0" hangingPunct="1">
+              <a:lnSpc>
+                <a:spcPct val="100000"/>
+              </a:lnSpc>
+              <a:spcBef>
+                <a:spcPts val="0"/>
+              </a:spcBef>
+              <a:spcAft>
+                <a:spcPts val="0"/>
+              </a:spcAft>
+              <a:buClrTx/>
+              <a:buSzTx/>
+              <a:buFontTx/>
+              <a:buNone/>
+              <a:tabLst/>
+              <a:defRPr/>
+            </a:pPr>
+            <a:r>
               <a:rPr lang="en-US" sz="1200" b="0" i="0" kern="1200" dirty="0">
                 <a:solidFill>
                   <a:schemeClr val="tx1"/>
@@ -5336,82 +4804,27 @@
                 <a:ea typeface="+mn-ea"/>
                 <a:cs typeface="+mn-cs"/>
               </a:rPr>
-              <a:t>Just imaging</a:t>
-            </a:r>
-            <a:r>
-              <a:rPr lang="en-US" sz="1200" b="0" i="0" kern="1200" baseline="0" dirty="0">
-                <a:solidFill>
-                  <a:schemeClr val="tx1"/>
-                </a:solidFill>
-                <a:effectLst/>
-                <a:latin typeface="+mn-lt"/>
-                <a:ea typeface="+mn-ea"/>
-                <a:cs typeface="+mn-cs"/>
-              </a:rPr>
-              <a:t> that you just want to update one field </a:t>
-            </a:r>
-            <a:r>
-              <a:rPr lang="en-US" sz="1200" b="0" i="0" kern="1200" baseline="0">
-                <a:solidFill>
-                  <a:schemeClr val="tx1"/>
-                </a:solidFill>
-                <a:effectLst/>
-                <a:latin typeface="+mn-lt"/>
-                <a:ea typeface="+mn-ea"/>
-                <a:cs typeface="+mn-cs"/>
-              </a:rPr>
-              <a:t>to database </a:t>
-            </a:r>
-            <a:r>
-              <a:rPr lang="en-US" sz="1200" b="0" i="0" kern="1200" baseline="0" dirty="0">
-                <a:solidFill>
-                  <a:schemeClr val="tx1"/>
-                </a:solidFill>
-                <a:effectLst/>
-                <a:latin typeface="+mn-lt"/>
-                <a:ea typeface="+mn-ea"/>
-                <a:cs typeface="+mn-cs"/>
-              </a:rPr>
-              <a:t>or send a form with just one input text, you have to wait for the server to render the whole page again or render a new page. It is very uncomfortable and inconvenient especially for </a:t>
-            </a:r>
-            <a:r>
-              <a:rPr lang="en-US" sz="1200" b="1" i="0" kern="1200" dirty="0">
-                <a:solidFill>
-                  <a:schemeClr val="tx1"/>
-                </a:solidFill>
-                <a:effectLst/>
-                <a:latin typeface="+mn-lt"/>
-                <a:ea typeface="+mn-ea"/>
-                <a:cs typeface="+mn-cs"/>
-              </a:rPr>
-              <a:t>fastidious</a:t>
-            </a:r>
-            <a:r>
-              <a:rPr lang="en-US" sz="1200" b="0" i="0" kern="1200" dirty="0">
-                <a:solidFill>
-                  <a:schemeClr val="tx1"/>
-                </a:solidFill>
-                <a:effectLst/>
-                <a:latin typeface="+mn-lt"/>
-                <a:ea typeface="+mn-ea"/>
-                <a:cs typeface="+mn-cs"/>
-              </a:rPr>
-              <a:t> </a:t>
-            </a:r>
-            <a:r>
-              <a:rPr lang="en-US" sz="1200" b="0" i="0" kern="1200" baseline="0" dirty="0">
-                <a:solidFill>
-                  <a:schemeClr val="tx1"/>
-                </a:solidFill>
-                <a:effectLst/>
-                <a:latin typeface="+mn-lt"/>
-                <a:ea typeface="+mn-ea"/>
-                <a:cs typeface="+mn-cs"/>
-              </a:rPr>
-              <a:t>users</a:t>
-            </a:r>
-          </a:p>
-          <a:p>
+              <a:t>These AJAX calls return data usually in JSON format. The app uses the JSON data to update the page dynamically, without reloading the page</a:t>
+            </a:r>
+          </a:p>
+          <a:p>
+            <a:pPr marL="0" marR="0" indent="0" algn="l" defTabSz="914400" rtl="0" eaLnBrk="1" fontAlgn="auto" latinLnBrk="0" hangingPunct="1">
+              <a:lnSpc>
+                <a:spcPct val="100000"/>
+              </a:lnSpc>
+              <a:spcBef>
+                <a:spcPts val="0"/>
+              </a:spcBef>
+              <a:spcAft>
+                <a:spcPts val="0"/>
+              </a:spcAft>
+              <a:buClrTx/>
+              <a:buSzTx/>
+              <a:buFontTx/>
+              <a:buNone/>
+              <a:tabLst/>
+              <a:defRPr/>
+            </a:pPr>
             <a:endParaRPr lang="en-US" sz="1200" b="0" i="0" kern="1200" dirty="0">
               <a:solidFill>
                 <a:schemeClr val="tx1"/>
@@ -5422,6 +4835,65 @@
               <a:cs typeface="+mn-cs"/>
             </a:endParaRPr>
           </a:p>
+          <a:p>
+            <a:pPr marL="0" marR="0" indent="0" algn="l" defTabSz="914400" rtl="0" eaLnBrk="1" fontAlgn="auto" latinLnBrk="0" hangingPunct="1">
+              <a:lnSpc>
+                <a:spcPct val="100000"/>
+              </a:lnSpc>
+              <a:spcBef>
+                <a:spcPts val="0"/>
+              </a:spcBef>
+              <a:spcAft>
+                <a:spcPts val="0"/>
+              </a:spcAft>
+              <a:buClrTx/>
+              <a:buSzTx/>
+              <a:buFontTx/>
+              <a:buNone/>
+              <a:tabLst/>
+              <a:defRPr/>
+            </a:pPr>
+            <a:endParaRPr lang="en-US" sz="1200" b="0" i="0" kern="1200" dirty="0">
+              <a:solidFill>
+                <a:schemeClr val="tx1"/>
+              </a:solidFill>
+              <a:effectLst/>
+              <a:latin typeface="+mn-lt"/>
+              <a:ea typeface="+mn-ea"/>
+              <a:cs typeface="+mn-cs"/>
+            </a:endParaRPr>
+          </a:p>
+          <a:p>
+            <a:pPr marL="0" marR="0" indent="0" algn="l" defTabSz="914400" rtl="0" eaLnBrk="1" fontAlgn="auto" latinLnBrk="0" hangingPunct="1">
+              <a:lnSpc>
+                <a:spcPct val="100000"/>
+              </a:lnSpc>
+              <a:spcBef>
+                <a:spcPts val="0"/>
+              </a:spcBef>
+              <a:spcAft>
+                <a:spcPts val="0"/>
+              </a:spcAft>
+              <a:buClrTx/>
+              <a:buSzTx/>
+              <a:buFontTx/>
+              <a:buNone/>
+              <a:tabLst/>
+              <a:defRPr/>
+            </a:pPr>
+            <a:endParaRPr lang="en-US" sz="1200" b="0" i="0" kern="1200" dirty="0">
+              <a:solidFill>
+                <a:schemeClr val="tx1"/>
+              </a:solidFill>
+              <a:effectLst/>
+              <a:latin typeface="+mn-lt"/>
+              <a:ea typeface="+mn-ea"/>
+              <a:cs typeface="+mn-cs"/>
+            </a:endParaRPr>
+          </a:p>
+          <a:p>
+            <a:endParaRPr lang="en-US" dirty="0"/>
+          </a:p>
         </p:txBody>
       </p:sp>
       <p:sp>
@@ -5450,7 +4922,7 @@
     </p:spTree>
     <p:extLst>
       <p:ext uri="{BB962C8B-B14F-4D97-AF65-F5344CB8AC3E}">
-        <p14:creationId xmlns:p14="http://schemas.microsoft.com/office/powerpoint/2010/main" val="1626749123"/>
+        <p14:creationId xmlns:p14="http://schemas.microsoft.com/office/powerpoint/2010/main" val="2721569320"/>
       </p:ext>
     </p:extLst>
   </p:cSld>
@@ -5591,7 +5063,7 @@
             <a:fld id="{1D8BD707-D9CF-40AE-B4C6-C98DA3205C09}" type="datetimeFigureOut">
               <a:rPr lang="en-US" smtClean="0"/>
               <a:pPr/>
-              <a:t>4/16/2018</a:t>
+              <a:t>4/17/2018</a:t>
             </a:fld>
             <a:endParaRPr lang="en-US"/>
           </a:p>
@@ -5891,7 +5363,7 @@
             <a:fld id="{1D8BD707-D9CF-40AE-B4C6-C98DA3205C09}" type="datetimeFigureOut">
               <a:rPr lang="en-US" smtClean="0"/>
               <a:pPr/>
-              <a:t>4/16/2018</a:t>
+              <a:t>4/17/2018</a:t>
             </a:fld>
             <a:endParaRPr lang="en-US"/>
           </a:p>
@@ -6067,7 +5539,7 @@
             <a:fld id="{1D8BD707-D9CF-40AE-B4C6-C98DA3205C09}" type="datetimeFigureOut">
               <a:rPr lang="en-US" smtClean="0"/>
               <a:pPr/>
-              <a:t>4/16/2018</a:t>
+              <a:t>4/17/2018</a:t>
             </a:fld>
             <a:endParaRPr lang="en-US"/>
           </a:p>
@@ -6233,7 +5705,7 @@
             <a:fld id="{1D8BD707-D9CF-40AE-B4C6-C98DA3205C09}" type="datetimeFigureOut">
               <a:rPr lang="en-US" smtClean="0"/>
               <a:pPr/>
-              <a:t>4/16/2018</a:t>
+              <a:t>4/17/2018</a:t>
             </a:fld>
             <a:endParaRPr lang="en-US"/>
           </a:p>
@@ -6494,7 +5966,7 @@
             <a:fld id="{1D8BD707-D9CF-40AE-B4C6-C98DA3205C09}" type="datetimeFigureOut">
               <a:rPr lang="en-US" smtClean="0"/>
               <a:pPr/>
-              <a:t>4/16/2018</a:t>
+              <a:t>4/17/2018</a:t>
             </a:fld>
             <a:endParaRPr lang="en-US"/>
           </a:p>
@@ -6949,7 +6421,7 @@
             <a:fld id="{1D8BD707-D9CF-40AE-B4C6-C98DA3205C09}" type="datetimeFigureOut">
               <a:rPr lang="en-US" smtClean="0"/>
               <a:pPr/>
-              <a:t>4/16/2018</a:t>
+              <a:t>4/17/2018</a:t>
             </a:fld>
             <a:endParaRPr lang="en-US"/>
           </a:p>
@@ -7433,7 +6905,7 @@
             <a:fld id="{1D8BD707-D9CF-40AE-B4C6-C98DA3205C09}" type="datetimeFigureOut">
               <a:rPr lang="en-US" smtClean="0"/>
               <a:pPr/>
-              <a:t>4/16/2018</a:t>
+              <a:t>4/17/2018</a:t>
             </a:fld>
             <a:endParaRPr lang="en-US"/>
           </a:p>
@@ -7552,7 +7024,7 @@
             <a:fld id="{1D8BD707-D9CF-40AE-B4C6-C98DA3205C09}" type="datetimeFigureOut">
               <a:rPr lang="en-US" smtClean="0"/>
               <a:pPr/>
-              <a:t>4/16/2018</a:t>
+              <a:t>4/17/2018</a:t>
             </a:fld>
             <a:endParaRPr lang="en-US"/>
           </a:p>
@@ -7690,7 +7162,7 @@
             <a:fld id="{1D8BD707-D9CF-40AE-B4C6-C98DA3205C09}" type="datetimeFigureOut">
               <a:rPr lang="en-US" smtClean="0"/>
               <a:pPr/>
-              <a:t>4/16/2018</a:t>
+              <a:t>4/17/2018</a:t>
             </a:fld>
             <a:endParaRPr lang="en-US"/>
           </a:p>
@@ -8005,7 +7477,7 @@
             <a:fld id="{1D8BD707-D9CF-40AE-B4C6-C98DA3205C09}" type="datetimeFigureOut">
               <a:rPr lang="en-US" smtClean="0"/>
               <a:pPr/>
-              <a:t>4/16/2018</a:t>
+              <a:t>4/17/2018</a:t>
             </a:fld>
             <a:endParaRPr lang="en-US"/>
           </a:p>
@@ -8134,7 +7606,7 @@
             <a:fld id="{1D8BD707-D9CF-40AE-B4C6-C98DA3205C09}" type="datetimeFigureOut">
               <a:rPr lang="en-US" smtClean="0"/>
               <a:pPr/>
-              <a:t>4/16/2018</a:t>
+              <a:t>4/17/2018</a:t>
             </a:fld>
             <a:endParaRPr lang="en-US"/>
           </a:p>
@@ -8893,7 +8365,7 @@
             <a:fld id="{1D8BD707-D9CF-40AE-B4C6-C98DA3205C09}" type="datetimeFigureOut">
               <a:rPr lang="en-US" smtClean="0"/>
               <a:pPr/>
-              <a:t>4/16/2018</a:t>
+              <a:t>4/17/2018</a:t>
             </a:fld>
             <a:endParaRPr lang="en-US"/>
           </a:p>
@@ -9631,196 +9103,6 @@
           <a:lstStyle/>
           <a:p>
             <a:r>
-              <a:rPr lang="en-US" dirty="0"/>
-              <a:t>Single page application</a:t>
-            </a:r>
-          </a:p>
-        </p:txBody>
-      </p:sp>
-      <p:pic>
-        <p:nvPicPr>
-          <p:cNvPr id="2050" name="Picture 8"/>
-          <p:cNvPicPr>
-            <a:picLocks noChangeAspect="1" noChangeArrowheads="1"/>
-          </p:cNvPicPr>
-          <p:nvPr/>
-        </p:nvPicPr>
-        <p:blipFill>
-          <a:blip r:embed="rId3">
-            <a:extLst>
-              <a:ext uri="{28A0092B-C50C-407E-A947-70E740481C1C}">
-                <a14:useLocalDpi xmlns:a14="http://schemas.microsoft.com/office/drawing/2010/main" val="0"/>
-              </a:ext>
-            </a:extLst>
-          </a:blip>
-          <a:srcRect/>
-          <a:stretch>
-            <a:fillRect/>
-          </a:stretch>
-        </p:blipFill>
-        <p:spPr bwMode="auto">
-          <a:xfrm>
-            <a:off x="2209800" y="1339988"/>
-            <a:ext cx="5051425" cy="2774950"/>
-          </a:xfrm>
-          <a:prstGeom prst="rect">
-            <a:avLst/>
-          </a:prstGeom>
-          <a:noFill/>
-          <a:ln>
-            <a:noFill/>
-          </a:ln>
-          <a:extLst>
-            <a:ext uri="{909E8E84-426E-40DD-AFC4-6F175D3DCCD1}">
-              <a14:hiddenFill xmlns:a14="http://schemas.microsoft.com/office/drawing/2010/main">
-                <a:solidFill>
-                  <a:srgbClr val="FFFFFF"/>
-                </a:solidFill>
-              </a14:hiddenFill>
-            </a:ext>
-            <a:ext uri="{91240B29-F687-4F45-9708-019B960494DF}">
-              <a14:hiddenLine xmlns:a14="http://schemas.microsoft.com/office/drawing/2010/main" w="9525">
-                <a:solidFill>
-                  <a:srgbClr val="000000"/>
-                </a:solidFill>
-                <a:miter lim="800000"/>
-                <a:headEnd/>
-                <a:tailEnd/>
-              </a14:hiddenLine>
-            </a:ext>
-          </a:extLst>
-        </p:spPr>
-      </p:pic>
-      <p:sp>
-        <p:nvSpPr>
-          <p:cNvPr id="4" name="Rectangle 3"/>
-          <p:cNvSpPr/>
-          <p:nvPr/>
-        </p:nvSpPr>
-        <p:spPr>
-          <a:xfrm>
-            <a:off x="2219739" y="4412974"/>
-            <a:ext cx="4173002" cy="369332"/>
-          </a:xfrm>
-          <a:prstGeom prst="rect">
-            <a:avLst/>
-          </a:prstGeom>
-        </p:spPr>
-        <p:txBody>
-          <a:bodyPr wrap="none">
-            <a:spAutoFit/>
-          </a:bodyPr>
-          <a:lstStyle/>
-          <a:p>
-            <a:r>
-              <a:rPr lang="en-US" dirty="0"/>
-              <a:t>- Server and client interaction via AJAX</a:t>
-            </a:r>
-          </a:p>
-        </p:txBody>
-      </p:sp>
-      <p:sp>
-        <p:nvSpPr>
-          <p:cNvPr id="5" name="Rectangle 4"/>
-          <p:cNvSpPr/>
-          <p:nvPr/>
-        </p:nvSpPr>
-        <p:spPr>
-          <a:xfrm>
-            <a:off x="2219739" y="5029200"/>
-            <a:ext cx="3262432" cy="369332"/>
-          </a:xfrm>
-          <a:prstGeom prst="rect">
-            <a:avLst/>
-          </a:prstGeom>
-        </p:spPr>
-        <p:txBody>
-          <a:bodyPr wrap="none">
-            <a:spAutoFit/>
-          </a:bodyPr>
-          <a:lstStyle/>
-          <a:p>
-            <a:r>
-              <a:rPr lang="en-US" dirty="0"/>
-              <a:t>- update the page dynamically</a:t>
-            </a:r>
-          </a:p>
-        </p:txBody>
-      </p:sp>
-      <p:sp>
-        <p:nvSpPr>
-          <p:cNvPr id="7" name="Rectangle 6"/>
-          <p:cNvSpPr/>
-          <p:nvPr/>
-        </p:nvSpPr>
-        <p:spPr>
-          <a:xfrm>
-            <a:off x="2261842" y="5778811"/>
-            <a:ext cx="2159566" cy="369332"/>
-          </a:xfrm>
-          <a:prstGeom prst="rect">
-            <a:avLst/>
-          </a:prstGeom>
-        </p:spPr>
-        <p:txBody>
-          <a:bodyPr wrap="none">
-            <a:spAutoFit/>
-          </a:bodyPr>
-          <a:lstStyle/>
-          <a:p>
-            <a:r>
-              <a:rPr lang="en-US" dirty="0"/>
-              <a:t>- High performance</a:t>
-            </a:r>
-          </a:p>
-        </p:txBody>
-      </p:sp>
-    </p:spTree>
-    <p:extLst>
-      <p:ext uri="{BB962C8B-B14F-4D97-AF65-F5344CB8AC3E}">
-        <p14:creationId xmlns:p14="http://schemas.microsoft.com/office/powerpoint/2010/main" val="2488905703"/>
-      </p:ext>
-    </p:extLst>
-  </p:cSld>
-  <p:clrMapOvr>
-    <a:masterClrMapping/>
-  </p:clrMapOvr>
-</p:sld>
-</file>
-
-<file path=ppt/slides/slide11.xml><?xml version="1.0" encoding="utf-8"?>
-<p:sld xmlns:a="http://schemas.openxmlformats.org/drawingml/2006/main" xmlns:r="http://schemas.openxmlformats.org/officeDocument/2006/relationships" xmlns:p="http://schemas.openxmlformats.org/presentationml/2006/main">
-  <p:cSld>
-    <p:spTree>
-      <p:nvGrpSpPr>
-        <p:cNvPr id="1" name=""/>
-        <p:cNvGrpSpPr/>
-        <p:nvPr/>
-      </p:nvGrpSpPr>
-      <p:grpSpPr>
-        <a:xfrm>
-          <a:off x="0" y="0"/>
-          <a:ext cx="0" cy="0"/>
-          <a:chOff x="0" y="0"/>
-          <a:chExt cx="0" cy="0"/>
-        </a:xfrm>
-      </p:grpSpPr>
-      <p:sp>
-        <p:nvSpPr>
-          <p:cNvPr id="2" name="Title 1"/>
-          <p:cNvSpPr>
-            <a:spLocks noGrp="1"/>
-          </p:cNvSpPr>
-          <p:nvPr>
-            <p:ph type="title"/>
-          </p:nvPr>
-        </p:nvSpPr>
-        <p:spPr/>
-        <p:txBody>
-          <a:bodyPr/>
-          <a:lstStyle/>
-          <a:p>
-            <a:r>
               <a:rPr lang="en-US" dirty="0" err="1"/>
               <a:t>RESTful</a:t>
             </a:r>
@@ -9987,6 +9269,351 @@
 </p:sld>
 </file>
 
+<file path=ppt/slides/slide11.xml><?xml version="1.0" encoding="utf-8"?>
+<p:sld xmlns:a="http://schemas.openxmlformats.org/drawingml/2006/main" xmlns:r="http://schemas.openxmlformats.org/officeDocument/2006/relationships" xmlns:p="http://schemas.openxmlformats.org/presentationml/2006/main">
+  <p:cSld>
+    <p:spTree>
+      <p:nvGrpSpPr>
+        <p:cNvPr id="1" name=""/>
+        <p:cNvGrpSpPr/>
+        <p:nvPr/>
+      </p:nvGrpSpPr>
+      <p:grpSpPr>
+        <a:xfrm>
+          <a:off x="0" y="0"/>
+          <a:ext cx="0" cy="0"/>
+          <a:chOff x="0" y="0"/>
+          <a:chExt cx="0" cy="0"/>
+        </a:xfrm>
+      </p:grpSpPr>
+      <p:sp>
+        <p:nvSpPr>
+          <p:cNvPr id="2" name="Title 1"/>
+          <p:cNvSpPr>
+            <a:spLocks noGrp="1"/>
+          </p:cNvSpPr>
+          <p:nvPr>
+            <p:ph type="title"/>
+          </p:nvPr>
+        </p:nvSpPr>
+        <p:spPr/>
+        <p:txBody>
+          <a:bodyPr/>
+          <a:lstStyle/>
+          <a:p>
+            <a:r>
+              <a:rPr lang="en-US" dirty="0"/>
+              <a:t>Technology used</a:t>
+            </a:r>
+          </a:p>
+        </p:txBody>
+      </p:sp>
+      <p:sp>
+        <p:nvSpPr>
+          <p:cNvPr id="3" name="Content Placeholder 2"/>
+          <p:cNvSpPr>
+            <a:spLocks noGrp="1"/>
+          </p:cNvSpPr>
+          <p:nvPr>
+            <p:ph idx="1"/>
+          </p:nvPr>
+        </p:nvSpPr>
+        <p:spPr/>
+        <p:txBody>
+          <a:bodyPr>
+            <a:normAutofit fontScale="77500" lnSpcReduction="20000"/>
+          </a:bodyPr>
+          <a:lstStyle/>
+          <a:p>
+            <a:pPr marL="0" indent="0">
+              <a:buNone/>
+            </a:pPr>
+            <a:r>
+              <a:rPr lang="en-US" sz="1800" dirty="0"/>
+              <a:t>- Architecture style: </a:t>
+            </a:r>
+            <a:r>
+              <a:rPr lang="en-US" sz="1800" dirty="0" err="1"/>
+              <a:t>Microservices</a:t>
+            </a:r>
+            <a:r>
+              <a:rPr lang="en-US" sz="1800" dirty="0"/>
+              <a:t>, Single Page Application, </a:t>
+            </a:r>
+            <a:r>
+              <a:rPr lang="en-US" sz="1800" dirty="0" err="1"/>
+              <a:t>RESTful</a:t>
+            </a:r>
+            <a:r>
+              <a:rPr lang="en-US" sz="1800" dirty="0"/>
+              <a:t> </a:t>
+            </a:r>
+            <a:r>
+              <a:rPr lang="en-US" sz="1800" dirty="0" err="1"/>
+              <a:t>webservice</a:t>
+            </a:r>
+            <a:r>
+              <a:rPr lang="en-US" sz="1800" dirty="0"/>
+              <a:t>, MVC</a:t>
+            </a:r>
+          </a:p>
+          <a:p>
+            <a:pPr marL="0" indent="0">
+              <a:buNone/>
+            </a:pPr>
+            <a:endParaRPr lang="en-US" sz="1800" dirty="0"/>
+          </a:p>
+          <a:p>
+            <a:pPr marL="0" indent="0">
+              <a:buNone/>
+            </a:pPr>
+            <a:r>
+              <a:rPr lang="en-US" sz="1800" dirty="0"/>
+              <a:t>- Back end:   Java web J2EE + Spring MVC framework + Hibernate</a:t>
+            </a:r>
+          </a:p>
+          <a:p>
+            <a:pPr marL="0" indent="0">
+              <a:buNone/>
+            </a:pPr>
+            <a:r>
+              <a:rPr lang="en-US" sz="1800" dirty="0"/>
+              <a:t>                      Node.js + Express framework</a:t>
+            </a:r>
+          </a:p>
+          <a:p>
+            <a:pPr marL="0" indent="0">
+              <a:buNone/>
+            </a:pPr>
+            <a:endParaRPr lang="en-US" sz="1800" dirty="0"/>
+          </a:p>
+          <a:p>
+            <a:pPr marL="0" indent="0">
+              <a:buNone/>
+            </a:pPr>
+            <a:r>
+              <a:rPr lang="en-US" sz="1800" dirty="0"/>
+              <a:t>- Front end:   HTML5, CSS3, </a:t>
+            </a:r>
+            <a:r>
+              <a:rPr lang="en-US" sz="1800" dirty="0" err="1"/>
+              <a:t>Javascript</a:t>
+            </a:r>
+            <a:r>
+              <a:rPr lang="en-US" sz="1800" dirty="0"/>
+              <a:t>, </a:t>
+            </a:r>
+            <a:r>
+              <a:rPr lang="en-US" sz="1800" dirty="0" err="1"/>
+              <a:t>Jquery</a:t>
+            </a:r>
+            <a:r>
+              <a:rPr lang="en-US" sz="1800" dirty="0"/>
+              <a:t>, Bootstrap</a:t>
+            </a:r>
+          </a:p>
+          <a:p>
+            <a:pPr marL="0" indent="0">
+              <a:buNone/>
+            </a:pPr>
+            <a:r>
+              <a:rPr lang="en-US" sz="1800" dirty="0"/>
+              <a:t>                      Angular JS and Angular 2 framework</a:t>
+            </a:r>
+          </a:p>
+          <a:p>
+            <a:pPr marL="0" indent="0">
+              <a:buNone/>
+            </a:pPr>
+            <a:endParaRPr lang="en-US" sz="1800" dirty="0"/>
+          </a:p>
+          <a:p>
+            <a:pPr marL="0" indent="0">
+              <a:buNone/>
+            </a:pPr>
+            <a:r>
+              <a:rPr lang="en-US" sz="1800" dirty="0"/>
+              <a:t>- Database:  </a:t>
+            </a:r>
+            <a:r>
+              <a:rPr lang="en-US" sz="1800" dirty="0" err="1"/>
+              <a:t>MongoDB</a:t>
+            </a:r>
+            <a:r>
+              <a:rPr lang="en-US" sz="1800" dirty="0"/>
+              <a:t>, SQL (MySQL &amp; MS SQL Server)</a:t>
+            </a:r>
+          </a:p>
+          <a:p>
+            <a:pPr marL="285750" indent="-285750">
+              <a:buFontTx/>
+              <a:buChar char="-"/>
+            </a:pPr>
+            <a:endParaRPr lang="en-US" sz="1800" dirty="0"/>
+          </a:p>
+          <a:p>
+            <a:pPr marL="0" indent="0">
+              <a:buNone/>
+            </a:pPr>
+            <a:r>
+              <a:rPr lang="en-US" sz="1800" dirty="0"/>
+              <a:t>- Build and Deploy: maven with Glassfish, Tomcat, </a:t>
+            </a:r>
+            <a:r>
+              <a:rPr lang="en-US" sz="1800" dirty="0" err="1"/>
+              <a:t>package.json</a:t>
+            </a:r>
+            <a:r>
+              <a:rPr lang="en-US" sz="1800" dirty="0"/>
+              <a:t> with </a:t>
+            </a:r>
+            <a:r>
+              <a:rPr lang="en-US" sz="1800" dirty="0" err="1"/>
+              <a:t>npm</a:t>
+            </a:r>
+            <a:endParaRPr lang="en-US" sz="1800" dirty="0"/>
+          </a:p>
+          <a:p>
+            <a:pPr marL="285750" indent="-285750">
+              <a:buFontTx/>
+              <a:buChar char="-"/>
+            </a:pPr>
+            <a:endParaRPr lang="en-US" sz="1800" dirty="0"/>
+          </a:p>
+          <a:p>
+            <a:pPr marL="0" indent="0">
+              <a:buNone/>
+            </a:pPr>
+            <a:r>
+              <a:rPr lang="en-US" sz="1800" dirty="0"/>
+              <a:t>- Online server: heroku.com, mlab.com, f</a:t>
+            </a:r>
+            <a:r>
+              <a:rPr lang="en-US" sz="1600" dirty="0"/>
+              <a:t>reesqldatabase.com</a:t>
+            </a:r>
+            <a:endParaRPr lang="en-US" sz="1800" dirty="0"/>
+          </a:p>
+          <a:p>
+            <a:pPr marL="0" indent="0">
+              <a:buNone/>
+            </a:pPr>
+            <a:r>
+              <a:rPr lang="en-US" sz="1800" dirty="0"/>
+              <a:t>- Version control: </a:t>
+            </a:r>
+            <a:r>
+              <a:rPr lang="en-US" sz="1800" dirty="0" err="1"/>
+              <a:t>Git</a:t>
+            </a:r>
+            <a:endParaRPr lang="en-US" sz="1800" dirty="0"/>
+          </a:p>
+          <a:p>
+            <a:pPr marL="285750" indent="-285750">
+              <a:buFontTx/>
+              <a:buChar char="-"/>
+            </a:pPr>
+            <a:endParaRPr lang="en-US" sz="1800" dirty="0"/>
+          </a:p>
+          <a:p>
+            <a:pPr marL="0" indent="0">
+              <a:buNone/>
+            </a:pPr>
+            <a:r>
+              <a:rPr lang="en-US" sz="1800" dirty="0"/>
+              <a:t>- Project management tool: </a:t>
+            </a:r>
+            <a:r>
+              <a:rPr lang="en-US" sz="1800" dirty="0" err="1"/>
+              <a:t>Trello</a:t>
+            </a:r>
+            <a:endParaRPr lang="en-US" sz="1800" dirty="0"/>
+          </a:p>
+          <a:p>
+            <a:pPr marL="285750" indent="-285750">
+              <a:buFontTx/>
+              <a:buChar char="-"/>
+            </a:pPr>
+            <a:endParaRPr lang="en-US" sz="1800" dirty="0"/>
+          </a:p>
+          <a:p>
+            <a:pPr marL="0" indent="0">
+              <a:buNone/>
+            </a:pPr>
+            <a:r>
+              <a:rPr lang="en-US" sz="1800" dirty="0"/>
+              <a:t>- Other tool: Dreamweaver CS6 , UMLET, </a:t>
+            </a:r>
+            <a:r>
+              <a:rPr lang="en-US" sz="1800" dirty="0" err="1"/>
+              <a:t>Edraw</a:t>
+            </a:r>
+            <a:r>
+              <a:rPr lang="en-US" sz="1800" dirty="0"/>
+              <a:t>, </a:t>
+            </a:r>
+            <a:r>
+              <a:rPr lang="en-US" sz="1800" dirty="0" err="1"/>
+              <a:t>Netbeans</a:t>
+            </a:r>
+            <a:r>
+              <a:rPr lang="en-US" sz="1800" dirty="0"/>
+              <a:t>, </a:t>
+            </a:r>
+            <a:r>
+              <a:rPr lang="en-US" sz="1800" dirty="0" err="1"/>
+              <a:t>Vscode</a:t>
+            </a:r>
+            <a:r>
+              <a:rPr lang="en-US" sz="1800" dirty="0"/>
+              <a:t>, </a:t>
+            </a:r>
+            <a:r>
+              <a:rPr lang="en-US" sz="1800" dirty="0" err="1"/>
+              <a:t>RoboMongo</a:t>
+            </a:r>
+            <a:r>
+              <a:rPr lang="en-US" sz="1800" dirty="0"/>
+              <a:t>, </a:t>
+            </a:r>
+            <a:r>
+              <a:rPr lang="en-US" sz="1800" dirty="0" err="1"/>
+              <a:t>PHPmyadmin</a:t>
+            </a:r>
+            <a:r>
+              <a:rPr lang="en-US" sz="1800" dirty="0"/>
+              <a:t>, Sonar Lint, SQL Server Management Tool, </a:t>
+            </a:r>
+            <a:r>
+              <a:rPr lang="en-US" sz="1800" dirty="0" err="1"/>
+              <a:t>Erdaw</a:t>
+            </a:r>
+            <a:r>
+              <a:rPr lang="en-US" sz="1800" dirty="0"/>
+              <a:t>, </a:t>
+            </a:r>
+          </a:p>
+          <a:p>
+            <a:pPr marL="0" indent="0">
+              <a:buNone/>
+            </a:pPr>
+            <a:endParaRPr lang="en-US" dirty="0"/>
+          </a:p>
+        </p:txBody>
+      </p:sp>
+    </p:spTree>
+    <p:extLst>
+      <p:ext uri="{BB962C8B-B14F-4D97-AF65-F5344CB8AC3E}">
+        <p14:creationId xmlns:p14="http://schemas.microsoft.com/office/powerpoint/2010/main" val="2054461483"/>
+      </p:ext>
+    </p:extLst>
+  </p:cSld>
+  <p:clrMapOvr>
+    <a:masterClrMapping/>
+  </p:clrMapOvr>
+</p:sld>
+</file>
+
 <file path=ppt/slides/slide12.xml><?xml version="1.0" encoding="utf-8"?>
 <p:sld xmlns:a="http://schemas.openxmlformats.org/drawingml/2006/main" xmlns:r="http://schemas.openxmlformats.org/officeDocument/2006/relationships" xmlns:p="http://schemas.openxmlformats.org/presentationml/2006/main">
   <p:cSld>
@@ -10006,351 +9633,6 @@
       </p:grpSpPr>
       <p:sp>
         <p:nvSpPr>
-          <p:cNvPr id="2" name="Title 1"/>
-          <p:cNvSpPr>
-            <a:spLocks noGrp="1"/>
-          </p:cNvSpPr>
-          <p:nvPr>
-            <p:ph type="title"/>
-          </p:nvPr>
-        </p:nvSpPr>
-        <p:spPr/>
-        <p:txBody>
-          <a:bodyPr/>
-          <a:lstStyle/>
-          <a:p>
-            <a:r>
-              <a:rPr lang="en-US" dirty="0"/>
-              <a:t>Technology used</a:t>
-            </a:r>
-          </a:p>
-        </p:txBody>
-      </p:sp>
-      <p:sp>
-        <p:nvSpPr>
-          <p:cNvPr id="3" name="Content Placeholder 2"/>
-          <p:cNvSpPr>
-            <a:spLocks noGrp="1"/>
-          </p:cNvSpPr>
-          <p:nvPr>
-            <p:ph idx="1"/>
-          </p:nvPr>
-        </p:nvSpPr>
-        <p:spPr/>
-        <p:txBody>
-          <a:bodyPr>
-            <a:normAutofit fontScale="77500" lnSpcReduction="20000"/>
-          </a:bodyPr>
-          <a:lstStyle/>
-          <a:p>
-            <a:pPr marL="0" indent="0">
-              <a:buNone/>
-            </a:pPr>
-            <a:r>
-              <a:rPr lang="en-US" sz="1800" dirty="0"/>
-              <a:t>- Architecture style: </a:t>
-            </a:r>
-            <a:r>
-              <a:rPr lang="en-US" sz="1800" dirty="0" err="1"/>
-              <a:t>Microservices</a:t>
-            </a:r>
-            <a:r>
-              <a:rPr lang="en-US" sz="1800" dirty="0"/>
-              <a:t>, Single Page Application, </a:t>
-            </a:r>
-            <a:r>
-              <a:rPr lang="en-US" sz="1800" dirty="0" err="1"/>
-              <a:t>RESTful</a:t>
-            </a:r>
-            <a:r>
-              <a:rPr lang="en-US" sz="1800" dirty="0"/>
-              <a:t> </a:t>
-            </a:r>
-            <a:r>
-              <a:rPr lang="en-US" sz="1800" dirty="0" err="1"/>
-              <a:t>webservice</a:t>
-            </a:r>
-            <a:r>
-              <a:rPr lang="en-US" sz="1800" dirty="0"/>
-              <a:t>, MVC</a:t>
-            </a:r>
-          </a:p>
-          <a:p>
-            <a:pPr marL="0" indent="0">
-              <a:buNone/>
-            </a:pPr>
-            <a:endParaRPr lang="en-US" sz="1800" dirty="0"/>
-          </a:p>
-          <a:p>
-            <a:pPr marL="0" indent="0">
-              <a:buNone/>
-            </a:pPr>
-            <a:r>
-              <a:rPr lang="en-US" sz="1800" dirty="0"/>
-              <a:t>- Back end:   Java web J2EE + Spring MVC framework + Hibernate</a:t>
-            </a:r>
-          </a:p>
-          <a:p>
-            <a:pPr marL="0" indent="0">
-              <a:buNone/>
-            </a:pPr>
-            <a:r>
-              <a:rPr lang="en-US" sz="1800" dirty="0"/>
-              <a:t>                      Node.js + Express framework</a:t>
-            </a:r>
-          </a:p>
-          <a:p>
-            <a:pPr marL="0" indent="0">
-              <a:buNone/>
-            </a:pPr>
-            <a:endParaRPr lang="en-US" sz="1800" dirty="0"/>
-          </a:p>
-          <a:p>
-            <a:pPr marL="0" indent="0">
-              <a:buNone/>
-            </a:pPr>
-            <a:r>
-              <a:rPr lang="en-US" sz="1800" dirty="0"/>
-              <a:t>- Front end:   HTML5, CSS3, </a:t>
-            </a:r>
-            <a:r>
-              <a:rPr lang="en-US" sz="1800" dirty="0" err="1"/>
-              <a:t>Javascript</a:t>
-            </a:r>
-            <a:r>
-              <a:rPr lang="en-US" sz="1800" dirty="0"/>
-              <a:t>, </a:t>
-            </a:r>
-            <a:r>
-              <a:rPr lang="en-US" sz="1800" dirty="0" err="1"/>
-              <a:t>Jquery</a:t>
-            </a:r>
-            <a:r>
-              <a:rPr lang="en-US" sz="1800" dirty="0"/>
-              <a:t>, Bootstrap</a:t>
-            </a:r>
-          </a:p>
-          <a:p>
-            <a:pPr marL="0" indent="0">
-              <a:buNone/>
-            </a:pPr>
-            <a:r>
-              <a:rPr lang="en-US" sz="1800" dirty="0"/>
-              <a:t>                      Angular JS and Angular 2 framework</a:t>
-            </a:r>
-          </a:p>
-          <a:p>
-            <a:pPr marL="0" indent="0">
-              <a:buNone/>
-            </a:pPr>
-            <a:endParaRPr lang="en-US" sz="1800" dirty="0"/>
-          </a:p>
-          <a:p>
-            <a:pPr marL="0" indent="0">
-              <a:buNone/>
-            </a:pPr>
-            <a:r>
-              <a:rPr lang="en-US" sz="1800" dirty="0"/>
-              <a:t>- Database:  </a:t>
-            </a:r>
-            <a:r>
-              <a:rPr lang="en-US" sz="1800" dirty="0" err="1"/>
-              <a:t>MongoDB</a:t>
-            </a:r>
-            <a:r>
-              <a:rPr lang="en-US" sz="1800" dirty="0"/>
-              <a:t>, SQL (MySQL &amp; MS SQL Server)</a:t>
-            </a:r>
-          </a:p>
-          <a:p>
-            <a:pPr marL="285750" indent="-285750">
-              <a:buFontTx/>
-              <a:buChar char="-"/>
-            </a:pPr>
-            <a:endParaRPr lang="en-US" sz="1800" dirty="0"/>
-          </a:p>
-          <a:p>
-            <a:pPr marL="0" indent="0">
-              <a:buNone/>
-            </a:pPr>
-            <a:r>
-              <a:rPr lang="en-US" sz="1800" dirty="0"/>
-              <a:t>- Build and Deploy: maven with Glassfish, Tomcat, </a:t>
-            </a:r>
-            <a:r>
-              <a:rPr lang="en-US" sz="1800" dirty="0" err="1"/>
-              <a:t>package.json</a:t>
-            </a:r>
-            <a:r>
-              <a:rPr lang="en-US" sz="1800" dirty="0"/>
-              <a:t> with </a:t>
-            </a:r>
-            <a:r>
-              <a:rPr lang="en-US" sz="1800" dirty="0" err="1"/>
-              <a:t>npm</a:t>
-            </a:r>
-            <a:endParaRPr lang="en-US" sz="1800" dirty="0"/>
-          </a:p>
-          <a:p>
-            <a:pPr marL="285750" indent="-285750">
-              <a:buFontTx/>
-              <a:buChar char="-"/>
-            </a:pPr>
-            <a:endParaRPr lang="en-US" sz="1800" dirty="0"/>
-          </a:p>
-          <a:p>
-            <a:pPr marL="0" indent="0">
-              <a:buNone/>
-            </a:pPr>
-            <a:r>
-              <a:rPr lang="en-US" sz="1800" dirty="0"/>
-              <a:t>- Online server: heroku.com, mlab.com, f</a:t>
-            </a:r>
-            <a:r>
-              <a:rPr lang="en-US" sz="1600" dirty="0"/>
-              <a:t>reesqldatabase.com</a:t>
-            </a:r>
-            <a:endParaRPr lang="en-US" sz="1800" dirty="0"/>
-          </a:p>
-          <a:p>
-            <a:pPr marL="0" indent="0">
-              <a:buNone/>
-            </a:pPr>
-            <a:r>
-              <a:rPr lang="en-US" sz="1800" dirty="0"/>
-              <a:t>- Version control: </a:t>
-            </a:r>
-            <a:r>
-              <a:rPr lang="en-US" sz="1800" dirty="0" err="1"/>
-              <a:t>Git</a:t>
-            </a:r>
-            <a:endParaRPr lang="en-US" sz="1800" dirty="0"/>
-          </a:p>
-          <a:p>
-            <a:pPr marL="285750" indent="-285750">
-              <a:buFontTx/>
-              <a:buChar char="-"/>
-            </a:pPr>
-            <a:endParaRPr lang="en-US" sz="1800" dirty="0"/>
-          </a:p>
-          <a:p>
-            <a:pPr marL="0" indent="0">
-              <a:buNone/>
-            </a:pPr>
-            <a:r>
-              <a:rPr lang="en-US" sz="1800" dirty="0"/>
-              <a:t>- Project management tool: </a:t>
-            </a:r>
-            <a:r>
-              <a:rPr lang="en-US" sz="1800" dirty="0" err="1"/>
-              <a:t>Trello</a:t>
-            </a:r>
-            <a:endParaRPr lang="en-US" sz="1800" dirty="0"/>
-          </a:p>
-          <a:p>
-            <a:pPr marL="285750" indent="-285750">
-              <a:buFontTx/>
-              <a:buChar char="-"/>
-            </a:pPr>
-            <a:endParaRPr lang="en-US" sz="1800" dirty="0"/>
-          </a:p>
-          <a:p>
-            <a:pPr marL="0" indent="0">
-              <a:buNone/>
-            </a:pPr>
-            <a:r>
-              <a:rPr lang="en-US" sz="1800" dirty="0"/>
-              <a:t>- Other tool: Dreamweaver CS6 , UMLET, </a:t>
-            </a:r>
-            <a:r>
-              <a:rPr lang="en-US" sz="1800" dirty="0" err="1"/>
-              <a:t>Edraw</a:t>
-            </a:r>
-            <a:r>
-              <a:rPr lang="en-US" sz="1800" dirty="0"/>
-              <a:t>, </a:t>
-            </a:r>
-            <a:r>
-              <a:rPr lang="en-US" sz="1800" dirty="0" err="1"/>
-              <a:t>Netbeans</a:t>
-            </a:r>
-            <a:r>
-              <a:rPr lang="en-US" sz="1800" dirty="0"/>
-              <a:t>, </a:t>
-            </a:r>
-            <a:r>
-              <a:rPr lang="en-US" sz="1800" dirty="0" err="1"/>
-              <a:t>Vscode</a:t>
-            </a:r>
-            <a:r>
-              <a:rPr lang="en-US" sz="1800" dirty="0"/>
-              <a:t>, </a:t>
-            </a:r>
-            <a:r>
-              <a:rPr lang="en-US" sz="1800" dirty="0" err="1"/>
-              <a:t>RoboMongo</a:t>
-            </a:r>
-            <a:r>
-              <a:rPr lang="en-US" sz="1800" dirty="0"/>
-              <a:t>, </a:t>
-            </a:r>
-            <a:r>
-              <a:rPr lang="en-US" sz="1800" dirty="0" err="1"/>
-              <a:t>PHPmyadmin</a:t>
-            </a:r>
-            <a:r>
-              <a:rPr lang="en-US" sz="1800" dirty="0"/>
-              <a:t>, Sonar Lint, SQL Server Management Tool, </a:t>
-            </a:r>
-            <a:r>
-              <a:rPr lang="en-US" sz="1800" dirty="0" err="1"/>
-              <a:t>Erdaw</a:t>
-            </a:r>
-            <a:r>
-              <a:rPr lang="en-US" sz="1800" dirty="0"/>
-              <a:t>, </a:t>
-            </a:r>
-          </a:p>
-          <a:p>
-            <a:pPr marL="0" indent="0">
-              <a:buNone/>
-            </a:pPr>
-            <a:endParaRPr lang="en-US" dirty="0"/>
-          </a:p>
-        </p:txBody>
-      </p:sp>
-    </p:spTree>
-    <p:extLst>
-      <p:ext uri="{BB962C8B-B14F-4D97-AF65-F5344CB8AC3E}">
-        <p14:creationId xmlns:p14="http://schemas.microsoft.com/office/powerpoint/2010/main" val="2054461483"/>
-      </p:ext>
-    </p:extLst>
-  </p:cSld>
-  <p:clrMapOvr>
-    <a:masterClrMapping/>
-  </p:clrMapOvr>
-</p:sld>
-</file>
-
-<file path=ppt/slides/slide13.xml><?xml version="1.0" encoding="utf-8"?>
-<p:sld xmlns:a="http://schemas.openxmlformats.org/drawingml/2006/main" xmlns:r="http://schemas.openxmlformats.org/officeDocument/2006/relationships" xmlns:p="http://schemas.openxmlformats.org/presentationml/2006/main">
-  <p:cSld>
-    <p:spTree>
-      <p:nvGrpSpPr>
-        <p:cNvPr id="1" name=""/>
-        <p:cNvGrpSpPr/>
-        <p:nvPr/>
-      </p:nvGrpSpPr>
-      <p:grpSpPr>
-        <a:xfrm>
-          <a:off x="0" y="0"/>
-          <a:ext cx="0" cy="0"/>
-          <a:chOff x="0" y="0"/>
-          <a:chExt cx="0" cy="0"/>
-        </a:xfrm>
-      </p:grpSpPr>
-      <p:sp>
-        <p:nvSpPr>
           <p:cNvPr id="4" name="Title 1"/>
           <p:cNvSpPr>
             <a:spLocks noGrp="1"/>
@@ -10404,7 +9686,7 @@
 </p:sld>
 </file>
 
-<file path=ppt/slides/slide14.xml><?xml version="1.0" encoding="utf-8"?>
+<file path=ppt/slides/slide13.xml><?xml version="1.0" encoding="utf-8"?>
 <p:sld xmlns:a="http://schemas.openxmlformats.org/drawingml/2006/main" xmlns:r="http://schemas.openxmlformats.org/officeDocument/2006/relationships" xmlns:p="http://schemas.openxmlformats.org/presentationml/2006/main">
   <p:cSld>
     <p:spTree>
@@ -10943,7 +10225,7 @@
 </p:sld>
 </file>
 
-<file path=ppt/slides/slide15.xml><?xml version="1.0" encoding="utf-8"?>
+<file path=ppt/slides/slide14.xml><?xml version="1.0" encoding="utf-8"?>
 <p:sld xmlns:a="http://schemas.openxmlformats.org/drawingml/2006/main" xmlns:r="http://schemas.openxmlformats.org/officeDocument/2006/relationships" xmlns:p="http://schemas.openxmlformats.org/presentationml/2006/main">
   <p:cSld>
     <p:spTree>
@@ -11504,7 +10786,7 @@
 </p:sld>
 </file>
 
-<file path=ppt/slides/slide16.xml><?xml version="1.0" encoding="utf-8"?>
+<file path=ppt/slides/slide15.xml><?xml version="1.0" encoding="utf-8"?>
 <p:sld xmlns:a="http://schemas.openxmlformats.org/drawingml/2006/main" xmlns:r="http://schemas.openxmlformats.org/officeDocument/2006/relationships" xmlns:p="http://schemas.openxmlformats.org/presentationml/2006/main">
   <p:cSld>
     <p:spTree>
@@ -11567,7 +10849,7 @@
 </p:sld>
 </file>
 
-<file path=ppt/slides/slide17.xml><?xml version="1.0" encoding="utf-8"?>
+<file path=ppt/slides/slide16.xml><?xml version="1.0" encoding="utf-8"?>
 <p:sld xmlns:a="http://schemas.openxmlformats.org/drawingml/2006/main" xmlns:r="http://schemas.openxmlformats.org/officeDocument/2006/relationships" xmlns:p="http://schemas.openxmlformats.org/presentationml/2006/main">
   <p:cSld>
     <p:spTree>
@@ -12207,7 +11489,7 @@
 </p:sld>
 </file>
 
-<file path=ppt/slides/slide18.xml><?xml version="1.0" encoding="utf-8"?>
+<file path=ppt/slides/slide17.xml><?xml version="1.0" encoding="utf-8"?>
 <p:sld xmlns:a="http://schemas.openxmlformats.org/drawingml/2006/main" xmlns:r="http://schemas.openxmlformats.org/officeDocument/2006/relationships" xmlns:p="http://schemas.openxmlformats.org/presentationml/2006/main">
   <p:cSld>
     <p:spTree>
@@ -12836,6 +12118,69 @@
 </p:sld>
 </file>
 
+<file path=ppt/slides/slide18.xml><?xml version="1.0" encoding="utf-8"?>
+<p:sld xmlns:a="http://schemas.openxmlformats.org/drawingml/2006/main" xmlns:r="http://schemas.openxmlformats.org/officeDocument/2006/relationships" xmlns:p="http://schemas.openxmlformats.org/presentationml/2006/main">
+  <p:cSld>
+    <p:spTree>
+      <p:nvGrpSpPr>
+        <p:cNvPr id="1" name=""/>
+        <p:cNvGrpSpPr/>
+        <p:nvPr/>
+      </p:nvGrpSpPr>
+      <p:grpSpPr>
+        <a:xfrm>
+          <a:off x="0" y="0"/>
+          <a:ext cx="0" cy="0"/>
+          <a:chOff x="0" y="0"/>
+          <a:chExt cx="0" cy="0"/>
+        </a:xfrm>
+      </p:grpSpPr>
+      <p:sp>
+        <p:nvSpPr>
+          <p:cNvPr id="4" name="Title 1"/>
+          <p:cNvSpPr>
+            <a:spLocks noGrp="1"/>
+          </p:cNvSpPr>
+          <p:nvPr>
+            <p:ph type="title"/>
+          </p:nvPr>
+        </p:nvSpPr>
+        <p:spPr>
+          <a:xfrm>
+            <a:off x="2743200" y="2667000"/>
+            <a:ext cx="5334000" cy="1143000"/>
+          </a:xfrm>
+        </p:spPr>
+        <p:txBody>
+          <a:bodyPr>
+            <a:normAutofit/>
+          </a:bodyPr>
+          <a:lstStyle/>
+          <a:p>
+            <a:r>
+              <a:rPr lang="en-US" sz="4400" b="1" dirty="0">
+                <a:effectLst/>
+                <a:latin typeface="Times New Roman" pitchFamily="18" charset="0"/>
+                <a:cs typeface="Times New Roman" pitchFamily="18" charset="0"/>
+              </a:rPr>
+              <a:t>IV. FEATURES</a:t>
+            </a:r>
+          </a:p>
+        </p:txBody>
+      </p:sp>
+    </p:spTree>
+    <p:extLst>
+      <p:ext uri="{BB962C8B-B14F-4D97-AF65-F5344CB8AC3E}">
+        <p14:creationId xmlns:p14="http://schemas.microsoft.com/office/powerpoint/2010/main" val="1688904846"/>
+      </p:ext>
+    </p:extLst>
+  </p:cSld>
+  <p:clrMapOvr>
+    <a:masterClrMapping/>
+  </p:clrMapOvr>
+</p:sld>
+</file>
+
 <file path=ppt/slides/slide19.xml><?xml version="1.0" encoding="utf-8"?>
 <p:sld xmlns:a="http://schemas.openxmlformats.org/drawingml/2006/main" xmlns:r="http://schemas.openxmlformats.org/officeDocument/2006/relationships" xmlns:p="http://schemas.openxmlformats.org/presentationml/2006/main">
   <p:cSld>
@@ -12855,14 +12200,20 @@
       </p:grpSpPr>
       <p:sp>
         <p:nvSpPr>
-          <p:cNvPr id="4" name="Rectangle 3"/>
+          <p:cNvPr id="4" name="Rectangle 3">
+            <a:extLst>
+              <a:ext uri="{FF2B5EF4-FFF2-40B4-BE49-F238E27FC236}">
+                <a16:creationId xmlns:a16="http://schemas.microsoft.com/office/drawing/2014/main" id="{56DEEC1C-EBCD-4BBA-940E-826FC526F57D}"/>
+              </a:ext>
+            </a:extLst>
+          </p:cNvPr>
           <p:cNvSpPr/>
           <p:nvPr/>
         </p:nvSpPr>
         <p:spPr>
           <a:xfrm>
             <a:off x="1371600" y="1981200"/>
-            <a:ext cx="7010400" cy="3416320"/>
+            <a:ext cx="7010400" cy="3693319"/>
           </a:xfrm>
           <a:prstGeom prst="rect">
             <a:avLst/>
@@ -12912,14 +12263,20 @@
           <a:p>
             <a:r>
               <a:rPr lang="en-US" dirty="0"/>
-              <a:t>hotel owners can improve their hotel based on customers wish</a:t>
-            </a:r>
-          </a:p>
-        </p:txBody>
-      </p:sp>
-      <p:sp>
-        <p:nvSpPr>
-          <p:cNvPr id="3" name="Title 1"/>
+              <a:t>Statistic and chart features =&gt; hotel owners can improve their hotel based on customers wish</a:t>
+            </a:r>
+          </a:p>
+        </p:txBody>
+      </p:sp>
+      <p:sp>
+        <p:nvSpPr>
+          <p:cNvPr id="5" name="Title 1">
+            <a:extLst>
+              <a:ext uri="{FF2B5EF4-FFF2-40B4-BE49-F238E27FC236}">
+                <a16:creationId xmlns:a16="http://schemas.microsoft.com/office/drawing/2014/main" id="{03C8A5C7-FDCF-4962-92A7-938973B4DBC0}"/>
+              </a:ext>
+            </a:extLst>
+          </p:cNvPr>
           <p:cNvSpPr>
             <a:spLocks noGrp="1"/>
           </p:cNvSpPr>
@@ -12929,19 +12286,17 @@
         </p:nvSpPr>
         <p:spPr>
           <a:xfrm>
-            <a:off x="1127760" y="228600"/>
-            <a:ext cx="7498080" cy="592975"/>
+            <a:off x="1371600" y="228600"/>
+            <a:ext cx="7498080" cy="1143000"/>
           </a:xfrm>
         </p:spPr>
         <p:txBody>
-          <a:bodyPr>
-            <a:normAutofit fontScale="90000"/>
-          </a:bodyPr>
+          <a:bodyPr/>
           <a:lstStyle/>
           <a:p>
             <a:r>
               <a:rPr lang="en-US" dirty="0"/>
-              <a:t>Goal and Scope</a:t>
+              <a:t>Features</a:t>
             </a:r>
           </a:p>
         </p:txBody>
@@ -12949,7 +12304,7 @@
     </p:spTree>
     <p:extLst>
       <p:ext uri="{BB962C8B-B14F-4D97-AF65-F5344CB8AC3E}">
-        <p14:creationId xmlns:p14="http://schemas.microsoft.com/office/powerpoint/2010/main" val="3248654136"/>
+        <p14:creationId xmlns:p14="http://schemas.microsoft.com/office/powerpoint/2010/main" val="4052646112"/>
       </p:ext>
     </p:extLst>
   </p:cSld>
@@ -13572,820 +12927,6 @@
       </p:grpSpPr>
       <p:sp>
         <p:nvSpPr>
-          <p:cNvPr id="4" name="Title 1"/>
-          <p:cNvSpPr>
-            <a:spLocks noGrp="1"/>
-          </p:cNvSpPr>
-          <p:nvPr>
-            <p:ph type="title"/>
-          </p:nvPr>
-        </p:nvSpPr>
-        <p:spPr>
-          <a:xfrm>
-            <a:off x="2743200" y="2667000"/>
-            <a:ext cx="5334000" cy="1143000"/>
-          </a:xfrm>
-        </p:spPr>
-        <p:txBody>
-          <a:bodyPr>
-            <a:normAutofit/>
-          </a:bodyPr>
-          <a:lstStyle/>
-          <a:p>
-            <a:r>
-              <a:rPr lang="en-US" sz="4400" b="1" dirty="0">
-                <a:effectLst/>
-                <a:latin typeface="Times New Roman" pitchFamily="18" charset="0"/>
-                <a:cs typeface="Times New Roman" pitchFamily="18" charset="0"/>
-              </a:rPr>
-              <a:t>IV. FEATURES</a:t>
-            </a:r>
-          </a:p>
-        </p:txBody>
-      </p:sp>
-    </p:spTree>
-    <p:extLst>
-      <p:ext uri="{BB962C8B-B14F-4D97-AF65-F5344CB8AC3E}">
-        <p14:creationId xmlns:p14="http://schemas.microsoft.com/office/powerpoint/2010/main" val="1688904846"/>
-      </p:ext>
-    </p:extLst>
-  </p:cSld>
-  <p:clrMapOvr>
-    <a:masterClrMapping/>
-  </p:clrMapOvr>
-</p:sld>
-</file>
-
-<file path=ppt/slides/slide21.xml><?xml version="1.0" encoding="utf-8"?>
-<p:sld xmlns:a="http://schemas.openxmlformats.org/drawingml/2006/main" xmlns:r="http://schemas.openxmlformats.org/officeDocument/2006/relationships" xmlns:p="http://schemas.openxmlformats.org/presentationml/2006/main">
-  <p:cSld>
-    <p:spTree>
-      <p:nvGrpSpPr>
-        <p:cNvPr id="1" name=""/>
-        <p:cNvGrpSpPr/>
-        <p:nvPr/>
-      </p:nvGrpSpPr>
-      <p:grpSpPr>
-        <a:xfrm>
-          <a:off x="0" y="0"/>
-          <a:ext cx="0" cy="0"/>
-          <a:chOff x="0" y="0"/>
-          <a:chExt cx="0" cy="0"/>
-        </a:xfrm>
-      </p:grpSpPr>
-      <p:sp>
-        <p:nvSpPr>
-          <p:cNvPr id="5" name="Content Placeholder 2"/>
-          <p:cNvSpPr>
-            <a:spLocks noGrp="1"/>
-          </p:cNvSpPr>
-          <p:nvPr>
-            <p:ph idx="1"/>
-          </p:nvPr>
-        </p:nvSpPr>
-        <p:spPr>
-          <a:xfrm>
-            <a:off x="1371600" y="990600"/>
-            <a:ext cx="7162800" cy="4885662"/>
-          </a:xfrm>
-        </p:spPr>
-        <p:txBody>
-          <a:bodyPr>
-            <a:normAutofit fontScale="92500" lnSpcReduction="20000"/>
-          </a:bodyPr>
-          <a:lstStyle/>
-          <a:p>
-            <a:pPr marL="0" indent="0">
-              <a:buNone/>
-            </a:pPr>
-            <a:endParaRPr lang="en-US" dirty="0"/>
-          </a:p>
-          <a:p>
-            <a:r>
-              <a:rPr lang="en-US" dirty="0"/>
-              <a:t>Support more than 60 features</a:t>
-            </a:r>
-          </a:p>
-          <a:p>
-            <a:endParaRPr lang="en-US" dirty="0"/>
-          </a:p>
-          <a:p>
-            <a:r>
-              <a:rPr lang="en-US" dirty="0"/>
-              <a:t>3 roles guest, customers, admin</a:t>
-            </a:r>
-          </a:p>
-          <a:p>
-            <a:endParaRPr lang="en-US" dirty="0"/>
-          </a:p>
-          <a:p>
-            <a:r>
-              <a:rPr lang="en-US" dirty="0"/>
-              <a:t>Hotel business features for each role</a:t>
-            </a:r>
-          </a:p>
-          <a:p>
-            <a:endParaRPr lang="en-US" dirty="0"/>
-          </a:p>
-          <a:p>
-            <a:r>
-              <a:rPr lang="en-US" dirty="0"/>
-              <a:t>Tracking features</a:t>
-            </a:r>
-          </a:p>
-          <a:p>
-            <a:endParaRPr lang="en-US" dirty="0"/>
-          </a:p>
-          <a:p>
-            <a:r>
-              <a:rPr lang="en-US" dirty="0"/>
-              <a:t>Recommendation feature</a:t>
-            </a:r>
-          </a:p>
-          <a:p>
-            <a:endParaRPr lang="en-US" dirty="0"/>
-          </a:p>
-          <a:p>
-            <a:endParaRPr lang="en-US" dirty="0"/>
-          </a:p>
-          <a:p>
-            <a:pPr marL="0" indent="0">
-              <a:buNone/>
-            </a:pPr>
-            <a:endParaRPr lang="en-US" dirty="0"/>
-          </a:p>
-          <a:p>
-            <a:pPr marL="0" indent="0">
-              <a:buNone/>
-            </a:pPr>
-            <a:endParaRPr lang="en-US" dirty="0"/>
-          </a:p>
-        </p:txBody>
-      </p:sp>
-      <p:sp>
-        <p:nvSpPr>
-          <p:cNvPr id="3" name="Title 1"/>
-          <p:cNvSpPr>
-            <a:spLocks noGrp="1"/>
-          </p:cNvSpPr>
-          <p:nvPr>
-            <p:ph type="title"/>
-          </p:nvPr>
-        </p:nvSpPr>
-        <p:spPr>
-          <a:xfrm>
-            <a:off x="1371600" y="228600"/>
-            <a:ext cx="7498080" cy="1143000"/>
-          </a:xfrm>
-        </p:spPr>
-        <p:txBody>
-          <a:bodyPr/>
-          <a:lstStyle/>
-          <a:p>
-            <a:r>
-              <a:rPr lang="en-US" dirty="0"/>
-              <a:t>Features</a:t>
-            </a:r>
-          </a:p>
-        </p:txBody>
-      </p:sp>
-    </p:spTree>
-    <p:extLst>
-      <p:ext uri="{BB962C8B-B14F-4D97-AF65-F5344CB8AC3E}">
-        <p14:creationId xmlns:p14="http://schemas.microsoft.com/office/powerpoint/2010/main" val="3547731644"/>
-      </p:ext>
-    </p:extLst>
-  </p:cSld>
-  <p:clrMapOvr>
-    <a:masterClrMapping/>
-  </p:clrMapOvr>
-  <p:timing>
-    <p:tnLst>
-      <p:par>
-        <p:cTn id="1" dur="indefinite" restart="never" nodeType="tmRoot">
-          <p:childTnLst>
-            <p:seq concurrent="1" nextAc="seek">
-              <p:cTn id="2" dur="indefinite" nodeType="mainSeq">
-                <p:childTnLst>
-                  <p:par>
-                    <p:cTn id="3" fill="hold">
-                      <p:stCondLst>
-                        <p:cond delay="indefinite"/>
-                      </p:stCondLst>
-                      <p:childTnLst>
-                        <p:par>
-                          <p:cTn id="4" fill="hold">
-                            <p:stCondLst>
-                              <p:cond delay="0"/>
-                            </p:stCondLst>
-                            <p:childTnLst>
-                              <p:par>
-                                <p:cTn id="5" presetID="42" presetClass="entr" presetSubtype="0" fill="hold" nodeType="clickEffect">
-                                  <p:stCondLst>
-                                    <p:cond delay="0"/>
-                                  </p:stCondLst>
-                                  <p:childTnLst>
-                                    <p:set>
-                                      <p:cBhvr>
-                                        <p:cTn id="6" dur="1" fill="hold">
-                                          <p:stCondLst>
-                                            <p:cond delay="0"/>
-                                          </p:stCondLst>
-                                        </p:cTn>
-                                        <p:tgtEl>
-                                          <p:spTgt spid="5">
-                                            <p:txEl>
-                                              <p:pRg st="1" end="1"/>
-                                            </p:txEl>
-                                          </p:spTgt>
-                                        </p:tgtEl>
-                                        <p:attrNameLst>
-                                          <p:attrName>style.visibility</p:attrName>
-                                        </p:attrNameLst>
-                                      </p:cBhvr>
-                                      <p:to>
-                                        <p:strVal val="visible"/>
-                                      </p:to>
-                                    </p:set>
-                                    <p:animEffect transition="in" filter="fade">
-                                      <p:cBhvr>
-                                        <p:cTn id="7" dur="1000"/>
-                                        <p:tgtEl>
-                                          <p:spTgt spid="5">
-                                            <p:txEl>
-                                              <p:pRg st="1" end="1"/>
-                                            </p:txEl>
-                                          </p:spTgt>
-                                        </p:tgtEl>
-                                      </p:cBhvr>
-                                    </p:animEffect>
-                                    <p:anim calcmode="lin" valueType="num">
-                                      <p:cBhvr>
-                                        <p:cTn id="8" dur="1000" fill="hold"/>
-                                        <p:tgtEl>
-                                          <p:spTgt spid="5">
-                                            <p:txEl>
-                                              <p:pRg st="1" end="1"/>
-                                            </p:txEl>
-                                          </p:spTgt>
-                                        </p:tgtEl>
-                                        <p:attrNameLst>
-                                          <p:attrName>ppt_x</p:attrName>
-                                        </p:attrNameLst>
-                                      </p:cBhvr>
-                                      <p:tavLst>
-                                        <p:tav tm="0">
-                                          <p:val>
-                                            <p:strVal val="#ppt_x"/>
-                                          </p:val>
-                                        </p:tav>
-                                        <p:tav tm="100000">
-                                          <p:val>
-                                            <p:strVal val="#ppt_x"/>
-                                          </p:val>
-                                        </p:tav>
-                                      </p:tavLst>
-                                    </p:anim>
-                                    <p:anim calcmode="lin" valueType="num">
-                                      <p:cBhvr>
-                                        <p:cTn id="9" dur="1000" fill="hold"/>
-                                        <p:tgtEl>
-                                          <p:spTgt spid="5">
-                                            <p:txEl>
-                                              <p:pRg st="1" end="1"/>
-                                            </p:txEl>
-                                          </p:spTgt>
-                                        </p:tgtEl>
-                                        <p:attrNameLst>
-                                          <p:attrName>ppt_y</p:attrName>
-                                        </p:attrNameLst>
-                                      </p:cBhvr>
-                                      <p:tavLst>
-                                        <p:tav tm="0">
-                                          <p:val>
-                                            <p:strVal val="#ppt_y+.1"/>
-                                          </p:val>
-                                        </p:tav>
-                                        <p:tav tm="100000">
-                                          <p:val>
-                                            <p:strVal val="#ppt_y"/>
-                                          </p:val>
-                                        </p:tav>
-                                      </p:tavLst>
-                                    </p:anim>
-                                  </p:childTnLst>
-                                </p:cTn>
-                              </p:par>
-                            </p:childTnLst>
-                          </p:cTn>
-                        </p:par>
-                      </p:childTnLst>
-                    </p:cTn>
-                  </p:par>
-                  <p:par>
-                    <p:cTn id="10" fill="hold">
-                      <p:stCondLst>
-                        <p:cond delay="indefinite"/>
-                      </p:stCondLst>
-                      <p:childTnLst>
-                        <p:par>
-                          <p:cTn id="11" fill="hold">
-                            <p:stCondLst>
-                              <p:cond delay="0"/>
-                            </p:stCondLst>
-                            <p:childTnLst>
-                              <p:par>
-                                <p:cTn id="12" presetID="42" presetClass="entr" presetSubtype="0" fill="hold" nodeType="clickEffect">
-                                  <p:stCondLst>
-                                    <p:cond delay="0"/>
-                                  </p:stCondLst>
-                                  <p:childTnLst>
-                                    <p:set>
-                                      <p:cBhvr>
-                                        <p:cTn id="13" dur="1" fill="hold">
-                                          <p:stCondLst>
-                                            <p:cond delay="0"/>
-                                          </p:stCondLst>
-                                        </p:cTn>
-                                        <p:tgtEl>
-                                          <p:spTgt spid="5">
-                                            <p:txEl>
-                                              <p:pRg st="3" end="3"/>
-                                            </p:txEl>
-                                          </p:spTgt>
-                                        </p:tgtEl>
-                                        <p:attrNameLst>
-                                          <p:attrName>style.visibility</p:attrName>
-                                        </p:attrNameLst>
-                                      </p:cBhvr>
-                                      <p:to>
-                                        <p:strVal val="visible"/>
-                                      </p:to>
-                                    </p:set>
-                                    <p:animEffect transition="in" filter="fade">
-                                      <p:cBhvr>
-                                        <p:cTn id="14" dur="1000"/>
-                                        <p:tgtEl>
-                                          <p:spTgt spid="5">
-                                            <p:txEl>
-                                              <p:pRg st="3" end="3"/>
-                                            </p:txEl>
-                                          </p:spTgt>
-                                        </p:tgtEl>
-                                      </p:cBhvr>
-                                    </p:animEffect>
-                                    <p:anim calcmode="lin" valueType="num">
-                                      <p:cBhvr>
-                                        <p:cTn id="15" dur="1000" fill="hold"/>
-                                        <p:tgtEl>
-                                          <p:spTgt spid="5">
-                                            <p:txEl>
-                                              <p:pRg st="3" end="3"/>
-                                            </p:txEl>
-                                          </p:spTgt>
-                                        </p:tgtEl>
-                                        <p:attrNameLst>
-                                          <p:attrName>ppt_x</p:attrName>
-                                        </p:attrNameLst>
-                                      </p:cBhvr>
-                                      <p:tavLst>
-                                        <p:tav tm="0">
-                                          <p:val>
-                                            <p:strVal val="#ppt_x"/>
-                                          </p:val>
-                                        </p:tav>
-                                        <p:tav tm="100000">
-                                          <p:val>
-                                            <p:strVal val="#ppt_x"/>
-                                          </p:val>
-                                        </p:tav>
-                                      </p:tavLst>
-                                    </p:anim>
-                                    <p:anim calcmode="lin" valueType="num">
-                                      <p:cBhvr>
-                                        <p:cTn id="16" dur="1000" fill="hold"/>
-                                        <p:tgtEl>
-                                          <p:spTgt spid="5">
-                                            <p:txEl>
-                                              <p:pRg st="3" end="3"/>
-                                            </p:txEl>
-                                          </p:spTgt>
-                                        </p:tgtEl>
-                                        <p:attrNameLst>
-                                          <p:attrName>ppt_y</p:attrName>
-                                        </p:attrNameLst>
-                                      </p:cBhvr>
-                                      <p:tavLst>
-                                        <p:tav tm="0">
-                                          <p:val>
-                                            <p:strVal val="#ppt_y+.1"/>
-                                          </p:val>
-                                        </p:tav>
-                                        <p:tav tm="100000">
-                                          <p:val>
-                                            <p:strVal val="#ppt_y"/>
-                                          </p:val>
-                                        </p:tav>
-                                      </p:tavLst>
-                                    </p:anim>
-                                  </p:childTnLst>
-                                </p:cTn>
-                              </p:par>
-                            </p:childTnLst>
-                          </p:cTn>
-                        </p:par>
-                      </p:childTnLst>
-                    </p:cTn>
-                  </p:par>
-                  <p:par>
-                    <p:cTn id="17" fill="hold">
-                      <p:stCondLst>
-                        <p:cond delay="indefinite"/>
-                      </p:stCondLst>
-                      <p:childTnLst>
-                        <p:par>
-                          <p:cTn id="18" fill="hold">
-                            <p:stCondLst>
-                              <p:cond delay="0"/>
-                            </p:stCondLst>
-                            <p:childTnLst>
-                              <p:par>
-                                <p:cTn id="19" presetID="42" presetClass="entr" presetSubtype="0" fill="hold" nodeType="clickEffect">
-                                  <p:stCondLst>
-                                    <p:cond delay="0"/>
-                                  </p:stCondLst>
-                                  <p:childTnLst>
-                                    <p:set>
-                                      <p:cBhvr>
-                                        <p:cTn id="20" dur="1" fill="hold">
-                                          <p:stCondLst>
-                                            <p:cond delay="0"/>
-                                          </p:stCondLst>
-                                        </p:cTn>
-                                        <p:tgtEl>
-                                          <p:spTgt spid="5">
-                                            <p:txEl>
-                                              <p:pRg st="5" end="5"/>
-                                            </p:txEl>
-                                          </p:spTgt>
-                                        </p:tgtEl>
-                                        <p:attrNameLst>
-                                          <p:attrName>style.visibility</p:attrName>
-                                        </p:attrNameLst>
-                                      </p:cBhvr>
-                                      <p:to>
-                                        <p:strVal val="visible"/>
-                                      </p:to>
-                                    </p:set>
-                                    <p:animEffect transition="in" filter="fade">
-                                      <p:cBhvr>
-                                        <p:cTn id="21" dur="1000"/>
-                                        <p:tgtEl>
-                                          <p:spTgt spid="5">
-                                            <p:txEl>
-                                              <p:pRg st="5" end="5"/>
-                                            </p:txEl>
-                                          </p:spTgt>
-                                        </p:tgtEl>
-                                      </p:cBhvr>
-                                    </p:animEffect>
-                                    <p:anim calcmode="lin" valueType="num">
-                                      <p:cBhvr>
-                                        <p:cTn id="22" dur="1000" fill="hold"/>
-                                        <p:tgtEl>
-                                          <p:spTgt spid="5">
-                                            <p:txEl>
-                                              <p:pRg st="5" end="5"/>
-                                            </p:txEl>
-                                          </p:spTgt>
-                                        </p:tgtEl>
-                                        <p:attrNameLst>
-                                          <p:attrName>ppt_x</p:attrName>
-                                        </p:attrNameLst>
-                                      </p:cBhvr>
-                                      <p:tavLst>
-                                        <p:tav tm="0">
-                                          <p:val>
-                                            <p:strVal val="#ppt_x"/>
-                                          </p:val>
-                                        </p:tav>
-                                        <p:tav tm="100000">
-                                          <p:val>
-                                            <p:strVal val="#ppt_x"/>
-                                          </p:val>
-                                        </p:tav>
-                                      </p:tavLst>
-                                    </p:anim>
-                                    <p:anim calcmode="lin" valueType="num">
-                                      <p:cBhvr>
-                                        <p:cTn id="23" dur="1000" fill="hold"/>
-                                        <p:tgtEl>
-                                          <p:spTgt spid="5">
-                                            <p:txEl>
-                                              <p:pRg st="5" end="5"/>
-                                            </p:txEl>
-                                          </p:spTgt>
-                                        </p:tgtEl>
-                                        <p:attrNameLst>
-                                          <p:attrName>ppt_y</p:attrName>
-                                        </p:attrNameLst>
-                                      </p:cBhvr>
-                                      <p:tavLst>
-                                        <p:tav tm="0">
-                                          <p:val>
-                                            <p:strVal val="#ppt_y+.1"/>
-                                          </p:val>
-                                        </p:tav>
-                                        <p:tav tm="100000">
-                                          <p:val>
-                                            <p:strVal val="#ppt_y"/>
-                                          </p:val>
-                                        </p:tav>
-                                      </p:tavLst>
-                                    </p:anim>
-                                  </p:childTnLst>
-                                </p:cTn>
-                              </p:par>
-                            </p:childTnLst>
-                          </p:cTn>
-                        </p:par>
-                      </p:childTnLst>
-                    </p:cTn>
-                  </p:par>
-                  <p:par>
-                    <p:cTn id="24" fill="hold">
-                      <p:stCondLst>
-                        <p:cond delay="indefinite"/>
-                      </p:stCondLst>
-                      <p:childTnLst>
-                        <p:par>
-                          <p:cTn id="25" fill="hold">
-                            <p:stCondLst>
-                              <p:cond delay="0"/>
-                            </p:stCondLst>
-                            <p:childTnLst>
-                              <p:par>
-                                <p:cTn id="26" presetID="42" presetClass="entr" presetSubtype="0" fill="hold" nodeType="clickEffect">
-                                  <p:stCondLst>
-                                    <p:cond delay="0"/>
-                                  </p:stCondLst>
-                                  <p:childTnLst>
-                                    <p:set>
-                                      <p:cBhvr>
-                                        <p:cTn id="27" dur="1" fill="hold">
-                                          <p:stCondLst>
-                                            <p:cond delay="0"/>
-                                          </p:stCondLst>
-                                        </p:cTn>
-                                        <p:tgtEl>
-                                          <p:spTgt spid="5">
-                                            <p:txEl>
-                                              <p:pRg st="7" end="7"/>
-                                            </p:txEl>
-                                          </p:spTgt>
-                                        </p:tgtEl>
-                                        <p:attrNameLst>
-                                          <p:attrName>style.visibility</p:attrName>
-                                        </p:attrNameLst>
-                                      </p:cBhvr>
-                                      <p:to>
-                                        <p:strVal val="visible"/>
-                                      </p:to>
-                                    </p:set>
-                                    <p:animEffect transition="in" filter="fade">
-                                      <p:cBhvr>
-                                        <p:cTn id="28" dur="1000"/>
-                                        <p:tgtEl>
-                                          <p:spTgt spid="5">
-                                            <p:txEl>
-                                              <p:pRg st="7" end="7"/>
-                                            </p:txEl>
-                                          </p:spTgt>
-                                        </p:tgtEl>
-                                      </p:cBhvr>
-                                    </p:animEffect>
-                                    <p:anim calcmode="lin" valueType="num">
-                                      <p:cBhvr>
-                                        <p:cTn id="29" dur="1000" fill="hold"/>
-                                        <p:tgtEl>
-                                          <p:spTgt spid="5">
-                                            <p:txEl>
-                                              <p:pRg st="7" end="7"/>
-                                            </p:txEl>
-                                          </p:spTgt>
-                                        </p:tgtEl>
-                                        <p:attrNameLst>
-                                          <p:attrName>ppt_x</p:attrName>
-                                        </p:attrNameLst>
-                                      </p:cBhvr>
-                                      <p:tavLst>
-                                        <p:tav tm="0">
-                                          <p:val>
-                                            <p:strVal val="#ppt_x"/>
-                                          </p:val>
-                                        </p:tav>
-                                        <p:tav tm="100000">
-                                          <p:val>
-                                            <p:strVal val="#ppt_x"/>
-                                          </p:val>
-                                        </p:tav>
-                                      </p:tavLst>
-                                    </p:anim>
-                                    <p:anim calcmode="lin" valueType="num">
-                                      <p:cBhvr>
-                                        <p:cTn id="30" dur="1000" fill="hold"/>
-                                        <p:tgtEl>
-                                          <p:spTgt spid="5">
-                                            <p:txEl>
-                                              <p:pRg st="7" end="7"/>
-                                            </p:txEl>
-                                          </p:spTgt>
-                                        </p:tgtEl>
-                                        <p:attrNameLst>
-                                          <p:attrName>ppt_y</p:attrName>
-                                        </p:attrNameLst>
-                                      </p:cBhvr>
-                                      <p:tavLst>
-                                        <p:tav tm="0">
-                                          <p:val>
-                                            <p:strVal val="#ppt_y+.1"/>
-                                          </p:val>
-                                        </p:tav>
-                                        <p:tav tm="100000">
-                                          <p:val>
-                                            <p:strVal val="#ppt_y"/>
-                                          </p:val>
-                                        </p:tav>
-                                      </p:tavLst>
-                                    </p:anim>
-                                  </p:childTnLst>
-                                </p:cTn>
-                              </p:par>
-                            </p:childTnLst>
-                          </p:cTn>
-                        </p:par>
-                      </p:childTnLst>
-                    </p:cTn>
-                  </p:par>
-                  <p:par>
-                    <p:cTn id="31" fill="hold">
-                      <p:stCondLst>
-                        <p:cond delay="indefinite"/>
-                      </p:stCondLst>
-                      <p:childTnLst>
-                        <p:par>
-                          <p:cTn id="32" fill="hold">
-                            <p:stCondLst>
-                              <p:cond delay="0"/>
-                            </p:stCondLst>
-                            <p:childTnLst>
-                              <p:par>
-                                <p:cTn id="33" presetID="42" presetClass="entr" presetSubtype="0" fill="hold" nodeType="clickEffect">
-                                  <p:stCondLst>
-                                    <p:cond delay="0"/>
-                                  </p:stCondLst>
-                                  <p:childTnLst>
-                                    <p:set>
-                                      <p:cBhvr>
-                                        <p:cTn id="34" dur="1" fill="hold">
-                                          <p:stCondLst>
-                                            <p:cond delay="0"/>
-                                          </p:stCondLst>
-                                        </p:cTn>
-                                        <p:tgtEl>
-                                          <p:spTgt spid="5">
-                                            <p:txEl>
-                                              <p:pRg st="9" end="9"/>
-                                            </p:txEl>
-                                          </p:spTgt>
-                                        </p:tgtEl>
-                                        <p:attrNameLst>
-                                          <p:attrName>style.visibility</p:attrName>
-                                        </p:attrNameLst>
-                                      </p:cBhvr>
-                                      <p:to>
-                                        <p:strVal val="visible"/>
-                                      </p:to>
-                                    </p:set>
-                                    <p:animEffect transition="in" filter="fade">
-                                      <p:cBhvr>
-                                        <p:cTn id="35" dur="1000"/>
-                                        <p:tgtEl>
-                                          <p:spTgt spid="5">
-                                            <p:txEl>
-                                              <p:pRg st="9" end="9"/>
-                                            </p:txEl>
-                                          </p:spTgt>
-                                        </p:tgtEl>
-                                      </p:cBhvr>
-                                    </p:animEffect>
-                                    <p:anim calcmode="lin" valueType="num">
-                                      <p:cBhvr>
-                                        <p:cTn id="36" dur="1000" fill="hold"/>
-                                        <p:tgtEl>
-                                          <p:spTgt spid="5">
-                                            <p:txEl>
-                                              <p:pRg st="9" end="9"/>
-                                            </p:txEl>
-                                          </p:spTgt>
-                                        </p:tgtEl>
-                                        <p:attrNameLst>
-                                          <p:attrName>ppt_x</p:attrName>
-                                        </p:attrNameLst>
-                                      </p:cBhvr>
-                                      <p:tavLst>
-                                        <p:tav tm="0">
-                                          <p:val>
-                                            <p:strVal val="#ppt_x"/>
-                                          </p:val>
-                                        </p:tav>
-                                        <p:tav tm="100000">
-                                          <p:val>
-                                            <p:strVal val="#ppt_x"/>
-                                          </p:val>
-                                        </p:tav>
-                                      </p:tavLst>
-                                    </p:anim>
-                                    <p:anim calcmode="lin" valueType="num">
-                                      <p:cBhvr>
-                                        <p:cTn id="37" dur="1000" fill="hold"/>
-                                        <p:tgtEl>
-                                          <p:spTgt spid="5">
-                                            <p:txEl>
-                                              <p:pRg st="9" end="9"/>
-                                            </p:txEl>
-                                          </p:spTgt>
-                                        </p:tgtEl>
-                                        <p:attrNameLst>
-                                          <p:attrName>ppt_y</p:attrName>
-                                        </p:attrNameLst>
-                                      </p:cBhvr>
-                                      <p:tavLst>
-                                        <p:tav tm="0">
-                                          <p:val>
-                                            <p:strVal val="#ppt_y+.1"/>
-                                          </p:val>
-                                        </p:tav>
-                                        <p:tav tm="100000">
-                                          <p:val>
-                                            <p:strVal val="#ppt_y"/>
-                                          </p:val>
-                                        </p:tav>
-                                      </p:tavLst>
-                                    </p:anim>
-                                  </p:childTnLst>
-                                </p:cTn>
-                              </p:par>
-                            </p:childTnLst>
-                          </p:cTn>
-                        </p:par>
-                      </p:childTnLst>
-                    </p:cTn>
-                  </p:par>
-                </p:childTnLst>
-              </p:cTn>
-              <p:prevCondLst>
-                <p:cond evt="onPrev" delay="0">
-                  <p:tgtEl>
-                    <p:sldTgt/>
-                  </p:tgtEl>
-                </p:cond>
-              </p:prevCondLst>
-              <p:nextCondLst>
-                <p:cond evt="onNext" delay="0">
-                  <p:tgtEl>
-                    <p:sldTgt/>
-                  </p:tgtEl>
-                </p:cond>
-              </p:nextCondLst>
-            </p:seq>
-          </p:childTnLst>
-        </p:cTn>
-      </p:par>
-    </p:tnLst>
-  </p:timing>
-</p:sld>
-</file>
-
-<file path=ppt/slides/slide22.xml><?xml version="1.0" encoding="utf-8"?>
-<p:sld xmlns:a="http://schemas.openxmlformats.org/drawingml/2006/main" xmlns:r="http://schemas.openxmlformats.org/officeDocument/2006/relationships" xmlns:p="http://schemas.openxmlformats.org/presentationml/2006/main">
-  <p:cSld>
-    <p:spTree>
-      <p:nvGrpSpPr>
-        <p:cNvPr id="1" name=""/>
-        <p:cNvGrpSpPr/>
-        <p:nvPr/>
-      </p:nvGrpSpPr>
-      <p:grpSpPr>
-        <a:xfrm>
-          <a:off x="0" y="0"/>
-          <a:ext cx="0" cy="0"/>
-          <a:chOff x="0" y="0"/>
-          <a:chExt cx="0" cy="0"/>
-        </a:xfrm>
-      </p:grpSpPr>
-      <p:sp>
-        <p:nvSpPr>
           <p:cNvPr id="2" name="Title 1"/>
           <p:cNvSpPr>
             <a:spLocks noGrp="1"/>
@@ -14473,7 +13014,7 @@
 </p:sld>
 </file>
 
-<file path=ppt/slides/slide23.xml><?xml version="1.0" encoding="utf-8"?>
+<file path=ppt/slides/slide21.xml><?xml version="1.0" encoding="utf-8"?>
 <p:sld xmlns:a="http://schemas.openxmlformats.org/drawingml/2006/main" xmlns:r="http://schemas.openxmlformats.org/officeDocument/2006/relationships" xmlns:p="http://schemas.openxmlformats.org/presentationml/2006/main">
   <p:cSld>
     <p:spTree>
@@ -14536,7 +13077,7 @@
 </p:sld>
 </file>
 
-<file path=ppt/slides/slide24.xml><?xml version="1.0" encoding="utf-8"?>
+<file path=ppt/slides/slide22.xml><?xml version="1.0" encoding="utf-8"?>
 <p:sld xmlns:a="http://schemas.openxmlformats.org/drawingml/2006/main" xmlns:r="http://schemas.openxmlformats.org/officeDocument/2006/relationships" xmlns:p="http://schemas.openxmlformats.org/presentationml/2006/main">
   <p:cSld>
     <p:spTree>
@@ -14634,7 +13175,7 @@
 </p:sld>
 </file>
 
-<file path=ppt/slides/slide25.xml><?xml version="1.0" encoding="utf-8"?>
+<file path=ppt/slides/slide23.xml><?xml version="1.0" encoding="utf-8"?>
 <p:sld xmlns:a="http://schemas.openxmlformats.org/drawingml/2006/main" xmlns:r="http://schemas.openxmlformats.org/officeDocument/2006/relationships" xmlns:p="http://schemas.openxmlformats.org/presentationml/2006/main">
   <p:cSld>
     <p:spTree>
@@ -14738,7 +13279,7 @@
 </p:sld>
 </file>
 
-<file path=ppt/slides/slide26.xml><?xml version="1.0" encoding="utf-8"?>
+<file path=ppt/slides/slide24.xml><?xml version="1.0" encoding="utf-8"?>
 <p:sld xmlns:a="http://schemas.openxmlformats.org/drawingml/2006/main" xmlns:r="http://schemas.openxmlformats.org/officeDocument/2006/relationships" xmlns:p="http://schemas.openxmlformats.org/presentationml/2006/main">
   <p:cSld>
     <p:spTree>
@@ -15254,11 +13795,62 @@
           <a:chExt cx="0" cy="0"/>
         </a:xfrm>
       </p:grpSpPr>
+      <p:sp>
+        <p:nvSpPr>
+          <p:cNvPr id="7" name="Title 12"/>
+          <p:cNvSpPr>
+            <a:spLocks noGrp="1"/>
+          </p:cNvSpPr>
+          <p:nvPr>
+            <p:ph type="title"/>
+          </p:nvPr>
+        </p:nvSpPr>
+        <p:spPr>
+          <a:xfrm>
+            <a:off x="1036320" y="0"/>
+            <a:ext cx="7498080" cy="762000"/>
+          </a:xfrm>
+        </p:spPr>
+        <p:txBody>
+          <a:bodyPr>
+            <a:normAutofit fontScale="90000"/>
+          </a:bodyPr>
+          <a:lstStyle/>
+          <a:p>
+            <a:br>
+              <a:rPr lang="en-US" sz="4400" dirty="0">
+                <a:latin typeface="Times New Roman" pitchFamily="18" charset="0"/>
+                <a:cs typeface="Times New Roman" pitchFamily="18" charset="0"/>
+              </a:rPr>
+            </a:br>
+            <a:r>
+              <a:rPr lang="en-US" sz="4400" dirty="0" err="1">
+                <a:latin typeface="Times New Roman" pitchFamily="18" charset="0"/>
+                <a:cs typeface="Times New Roman" pitchFamily="18" charset="0"/>
+              </a:rPr>
+              <a:t>Mircoservices</a:t>
+            </a:r>
+            <a:br>
+              <a:rPr lang="en-US" sz="4400" dirty="0">
+                <a:latin typeface="Times New Roman" pitchFamily="18" charset="0"/>
+                <a:cs typeface="Times New Roman" pitchFamily="18" charset="0"/>
+              </a:rPr>
+            </a:br>
+            <a:endParaRPr lang="en-US" dirty="0"/>
+          </a:p>
+        </p:txBody>
+      </p:sp>
       <p:pic>
         <p:nvPicPr>
-          <p:cNvPr id="3074" name="Picture 2" descr="mircoservice - Copy"/>
+          <p:cNvPr id="3" name="Picture 2">
+            <a:extLst>
+              <a:ext uri="{FF2B5EF4-FFF2-40B4-BE49-F238E27FC236}">
+                <a16:creationId xmlns:a16="http://schemas.microsoft.com/office/drawing/2014/main" id="{FE1B21B2-009D-4A8F-B574-41A68C3582DF}"/>
+              </a:ext>
+            </a:extLst>
+          </p:cNvPr>
           <p:cNvPicPr>
-            <a:picLocks noChangeAspect="1" noChangeArrowheads="1"/>
+            <a:picLocks noChangeAspect="1"/>
           </p:cNvPicPr>
           <p:nvPr/>
         </p:nvPicPr>
@@ -15270,86 +13862,125 @@
               </a:ext>
             </a:extLst>
           </a:blip>
-          <a:srcRect/>
           <a:stretch>
             <a:fillRect/>
           </a:stretch>
         </p:blipFill>
-        <p:spPr bwMode="auto">
+        <p:spPr>
           <a:xfrm>
-            <a:off x="457200" y="886691"/>
-            <a:ext cx="8077200" cy="5943600"/>
+            <a:off x="15240" y="765048"/>
+            <a:ext cx="9144000" cy="4919662"/>
           </a:xfrm>
           <a:prstGeom prst="rect">
             <a:avLst/>
           </a:prstGeom>
-          <a:noFill/>
-          <a:ln>
-            <a:noFill/>
-          </a:ln>
-          <a:extLst>
-            <a:ext uri="{909E8E84-426E-40DD-AFC4-6F175D3DCCD1}">
-              <a14:hiddenFill xmlns:a14="http://schemas.microsoft.com/office/drawing/2010/main">
-                <a:solidFill>
-                  <a:srgbClr val="FFFFFF"/>
-                </a:solidFill>
-              </a14:hiddenFill>
-            </a:ext>
-            <a:ext uri="{91240B29-F687-4F45-9708-019B960494DF}">
-              <a14:hiddenLine xmlns:a14="http://schemas.microsoft.com/office/drawing/2010/main" w="9525">
-                <a:solidFill>
-                  <a:srgbClr val="000000"/>
-                </a:solidFill>
-                <a:miter lim="800000"/>
-                <a:headEnd/>
-                <a:tailEnd/>
-              </a14:hiddenLine>
-            </a:ext>
-          </a:extLst>
         </p:spPr>
       </p:pic>
       <p:sp>
         <p:nvSpPr>
-          <p:cNvPr id="7" name="Title 12"/>
-          <p:cNvSpPr>
-            <a:spLocks noGrp="1"/>
-          </p:cNvSpPr>
-          <p:nvPr>
-            <p:ph type="title"/>
-          </p:nvPr>
+          <p:cNvPr id="4" name="Rectangle 3">
+            <a:extLst>
+              <a:ext uri="{FF2B5EF4-FFF2-40B4-BE49-F238E27FC236}">
+                <a16:creationId xmlns:a16="http://schemas.microsoft.com/office/drawing/2014/main" id="{C0B20C8B-668B-4C92-BA79-A33979040959}"/>
+              </a:ext>
+            </a:extLst>
+          </p:cNvPr>
+          <p:cNvSpPr/>
+          <p:nvPr/>
         </p:nvSpPr>
         <p:spPr>
           <a:xfrm>
-            <a:off x="1036320" y="0"/>
-            <a:ext cx="7498080" cy="762000"/>
+            <a:off x="1036320" y="6096000"/>
+            <a:ext cx="8382000" cy="338554"/>
           </a:xfrm>
+          <a:prstGeom prst="rect">
+            <a:avLst/>
+          </a:prstGeom>
         </p:spPr>
         <p:txBody>
-          <a:bodyPr>
-            <a:normAutofit fontScale="90000"/>
+          <a:bodyPr wrap="square">
+            <a:spAutoFit/>
           </a:bodyPr>
           <a:lstStyle/>
           <a:p>
-            <a:br>
-              <a:rPr lang="en-US" sz="4400" dirty="0">
-                <a:latin typeface="Times New Roman" pitchFamily="18" charset="0"/>
-                <a:cs typeface="Times New Roman" pitchFamily="18" charset="0"/>
-              </a:rPr>
-            </a:br>
-            <a:r>
-              <a:rPr lang="en-US" sz="4400" dirty="0" err="1">
-                <a:latin typeface="Times New Roman" pitchFamily="18" charset="0"/>
-                <a:cs typeface="Times New Roman" pitchFamily="18" charset="0"/>
-              </a:rPr>
-              <a:t>Mircoservices</a:t>
-            </a:r>
-            <a:br>
-              <a:rPr lang="en-US" sz="4400" dirty="0">
-                <a:latin typeface="Times New Roman" pitchFamily="18" charset="0"/>
-                <a:cs typeface="Times New Roman" pitchFamily="18" charset="0"/>
-              </a:rPr>
-            </a:br>
-            <a:endParaRPr lang="en-US" dirty="0"/>
+            <a:pPr>
+              <a:defRPr/>
+            </a:pPr>
+            <a:r>
+              <a:rPr lang="en-US" sz="1600" dirty="0"/>
+              <a:t>Each Service provides API or uses API from other services to execute its own business logic. </a:t>
+            </a:r>
+          </a:p>
+        </p:txBody>
+      </p:sp>
+      <p:sp>
+        <p:nvSpPr>
+          <p:cNvPr id="5" name="Rectangle 4">
+            <a:extLst>
+              <a:ext uri="{FF2B5EF4-FFF2-40B4-BE49-F238E27FC236}">
+                <a16:creationId xmlns:a16="http://schemas.microsoft.com/office/drawing/2014/main" id="{CF6BF0EF-B4DB-47E8-8E13-7CD0B46CAECB}"/>
+              </a:ext>
+            </a:extLst>
+          </p:cNvPr>
+          <p:cNvSpPr/>
+          <p:nvPr/>
+        </p:nvSpPr>
+        <p:spPr>
+          <a:xfrm>
+            <a:off x="1036320" y="6519446"/>
+            <a:ext cx="7802880" cy="338554"/>
+          </a:xfrm>
+          <a:prstGeom prst="rect">
+            <a:avLst/>
+          </a:prstGeom>
+        </p:spPr>
+        <p:txBody>
+          <a:bodyPr wrap="square">
+            <a:spAutoFit/>
+          </a:bodyPr>
+          <a:lstStyle/>
+          <a:p>
+            <a:r>
+              <a:rPr lang="en-US" sz="1600" dirty="0"/>
+              <a:t>Independency of architecture, programming language or use different database system</a:t>
+            </a:r>
+          </a:p>
+        </p:txBody>
+      </p:sp>
+      <p:sp>
+        <p:nvSpPr>
+          <p:cNvPr id="8" name="Rectangle 7">
+            <a:extLst>
+              <a:ext uri="{FF2B5EF4-FFF2-40B4-BE49-F238E27FC236}">
+                <a16:creationId xmlns:a16="http://schemas.microsoft.com/office/drawing/2014/main" id="{FEEAE25E-40F3-4915-AB7F-6B28B99B6F1E}"/>
+              </a:ext>
+            </a:extLst>
+          </p:cNvPr>
+          <p:cNvSpPr/>
+          <p:nvPr/>
+        </p:nvSpPr>
+        <p:spPr>
+          <a:xfrm>
+            <a:off x="1036320" y="5763524"/>
+            <a:ext cx="8382000" cy="338554"/>
+          </a:xfrm>
+          <a:prstGeom prst="rect">
+            <a:avLst/>
+          </a:prstGeom>
+        </p:spPr>
+        <p:txBody>
+          <a:bodyPr wrap="square">
+            <a:spAutoFit/>
+          </a:bodyPr>
+          <a:lstStyle/>
+          <a:p>
+            <a:pPr>
+              <a:defRPr/>
+            </a:pPr>
+            <a:r>
+              <a:rPr lang="en-US" sz="1600" dirty="0"/>
+              <a:t>Separated into a lot of smaller services</a:t>
+            </a:r>
           </a:p>
         </p:txBody>
       </p:sp>
@@ -15559,7 +14190,7 @@
         <p:spPr>
           <a:xfrm>
             <a:off x="4067577" y="1143000"/>
-            <a:ext cx="4572000" cy="1200329"/>
+            <a:ext cx="4572000" cy="2585323"/>
           </a:xfrm>
           <a:prstGeom prst="rect">
             <a:avLst/>
@@ -15577,6 +14208,27 @@
                 <a:cs typeface="Times New Roman" pitchFamily="18" charset="0"/>
               </a:rPr>
               <a:t>common framework  for java </a:t>
+            </a:r>
+          </a:p>
+          <a:p>
+            <a:endParaRPr lang="en-US" dirty="0">
+              <a:latin typeface="+mj-lt"/>
+              <a:cs typeface="Times New Roman" pitchFamily="18" charset="0"/>
+            </a:endParaRPr>
+          </a:p>
+          <a:p>
+            <a:r>
+              <a:rPr lang="en-US" dirty="0"/>
+              <a:t>one of the most popular programming language</a:t>
+            </a:r>
+          </a:p>
+          <a:p>
+            <a:endParaRPr lang="en-US" dirty="0"/>
+          </a:p>
+          <a:p>
+            <a:r>
+              <a:rPr lang="en-US" dirty="0"/>
+              <a:t>powerfully supports Object Oriented Programming</a:t>
             </a:r>
           </a:p>
           <a:p>
@@ -15746,7 +14398,7 @@
         </p:blipFill>
         <p:spPr bwMode="auto">
           <a:xfrm>
-            <a:off x="1972061" y="2723322"/>
+            <a:off x="1954148" y="2292337"/>
             <a:ext cx="1400175" cy="1298620"/>
           </a:xfrm>
           <a:prstGeom prst="rect">
@@ -15810,7 +14462,7 @@
         </p:blipFill>
         <p:spPr bwMode="auto">
           <a:xfrm>
-            <a:off x="1635788" y="1143000"/>
+            <a:off x="1611249" y="1172368"/>
             <a:ext cx="2085975" cy="1066800"/>
           </a:xfrm>
           <a:prstGeom prst="rect">
@@ -15859,7 +14511,7 @@
         </p:nvSpPr>
         <p:spPr>
           <a:xfrm>
-            <a:off x="4067577" y="4724400"/>
+            <a:off x="4242787" y="4724400"/>
             <a:ext cx="4572000" cy="369332"/>
           </a:xfrm>
           <a:prstGeom prst="rect">
@@ -15875,43 +14527,6 @@
             <a:r>
               <a:rPr lang="en-US" dirty="0"/>
               <a:t>object-relational mapping framework. </a:t>
-            </a:r>
-          </a:p>
-        </p:txBody>
-      </p:sp>
-      <p:sp>
-        <p:nvSpPr>
-          <p:cNvPr id="5" name="Rectangle 4"/>
-          <p:cNvSpPr/>
-          <p:nvPr/>
-        </p:nvSpPr>
-        <p:spPr>
-          <a:xfrm>
-            <a:off x="4067577" y="2723322"/>
-            <a:ext cx="4572000" cy="1477328"/>
-          </a:xfrm>
-          <a:prstGeom prst="rect">
-            <a:avLst/>
-          </a:prstGeom>
-        </p:spPr>
-        <p:txBody>
-          <a:bodyPr>
-            <a:spAutoFit/>
-          </a:bodyPr>
-          <a:lstStyle/>
-          <a:p>
-            <a:r>
-              <a:rPr lang="en-US" dirty="0"/>
-              <a:t>one of the most popular programming language</a:t>
-            </a:r>
-          </a:p>
-          <a:p>
-            <a:endParaRPr lang="en-US" dirty="0"/>
-          </a:p>
-          <a:p>
-            <a:r>
-              <a:rPr lang="en-US" dirty="0"/>
-              <a:t>powerfully supports Object Oriented Programming</a:t>
             </a:r>
           </a:p>
         </p:txBody>
@@ -15939,7 +14554,7 @@
         </p:blipFill>
         <p:spPr bwMode="auto">
           <a:xfrm>
-            <a:off x="973800" y="4829629"/>
+            <a:off x="1149010" y="4829629"/>
             <a:ext cx="2971800" cy="1266869"/>
           </a:xfrm>
           <a:prstGeom prst="rect">
@@ -15978,7 +14593,7 @@
         </p:nvSpPr>
         <p:spPr>
           <a:xfrm>
-            <a:off x="4067577" y="5269177"/>
+            <a:off x="4242787" y="5269177"/>
             <a:ext cx="4572000" cy="369332"/>
           </a:xfrm>
           <a:prstGeom prst="rect">
@@ -16006,7 +14621,7 @@
         </p:nvSpPr>
         <p:spPr>
           <a:xfrm>
-            <a:off x="4119040" y="5758862"/>
+            <a:off x="4294250" y="5758862"/>
             <a:ext cx="3275256" cy="369332"/>
           </a:xfrm>
           <a:prstGeom prst="rect">
@@ -16058,7 +14673,7 @@
                             </p:stCondLst>
                             <p:childTnLst>
                               <p:par>
-                                <p:cTn id="5" presetID="42" presetClass="entr" presetSubtype="0" fill="hold" nodeType="clickEffect">
+                                <p:cTn id="5" presetID="2" presetClass="entr" presetSubtype="4" fill="hold" nodeType="clickEffect">
                                   <p:stCondLst>
                                     <p:cond delay="0"/>
                                   </p:stCondLst>
@@ -16081,17 +14696,9 @@
                                         <p:strVal val="visible"/>
                                       </p:to>
                                     </p:set>
-                                    <p:animEffect transition="in" filter="fade">
-                                      <p:cBhvr>
-                                        <p:cTn id="7" dur="1000"/>
-                                        <p:tgtEl>
-                                          <p:spTgt spid="3078"/>
-                                        </p:tgtEl>
-                                      </p:cBhvr>
-                                    </p:animEffect>
                                     <p:anim calcmode="lin" valueType="num">
-                                      <p:cBhvr>
-                                        <p:cTn id="8" dur="1000" fill="hold"/>
+                                      <p:cBhvr additive="base">
+                                        <p:cTn id="7" dur="500" fill="hold"/>
                                         <p:tgtEl>
                                           <p:spTgt spid="3078"/>
                                         </p:tgtEl>
@@ -16113,10 +14720,255 @@
                                       </p:tavLst>
                                     </p:anim>
                                     <p:anim calcmode="lin" valueType="num">
-                                      <p:cBhvr>
-                                        <p:cTn id="9" dur="1000" fill="hold"/>
+                                      <p:cBhvr additive="base">
+                                        <p:cTn id="8" dur="500" fill="hold"/>
                                         <p:tgtEl>
                                           <p:spTgt spid="3078"/>
+                                        </p:tgtEl>
+                                        <p:attrNameLst>
+                                          <p:attrName>ppt_y</p:attrName>
+                                        </p:attrNameLst>
+                                      </p:cBhvr>
+                                      <p:tavLst>
+                                        <p:tav tm="0">
+                                          <p:val>
+                                            <p:strVal val="1+#ppt_h/2"/>
+                                          </p:val>
+                                        </p:tav>
+                                        <p:tav tm="100000">
+                                          <p:val>
+                                            <p:strVal val="#ppt_y"/>
+                                          </p:val>
+                                        </p:tav>
+                                      </p:tavLst>
+                                    </p:anim>
+                                  </p:childTnLst>
+                                </p:cTn>
+                              </p:par>
+                              <p:par>
+                                <p:cTn id="9" presetID="2" presetClass="entr" presetSubtype="4" fill="hold" grpId="0" nodeType="withEffect">
+                                  <p:stCondLst>
+                                    <p:cond delay="0"/>
+                                  </p:stCondLst>
+                                  <p:childTnLst>
+                                    <p:set>
+                                      <p:cBhvr>
+                                        <p:cTn id="10" dur="1" fill="hold">
+                                          <p:stCondLst>
+                                            <p:cond delay="0"/>
+                                          </p:stCondLst>
+                                        </p:cTn>
+                                        <p:tgtEl>
+                                          <p:spTgt spid="7"/>
+                                        </p:tgtEl>
+                                        <p:attrNameLst>
+                                          <p:attrName>style.visibility</p:attrName>
+                                        </p:attrNameLst>
+                                      </p:cBhvr>
+                                      <p:to>
+                                        <p:strVal val="visible"/>
+                                      </p:to>
+                                    </p:set>
+                                    <p:anim calcmode="lin" valueType="num">
+                                      <p:cBhvr additive="base">
+                                        <p:cTn id="11" dur="500" fill="hold"/>
+                                        <p:tgtEl>
+                                          <p:spTgt spid="7"/>
+                                        </p:tgtEl>
+                                        <p:attrNameLst>
+                                          <p:attrName>ppt_x</p:attrName>
+                                        </p:attrNameLst>
+                                      </p:cBhvr>
+                                      <p:tavLst>
+                                        <p:tav tm="0">
+                                          <p:val>
+                                            <p:strVal val="#ppt_x"/>
+                                          </p:val>
+                                        </p:tav>
+                                        <p:tav tm="100000">
+                                          <p:val>
+                                            <p:strVal val="#ppt_x"/>
+                                          </p:val>
+                                        </p:tav>
+                                      </p:tavLst>
+                                    </p:anim>
+                                    <p:anim calcmode="lin" valueType="num">
+                                      <p:cBhvr additive="base">
+                                        <p:cTn id="12" dur="500" fill="hold"/>
+                                        <p:tgtEl>
+                                          <p:spTgt spid="7"/>
+                                        </p:tgtEl>
+                                        <p:attrNameLst>
+                                          <p:attrName>ppt_y</p:attrName>
+                                        </p:attrNameLst>
+                                      </p:cBhvr>
+                                      <p:tavLst>
+                                        <p:tav tm="0">
+                                          <p:val>
+                                            <p:strVal val="1+#ppt_h/2"/>
+                                          </p:val>
+                                        </p:tav>
+                                        <p:tav tm="100000">
+                                          <p:val>
+                                            <p:strVal val="#ppt_y"/>
+                                          </p:val>
+                                        </p:tav>
+                                      </p:tavLst>
+                                    </p:anim>
+                                  </p:childTnLst>
+                                </p:cTn>
+                              </p:par>
+                              <p:par>
+                                <p:cTn id="13" presetID="2" presetClass="entr" presetSubtype="4" fill="hold" nodeType="withEffect">
+                                  <p:stCondLst>
+                                    <p:cond delay="0"/>
+                                  </p:stCondLst>
+                                  <p:childTnLst>
+                                    <p:set>
+                                      <p:cBhvr>
+                                        <p:cTn id="14" dur="1" fill="hold">
+                                          <p:stCondLst>
+                                            <p:cond delay="0"/>
+                                          </p:stCondLst>
+                                        </p:cTn>
+                                        <p:tgtEl>
+                                          <p:spTgt spid="3077"/>
+                                        </p:tgtEl>
+                                        <p:attrNameLst>
+                                          <p:attrName>style.visibility</p:attrName>
+                                        </p:attrNameLst>
+                                      </p:cBhvr>
+                                      <p:to>
+                                        <p:strVal val="visible"/>
+                                      </p:to>
+                                    </p:set>
+                                    <p:anim calcmode="lin" valueType="num">
+                                      <p:cBhvr additive="base">
+                                        <p:cTn id="15" dur="500" fill="hold"/>
+                                        <p:tgtEl>
+                                          <p:spTgt spid="3077"/>
+                                        </p:tgtEl>
+                                        <p:attrNameLst>
+                                          <p:attrName>ppt_x</p:attrName>
+                                        </p:attrNameLst>
+                                      </p:cBhvr>
+                                      <p:tavLst>
+                                        <p:tav tm="0">
+                                          <p:val>
+                                            <p:strVal val="#ppt_x"/>
+                                          </p:val>
+                                        </p:tav>
+                                        <p:tav tm="100000">
+                                          <p:val>
+                                            <p:strVal val="#ppt_x"/>
+                                          </p:val>
+                                        </p:tav>
+                                      </p:tavLst>
+                                    </p:anim>
+                                    <p:anim calcmode="lin" valueType="num">
+                                      <p:cBhvr additive="base">
+                                        <p:cTn id="16" dur="500" fill="hold"/>
+                                        <p:tgtEl>
+                                          <p:spTgt spid="3077"/>
+                                        </p:tgtEl>
+                                        <p:attrNameLst>
+                                          <p:attrName>ppt_y</p:attrName>
+                                        </p:attrNameLst>
+                                      </p:cBhvr>
+                                      <p:tavLst>
+                                        <p:tav tm="0">
+                                          <p:val>
+                                            <p:strVal val="1+#ppt_h/2"/>
+                                          </p:val>
+                                        </p:tav>
+                                        <p:tav tm="100000">
+                                          <p:val>
+                                            <p:strVal val="#ppt_y"/>
+                                          </p:val>
+                                        </p:tav>
+                                      </p:tavLst>
+                                    </p:anim>
+                                  </p:childTnLst>
+                                </p:cTn>
+                              </p:par>
+                            </p:childTnLst>
+                          </p:cTn>
+                        </p:par>
+                      </p:childTnLst>
+                    </p:cTn>
+                  </p:par>
+                  <p:par>
+                    <p:cTn id="17" fill="hold">
+                      <p:stCondLst>
+                        <p:cond delay="indefinite"/>
+                      </p:stCondLst>
+                      <p:childTnLst>
+                        <p:par>
+                          <p:cTn id="18" fill="hold">
+                            <p:stCondLst>
+                              <p:cond delay="0"/>
+                            </p:stCondLst>
+                            <p:childTnLst>
+                              <p:par>
+                                <p:cTn id="19" presetID="42" presetClass="entr" presetSubtype="0" fill="hold" nodeType="clickEffect">
+                                  <p:stCondLst>
+                                    <p:cond delay="0"/>
+                                  </p:stCondLst>
+                                  <p:childTnLst>
+                                    <p:set>
+                                      <p:cBhvr>
+                                        <p:cTn id="20" dur="1" fill="hold">
+                                          <p:stCondLst>
+                                            <p:cond delay="0"/>
+                                          </p:stCondLst>
+                                        </p:cTn>
+                                        <p:tgtEl>
+                                          <p:spTgt spid="4098"/>
+                                        </p:tgtEl>
+                                        <p:attrNameLst>
+                                          <p:attrName>style.visibility</p:attrName>
+                                        </p:attrNameLst>
+                                      </p:cBhvr>
+                                      <p:to>
+                                        <p:strVal val="visible"/>
+                                      </p:to>
+                                    </p:set>
+                                    <p:animEffect transition="in" filter="fade">
+                                      <p:cBhvr>
+                                        <p:cTn id="21" dur="1000"/>
+                                        <p:tgtEl>
+                                          <p:spTgt spid="4098"/>
+                                        </p:tgtEl>
+                                      </p:cBhvr>
+                                    </p:animEffect>
+                                    <p:anim calcmode="lin" valueType="num">
+                                      <p:cBhvr>
+                                        <p:cTn id="22" dur="1000" fill="hold"/>
+                                        <p:tgtEl>
+                                          <p:spTgt spid="4098"/>
+                                        </p:tgtEl>
+                                        <p:attrNameLst>
+                                          <p:attrName>ppt_x</p:attrName>
+                                        </p:attrNameLst>
+                                      </p:cBhvr>
+                                      <p:tavLst>
+                                        <p:tav tm="0">
+                                          <p:val>
+                                            <p:strVal val="#ppt_x"/>
+                                          </p:val>
+                                        </p:tav>
+                                        <p:tav tm="100000">
+                                          <p:val>
+                                            <p:strVal val="#ppt_x"/>
+                                          </p:val>
+                                        </p:tav>
+                                      </p:tavLst>
+                                    </p:anim>
+                                    <p:anim calcmode="lin" valueType="num">
+                                      <p:cBhvr>
+                                        <p:cTn id="23" dur="1000" fill="hold"/>
+                                        <p:tgtEl>
+                                          <p:spTgt spid="4098"/>
                                         </p:tgtEl>
                                         <p:attrNameLst>
                                           <p:attrName>ppt_y</p:attrName>
@@ -16139,20 +14991,20 @@
                                 </p:cTn>
                               </p:par>
                               <p:par>
-                                <p:cTn id="10" presetID="42" presetClass="entr" presetSubtype="0" fill="hold" grpId="0" nodeType="withEffect">
+                                <p:cTn id="24" presetID="42" presetClass="entr" presetSubtype="0" fill="hold" grpId="0" nodeType="withEffect">
                                   <p:stCondLst>
                                     <p:cond delay="0"/>
                                   </p:stCondLst>
                                   <p:childTnLst>
                                     <p:set>
                                       <p:cBhvr>
-                                        <p:cTn id="11" dur="1" fill="hold">
+                                        <p:cTn id="25" dur="1" fill="hold">
                                           <p:stCondLst>
                                             <p:cond delay="0"/>
                                           </p:stCondLst>
                                         </p:cTn>
                                         <p:tgtEl>
-                                          <p:spTgt spid="7"/>
+                                          <p:spTgt spid="4"/>
                                         </p:tgtEl>
                                         <p:attrNameLst>
                                           <p:attrName>style.visibility</p:attrName>
@@ -16164,17 +15016,17 @@
                                     </p:set>
                                     <p:animEffect transition="in" filter="fade">
                                       <p:cBhvr>
-                                        <p:cTn id="12" dur="1000"/>
+                                        <p:cTn id="26" dur="1000"/>
                                         <p:tgtEl>
-                                          <p:spTgt spid="7"/>
+                                          <p:spTgt spid="4"/>
                                         </p:tgtEl>
                                       </p:cBhvr>
                                     </p:animEffect>
                                     <p:anim calcmode="lin" valueType="num">
                                       <p:cBhvr>
-                                        <p:cTn id="13" dur="1000" fill="hold"/>
+                                        <p:cTn id="27" dur="1000" fill="hold"/>
                                         <p:tgtEl>
-                                          <p:spTgt spid="7"/>
+                                          <p:spTgt spid="4"/>
                                         </p:tgtEl>
                                         <p:attrNameLst>
                                           <p:attrName>ppt_x</p:attrName>
@@ -16195,108 +15047,9 @@
                                     </p:anim>
                                     <p:anim calcmode="lin" valueType="num">
                                       <p:cBhvr>
-                                        <p:cTn id="14" dur="1000" fill="hold"/>
+                                        <p:cTn id="28" dur="1000" fill="hold"/>
                                         <p:tgtEl>
-                                          <p:spTgt spid="7"/>
-                                        </p:tgtEl>
-                                        <p:attrNameLst>
-                                          <p:attrName>ppt_y</p:attrName>
-                                        </p:attrNameLst>
-                                      </p:cBhvr>
-                                      <p:tavLst>
-                                        <p:tav tm="0">
-                                          <p:val>
-                                            <p:strVal val="#ppt_y+.1"/>
-                                          </p:val>
-                                        </p:tav>
-                                        <p:tav tm="100000">
-                                          <p:val>
-                                            <p:strVal val="#ppt_y"/>
-                                          </p:val>
-                                        </p:tav>
-                                      </p:tavLst>
-                                    </p:anim>
-                                  </p:childTnLst>
-                                </p:cTn>
-                              </p:par>
-                            </p:childTnLst>
-                          </p:cTn>
-                        </p:par>
-                      </p:childTnLst>
-                    </p:cTn>
-                  </p:par>
-                  <p:par>
-                    <p:cTn id="15" fill="hold">
-                      <p:stCondLst>
-                        <p:cond delay="indefinite"/>
-                      </p:stCondLst>
-                      <p:childTnLst>
-                        <p:par>
-                          <p:cTn id="16" fill="hold">
-                            <p:stCondLst>
-                              <p:cond delay="0"/>
-                            </p:stCondLst>
-                            <p:childTnLst>
-                              <p:par>
-                                <p:cTn id="17" presetID="42" presetClass="entr" presetSubtype="0" fill="hold" nodeType="clickEffect">
-                                  <p:stCondLst>
-                                    <p:cond delay="0"/>
-                                  </p:stCondLst>
-                                  <p:childTnLst>
-                                    <p:set>
-                                      <p:cBhvr>
-                                        <p:cTn id="18" dur="1" fill="hold">
-                                          <p:stCondLst>
-                                            <p:cond delay="0"/>
-                                          </p:stCondLst>
-                                        </p:cTn>
-                                        <p:tgtEl>
-                                          <p:spTgt spid="3077"/>
-                                        </p:tgtEl>
-                                        <p:attrNameLst>
-                                          <p:attrName>style.visibility</p:attrName>
-                                        </p:attrNameLst>
-                                      </p:cBhvr>
-                                      <p:to>
-                                        <p:strVal val="visible"/>
-                                      </p:to>
-                                    </p:set>
-                                    <p:animEffect transition="in" filter="fade">
-                                      <p:cBhvr>
-                                        <p:cTn id="19" dur="1000"/>
-                                        <p:tgtEl>
-                                          <p:spTgt spid="3077"/>
-                                        </p:tgtEl>
-                                      </p:cBhvr>
-                                    </p:animEffect>
-                                    <p:anim calcmode="lin" valueType="num">
-                                      <p:cBhvr>
-                                        <p:cTn id="20" dur="1000" fill="hold"/>
-                                        <p:tgtEl>
-                                          <p:spTgt spid="3077"/>
-                                        </p:tgtEl>
-                                        <p:attrNameLst>
-                                          <p:attrName>ppt_x</p:attrName>
-                                        </p:attrNameLst>
-                                      </p:cBhvr>
-                                      <p:tavLst>
-                                        <p:tav tm="0">
-                                          <p:val>
-                                            <p:strVal val="#ppt_x"/>
-                                          </p:val>
-                                        </p:tav>
-                                        <p:tav tm="100000">
-                                          <p:val>
-                                            <p:strVal val="#ppt_x"/>
-                                          </p:val>
-                                        </p:tav>
-                                      </p:tavLst>
-                                    </p:anim>
-                                    <p:anim calcmode="lin" valueType="num">
-                                      <p:cBhvr>
-                                        <p:cTn id="21" dur="1000" fill="hold"/>
-                                        <p:tgtEl>
-                                          <p:spTgt spid="3077"/>
+                                          <p:spTgt spid="4"/>
                                         </p:tgtEl>
                                         <p:attrNameLst>
                                           <p:attrName>ppt_y</p:attrName>
@@ -16319,106 +15072,7 @@
                                 </p:cTn>
                               </p:par>
                               <p:par>
-                                <p:cTn id="22" presetID="42" presetClass="entr" presetSubtype="0" fill="hold" grpId="0" nodeType="withEffect">
-                                  <p:stCondLst>
-                                    <p:cond delay="0"/>
-                                  </p:stCondLst>
-                                  <p:childTnLst>
-                                    <p:set>
-                                      <p:cBhvr>
-                                        <p:cTn id="23" dur="1" fill="hold">
-                                          <p:stCondLst>
-                                            <p:cond delay="0"/>
-                                          </p:stCondLst>
-                                        </p:cTn>
-                                        <p:tgtEl>
-                                          <p:spTgt spid="5"/>
-                                        </p:tgtEl>
-                                        <p:attrNameLst>
-                                          <p:attrName>style.visibility</p:attrName>
-                                        </p:attrNameLst>
-                                      </p:cBhvr>
-                                      <p:to>
-                                        <p:strVal val="visible"/>
-                                      </p:to>
-                                    </p:set>
-                                    <p:animEffect transition="in" filter="fade">
-                                      <p:cBhvr>
-                                        <p:cTn id="24" dur="1000"/>
-                                        <p:tgtEl>
-                                          <p:spTgt spid="5"/>
-                                        </p:tgtEl>
-                                      </p:cBhvr>
-                                    </p:animEffect>
-                                    <p:anim calcmode="lin" valueType="num">
-                                      <p:cBhvr>
-                                        <p:cTn id="25" dur="1000" fill="hold"/>
-                                        <p:tgtEl>
-                                          <p:spTgt spid="5"/>
-                                        </p:tgtEl>
-                                        <p:attrNameLst>
-                                          <p:attrName>ppt_x</p:attrName>
-                                        </p:attrNameLst>
-                                      </p:cBhvr>
-                                      <p:tavLst>
-                                        <p:tav tm="0">
-                                          <p:val>
-                                            <p:strVal val="#ppt_x"/>
-                                          </p:val>
-                                        </p:tav>
-                                        <p:tav tm="100000">
-                                          <p:val>
-                                            <p:strVal val="#ppt_x"/>
-                                          </p:val>
-                                        </p:tav>
-                                      </p:tavLst>
-                                    </p:anim>
-                                    <p:anim calcmode="lin" valueType="num">
-                                      <p:cBhvr>
-                                        <p:cTn id="26" dur="1000" fill="hold"/>
-                                        <p:tgtEl>
-                                          <p:spTgt spid="5"/>
-                                        </p:tgtEl>
-                                        <p:attrNameLst>
-                                          <p:attrName>ppt_y</p:attrName>
-                                        </p:attrNameLst>
-                                      </p:cBhvr>
-                                      <p:tavLst>
-                                        <p:tav tm="0">
-                                          <p:val>
-                                            <p:strVal val="#ppt_y+.1"/>
-                                          </p:val>
-                                        </p:tav>
-                                        <p:tav tm="100000">
-                                          <p:val>
-                                            <p:strVal val="#ppt_y"/>
-                                          </p:val>
-                                        </p:tav>
-                                      </p:tavLst>
-                                    </p:anim>
-                                  </p:childTnLst>
-                                </p:cTn>
-                              </p:par>
-                            </p:childTnLst>
-                          </p:cTn>
-                        </p:par>
-                      </p:childTnLst>
-                    </p:cTn>
-                  </p:par>
-                  <p:par>
-                    <p:cTn id="27" fill="hold">
-                      <p:stCondLst>
-                        <p:cond delay="indefinite"/>
-                      </p:stCondLst>
-                      <p:childTnLst>
-                        <p:par>
-                          <p:cTn id="28" fill="hold">
-                            <p:stCondLst>
-                              <p:cond delay="0"/>
-                            </p:stCondLst>
-                            <p:childTnLst>
-                              <p:par>
-                                <p:cTn id="29" presetID="42" presetClass="entr" presetSubtype="0" fill="hold" nodeType="clickEffect">
+                                <p:cTn id="29" presetID="42" presetClass="entr" presetSubtype="0" fill="hold" grpId="0" nodeType="withEffect">
                                   <p:stCondLst>
                                     <p:cond delay="0"/>
                                   </p:stCondLst>
@@ -16431,7 +15085,7 @@
                                           </p:stCondLst>
                                         </p:cTn>
                                         <p:tgtEl>
-                                          <p:spTgt spid="4098"/>
+                                          <p:spTgt spid="6"/>
                                         </p:tgtEl>
                                         <p:attrNameLst>
                                           <p:attrName>style.visibility</p:attrName>
@@ -16445,7 +15099,7 @@
                                       <p:cBhvr>
                                         <p:cTn id="31" dur="1000"/>
                                         <p:tgtEl>
-                                          <p:spTgt spid="4098"/>
+                                          <p:spTgt spid="6"/>
                                         </p:tgtEl>
                                       </p:cBhvr>
                                     </p:animEffect>
@@ -16453,7 +15107,7 @@
                                       <p:cBhvr>
                                         <p:cTn id="32" dur="1000" fill="hold"/>
                                         <p:tgtEl>
-                                          <p:spTgt spid="4098"/>
+                                          <p:spTgt spid="6"/>
                                         </p:tgtEl>
                                         <p:attrNameLst>
                                           <p:attrName>ppt_x</p:attrName>
@@ -16476,7 +15130,7 @@
                                       <p:cBhvr>
                                         <p:cTn id="33" dur="1000" fill="hold"/>
                                         <p:tgtEl>
-                                          <p:spTgt spid="4098"/>
+                                          <p:spTgt spid="6"/>
                                         </p:tgtEl>
                                         <p:attrNameLst>
                                           <p:attrName>ppt_y</p:attrName>
@@ -16512,7 +15166,7 @@
                                           </p:stCondLst>
                                         </p:cTn>
                                         <p:tgtEl>
-                                          <p:spTgt spid="4"/>
+                                          <p:spTgt spid="8"/>
                                         </p:tgtEl>
                                         <p:attrNameLst>
                                           <p:attrName>style.visibility</p:attrName>
@@ -16526,175 +15180,13 @@
                                       <p:cBhvr>
                                         <p:cTn id="36" dur="1000"/>
                                         <p:tgtEl>
-                                          <p:spTgt spid="4"/>
+                                          <p:spTgt spid="8"/>
                                         </p:tgtEl>
                                       </p:cBhvr>
                                     </p:animEffect>
                                     <p:anim calcmode="lin" valueType="num">
                                       <p:cBhvr>
                                         <p:cTn id="37" dur="1000" fill="hold"/>
-                                        <p:tgtEl>
-                                          <p:spTgt spid="4"/>
-                                        </p:tgtEl>
-                                        <p:attrNameLst>
-                                          <p:attrName>ppt_x</p:attrName>
-                                        </p:attrNameLst>
-                                      </p:cBhvr>
-                                      <p:tavLst>
-                                        <p:tav tm="0">
-                                          <p:val>
-                                            <p:strVal val="#ppt_x"/>
-                                          </p:val>
-                                        </p:tav>
-                                        <p:tav tm="100000">
-                                          <p:val>
-                                            <p:strVal val="#ppt_x"/>
-                                          </p:val>
-                                        </p:tav>
-                                      </p:tavLst>
-                                    </p:anim>
-                                    <p:anim calcmode="lin" valueType="num">
-                                      <p:cBhvr>
-                                        <p:cTn id="38" dur="1000" fill="hold"/>
-                                        <p:tgtEl>
-                                          <p:spTgt spid="4"/>
-                                        </p:tgtEl>
-                                        <p:attrNameLst>
-                                          <p:attrName>ppt_y</p:attrName>
-                                        </p:attrNameLst>
-                                      </p:cBhvr>
-                                      <p:tavLst>
-                                        <p:tav tm="0">
-                                          <p:val>
-                                            <p:strVal val="#ppt_y+.1"/>
-                                          </p:val>
-                                        </p:tav>
-                                        <p:tav tm="100000">
-                                          <p:val>
-                                            <p:strVal val="#ppt_y"/>
-                                          </p:val>
-                                        </p:tav>
-                                      </p:tavLst>
-                                    </p:anim>
-                                  </p:childTnLst>
-                                </p:cTn>
-                              </p:par>
-                              <p:par>
-                                <p:cTn id="39" presetID="42" presetClass="entr" presetSubtype="0" fill="hold" grpId="0" nodeType="withEffect">
-                                  <p:stCondLst>
-                                    <p:cond delay="0"/>
-                                  </p:stCondLst>
-                                  <p:childTnLst>
-                                    <p:set>
-                                      <p:cBhvr>
-                                        <p:cTn id="40" dur="1" fill="hold">
-                                          <p:stCondLst>
-                                            <p:cond delay="0"/>
-                                          </p:stCondLst>
-                                        </p:cTn>
-                                        <p:tgtEl>
-                                          <p:spTgt spid="6"/>
-                                        </p:tgtEl>
-                                        <p:attrNameLst>
-                                          <p:attrName>style.visibility</p:attrName>
-                                        </p:attrNameLst>
-                                      </p:cBhvr>
-                                      <p:to>
-                                        <p:strVal val="visible"/>
-                                      </p:to>
-                                    </p:set>
-                                    <p:animEffect transition="in" filter="fade">
-                                      <p:cBhvr>
-                                        <p:cTn id="41" dur="1000"/>
-                                        <p:tgtEl>
-                                          <p:spTgt spid="6"/>
-                                        </p:tgtEl>
-                                      </p:cBhvr>
-                                    </p:animEffect>
-                                    <p:anim calcmode="lin" valueType="num">
-                                      <p:cBhvr>
-                                        <p:cTn id="42" dur="1000" fill="hold"/>
-                                        <p:tgtEl>
-                                          <p:spTgt spid="6"/>
-                                        </p:tgtEl>
-                                        <p:attrNameLst>
-                                          <p:attrName>ppt_x</p:attrName>
-                                        </p:attrNameLst>
-                                      </p:cBhvr>
-                                      <p:tavLst>
-                                        <p:tav tm="0">
-                                          <p:val>
-                                            <p:strVal val="#ppt_x"/>
-                                          </p:val>
-                                        </p:tav>
-                                        <p:tav tm="100000">
-                                          <p:val>
-                                            <p:strVal val="#ppt_x"/>
-                                          </p:val>
-                                        </p:tav>
-                                      </p:tavLst>
-                                    </p:anim>
-                                    <p:anim calcmode="lin" valueType="num">
-                                      <p:cBhvr>
-                                        <p:cTn id="43" dur="1000" fill="hold"/>
-                                        <p:tgtEl>
-                                          <p:spTgt spid="6"/>
-                                        </p:tgtEl>
-                                        <p:attrNameLst>
-                                          <p:attrName>ppt_y</p:attrName>
-                                        </p:attrNameLst>
-                                      </p:cBhvr>
-                                      <p:tavLst>
-                                        <p:tav tm="0">
-                                          <p:val>
-                                            <p:strVal val="#ppt_y+.1"/>
-                                          </p:val>
-                                        </p:tav>
-                                        <p:tav tm="100000">
-                                          <p:val>
-                                            <p:strVal val="#ppt_y"/>
-                                          </p:val>
-                                        </p:tav>
-                                      </p:tavLst>
-                                    </p:anim>
-                                  </p:childTnLst>
-                                </p:cTn>
-                              </p:par>
-                              <p:par>
-                                <p:cTn id="44" presetID="42" presetClass="entr" presetSubtype="0" fill="hold" grpId="0" nodeType="withEffect">
-                                  <p:stCondLst>
-                                    <p:cond delay="0"/>
-                                  </p:stCondLst>
-                                  <p:childTnLst>
-                                    <p:set>
-                                      <p:cBhvr>
-                                        <p:cTn id="45" dur="1" fill="hold">
-                                          <p:stCondLst>
-                                            <p:cond delay="0"/>
-                                          </p:stCondLst>
-                                        </p:cTn>
-                                        <p:tgtEl>
-                                          <p:spTgt spid="8"/>
-                                        </p:tgtEl>
-                                        <p:attrNameLst>
-                                          <p:attrName>style.visibility</p:attrName>
-                                        </p:attrNameLst>
-                                      </p:cBhvr>
-                                      <p:to>
-                                        <p:strVal val="visible"/>
-                                      </p:to>
-                                    </p:set>
-                                    <p:animEffect transition="in" filter="fade">
-                                      <p:cBhvr>
-                                        <p:cTn id="46" dur="1000"/>
-                                        <p:tgtEl>
-                                          <p:spTgt spid="8"/>
-                                        </p:tgtEl>
-                                      </p:cBhvr>
-                                    </p:animEffect>
-                                    <p:anim calcmode="lin" valueType="num">
-                                      <p:cBhvr>
-                                        <p:cTn id="47" dur="1000" fill="hold"/>
                                         <p:tgtEl>
                                           <p:spTgt spid="8"/>
                                         </p:tgtEl>
@@ -16717,7 +15209,7 @@
                                     </p:anim>
                                     <p:anim calcmode="lin" valueType="num">
                                       <p:cBhvr>
-                                        <p:cTn id="48" dur="1000" fill="hold"/>
+                                        <p:cTn id="38" dur="1000" fill="hold"/>
                                         <p:tgtEl>
                                           <p:spTgt spid="8"/>
                                         </p:tgtEl>
@@ -16771,7 +15263,6 @@
     <p:bldLst>
       <p:bldP spid="7" grpId="0"/>
       <p:bldP spid="4" grpId="0"/>
-      <p:bldP spid="5" grpId="0"/>
       <p:bldP spid="6" grpId="0"/>
       <p:bldP spid="8" grpId="0"/>
     </p:bldLst>
@@ -18595,7 +17086,7 @@
       </p:grpSpPr>
       <p:sp>
         <p:nvSpPr>
-          <p:cNvPr id="4" name="Title 1"/>
+          <p:cNvPr id="2" name="Title 1"/>
           <p:cNvSpPr>
             <a:spLocks noGrp="1"/>
           </p:cNvSpPr>
@@ -18605,12 +17096,14 @@
         </p:nvSpPr>
         <p:spPr>
           <a:xfrm>
-            <a:off x="1435608" y="274638"/>
-            <a:ext cx="7498080" cy="1143000"/>
+            <a:off x="1164750" y="6819"/>
+            <a:ext cx="7498080" cy="676435"/>
           </a:xfrm>
         </p:spPr>
         <p:txBody>
-          <a:bodyPr/>
+          <a:bodyPr>
+            <a:normAutofit fontScale="90000"/>
+          </a:bodyPr>
           <a:lstStyle/>
           <a:p>
             <a:r>
@@ -18620,9 +17113,99 @@
           </a:p>
         </p:txBody>
       </p:sp>
+      <p:sp>
+        <p:nvSpPr>
+          <p:cNvPr id="4" name="Rectangle 3"/>
+          <p:cNvSpPr/>
+          <p:nvPr/>
+        </p:nvSpPr>
+        <p:spPr>
+          <a:xfrm>
+            <a:off x="1061919" y="6069650"/>
+            <a:ext cx="3461910" cy="338554"/>
+          </a:xfrm>
+          <a:prstGeom prst="rect">
+            <a:avLst/>
+          </a:prstGeom>
+        </p:spPr>
+        <p:txBody>
+          <a:bodyPr wrap="none">
+            <a:spAutoFit/>
+          </a:bodyPr>
+          <a:lstStyle/>
+          <a:p>
+            <a:r>
+              <a:rPr lang="en-US" sz="1600" dirty="0"/>
+              <a:t>- Server and client interaction via AJAX</a:t>
+            </a:r>
+          </a:p>
+        </p:txBody>
+      </p:sp>
+      <p:sp>
+        <p:nvSpPr>
+          <p:cNvPr id="5" name="Rectangle 4"/>
+          <p:cNvSpPr/>
+          <p:nvPr/>
+        </p:nvSpPr>
+        <p:spPr>
+          <a:xfrm>
+            <a:off x="1061919" y="6408204"/>
+            <a:ext cx="2678554" cy="338554"/>
+          </a:xfrm>
+          <a:prstGeom prst="rect">
+            <a:avLst/>
+          </a:prstGeom>
+        </p:spPr>
+        <p:txBody>
+          <a:bodyPr wrap="none">
+            <a:spAutoFit/>
+          </a:bodyPr>
+          <a:lstStyle/>
+          <a:p>
+            <a:r>
+              <a:rPr lang="en-US" sz="1600" dirty="0"/>
+              <a:t>- Update the page dynamically</a:t>
+            </a:r>
+          </a:p>
+        </p:txBody>
+      </p:sp>
+      <p:sp>
+        <p:nvSpPr>
+          <p:cNvPr id="7" name="Rectangle 6"/>
+          <p:cNvSpPr/>
+          <p:nvPr/>
+        </p:nvSpPr>
+        <p:spPr>
+          <a:xfrm>
+            <a:off x="5334000" y="6408204"/>
+            <a:ext cx="1814536" cy="338554"/>
+          </a:xfrm>
+          <a:prstGeom prst="rect">
+            <a:avLst/>
+          </a:prstGeom>
+        </p:spPr>
+        <p:txBody>
+          <a:bodyPr wrap="none">
+            <a:spAutoFit/>
+          </a:bodyPr>
+          <a:lstStyle/>
+          <a:p>
+            <a:r>
+              <a:rPr lang="en-US" sz="1600" dirty="0"/>
+              <a:t>- High performance</a:t>
+            </a:r>
+          </a:p>
+        </p:txBody>
+      </p:sp>
       <p:pic>
         <p:nvPicPr>
-          <p:cNvPr id="3074" name="Picture 2"/>
+          <p:cNvPr id="9" name="Picture 2">
+            <a:extLst>
+              <a:ext uri="{FF2B5EF4-FFF2-40B4-BE49-F238E27FC236}">
+                <a16:creationId xmlns:a16="http://schemas.microsoft.com/office/drawing/2014/main" id="{BB3204F3-1C9F-4FF6-9E57-FA563D3257A1}"/>
+              </a:ext>
+            </a:extLst>
+          </p:cNvPr>
           <p:cNvPicPr>
             <a:picLocks noChangeAspect="1" noChangeArrowheads="1"/>
           </p:cNvPicPr>
@@ -18643,8 +17226,8 @@
         </p:blipFill>
         <p:spPr bwMode="auto">
           <a:xfrm>
-            <a:off x="2279373" y="1695297"/>
-            <a:ext cx="5419725" cy="2933700"/>
+            <a:off x="3044612" y="751962"/>
+            <a:ext cx="4270588" cy="2190903"/>
           </a:xfrm>
           <a:prstGeom prst="rect">
             <a:avLst/>
@@ -18686,14 +17269,20 @@
       </p:pic>
       <p:sp>
         <p:nvSpPr>
-          <p:cNvPr id="6" name="Rectangle 5"/>
+          <p:cNvPr id="10" name="Rectangle 9">
+            <a:extLst>
+              <a:ext uri="{FF2B5EF4-FFF2-40B4-BE49-F238E27FC236}">
+                <a16:creationId xmlns:a16="http://schemas.microsoft.com/office/drawing/2014/main" id="{0AF7D1DD-EA0A-473B-816D-69B528CB48EA}"/>
+              </a:ext>
+            </a:extLst>
+          </p:cNvPr>
           <p:cNvSpPr/>
           <p:nvPr/>
         </p:nvSpPr>
         <p:spPr>
           <a:xfrm>
-            <a:off x="1484036" y="5540271"/>
-            <a:ext cx="7010400" cy="369332"/>
+            <a:off x="1237488" y="3242094"/>
+            <a:ext cx="7010400" cy="338554"/>
           </a:xfrm>
           <a:prstGeom prst="rect">
             <a:avLst/>
@@ -18706,22 +17295,28 @@
           <a:lstStyle/>
           <a:p>
             <a:r>
-              <a:rPr lang="en-US" dirty="0"/>
-              <a:t>Load new page or reload page make customer feel  uncomfortable </a:t>
-            </a:r>
-          </a:p>
-        </p:txBody>
-      </p:sp>
-      <p:sp>
-        <p:nvSpPr>
-          <p:cNvPr id="8" name="Rectangle 7"/>
+              <a:rPr lang="en-US" sz="1600" dirty="0"/>
+              <a:t>- Load new page or reload page make customer feel  uncomfortable </a:t>
+            </a:r>
+          </a:p>
+        </p:txBody>
+      </p:sp>
+      <p:sp>
+        <p:nvSpPr>
+          <p:cNvPr id="11" name="Rectangle 10">
+            <a:extLst>
+              <a:ext uri="{FF2B5EF4-FFF2-40B4-BE49-F238E27FC236}">
+                <a16:creationId xmlns:a16="http://schemas.microsoft.com/office/drawing/2014/main" id="{29510E87-C50F-4F22-915D-A8F05B89EBD9}"/>
+              </a:ext>
+            </a:extLst>
+          </p:cNvPr>
           <p:cNvSpPr/>
           <p:nvPr/>
         </p:nvSpPr>
         <p:spPr>
           <a:xfrm>
-            <a:off x="1520479" y="4616297"/>
-            <a:ext cx="7010400" cy="646331"/>
+            <a:off x="1219200" y="2903540"/>
+            <a:ext cx="7315200" cy="338554"/>
           </a:xfrm>
           <a:prstGeom prst="rect">
             <a:avLst/>
@@ -18734,22 +17329,28 @@
           <a:lstStyle/>
           <a:p>
             <a:r>
-              <a:rPr lang="en-US" dirty="0"/>
-              <a:t>every time the app calls the server, the server renders a new HTML page</a:t>
-            </a:r>
-          </a:p>
-        </p:txBody>
-      </p:sp>
-      <p:sp>
-        <p:nvSpPr>
-          <p:cNvPr id="9" name="Rectangle 8"/>
+              <a:rPr lang="en-US" sz="1600" dirty="0"/>
+              <a:t>- Every time the app calls the server, the server renders a new HTML page</a:t>
+            </a:r>
+          </a:p>
+        </p:txBody>
+      </p:sp>
+      <p:sp>
+        <p:nvSpPr>
+          <p:cNvPr id="12" name="Rectangle 11">
+            <a:extLst>
+              <a:ext uri="{FF2B5EF4-FFF2-40B4-BE49-F238E27FC236}">
+                <a16:creationId xmlns:a16="http://schemas.microsoft.com/office/drawing/2014/main" id="{A13F82E8-F9C3-4DE6-8B11-C78393A8E6D9}"/>
+              </a:ext>
+            </a:extLst>
+          </p:cNvPr>
           <p:cNvSpPr/>
           <p:nvPr/>
         </p:nvSpPr>
         <p:spPr>
           <a:xfrm>
-            <a:off x="1520479" y="6061136"/>
-            <a:ext cx="7033591" cy="369332"/>
+            <a:off x="1237488" y="3557917"/>
+            <a:ext cx="7033591" cy="338554"/>
           </a:xfrm>
           <a:prstGeom prst="rect">
             <a:avLst/>
@@ -18762,47 +17363,52 @@
           <a:lstStyle/>
           <a:p>
             <a:r>
-              <a:rPr lang="en-US" dirty="0"/>
-              <a:t>Low  performance</a:t>
-            </a:r>
-          </a:p>
-        </p:txBody>
-      </p:sp>
-      <p:sp>
-        <p:nvSpPr>
-          <p:cNvPr id="7" name="Rectangle 6"/>
-          <p:cNvSpPr/>
+              <a:rPr lang="en-US" sz="1600" dirty="0"/>
+              <a:t>- Low  performance</a:t>
+            </a:r>
+          </a:p>
+        </p:txBody>
+      </p:sp>
+      <p:pic>
+        <p:nvPicPr>
+          <p:cNvPr id="6" name="Picture 5">
+            <a:extLst>
+              <a:ext uri="{FF2B5EF4-FFF2-40B4-BE49-F238E27FC236}">
+                <a16:creationId xmlns:a16="http://schemas.microsoft.com/office/drawing/2014/main" id="{49719417-141B-4B24-88F9-47CC6CCF9D02}"/>
+              </a:ext>
+            </a:extLst>
+          </p:cNvPr>
+          <p:cNvPicPr>
+            <a:picLocks noChangeAspect="1"/>
+          </p:cNvPicPr>
           <p:nvPr/>
-        </p:nvSpPr>
+        </p:nvPicPr>
+        <p:blipFill>
+          <a:blip r:embed="rId4">
+            <a:extLst>
+              <a:ext uri="{28A0092B-C50C-407E-A947-70E740481C1C}">
+                <a14:useLocalDpi xmlns:a14="http://schemas.microsoft.com/office/drawing/2010/main" val="0"/>
+              </a:ext>
+            </a:extLst>
+          </a:blip>
+          <a:stretch>
+            <a:fillRect/>
+          </a:stretch>
+        </p:blipFill>
         <p:spPr>
           <a:xfrm>
-            <a:off x="1371600" y="1048966"/>
-            <a:ext cx="4572000" cy="646331"/>
+            <a:off x="2971800" y="3749706"/>
+            <a:ext cx="4524375" cy="2319944"/>
           </a:xfrm>
           <a:prstGeom prst="rect">
             <a:avLst/>
           </a:prstGeom>
         </p:spPr>
-        <p:txBody>
-          <a:bodyPr>
-            <a:spAutoFit/>
-          </a:bodyPr>
-          <a:lstStyle/>
-          <a:p>
-            <a:endParaRPr lang="en-US" dirty="0"/>
-          </a:p>
-          <a:p>
-            <a:r>
-              <a:rPr lang="en-US" dirty="0"/>
-              <a:t>Traditional web </a:t>
-            </a:r>
-          </a:p>
-        </p:txBody>
-      </p:sp>
+      </p:pic>
     </p:spTree>
     <p:extLst>
       <p:ext uri="{BB962C8B-B14F-4D97-AF65-F5344CB8AC3E}">
-        <p14:creationId xmlns:p14="http://schemas.microsoft.com/office/powerpoint/2010/main" val="648764025"/>
+        <p14:creationId xmlns:p14="http://schemas.microsoft.com/office/powerpoint/2010/main" val="2488905703"/>
       </p:ext>
     </p:extLst>
   </p:cSld>

--- a/Thesis-review.pptx
+++ b/Thesis-review.pptx
@@ -5,7 +5,7 @@
     <p:sldMasterId id="2147483936" r:id="rId1"/>
   </p:sldMasterIdLst>
   <p:notesMasterIdLst>
-    <p:notesMasterId r:id="rId26"/>
+    <p:notesMasterId r:id="rId30"/>
   </p:notesMasterIdLst>
   <p:sldIdLst>
     <p:sldId id="256" r:id="rId2"/>
@@ -32,6 +32,10 @@
     <p:sldId id="282" r:id="rId23"/>
     <p:sldId id="266" r:id="rId24"/>
     <p:sldId id="267" r:id="rId25"/>
+    <p:sldId id="293" r:id="rId26"/>
+    <p:sldId id="294" r:id="rId27"/>
+    <p:sldId id="295" r:id="rId28"/>
+    <p:sldId id="296" r:id="rId29"/>
   </p:sldIdLst>
   <p:sldSz cx="9144000" cy="6858000" type="screen4x3"/>
   <p:notesSz cx="6858000" cy="9144000"/>
@@ -235,7 +239,7 @@
           <a:p>
             <a:fld id="{EEA6C43E-BF2E-4F9E-AD57-441B9F46AF27}" type="datetimeFigureOut">
               <a:rPr lang="en-US" smtClean="0"/>
-              <a:t>4/17/2018</a:t>
+              <a:t>4/18/2018</a:t>
             </a:fld>
             <a:endParaRPr lang="en-US"/>
           </a:p>
@@ -2782,6 +2786,539 @@
 </p:notes>
 </file>
 
+<file path=ppt/notesSlides/notesSlide20.xml><?xml version="1.0" encoding="utf-8"?>
+<p:notes xmlns:a="http://schemas.openxmlformats.org/drawingml/2006/main" xmlns:r="http://schemas.openxmlformats.org/officeDocument/2006/relationships" xmlns:p="http://schemas.openxmlformats.org/presentationml/2006/main">
+  <p:cSld>
+    <p:spTree>
+      <p:nvGrpSpPr>
+        <p:cNvPr id="1" name=""/>
+        <p:cNvGrpSpPr/>
+        <p:nvPr/>
+      </p:nvGrpSpPr>
+      <p:grpSpPr>
+        <a:xfrm>
+          <a:off x="0" y="0"/>
+          <a:ext cx="0" cy="0"/>
+          <a:chOff x="0" y="0"/>
+          <a:chExt cx="0" cy="0"/>
+        </a:xfrm>
+      </p:grpSpPr>
+      <p:sp>
+        <p:nvSpPr>
+          <p:cNvPr id="2" name="Slide Image Placeholder 1"/>
+          <p:cNvSpPr>
+            <a:spLocks noGrp="1" noRot="1" noChangeAspect="1"/>
+          </p:cNvSpPr>
+          <p:nvPr>
+            <p:ph type="sldImg"/>
+          </p:nvPr>
+        </p:nvSpPr>
+        <p:spPr/>
+      </p:sp>
+      <p:sp>
+        <p:nvSpPr>
+          <p:cNvPr id="3" name="Notes Placeholder 2"/>
+          <p:cNvSpPr>
+            <a:spLocks noGrp="1"/>
+          </p:cNvSpPr>
+          <p:nvPr>
+            <p:ph type="body" idx="1"/>
+          </p:nvPr>
+        </p:nvSpPr>
+        <p:spPr/>
+        <p:txBody>
+          <a:bodyPr/>
+          <a:lstStyle/>
+          <a:p>
+            <a:endParaRPr lang="en-US" dirty="0"/>
+          </a:p>
+        </p:txBody>
+      </p:sp>
+      <p:sp>
+        <p:nvSpPr>
+          <p:cNvPr id="4" name="Slide Number Placeholder 3"/>
+          <p:cNvSpPr>
+            <a:spLocks noGrp="1"/>
+          </p:cNvSpPr>
+          <p:nvPr>
+            <p:ph type="sldNum" sz="quarter" idx="10"/>
+          </p:nvPr>
+        </p:nvSpPr>
+        <p:spPr/>
+        <p:txBody>
+          <a:bodyPr/>
+          <a:lstStyle/>
+          <a:p>
+            <a:fld id="{0CACFBBB-5F2D-4F37-867E-042C6B44FB31}" type="slidenum">
+              <a:rPr lang="en-US" smtClean="0"/>
+              <a:t>24</a:t>
+            </a:fld>
+            <a:endParaRPr lang="en-US"/>
+          </a:p>
+        </p:txBody>
+      </p:sp>
+    </p:spTree>
+    <p:extLst>
+      <p:ext uri="{BB962C8B-B14F-4D97-AF65-F5344CB8AC3E}">
+        <p14:creationId xmlns:p14="http://schemas.microsoft.com/office/powerpoint/2010/main" val="4125090244"/>
+      </p:ext>
+    </p:extLst>
+  </p:cSld>
+  <p:clrMapOvr>
+    <a:masterClrMapping/>
+  </p:clrMapOvr>
+</p:notes>
+</file>
+
+<file path=ppt/notesSlides/notesSlide21.xml><?xml version="1.0" encoding="utf-8"?>
+<p:notes xmlns:a="http://schemas.openxmlformats.org/drawingml/2006/main" xmlns:r="http://schemas.openxmlformats.org/officeDocument/2006/relationships" xmlns:p="http://schemas.openxmlformats.org/presentationml/2006/main">
+  <p:cSld>
+    <p:spTree>
+      <p:nvGrpSpPr>
+        <p:cNvPr id="1" name=""/>
+        <p:cNvGrpSpPr/>
+        <p:nvPr/>
+      </p:nvGrpSpPr>
+      <p:grpSpPr>
+        <a:xfrm>
+          <a:off x="0" y="0"/>
+          <a:ext cx="0" cy="0"/>
+          <a:chOff x="0" y="0"/>
+          <a:chExt cx="0" cy="0"/>
+        </a:xfrm>
+      </p:grpSpPr>
+      <p:sp>
+        <p:nvSpPr>
+          <p:cNvPr id="2" name="Slide Image Placeholder 1"/>
+          <p:cNvSpPr>
+            <a:spLocks noGrp="1" noRot="1" noChangeAspect="1"/>
+          </p:cNvSpPr>
+          <p:nvPr>
+            <p:ph type="sldImg"/>
+          </p:nvPr>
+        </p:nvSpPr>
+        <p:spPr/>
+      </p:sp>
+      <p:sp>
+        <p:nvSpPr>
+          <p:cNvPr id="3" name="Notes Placeholder 2"/>
+          <p:cNvSpPr>
+            <a:spLocks noGrp="1"/>
+          </p:cNvSpPr>
+          <p:nvPr>
+            <p:ph type="body" idx="1"/>
+          </p:nvPr>
+        </p:nvSpPr>
+        <p:spPr/>
+        <p:txBody>
+          <a:bodyPr/>
+          <a:lstStyle/>
+          <a:p>
+            <a:r>
+              <a:rPr lang="en-US" dirty="0"/>
+              <a:t>I also have deployed successfully on Heroku server for testing online function</a:t>
+            </a:r>
+          </a:p>
+          <a:p>
+            <a:r>
+              <a:rPr lang="en-US" dirty="0"/>
+              <a:t>Here is the list of my server </a:t>
+            </a:r>
+          </a:p>
+          <a:p>
+            <a:r>
+              <a:rPr lang="en-US" dirty="0"/>
+              <a:t>In your free time, you can go to these links to visit my hotel booking and reservations system </a:t>
+            </a:r>
+          </a:p>
+        </p:txBody>
+      </p:sp>
+      <p:sp>
+        <p:nvSpPr>
+          <p:cNvPr id="4" name="Slide Number Placeholder 3"/>
+          <p:cNvSpPr>
+            <a:spLocks noGrp="1"/>
+          </p:cNvSpPr>
+          <p:nvPr>
+            <p:ph type="sldNum" sz="quarter" idx="10"/>
+          </p:nvPr>
+        </p:nvSpPr>
+        <p:spPr/>
+        <p:txBody>
+          <a:bodyPr/>
+          <a:lstStyle/>
+          <a:p>
+            <a:fld id="{0CACFBBB-5F2D-4F37-867E-042C6B44FB31}" type="slidenum">
+              <a:rPr lang="en-US" smtClean="0"/>
+              <a:t>25</a:t>
+            </a:fld>
+            <a:endParaRPr lang="en-US"/>
+          </a:p>
+        </p:txBody>
+      </p:sp>
+    </p:spTree>
+    <p:extLst>
+      <p:ext uri="{BB962C8B-B14F-4D97-AF65-F5344CB8AC3E}">
+        <p14:creationId xmlns:p14="http://schemas.microsoft.com/office/powerpoint/2010/main" val="1483050353"/>
+      </p:ext>
+    </p:extLst>
+  </p:cSld>
+  <p:clrMapOvr>
+    <a:masterClrMapping/>
+  </p:clrMapOvr>
+</p:notes>
+</file>
+
+<file path=ppt/notesSlides/notesSlide22.xml><?xml version="1.0" encoding="utf-8"?>
+<p:notes xmlns:a="http://schemas.openxmlformats.org/drawingml/2006/main" xmlns:r="http://schemas.openxmlformats.org/officeDocument/2006/relationships" xmlns:p="http://schemas.openxmlformats.org/presentationml/2006/main">
+  <p:cSld>
+    <p:spTree>
+      <p:nvGrpSpPr>
+        <p:cNvPr id="1" name=""/>
+        <p:cNvGrpSpPr/>
+        <p:nvPr/>
+      </p:nvGrpSpPr>
+      <p:grpSpPr>
+        <a:xfrm>
+          <a:off x="0" y="0"/>
+          <a:ext cx="0" cy="0"/>
+          <a:chOff x="0" y="0"/>
+          <a:chExt cx="0" cy="0"/>
+        </a:xfrm>
+      </p:grpSpPr>
+      <p:sp>
+        <p:nvSpPr>
+          <p:cNvPr id="2" name="Slide Image Placeholder 1"/>
+          <p:cNvSpPr>
+            <a:spLocks noGrp="1" noRot="1" noChangeAspect="1"/>
+          </p:cNvSpPr>
+          <p:nvPr>
+            <p:ph type="sldImg"/>
+          </p:nvPr>
+        </p:nvSpPr>
+        <p:spPr/>
+      </p:sp>
+      <p:sp>
+        <p:nvSpPr>
+          <p:cNvPr id="3" name="Notes Placeholder 2"/>
+          <p:cNvSpPr>
+            <a:spLocks noGrp="1"/>
+          </p:cNvSpPr>
+          <p:nvPr>
+            <p:ph type="body" idx="1"/>
+          </p:nvPr>
+        </p:nvSpPr>
+        <p:spPr/>
+        <p:txBody>
+          <a:bodyPr/>
+          <a:lstStyle/>
+          <a:p>
+            <a:endParaRPr lang="en-US" dirty="0"/>
+          </a:p>
+        </p:txBody>
+      </p:sp>
+      <p:sp>
+        <p:nvSpPr>
+          <p:cNvPr id="4" name="Slide Number Placeholder 3"/>
+          <p:cNvSpPr>
+            <a:spLocks noGrp="1"/>
+          </p:cNvSpPr>
+          <p:nvPr>
+            <p:ph type="sldNum" sz="quarter" idx="10"/>
+          </p:nvPr>
+        </p:nvSpPr>
+        <p:spPr/>
+        <p:txBody>
+          <a:bodyPr/>
+          <a:lstStyle/>
+          <a:p>
+            <a:fld id="{0CACFBBB-5F2D-4F37-867E-042C6B44FB31}" type="slidenum">
+              <a:rPr lang="en-US" smtClean="0"/>
+              <a:t>26</a:t>
+            </a:fld>
+            <a:endParaRPr lang="en-US"/>
+          </a:p>
+        </p:txBody>
+      </p:sp>
+    </p:spTree>
+    <p:extLst>
+      <p:ext uri="{BB962C8B-B14F-4D97-AF65-F5344CB8AC3E}">
+        <p14:creationId xmlns:p14="http://schemas.microsoft.com/office/powerpoint/2010/main" val="1740628047"/>
+      </p:ext>
+    </p:extLst>
+  </p:cSld>
+  <p:clrMapOvr>
+    <a:masterClrMapping/>
+  </p:clrMapOvr>
+</p:notes>
+</file>
+
+<file path=ppt/notesSlides/notesSlide23.xml><?xml version="1.0" encoding="utf-8"?>
+<p:notes xmlns:a="http://schemas.openxmlformats.org/drawingml/2006/main" xmlns:r="http://schemas.openxmlformats.org/officeDocument/2006/relationships" xmlns:p="http://schemas.openxmlformats.org/presentationml/2006/main">
+  <p:cSld>
+    <p:spTree>
+      <p:nvGrpSpPr>
+        <p:cNvPr id="1" name=""/>
+        <p:cNvGrpSpPr/>
+        <p:nvPr/>
+      </p:nvGrpSpPr>
+      <p:grpSpPr>
+        <a:xfrm>
+          <a:off x="0" y="0"/>
+          <a:ext cx="0" cy="0"/>
+          <a:chOff x="0" y="0"/>
+          <a:chExt cx="0" cy="0"/>
+        </a:xfrm>
+      </p:grpSpPr>
+      <p:sp>
+        <p:nvSpPr>
+          <p:cNvPr id="2" name="Slide Image Placeholder 1"/>
+          <p:cNvSpPr>
+            <a:spLocks noGrp="1" noRot="1" noChangeAspect="1"/>
+          </p:cNvSpPr>
+          <p:nvPr>
+            <p:ph type="sldImg"/>
+          </p:nvPr>
+        </p:nvSpPr>
+        <p:spPr/>
+      </p:sp>
+      <p:sp>
+        <p:nvSpPr>
+          <p:cNvPr id="3" name="Notes Placeholder 2"/>
+          <p:cNvSpPr>
+            <a:spLocks noGrp="1"/>
+          </p:cNvSpPr>
+          <p:nvPr>
+            <p:ph type="body" idx="1"/>
+          </p:nvPr>
+        </p:nvSpPr>
+        <p:spPr/>
+        <p:txBody>
+          <a:bodyPr/>
+          <a:lstStyle/>
+          <a:p>
+            <a:r>
+              <a:rPr lang="en-US" sz="1200" kern="1200" dirty="0">
+                <a:solidFill>
+                  <a:schemeClr val="tx1"/>
+                </a:solidFill>
+                <a:effectLst/>
+                <a:latin typeface="+mn-lt"/>
+                <a:ea typeface="+mn-ea"/>
+                <a:cs typeface="+mn-cs"/>
+              </a:rPr>
+              <a:t>Hotel business is a highly profitable industry but requires huge investment as well as having to meet the customer's demand. However, managing the hotels is not easy, Therefore, hotel management system is really important. The key of hotel business is service which means pleasure the customers. The best management system will bring the highest profit but there are many factors and difficulty to build a good management system.</a:t>
+            </a:r>
+          </a:p>
+          <a:p>
+            <a:r>
+              <a:rPr lang="en-US" sz="1200" kern="1200" dirty="0">
+                <a:solidFill>
+                  <a:schemeClr val="tx1"/>
+                </a:solidFill>
+                <a:effectLst/>
+                <a:latin typeface="+mn-lt"/>
+                <a:ea typeface="+mn-ea"/>
+                <a:cs typeface="+mn-cs"/>
+              </a:rPr>
+              <a:t> </a:t>
+            </a:r>
+          </a:p>
+          <a:p>
+            <a:r>
+              <a:rPr lang="en-US" sz="1200" kern="1200" dirty="0">
+                <a:solidFill>
+                  <a:schemeClr val="tx1"/>
+                </a:solidFill>
+                <a:effectLst/>
+                <a:latin typeface="+mn-lt"/>
+                <a:ea typeface="+mn-ea"/>
+                <a:cs typeface="+mn-cs"/>
+              </a:rPr>
+              <a:t>After applied MEAN stack and Spring MVC to implements Hotel Booking system, I recognize that my system has friendly user interface, high performance with dynamically loading. Moreover, with tracking customer’s behavior feature, you can easily know what customers like and what they don’t in order to improve system day by day to match the customer ‘s wish.</a:t>
+            </a:r>
+          </a:p>
+          <a:p>
+            <a:r>
+              <a:rPr lang="en-US" sz="1200" kern="1200" dirty="0">
+                <a:solidFill>
+                  <a:schemeClr val="tx1"/>
+                </a:solidFill>
+                <a:effectLst/>
+                <a:latin typeface="+mn-lt"/>
+                <a:ea typeface="+mn-ea"/>
+                <a:cs typeface="+mn-cs"/>
+              </a:rPr>
+              <a:t> </a:t>
+            </a:r>
+          </a:p>
+          <a:p>
+            <a:r>
+              <a:rPr lang="en-US" sz="1200" kern="1200" dirty="0">
+                <a:solidFill>
+                  <a:schemeClr val="tx1"/>
+                </a:solidFill>
+                <a:effectLst/>
+                <a:latin typeface="+mn-lt"/>
+                <a:ea typeface="+mn-ea"/>
+                <a:cs typeface="+mn-cs"/>
+              </a:rPr>
+              <a:t>In the future, I will add more features as well as apply machine learning when I have enough data collection.</a:t>
+            </a:r>
+          </a:p>
+          <a:p>
+            <a:r>
+              <a:rPr lang="en-US" sz="1200" kern="1200" dirty="0">
+                <a:solidFill>
+                  <a:schemeClr val="tx1"/>
+                </a:solidFill>
+                <a:effectLst/>
+                <a:latin typeface="+mn-lt"/>
+                <a:ea typeface="+mn-ea"/>
+                <a:cs typeface="+mn-cs"/>
+              </a:rPr>
+              <a:t> </a:t>
+            </a:r>
+          </a:p>
+          <a:p>
+            <a:r>
+              <a:rPr lang="en-US" sz="1200" kern="1200" dirty="0">
+                <a:solidFill>
+                  <a:schemeClr val="tx1"/>
+                </a:solidFill>
+                <a:effectLst/>
+                <a:latin typeface="+mn-lt"/>
+                <a:ea typeface="+mn-ea"/>
+                <a:cs typeface="+mn-cs"/>
+              </a:rPr>
+              <a:t>After thesis, I have learnt a lot of new things, I learnt a lot of technologies such as AngularJS, Angular 2, MongoDB, Spring MVC, Node.js, Express Framework. I can work with lots of frameworks and I have ability to learn new technology. I also had a lot of experience in building single page application. I will improve myself in the future for working in professional environment.</a:t>
+            </a:r>
+          </a:p>
+          <a:p>
+            <a:endParaRPr lang="en-US" dirty="0"/>
+          </a:p>
+        </p:txBody>
+      </p:sp>
+      <p:sp>
+        <p:nvSpPr>
+          <p:cNvPr id="4" name="Slide Number Placeholder 3"/>
+          <p:cNvSpPr>
+            <a:spLocks noGrp="1"/>
+          </p:cNvSpPr>
+          <p:nvPr>
+            <p:ph type="sldNum" sz="quarter" idx="10"/>
+          </p:nvPr>
+        </p:nvSpPr>
+        <p:spPr/>
+        <p:txBody>
+          <a:bodyPr/>
+          <a:lstStyle/>
+          <a:p>
+            <a:fld id="{0CACFBBB-5F2D-4F37-867E-042C6B44FB31}" type="slidenum">
+              <a:rPr lang="en-US" smtClean="0"/>
+              <a:t>27</a:t>
+            </a:fld>
+            <a:endParaRPr lang="en-US"/>
+          </a:p>
+        </p:txBody>
+      </p:sp>
+    </p:spTree>
+    <p:extLst>
+      <p:ext uri="{BB962C8B-B14F-4D97-AF65-F5344CB8AC3E}">
+        <p14:creationId xmlns:p14="http://schemas.microsoft.com/office/powerpoint/2010/main" val="922826874"/>
+      </p:ext>
+    </p:extLst>
+  </p:cSld>
+  <p:clrMapOvr>
+    <a:masterClrMapping/>
+  </p:clrMapOvr>
+</p:notes>
+</file>
+
+<file path=ppt/notesSlides/notesSlide24.xml><?xml version="1.0" encoding="utf-8"?>
+<p:notes xmlns:a="http://schemas.openxmlformats.org/drawingml/2006/main" xmlns:r="http://schemas.openxmlformats.org/officeDocument/2006/relationships" xmlns:p="http://schemas.openxmlformats.org/presentationml/2006/main">
+  <p:cSld>
+    <p:spTree>
+      <p:nvGrpSpPr>
+        <p:cNvPr id="1" name=""/>
+        <p:cNvGrpSpPr/>
+        <p:nvPr/>
+      </p:nvGrpSpPr>
+      <p:grpSpPr>
+        <a:xfrm>
+          <a:off x="0" y="0"/>
+          <a:ext cx="0" cy="0"/>
+          <a:chOff x="0" y="0"/>
+          <a:chExt cx="0" cy="0"/>
+        </a:xfrm>
+      </p:grpSpPr>
+      <p:sp>
+        <p:nvSpPr>
+          <p:cNvPr id="2" name="Slide Image Placeholder 1"/>
+          <p:cNvSpPr>
+            <a:spLocks noGrp="1" noRot="1" noChangeAspect="1"/>
+          </p:cNvSpPr>
+          <p:nvPr>
+            <p:ph type="sldImg"/>
+          </p:nvPr>
+        </p:nvSpPr>
+        <p:spPr/>
+      </p:sp>
+      <p:sp>
+        <p:nvSpPr>
+          <p:cNvPr id="3" name="Notes Placeholder 2"/>
+          <p:cNvSpPr>
+            <a:spLocks noGrp="1"/>
+          </p:cNvSpPr>
+          <p:nvPr>
+            <p:ph type="body" idx="1"/>
+          </p:nvPr>
+        </p:nvSpPr>
+        <p:spPr/>
+        <p:txBody>
+          <a:bodyPr/>
+          <a:lstStyle/>
+          <a:p>
+            <a:endParaRPr lang="en-US" dirty="0"/>
+          </a:p>
+        </p:txBody>
+      </p:sp>
+      <p:sp>
+        <p:nvSpPr>
+          <p:cNvPr id="4" name="Slide Number Placeholder 3"/>
+          <p:cNvSpPr>
+            <a:spLocks noGrp="1"/>
+          </p:cNvSpPr>
+          <p:nvPr>
+            <p:ph type="sldNum" sz="quarter" idx="10"/>
+          </p:nvPr>
+        </p:nvSpPr>
+        <p:spPr/>
+        <p:txBody>
+          <a:bodyPr/>
+          <a:lstStyle/>
+          <a:p>
+            <a:fld id="{0CACFBBB-5F2D-4F37-867E-042C6B44FB31}" type="slidenum">
+              <a:rPr lang="en-US" smtClean="0"/>
+              <a:t>28</a:t>
+            </a:fld>
+            <a:endParaRPr lang="en-US"/>
+          </a:p>
+        </p:txBody>
+      </p:sp>
+    </p:spTree>
+    <p:extLst>
+      <p:ext uri="{BB962C8B-B14F-4D97-AF65-F5344CB8AC3E}">
+        <p14:creationId xmlns:p14="http://schemas.microsoft.com/office/powerpoint/2010/main" val="1677264068"/>
+      </p:ext>
+    </p:extLst>
+  </p:cSld>
+  <p:clrMapOvr>
+    <a:masterClrMapping/>
+  </p:clrMapOvr>
+</p:notes>
+</file>
+
 <file path=ppt/notesSlides/notesSlide3.xml><?xml version="1.0" encoding="utf-8"?>
 <p:notes xmlns:a="http://schemas.openxmlformats.org/drawingml/2006/main" xmlns:r="http://schemas.openxmlformats.org/officeDocument/2006/relationships" xmlns:p="http://schemas.openxmlformats.org/presentationml/2006/main">
   <p:cSld>
@@ -5063,7 +5600,7 @@
             <a:fld id="{1D8BD707-D9CF-40AE-B4C6-C98DA3205C09}" type="datetimeFigureOut">
               <a:rPr lang="en-US" smtClean="0"/>
               <a:pPr/>
-              <a:t>4/17/2018</a:t>
+              <a:t>4/18/2018</a:t>
             </a:fld>
             <a:endParaRPr lang="en-US"/>
           </a:p>
@@ -5363,7 +5900,7 @@
             <a:fld id="{1D8BD707-D9CF-40AE-B4C6-C98DA3205C09}" type="datetimeFigureOut">
               <a:rPr lang="en-US" smtClean="0"/>
               <a:pPr/>
-              <a:t>4/17/2018</a:t>
+              <a:t>4/18/2018</a:t>
             </a:fld>
             <a:endParaRPr lang="en-US"/>
           </a:p>
@@ -5539,7 +6076,7 @@
             <a:fld id="{1D8BD707-D9CF-40AE-B4C6-C98DA3205C09}" type="datetimeFigureOut">
               <a:rPr lang="en-US" smtClean="0"/>
               <a:pPr/>
-              <a:t>4/17/2018</a:t>
+              <a:t>4/18/2018</a:t>
             </a:fld>
             <a:endParaRPr lang="en-US"/>
           </a:p>
@@ -5705,7 +6242,7 @@
             <a:fld id="{1D8BD707-D9CF-40AE-B4C6-C98DA3205C09}" type="datetimeFigureOut">
               <a:rPr lang="en-US" smtClean="0"/>
               <a:pPr/>
-              <a:t>4/17/2018</a:t>
+              <a:t>4/18/2018</a:t>
             </a:fld>
             <a:endParaRPr lang="en-US"/>
           </a:p>
@@ -5966,7 +6503,7 @@
             <a:fld id="{1D8BD707-D9CF-40AE-B4C6-C98DA3205C09}" type="datetimeFigureOut">
               <a:rPr lang="en-US" smtClean="0"/>
               <a:pPr/>
-              <a:t>4/17/2018</a:t>
+              <a:t>4/18/2018</a:t>
             </a:fld>
             <a:endParaRPr lang="en-US"/>
           </a:p>
@@ -6421,7 +6958,7 @@
             <a:fld id="{1D8BD707-D9CF-40AE-B4C6-C98DA3205C09}" type="datetimeFigureOut">
               <a:rPr lang="en-US" smtClean="0"/>
               <a:pPr/>
-              <a:t>4/17/2018</a:t>
+              <a:t>4/18/2018</a:t>
             </a:fld>
             <a:endParaRPr lang="en-US"/>
           </a:p>
@@ -6905,7 +7442,7 @@
             <a:fld id="{1D8BD707-D9CF-40AE-B4C6-C98DA3205C09}" type="datetimeFigureOut">
               <a:rPr lang="en-US" smtClean="0"/>
               <a:pPr/>
-              <a:t>4/17/2018</a:t>
+              <a:t>4/18/2018</a:t>
             </a:fld>
             <a:endParaRPr lang="en-US"/>
           </a:p>
@@ -7024,7 +7561,7 @@
             <a:fld id="{1D8BD707-D9CF-40AE-B4C6-C98DA3205C09}" type="datetimeFigureOut">
               <a:rPr lang="en-US" smtClean="0"/>
               <a:pPr/>
-              <a:t>4/17/2018</a:t>
+              <a:t>4/18/2018</a:t>
             </a:fld>
             <a:endParaRPr lang="en-US"/>
           </a:p>
@@ -7162,7 +7699,7 @@
             <a:fld id="{1D8BD707-D9CF-40AE-B4C6-C98DA3205C09}" type="datetimeFigureOut">
               <a:rPr lang="en-US" smtClean="0"/>
               <a:pPr/>
-              <a:t>4/17/2018</a:t>
+              <a:t>4/18/2018</a:t>
             </a:fld>
             <a:endParaRPr lang="en-US"/>
           </a:p>
@@ -7477,7 +8014,7 @@
             <a:fld id="{1D8BD707-D9CF-40AE-B4C6-C98DA3205C09}" type="datetimeFigureOut">
               <a:rPr lang="en-US" smtClean="0"/>
               <a:pPr/>
-              <a:t>4/17/2018</a:t>
+              <a:t>4/18/2018</a:t>
             </a:fld>
             <a:endParaRPr lang="en-US"/>
           </a:p>
@@ -7606,7 +8143,7 @@
             <a:fld id="{1D8BD707-D9CF-40AE-B4C6-C98DA3205C09}" type="datetimeFigureOut">
               <a:rPr lang="en-US" smtClean="0"/>
               <a:pPr/>
-              <a:t>4/17/2018</a:t>
+              <a:t>4/18/2018</a:t>
             </a:fld>
             <a:endParaRPr lang="en-US"/>
           </a:p>
@@ -8365,7 +8902,7 @@
             <a:fld id="{1D8BD707-D9CF-40AE-B4C6-C98DA3205C09}" type="datetimeFigureOut">
               <a:rPr lang="en-US" smtClean="0"/>
               <a:pPr/>
-              <a:t>4/17/2018</a:t>
+              <a:t>4/18/2018</a:t>
             </a:fld>
             <a:endParaRPr lang="en-US"/>
           </a:p>
@@ -12893,6 +13430,12 @@
               <a:t>6. Demo</a:t>
             </a:r>
           </a:p>
+          <a:p>
+            <a:r>
+              <a:rPr lang="en-US" dirty="0"/>
+              <a:t>7. Conclusion</a:t>
+            </a:r>
+          </a:p>
         </p:txBody>
       </p:sp>
     </p:spTree>
@@ -13333,6 +13876,1006 @@
     <p:extLst>
       <p:ext uri="{BB962C8B-B14F-4D97-AF65-F5344CB8AC3E}">
         <p14:creationId xmlns:p14="http://schemas.microsoft.com/office/powerpoint/2010/main" val="1109901959"/>
+      </p:ext>
+    </p:extLst>
+  </p:cSld>
+  <p:clrMapOvr>
+    <a:masterClrMapping/>
+  </p:clrMapOvr>
+</p:sld>
+</file>
+
+<file path=ppt/slides/slide25.xml><?xml version="1.0" encoding="utf-8"?>
+<p:sld xmlns:a="http://schemas.openxmlformats.org/drawingml/2006/main" xmlns:r="http://schemas.openxmlformats.org/officeDocument/2006/relationships" xmlns:p="http://schemas.openxmlformats.org/presentationml/2006/main">
+  <p:cSld>
+    <p:spTree>
+      <p:nvGrpSpPr>
+        <p:cNvPr id="1" name=""/>
+        <p:cNvGrpSpPr/>
+        <p:nvPr/>
+      </p:nvGrpSpPr>
+      <p:grpSpPr>
+        <a:xfrm>
+          <a:off x="0" y="0"/>
+          <a:ext cx="0" cy="0"/>
+          <a:chOff x="0" y="0"/>
+          <a:chExt cx="0" cy="0"/>
+        </a:xfrm>
+      </p:grpSpPr>
+      <p:sp>
+        <p:nvSpPr>
+          <p:cNvPr id="4" name="Title 1">
+            <a:extLst>
+              <a:ext uri="{FF2B5EF4-FFF2-40B4-BE49-F238E27FC236}">
+                <a16:creationId xmlns:a16="http://schemas.microsoft.com/office/drawing/2014/main" id="{E7F0D2D4-DACD-4ECB-96E0-5817266BD6F2}"/>
+              </a:ext>
+            </a:extLst>
+          </p:cNvPr>
+          <p:cNvSpPr>
+            <a:spLocks noGrp="1"/>
+          </p:cNvSpPr>
+          <p:nvPr>
+            <p:ph type="title"/>
+          </p:nvPr>
+        </p:nvSpPr>
+        <p:spPr>
+          <a:xfrm>
+            <a:off x="1371600" y="228600"/>
+            <a:ext cx="7498080" cy="1143000"/>
+          </a:xfrm>
+        </p:spPr>
+        <p:txBody>
+          <a:bodyPr/>
+          <a:lstStyle/>
+          <a:p>
+            <a:r>
+              <a:rPr lang="en-US" dirty="0"/>
+              <a:t>Online Demo</a:t>
+            </a:r>
+          </a:p>
+        </p:txBody>
+      </p:sp>
+      <p:sp>
+        <p:nvSpPr>
+          <p:cNvPr id="5" name="Rectangle 4">
+            <a:extLst>
+              <a:ext uri="{FF2B5EF4-FFF2-40B4-BE49-F238E27FC236}">
+                <a16:creationId xmlns:a16="http://schemas.microsoft.com/office/drawing/2014/main" id="{FED5E14A-C0D6-4FFF-88C0-9B024508D0BB}"/>
+              </a:ext>
+            </a:extLst>
+          </p:cNvPr>
+          <p:cNvSpPr/>
+          <p:nvPr/>
+        </p:nvSpPr>
+        <p:spPr>
+          <a:xfrm>
+            <a:off x="1447800" y="1371600"/>
+            <a:ext cx="4303935" cy="369332"/>
+          </a:xfrm>
+          <a:prstGeom prst="rect">
+            <a:avLst/>
+          </a:prstGeom>
+        </p:spPr>
+        <p:txBody>
+          <a:bodyPr wrap="none">
+            <a:spAutoFit/>
+          </a:bodyPr>
+          <a:lstStyle/>
+          <a:p>
+            <a:r>
+              <a:rPr lang="en-US" dirty="0">
+                <a:hlinkClick r:id="rId3"/>
+              </a:rPr>
+              <a:t>http://admin-hotel-booking.herokuapp.com/</a:t>
+            </a:r>
+            <a:r>
+              <a:rPr lang="en-US" dirty="0"/>
+              <a:t> </a:t>
+            </a:r>
+          </a:p>
+        </p:txBody>
+      </p:sp>
+      <p:sp>
+        <p:nvSpPr>
+          <p:cNvPr id="6" name="Rectangle 5">
+            <a:extLst>
+              <a:ext uri="{FF2B5EF4-FFF2-40B4-BE49-F238E27FC236}">
+                <a16:creationId xmlns:a16="http://schemas.microsoft.com/office/drawing/2014/main" id="{692BBF62-28B1-4AE3-B032-A1B70A777809}"/>
+              </a:ext>
+            </a:extLst>
+          </p:cNvPr>
+          <p:cNvSpPr/>
+          <p:nvPr/>
+        </p:nvSpPr>
+        <p:spPr>
+          <a:xfrm>
+            <a:off x="1428011" y="1981200"/>
+            <a:ext cx="4595682" cy="369332"/>
+          </a:xfrm>
+          <a:prstGeom prst="rect">
+            <a:avLst/>
+          </a:prstGeom>
+        </p:spPr>
+        <p:txBody>
+          <a:bodyPr wrap="none">
+            <a:spAutoFit/>
+          </a:bodyPr>
+          <a:lstStyle/>
+          <a:p>
+            <a:r>
+              <a:rPr lang="en-US" dirty="0">
+                <a:hlinkClick r:id="rId4"/>
+              </a:rPr>
+              <a:t>http://admin-hotel-booking-v1.herokuapp.com/</a:t>
+            </a:r>
+            <a:r>
+              <a:rPr lang="en-US" dirty="0"/>
+              <a:t> </a:t>
+            </a:r>
+          </a:p>
+        </p:txBody>
+      </p:sp>
+      <p:sp>
+        <p:nvSpPr>
+          <p:cNvPr id="7" name="Rectangle 6">
+            <a:extLst>
+              <a:ext uri="{FF2B5EF4-FFF2-40B4-BE49-F238E27FC236}">
+                <a16:creationId xmlns:a16="http://schemas.microsoft.com/office/drawing/2014/main" id="{069C755C-03FB-4BE0-9DAA-D29A3719AAA6}"/>
+              </a:ext>
+            </a:extLst>
+          </p:cNvPr>
+          <p:cNvSpPr/>
+          <p:nvPr/>
+        </p:nvSpPr>
+        <p:spPr>
+          <a:xfrm>
+            <a:off x="1447800" y="2612136"/>
+            <a:ext cx="4679038" cy="369332"/>
+          </a:xfrm>
+          <a:prstGeom prst="rect">
+            <a:avLst/>
+          </a:prstGeom>
+        </p:spPr>
+        <p:txBody>
+          <a:bodyPr wrap="none">
+            <a:spAutoFit/>
+          </a:bodyPr>
+          <a:lstStyle/>
+          <a:p>
+            <a:r>
+              <a:rPr lang="en-US" dirty="0">
+                <a:hlinkClick r:id="rId5"/>
+              </a:rPr>
+              <a:t>http://hotel-booking-system-v1.herokuapp.com/</a:t>
+            </a:r>
+            <a:r>
+              <a:rPr lang="en-US" dirty="0"/>
+              <a:t> </a:t>
+            </a:r>
+          </a:p>
+        </p:txBody>
+      </p:sp>
+      <p:sp>
+        <p:nvSpPr>
+          <p:cNvPr id="8" name="Rectangle 7">
+            <a:extLst>
+              <a:ext uri="{FF2B5EF4-FFF2-40B4-BE49-F238E27FC236}">
+                <a16:creationId xmlns:a16="http://schemas.microsoft.com/office/drawing/2014/main" id="{794C1D09-8EB5-4023-9D11-5DDA6DC1E5E5}"/>
+              </a:ext>
+            </a:extLst>
+          </p:cNvPr>
+          <p:cNvSpPr/>
+          <p:nvPr/>
+        </p:nvSpPr>
+        <p:spPr>
+          <a:xfrm>
+            <a:off x="1458491" y="3243072"/>
+            <a:ext cx="4679038" cy="369332"/>
+          </a:xfrm>
+          <a:prstGeom prst="rect">
+            <a:avLst/>
+          </a:prstGeom>
+        </p:spPr>
+        <p:txBody>
+          <a:bodyPr wrap="none">
+            <a:spAutoFit/>
+          </a:bodyPr>
+          <a:lstStyle/>
+          <a:p>
+            <a:r>
+              <a:rPr lang="en-US" dirty="0">
+                <a:hlinkClick r:id="rId6"/>
+              </a:rPr>
+              <a:t>http://hotel-booking-system-v2.herokuapp.com/</a:t>
+            </a:r>
+            <a:r>
+              <a:rPr lang="en-US" dirty="0"/>
+              <a:t> </a:t>
+            </a:r>
+          </a:p>
+        </p:txBody>
+      </p:sp>
+      <p:sp>
+        <p:nvSpPr>
+          <p:cNvPr id="9" name="Rectangle 8">
+            <a:extLst>
+              <a:ext uri="{FF2B5EF4-FFF2-40B4-BE49-F238E27FC236}">
+                <a16:creationId xmlns:a16="http://schemas.microsoft.com/office/drawing/2014/main" id="{24C7ED4B-FD10-43A9-8B7D-5E65BF356BA7}"/>
+              </a:ext>
+            </a:extLst>
+          </p:cNvPr>
+          <p:cNvSpPr/>
+          <p:nvPr/>
+        </p:nvSpPr>
+        <p:spPr>
+          <a:xfrm>
+            <a:off x="1412771" y="3874008"/>
+            <a:ext cx="6042391" cy="369332"/>
+          </a:xfrm>
+          <a:prstGeom prst="rect">
+            <a:avLst/>
+          </a:prstGeom>
+        </p:spPr>
+        <p:txBody>
+          <a:bodyPr wrap="square">
+            <a:spAutoFit/>
+          </a:bodyPr>
+          <a:lstStyle/>
+          <a:p>
+            <a:r>
+              <a:rPr lang="en-US" dirty="0">
+                <a:solidFill>
+                  <a:srgbClr val="032F62"/>
+                </a:solidFill>
+                <a:latin typeface="SFMono-Regular"/>
+                <a:hlinkClick r:id="rId7"/>
+              </a:rPr>
+              <a:t>https://hotel-booking-and-reservations.herokuapp.com/</a:t>
+            </a:r>
+            <a:r>
+              <a:rPr lang="en-US" dirty="0">
+                <a:solidFill>
+                  <a:srgbClr val="032F62"/>
+                </a:solidFill>
+                <a:latin typeface="SFMono-Regular"/>
+              </a:rPr>
+              <a:t> </a:t>
+            </a:r>
+            <a:endParaRPr lang="en-US" dirty="0"/>
+          </a:p>
+        </p:txBody>
+      </p:sp>
+    </p:spTree>
+    <p:extLst>
+      <p:ext uri="{BB962C8B-B14F-4D97-AF65-F5344CB8AC3E}">
+        <p14:creationId xmlns:p14="http://schemas.microsoft.com/office/powerpoint/2010/main" val="352348129"/>
+      </p:ext>
+    </p:extLst>
+  </p:cSld>
+  <p:clrMapOvr>
+    <a:masterClrMapping/>
+  </p:clrMapOvr>
+</p:sld>
+</file>
+
+<file path=ppt/slides/slide26.xml><?xml version="1.0" encoding="utf-8"?>
+<p:sld xmlns:a="http://schemas.openxmlformats.org/drawingml/2006/main" xmlns:r="http://schemas.openxmlformats.org/officeDocument/2006/relationships" xmlns:p="http://schemas.openxmlformats.org/presentationml/2006/main">
+  <p:cSld>
+    <p:spTree>
+      <p:nvGrpSpPr>
+        <p:cNvPr id="1" name=""/>
+        <p:cNvGrpSpPr/>
+        <p:nvPr/>
+      </p:nvGrpSpPr>
+      <p:grpSpPr>
+        <a:xfrm>
+          <a:off x="0" y="0"/>
+          <a:ext cx="0" cy="0"/>
+          <a:chOff x="0" y="0"/>
+          <a:chExt cx="0" cy="0"/>
+        </a:xfrm>
+      </p:grpSpPr>
+      <p:sp>
+        <p:nvSpPr>
+          <p:cNvPr id="6" name="Title 1">
+            <a:extLst>
+              <a:ext uri="{FF2B5EF4-FFF2-40B4-BE49-F238E27FC236}">
+                <a16:creationId xmlns:a16="http://schemas.microsoft.com/office/drawing/2014/main" id="{7772A556-4A73-404A-B6A4-9E7267F9EFF9}"/>
+              </a:ext>
+            </a:extLst>
+          </p:cNvPr>
+          <p:cNvSpPr>
+            <a:spLocks noGrp="1"/>
+          </p:cNvSpPr>
+          <p:nvPr>
+            <p:ph type="title"/>
+          </p:nvPr>
+        </p:nvSpPr>
+        <p:spPr>
+          <a:xfrm>
+            <a:off x="3124200" y="2743200"/>
+            <a:ext cx="3810000" cy="1143000"/>
+          </a:xfrm>
+        </p:spPr>
+        <p:txBody>
+          <a:bodyPr>
+            <a:normAutofit fontScale="90000"/>
+          </a:bodyPr>
+          <a:lstStyle/>
+          <a:p>
+            <a:r>
+              <a:rPr lang="en-US" sz="4400" b="1" dirty="0">
+                <a:effectLst/>
+                <a:latin typeface="Times New Roman" pitchFamily="18" charset="0"/>
+                <a:cs typeface="Times New Roman" pitchFamily="18" charset="0"/>
+              </a:rPr>
+              <a:t>VII. Conclusion</a:t>
+            </a:r>
+          </a:p>
+        </p:txBody>
+      </p:sp>
+    </p:spTree>
+    <p:extLst>
+      <p:ext uri="{BB962C8B-B14F-4D97-AF65-F5344CB8AC3E}">
+        <p14:creationId xmlns:p14="http://schemas.microsoft.com/office/powerpoint/2010/main" val="62896195"/>
+      </p:ext>
+    </p:extLst>
+  </p:cSld>
+  <p:clrMapOvr>
+    <a:masterClrMapping/>
+  </p:clrMapOvr>
+</p:sld>
+</file>
+
+<file path=ppt/slides/slide27.xml><?xml version="1.0" encoding="utf-8"?>
+<p:sld xmlns:a="http://schemas.openxmlformats.org/drawingml/2006/main" xmlns:r="http://schemas.openxmlformats.org/officeDocument/2006/relationships" xmlns:p="http://schemas.openxmlformats.org/presentationml/2006/main">
+  <p:cSld>
+    <p:spTree>
+      <p:nvGrpSpPr>
+        <p:cNvPr id="1" name=""/>
+        <p:cNvGrpSpPr/>
+        <p:nvPr/>
+      </p:nvGrpSpPr>
+      <p:grpSpPr>
+        <a:xfrm>
+          <a:off x="0" y="0"/>
+          <a:ext cx="0" cy="0"/>
+          <a:chOff x="0" y="0"/>
+          <a:chExt cx="0" cy="0"/>
+        </a:xfrm>
+      </p:grpSpPr>
+      <p:sp>
+        <p:nvSpPr>
+          <p:cNvPr id="4" name="Rectangle 3">
+            <a:extLst>
+              <a:ext uri="{FF2B5EF4-FFF2-40B4-BE49-F238E27FC236}">
+                <a16:creationId xmlns:a16="http://schemas.microsoft.com/office/drawing/2014/main" id="{BA103DB3-3F1D-4135-848F-E8163CE20963}"/>
+              </a:ext>
+            </a:extLst>
+          </p:cNvPr>
+          <p:cNvSpPr/>
+          <p:nvPr/>
+        </p:nvSpPr>
+        <p:spPr>
+          <a:xfrm>
+            <a:off x="1371600" y="1981200"/>
+            <a:ext cx="7010400" cy="2031325"/>
+          </a:xfrm>
+          <a:prstGeom prst="rect">
+            <a:avLst/>
+          </a:prstGeom>
+        </p:spPr>
+        <p:txBody>
+          <a:bodyPr wrap="square">
+            <a:spAutoFit/>
+          </a:bodyPr>
+          <a:lstStyle/>
+          <a:p>
+            <a:endParaRPr lang="en-US" dirty="0"/>
+          </a:p>
+          <a:p>
+            <a:r>
+              <a:rPr lang="en-US" dirty="0"/>
+              <a:t>After thesis</a:t>
+            </a:r>
+          </a:p>
+          <a:p>
+            <a:endParaRPr lang="en-US" dirty="0"/>
+          </a:p>
+          <a:p>
+            <a:pPr marL="285750" indent="-285750">
+              <a:buFontTx/>
+              <a:buChar char="-"/>
+            </a:pPr>
+            <a:r>
+              <a:rPr lang="en-US" dirty="0"/>
+              <a:t>Learn a lot of new technologies</a:t>
+            </a:r>
+          </a:p>
+          <a:p>
+            <a:endParaRPr lang="en-US" dirty="0"/>
+          </a:p>
+          <a:p>
+            <a:pPr marL="285750" indent="-285750">
+              <a:buFontTx/>
+              <a:buChar char="-"/>
+            </a:pPr>
+            <a:r>
+              <a:rPr lang="en-US" dirty="0"/>
+              <a:t>Experience in building a complex application</a:t>
+            </a:r>
+          </a:p>
+          <a:p>
+            <a:pPr marL="285750" indent="-285750">
+              <a:buFontTx/>
+              <a:buChar char="-"/>
+            </a:pPr>
+            <a:endParaRPr lang="en-US" dirty="0"/>
+          </a:p>
+        </p:txBody>
+      </p:sp>
+      <p:sp>
+        <p:nvSpPr>
+          <p:cNvPr id="5" name="Title 1">
+            <a:extLst>
+              <a:ext uri="{FF2B5EF4-FFF2-40B4-BE49-F238E27FC236}">
+                <a16:creationId xmlns:a16="http://schemas.microsoft.com/office/drawing/2014/main" id="{236D77EC-534B-4E4C-A5AC-531B082B2186}"/>
+              </a:ext>
+            </a:extLst>
+          </p:cNvPr>
+          <p:cNvSpPr>
+            <a:spLocks noGrp="1"/>
+          </p:cNvSpPr>
+          <p:nvPr>
+            <p:ph type="title"/>
+          </p:nvPr>
+        </p:nvSpPr>
+        <p:spPr>
+          <a:xfrm>
+            <a:off x="1371600" y="228600"/>
+            <a:ext cx="7498080" cy="1143000"/>
+          </a:xfrm>
+        </p:spPr>
+        <p:txBody>
+          <a:bodyPr/>
+          <a:lstStyle/>
+          <a:p>
+            <a:r>
+              <a:rPr lang="en-US" dirty="0"/>
+              <a:t>Conclusion</a:t>
+            </a:r>
+          </a:p>
+        </p:txBody>
+      </p:sp>
+      <p:sp>
+        <p:nvSpPr>
+          <p:cNvPr id="6" name="Rectangle 5">
+            <a:extLst>
+              <a:ext uri="{FF2B5EF4-FFF2-40B4-BE49-F238E27FC236}">
+                <a16:creationId xmlns:a16="http://schemas.microsoft.com/office/drawing/2014/main" id="{DA8C5326-C003-4827-8485-4CCD13BED7A3}"/>
+              </a:ext>
+            </a:extLst>
+          </p:cNvPr>
+          <p:cNvSpPr/>
+          <p:nvPr/>
+        </p:nvSpPr>
+        <p:spPr>
+          <a:xfrm>
+            <a:off x="1371600" y="4267200"/>
+            <a:ext cx="6781800" cy="1200329"/>
+          </a:xfrm>
+          <a:prstGeom prst="rect">
+            <a:avLst/>
+          </a:prstGeom>
+        </p:spPr>
+        <p:txBody>
+          <a:bodyPr wrap="square">
+            <a:spAutoFit/>
+          </a:bodyPr>
+          <a:lstStyle/>
+          <a:p>
+            <a:r>
+              <a:rPr lang="en-US" dirty="0"/>
+              <a:t>In the future</a:t>
+            </a:r>
+          </a:p>
+          <a:p>
+            <a:endParaRPr lang="en-US" dirty="0"/>
+          </a:p>
+          <a:p>
+            <a:pPr marL="285750" indent="-285750">
+              <a:buFontTx/>
+              <a:buChar char="-"/>
+            </a:pPr>
+            <a:r>
+              <a:rPr lang="en-US" dirty="0"/>
+              <a:t>Add more features </a:t>
+            </a:r>
+          </a:p>
+          <a:p>
+            <a:pPr marL="285750" indent="-285750">
+              <a:buFontTx/>
+              <a:buChar char="-"/>
+            </a:pPr>
+            <a:r>
+              <a:rPr lang="en-US" dirty="0"/>
+              <a:t>Apply machine learning when I have enough data collection.</a:t>
+            </a:r>
+          </a:p>
+        </p:txBody>
+      </p:sp>
+    </p:spTree>
+    <p:extLst>
+      <p:ext uri="{BB962C8B-B14F-4D97-AF65-F5344CB8AC3E}">
+        <p14:creationId xmlns:p14="http://schemas.microsoft.com/office/powerpoint/2010/main" val="78439858"/>
+      </p:ext>
+    </p:extLst>
+  </p:cSld>
+  <p:clrMapOvr>
+    <a:masterClrMapping/>
+  </p:clrMapOvr>
+  <p:timing>
+    <p:tnLst>
+      <p:par>
+        <p:cTn id="1" dur="indefinite" restart="never" nodeType="tmRoot">
+          <p:childTnLst>
+            <p:seq concurrent="1" nextAc="seek">
+              <p:cTn id="2" dur="indefinite" nodeType="mainSeq">
+                <p:childTnLst>
+                  <p:par>
+                    <p:cTn id="3" fill="hold">
+                      <p:stCondLst>
+                        <p:cond delay="indefinite"/>
+                      </p:stCondLst>
+                      <p:childTnLst>
+                        <p:par>
+                          <p:cTn id="4" fill="hold">
+                            <p:stCondLst>
+                              <p:cond delay="0"/>
+                            </p:stCondLst>
+                            <p:childTnLst>
+                              <p:par>
+                                <p:cTn id="5" presetID="42" presetClass="entr" presetSubtype="0" fill="hold" nodeType="clickEffect">
+                                  <p:stCondLst>
+                                    <p:cond delay="0"/>
+                                  </p:stCondLst>
+                                  <p:childTnLst>
+                                    <p:set>
+                                      <p:cBhvr>
+                                        <p:cTn id="6" dur="1" fill="hold">
+                                          <p:stCondLst>
+                                            <p:cond delay="0"/>
+                                          </p:stCondLst>
+                                        </p:cTn>
+                                        <p:tgtEl>
+                                          <p:spTgt spid="4">
+                                            <p:txEl>
+                                              <p:pRg st="1" end="1"/>
+                                            </p:txEl>
+                                          </p:spTgt>
+                                        </p:tgtEl>
+                                        <p:attrNameLst>
+                                          <p:attrName>style.visibility</p:attrName>
+                                        </p:attrNameLst>
+                                      </p:cBhvr>
+                                      <p:to>
+                                        <p:strVal val="visible"/>
+                                      </p:to>
+                                    </p:set>
+                                    <p:animEffect transition="in" filter="fade">
+                                      <p:cBhvr>
+                                        <p:cTn id="7" dur="1000"/>
+                                        <p:tgtEl>
+                                          <p:spTgt spid="4">
+                                            <p:txEl>
+                                              <p:pRg st="1" end="1"/>
+                                            </p:txEl>
+                                          </p:spTgt>
+                                        </p:tgtEl>
+                                      </p:cBhvr>
+                                    </p:animEffect>
+                                    <p:anim calcmode="lin" valueType="num">
+                                      <p:cBhvr>
+                                        <p:cTn id="8" dur="1000" fill="hold"/>
+                                        <p:tgtEl>
+                                          <p:spTgt spid="4">
+                                            <p:txEl>
+                                              <p:pRg st="1" end="1"/>
+                                            </p:txEl>
+                                          </p:spTgt>
+                                        </p:tgtEl>
+                                        <p:attrNameLst>
+                                          <p:attrName>ppt_x</p:attrName>
+                                        </p:attrNameLst>
+                                      </p:cBhvr>
+                                      <p:tavLst>
+                                        <p:tav tm="0">
+                                          <p:val>
+                                            <p:strVal val="#ppt_x"/>
+                                          </p:val>
+                                        </p:tav>
+                                        <p:tav tm="100000">
+                                          <p:val>
+                                            <p:strVal val="#ppt_x"/>
+                                          </p:val>
+                                        </p:tav>
+                                      </p:tavLst>
+                                    </p:anim>
+                                    <p:anim calcmode="lin" valueType="num">
+                                      <p:cBhvr>
+                                        <p:cTn id="9" dur="1000" fill="hold"/>
+                                        <p:tgtEl>
+                                          <p:spTgt spid="4">
+                                            <p:txEl>
+                                              <p:pRg st="1" end="1"/>
+                                            </p:txEl>
+                                          </p:spTgt>
+                                        </p:tgtEl>
+                                        <p:attrNameLst>
+                                          <p:attrName>ppt_y</p:attrName>
+                                        </p:attrNameLst>
+                                      </p:cBhvr>
+                                      <p:tavLst>
+                                        <p:tav tm="0">
+                                          <p:val>
+                                            <p:strVal val="#ppt_y+.1"/>
+                                          </p:val>
+                                        </p:tav>
+                                        <p:tav tm="100000">
+                                          <p:val>
+                                            <p:strVal val="#ppt_y"/>
+                                          </p:val>
+                                        </p:tav>
+                                      </p:tavLst>
+                                    </p:anim>
+                                  </p:childTnLst>
+                                </p:cTn>
+                              </p:par>
+                            </p:childTnLst>
+                          </p:cTn>
+                        </p:par>
+                      </p:childTnLst>
+                    </p:cTn>
+                  </p:par>
+                  <p:par>
+                    <p:cTn id="10" fill="hold">
+                      <p:stCondLst>
+                        <p:cond delay="indefinite"/>
+                      </p:stCondLst>
+                      <p:childTnLst>
+                        <p:par>
+                          <p:cTn id="11" fill="hold">
+                            <p:stCondLst>
+                              <p:cond delay="0"/>
+                            </p:stCondLst>
+                            <p:childTnLst>
+                              <p:par>
+                                <p:cTn id="12" presetID="42" presetClass="entr" presetSubtype="0" fill="hold" nodeType="clickEffect">
+                                  <p:stCondLst>
+                                    <p:cond delay="0"/>
+                                  </p:stCondLst>
+                                  <p:childTnLst>
+                                    <p:set>
+                                      <p:cBhvr>
+                                        <p:cTn id="13" dur="1" fill="hold">
+                                          <p:stCondLst>
+                                            <p:cond delay="0"/>
+                                          </p:stCondLst>
+                                        </p:cTn>
+                                        <p:tgtEl>
+                                          <p:spTgt spid="4">
+                                            <p:txEl>
+                                              <p:pRg st="3" end="3"/>
+                                            </p:txEl>
+                                          </p:spTgt>
+                                        </p:tgtEl>
+                                        <p:attrNameLst>
+                                          <p:attrName>style.visibility</p:attrName>
+                                        </p:attrNameLst>
+                                      </p:cBhvr>
+                                      <p:to>
+                                        <p:strVal val="visible"/>
+                                      </p:to>
+                                    </p:set>
+                                    <p:animEffect transition="in" filter="fade">
+                                      <p:cBhvr>
+                                        <p:cTn id="14" dur="1000"/>
+                                        <p:tgtEl>
+                                          <p:spTgt spid="4">
+                                            <p:txEl>
+                                              <p:pRg st="3" end="3"/>
+                                            </p:txEl>
+                                          </p:spTgt>
+                                        </p:tgtEl>
+                                      </p:cBhvr>
+                                    </p:animEffect>
+                                    <p:anim calcmode="lin" valueType="num">
+                                      <p:cBhvr>
+                                        <p:cTn id="15" dur="1000" fill="hold"/>
+                                        <p:tgtEl>
+                                          <p:spTgt spid="4">
+                                            <p:txEl>
+                                              <p:pRg st="3" end="3"/>
+                                            </p:txEl>
+                                          </p:spTgt>
+                                        </p:tgtEl>
+                                        <p:attrNameLst>
+                                          <p:attrName>ppt_x</p:attrName>
+                                        </p:attrNameLst>
+                                      </p:cBhvr>
+                                      <p:tavLst>
+                                        <p:tav tm="0">
+                                          <p:val>
+                                            <p:strVal val="#ppt_x"/>
+                                          </p:val>
+                                        </p:tav>
+                                        <p:tav tm="100000">
+                                          <p:val>
+                                            <p:strVal val="#ppt_x"/>
+                                          </p:val>
+                                        </p:tav>
+                                      </p:tavLst>
+                                    </p:anim>
+                                    <p:anim calcmode="lin" valueType="num">
+                                      <p:cBhvr>
+                                        <p:cTn id="16" dur="1000" fill="hold"/>
+                                        <p:tgtEl>
+                                          <p:spTgt spid="4">
+                                            <p:txEl>
+                                              <p:pRg st="3" end="3"/>
+                                            </p:txEl>
+                                          </p:spTgt>
+                                        </p:tgtEl>
+                                        <p:attrNameLst>
+                                          <p:attrName>ppt_y</p:attrName>
+                                        </p:attrNameLst>
+                                      </p:cBhvr>
+                                      <p:tavLst>
+                                        <p:tav tm="0">
+                                          <p:val>
+                                            <p:strVal val="#ppt_y+.1"/>
+                                          </p:val>
+                                        </p:tav>
+                                        <p:tav tm="100000">
+                                          <p:val>
+                                            <p:strVal val="#ppt_y"/>
+                                          </p:val>
+                                        </p:tav>
+                                      </p:tavLst>
+                                    </p:anim>
+                                  </p:childTnLst>
+                                </p:cTn>
+                              </p:par>
+                            </p:childTnLst>
+                          </p:cTn>
+                        </p:par>
+                      </p:childTnLst>
+                    </p:cTn>
+                  </p:par>
+                  <p:par>
+                    <p:cTn id="17" fill="hold">
+                      <p:stCondLst>
+                        <p:cond delay="indefinite"/>
+                      </p:stCondLst>
+                      <p:childTnLst>
+                        <p:par>
+                          <p:cTn id="18" fill="hold">
+                            <p:stCondLst>
+                              <p:cond delay="0"/>
+                            </p:stCondLst>
+                            <p:childTnLst>
+                              <p:par>
+                                <p:cTn id="19" presetID="42" presetClass="entr" presetSubtype="0" fill="hold" nodeType="clickEffect">
+                                  <p:stCondLst>
+                                    <p:cond delay="0"/>
+                                  </p:stCondLst>
+                                  <p:childTnLst>
+                                    <p:set>
+                                      <p:cBhvr>
+                                        <p:cTn id="20" dur="1" fill="hold">
+                                          <p:stCondLst>
+                                            <p:cond delay="0"/>
+                                          </p:stCondLst>
+                                        </p:cTn>
+                                        <p:tgtEl>
+                                          <p:spTgt spid="4">
+                                            <p:txEl>
+                                              <p:pRg st="5" end="5"/>
+                                            </p:txEl>
+                                          </p:spTgt>
+                                        </p:tgtEl>
+                                        <p:attrNameLst>
+                                          <p:attrName>style.visibility</p:attrName>
+                                        </p:attrNameLst>
+                                      </p:cBhvr>
+                                      <p:to>
+                                        <p:strVal val="visible"/>
+                                      </p:to>
+                                    </p:set>
+                                    <p:animEffect transition="in" filter="fade">
+                                      <p:cBhvr>
+                                        <p:cTn id="21" dur="1000"/>
+                                        <p:tgtEl>
+                                          <p:spTgt spid="4">
+                                            <p:txEl>
+                                              <p:pRg st="5" end="5"/>
+                                            </p:txEl>
+                                          </p:spTgt>
+                                        </p:tgtEl>
+                                      </p:cBhvr>
+                                    </p:animEffect>
+                                    <p:anim calcmode="lin" valueType="num">
+                                      <p:cBhvr>
+                                        <p:cTn id="22" dur="1000" fill="hold"/>
+                                        <p:tgtEl>
+                                          <p:spTgt spid="4">
+                                            <p:txEl>
+                                              <p:pRg st="5" end="5"/>
+                                            </p:txEl>
+                                          </p:spTgt>
+                                        </p:tgtEl>
+                                        <p:attrNameLst>
+                                          <p:attrName>ppt_x</p:attrName>
+                                        </p:attrNameLst>
+                                      </p:cBhvr>
+                                      <p:tavLst>
+                                        <p:tav tm="0">
+                                          <p:val>
+                                            <p:strVal val="#ppt_x"/>
+                                          </p:val>
+                                        </p:tav>
+                                        <p:tav tm="100000">
+                                          <p:val>
+                                            <p:strVal val="#ppt_x"/>
+                                          </p:val>
+                                        </p:tav>
+                                      </p:tavLst>
+                                    </p:anim>
+                                    <p:anim calcmode="lin" valueType="num">
+                                      <p:cBhvr>
+                                        <p:cTn id="23" dur="1000" fill="hold"/>
+                                        <p:tgtEl>
+                                          <p:spTgt spid="4">
+                                            <p:txEl>
+                                              <p:pRg st="5" end="5"/>
+                                            </p:txEl>
+                                          </p:spTgt>
+                                        </p:tgtEl>
+                                        <p:attrNameLst>
+                                          <p:attrName>ppt_y</p:attrName>
+                                        </p:attrNameLst>
+                                      </p:cBhvr>
+                                      <p:tavLst>
+                                        <p:tav tm="0">
+                                          <p:val>
+                                            <p:strVal val="#ppt_y+.1"/>
+                                          </p:val>
+                                        </p:tav>
+                                        <p:tav tm="100000">
+                                          <p:val>
+                                            <p:strVal val="#ppt_y"/>
+                                          </p:val>
+                                        </p:tav>
+                                      </p:tavLst>
+                                    </p:anim>
+                                  </p:childTnLst>
+                                </p:cTn>
+                              </p:par>
+                            </p:childTnLst>
+                          </p:cTn>
+                        </p:par>
+                      </p:childTnLst>
+                    </p:cTn>
+                  </p:par>
+                </p:childTnLst>
+              </p:cTn>
+              <p:prevCondLst>
+                <p:cond evt="onPrev" delay="0">
+                  <p:tgtEl>
+                    <p:sldTgt/>
+                  </p:tgtEl>
+                </p:cond>
+              </p:prevCondLst>
+              <p:nextCondLst>
+                <p:cond evt="onNext" delay="0">
+                  <p:tgtEl>
+                    <p:sldTgt/>
+                  </p:tgtEl>
+                </p:cond>
+              </p:nextCondLst>
+            </p:seq>
+          </p:childTnLst>
+        </p:cTn>
+      </p:par>
+    </p:tnLst>
+  </p:timing>
+</p:sld>
+</file>
+
+<file path=ppt/slides/slide28.xml><?xml version="1.0" encoding="utf-8"?>
+<p:sld xmlns:a="http://schemas.openxmlformats.org/drawingml/2006/main" xmlns:r="http://schemas.openxmlformats.org/officeDocument/2006/relationships" xmlns:p="http://schemas.openxmlformats.org/presentationml/2006/main">
+  <p:cSld>
+    <p:spTree>
+      <p:nvGrpSpPr>
+        <p:cNvPr id="1" name=""/>
+        <p:cNvGrpSpPr/>
+        <p:nvPr/>
+      </p:nvGrpSpPr>
+      <p:grpSpPr>
+        <a:xfrm>
+          <a:off x="0" y="0"/>
+          <a:ext cx="0" cy="0"/>
+          <a:chOff x="0" y="0"/>
+          <a:chExt cx="0" cy="0"/>
+        </a:xfrm>
+      </p:grpSpPr>
+      <p:pic>
+        <p:nvPicPr>
+          <p:cNvPr id="4" name="Picture 3">
+            <a:extLst>
+              <a:ext uri="{FF2B5EF4-FFF2-40B4-BE49-F238E27FC236}">
+                <a16:creationId xmlns:a16="http://schemas.microsoft.com/office/drawing/2014/main" id="{FAB3D2A6-579B-4316-8632-A685430C1B85}"/>
+              </a:ext>
+            </a:extLst>
+          </p:cNvPr>
+          <p:cNvPicPr>
+            <a:picLocks noChangeAspect="1"/>
+          </p:cNvPicPr>
+          <p:nvPr/>
+        </p:nvPicPr>
+        <p:blipFill>
+          <a:blip r:embed="rId3"/>
+          <a:stretch>
+            <a:fillRect/>
+          </a:stretch>
+        </p:blipFill>
+        <p:spPr>
+          <a:xfrm>
+            <a:off x="1524000" y="1828800"/>
+            <a:ext cx="6724650" cy="4114800"/>
+          </a:xfrm>
+          <a:prstGeom prst="rect">
+            <a:avLst/>
+          </a:prstGeom>
+        </p:spPr>
+      </p:pic>
+      <p:sp>
+        <p:nvSpPr>
+          <p:cNvPr id="5" name="Title 1">
+            <a:extLst>
+              <a:ext uri="{FF2B5EF4-FFF2-40B4-BE49-F238E27FC236}">
+                <a16:creationId xmlns:a16="http://schemas.microsoft.com/office/drawing/2014/main" id="{C26FA153-CC6D-4CCF-BC8F-986FDDA86C09}"/>
+              </a:ext>
+            </a:extLst>
+          </p:cNvPr>
+          <p:cNvSpPr>
+            <a:spLocks noGrp="1"/>
+          </p:cNvSpPr>
+          <p:nvPr>
+            <p:ph type="title"/>
+          </p:nvPr>
+        </p:nvSpPr>
+        <p:spPr>
+          <a:xfrm>
+            <a:off x="1524000" y="304800"/>
+            <a:ext cx="7498080" cy="1143000"/>
+          </a:xfrm>
+        </p:spPr>
+        <p:txBody>
+          <a:bodyPr/>
+          <a:lstStyle/>
+          <a:p>
+            <a:r>
+              <a:rPr lang="en-US" dirty="0"/>
+              <a:t>Thank you for your listening</a:t>
+            </a:r>
+          </a:p>
+        </p:txBody>
+      </p:sp>
+    </p:spTree>
+    <p:extLst>
+      <p:ext uri="{BB962C8B-B14F-4D97-AF65-F5344CB8AC3E}">
+        <p14:creationId xmlns:p14="http://schemas.microsoft.com/office/powerpoint/2010/main" val="3321134065"/>
       </p:ext>
     </p:extLst>
   </p:cSld>

--- a/Thesis-review.pptx
+++ b/Thesis-review.pptx
@@ -136,7 +136,7 @@
   </p:defaultTextStyle>
   <p:extLst>
     <p:ext uri="{EFAFB233-063F-42B5-8137-9DF3F51BA10A}">
-      <p15:sldGuideLst xmlns:p15="http://schemas.microsoft.com/office/powerpoint/2012/main">
+      <p15:sldGuideLst xmlns="" xmlns:p15="http://schemas.microsoft.com/office/powerpoint/2012/main">
         <p15:guide id="1" orient="horz" pos="2160">
           <p15:clr>
             <a:srgbClr val="A4A3A4"/>
@@ -239,7 +239,7 @@
           <a:p>
             <a:fld id="{EEA6C43E-BF2E-4F9E-AD57-441B9F46AF27}" type="datetimeFigureOut">
               <a:rPr lang="en-US" smtClean="0"/>
-              <a:t>4/18/2018</a:t>
+              <a:t>4/20/2018</a:t>
             </a:fld>
             <a:endParaRPr lang="en-US"/>
           </a:p>
@@ -671,7 +671,29 @@
                 <a:latin typeface="Times New Roman" pitchFamily="18" charset="0"/>
                 <a:cs typeface="Times New Roman" pitchFamily="18" charset="0"/>
               </a:rPr>
-              <a:t>about 15-20 minutes, if you have any questions, you can ask me at the end of my presentation</a:t>
+              <a:t>about </a:t>
+            </a:r>
+            <a:r>
+              <a:rPr lang="en-US" sz="1200" b="0" baseline="0" dirty="0" smtClean="0">
+                <a:solidFill>
+                  <a:srgbClr val="F88630"/>
+                </a:solidFill>
+                <a:effectLst/>
+                <a:latin typeface="Times New Roman" pitchFamily="18" charset="0"/>
+                <a:cs typeface="Times New Roman" pitchFamily="18" charset="0"/>
+              </a:rPr>
+              <a:t>20-25 </a:t>
+            </a:r>
+            <a:r>
+              <a:rPr lang="en-US" sz="1200" b="0" baseline="0" dirty="0">
+                <a:solidFill>
+                  <a:srgbClr val="F88630"/>
+                </a:solidFill>
+                <a:effectLst/>
+                <a:latin typeface="Times New Roman" pitchFamily="18" charset="0"/>
+                <a:cs typeface="Times New Roman" pitchFamily="18" charset="0"/>
+              </a:rPr>
+              <a:t>minutes, if you have any questions, you can ask me at the end of my presentation</a:t>
             </a:r>
             <a:endParaRPr lang="en-US" b="0" dirty="0"/>
           </a:p>
@@ -953,6 +975,54 @@
               <a:defRPr/>
             </a:pPr>
             <a:r>
+              <a:rPr lang="en-US" sz="1200" b="0" i="0" kern="1200" baseline="0" dirty="0" err="1" smtClean="0">
+                <a:solidFill>
+                  <a:schemeClr val="tx1"/>
+                </a:solidFill>
+                <a:effectLst/>
+                <a:latin typeface="+mn-lt"/>
+                <a:ea typeface="+mn-ea"/>
+                <a:cs typeface="+mn-cs"/>
+              </a:rPr>
+              <a:t>RESTful</a:t>
+            </a:r>
+            <a:r>
+              <a:rPr lang="en-US" sz="1200" b="0" i="0" kern="1200" baseline="0" dirty="0" smtClean="0">
+                <a:solidFill>
+                  <a:schemeClr val="tx1"/>
+                </a:solidFill>
+                <a:effectLst/>
+                <a:latin typeface="+mn-lt"/>
+                <a:ea typeface="+mn-ea"/>
+                <a:cs typeface="+mn-cs"/>
+              </a:rPr>
+              <a:t> </a:t>
+            </a:r>
+            <a:r>
+              <a:rPr lang="en-US" sz="1200" b="0" i="0" kern="1200" baseline="0" dirty="0" err="1" smtClean="0">
+                <a:solidFill>
+                  <a:schemeClr val="tx1"/>
+                </a:solidFill>
+                <a:effectLst/>
+                <a:latin typeface="+mn-lt"/>
+                <a:ea typeface="+mn-ea"/>
+                <a:cs typeface="+mn-cs"/>
+              </a:rPr>
+              <a:t>webservice</a:t>
+            </a:r>
+            <a:r>
+              <a:rPr lang="en-US" sz="1200" b="0" i="0" kern="1200" baseline="0" dirty="0" smtClean="0">
+                <a:solidFill>
+                  <a:schemeClr val="tx1"/>
+                </a:solidFill>
+                <a:effectLst/>
+                <a:latin typeface="+mn-lt"/>
+                <a:ea typeface="+mn-ea"/>
+                <a:cs typeface="+mn-cs"/>
+              </a:rPr>
+              <a:t> provides REST </a:t>
+            </a:r>
+            <a:r>
               <a:rPr lang="en-US" sz="1200" b="0" i="0" kern="1200" baseline="0" dirty="0">
                 <a:solidFill>
                   <a:schemeClr val="tx1"/>
@@ -962,7 +1032,43 @@
                 <a:ea typeface="+mn-ea"/>
                 <a:cs typeface="+mn-cs"/>
               </a:rPr>
-              <a:t>By using REST HTTP methods such as GET, PUT, POST, DELETE and so on.</a:t>
+              <a:t>HTTP methods such as GET, PUT, POST, </a:t>
+            </a:r>
+            <a:r>
+              <a:rPr lang="en-US" sz="1200" b="0" i="0" kern="1200" baseline="0" dirty="0" smtClean="0">
+                <a:solidFill>
+                  <a:schemeClr val="tx1"/>
+                </a:solidFill>
+                <a:effectLst/>
+                <a:latin typeface="+mn-lt"/>
+                <a:ea typeface="+mn-ea"/>
+                <a:cs typeface="+mn-cs"/>
+              </a:rPr>
+              <a:t>DELETE for data </a:t>
+            </a:r>
+            <a:r>
+              <a:rPr lang="en-US" sz="1200" b="0" i="0" kern="1200" baseline="0" dirty="0" err="1" smtClean="0">
+                <a:solidFill>
+                  <a:schemeClr val="tx1"/>
+                </a:solidFill>
+                <a:effectLst/>
+                <a:latin typeface="+mn-lt"/>
+                <a:ea typeface="+mn-ea"/>
+                <a:cs typeface="+mn-cs"/>
+              </a:rPr>
+              <a:t>retriveing</a:t>
+            </a:r>
+            <a:r>
+              <a:rPr lang="en-US" sz="1200" b="0" i="0" kern="1200" baseline="0" dirty="0" smtClean="0">
+                <a:solidFill>
+                  <a:schemeClr val="tx1"/>
+                </a:solidFill>
+                <a:effectLst/>
+                <a:latin typeface="+mn-lt"/>
+                <a:ea typeface="+mn-ea"/>
+                <a:cs typeface="+mn-cs"/>
+              </a:rPr>
+              <a:t> and storing and it and these methods are match </a:t>
             </a:r>
           </a:p>
           <a:p>
@@ -984,7 +1090,7 @@
               <a:defRPr/>
             </a:pPr>
             <a:r>
-              <a:rPr lang="en-US" sz="1200" b="0" i="0" kern="1200" baseline="0" dirty="0">
+              <a:rPr lang="en-US" sz="1200" b="0" i="0" kern="1200" baseline="0" dirty="0" smtClean="0">
                 <a:solidFill>
                   <a:schemeClr val="tx1"/>
                 </a:solidFill>
@@ -993,39 +1099,17 @@
                 <a:ea typeface="+mn-ea"/>
                 <a:cs typeface="+mn-cs"/>
               </a:rPr>
-              <a:t>Methods get use to retrieve data from the API resources</a:t>
-            </a:r>
-          </a:p>
-          <a:p>
-            <a:pPr marL="0" marR="0" indent="0" algn="l" defTabSz="914400" rtl="0" eaLnBrk="1" fontAlgn="auto" latinLnBrk="0" hangingPunct="1">
-              <a:lnSpc>
-                <a:spcPct val="100000"/>
-              </a:lnSpc>
-              <a:spcBef>
-                <a:spcPts val="0"/>
-              </a:spcBef>
-              <a:spcAft>
-                <a:spcPts val="0"/>
-              </a:spcAft>
-              <a:buClrTx/>
-              <a:buSzTx/>
-              <a:buFontTx/>
-              <a:buNone/>
-              <a:tabLst/>
-              <a:defRPr/>
-            </a:pPr>
-            <a:r>
-              <a:rPr lang="en-US" sz="1200" b="0" i="0" kern="1200" baseline="0" dirty="0">
-                <a:solidFill>
-                  <a:schemeClr val="tx1"/>
-                </a:solidFill>
-                <a:effectLst/>
-                <a:latin typeface="+mn-lt"/>
-                <a:ea typeface="+mn-ea"/>
-                <a:cs typeface="+mn-cs"/>
-              </a:rPr>
-              <a:t>POST, PUT, DELETE is used by client side to send add, update or delete request to server and execute</a:t>
-            </a:r>
+              <a:t>With the HTTP method on client side via AJAX</a:t>
+            </a:r>
+            <a:endParaRPr lang="en-US" sz="1200" b="0" i="0" kern="1200" baseline="0" dirty="0">
+              <a:solidFill>
+                <a:schemeClr val="tx1"/>
+              </a:solidFill>
+              <a:effectLst/>
+              <a:latin typeface="+mn-lt"/>
+              <a:ea typeface="+mn-ea"/>
+              <a:cs typeface="+mn-cs"/>
+            </a:endParaRPr>
           </a:p>
           <a:p>
             <a:pPr marL="0" marR="0" indent="0" algn="l" defTabSz="914400" rtl="0" eaLnBrk="1" fontAlgn="auto" latinLnBrk="0" hangingPunct="1">
@@ -1967,6 +2051,44 @@
             <a:pPr marL="0" indent="0">
               <a:buNone/>
             </a:pPr>
+            <a:endParaRPr lang="en-US" dirty="0" smtClean="0"/>
+          </a:p>
+          <a:p>
+            <a:pPr marL="0" marR="0" indent="0" algn="l" defTabSz="914400" rtl="0" eaLnBrk="1" fontAlgn="auto" latinLnBrk="0" hangingPunct="1">
+              <a:lnSpc>
+                <a:spcPct val="100000"/>
+              </a:lnSpc>
+              <a:spcBef>
+                <a:spcPts val="0"/>
+              </a:spcBef>
+              <a:spcAft>
+                <a:spcPts val="0"/>
+              </a:spcAft>
+              <a:buClrTx/>
+              <a:buSzTx/>
+              <a:buFontTx/>
+              <a:buNone/>
+              <a:tabLst/>
+              <a:defRPr/>
+            </a:pPr>
+            <a:r>
+              <a:rPr lang="en-US" dirty="0" smtClean="0"/>
+              <a:t>My system support </a:t>
+            </a:r>
+            <a:r>
+              <a:rPr lang="en-US" sz="1200" dirty="0" smtClean="0"/>
+              <a:t>Hotel business with all</a:t>
+            </a:r>
+            <a:r>
+              <a:rPr lang="en-US" sz="1200" baseline="0" dirty="0" smtClean="0"/>
+              <a:t> the features related to booking and management</a:t>
+            </a:r>
+            <a:endParaRPr lang="en-US" sz="1200" dirty="0" smtClean="0"/>
+          </a:p>
+          <a:p>
+            <a:pPr marL="0" indent="0">
+              <a:buNone/>
+            </a:pPr>
             <a:endParaRPr lang="en-US" dirty="0"/>
           </a:p>
           <a:p>
@@ -2178,7 +2300,15 @@
             </a:r>
             <a:r>
               <a:rPr lang="en-US" baseline="0" dirty="0"/>
-              <a:t> use case diagram clarify the features for each role. </a:t>
+              <a:t> use case diagram </a:t>
+            </a:r>
+            <a:r>
+              <a:rPr lang="en-US" baseline="0" dirty="0" smtClean="0"/>
+              <a:t>clarify the </a:t>
+            </a:r>
+            <a:r>
+              <a:rPr lang="en-US" baseline="0" dirty="0"/>
+              <a:t>features for each role. </a:t>
             </a:r>
           </a:p>
           <a:p>
@@ -2187,8 +2317,13 @@
           <a:p>
             <a:r>
               <a:rPr lang="en-US" baseline="0" dirty="0"/>
-              <a:t>The guest can access some page such as hotel introduction, contact, gallery, restaurant and view room only and register to be a customer. </a:t>
-            </a:r>
+              <a:t>The guest </a:t>
+            </a:r>
+            <a:r>
+              <a:rPr lang="en-US" baseline="0" dirty="0" smtClean="0"/>
+              <a:t>without the account can only view the website as guest, send a contact to admin or create a new account</a:t>
+            </a:r>
+            <a:endParaRPr lang="en-US" baseline="0" dirty="0"/>
           </a:p>
           <a:p>
             <a:endParaRPr lang="en-US" baseline="0" dirty="0"/>
@@ -2205,7 +2340,15 @@
           <a:p>
             <a:r>
               <a:rPr lang="en-US" baseline="0" dirty="0"/>
-              <a:t>The admin can manage hotel items, manage user, view statistics tracking data and chart.</a:t>
+              <a:t>The admin can manage hotel items, manage </a:t>
+            </a:r>
+            <a:r>
+              <a:rPr lang="en-US" baseline="0" dirty="0" smtClean="0"/>
+              <a:t>users, </a:t>
+            </a:r>
+            <a:r>
+              <a:rPr lang="en-US" baseline="0" dirty="0"/>
+              <a:t>view statistics tracking data and chart.</a:t>
             </a:r>
             <a:endParaRPr lang="en-US" dirty="0"/>
           </a:p>
@@ -2456,11 +2599,7 @@
             </a:r>
             <a:r>
               <a:rPr lang="en-US" baseline="0" dirty="0"/>
-              <a:t>, Express, Spring </a:t>
-            </a:r>
-            <a:r>
-              <a:rPr lang="en-US" baseline="0"/>
-              <a:t>MVC Hibernate</a:t>
+              <a:t>, Express, Spring MVC Hibernate</a:t>
             </a:r>
           </a:p>
           <a:p>
@@ -2474,105 +2613,54 @@
           </a:p>
           <a:p>
             <a:r>
-              <a:rPr lang="en-US" baseline="0" dirty="0"/>
-              <a:t>For the server side, I apply 3 layer architecture for Spring app with Controller, Service and Data Access Object</a:t>
-            </a:r>
-          </a:p>
-          <a:p>
-            <a:r>
-              <a:rPr lang="en-US" baseline="0" dirty="0"/>
-              <a:t>For the Node.js app, I use Express Route Controller Model</a:t>
-            </a:r>
-          </a:p>
-          <a:p>
-            <a:r>
-              <a:rPr lang="en-US" baseline="0" dirty="0"/>
-              <a:t>The Spring Server connect with SQL bi Hibernate and Node.js server connect with </a:t>
-            </a:r>
-            <a:r>
-              <a:rPr lang="en-US" baseline="0" dirty="0" err="1"/>
-              <a:t>Mongodb</a:t>
-            </a:r>
-            <a:r>
-              <a:rPr lang="en-US" baseline="0" dirty="0"/>
-              <a:t> to provide data for client side as JSON by </a:t>
-            </a:r>
-            <a:r>
-              <a:rPr lang="en-US" baseline="0" dirty="0" err="1"/>
-              <a:t>RESTful</a:t>
-            </a:r>
-            <a:r>
-              <a:rPr lang="en-US" baseline="0" dirty="0"/>
-              <a:t> </a:t>
-            </a:r>
-            <a:r>
-              <a:rPr lang="en-US" baseline="0" dirty="0" err="1"/>
-              <a:t>webservice</a:t>
-            </a:r>
-            <a:endParaRPr lang="en-US" baseline="0" dirty="0"/>
-          </a:p>
-          <a:p>
-            <a:r>
-              <a:rPr lang="en-US" baseline="0" dirty="0"/>
-              <a:t>On client side, </a:t>
-            </a:r>
-            <a:r>
-              <a:rPr lang="en-US" baseline="0" dirty="0" err="1"/>
-              <a:t>AngularJS</a:t>
-            </a:r>
-            <a:r>
-              <a:rPr lang="en-US" baseline="0" dirty="0"/>
-              <a:t> and Angular 2 get data from server to component or controller for data binding with Angular template. There are also some supported </a:t>
-            </a:r>
-            <a:r>
-              <a:rPr lang="en-US" sz="1200" b="0" i="0" kern="1200" baseline="0" dirty="0">
-                <a:solidFill>
-                  <a:schemeClr val="tx1"/>
-                </a:solidFill>
-                <a:effectLst/>
-                <a:latin typeface="+mn-lt"/>
-                <a:ea typeface="+mn-ea"/>
-                <a:cs typeface="+mn-cs"/>
-              </a:rPr>
-              <a:t>building block such as Angular 2 service, model, directive, pipe router, </a:t>
-            </a:r>
-            <a:r>
-              <a:rPr lang="en-US" sz="1200" b="0" i="0" kern="1200" baseline="0" dirty="0" err="1">
-                <a:solidFill>
-                  <a:schemeClr val="tx1"/>
-                </a:solidFill>
-                <a:effectLst/>
-                <a:latin typeface="+mn-lt"/>
-                <a:ea typeface="+mn-ea"/>
-                <a:cs typeface="+mn-cs"/>
-              </a:rPr>
-              <a:t>AngularJS</a:t>
-            </a:r>
-            <a:r>
-              <a:rPr lang="en-US" sz="1200" b="0" i="0" kern="1200" baseline="0" dirty="0">
-                <a:solidFill>
-                  <a:schemeClr val="tx1"/>
-                </a:solidFill>
-                <a:effectLst/>
-                <a:latin typeface="+mn-lt"/>
-                <a:ea typeface="+mn-ea"/>
-                <a:cs typeface="+mn-cs"/>
-              </a:rPr>
-              <a:t> Filter, Spring Front controller, EJS, JSP, </a:t>
-            </a:r>
-            <a:r>
-              <a:rPr lang="en-US" sz="1200" b="0" i="0" kern="1200" baseline="0" dirty="0" err="1">
-                <a:solidFill>
-                  <a:schemeClr val="tx1"/>
-                </a:solidFill>
-                <a:effectLst/>
-                <a:latin typeface="+mn-lt"/>
-                <a:ea typeface="+mn-ea"/>
-                <a:cs typeface="+mn-cs"/>
-              </a:rPr>
-              <a:t>Const</a:t>
-            </a:r>
-            <a:endParaRPr lang="en-US" baseline="0" dirty="0"/>
+              <a:rPr lang="en-US" baseline="0" dirty="0" smtClean="0"/>
+              <a:t>There is 4 services available in my system with all the technologies I mentioned above</a:t>
+            </a:r>
+          </a:p>
+          <a:p>
+            <a:endParaRPr lang="en-US" baseline="0" dirty="0" smtClean="0"/>
+          </a:p>
+          <a:p>
+            <a:r>
+              <a:rPr lang="en-US" baseline="0" dirty="0" smtClean="0"/>
+              <a:t>You can see that the </a:t>
+            </a:r>
+            <a:r>
+              <a:rPr lang="en-US" baseline="0" dirty="0" err="1" smtClean="0"/>
+              <a:t>Nodejs</a:t>
+            </a:r>
+            <a:r>
+              <a:rPr lang="en-US" baseline="0" dirty="0" smtClean="0"/>
+              <a:t> and Express connect </a:t>
+            </a:r>
+            <a:r>
+              <a:rPr lang="en-US" baseline="0" dirty="0" err="1" smtClean="0"/>
+              <a:t>mongodb</a:t>
+            </a:r>
+            <a:r>
+              <a:rPr lang="en-US" baseline="0" dirty="0" smtClean="0"/>
+              <a:t> and provides API for 3 other services</a:t>
+            </a:r>
+          </a:p>
+          <a:p>
+            <a:r>
+              <a:rPr lang="en-US" baseline="0" dirty="0" smtClean="0"/>
+              <a:t>The Spring MVC Hibernate apply 3 layer architecture connect to SQL map with Hibernate also the provides API for 3 other service</a:t>
+            </a:r>
+          </a:p>
+          <a:p>
+            <a:r>
+              <a:rPr lang="en-US" baseline="0" dirty="0" smtClean="0"/>
+              <a:t>And On the client side Angular have responsibility to </a:t>
+            </a:r>
+            <a:r>
+              <a:rPr lang="en-US" baseline="0" dirty="0" err="1" smtClean="0"/>
+              <a:t>retrive</a:t>
+            </a:r>
+            <a:r>
+              <a:rPr lang="en-US" baseline="0" dirty="0" smtClean="0"/>
+              <a:t> data from server and display or send request to server via AJAX by HTTP method</a:t>
+            </a:r>
           </a:p>
         </p:txBody>
       </p:sp>
@@ -3582,7 +3670,23 @@
             </a:r>
             <a:r>
               <a:rPr lang="en-US" baseline="0" dirty="0"/>
-              <a:t> As you can see, all the main building block are stick together to make an Monolithic block</a:t>
+              <a:t> As you can see, all the </a:t>
+            </a:r>
+            <a:r>
+              <a:rPr lang="en-US" baseline="0" dirty="0" smtClean="0"/>
+              <a:t>components are </a:t>
+            </a:r>
+            <a:r>
+              <a:rPr lang="en-US" baseline="0" dirty="0"/>
+              <a:t>stick together </a:t>
+            </a:r>
+            <a:r>
+              <a:rPr lang="en-US" baseline="0" dirty="0" smtClean="0"/>
+              <a:t>in only one Monolithic </a:t>
+            </a:r>
+            <a:r>
+              <a:rPr lang="en-US" baseline="0" dirty="0"/>
+              <a:t>block</a:t>
             </a:r>
           </a:p>
           <a:p>
@@ -3605,7 +3709,15 @@
             </a:pPr>
             <a:r>
               <a:rPr lang="en-US" baseline="0" dirty="0"/>
-              <a:t>That will help you build an application easily.</a:t>
+              <a:t>That will help you build an </a:t>
+            </a:r>
+            <a:r>
+              <a:rPr lang="en-US" baseline="0" dirty="0" smtClean="0"/>
+              <a:t>web application, a small project </a:t>
+            </a:r>
+            <a:r>
+              <a:rPr lang="en-US" baseline="0" dirty="0"/>
+              <a:t>easily.</a:t>
             </a:r>
           </a:p>
           <a:p>
@@ -3648,7 +3760,31 @@
             </a:pPr>
             <a:r>
               <a:rPr lang="en-US" baseline="0" dirty="0"/>
-              <a:t>However, when the users of your system increase, the data increase as well, developers add new features or complex business logic. It leads to the fact that Only a few years or even a few month later,  your system become giant monster and every effort to optimize or agile working methods is no long effective</a:t>
+              <a:t>However, </a:t>
+            </a:r>
+            <a:r>
+              <a:rPr lang="en-US" baseline="0" dirty="0" smtClean="0"/>
+              <a:t>with a big project, when </a:t>
+            </a:r>
+            <a:r>
+              <a:rPr lang="en-US" baseline="0" dirty="0"/>
+              <a:t>the users of your system increase, the data increase as well, developers add new features or complex </a:t>
+            </a:r>
+            <a:r>
+              <a:rPr lang="en-US" baseline="0" dirty="0" smtClean="0"/>
+              <a:t>functions to your system. </a:t>
+            </a:r>
+            <a:r>
+              <a:rPr lang="en-US" baseline="0" dirty="0"/>
+              <a:t>It leads to the fact that Only a few years or even a few month later,  your system become </a:t>
+            </a:r>
+            <a:r>
+              <a:rPr lang="en-US" baseline="0" dirty="0" smtClean="0"/>
+              <a:t>big monster </a:t>
+            </a:r>
+            <a:r>
+              <a:rPr lang="en-US" baseline="0" dirty="0"/>
+              <a:t>and every effort to optimize or agile working methods is no long effective</a:t>
             </a:r>
           </a:p>
           <a:p>
@@ -3777,7 +3913,11 @@
             </a:pPr>
             <a:r>
               <a:rPr lang="en-US" baseline="0" dirty="0"/>
-              <a:t>And for example, if you have a good library or service, may be you cannot apply it to your system due to the difference of programming language, framework or database.</a:t>
+              <a:t>And for example, </a:t>
+            </a:r>
+            <a:r>
+              <a:rPr lang="en-US" baseline="0" dirty="0" smtClean="0"/>
+              <a:t>in the feature there is a new programming language call ABC so how you can write ABC in your system </a:t>
             </a:r>
             <a:endParaRPr lang="en-US" dirty="0"/>
           </a:p>
@@ -3884,20 +4024,20 @@
               <a:defRPr/>
             </a:pPr>
             <a:r>
-              <a:rPr lang="en-US" dirty="0"/>
-              <a:t>This is the</a:t>
-            </a:r>
-            <a:r>
-              <a:rPr lang="en-US" baseline="0" dirty="0"/>
-              <a:t> </a:t>
-            </a:r>
-            <a:r>
-              <a:rPr lang="en-US" dirty="0"/>
-              <a:t>architecture of </a:t>
-            </a:r>
-            <a:r>
-              <a:rPr lang="en-US" dirty="0" err="1"/>
-              <a:t>mircoservices</a:t>
+              <a:rPr lang="en-US" dirty="0" smtClean="0"/>
+              <a:t>Thus, </a:t>
+            </a:r>
+            <a:r>
+              <a:rPr lang="en-US" dirty="0" err="1" smtClean="0"/>
+              <a:t>Mircoservices</a:t>
+            </a:r>
+            <a:r>
+              <a:rPr lang="en-US" dirty="0" smtClean="0"/>
+              <a:t> is released to improved</a:t>
+            </a:r>
+            <a:r>
+              <a:rPr lang="en-US" baseline="0" dirty="0" smtClean="0"/>
+              <a:t> the limited of Monolithic architecture</a:t>
             </a:r>
             <a:endParaRPr lang="en-US" dirty="0"/>
           </a:p>
@@ -3957,9 +4097,66 @@
             </a:r>
             <a:r>
               <a:rPr lang="en-US" baseline="0" dirty="0"/>
-              <a:t> monolithic block is separated into a lot of smaller services</a:t>
-            </a:r>
-            <a:endParaRPr lang="en-US" dirty="0"/>
+              <a:t> monolithic block is separated into a lot of smaller </a:t>
+            </a:r>
+            <a:r>
+              <a:rPr lang="en-US" baseline="0" dirty="0" smtClean="0"/>
+              <a:t>services</a:t>
+            </a:r>
+          </a:p>
+          <a:p>
+            <a:pPr marL="0" marR="0" indent="0" algn="l" defTabSz="914400" rtl="0" eaLnBrk="1" fontAlgn="auto" latinLnBrk="0" hangingPunct="1">
+              <a:lnSpc>
+                <a:spcPct val="100000"/>
+              </a:lnSpc>
+              <a:spcBef>
+                <a:spcPts val="0"/>
+              </a:spcBef>
+              <a:spcAft>
+                <a:spcPts val="0"/>
+              </a:spcAft>
+              <a:buClrTx/>
+              <a:buSzTx/>
+              <a:buFontTx/>
+              <a:buNone/>
+              <a:tabLst/>
+              <a:defRPr/>
+            </a:pPr>
+            <a:r>
+              <a:rPr lang="en-US" baseline="0" dirty="0" smtClean="0"/>
+              <a:t>So it is very easy to maintain and manage a big project. Cause in fact, each developer team only focus on 1-2 services at the same time and </a:t>
+            </a:r>
+          </a:p>
+          <a:p>
+            <a:pPr marL="0" marR="0" indent="0" algn="l" defTabSz="914400" rtl="0" eaLnBrk="1" fontAlgn="auto" latinLnBrk="0" hangingPunct="1">
+              <a:lnSpc>
+                <a:spcPct val="100000"/>
+              </a:lnSpc>
+              <a:spcBef>
+                <a:spcPts val="0"/>
+              </a:spcBef>
+              <a:spcAft>
+                <a:spcPts val="0"/>
+              </a:spcAft>
+              <a:buClrTx/>
+              <a:buSzTx/>
+              <a:buFontTx/>
+              <a:buNone/>
+              <a:tabLst/>
+              <a:defRPr/>
+            </a:pPr>
+            <a:r>
+              <a:rPr lang="en-US" baseline="0" dirty="0" smtClean="0"/>
+              <a:t>Each service </a:t>
+            </a:r>
+            <a:r>
+              <a:rPr lang="en-US" dirty="0" smtClean="0"/>
+              <a:t>execute </a:t>
+            </a:r>
+            <a:r>
+              <a:rPr lang="en-US" dirty="0"/>
+              <a:t>its own business logic. </a:t>
+            </a:r>
           </a:p>
           <a:p>
             <a:pPr marL="0" marR="0" indent="0" algn="l" defTabSz="914400" rtl="0" eaLnBrk="1" fontAlgn="auto" latinLnBrk="0" hangingPunct="1">
@@ -4000,8 +4197,32 @@
               <a:defRPr/>
             </a:pPr>
             <a:r>
+              <a:rPr lang="en-US" dirty="0" smtClean="0"/>
+              <a:t>The</a:t>
+            </a:r>
+            <a:r>
+              <a:rPr lang="en-US" baseline="0" dirty="0" smtClean="0"/>
+              <a:t> </a:t>
+            </a:r>
+            <a:r>
+              <a:rPr lang="en-US" dirty="0" smtClean="0"/>
+              <a:t>services can have different</a:t>
+            </a:r>
+            <a:r>
+              <a:rPr lang="en-US" baseline="0" dirty="0" smtClean="0"/>
+              <a:t> </a:t>
+            </a:r>
+            <a:r>
+              <a:rPr lang="en-US" dirty="0" smtClean="0"/>
+              <a:t>architecture </a:t>
+            </a:r>
+            <a:r>
               <a:rPr lang="en-US" dirty="0"/>
-              <a:t>a service provides API or uses API from other services to execute its own business logic. </a:t>
+              <a:t>which can be implemented in different programming language or use different database </a:t>
+            </a:r>
+            <a:r>
+              <a:rPr lang="en-US" dirty="0" smtClean="0"/>
+              <a:t>system</a:t>
             </a:r>
           </a:p>
           <a:p>
@@ -4022,97 +4243,15 @@
               <a:tabLst/>
               <a:defRPr/>
             </a:pPr>
+            <a:r>
+              <a:rPr lang="en-US" dirty="0" smtClean="0"/>
+              <a:t>And they can communicate easily through API to provides data and function. So in the feature if you have another</a:t>
+            </a:r>
+            <a:r>
+              <a:rPr lang="en-US" baseline="0" dirty="0" smtClean="0"/>
+              <a:t> services which is write in ABC programming language, XYZ framework or new database system, it can also interact with your system by this way.</a:t>
+            </a:r>
             <a:endParaRPr lang="en-US" dirty="0"/>
-          </a:p>
-          <a:p>
-            <a:pPr marL="0" marR="0" indent="0" algn="l" defTabSz="914400" rtl="0" eaLnBrk="1" fontAlgn="auto" latinLnBrk="0" hangingPunct="1">
-              <a:lnSpc>
-                <a:spcPct val="100000"/>
-              </a:lnSpc>
-              <a:spcBef>
-                <a:spcPts val="0"/>
-              </a:spcBef>
-              <a:spcAft>
-                <a:spcPts val="0"/>
-              </a:spcAft>
-              <a:buClrTx/>
-              <a:buSzTx/>
-              <a:buFontTx/>
-              <a:buNone/>
-              <a:tabLst/>
-              <a:defRPr/>
-            </a:pPr>
-            <a:r>
-              <a:rPr lang="en-US" dirty="0"/>
-              <a:t>The architecture of </a:t>
-            </a:r>
-            <a:r>
-              <a:rPr lang="en-US" dirty="0" err="1"/>
-              <a:t>Microservices</a:t>
-            </a:r>
-            <a:r>
-              <a:rPr lang="en-US" dirty="0"/>
-              <a:t> is the interaction of many independent services. Each service has the own architecture which can be implemented in different programming language or use different database system</a:t>
-            </a:r>
-          </a:p>
-          <a:p>
-            <a:pPr marL="0" marR="0" indent="0" algn="l" defTabSz="914400" rtl="0" eaLnBrk="1" fontAlgn="auto" latinLnBrk="0" hangingPunct="1">
-              <a:lnSpc>
-                <a:spcPct val="100000"/>
-              </a:lnSpc>
-              <a:spcBef>
-                <a:spcPts val="0"/>
-              </a:spcBef>
-              <a:spcAft>
-                <a:spcPts val="0"/>
-              </a:spcAft>
-              <a:buClrTx/>
-              <a:buSzTx/>
-              <a:buFontTx/>
-              <a:buNone/>
-              <a:tabLst/>
-              <a:defRPr/>
-            </a:pPr>
-            <a:endParaRPr lang="en-US" dirty="0"/>
-          </a:p>
-          <a:p>
-            <a:pPr marL="0" marR="0" indent="0" algn="l" defTabSz="914400" rtl="0" eaLnBrk="1" fontAlgn="auto" latinLnBrk="0" hangingPunct="1">
-              <a:lnSpc>
-                <a:spcPct val="100000"/>
-              </a:lnSpc>
-              <a:spcBef>
-                <a:spcPts val="0"/>
-              </a:spcBef>
-              <a:spcAft>
-                <a:spcPts val="0"/>
-              </a:spcAft>
-              <a:buClrTx/>
-              <a:buSzTx/>
-              <a:buFontTx/>
-              <a:buNone/>
-              <a:tabLst/>
-              <a:defRPr/>
-            </a:pPr>
-            <a:r>
-              <a:rPr lang="en-US" dirty="0"/>
-              <a:t>A service can also be a client or server</a:t>
-            </a:r>
-            <a:r>
-              <a:rPr lang="en-US" baseline="0" dirty="0"/>
-              <a:t> including web </a:t>
-            </a:r>
-            <a:r>
-              <a:rPr lang="en-US" dirty="0"/>
-              <a:t>browsers ,</a:t>
-            </a:r>
-            <a:r>
-              <a:rPr lang="en-US" baseline="0" dirty="0"/>
-              <a:t> web app, </a:t>
-            </a:r>
-            <a:r>
-              <a:rPr lang="en-US" dirty="0"/>
-              <a:t> mobile browsers and native mobile applications</a:t>
-            </a:r>
           </a:p>
           <a:p>
             <a:pPr marL="0" marR="0" indent="0" algn="l" defTabSz="914400" rtl="0" eaLnBrk="1" fontAlgn="auto" latinLnBrk="0" hangingPunct="1">
@@ -4249,12 +4388,31 @@
               <a:defRPr/>
             </a:pPr>
             <a:r>
-              <a:rPr lang="en-US" dirty="0" err="1"/>
+              <a:rPr lang="en-US" dirty="0" smtClean="0"/>
+              <a:t>So in summary</a:t>
+            </a:r>
+          </a:p>
+          <a:p>
+            <a:pPr>
+              <a:defRPr/>
+            </a:pPr>
+            <a:endParaRPr lang="en-US" dirty="0" smtClean="0"/>
+          </a:p>
+          <a:p>
+            <a:pPr>
+              <a:defRPr/>
+            </a:pPr>
+            <a:r>
+              <a:rPr lang="en-US" dirty="0" err="1" smtClean="0"/>
               <a:t>Microservices</a:t>
             </a:r>
             <a:r>
+              <a:rPr lang="en-US" dirty="0" smtClean="0"/>
+              <a:t> </a:t>
+            </a:r>
+            <a:r>
               <a:rPr lang="en-US" dirty="0"/>
-              <a:t> is an architectural style where</a:t>
+              <a:t>is an architectural style where</a:t>
             </a:r>
             <a:r>
               <a:rPr lang="en-US" baseline="0" dirty="0"/>
@@ -4409,8 +4567,29 @@
           <a:lstStyle/>
           <a:p>
             <a:r>
+              <a:rPr lang="en-US" dirty="0" smtClean="0"/>
+              <a:t>Another technology I use</a:t>
+            </a:r>
+            <a:r>
+              <a:rPr lang="en-US" baseline="0" dirty="0" smtClean="0"/>
+              <a:t> to develop my system is </a:t>
+            </a:r>
+            <a:r>
+              <a:rPr lang="en-US" dirty="0" smtClean="0"/>
+              <a:t>Spring MV hibernate</a:t>
+            </a:r>
+          </a:p>
+          <a:p>
+            <a:endParaRPr lang="en-US" dirty="0" smtClean="0"/>
+          </a:p>
+          <a:p>
+            <a:r>
+              <a:rPr lang="en-US" dirty="0" smtClean="0"/>
+              <a:t>Spring MVC </a:t>
+            </a:r>
+            <a:r>
               <a:rPr lang="en-US" dirty="0"/>
-              <a:t>As I know, Spring is a</a:t>
+              <a:t>is a</a:t>
             </a:r>
             <a:r>
               <a:rPr lang="en-US" baseline="0" dirty="0"/>
@@ -4450,35 +4629,13 @@
             </a:r>
           </a:p>
           <a:p>
-            <a:endParaRPr lang="en-US" dirty="0"/>
-          </a:p>
-          <a:p>
-            <a:r>
-              <a:rPr lang="en-US" dirty="0"/>
-              <a:t>I think</a:t>
-            </a:r>
-            <a:r>
-              <a:rPr lang="en-US" baseline="0" dirty="0"/>
-              <a:t> Java seem not very strange for everyone here. According to </a:t>
-            </a:r>
-            <a:r>
-              <a:rPr lang="en-US" baseline="0" dirty="0" err="1"/>
-              <a:t>stackoverflow</a:t>
-            </a:r>
-            <a:r>
-              <a:rPr lang="en-US" baseline="0" dirty="0"/>
-              <a:t> and </a:t>
-            </a:r>
-            <a:r>
-              <a:rPr lang="en-US" baseline="0" dirty="0" err="1"/>
-              <a:t>github</a:t>
-            </a:r>
-            <a:r>
-              <a:rPr lang="en-US" baseline="0" dirty="0"/>
-              <a:t>, Java is one of the most popular programming langue which is powerful in Object Oriented Programming</a:t>
-            </a:r>
-          </a:p>
-          <a:p>
+            <a:endParaRPr lang="en-US" baseline="0" dirty="0" smtClean="0"/>
+          </a:p>
+          <a:p>
+            <a:r>
+              <a:rPr lang="en-US" baseline="0" dirty="0" smtClean="0"/>
+              <a:t>And Hibernate</a:t>
+            </a:r>
             <a:endParaRPr lang="en-US" baseline="0" dirty="0"/>
           </a:p>
           <a:p>
@@ -4501,15 +4658,19 @@
             </a:pPr>
             <a:r>
               <a:rPr lang="en-US" baseline="0" dirty="0"/>
-              <a:t>For the one who have used JBDC with SQL, when you can the database system, your application will occurs error because the query of each SQL DB are different. And in my experience, when I am a student and use JBDC to connect SQL, I have to do a lot of step, I have to prepare a long query  to retrieve or update DB. As I remember each column from DB is loaded by </a:t>
-            </a:r>
-            <a:r>
-              <a:rPr lang="en-US" baseline="0" dirty="0" err="1"/>
-              <a:t>resultset</a:t>
+              <a:t>For the </a:t>
+            </a:r>
+            <a:r>
+              <a:rPr lang="en-US" baseline="0" dirty="0" smtClean="0"/>
+              <a:t>guy who </a:t>
             </a:r>
             <a:r>
               <a:rPr lang="en-US" baseline="0" dirty="0"/>
-              <a:t> dot Get String column. It is not convenient</a:t>
+              <a:t>have used JBDC with SQL, </a:t>
+            </a:r>
+            <a:r>
+              <a:rPr lang="en-US" baseline="0" dirty="0" smtClean="0"/>
+              <a:t>you have to get set all the variables , the attributes from your object or model to the database system</a:t>
             </a:r>
           </a:p>
           <a:p>
@@ -4530,7 +4691,10 @@
               <a:tabLst/>
               <a:defRPr/>
             </a:pPr>
-            <a:endParaRPr lang="en-US" baseline="0" dirty="0"/>
+            <a:r>
+              <a:rPr lang="en-US" baseline="0" dirty="0" smtClean="0"/>
+              <a:t>It wasted a lot of time of developer and may cause the lacking of information</a:t>
+            </a:r>
           </a:p>
           <a:p>
             <a:pPr marL="0" marR="0" indent="0" algn="l" defTabSz="914400" rtl="0" eaLnBrk="1" fontAlgn="auto" latinLnBrk="0" hangingPunct="1">
@@ -4550,26 +4714,103 @@
               <a:tabLst/>
               <a:defRPr/>
             </a:pPr>
+            <a:endParaRPr lang="en-US" baseline="0" dirty="0" smtClean="0"/>
+          </a:p>
+          <a:p>
+            <a:pPr marL="0" marR="0" indent="0" algn="l" defTabSz="914400" rtl="0" eaLnBrk="1" fontAlgn="auto" latinLnBrk="0" hangingPunct="1">
+              <a:lnSpc>
+                <a:spcPct val="100000"/>
+              </a:lnSpc>
+              <a:spcBef>
+                <a:spcPts val="0"/>
+              </a:spcBef>
+              <a:spcAft>
+                <a:spcPts val="0"/>
+              </a:spcAft>
+              <a:buClrTx/>
+              <a:buSzTx/>
+              <a:buFontTx/>
+              <a:buNone/>
+              <a:tabLst/>
+              <a:defRPr/>
+            </a:pPr>
+            <a:r>
+              <a:rPr lang="en-US" baseline="0" dirty="0" smtClean="0"/>
+              <a:t>So Hibernate is an object relation mapping framework support </a:t>
+            </a:r>
+            <a:r>
+              <a:rPr lang="en-US" dirty="0" smtClean="0"/>
+              <a:t>mapping </a:t>
+            </a:r>
             <a:r>
               <a:rPr lang="en-US" dirty="0"/>
-              <a:t>Hibernate helps</a:t>
-            </a:r>
-            <a:r>
-              <a:rPr lang="en-US" baseline="0" dirty="0"/>
-              <a:t> me do it better. </a:t>
+              <a:t>an object-oriented model to a relational database. </a:t>
+            </a:r>
+            <a:endParaRPr lang="en-US" dirty="0" smtClean="0"/>
+          </a:p>
+          <a:p>
+            <a:pPr marL="0" marR="0" indent="0" algn="l" defTabSz="914400" rtl="0" eaLnBrk="1" fontAlgn="auto" latinLnBrk="0" hangingPunct="1">
+              <a:lnSpc>
+                <a:spcPct val="100000"/>
+              </a:lnSpc>
+              <a:spcBef>
+                <a:spcPts val="0"/>
+              </a:spcBef>
+              <a:spcAft>
+                <a:spcPts val="0"/>
+              </a:spcAft>
+              <a:buClrTx/>
+              <a:buSzTx/>
+              <a:buFontTx/>
+              <a:buNone/>
+              <a:tabLst/>
+              <a:defRPr/>
+            </a:pPr>
+            <a:endParaRPr lang="en-US" dirty="0" smtClean="0"/>
+          </a:p>
+          <a:p>
+            <a:pPr marL="0" marR="0" indent="0" algn="l" defTabSz="914400" rtl="0" eaLnBrk="1" fontAlgn="auto" latinLnBrk="0" hangingPunct="1">
+              <a:lnSpc>
+                <a:spcPct val="100000"/>
+              </a:lnSpc>
+              <a:spcBef>
+                <a:spcPts val="0"/>
+              </a:spcBef>
+              <a:spcAft>
+                <a:spcPts val="0"/>
+              </a:spcAft>
+              <a:buClrTx/>
+              <a:buSzTx/>
+              <a:buFontTx/>
+              <a:buNone/>
+              <a:tabLst/>
+              <a:defRPr/>
+            </a:pPr>
+            <a:r>
+              <a:rPr lang="en-US" dirty="0" smtClean="0"/>
+              <a:t>And hibernate also</a:t>
+            </a:r>
+            <a:r>
+              <a:rPr lang="en-US" baseline="0" dirty="0" smtClean="0"/>
+              <a:t> support query language independency that allow you to </a:t>
+            </a:r>
+            <a:r>
+              <a:rPr lang="en-US" dirty="0" smtClean="0"/>
+              <a:t>change </a:t>
             </a:r>
             <a:r>
               <a:rPr lang="en-US" dirty="0"/>
-              <a:t>Hibernate is an object-relational mapping tool for the Java programming language. It provides a framework for mapping an object-oriented model to a relational database. Using hibernate you will have a mapping </a:t>
-            </a:r>
-            <a:r>
-              <a:rPr lang="en-US" baseline="0" dirty="0"/>
-              <a:t>mechanism</a:t>
-            </a:r>
-            <a:r>
-              <a:rPr lang="en-US" dirty="0"/>
-              <a:t> with the ability to change database system dynamically</a:t>
-            </a:r>
+              <a:t>database system </a:t>
+            </a:r>
+            <a:r>
+              <a:rPr lang="en-US" dirty="0" smtClean="0"/>
+              <a:t>dynamically no matter you use MYSQL,</a:t>
+            </a:r>
+            <a:r>
+              <a:rPr lang="en-US" baseline="0" dirty="0" smtClean="0"/>
+              <a:t> MSSQL server or Oracle</a:t>
+            </a:r>
+            <a:endParaRPr lang="en-US" dirty="0"/>
           </a:p>
           <a:p>
             <a:endParaRPr lang="en-US" dirty="0"/>
@@ -4867,8 +5108,19 @@
                 <a:latin typeface="Times New Roman" pitchFamily="18" charset="0"/>
                 <a:cs typeface="Times New Roman" pitchFamily="18" charset="0"/>
               </a:rPr>
-              <a:t> withNode.je</a:t>
-            </a:r>
+              <a:t> </a:t>
+            </a:r>
+            <a:r>
+              <a:rPr lang="en-US" sz="1200" dirty="0" smtClean="0">
+                <a:latin typeface="Times New Roman" pitchFamily="18" charset="0"/>
+                <a:cs typeface="Times New Roman" pitchFamily="18" charset="0"/>
+              </a:rPr>
+              <a:t>withNode.js</a:t>
+            </a:r>
+            <a:endParaRPr lang="en-US" sz="1200" dirty="0">
+              <a:latin typeface="Times New Roman" pitchFamily="18" charset="0"/>
+              <a:cs typeface="Times New Roman" pitchFamily="18" charset="0"/>
+            </a:endParaRPr>
           </a:p>
           <a:p>
             <a:pPr marL="0" marR="0" indent="0" algn="l" defTabSz="914400" rtl="0" eaLnBrk="1" fontAlgn="auto" latinLnBrk="0" hangingPunct="1">
@@ -4916,8 +5168,26 @@
                 <a:latin typeface="Times New Roman" pitchFamily="18" charset="0"/>
                 <a:cs typeface="Times New Roman" pitchFamily="18" charset="0"/>
               </a:rPr>
-              <a:t>Angular is open source JavaScript framework, one of the most popular Single Page Application framework support building a complex application on client side</a:t>
-            </a:r>
+              <a:t>Angular is open source JavaScript framework, one of the most popular Single Page Application framework support building a complex application on client </a:t>
+            </a:r>
+            <a:r>
+              <a:rPr lang="en-US" sz="1200" dirty="0" smtClean="0">
+                <a:latin typeface="Times New Roman" pitchFamily="18" charset="0"/>
+                <a:cs typeface="Times New Roman" pitchFamily="18" charset="0"/>
+              </a:rPr>
+              <a:t>side. For SPA I will show</a:t>
+            </a:r>
+            <a:r>
+              <a:rPr lang="en-US" sz="1200" baseline="0" dirty="0" smtClean="0">
+                <a:latin typeface="Times New Roman" pitchFamily="18" charset="0"/>
+                <a:cs typeface="Times New Roman" pitchFamily="18" charset="0"/>
+              </a:rPr>
+              <a:t> you in the next slide</a:t>
+            </a:r>
+            <a:endParaRPr lang="en-US" sz="1200" dirty="0">
+              <a:latin typeface="Times New Roman" pitchFamily="18" charset="0"/>
+              <a:cs typeface="Times New Roman" pitchFamily="18" charset="0"/>
+            </a:endParaRPr>
           </a:p>
           <a:p>
             <a:pPr marL="0" marR="0" indent="0" algn="l" defTabSz="914400" rtl="0" eaLnBrk="1" fontAlgn="auto" latinLnBrk="0" hangingPunct="1">
@@ -5143,6 +5413,239 @@
               <a:defRPr/>
             </a:pPr>
             <a:r>
+              <a:rPr lang="en-US" sz="1200" b="0" i="0" kern="1200" dirty="0" smtClean="0">
+                <a:solidFill>
+                  <a:schemeClr val="tx1"/>
+                </a:solidFill>
+                <a:effectLst/>
+                <a:latin typeface="+mn-lt"/>
+                <a:ea typeface="+mn-ea"/>
+                <a:cs typeface="+mn-cs"/>
+              </a:rPr>
+              <a:t>Here is the traditional website</a:t>
+            </a:r>
+            <a:r>
+              <a:rPr lang="en-US" sz="1200" b="0" i="0" kern="1200" baseline="0" dirty="0" smtClean="0">
+                <a:solidFill>
+                  <a:schemeClr val="tx1"/>
+                </a:solidFill>
+                <a:effectLst/>
+                <a:latin typeface="+mn-lt"/>
+                <a:ea typeface="+mn-ea"/>
+                <a:cs typeface="+mn-cs"/>
+              </a:rPr>
+              <a:t> architecture</a:t>
+            </a:r>
+          </a:p>
+          <a:p>
+            <a:pPr marL="0" marR="0" indent="0" algn="l" defTabSz="914400" rtl="0" eaLnBrk="1" fontAlgn="auto" latinLnBrk="0" hangingPunct="1">
+              <a:lnSpc>
+                <a:spcPct val="100000"/>
+              </a:lnSpc>
+              <a:spcBef>
+                <a:spcPts val="0"/>
+              </a:spcBef>
+              <a:spcAft>
+                <a:spcPts val="0"/>
+              </a:spcAft>
+              <a:buClrTx/>
+              <a:buSzTx/>
+              <a:buFontTx/>
+              <a:buNone/>
+              <a:tabLst/>
+              <a:defRPr/>
+            </a:pPr>
+            <a:r>
+              <a:rPr lang="en-US" sz="1200" b="0" i="0" kern="1200" baseline="0" dirty="0" smtClean="0">
+                <a:solidFill>
+                  <a:schemeClr val="tx1"/>
+                </a:solidFill>
+                <a:effectLst/>
+                <a:latin typeface="+mn-lt"/>
+                <a:ea typeface="+mn-ea"/>
+                <a:cs typeface="+mn-cs"/>
+              </a:rPr>
+              <a:t>When the client initialize loading, the server have to handle the logic code and then render a new HTML page for client.</a:t>
+            </a:r>
+          </a:p>
+          <a:p>
+            <a:pPr marL="0" marR="0" indent="0" algn="l" defTabSz="914400" rtl="0" eaLnBrk="1" fontAlgn="auto" latinLnBrk="0" hangingPunct="1">
+              <a:lnSpc>
+                <a:spcPct val="100000"/>
+              </a:lnSpc>
+              <a:spcBef>
+                <a:spcPts val="0"/>
+              </a:spcBef>
+              <a:spcAft>
+                <a:spcPts val="0"/>
+              </a:spcAft>
+              <a:buClrTx/>
+              <a:buSzTx/>
+              <a:buFontTx/>
+              <a:buNone/>
+              <a:tabLst/>
+              <a:defRPr/>
+            </a:pPr>
+            <a:r>
+              <a:rPr lang="en-US" sz="1200" b="0" i="0" kern="1200" baseline="0" dirty="0" smtClean="0">
+                <a:solidFill>
+                  <a:schemeClr val="tx1"/>
+                </a:solidFill>
+                <a:effectLst/>
+                <a:latin typeface="+mn-lt"/>
+                <a:ea typeface="+mn-ea"/>
+                <a:cs typeface="+mn-cs"/>
+              </a:rPr>
+              <a:t>When the client want to send the form or request update the page, the server continue to handle the logic code and request client to reload the page</a:t>
+            </a:r>
+          </a:p>
+          <a:p>
+            <a:pPr marL="0" marR="0" indent="0" algn="l" defTabSz="914400" rtl="0" eaLnBrk="1" fontAlgn="auto" latinLnBrk="0" hangingPunct="1">
+              <a:lnSpc>
+                <a:spcPct val="100000"/>
+              </a:lnSpc>
+              <a:spcBef>
+                <a:spcPts val="0"/>
+              </a:spcBef>
+              <a:spcAft>
+                <a:spcPts val="0"/>
+              </a:spcAft>
+              <a:buClrTx/>
+              <a:buSzTx/>
+              <a:buFontTx/>
+              <a:buNone/>
+              <a:tabLst/>
+              <a:defRPr/>
+            </a:pPr>
+            <a:r>
+              <a:rPr lang="en-US" sz="1200" b="0" i="0" kern="1200" baseline="0" dirty="0" smtClean="0">
+                <a:solidFill>
+                  <a:schemeClr val="tx1"/>
+                </a:solidFill>
+                <a:effectLst/>
+                <a:latin typeface="+mn-lt"/>
+                <a:ea typeface="+mn-ea"/>
+                <a:cs typeface="+mn-cs"/>
+              </a:rPr>
+              <a:t>Loading or reload page make customer feel </a:t>
+            </a:r>
+            <a:r>
+              <a:rPr lang="en-US" sz="1200" b="0" i="0" kern="1200" baseline="0" dirty="0" err="1" smtClean="0">
+                <a:solidFill>
+                  <a:schemeClr val="tx1"/>
+                </a:solidFill>
+                <a:effectLst/>
+                <a:latin typeface="+mn-lt"/>
+                <a:ea typeface="+mn-ea"/>
+                <a:cs typeface="+mn-cs"/>
+              </a:rPr>
+              <a:t>inconvinient</a:t>
+            </a:r>
+            <a:r>
+              <a:rPr lang="en-US" sz="1200" b="0" i="0" kern="1200" baseline="0" dirty="0" smtClean="0">
+                <a:solidFill>
+                  <a:schemeClr val="tx1"/>
+                </a:solidFill>
+                <a:effectLst/>
+                <a:latin typeface="+mn-lt"/>
+                <a:ea typeface="+mn-ea"/>
+                <a:cs typeface="+mn-cs"/>
+              </a:rPr>
+              <a:t>. For example, if you just want to update a little content of the page or sending a form with just one fields you also have to wait for the whole page loading. It wastes a lot of time and the performance is low as well</a:t>
+            </a:r>
+            <a:endParaRPr lang="en-US" sz="1200" b="0" i="0" kern="1200" dirty="0" smtClean="0">
+              <a:solidFill>
+                <a:schemeClr val="tx1"/>
+              </a:solidFill>
+              <a:effectLst/>
+              <a:latin typeface="+mn-lt"/>
+              <a:ea typeface="+mn-ea"/>
+              <a:cs typeface="+mn-cs"/>
+            </a:endParaRPr>
+          </a:p>
+          <a:p>
+            <a:pPr marL="0" marR="0" indent="0" algn="l" defTabSz="914400" rtl="0" eaLnBrk="1" fontAlgn="auto" latinLnBrk="0" hangingPunct="1">
+              <a:lnSpc>
+                <a:spcPct val="100000"/>
+              </a:lnSpc>
+              <a:spcBef>
+                <a:spcPts val="0"/>
+              </a:spcBef>
+              <a:spcAft>
+                <a:spcPts val="0"/>
+              </a:spcAft>
+              <a:buClrTx/>
+              <a:buSzTx/>
+              <a:buFontTx/>
+              <a:buNone/>
+              <a:tabLst/>
+              <a:defRPr/>
+            </a:pPr>
+            <a:endParaRPr lang="en-US" sz="1200" b="0" i="0" kern="1200" dirty="0" smtClean="0">
+              <a:solidFill>
+                <a:schemeClr val="tx1"/>
+              </a:solidFill>
+              <a:effectLst/>
+              <a:latin typeface="+mn-lt"/>
+              <a:ea typeface="+mn-ea"/>
+              <a:cs typeface="+mn-cs"/>
+            </a:endParaRPr>
+          </a:p>
+          <a:p>
+            <a:pPr marL="0" marR="0" indent="0" algn="l" defTabSz="914400" rtl="0" eaLnBrk="1" fontAlgn="auto" latinLnBrk="0" hangingPunct="1">
+              <a:lnSpc>
+                <a:spcPct val="100000"/>
+              </a:lnSpc>
+              <a:spcBef>
+                <a:spcPts val="0"/>
+              </a:spcBef>
+              <a:spcAft>
+                <a:spcPts val="0"/>
+              </a:spcAft>
+              <a:buClrTx/>
+              <a:buSzTx/>
+              <a:buFontTx/>
+              <a:buNone/>
+              <a:tabLst/>
+              <a:defRPr/>
+            </a:pPr>
+            <a:r>
+              <a:rPr lang="en-US" sz="1200" b="0" i="0" kern="1200" dirty="0" smtClean="0">
+                <a:solidFill>
+                  <a:schemeClr val="tx1"/>
+                </a:solidFill>
+                <a:effectLst/>
+                <a:latin typeface="+mn-lt"/>
+                <a:ea typeface="+mn-ea"/>
+                <a:cs typeface="+mn-cs"/>
+              </a:rPr>
+              <a:t>With Single</a:t>
+            </a:r>
+            <a:r>
+              <a:rPr lang="en-US" sz="1200" b="0" i="0" kern="1200" baseline="0" dirty="0" smtClean="0">
+                <a:solidFill>
+                  <a:schemeClr val="tx1"/>
+                </a:solidFill>
+                <a:effectLst/>
+                <a:latin typeface="+mn-lt"/>
+                <a:ea typeface="+mn-ea"/>
+                <a:cs typeface="+mn-cs"/>
+              </a:rPr>
+              <a:t> page application, </a:t>
+            </a:r>
+            <a:r>
+              <a:rPr lang="en-US" sz="1200" b="0" i="0" kern="1200" dirty="0" smtClean="0">
+                <a:solidFill>
+                  <a:schemeClr val="tx1"/>
+                </a:solidFill>
+                <a:effectLst/>
+                <a:latin typeface="+mn-lt"/>
+                <a:ea typeface="+mn-ea"/>
+                <a:cs typeface="+mn-cs"/>
+              </a:rPr>
+              <a:t>after </a:t>
+            </a:r>
+            <a:r>
               <a:rPr lang="en-US" sz="1200" b="0" i="0" kern="1200" dirty="0">
                 <a:solidFill>
                   <a:schemeClr val="tx1"/>
@@ -5152,29 +5655,8 @@
                 <a:ea typeface="+mn-ea"/>
                 <a:cs typeface="+mn-cs"/>
               </a:rPr>
-              <a:t>Single</a:t>
-            </a:r>
-            <a:r>
-              <a:rPr lang="en-US" sz="1200" b="0" i="0" kern="1200" baseline="0" dirty="0">
-                <a:solidFill>
-                  <a:schemeClr val="tx1"/>
-                </a:solidFill>
-                <a:effectLst/>
-                <a:latin typeface="+mn-lt"/>
-                <a:ea typeface="+mn-ea"/>
-                <a:cs typeface="+mn-cs"/>
-              </a:rPr>
-              <a:t> page application is the solution that solve the loading page problem</a:t>
-            </a:r>
-            <a:endParaRPr lang="en-US" sz="1200" b="0" i="0" kern="1200" dirty="0">
-              <a:solidFill>
-                <a:schemeClr val="tx1"/>
-              </a:solidFill>
-              <a:effectLst/>
-              <a:latin typeface="+mn-lt"/>
-              <a:ea typeface="+mn-ea"/>
-              <a:cs typeface="+mn-cs"/>
-            </a:endParaRPr>
+              <a:t>the first page loads, all interaction with the server happens through AJAX calls. </a:t>
+            </a:r>
           </a:p>
           <a:p>
             <a:pPr marL="0" marR="0" indent="0" algn="l" defTabSz="914400" rtl="0" eaLnBrk="1" fontAlgn="auto" latinLnBrk="0" hangingPunct="1">
@@ -5205,6 +5687,56 @@
             </a:endParaRPr>
           </a:p>
           <a:p>
+            <a:r>
+              <a:rPr lang="en-US" sz="1200" kern="1200" dirty="0">
+                <a:solidFill>
+                  <a:schemeClr val="tx1"/>
+                </a:solidFill>
+                <a:effectLst/>
+                <a:latin typeface="+mn-lt"/>
+                <a:ea typeface="+mn-ea"/>
+                <a:cs typeface="+mn-cs"/>
+              </a:rPr>
+              <a:t>AJAX is a dream of developer, because  It supports changing the content of a web page without reloading it.</a:t>
+            </a:r>
+            <a:r>
+              <a:rPr lang="en-US" sz="1200" kern="1200" baseline="0" dirty="0">
+                <a:solidFill>
+                  <a:schemeClr val="tx1"/>
+                </a:solidFill>
+                <a:effectLst/>
+                <a:latin typeface="+mn-lt"/>
+                <a:ea typeface="+mn-ea"/>
+                <a:cs typeface="+mn-cs"/>
+              </a:rPr>
+              <a:t> </a:t>
+            </a:r>
+            <a:r>
+              <a:rPr lang="en-US" sz="1200" kern="1200" dirty="0">
+                <a:solidFill>
+                  <a:schemeClr val="tx1"/>
+                </a:solidFill>
+                <a:effectLst/>
+                <a:latin typeface="+mn-lt"/>
+                <a:ea typeface="+mn-ea"/>
+                <a:cs typeface="+mn-cs"/>
+              </a:rPr>
+              <a:t>After the page has loaded, we can still send request or receive data from the server</a:t>
+            </a:r>
+          </a:p>
+          <a:p>
+            <a:pPr lvl="0"/>
+            <a:endParaRPr lang="en-US" sz="1200" b="0" i="0" kern="1200" dirty="0">
+              <a:solidFill>
+                <a:schemeClr val="tx1"/>
+              </a:solidFill>
+              <a:effectLst/>
+              <a:latin typeface="+mn-lt"/>
+              <a:ea typeface="+mn-ea"/>
+              <a:cs typeface="+mn-cs"/>
+            </a:endParaRPr>
+          </a:p>
+          <a:p>
             <a:pPr marL="0" marR="0" indent="0" algn="l" defTabSz="914400" rtl="0" eaLnBrk="1" fontAlgn="auto" latinLnBrk="0" hangingPunct="1">
               <a:lnSpc>
                 <a:spcPct val="100000"/>
@@ -5232,27 +5764,20 @@
                 <a:ea typeface="+mn-ea"/>
                 <a:cs typeface="+mn-cs"/>
               </a:rPr>
-              <a:t>In an SPA, after the first page loads, all interaction with the server happens through AJAX calls. </a:t>
-            </a:r>
-          </a:p>
-          <a:p>
-            <a:pPr marL="0" marR="0" indent="0" algn="l" defTabSz="914400" rtl="0" eaLnBrk="1" fontAlgn="auto" latinLnBrk="0" hangingPunct="1">
-              <a:lnSpc>
-                <a:spcPct val="100000"/>
-              </a:lnSpc>
-              <a:spcBef>
-                <a:spcPts val="0"/>
-              </a:spcBef>
-              <a:spcAft>
-                <a:spcPts val="0"/>
-              </a:spcAft>
-              <a:buClrTx/>
-              <a:buSzTx/>
-              <a:buFontTx/>
-              <a:buNone/>
-              <a:tabLst/>
-              <a:defRPr/>
-            </a:pPr>
+              <a:t>These AJAX calls return data usually in JSON format. The app uses the JSON data to update the page dynamically, </a:t>
+            </a:r>
+            <a:r>
+              <a:rPr lang="en-US" sz="1200" b="0" i="0" kern="1200" dirty="0" smtClean="0">
+                <a:solidFill>
+                  <a:schemeClr val="tx1"/>
+                </a:solidFill>
+                <a:effectLst/>
+                <a:latin typeface="+mn-lt"/>
+                <a:ea typeface="+mn-ea"/>
+                <a:cs typeface="+mn-cs"/>
+              </a:rPr>
+              <a:t>so the performance is higher</a:t>
+            </a:r>
             <a:endParaRPr lang="en-US" sz="1200" b="0" i="0" kern="1200" dirty="0">
               <a:solidFill>
                 <a:schemeClr val="tx1"/>
@@ -5262,87 +5787,6 @@
               <a:ea typeface="+mn-ea"/>
               <a:cs typeface="+mn-cs"/>
             </a:endParaRPr>
-          </a:p>
-          <a:p>
-            <a:r>
-              <a:rPr lang="en-US" sz="1200" kern="1200" dirty="0">
-                <a:solidFill>
-                  <a:schemeClr val="tx1"/>
-                </a:solidFill>
-                <a:effectLst/>
-                <a:latin typeface="+mn-lt"/>
-                <a:ea typeface="+mn-ea"/>
-                <a:cs typeface="+mn-cs"/>
-              </a:rPr>
-              <a:t>AJAX is a dream of developer, because  It supports changing the content of a web page without reloading it.</a:t>
-            </a:r>
-            <a:r>
-              <a:rPr lang="en-US" sz="1200" kern="1200" baseline="0" dirty="0">
-                <a:solidFill>
-                  <a:schemeClr val="tx1"/>
-                </a:solidFill>
-                <a:effectLst/>
-                <a:latin typeface="+mn-lt"/>
-                <a:ea typeface="+mn-ea"/>
-                <a:cs typeface="+mn-cs"/>
-              </a:rPr>
-              <a:t> </a:t>
-            </a:r>
-            <a:r>
-              <a:rPr lang="en-US" sz="1200" kern="1200" dirty="0">
-                <a:solidFill>
-                  <a:schemeClr val="tx1"/>
-                </a:solidFill>
-                <a:effectLst/>
-                <a:latin typeface="+mn-lt"/>
-                <a:ea typeface="+mn-ea"/>
-                <a:cs typeface="+mn-cs"/>
-              </a:rPr>
-              <a:t>After the page has loaded, we can still send request or receive data from the server</a:t>
-            </a:r>
-          </a:p>
-          <a:p>
-            <a:pPr lvl="0"/>
-            <a:endParaRPr lang="en-US" sz="1200" b="0" i="0" kern="1200" dirty="0">
-              <a:solidFill>
-                <a:schemeClr val="tx1"/>
-              </a:solidFill>
-              <a:effectLst/>
-              <a:latin typeface="+mn-lt"/>
-              <a:ea typeface="+mn-ea"/>
-              <a:cs typeface="+mn-cs"/>
-            </a:endParaRPr>
-          </a:p>
-          <a:p>
-            <a:pPr marL="0" marR="0" indent="0" algn="l" defTabSz="914400" rtl="0" eaLnBrk="1" fontAlgn="auto" latinLnBrk="0" hangingPunct="1">
-              <a:lnSpc>
-                <a:spcPct val="100000"/>
-              </a:lnSpc>
-              <a:spcBef>
-                <a:spcPts val="0"/>
-              </a:spcBef>
-              <a:spcAft>
-                <a:spcPts val="0"/>
-              </a:spcAft>
-              <a:buClrTx/>
-              <a:buSzTx/>
-              <a:buFontTx/>
-              <a:buNone/>
-              <a:tabLst/>
-              <a:defRPr/>
-            </a:pPr>
-            <a:r>
-              <a:rPr lang="en-US" sz="1200" b="0" i="0" kern="1200" dirty="0">
-                <a:solidFill>
-                  <a:schemeClr val="tx1"/>
-                </a:solidFill>
-                <a:effectLst/>
-                <a:latin typeface="+mn-lt"/>
-                <a:ea typeface="+mn-ea"/>
-                <a:cs typeface="+mn-cs"/>
-              </a:rPr>
-              <a:t>These AJAX calls return data usually in JSON format. The app uses the JSON data to update the page dynamically, without reloading the page</a:t>
-            </a:r>
           </a:p>
           <a:p>
             <a:pPr marL="0" marR="0" indent="0" algn="l" defTabSz="914400" rtl="0" eaLnBrk="1" fontAlgn="auto" latinLnBrk="0" hangingPunct="1">
@@ -5600,7 +6044,7 @@
             <a:fld id="{1D8BD707-D9CF-40AE-B4C6-C98DA3205C09}" type="datetimeFigureOut">
               <a:rPr lang="en-US" smtClean="0"/>
               <a:pPr/>
-              <a:t>4/18/2018</a:t>
+              <a:t>4/20/2018</a:t>
             </a:fld>
             <a:endParaRPr lang="en-US"/>
           </a:p>
@@ -5900,7 +6344,7 @@
             <a:fld id="{1D8BD707-D9CF-40AE-B4C6-C98DA3205C09}" type="datetimeFigureOut">
               <a:rPr lang="en-US" smtClean="0"/>
               <a:pPr/>
-              <a:t>4/18/2018</a:t>
+              <a:t>4/20/2018</a:t>
             </a:fld>
             <a:endParaRPr lang="en-US"/>
           </a:p>
@@ -6076,7 +6520,7 @@
             <a:fld id="{1D8BD707-D9CF-40AE-B4C6-C98DA3205C09}" type="datetimeFigureOut">
               <a:rPr lang="en-US" smtClean="0"/>
               <a:pPr/>
-              <a:t>4/18/2018</a:t>
+              <a:t>4/20/2018</a:t>
             </a:fld>
             <a:endParaRPr lang="en-US"/>
           </a:p>
@@ -6242,7 +6686,7 @@
             <a:fld id="{1D8BD707-D9CF-40AE-B4C6-C98DA3205C09}" type="datetimeFigureOut">
               <a:rPr lang="en-US" smtClean="0"/>
               <a:pPr/>
-              <a:t>4/18/2018</a:t>
+              <a:t>4/20/2018</a:t>
             </a:fld>
             <a:endParaRPr lang="en-US"/>
           </a:p>
@@ -6503,7 +6947,7 @@
             <a:fld id="{1D8BD707-D9CF-40AE-B4C6-C98DA3205C09}" type="datetimeFigureOut">
               <a:rPr lang="en-US" smtClean="0"/>
               <a:pPr/>
-              <a:t>4/18/2018</a:t>
+              <a:t>4/20/2018</a:t>
             </a:fld>
             <a:endParaRPr lang="en-US"/>
           </a:p>
@@ -6958,7 +7402,7 @@
             <a:fld id="{1D8BD707-D9CF-40AE-B4C6-C98DA3205C09}" type="datetimeFigureOut">
               <a:rPr lang="en-US" smtClean="0"/>
               <a:pPr/>
-              <a:t>4/18/2018</a:t>
+              <a:t>4/20/2018</a:t>
             </a:fld>
             <a:endParaRPr lang="en-US"/>
           </a:p>
@@ -7442,7 +7886,7 @@
             <a:fld id="{1D8BD707-D9CF-40AE-B4C6-C98DA3205C09}" type="datetimeFigureOut">
               <a:rPr lang="en-US" smtClean="0"/>
               <a:pPr/>
-              <a:t>4/18/2018</a:t>
+              <a:t>4/20/2018</a:t>
             </a:fld>
             <a:endParaRPr lang="en-US"/>
           </a:p>
@@ -7561,7 +8005,7 @@
             <a:fld id="{1D8BD707-D9CF-40AE-B4C6-C98DA3205C09}" type="datetimeFigureOut">
               <a:rPr lang="en-US" smtClean="0"/>
               <a:pPr/>
-              <a:t>4/18/2018</a:t>
+              <a:t>4/20/2018</a:t>
             </a:fld>
             <a:endParaRPr lang="en-US"/>
           </a:p>
@@ -7699,7 +8143,7 @@
             <a:fld id="{1D8BD707-D9CF-40AE-B4C6-C98DA3205C09}" type="datetimeFigureOut">
               <a:rPr lang="en-US" smtClean="0"/>
               <a:pPr/>
-              <a:t>4/18/2018</a:t>
+              <a:t>4/20/2018</a:t>
             </a:fld>
             <a:endParaRPr lang="en-US"/>
           </a:p>
@@ -8014,7 +8458,7 @@
             <a:fld id="{1D8BD707-D9CF-40AE-B4C6-C98DA3205C09}" type="datetimeFigureOut">
               <a:rPr lang="en-US" smtClean="0"/>
               <a:pPr/>
-              <a:t>4/18/2018</a:t>
+              <a:t>4/20/2018</a:t>
             </a:fld>
             <a:endParaRPr lang="en-US"/>
           </a:p>
@@ -8143,7 +8587,7 @@
             <a:fld id="{1D8BD707-D9CF-40AE-B4C6-C98DA3205C09}" type="datetimeFigureOut">
               <a:rPr lang="en-US" smtClean="0"/>
               <a:pPr/>
-              <a:t>4/18/2018</a:t>
+              <a:t>4/20/2018</a:t>
             </a:fld>
             <a:endParaRPr lang="en-US"/>
           </a:p>
@@ -8902,7 +9346,7 @@
             <a:fld id="{1D8BD707-D9CF-40AE-B4C6-C98DA3205C09}" type="datetimeFigureOut">
               <a:rPr lang="en-US" smtClean="0"/>
               <a:pPr/>
-              <a:t>4/18/2018</a:t>
+              <a:t>4/20/2018</a:t>
             </a:fld>
             <a:endParaRPr lang="en-US"/>
           </a:p>
@@ -9604,6 +10048,13 @@
   <p:clrMapOvr>
     <a:masterClrMapping/>
   </p:clrMapOvr>
+  <p:timing>
+    <p:tnLst>
+      <p:par>
+        <p:cTn id="1" dur="indefinite" restart="never" nodeType="tmRoot"/>
+      </p:par>
+    </p:tnLst>
+  </p:timing>
 </p:sld>
 </file>
 
@@ -9803,6 +10254,13 @@
   <p:clrMapOvr>
     <a:masterClrMapping/>
   </p:clrMapOvr>
+  <p:timing>
+    <p:tnLst>
+      <p:par>
+        <p:cTn id="1" dur="indefinite" restart="never" nodeType="tmRoot"/>
+      </p:par>
+    </p:tnLst>
+  </p:timing>
 </p:sld>
 </file>
 
@@ -10148,6 +10606,13 @@
   <p:clrMapOvr>
     <a:masterClrMapping/>
   </p:clrMapOvr>
+  <p:timing>
+    <p:tnLst>
+      <p:par>
+        <p:cTn id="1" dur="indefinite" restart="never" nodeType="tmRoot"/>
+      </p:par>
+    </p:tnLst>
+  </p:timing>
 </p:sld>
 </file>
 
@@ -10220,6 +10685,13 @@
   <p:clrMapOvr>
     <a:masterClrMapping/>
   </p:clrMapOvr>
+  <p:timing>
+    <p:tnLst>
+      <p:par>
+        <p:cTn id="1" dur="indefinite" restart="never" nodeType="tmRoot"/>
+      </p:par>
+    </p:tnLst>
+  </p:timing>
 </p:sld>
 </file>
 
@@ -11383,6 +11855,13 @@
   <p:clrMapOvr>
     <a:masterClrMapping/>
   </p:clrMapOvr>
+  <p:timing>
+    <p:tnLst>
+      <p:par>
+        <p:cTn id="1" dur="indefinite" restart="never" nodeType="tmRoot"/>
+      </p:par>
+    </p:tnLst>
+  </p:timing>
 </p:sld>
 </file>
 
@@ -12100,7 +12579,20 @@
           <a:p>
             <a:r>
               <a:rPr lang="en-US" sz="2400" dirty="0"/>
-              <a:t>A lot of modern technologies are used to implement my system</a:t>
+              <a:t>A lot of modern technologies are used to implement my </a:t>
+            </a:r>
+            <a:r>
+              <a:rPr lang="en-US" sz="2400" dirty="0" smtClean="0"/>
+              <a:t>system</a:t>
+            </a:r>
+          </a:p>
+          <a:p>
+            <a:endParaRPr lang="en-US" sz="2400" dirty="0"/>
+          </a:p>
+          <a:p>
+            <a:r>
+              <a:rPr lang="en-US" sz="2400" dirty="0" smtClean="0"/>
+              <a:t>Support Hotel business</a:t>
             </a:r>
           </a:p>
           <a:p>
@@ -12630,6 +13122,121 @@
                       </p:childTnLst>
                     </p:cTn>
                   </p:par>
+                  <p:par>
+                    <p:cTn id="31" fill="hold">
+                      <p:stCondLst>
+                        <p:cond delay="indefinite"/>
+                      </p:stCondLst>
+                      <p:childTnLst>
+                        <p:par>
+                          <p:cTn id="32" fill="hold">
+                            <p:stCondLst>
+                              <p:cond delay="0"/>
+                            </p:stCondLst>
+                            <p:childTnLst>
+                              <p:par>
+                                <p:cTn id="33" presetID="42" presetClass="entr" presetSubtype="0" fill="hold" nodeType="clickEffect">
+                                  <p:stCondLst>
+                                    <p:cond delay="0"/>
+                                  </p:stCondLst>
+                                  <p:childTnLst>
+                                    <p:set>
+                                      <p:cBhvr>
+                                        <p:cTn id="34" dur="1" fill="hold">
+                                          <p:stCondLst>
+                                            <p:cond delay="0"/>
+                                          </p:stCondLst>
+                                        </p:cTn>
+                                        <p:tgtEl>
+                                          <p:spTgt spid="3">
+                                            <p:txEl>
+                                              <p:pRg st="11" end="11"/>
+                                            </p:txEl>
+                                          </p:spTgt>
+                                        </p:tgtEl>
+                                        <p:attrNameLst>
+                                          <p:attrName>style.visibility</p:attrName>
+                                        </p:attrNameLst>
+                                      </p:cBhvr>
+                                      <p:to>
+                                        <p:strVal val="visible"/>
+                                      </p:to>
+                                    </p:set>
+                                    <p:animEffect transition="in" filter="fade">
+                                      <p:cBhvr>
+                                        <p:cTn id="35" dur="1000"/>
+                                        <p:tgtEl>
+                                          <p:spTgt spid="3">
+                                            <p:txEl>
+                                              <p:pRg st="11" end="11"/>
+                                            </p:txEl>
+                                          </p:spTgt>
+                                        </p:tgtEl>
+                                      </p:cBhvr>
+                                    </p:animEffect>
+                                    <p:anim calcmode="lin" valueType="num">
+                                      <p:cBhvr>
+                                        <p:cTn id="36" dur="1000" fill="hold"/>
+                                        <p:tgtEl>
+                                          <p:spTgt spid="3">
+                                            <p:txEl>
+                                              <p:pRg st="11" end="11"/>
+                                            </p:txEl>
+                                          </p:spTgt>
+                                        </p:tgtEl>
+                                        <p:attrNameLst>
+                                          <p:attrName>ppt_x</p:attrName>
+                                        </p:attrNameLst>
+                                      </p:cBhvr>
+                                      <p:tavLst>
+                                        <p:tav tm="0">
+                                          <p:val>
+                                            <p:strVal val="#ppt_x"/>
+                                          </p:val>
+                                        </p:tav>
+                                        <p:tav tm="100000">
+                                          <p:val>
+                                            <p:strVal val="#ppt_x"/>
+                                          </p:val>
+                                        </p:tav>
+                                      </p:tavLst>
+                                    </p:anim>
+                                    <p:anim calcmode="lin" valueType="num">
+                                      <p:cBhvr>
+                                        <p:cTn id="37" dur="1000" fill="hold"/>
+                                        <p:tgtEl>
+                                          <p:spTgt spid="3">
+                                            <p:txEl>
+                                              <p:pRg st="11" end="11"/>
+                                            </p:txEl>
+                                          </p:spTgt>
+                                        </p:tgtEl>
+                                        <p:attrNameLst>
+                                          <p:attrName>ppt_y</p:attrName>
+                                        </p:attrNameLst>
+                                      </p:cBhvr>
+                                      <p:tavLst>
+                                        <p:tav tm="0">
+                                          <p:val>
+                                            <p:strVal val="#ppt_y+.1"/>
+                                          </p:val>
+                                        </p:tav>
+                                        <p:tav tm="100000">
+                                          <p:val>
+                                            <p:strVal val="#ppt_y"/>
+                                          </p:val>
+                                        </p:tav>
+                                      </p:tavLst>
+                                    </p:anim>
+                                  </p:childTnLst>
+                                </p:cTn>
+                              </p:par>
+                            </p:childTnLst>
+                          </p:cTn>
+                        </p:par>
+                      </p:childTnLst>
+                    </p:cTn>
+                  </p:par>
                 </p:childTnLst>
               </p:cTn>
               <p:prevCondLst>
@@ -12715,6 +13322,13 @@
   <p:clrMapOvr>
     <a:masterClrMapping/>
   </p:clrMapOvr>
+  <p:timing>
+    <p:tnLst>
+      <p:par>
+        <p:cTn id="1" dur="indefinite" restart="never" nodeType="tmRoot"/>
+      </p:par>
+    </p:tnLst>
+  </p:timing>
 </p:sld>
 </file>
 
@@ -12740,7 +13354,7 @@
           <p:cNvPr id="4" name="Rectangle 3">
             <a:extLst>
               <a:ext uri="{FF2B5EF4-FFF2-40B4-BE49-F238E27FC236}">
-                <a16:creationId xmlns:a16="http://schemas.microsoft.com/office/drawing/2014/main" id="{56DEEC1C-EBCD-4BBA-940E-826FC526F57D}"/>
+                <a16:creationId xmlns="" xmlns:a16="http://schemas.microsoft.com/office/drawing/2014/main" id="{56DEEC1C-EBCD-4BBA-940E-826FC526F57D}"/>
               </a:ext>
             </a:extLst>
           </p:cNvPr>
@@ -12810,7 +13424,7 @@
           <p:cNvPr id="5" name="Title 1">
             <a:extLst>
               <a:ext uri="{FF2B5EF4-FFF2-40B4-BE49-F238E27FC236}">
-                <a16:creationId xmlns:a16="http://schemas.microsoft.com/office/drawing/2014/main" id="{03C8A5C7-FDCF-4962-92A7-938973B4DBC0}"/>
+                <a16:creationId xmlns="" xmlns:a16="http://schemas.microsoft.com/office/drawing/2014/main" id="{03C8A5C7-FDCF-4962-92A7-938973B4DBC0}"/>
               </a:ext>
             </a:extLst>
           </p:cNvPr>
@@ -13448,6 +14062,13 @@
   <p:clrMapOvr>
     <a:masterClrMapping/>
   </p:clrMapOvr>
+  <p:timing>
+    <p:tnLst>
+      <p:par>
+        <p:cTn id="1" dur="indefinite" restart="never" nodeType="tmRoot"/>
+      </p:par>
+    </p:tnLst>
+  </p:timing>
 </p:sld>
 </file>
 
@@ -13554,6 +14175,13 @@
   <p:clrMapOvr>
     <a:masterClrMapping/>
   </p:clrMapOvr>
+  <p:timing>
+    <p:tnLst>
+      <p:par>
+        <p:cTn id="1" dur="indefinite" restart="never" nodeType="tmRoot"/>
+      </p:par>
+    </p:tnLst>
+  </p:timing>
 </p:sld>
 </file>
 
@@ -13617,6 +14245,13 @@
   <p:clrMapOvr>
     <a:masterClrMapping/>
   </p:clrMapOvr>
+  <p:timing>
+    <p:tnLst>
+      <p:par>
+        <p:cTn id="1" dur="indefinite" restart="never" nodeType="tmRoot"/>
+      </p:par>
+    </p:tnLst>
+  </p:timing>
 </p:sld>
 </file>
 
@@ -13715,6 +14350,13 @@
   <p:clrMapOvr>
     <a:masterClrMapping/>
   </p:clrMapOvr>
+  <p:timing>
+    <p:tnLst>
+      <p:par>
+        <p:cTn id="1" dur="indefinite" restart="never" nodeType="tmRoot"/>
+      </p:par>
+    </p:tnLst>
+  </p:timing>
 </p:sld>
 </file>
 
@@ -13819,6 +14461,13 @@
   <p:clrMapOvr>
     <a:masterClrMapping/>
   </p:clrMapOvr>
+  <p:timing>
+    <p:tnLst>
+      <p:par>
+        <p:cTn id="1" dur="indefinite" restart="never" nodeType="tmRoot"/>
+      </p:par>
+    </p:tnLst>
+  </p:timing>
 </p:sld>
 </file>
 
@@ -13882,6 +14531,13 @@
   <p:clrMapOvr>
     <a:masterClrMapping/>
   </p:clrMapOvr>
+  <p:timing>
+    <p:tnLst>
+      <p:par>
+        <p:cTn id="1" dur="indefinite" restart="never" nodeType="tmRoot"/>
+      </p:par>
+    </p:tnLst>
+  </p:timing>
 </p:sld>
 </file>
 
@@ -13907,7 +14563,7 @@
           <p:cNvPr id="4" name="Title 1">
             <a:extLst>
               <a:ext uri="{FF2B5EF4-FFF2-40B4-BE49-F238E27FC236}">
-                <a16:creationId xmlns:a16="http://schemas.microsoft.com/office/drawing/2014/main" id="{E7F0D2D4-DACD-4ECB-96E0-5817266BD6F2}"/>
+                <a16:creationId xmlns="" xmlns:a16="http://schemas.microsoft.com/office/drawing/2014/main" id="{E7F0D2D4-DACD-4ECB-96E0-5817266BD6F2}"/>
               </a:ext>
             </a:extLst>
           </p:cNvPr>
@@ -13940,7 +14596,7 @@
           <p:cNvPr id="5" name="Rectangle 4">
             <a:extLst>
               <a:ext uri="{FF2B5EF4-FFF2-40B4-BE49-F238E27FC236}">
-                <a16:creationId xmlns:a16="http://schemas.microsoft.com/office/drawing/2014/main" id="{FED5E14A-C0D6-4FFF-88C0-9B024508D0BB}"/>
+                <a16:creationId xmlns="" xmlns:a16="http://schemas.microsoft.com/office/drawing/2014/main" id="{FED5E14A-C0D6-4FFF-88C0-9B024508D0BB}"/>
               </a:ext>
             </a:extLst>
           </p:cNvPr>
@@ -13980,7 +14636,7 @@
           <p:cNvPr id="6" name="Rectangle 5">
             <a:extLst>
               <a:ext uri="{FF2B5EF4-FFF2-40B4-BE49-F238E27FC236}">
-                <a16:creationId xmlns:a16="http://schemas.microsoft.com/office/drawing/2014/main" id="{692BBF62-28B1-4AE3-B032-A1B70A777809}"/>
+                <a16:creationId xmlns="" xmlns:a16="http://schemas.microsoft.com/office/drawing/2014/main" id="{692BBF62-28B1-4AE3-B032-A1B70A777809}"/>
               </a:ext>
             </a:extLst>
           </p:cNvPr>
@@ -14020,7 +14676,7 @@
           <p:cNvPr id="7" name="Rectangle 6">
             <a:extLst>
               <a:ext uri="{FF2B5EF4-FFF2-40B4-BE49-F238E27FC236}">
-                <a16:creationId xmlns:a16="http://schemas.microsoft.com/office/drawing/2014/main" id="{069C755C-03FB-4BE0-9DAA-D29A3719AAA6}"/>
+                <a16:creationId xmlns="" xmlns:a16="http://schemas.microsoft.com/office/drawing/2014/main" id="{069C755C-03FB-4BE0-9DAA-D29A3719AAA6}"/>
               </a:ext>
             </a:extLst>
           </p:cNvPr>
@@ -14060,7 +14716,7 @@
           <p:cNvPr id="8" name="Rectangle 7">
             <a:extLst>
               <a:ext uri="{FF2B5EF4-FFF2-40B4-BE49-F238E27FC236}">
-                <a16:creationId xmlns:a16="http://schemas.microsoft.com/office/drawing/2014/main" id="{794C1D09-8EB5-4023-9D11-5DDA6DC1E5E5}"/>
+                <a16:creationId xmlns="" xmlns:a16="http://schemas.microsoft.com/office/drawing/2014/main" id="{794C1D09-8EB5-4023-9D11-5DDA6DC1E5E5}"/>
               </a:ext>
             </a:extLst>
           </p:cNvPr>
@@ -14100,7 +14756,7 @@
           <p:cNvPr id="9" name="Rectangle 8">
             <a:extLst>
               <a:ext uri="{FF2B5EF4-FFF2-40B4-BE49-F238E27FC236}">
-                <a16:creationId xmlns:a16="http://schemas.microsoft.com/office/drawing/2014/main" id="{24C7ED4B-FD10-43A9-8B7D-5E65BF356BA7}"/>
+                <a16:creationId xmlns="" xmlns:a16="http://schemas.microsoft.com/office/drawing/2014/main" id="{24C7ED4B-FD10-43A9-8B7D-5E65BF356BA7}"/>
               </a:ext>
             </a:extLst>
           </p:cNvPr>
@@ -14155,6 +14811,13 @@
   <p:clrMapOvr>
     <a:masterClrMapping/>
   </p:clrMapOvr>
+  <p:timing>
+    <p:tnLst>
+      <p:par>
+        <p:cTn id="1" dur="indefinite" restart="never" nodeType="tmRoot"/>
+      </p:par>
+    </p:tnLst>
+  </p:timing>
 </p:sld>
 </file>
 
@@ -14180,7 +14843,7 @@
           <p:cNvPr id="6" name="Title 1">
             <a:extLst>
               <a:ext uri="{FF2B5EF4-FFF2-40B4-BE49-F238E27FC236}">
-                <a16:creationId xmlns:a16="http://schemas.microsoft.com/office/drawing/2014/main" id="{7772A556-4A73-404A-B6A4-9E7267F9EFF9}"/>
+                <a16:creationId xmlns="" xmlns:a16="http://schemas.microsoft.com/office/drawing/2014/main" id="{7772A556-4A73-404A-B6A4-9E7267F9EFF9}"/>
               </a:ext>
             </a:extLst>
           </p:cNvPr>
@@ -14224,6 +14887,13 @@
   <p:clrMapOvr>
     <a:masterClrMapping/>
   </p:clrMapOvr>
+  <p:timing>
+    <p:tnLst>
+      <p:par>
+        <p:cTn id="1" dur="indefinite" restart="never" nodeType="tmRoot"/>
+      </p:par>
+    </p:tnLst>
+  </p:timing>
 </p:sld>
 </file>
 
@@ -14249,7 +14919,7 @@
           <p:cNvPr id="4" name="Rectangle 3">
             <a:extLst>
               <a:ext uri="{FF2B5EF4-FFF2-40B4-BE49-F238E27FC236}">
-                <a16:creationId xmlns:a16="http://schemas.microsoft.com/office/drawing/2014/main" id="{BA103DB3-3F1D-4135-848F-E8163CE20963}"/>
+                <a16:creationId xmlns="" xmlns:a16="http://schemas.microsoft.com/office/drawing/2014/main" id="{BA103DB3-3F1D-4135-848F-E8163CE20963}"/>
               </a:ext>
             </a:extLst>
           </p:cNvPr>
@@ -14319,7 +14989,7 @@
           <p:cNvPr id="5" name="Title 1">
             <a:extLst>
               <a:ext uri="{FF2B5EF4-FFF2-40B4-BE49-F238E27FC236}">
-                <a16:creationId xmlns:a16="http://schemas.microsoft.com/office/drawing/2014/main" id="{236D77EC-534B-4E4C-A5AC-531B082B2186}"/>
+                <a16:creationId xmlns="" xmlns:a16="http://schemas.microsoft.com/office/drawing/2014/main" id="{236D77EC-534B-4E4C-A5AC-531B082B2186}"/>
               </a:ext>
             </a:extLst>
           </p:cNvPr>
@@ -14352,7 +15022,7 @@
           <p:cNvPr id="6" name="Rectangle 5">
             <a:extLst>
               <a:ext uri="{FF2B5EF4-FFF2-40B4-BE49-F238E27FC236}">
-                <a16:creationId xmlns:a16="http://schemas.microsoft.com/office/drawing/2014/main" id="{DA8C5326-C003-4827-8485-4CCD13BED7A3}"/>
+                <a16:creationId xmlns="" xmlns:a16="http://schemas.microsoft.com/office/drawing/2014/main" id="{DA8C5326-C003-4827-8485-4CCD13BED7A3}"/>
               </a:ext>
             </a:extLst>
           </p:cNvPr>
@@ -14417,375 +15087,7 @@
   <p:timing>
     <p:tnLst>
       <p:par>
-        <p:cTn id="1" dur="indefinite" restart="never" nodeType="tmRoot">
-          <p:childTnLst>
-            <p:seq concurrent="1" nextAc="seek">
-              <p:cTn id="2" dur="indefinite" nodeType="mainSeq">
-                <p:childTnLst>
-                  <p:par>
-                    <p:cTn id="3" fill="hold">
-                      <p:stCondLst>
-                        <p:cond delay="indefinite"/>
-                      </p:stCondLst>
-                      <p:childTnLst>
-                        <p:par>
-                          <p:cTn id="4" fill="hold">
-                            <p:stCondLst>
-                              <p:cond delay="0"/>
-                            </p:stCondLst>
-                            <p:childTnLst>
-                              <p:par>
-                                <p:cTn id="5" presetID="42" presetClass="entr" presetSubtype="0" fill="hold" nodeType="clickEffect">
-                                  <p:stCondLst>
-                                    <p:cond delay="0"/>
-                                  </p:stCondLst>
-                                  <p:childTnLst>
-                                    <p:set>
-                                      <p:cBhvr>
-                                        <p:cTn id="6" dur="1" fill="hold">
-                                          <p:stCondLst>
-                                            <p:cond delay="0"/>
-                                          </p:stCondLst>
-                                        </p:cTn>
-                                        <p:tgtEl>
-                                          <p:spTgt spid="4">
-                                            <p:txEl>
-                                              <p:pRg st="1" end="1"/>
-                                            </p:txEl>
-                                          </p:spTgt>
-                                        </p:tgtEl>
-                                        <p:attrNameLst>
-                                          <p:attrName>style.visibility</p:attrName>
-                                        </p:attrNameLst>
-                                      </p:cBhvr>
-                                      <p:to>
-                                        <p:strVal val="visible"/>
-                                      </p:to>
-                                    </p:set>
-                                    <p:animEffect transition="in" filter="fade">
-                                      <p:cBhvr>
-                                        <p:cTn id="7" dur="1000"/>
-                                        <p:tgtEl>
-                                          <p:spTgt spid="4">
-                                            <p:txEl>
-                                              <p:pRg st="1" end="1"/>
-                                            </p:txEl>
-                                          </p:spTgt>
-                                        </p:tgtEl>
-                                      </p:cBhvr>
-                                    </p:animEffect>
-                                    <p:anim calcmode="lin" valueType="num">
-                                      <p:cBhvr>
-                                        <p:cTn id="8" dur="1000" fill="hold"/>
-                                        <p:tgtEl>
-                                          <p:spTgt spid="4">
-                                            <p:txEl>
-                                              <p:pRg st="1" end="1"/>
-                                            </p:txEl>
-                                          </p:spTgt>
-                                        </p:tgtEl>
-                                        <p:attrNameLst>
-                                          <p:attrName>ppt_x</p:attrName>
-                                        </p:attrNameLst>
-                                      </p:cBhvr>
-                                      <p:tavLst>
-                                        <p:tav tm="0">
-                                          <p:val>
-                                            <p:strVal val="#ppt_x"/>
-                                          </p:val>
-                                        </p:tav>
-                                        <p:tav tm="100000">
-                                          <p:val>
-                                            <p:strVal val="#ppt_x"/>
-                                          </p:val>
-                                        </p:tav>
-                                      </p:tavLst>
-                                    </p:anim>
-                                    <p:anim calcmode="lin" valueType="num">
-                                      <p:cBhvr>
-                                        <p:cTn id="9" dur="1000" fill="hold"/>
-                                        <p:tgtEl>
-                                          <p:spTgt spid="4">
-                                            <p:txEl>
-                                              <p:pRg st="1" end="1"/>
-                                            </p:txEl>
-                                          </p:spTgt>
-                                        </p:tgtEl>
-                                        <p:attrNameLst>
-                                          <p:attrName>ppt_y</p:attrName>
-                                        </p:attrNameLst>
-                                      </p:cBhvr>
-                                      <p:tavLst>
-                                        <p:tav tm="0">
-                                          <p:val>
-                                            <p:strVal val="#ppt_y+.1"/>
-                                          </p:val>
-                                        </p:tav>
-                                        <p:tav tm="100000">
-                                          <p:val>
-                                            <p:strVal val="#ppt_y"/>
-                                          </p:val>
-                                        </p:tav>
-                                      </p:tavLst>
-                                    </p:anim>
-                                  </p:childTnLst>
-                                </p:cTn>
-                              </p:par>
-                            </p:childTnLst>
-                          </p:cTn>
-                        </p:par>
-                      </p:childTnLst>
-                    </p:cTn>
-                  </p:par>
-                  <p:par>
-                    <p:cTn id="10" fill="hold">
-                      <p:stCondLst>
-                        <p:cond delay="indefinite"/>
-                      </p:stCondLst>
-                      <p:childTnLst>
-                        <p:par>
-                          <p:cTn id="11" fill="hold">
-                            <p:stCondLst>
-                              <p:cond delay="0"/>
-                            </p:stCondLst>
-                            <p:childTnLst>
-                              <p:par>
-                                <p:cTn id="12" presetID="42" presetClass="entr" presetSubtype="0" fill="hold" nodeType="clickEffect">
-                                  <p:stCondLst>
-                                    <p:cond delay="0"/>
-                                  </p:stCondLst>
-                                  <p:childTnLst>
-                                    <p:set>
-                                      <p:cBhvr>
-                                        <p:cTn id="13" dur="1" fill="hold">
-                                          <p:stCondLst>
-                                            <p:cond delay="0"/>
-                                          </p:stCondLst>
-                                        </p:cTn>
-                                        <p:tgtEl>
-                                          <p:spTgt spid="4">
-                                            <p:txEl>
-                                              <p:pRg st="3" end="3"/>
-                                            </p:txEl>
-                                          </p:spTgt>
-                                        </p:tgtEl>
-                                        <p:attrNameLst>
-                                          <p:attrName>style.visibility</p:attrName>
-                                        </p:attrNameLst>
-                                      </p:cBhvr>
-                                      <p:to>
-                                        <p:strVal val="visible"/>
-                                      </p:to>
-                                    </p:set>
-                                    <p:animEffect transition="in" filter="fade">
-                                      <p:cBhvr>
-                                        <p:cTn id="14" dur="1000"/>
-                                        <p:tgtEl>
-                                          <p:spTgt spid="4">
-                                            <p:txEl>
-                                              <p:pRg st="3" end="3"/>
-                                            </p:txEl>
-                                          </p:spTgt>
-                                        </p:tgtEl>
-                                      </p:cBhvr>
-                                    </p:animEffect>
-                                    <p:anim calcmode="lin" valueType="num">
-                                      <p:cBhvr>
-                                        <p:cTn id="15" dur="1000" fill="hold"/>
-                                        <p:tgtEl>
-                                          <p:spTgt spid="4">
-                                            <p:txEl>
-                                              <p:pRg st="3" end="3"/>
-                                            </p:txEl>
-                                          </p:spTgt>
-                                        </p:tgtEl>
-                                        <p:attrNameLst>
-                                          <p:attrName>ppt_x</p:attrName>
-                                        </p:attrNameLst>
-                                      </p:cBhvr>
-                                      <p:tavLst>
-                                        <p:tav tm="0">
-                                          <p:val>
-                                            <p:strVal val="#ppt_x"/>
-                                          </p:val>
-                                        </p:tav>
-                                        <p:tav tm="100000">
-                                          <p:val>
-                                            <p:strVal val="#ppt_x"/>
-                                          </p:val>
-                                        </p:tav>
-                                      </p:tavLst>
-                                    </p:anim>
-                                    <p:anim calcmode="lin" valueType="num">
-                                      <p:cBhvr>
-                                        <p:cTn id="16" dur="1000" fill="hold"/>
-                                        <p:tgtEl>
-                                          <p:spTgt spid="4">
-                                            <p:txEl>
-                                              <p:pRg st="3" end="3"/>
-                                            </p:txEl>
-                                          </p:spTgt>
-                                        </p:tgtEl>
-                                        <p:attrNameLst>
-                                          <p:attrName>ppt_y</p:attrName>
-                                        </p:attrNameLst>
-                                      </p:cBhvr>
-                                      <p:tavLst>
-                                        <p:tav tm="0">
-                                          <p:val>
-                                            <p:strVal val="#ppt_y+.1"/>
-                                          </p:val>
-                                        </p:tav>
-                                        <p:tav tm="100000">
-                                          <p:val>
-                                            <p:strVal val="#ppt_y"/>
-                                          </p:val>
-                                        </p:tav>
-                                      </p:tavLst>
-                                    </p:anim>
-                                  </p:childTnLst>
-                                </p:cTn>
-                              </p:par>
-                            </p:childTnLst>
-                          </p:cTn>
-                        </p:par>
-                      </p:childTnLst>
-                    </p:cTn>
-                  </p:par>
-                  <p:par>
-                    <p:cTn id="17" fill="hold">
-                      <p:stCondLst>
-                        <p:cond delay="indefinite"/>
-                      </p:stCondLst>
-                      <p:childTnLst>
-                        <p:par>
-                          <p:cTn id="18" fill="hold">
-                            <p:stCondLst>
-                              <p:cond delay="0"/>
-                            </p:stCondLst>
-                            <p:childTnLst>
-                              <p:par>
-                                <p:cTn id="19" presetID="42" presetClass="entr" presetSubtype="0" fill="hold" nodeType="clickEffect">
-                                  <p:stCondLst>
-                                    <p:cond delay="0"/>
-                                  </p:stCondLst>
-                                  <p:childTnLst>
-                                    <p:set>
-                                      <p:cBhvr>
-                                        <p:cTn id="20" dur="1" fill="hold">
-                                          <p:stCondLst>
-                                            <p:cond delay="0"/>
-                                          </p:stCondLst>
-                                        </p:cTn>
-                                        <p:tgtEl>
-                                          <p:spTgt spid="4">
-                                            <p:txEl>
-                                              <p:pRg st="5" end="5"/>
-                                            </p:txEl>
-                                          </p:spTgt>
-                                        </p:tgtEl>
-                                        <p:attrNameLst>
-                                          <p:attrName>style.visibility</p:attrName>
-                                        </p:attrNameLst>
-                                      </p:cBhvr>
-                                      <p:to>
-                                        <p:strVal val="visible"/>
-                                      </p:to>
-                                    </p:set>
-                                    <p:animEffect transition="in" filter="fade">
-                                      <p:cBhvr>
-                                        <p:cTn id="21" dur="1000"/>
-                                        <p:tgtEl>
-                                          <p:spTgt spid="4">
-                                            <p:txEl>
-                                              <p:pRg st="5" end="5"/>
-                                            </p:txEl>
-                                          </p:spTgt>
-                                        </p:tgtEl>
-                                      </p:cBhvr>
-                                    </p:animEffect>
-                                    <p:anim calcmode="lin" valueType="num">
-                                      <p:cBhvr>
-                                        <p:cTn id="22" dur="1000" fill="hold"/>
-                                        <p:tgtEl>
-                                          <p:spTgt spid="4">
-                                            <p:txEl>
-                                              <p:pRg st="5" end="5"/>
-                                            </p:txEl>
-                                          </p:spTgt>
-                                        </p:tgtEl>
-                                        <p:attrNameLst>
-                                          <p:attrName>ppt_x</p:attrName>
-                                        </p:attrNameLst>
-                                      </p:cBhvr>
-                                      <p:tavLst>
-                                        <p:tav tm="0">
-                                          <p:val>
-                                            <p:strVal val="#ppt_x"/>
-                                          </p:val>
-                                        </p:tav>
-                                        <p:tav tm="100000">
-                                          <p:val>
-                                            <p:strVal val="#ppt_x"/>
-                                          </p:val>
-                                        </p:tav>
-                                      </p:tavLst>
-                                    </p:anim>
-                                    <p:anim calcmode="lin" valueType="num">
-                                      <p:cBhvr>
-                                        <p:cTn id="23" dur="1000" fill="hold"/>
-                                        <p:tgtEl>
-                                          <p:spTgt spid="4">
-                                            <p:txEl>
-                                              <p:pRg st="5" end="5"/>
-                                            </p:txEl>
-                                          </p:spTgt>
-                                        </p:tgtEl>
-                                        <p:attrNameLst>
-                                          <p:attrName>ppt_y</p:attrName>
-                                        </p:attrNameLst>
-                                      </p:cBhvr>
-                                      <p:tavLst>
-                                        <p:tav tm="0">
-                                          <p:val>
-                                            <p:strVal val="#ppt_y+.1"/>
-                                          </p:val>
-                                        </p:tav>
-                                        <p:tav tm="100000">
-                                          <p:val>
-                                            <p:strVal val="#ppt_y"/>
-                                          </p:val>
-                                        </p:tav>
-                                      </p:tavLst>
-                                    </p:anim>
-                                  </p:childTnLst>
-                                </p:cTn>
-                              </p:par>
-                            </p:childTnLst>
-                          </p:cTn>
-                        </p:par>
-                      </p:childTnLst>
-                    </p:cTn>
-                  </p:par>
-                </p:childTnLst>
-              </p:cTn>
-              <p:prevCondLst>
-                <p:cond evt="onPrev" delay="0">
-                  <p:tgtEl>
-                    <p:sldTgt/>
-                  </p:tgtEl>
-                </p:cond>
-              </p:prevCondLst>
-              <p:nextCondLst>
-                <p:cond evt="onNext" delay="0">
-                  <p:tgtEl>
-                    <p:sldTgt/>
-                  </p:tgtEl>
-                </p:cond>
-              </p:nextCondLst>
-            </p:seq>
-          </p:childTnLst>
-        </p:cTn>
+        <p:cTn id="1" dur="indefinite" restart="never" nodeType="tmRoot"/>
       </p:par>
     </p:tnLst>
   </p:timing>
@@ -14814,7 +15116,7 @@
           <p:cNvPr id="4" name="Picture 3">
             <a:extLst>
               <a:ext uri="{FF2B5EF4-FFF2-40B4-BE49-F238E27FC236}">
-                <a16:creationId xmlns:a16="http://schemas.microsoft.com/office/drawing/2014/main" id="{FAB3D2A6-579B-4316-8632-A685430C1B85}"/>
+                <a16:creationId xmlns="" xmlns:a16="http://schemas.microsoft.com/office/drawing/2014/main" id="{FAB3D2A6-579B-4316-8632-A685430C1B85}"/>
               </a:ext>
             </a:extLst>
           </p:cNvPr>
@@ -14844,7 +15146,7 @@
           <p:cNvPr id="5" name="Title 1">
             <a:extLst>
               <a:ext uri="{FF2B5EF4-FFF2-40B4-BE49-F238E27FC236}">
-                <a16:creationId xmlns:a16="http://schemas.microsoft.com/office/drawing/2014/main" id="{C26FA153-CC6D-4CCF-BC8F-986FDDA86C09}"/>
+                <a16:creationId xmlns="" xmlns:a16="http://schemas.microsoft.com/office/drawing/2014/main" id="{C26FA153-CC6D-4CCF-BC8F-986FDDA86C09}"/>
               </a:ext>
             </a:extLst>
           </p:cNvPr>
@@ -14882,6 +15184,13 @@
   <p:clrMapOvr>
     <a:masterClrMapping/>
   </p:clrMapOvr>
+  <p:timing>
+    <p:tnLst>
+      <p:par>
+        <p:cTn id="1" dur="indefinite" restart="never" nodeType="tmRoot"/>
+      </p:par>
+    </p:tnLst>
+  </p:timing>
 </p:sld>
 </file>
 
@@ -14945,6 +15254,13 @@
   <p:clrMapOvr>
     <a:masterClrMapping/>
   </p:clrMapOvr>
+  <p:timing>
+    <p:tnLst>
+      <p:par>
+        <p:cTn id="1" dur="indefinite" restart="never" nodeType="tmRoot"/>
+      </p:par>
+    </p:tnLst>
+  </p:timing>
 </p:sld>
 </file>
 
@@ -14987,6 +15303,13 @@
           </a:bodyPr>
           <a:lstStyle/>
           <a:p>
+            <a:r>
+              <a:rPr lang="en-US" sz="4400" dirty="0">
+                <a:latin typeface="Times New Roman" pitchFamily="18" charset="0"/>
+                <a:cs typeface="Times New Roman" pitchFamily="18" charset="0"/>
+              </a:rPr>
+              <a:t/>
+            </a:r>
             <a:br>
               <a:rPr lang="en-US" sz="4400" dirty="0">
                 <a:latin typeface="Times New Roman" pitchFamily="18" charset="0"/>
@@ -14999,6 +15322,13 @@
                 <a:cs typeface="Times New Roman" pitchFamily="18" charset="0"/>
               </a:rPr>
               <a:t>Mircoservices</a:t>
+            </a:r>
+            <a:r>
+              <a:rPr lang="en-US" sz="4400" dirty="0">
+                <a:latin typeface="Times New Roman" pitchFamily="18" charset="0"/>
+                <a:cs typeface="Times New Roman" pitchFamily="18" charset="0"/>
+              </a:rPr>
+              <a:t/>
             </a:r>
             <a:br>
               <a:rPr lang="en-US" sz="4400" dirty="0">
@@ -15318,6 +15648,13 @@
   <p:clrMapOvr>
     <a:masterClrMapping/>
   </p:clrMapOvr>
+  <p:timing>
+    <p:tnLst>
+      <p:par>
+        <p:cTn id="1" dur="indefinite" restart="never" nodeType="tmRoot"/>
+      </p:par>
+    </p:tnLst>
+  </p:timing>
 </p:sld>
 </file>
 
@@ -15360,6 +15697,13 @@
           </a:bodyPr>
           <a:lstStyle/>
           <a:p>
+            <a:r>
+              <a:rPr lang="en-US" sz="4400" dirty="0">
+                <a:latin typeface="Times New Roman" pitchFamily="18" charset="0"/>
+                <a:cs typeface="Times New Roman" pitchFamily="18" charset="0"/>
+              </a:rPr>
+              <a:t/>
+            </a:r>
             <a:br>
               <a:rPr lang="en-US" sz="4400" dirty="0">
                 <a:latin typeface="Times New Roman" pitchFamily="18" charset="0"/>
@@ -15372,6 +15716,13 @@
                 <a:cs typeface="Times New Roman" pitchFamily="18" charset="0"/>
               </a:rPr>
               <a:t>Mircoservices</a:t>
+            </a:r>
+            <a:r>
+              <a:rPr lang="en-US" sz="4400" dirty="0">
+                <a:latin typeface="Times New Roman" pitchFamily="18" charset="0"/>
+                <a:cs typeface="Times New Roman" pitchFamily="18" charset="0"/>
+              </a:rPr>
+              <a:t/>
             </a:r>
             <a:br>
               <a:rPr lang="en-US" sz="4400" dirty="0">
@@ -15388,7 +15739,7 @@
           <p:cNvPr id="3" name="Picture 2">
             <a:extLst>
               <a:ext uri="{FF2B5EF4-FFF2-40B4-BE49-F238E27FC236}">
-                <a16:creationId xmlns:a16="http://schemas.microsoft.com/office/drawing/2014/main" id="{FE1B21B2-009D-4A8F-B574-41A68C3582DF}"/>
+                <a16:creationId xmlns="" xmlns:a16="http://schemas.microsoft.com/office/drawing/2014/main" id="{FE1B21B2-009D-4A8F-B574-41A68C3582DF}"/>
               </a:ext>
             </a:extLst>
           </p:cNvPr>
@@ -15411,7 +15762,7 @@
         </p:blipFill>
         <p:spPr>
           <a:xfrm>
-            <a:off x="15240" y="765048"/>
+            <a:off x="15240" y="759605"/>
             <a:ext cx="9144000" cy="4919662"/>
           </a:xfrm>
           <a:prstGeom prst="rect">
@@ -15424,7 +15775,7 @@
           <p:cNvPr id="4" name="Rectangle 3">
             <a:extLst>
               <a:ext uri="{FF2B5EF4-FFF2-40B4-BE49-F238E27FC236}">
-                <a16:creationId xmlns:a16="http://schemas.microsoft.com/office/drawing/2014/main" id="{C0B20C8B-668B-4C92-BA79-A33979040959}"/>
+                <a16:creationId xmlns="" xmlns:a16="http://schemas.microsoft.com/office/drawing/2014/main" id="{C0B20C8B-668B-4C92-BA79-A33979040959}"/>
               </a:ext>
             </a:extLst>
           </p:cNvPr>
@@ -15434,7 +15785,7 @@
         <p:spPr>
           <a:xfrm>
             <a:off x="1036320" y="6096000"/>
-            <a:ext cx="8382000" cy="338554"/>
+            <a:ext cx="8382000" cy="307777"/>
           </a:xfrm>
           <a:prstGeom prst="rect">
             <a:avLst/>
@@ -15450,7 +15801,7 @@
               <a:defRPr/>
             </a:pPr>
             <a:r>
-              <a:rPr lang="en-US" sz="1600" dirty="0"/>
+              <a:rPr lang="en-US" sz="1400" dirty="0"/>
               <a:t>Each Service provides API or uses API from other services to execute its own business logic. </a:t>
             </a:r>
           </a:p>
@@ -15461,7 +15812,7 @@
           <p:cNvPr id="5" name="Rectangle 4">
             <a:extLst>
               <a:ext uri="{FF2B5EF4-FFF2-40B4-BE49-F238E27FC236}">
-                <a16:creationId xmlns:a16="http://schemas.microsoft.com/office/drawing/2014/main" id="{CF6BF0EF-B4DB-47E8-8E13-7CD0B46CAECB}"/>
+                <a16:creationId xmlns="" xmlns:a16="http://schemas.microsoft.com/office/drawing/2014/main" id="{CF6BF0EF-B4DB-47E8-8E13-7CD0B46CAECB}"/>
               </a:ext>
             </a:extLst>
           </p:cNvPr>
@@ -15470,8 +15821,8 @@
         </p:nvSpPr>
         <p:spPr>
           <a:xfrm>
-            <a:off x="1036320" y="6519446"/>
-            <a:ext cx="7802880" cy="338554"/>
+            <a:off x="1063534" y="6532485"/>
+            <a:ext cx="8458200" cy="307777"/>
           </a:xfrm>
           <a:prstGeom prst="rect">
             <a:avLst/>
@@ -15484,7 +15835,7 @@
           <a:lstStyle/>
           <a:p>
             <a:r>
-              <a:rPr lang="en-US" sz="1600" dirty="0"/>
+              <a:rPr lang="en-US" sz="1400" dirty="0"/>
               <a:t>Independency of architecture, programming language or use different database system</a:t>
             </a:r>
           </a:p>
@@ -15495,7 +15846,7 @@
           <p:cNvPr id="8" name="Rectangle 7">
             <a:extLst>
               <a:ext uri="{FF2B5EF4-FFF2-40B4-BE49-F238E27FC236}">
-                <a16:creationId xmlns:a16="http://schemas.microsoft.com/office/drawing/2014/main" id="{FEEAE25E-40F3-4915-AB7F-6B28B99B6F1E}"/>
+                <a16:creationId xmlns="" xmlns:a16="http://schemas.microsoft.com/office/drawing/2014/main" id="{FEEAE25E-40F3-4915-AB7F-6B28B99B6F1E}"/>
               </a:ext>
             </a:extLst>
           </p:cNvPr>
@@ -15505,7 +15856,7 @@
         <p:spPr>
           <a:xfrm>
             <a:off x="1036320" y="5763524"/>
-            <a:ext cx="8382000" cy="338554"/>
+            <a:ext cx="8382000" cy="307777"/>
           </a:xfrm>
           <a:prstGeom prst="rect">
             <a:avLst/>
@@ -15521,7 +15872,7 @@
               <a:defRPr/>
             </a:pPr>
             <a:r>
-              <a:rPr lang="en-US" sz="1600" dirty="0"/>
+              <a:rPr lang="en-US" sz="1400" dirty="0"/>
               <a:t>Separated into a lot of smaller services</a:t>
             </a:r>
           </a:p>
@@ -15537,6 +15888,13 @@
   <p:clrMapOvr>
     <a:masterClrMapping/>
   </p:clrMapOvr>
+  <p:timing>
+    <p:tnLst>
+      <p:par>
+        <p:cTn id="1" dur="indefinite" restart="never" nodeType="tmRoot"/>
+      </p:par>
+    </p:tnLst>
+  </p:timing>
 </p:sld>
 </file>
 
@@ -15671,6 +16029,13 @@
           </a:bodyPr>
           <a:lstStyle/>
           <a:p>
+            <a:r>
+              <a:rPr lang="en-US" sz="4400" dirty="0">
+                <a:latin typeface="Times New Roman" pitchFamily="18" charset="0"/>
+                <a:cs typeface="Times New Roman" pitchFamily="18" charset="0"/>
+              </a:rPr>
+              <a:t/>
+            </a:r>
             <a:br>
               <a:rPr lang="en-US" sz="4400" dirty="0">
                 <a:latin typeface="Times New Roman" pitchFamily="18" charset="0"/>
@@ -15683,6 +16048,13 @@
                 <a:cs typeface="Times New Roman" pitchFamily="18" charset="0"/>
               </a:rPr>
               <a:t>Mircoservices</a:t>
+            </a:r>
+            <a:r>
+              <a:rPr lang="en-US" sz="4400" dirty="0">
+                <a:latin typeface="Times New Roman" pitchFamily="18" charset="0"/>
+                <a:cs typeface="Times New Roman" pitchFamily="18" charset="0"/>
+              </a:rPr>
+              <a:t/>
             </a:r>
             <a:br>
               <a:rPr lang="en-US" sz="4400" dirty="0">
@@ -15704,6 +16076,13 @@
   <p:clrMapOvr>
     <a:masterClrMapping/>
   </p:clrMapOvr>
+  <p:timing>
+    <p:tnLst>
+      <p:par>
+        <p:cTn id="1" dur="indefinite" restart="never" nodeType="tmRoot"/>
+      </p:par>
+    </p:tnLst>
+  </p:timing>
 </p:sld>
 </file>
 
@@ -15732,15 +16111,15 @@
         </p:nvSpPr>
         <p:spPr>
           <a:xfrm>
-            <a:off x="4067577" y="1143000"/>
-            <a:ext cx="4572000" cy="2585323"/>
+            <a:off x="4221016" y="1679696"/>
+            <a:ext cx="4876800" cy="1477328"/>
           </a:xfrm>
           <a:prstGeom prst="rect">
             <a:avLst/>
           </a:prstGeom>
         </p:spPr>
         <p:txBody>
-          <a:bodyPr>
+          <a:bodyPr wrap="square">
             <a:spAutoFit/>
           </a:bodyPr>
           <a:lstStyle/>
@@ -15758,21 +16137,6 @@
               <a:latin typeface="+mj-lt"/>
               <a:cs typeface="Times New Roman" pitchFamily="18" charset="0"/>
             </a:endParaRPr>
-          </a:p>
-          <a:p>
-            <a:r>
-              <a:rPr lang="en-US" dirty="0"/>
-              <a:t>one of the most popular programming language</a:t>
-            </a:r>
-          </a:p>
-          <a:p>
-            <a:endParaRPr lang="en-US" dirty="0"/>
-          </a:p>
-          <a:p>
-            <a:r>
-              <a:rPr lang="en-US" dirty="0"/>
-              <a:t>powerfully supports Object Oriented Programming</a:t>
-            </a:r>
           </a:p>
           <a:p>
             <a:endParaRPr lang="en-US" dirty="0">
@@ -15813,6 +16177,13 @@
           </a:bodyPr>
           <a:lstStyle/>
           <a:p>
+            <a:r>
+              <a:rPr lang="en-US" sz="4400" dirty="0">
+                <a:latin typeface="Times New Roman" pitchFamily="18" charset="0"/>
+                <a:cs typeface="Times New Roman" pitchFamily="18" charset="0"/>
+              </a:rPr>
+              <a:t/>
+            </a:r>
             <a:br>
               <a:rPr lang="en-US" sz="4400" dirty="0">
                 <a:latin typeface="Times New Roman" pitchFamily="18" charset="0"/>
@@ -15941,7 +16312,7 @@
         </p:blipFill>
         <p:spPr bwMode="auto">
           <a:xfrm>
-            <a:off x="1954148" y="2292337"/>
+            <a:off x="1464695" y="2237740"/>
             <a:ext cx="1400175" cy="1298620"/>
           </a:xfrm>
           <a:prstGeom prst="rect">
@@ -16005,7 +16376,7 @@
         </p:blipFill>
         <p:spPr bwMode="auto">
           <a:xfrm>
-            <a:off x="1611249" y="1172368"/>
+            <a:off x="1371600" y="1109627"/>
             <a:ext cx="2085975" cy="1066800"/>
           </a:xfrm>
           <a:prstGeom prst="rect">
@@ -17293,6 +17664,13 @@
           </a:bodyPr>
           <a:lstStyle/>
           <a:p>
+            <a:r>
+              <a:rPr lang="en-US" sz="4400" dirty="0">
+                <a:latin typeface="Times New Roman" pitchFamily="18" charset="0"/>
+                <a:cs typeface="Times New Roman" pitchFamily="18" charset="0"/>
+              </a:rPr>
+              <a:t/>
+            </a:r>
             <a:br>
               <a:rPr lang="en-US" sz="4400" dirty="0">
                 <a:latin typeface="Times New Roman" pitchFamily="18" charset="0"/>
@@ -18745,7 +19123,7 @@
           <p:cNvPr id="9" name="Picture 2">
             <a:extLst>
               <a:ext uri="{FF2B5EF4-FFF2-40B4-BE49-F238E27FC236}">
-                <a16:creationId xmlns:a16="http://schemas.microsoft.com/office/drawing/2014/main" id="{BB3204F3-1C9F-4FF6-9E57-FA563D3257A1}"/>
+                <a16:creationId xmlns="" xmlns:a16="http://schemas.microsoft.com/office/drawing/2014/main" id="{BB3204F3-1C9F-4FF6-9E57-FA563D3257A1}"/>
               </a:ext>
             </a:extLst>
           </p:cNvPr>
@@ -18815,7 +19193,7 @@
           <p:cNvPr id="10" name="Rectangle 9">
             <a:extLst>
               <a:ext uri="{FF2B5EF4-FFF2-40B4-BE49-F238E27FC236}">
-                <a16:creationId xmlns:a16="http://schemas.microsoft.com/office/drawing/2014/main" id="{0AF7D1DD-EA0A-473B-816D-69B528CB48EA}"/>
+                <a16:creationId xmlns="" xmlns:a16="http://schemas.microsoft.com/office/drawing/2014/main" id="{0AF7D1DD-EA0A-473B-816D-69B528CB48EA}"/>
               </a:ext>
             </a:extLst>
           </p:cNvPr>
@@ -18849,7 +19227,7 @@
           <p:cNvPr id="11" name="Rectangle 10">
             <a:extLst>
               <a:ext uri="{FF2B5EF4-FFF2-40B4-BE49-F238E27FC236}">
-                <a16:creationId xmlns:a16="http://schemas.microsoft.com/office/drawing/2014/main" id="{29510E87-C50F-4F22-915D-A8F05B89EBD9}"/>
+                <a16:creationId xmlns="" xmlns:a16="http://schemas.microsoft.com/office/drawing/2014/main" id="{29510E87-C50F-4F22-915D-A8F05B89EBD9}"/>
               </a:ext>
             </a:extLst>
           </p:cNvPr>
@@ -18883,7 +19261,7 @@
           <p:cNvPr id="12" name="Rectangle 11">
             <a:extLst>
               <a:ext uri="{FF2B5EF4-FFF2-40B4-BE49-F238E27FC236}">
-                <a16:creationId xmlns:a16="http://schemas.microsoft.com/office/drawing/2014/main" id="{A13F82E8-F9C3-4DE6-8B11-C78393A8E6D9}"/>
+                <a16:creationId xmlns="" xmlns:a16="http://schemas.microsoft.com/office/drawing/2014/main" id="{A13F82E8-F9C3-4DE6-8B11-C78393A8E6D9}"/>
               </a:ext>
             </a:extLst>
           </p:cNvPr>
@@ -18917,7 +19295,7 @@
           <p:cNvPr id="6" name="Picture 5">
             <a:extLst>
               <a:ext uri="{FF2B5EF4-FFF2-40B4-BE49-F238E27FC236}">
-                <a16:creationId xmlns:a16="http://schemas.microsoft.com/office/drawing/2014/main" id="{49719417-141B-4B24-88F9-47CC6CCF9D02}"/>
+                <a16:creationId xmlns="" xmlns:a16="http://schemas.microsoft.com/office/drawing/2014/main" id="{49719417-141B-4B24-88F9-47CC6CCF9D02}"/>
               </a:ext>
             </a:extLst>
           </p:cNvPr>
@@ -18940,7 +19318,7 @@
         </p:blipFill>
         <p:spPr>
           <a:xfrm>
-            <a:off x="2971800" y="3749706"/>
+            <a:off x="3133657" y="3749706"/>
             <a:ext cx="4524375" cy="2319944"/>
           </a:xfrm>
           <a:prstGeom prst="rect">
@@ -18958,6 +19336,13 @@
   <p:clrMapOvr>
     <a:masterClrMapping/>
   </p:clrMapOvr>
+  <p:timing>
+    <p:tnLst>
+      <p:par>
+        <p:cTn id="1" dur="indefinite" restart="never" nodeType="tmRoot"/>
+      </p:par>
+    </p:tnLst>
+  </p:timing>
 </p:sld>
 </file>
 
